--- a/Apresentação Sprint 1.pptx
+++ b/Apresentação Sprint 1.pptx
@@ -16,17 +16,18 @@
     <p:sldId id="267" r:id="rId10"/>
     <p:sldId id="269" r:id="rId11"/>
     <p:sldId id="270" r:id="rId12"/>
-    <p:sldId id="271" r:id="rId13"/>
-    <p:sldId id="272" r:id="rId14"/>
-    <p:sldId id="273" r:id="rId15"/>
-    <p:sldId id="275" r:id="rId16"/>
-    <p:sldId id="268" r:id="rId17"/>
-    <p:sldId id="276" r:id="rId18"/>
-    <p:sldId id="277" r:id="rId19"/>
-    <p:sldId id="278" r:id="rId20"/>
-    <p:sldId id="280" r:id="rId21"/>
-    <p:sldId id="281" r:id="rId22"/>
-    <p:sldId id="282" r:id="rId23"/>
+    <p:sldId id="283" r:id="rId13"/>
+    <p:sldId id="271" r:id="rId14"/>
+    <p:sldId id="272" r:id="rId15"/>
+    <p:sldId id="273" r:id="rId16"/>
+    <p:sldId id="275" r:id="rId17"/>
+    <p:sldId id="268" r:id="rId18"/>
+    <p:sldId id="276" r:id="rId19"/>
+    <p:sldId id="277" r:id="rId20"/>
+    <p:sldId id="278" r:id="rId21"/>
+    <p:sldId id="280" r:id="rId22"/>
+    <p:sldId id="281" r:id="rId23"/>
+    <p:sldId id="282" r:id="rId24"/>
   </p:sldIdLst>
   <p:sldSz cx="12192000" cy="6858000"/>
   <p:notesSz cx="6858000" cy="9144000"/>
@@ -368,7 +369,7 @@
           <a:p>
             <a:fld id="{4BDF68E2-58F2-4D09-BE8B-E3BD06533059}" type="datetimeFigureOut">
               <a:rPr lang="en-US" dirty="0"/>
-              <a:t>9/13/2020</a:t>
+              <a:t>9/14/2020</a:t>
             </a:fld>
             <a:endParaRPr lang="en-US" dirty="0"/>
           </a:p>
@@ -410,7 +411,7 @@
           <a:p>
             <a:fld id="{4FAB73BC-B049-4115-A692-8D63A059BFB8}" type="slidenum">
               <a:rPr lang="en-US" dirty="0"/>
-              <a:t>‹#›</a:t>
+              <a:t>‹nº›</a:t>
             </a:fld>
             <a:endParaRPr lang="en-US" dirty="0"/>
           </a:p>
@@ -574,7 +575,7 @@
           <a:p>
             <a:fld id="{2E2D6473-DF6D-4702-B328-E0DD40540A4E}" type="datetimeFigureOut">
               <a:rPr lang="en-US" dirty="0"/>
-              <a:t>9/13/2020</a:t>
+              <a:t>9/14/2020</a:t>
             </a:fld>
             <a:endParaRPr lang="en-US" dirty="0"/>
           </a:p>
@@ -616,7 +617,7 @@
           <a:p>
             <a:fld id="{4FAB73BC-B049-4115-A692-8D63A059BFB8}" type="slidenum">
               <a:rPr lang="en-US" dirty="0"/>
-              <a:t>‹#›</a:t>
+              <a:t>‹nº›</a:t>
             </a:fld>
             <a:endParaRPr lang="en-US" dirty="0"/>
           </a:p>
@@ -828,7 +829,7 @@
           <a:p>
             <a:fld id="{E26F7E3A-B166-407D-9866-32884E7D5B37}" type="datetimeFigureOut">
               <a:rPr lang="en-US" dirty="0"/>
-              <a:t>9/13/2020</a:t>
+              <a:t>9/14/2020</a:t>
             </a:fld>
             <a:endParaRPr lang="en-US" dirty="0"/>
           </a:p>
@@ -870,7 +871,7 @@
           <a:p>
             <a:fld id="{4FAB73BC-B049-4115-A692-8D63A059BFB8}" type="slidenum">
               <a:rPr lang="en-US" dirty="0"/>
-              <a:t>‹#›</a:t>
+              <a:t>‹nº›</a:t>
             </a:fld>
             <a:endParaRPr lang="en-US" dirty="0"/>
           </a:p>
@@ -1000,7 +1001,7 @@
           <a:p>
             <a:fld id="{528FC5F6-F338-4AE4-BB23-26385BCFC423}" type="datetimeFigureOut">
               <a:rPr lang="en-US" dirty="0"/>
-              <a:t>9/13/2020</a:t>
+              <a:t>9/14/2020</a:t>
             </a:fld>
             <a:endParaRPr lang="en-US" dirty="0"/>
           </a:p>
@@ -1042,7 +1043,7 @@
           <a:p>
             <a:fld id="{6113E31D-E2AB-40D1-8B51-AFA5AFEF393A}" type="slidenum">
               <a:rPr lang="en-US" dirty="0"/>
-              <a:t>‹#›</a:t>
+              <a:t>‹nº›</a:t>
             </a:fld>
             <a:endParaRPr lang="en-US" dirty="0"/>
           </a:p>
@@ -1342,7 +1343,7 @@
           <a:p>
             <a:fld id="{20EBB0C4-6273-4C6E-B9BD-2EDC30F1CD52}" type="datetimeFigureOut">
               <a:rPr lang="en-US" dirty="0"/>
-              <a:t>9/13/2020</a:t>
+              <a:t>9/14/2020</a:t>
             </a:fld>
             <a:endParaRPr lang="en-US" dirty="0"/>
           </a:p>
@@ -1384,7 +1385,7 @@
           <a:p>
             <a:fld id="{4FAB73BC-B049-4115-A692-8D63A059BFB8}" type="slidenum">
               <a:rPr lang="en-US" dirty="0"/>
-              <a:t>‹#›</a:t>
+              <a:t>‹nº›</a:t>
             </a:fld>
             <a:endParaRPr lang="en-US" dirty="0"/>
           </a:p>
@@ -1614,7 +1615,7 @@
           <a:p>
             <a:fld id="{19AB4D41-86C1-4908-B66A-0B50CEB3BF29}" type="datetimeFigureOut">
               <a:rPr lang="en-US" dirty="0"/>
-              <a:t>9/13/2020</a:t>
+              <a:t>9/14/2020</a:t>
             </a:fld>
             <a:endParaRPr lang="en-US" dirty="0"/>
           </a:p>
@@ -1656,7 +1657,7 @@
           <a:p>
             <a:fld id="{4FAB73BC-B049-4115-A692-8D63A059BFB8}" type="slidenum">
               <a:rPr lang="en-US" dirty="0"/>
-              <a:t>‹#›</a:t>
+              <a:t>‹nº›</a:t>
             </a:fld>
             <a:endParaRPr lang="en-US" dirty="0"/>
           </a:p>
@@ -1990,7 +1991,7 @@
           <a:p>
             <a:fld id="{E6426E2C-56C1-4E0D-A793-0088A7FDD37E}" type="datetimeFigureOut">
               <a:rPr lang="en-US" dirty="0"/>
-              <a:t>9/13/2020</a:t>
+              <a:t>9/14/2020</a:t>
             </a:fld>
             <a:endParaRPr lang="en-US" dirty="0"/>
           </a:p>
@@ -2032,7 +2033,7 @@
           <a:p>
             <a:fld id="{4FAB73BC-B049-4115-A692-8D63A059BFB8}" type="slidenum">
               <a:rPr lang="en-US" dirty="0"/>
-              <a:t>‹#›</a:t>
+              <a:t>‹nº›</a:t>
             </a:fld>
             <a:endParaRPr lang="en-US" dirty="0"/>
           </a:p>
@@ -2107,7 +2108,7 @@
           <a:p>
             <a:fld id="{C8C39B41-D8B5-4052-B551-9B5525EAA8B6}" type="datetimeFigureOut">
               <a:rPr lang="en-US" dirty="0"/>
-              <a:t>9/13/2020</a:t>
+              <a:t>9/14/2020</a:t>
             </a:fld>
             <a:endParaRPr lang="en-US" dirty="0"/>
           </a:p>
@@ -2149,7 +2150,7 @@
           <a:p>
             <a:fld id="{4FAB73BC-B049-4115-A692-8D63A059BFB8}" type="slidenum">
               <a:rPr lang="en-US" dirty="0"/>
-              <a:t>‹#›</a:t>
+              <a:t>‹nº›</a:t>
             </a:fld>
             <a:endParaRPr lang="en-US" dirty="0"/>
           </a:p>
@@ -2278,7 +2279,7 @@
           <a:p>
             <a:fld id="{4D94136C-8742-45B2-AF27-D93DF72833A9}" type="datetimeFigureOut">
               <a:rPr lang="en-US" dirty="0"/>
-              <a:t>9/13/2020</a:t>
+              <a:t>9/14/2020</a:t>
             </a:fld>
             <a:endParaRPr lang="en-US" dirty="0"/>
           </a:p>
@@ -2329,7 +2330,7 @@
             <a:fld id="{4FAB73BC-B049-4115-A692-8D63A059BFB8}" type="slidenum">
               <a:rPr lang="en-US" dirty="0"/>
               <a:pPr/>
-              <a:t>‹#›</a:t>
+              <a:t>‹nº›</a:t>
             </a:fld>
             <a:endParaRPr lang="en-US" dirty="0"/>
           </a:p>
@@ -2631,7 +2632,7 @@
           <a:p>
             <a:fld id="{32ABBEA6-7C60-4B02-AE87-00D78D8422AF}" type="datetimeFigureOut">
               <a:rPr lang="en-US" dirty="0"/>
-              <a:t>9/13/2020</a:t>
+              <a:t>9/14/2020</a:t>
             </a:fld>
             <a:endParaRPr lang="en-US" dirty="0"/>
           </a:p>
@@ -2695,7 +2696,7 @@
             <a:fld id="{4FAB73BC-B049-4115-A692-8D63A059BFB8}" type="slidenum">
               <a:rPr lang="en-US" dirty="0"/>
               <a:pPr/>
-              <a:t>‹#›</a:t>
+              <a:t>‹nº›</a:t>
             </a:fld>
             <a:endParaRPr lang="en-US" dirty="0"/>
           </a:p>
@@ -3009,7 +3010,7 @@
           <a:p>
             <a:fld id="{C9CAD897-D46E-4AD2-BD9B-49DD3E640873}" type="datetimeFigureOut">
               <a:rPr lang="en-US" dirty="0"/>
-              <a:t>9/13/2020</a:t>
+              <a:t>9/14/2020</a:t>
             </a:fld>
             <a:endParaRPr lang="en-US" dirty="0"/>
           </a:p>
@@ -3051,7 +3052,7 @@
           <a:p>
             <a:fld id="{4FAB73BC-B049-4115-A692-8D63A059BFB8}" type="slidenum">
               <a:rPr lang="en-US" dirty="0"/>
-              <a:t>‹#›</a:t>
+              <a:t>‹nº›</a:t>
             </a:fld>
             <a:endParaRPr lang="en-US" dirty="0"/>
           </a:p>
@@ -3294,7 +3295,7 @@
           <a:p>
             <a:fld id="{98624D31-43A5-475A-80CF-332C9F6DCF35}" type="datetimeFigureOut">
               <a:rPr lang="en-US" dirty="0"/>
-              <a:t>9/13/2020</a:t>
+              <a:t>9/14/2020</a:t>
             </a:fld>
             <a:endParaRPr lang="en-US" dirty="0"/>
           </a:p>
@@ -3369,7 +3370,7 @@
             <a:fld id="{4FAB73BC-B049-4115-A692-8D63A059BFB8}" type="slidenum">
               <a:rPr lang="en-US" dirty="0"/>
               <a:pPr/>
-              <a:t>‹#›</a:t>
+              <a:t>‹nº›</a:t>
             </a:fld>
             <a:endParaRPr lang="en-US" dirty="0"/>
           </a:p>
@@ -4057,7 +4058,7 @@
         </p:nvSpPr>
         <p:spPr>
           <a:xfrm>
-            <a:off x="4337140" y="1903991"/>
+            <a:off x="4567799" y="1863853"/>
             <a:ext cx="3301575" cy="1751939"/>
           </a:xfrm>
           <a:custGeom>
@@ -5230,7 +5231,7 @@
         </p:nvSpPr>
         <p:spPr>
           <a:xfrm>
-            <a:off x="8000922" y="1875096"/>
+            <a:off x="8462241" y="1863852"/>
             <a:ext cx="3262993" cy="1755331"/>
           </a:xfrm>
           <a:custGeom>
@@ -6458,7 +6459,7 @@
         </p:nvSpPr>
         <p:spPr>
           <a:xfrm>
-            <a:off x="4408298" y="4263407"/>
+            <a:off x="4374536" y="4264108"/>
             <a:ext cx="2992918" cy="1726922"/>
           </a:xfrm>
           <a:custGeom>
@@ -6992,7 +6993,7 @@
               </a:rPr>
               <a:t>da aula.</a:t>
             </a:r>
-            <a:endParaRPr lang="en-US"/>
+            <a:endParaRPr lang="en-US" dirty="0"/>
           </a:p>
         </p:txBody>
       </p:sp>
@@ -7010,7 +7011,7 @@
         </p:nvSpPr>
         <p:spPr>
           <a:xfrm>
-            <a:off x="236947" y="1873953"/>
+            <a:off x="326116" y="1863852"/>
             <a:ext cx="3648816" cy="1751940"/>
           </a:xfrm>
           <a:custGeom>
@@ -7618,6 +7619,2656 @@
 </file>
 
 <file path=ppt/slides/slide12.xml><?xml version="1.0" encoding="utf-8"?>
+<p:sld xmlns:a="http://schemas.openxmlformats.org/drawingml/2006/main" xmlns:r="http://schemas.openxmlformats.org/officeDocument/2006/relationships" xmlns:p="http://schemas.openxmlformats.org/presentationml/2006/main">
+  <p:cSld>
+    <p:spTree>
+      <p:nvGrpSpPr>
+        <p:cNvPr id="1" name=""/>
+        <p:cNvGrpSpPr/>
+        <p:nvPr/>
+      </p:nvGrpSpPr>
+      <p:grpSpPr>
+        <a:xfrm>
+          <a:off x="0" y="0"/>
+          <a:ext cx="0" cy="0"/>
+          <a:chOff x="0" y="0"/>
+          <a:chExt cx="0" cy="0"/>
+        </a:xfrm>
+      </p:grpSpPr>
+      <p:sp>
+        <p:nvSpPr>
+          <p:cNvPr id="2" name="Title 1">
+            <a:extLst>
+              <a:ext uri="{FF2B5EF4-FFF2-40B4-BE49-F238E27FC236}">
+                <a16:creationId xmlns:a16="http://schemas.microsoft.com/office/drawing/2014/main" id="{B6583983-6753-415F-8FB6-91F33040C26D}"/>
+              </a:ext>
+            </a:extLst>
+          </p:cNvPr>
+          <p:cNvSpPr>
+            <a:spLocks noGrp="1"/>
+          </p:cNvSpPr>
+          <p:nvPr>
+            <p:ph type="title"/>
+          </p:nvPr>
+        </p:nvSpPr>
+        <p:spPr/>
+        <p:txBody>
+          <a:bodyPr/>
+          <a:lstStyle/>
+          <a:p>
+            <a:r>
+              <a:rPr lang="en-US" dirty="0">
+                <a:cs typeface="Calibri Light"/>
+              </a:rPr>
+              <a:t>USER STORIES: PROFESSOR</a:t>
+            </a:r>
+            <a:endParaRPr lang="en-US" dirty="0"/>
+          </a:p>
+        </p:txBody>
+      </p:sp>
+      <p:sp>
+        <p:nvSpPr>
+          <p:cNvPr id="4" name="Retângulo 4">
+            <a:extLst>
+              <a:ext uri="{FF2B5EF4-FFF2-40B4-BE49-F238E27FC236}">
+                <a16:creationId xmlns:a16="http://schemas.microsoft.com/office/drawing/2014/main" id="{0479926F-3A0A-4F69-A906-2F13C6F8369C}"/>
+              </a:ext>
+            </a:extLst>
+          </p:cNvPr>
+          <p:cNvSpPr/>
+          <p:nvPr/>
+        </p:nvSpPr>
+        <p:spPr>
+          <a:xfrm>
+            <a:off x="6231218" y="2053322"/>
+            <a:ext cx="3971702" cy="1751940"/>
+          </a:xfrm>
+          <a:custGeom>
+            <a:avLst/>
+            <a:gdLst>
+              <a:gd name="connsiteX0" fmla="*/ 0 w 3971702"/>
+              <a:gd name="connsiteY0" fmla="*/ 0 h 1751940"/>
+              <a:gd name="connsiteX1" fmla="*/ 487952 w 3971702"/>
+              <a:gd name="connsiteY1" fmla="*/ 0 h 1751940"/>
+              <a:gd name="connsiteX2" fmla="*/ 1015621 w 3971702"/>
+              <a:gd name="connsiteY2" fmla="*/ 0 h 1751940"/>
+              <a:gd name="connsiteX3" fmla="*/ 1583007 w 3971702"/>
+              <a:gd name="connsiteY3" fmla="*/ 0 h 1751940"/>
+              <a:gd name="connsiteX4" fmla="*/ 2031242 w 3971702"/>
+              <a:gd name="connsiteY4" fmla="*/ 0 h 1751940"/>
+              <a:gd name="connsiteX5" fmla="*/ 2678062 w 3971702"/>
+              <a:gd name="connsiteY5" fmla="*/ 0 h 1751940"/>
+              <a:gd name="connsiteX6" fmla="*/ 3205731 w 3971702"/>
+              <a:gd name="connsiteY6" fmla="*/ 0 h 1751940"/>
+              <a:gd name="connsiteX7" fmla="*/ 3971702 w 3971702"/>
+              <a:gd name="connsiteY7" fmla="*/ 0 h 1751940"/>
+              <a:gd name="connsiteX8" fmla="*/ 3971702 w 3971702"/>
+              <a:gd name="connsiteY8" fmla="*/ 531422 h 1751940"/>
+              <a:gd name="connsiteX9" fmla="*/ 3971702 w 3971702"/>
+              <a:gd name="connsiteY9" fmla="*/ 1097882 h 1751940"/>
+              <a:gd name="connsiteX10" fmla="*/ 3971702 w 3971702"/>
+              <a:gd name="connsiteY10" fmla="*/ 1751940 h 1751940"/>
+              <a:gd name="connsiteX11" fmla="*/ 3324882 w 3971702"/>
+              <a:gd name="connsiteY11" fmla="*/ 1751940 h 1751940"/>
+              <a:gd name="connsiteX12" fmla="*/ 2717779 w 3971702"/>
+              <a:gd name="connsiteY12" fmla="*/ 1751940 h 1751940"/>
+              <a:gd name="connsiteX13" fmla="*/ 2269544 w 3971702"/>
+              <a:gd name="connsiteY13" fmla="*/ 1751940 h 1751940"/>
+              <a:gd name="connsiteX14" fmla="*/ 1702158 w 3971702"/>
+              <a:gd name="connsiteY14" fmla="*/ 1751940 h 1751940"/>
+              <a:gd name="connsiteX15" fmla="*/ 1055338 w 3971702"/>
+              <a:gd name="connsiteY15" fmla="*/ 1751940 h 1751940"/>
+              <a:gd name="connsiteX16" fmla="*/ 0 w 3971702"/>
+              <a:gd name="connsiteY16" fmla="*/ 1751940 h 1751940"/>
+              <a:gd name="connsiteX17" fmla="*/ 0 w 3971702"/>
+              <a:gd name="connsiteY17" fmla="*/ 1220518 h 1751940"/>
+              <a:gd name="connsiteX18" fmla="*/ 0 w 3971702"/>
+              <a:gd name="connsiteY18" fmla="*/ 619019 h 1751940"/>
+              <a:gd name="connsiteX19" fmla="*/ 0 w 3971702"/>
+              <a:gd name="connsiteY19" fmla="*/ 0 h 1751940"/>
+            </a:gdLst>
+            <a:ahLst/>
+            <a:cxnLst>
+              <a:cxn ang="0">
+                <a:pos x="connsiteX0" y="connsiteY0"/>
+              </a:cxn>
+              <a:cxn ang="0">
+                <a:pos x="connsiteX1" y="connsiteY1"/>
+              </a:cxn>
+              <a:cxn ang="0">
+                <a:pos x="connsiteX2" y="connsiteY2"/>
+              </a:cxn>
+              <a:cxn ang="0">
+                <a:pos x="connsiteX3" y="connsiteY3"/>
+              </a:cxn>
+              <a:cxn ang="0">
+                <a:pos x="connsiteX4" y="connsiteY4"/>
+              </a:cxn>
+              <a:cxn ang="0">
+                <a:pos x="connsiteX5" y="connsiteY5"/>
+              </a:cxn>
+              <a:cxn ang="0">
+                <a:pos x="connsiteX6" y="connsiteY6"/>
+              </a:cxn>
+              <a:cxn ang="0">
+                <a:pos x="connsiteX7" y="connsiteY7"/>
+              </a:cxn>
+              <a:cxn ang="0">
+                <a:pos x="connsiteX8" y="connsiteY8"/>
+              </a:cxn>
+              <a:cxn ang="0">
+                <a:pos x="connsiteX9" y="connsiteY9"/>
+              </a:cxn>
+              <a:cxn ang="0">
+                <a:pos x="connsiteX10" y="connsiteY10"/>
+              </a:cxn>
+              <a:cxn ang="0">
+                <a:pos x="connsiteX11" y="connsiteY11"/>
+              </a:cxn>
+              <a:cxn ang="0">
+                <a:pos x="connsiteX12" y="connsiteY12"/>
+              </a:cxn>
+              <a:cxn ang="0">
+                <a:pos x="connsiteX13" y="connsiteY13"/>
+              </a:cxn>
+              <a:cxn ang="0">
+                <a:pos x="connsiteX14" y="connsiteY14"/>
+              </a:cxn>
+              <a:cxn ang="0">
+                <a:pos x="connsiteX15" y="connsiteY15"/>
+              </a:cxn>
+              <a:cxn ang="0">
+                <a:pos x="connsiteX16" y="connsiteY16"/>
+              </a:cxn>
+              <a:cxn ang="0">
+                <a:pos x="connsiteX17" y="connsiteY17"/>
+              </a:cxn>
+              <a:cxn ang="0">
+                <a:pos x="connsiteX18" y="connsiteY18"/>
+              </a:cxn>
+              <a:cxn ang="0">
+                <a:pos x="connsiteX19" y="connsiteY19"/>
+              </a:cxn>
+            </a:cxnLst>
+            <a:rect l="l" t="t" r="r" b="b"/>
+            <a:pathLst>
+              <a:path w="3971702" h="1751940" fill="none" extrusionOk="0">
+                <a:moveTo>
+                  <a:pt x="0" y="0"/>
+                </a:moveTo>
+                <a:cubicBezTo>
+                  <a:pt x="230063" y="-56998"/>
+                  <a:pt x="292980" y="22508"/>
+                  <a:pt x="487952" y="0"/>
+                </a:cubicBezTo>
+                <a:cubicBezTo>
+                  <a:pt x="682924" y="-22508"/>
+                  <a:pt x="876413" y="41352"/>
+                  <a:pt x="1015621" y="0"/>
+                </a:cubicBezTo>
+                <a:cubicBezTo>
+                  <a:pt x="1154829" y="-41352"/>
+                  <a:pt x="1469167" y="64589"/>
+                  <a:pt x="1583007" y="0"/>
+                </a:cubicBezTo>
+                <a:cubicBezTo>
+                  <a:pt x="1696847" y="-64589"/>
+                  <a:pt x="1924765" y="33906"/>
+                  <a:pt x="2031242" y="0"/>
+                </a:cubicBezTo>
+                <a:cubicBezTo>
+                  <a:pt x="2137720" y="-33906"/>
+                  <a:pt x="2431570" y="57294"/>
+                  <a:pt x="2678062" y="0"/>
+                </a:cubicBezTo>
+                <a:cubicBezTo>
+                  <a:pt x="2924554" y="-57294"/>
+                  <a:pt x="3091089" y="36705"/>
+                  <a:pt x="3205731" y="0"/>
+                </a:cubicBezTo>
+                <a:cubicBezTo>
+                  <a:pt x="3320373" y="-36705"/>
+                  <a:pt x="3812034" y="77429"/>
+                  <a:pt x="3971702" y="0"/>
+                </a:cubicBezTo>
+                <a:cubicBezTo>
+                  <a:pt x="4034513" y="139854"/>
+                  <a:pt x="3969372" y="409993"/>
+                  <a:pt x="3971702" y="531422"/>
+                </a:cubicBezTo>
+                <a:cubicBezTo>
+                  <a:pt x="3974032" y="652851"/>
+                  <a:pt x="3907775" y="944821"/>
+                  <a:pt x="3971702" y="1097882"/>
+                </a:cubicBezTo>
+                <a:cubicBezTo>
+                  <a:pt x="4035629" y="1250943"/>
+                  <a:pt x="3970441" y="1478840"/>
+                  <a:pt x="3971702" y="1751940"/>
+                </a:cubicBezTo>
+                <a:cubicBezTo>
+                  <a:pt x="3743194" y="1779126"/>
+                  <a:pt x="3551024" y="1724640"/>
+                  <a:pt x="3324882" y="1751940"/>
+                </a:cubicBezTo>
+                <a:cubicBezTo>
+                  <a:pt x="3098740" y="1779240"/>
+                  <a:pt x="2841241" y="1736630"/>
+                  <a:pt x="2717779" y="1751940"/>
+                </a:cubicBezTo>
+                <a:cubicBezTo>
+                  <a:pt x="2594317" y="1767250"/>
+                  <a:pt x="2391221" y="1704671"/>
+                  <a:pt x="2269544" y="1751940"/>
+                </a:cubicBezTo>
+                <a:cubicBezTo>
+                  <a:pt x="2147867" y="1799209"/>
+                  <a:pt x="1984969" y="1717268"/>
+                  <a:pt x="1702158" y="1751940"/>
+                </a:cubicBezTo>
+                <a:cubicBezTo>
+                  <a:pt x="1419347" y="1786612"/>
+                  <a:pt x="1196629" y="1702671"/>
+                  <a:pt x="1055338" y="1751940"/>
+                </a:cubicBezTo>
+                <a:cubicBezTo>
+                  <a:pt x="914047" y="1801209"/>
+                  <a:pt x="446417" y="1700547"/>
+                  <a:pt x="0" y="1751940"/>
+                </a:cubicBezTo>
+                <a:cubicBezTo>
+                  <a:pt x="-8119" y="1621726"/>
+                  <a:pt x="27513" y="1430346"/>
+                  <a:pt x="0" y="1220518"/>
+                </a:cubicBezTo>
+                <a:cubicBezTo>
+                  <a:pt x="-27513" y="1010690"/>
+                  <a:pt x="60612" y="872829"/>
+                  <a:pt x="0" y="619019"/>
+                </a:cubicBezTo>
+                <a:cubicBezTo>
+                  <a:pt x="-60612" y="365209"/>
+                  <a:pt x="4327" y="198241"/>
+                  <a:pt x="0" y="0"/>
+                </a:cubicBezTo>
+                <a:close/>
+              </a:path>
+              <a:path w="3971702" h="1751940" stroke="0" extrusionOk="0">
+                <a:moveTo>
+                  <a:pt x="0" y="0"/>
+                </a:moveTo>
+                <a:cubicBezTo>
+                  <a:pt x="196902" y="-11902"/>
+                  <a:pt x="332594" y="13569"/>
+                  <a:pt x="646820" y="0"/>
+                </a:cubicBezTo>
+                <a:cubicBezTo>
+                  <a:pt x="961046" y="-13569"/>
+                  <a:pt x="1040698" y="57675"/>
+                  <a:pt x="1214206" y="0"/>
+                </a:cubicBezTo>
+                <a:cubicBezTo>
+                  <a:pt x="1387714" y="-57675"/>
+                  <a:pt x="1592563" y="53274"/>
+                  <a:pt x="1702158" y="0"/>
+                </a:cubicBezTo>
+                <a:cubicBezTo>
+                  <a:pt x="1811753" y="-53274"/>
+                  <a:pt x="2053208" y="5110"/>
+                  <a:pt x="2269544" y="0"/>
+                </a:cubicBezTo>
+                <a:cubicBezTo>
+                  <a:pt x="2485880" y="-5110"/>
+                  <a:pt x="2717847" y="58175"/>
+                  <a:pt x="2916364" y="0"/>
+                </a:cubicBezTo>
+                <a:cubicBezTo>
+                  <a:pt x="3114881" y="-58175"/>
+                  <a:pt x="3176475" y="2025"/>
+                  <a:pt x="3404316" y="0"/>
+                </a:cubicBezTo>
+                <a:cubicBezTo>
+                  <a:pt x="3632157" y="-2025"/>
+                  <a:pt x="3842094" y="26682"/>
+                  <a:pt x="3971702" y="0"/>
+                </a:cubicBezTo>
+                <a:cubicBezTo>
+                  <a:pt x="3998610" y="252219"/>
+                  <a:pt x="3969603" y="430265"/>
+                  <a:pt x="3971702" y="583980"/>
+                </a:cubicBezTo>
+                <a:cubicBezTo>
+                  <a:pt x="3973801" y="737695"/>
+                  <a:pt x="3954391" y="965396"/>
+                  <a:pt x="3971702" y="1150441"/>
+                </a:cubicBezTo>
+                <a:cubicBezTo>
+                  <a:pt x="3989013" y="1335486"/>
+                  <a:pt x="3960841" y="1483106"/>
+                  <a:pt x="3971702" y="1751940"/>
+                </a:cubicBezTo>
+                <a:cubicBezTo>
+                  <a:pt x="3756687" y="1776375"/>
+                  <a:pt x="3633374" y="1728050"/>
+                  <a:pt x="3444033" y="1751940"/>
+                </a:cubicBezTo>
+                <a:cubicBezTo>
+                  <a:pt x="3254692" y="1775830"/>
+                  <a:pt x="3076755" y="1726926"/>
+                  <a:pt x="2836930" y="1751940"/>
+                </a:cubicBezTo>
+                <a:cubicBezTo>
+                  <a:pt x="2597105" y="1776954"/>
+                  <a:pt x="2555758" y="1696517"/>
+                  <a:pt x="2348978" y="1751940"/>
+                </a:cubicBezTo>
+                <a:cubicBezTo>
+                  <a:pt x="2142198" y="1807363"/>
+                  <a:pt x="2058569" y="1734117"/>
+                  <a:pt x="1821309" y="1751940"/>
+                </a:cubicBezTo>
+                <a:cubicBezTo>
+                  <a:pt x="1584049" y="1769763"/>
+                  <a:pt x="1354325" y="1728606"/>
+                  <a:pt x="1214206" y="1751940"/>
+                </a:cubicBezTo>
+                <a:cubicBezTo>
+                  <a:pt x="1074087" y="1775274"/>
+                  <a:pt x="877260" y="1720835"/>
+                  <a:pt x="567386" y="1751940"/>
+                </a:cubicBezTo>
+                <a:cubicBezTo>
+                  <a:pt x="257512" y="1783045"/>
+                  <a:pt x="215815" y="1700130"/>
+                  <a:pt x="0" y="1751940"/>
+                </a:cubicBezTo>
+                <a:cubicBezTo>
+                  <a:pt x="-65658" y="1567430"/>
+                  <a:pt x="40838" y="1422325"/>
+                  <a:pt x="0" y="1167960"/>
+                </a:cubicBezTo>
+                <a:cubicBezTo>
+                  <a:pt x="-40838" y="913595"/>
+                  <a:pt x="10644" y="849670"/>
+                  <a:pt x="0" y="619019"/>
+                </a:cubicBezTo>
+                <a:cubicBezTo>
+                  <a:pt x="-10644" y="388368"/>
+                  <a:pt x="26820" y="264488"/>
+                  <a:pt x="0" y="0"/>
+                </a:cubicBezTo>
+                <a:close/>
+              </a:path>
+            </a:pathLst>
+          </a:custGeom>
+          <a:solidFill>
+            <a:srgbClr val="509DB8"/>
+          </a:solidFill>
+          <a:ln>
+            <a:gradFill>
+              <a:gsLst>
+                <a:gs pos="0">
+                  <a:schemeClr val="accent1">
+                    <a:lumMod val="5000"/>
+                    <a:lumOff val="95000"/>
+                  </a:schemeClr>
+                </a:gs>
+                <a:gs pos="74000">
+                  <a:schemeClr val="accent1">
+                    <a:lumMod val="45000"/>
+                    <a:lumOff val="55000"/>
+                  </a:schemeClr>
+                </a:gs>
+                <a:gs pos="83000">
+                  <a:schemeClr val="accent1">
+                    <a:lumMod val="45000"/>
+                    <a:lumOff val="55000"/>
+                  </a:schemeClr>
+                </a:gs>
+                <a:gs pos="100000">
+                  <a:schemeClr val="accent1">
+                    <a:lumMod val="30000"/>
+                    <a:lumOff val="70000"/>
+                  </a:schemeClr>
+                </a:gs>
+              </a:gsLst>
+              <a:lin ang="5400000" scaled="1"/>
+            </a:gradFill>
+            <a:extLst>
+              <a:ext uri="{C807C97D-BFC1-408E-A445-0C87EB9F89A2}">
+                <ask:lineSketchStyleProps xmlns:ask="http://schemas.microsoft.com/office/drawing/2018/sketchyshapes" sd="981765707">
+                  <a:prstGeom prst="rect">
+                    <a:avLst/>
+                  </a:prstGeom>
+                  <ask:type>
+                    <ask:lineSketchScribble/>
+                  </ask:type>
+                </ask:lineSketchStyleProps>
+              </a:ext>
+            </a:extLst>
+          </a:ln>
+          <a:effectLst>
+            <a:outerShdw blurRad="63500" sx="102000" sy="102000" algn="ctr" rotWithShape="0">
+              <a:prstClr val="black">
+                <a:alpha val="40000"/>
+              </a:prstClr>
+            </a:outerShdw>
+          </a:effectLst>
+        </p:spPr>
+        <p:style>
+          <a:lnRef idx="2">
+            <a:schemeClr val="accent1">
+              <a:shade val="50000"/>
+            </a:schemeClr>
+          </a:lnRef>
+          <a:fillRef idx="1">
+            <a:schemeClr val="accent1"/>
+          </a:fillRef>
+          <a:effectRef idx="0">
+            <a:schemeClr val="accent1"/>
+          </a:effectRef>
+          <a:fontRef idx="minor">
+            <a:schemeClr val="lt1"/>
+          </a:fontRef>
+        </p:style>
+        <p:txBody>
+          <a:bodyPr lIns="91440" tIns="45720" rIns="91440" bIns="45720" rtlCol="0" anchor="ctr"/>
+          <a:lstStyle>
+            <a:defPPr>
+              <a:defRPr lang="pt-BR"/>
+            </a:defPPr>
+            <a:lvl1pPr marL="0" algn="l" defTabSz="914400" rtl="0" eaLnBrk="1" latinLnBrk="0" hangingPunct="1">
+              <a:defRPr sz="1800" kern="1200">
+                <a:solidFill>
+                  <a:schemeClr val="lt1"/>
+                </a:solidFill>
+                <a:latin typeface="+mn-lt"/>
+                <a:ea typeface="+mn-ea"/>
+                <a:cs typeface="+mn-cs"/>
+              </a:defRPr>
+            </a:lvl1pPr>
+            <a:lvl2pPr marL="457200" algn="l" defTabSz="914400" rtl="0" eaLnBrk="1" latinLnBrk="0" hangingPunct="1">
+              <a:defRPr sz="1800" kern="1200">
+                <a:solidFill>
+                  <a:schemeClr val="lt1"/>
+                </a:solidFill>
+                <a:latin typeface="+mn-lt"/>
+                <a:ea typeface="+mn-ea"/>
+                <a:cs typeface="+mn-cs"/>
+              </a:defRPr>
+            </a:lvl2pPr>
+            <a:lvl3pPr marL="914400" algn="l" defTabSz="914400" rtl="0" eaLnBrk="1" latinLnBrk="0" hangingPunct="1">
+              <a:defRPr sz="1800" kern="1200">
+                <a:solidFill>
+                  <a:schemeClr val="lt1"/>
+                </a:solidFill>
+                <a:latin typeface="+mn-lt"/>
+                <a:ea typeface="+mn-ea"/>
+                <a:cs typeface="+mn-cs"/>
+              </a:defRPr>
+            </a:lvl3pPr>
+            <a:lvl4pPr marL="1371600" algn="l" defTabSz="914400" rtl="0" eaLnBrk="1" latinLnBrk="0" hangingPunct="1">
+              <a:defRPr sz="1800" kern="1200">
+                <a:solidFill>
+                  <a:schemeClr val="lt1"/>
+                </a:solidFill>
+                <a:latin typeface="+mn-lt"/>
+                <a:ea typeface="+mn-ea"/>
+                <a:cs typeface="+mn-cs"/>
+              </a:defRPr>
+            </a:lvl4pPr>
+            <a:lvl5pPr marL="1828800" algn="l" defTabSz="914400" rtl="0" eaLnBrk="1" latinLnBrk="0" hangingPunct="1">
+              <a:defRPr sz="1800" kern="1200">
+                <a:solidFill>
+                  <a:schemeClr val="lt1"/>
+                </a:solidFill>
+                <a:latin typeface="+mn-lt"/>
+                <a:ea typeface="+mn-ea"/>
+                <a:cs typeface="+mn-cs"/>
+              </a:defRPr>
+            </a:lvl5pPr>
+            <a:lvl6pPr marL="2286000" algn="l" defTabSz="914400" rtl="0" eaLnBrk="1" latinLnBrk="0" hangingPunct="1">
+              <a:defRPr sz="1800" kern="1200">
+                <a:solidFill>
+                  <a:schemeClr val="lt1"/>
+                </a:solidFill>
+                <a:latin typeface="+mn-lt"/>
+                <a:ea typeface="+mn-ea"/>
+                <a:cs typeface="+mn-cs"/>
+              </a:defRPr>
+            </a:lvl6pPr>
+            <a:lvl7pPr marL="2743200" algn="l" defTabSz="914400" rtl="0" eaLnBrk="1" latinLnBrk="0" hangingPunct="1">
+              <a:defRPr sz="1800" kern="1200">
+                <a:solidFill>
+                  <a:schemeClr val="lt1"/>
+                </a:solidFill>
+                <a:latin typeface="+mn-lt"/>
+                <a:ea typeface="+mn-ea"/>
+                <a:cs typeface="+mn-cs"/>
+              </a:defRPr>
+            </a:lvl7pPr>
+            <a:lvl8pPr marL="3200400" algn="l" defTabSz="914400" rtl="0" eaLnBrk="1" latinLnBrk="0" hangingPunct="1">
+              <a:defRPr sz="1800" kern="1200">
+                <a:solidFill>
+                  <a:schemeClr val="lt1"/>
+                </a:solidFill>
+                <a:latin typeface="+mn-lt"/>
+                <a:ea typeface="+mn-ea"/>
+                <a:cs typeface="+mn-cs"/>
+              </a:defRPr>
+            </a:lvl8pPr>
+            <a:lvl9pPr marL="3657600" algn="l" defTabSz="914400" rtl="0" eaLnBrk="1" latinLnBrk="0" hangingPunct="1">
+              <a:defRPr sz="1800" kern="1200">
+                <a:solidFill>
+                  <a:schemeClr val="lt1"/>
+                </a:solidFill>
+                <a:latin typeface="+mn-lt"/>
+                <a:ea typeface="+mn-ea"/>
+                <a:cs typeface="+mn-cs"/>
+              </a:defRPr>
+            </a:lvl9pPr>
+          </a:lstStyle>
+          <a:p>
+            <a:r>
+              <a:rPr lang="en-US" dirty="0">
+                <a:latin typeface="Ink Free" panose="03080402000500000000" pitchFamily="66" charset="0"/>
+              </a:rPr>
+              <a:t>Eu, </a:t>
+            </a:r>
+            <a:r>
+              <a:rPr lang="en-US" b="1" dirty="0" err="1">
+                <a:solidFill>
+                  <a:schemeClr val="tx1"/>
+                </a:solidFill>
+                <a:latin typeface="Ink Free" panose="03080402000500000000" pitchFamily="66" charset="0"/>
+              </a:rPr>
+              <a:t>enquanto</a:t>
+            </a:r>
+            <a:r>
+              <a:rPr lang="en-US" dirty="0">
+                <a:latin typeface="Ink Free" panose="03080402000500000000" pitchFamily="66" charset="0"/>
+              </a:rPr>
+              <a:t> professor, </a:t>
+            </a:r>
+            <a:r>
+              <a:rPr lang="en-US" b="1" dirty="0" err="1">
+                <a:solidFill>
+                  <a:schemeClr val="tx1"/>
+                </a:solidFill>
+                <a:latin typeface="Ink Free" panose="03080402000500000000" pitchFamily="66" charset="0"/>
+              </a:rPr>
+              <a:t>preciso</a:t>
+            </a:r>
+            <a:r>
+              <a:rPr lang="en-US" b="1" dirty="0">
+                <a:solidFill>
+                  <a:schemeClr val="tx1"/>
+                </a:solidFill>
+                <a:latin typeface="Ink Free" panose="03080402000500000000" pitchFamily="66" charset="0"/>
+              </a:rPr>
+              <a:t> </a:t>
+            </a:r>
+            <a:r>
+              <a:rPr lang="en-US" dirty="0">
+                <a:latin typeface="Ink Free" panose="03080402000500000000" pitchFamily="66" charset="0"/>
+              </a:rPr>
+              <a:t>de </a:t>
+            </a:r>
+            <a:r>
+              <a:rPr lang="en-US" dirty="0" err="1">
+                <a:latin typeface="Ink Free" panose="03080402000500000000" pitchFamily="66" charset="0"/>
+              </a:rPr>
+              <a:t>uma</a:t>
+            </a:r>
+            <a:r>
+              <a:rPr lang="en-US" dirty="0">
+                <a:latin typeface="Ink Free" panose="03080402000500000000" pitchFamily="66" charset="0"/>
+              </a:rPr>
+              <a:t> </a:t>
+            </a:r>
+            <a:r>
+              <a:rPr lang="en-US" dirty="0" err="1">
+                <a:latin typeface="Ink Free" panose="03080402000500000000" pitchFamily="66" charset="0"/>
+              </a:rPr>
+              <a:t>maneira</a:t>
+            </a:r>
+            <a:r>
+              <a:rPr lang="en-US" dirty="0">
+                <a:latin typeface="Ink Free" panose="03080402000500000000" pitchFamily="66" charset="0"/>
+              </a:rPr>
+              <a:t> de </a:t>
+            </a:r>
+            <a:r>
+              <a:rPr lang="en-US" dirty="0" err="1">
+                <a:latin typeface="Ink Free" panose="03080402000500000000" pitchFamily="66" charset="0"/>
+              </a:rPr>
+              <a:t>contatar</a:t>
+            </a:r>
+            <a:r>
+              <a:rPr lang="en-US" dirty="0">
+                <a:latin typeface="Ink Free" panose="03080402000500000000" pitchFamily="66" charset="0"/>
+              </a:rPr>
+              <a:t> o </a:t>
+            </a:r>
+            <a:r>
+              <a:rPr lang="en-US" dirty="0" err="1">
+                <a:latin typeface="Ink Free" panose="03080402000500000000" pitchFamily="66" charset="0"/>
+              </a:rPr>
+              <a:t>suporte</a:t>
+            </a:r>
+            <a:r>
+              <a:rPr lang="en-US" dirty="0">
+                <a:latin typeface="Ink Free" panose="03080402000500000000" pitchFamily="66" charset="0"/>
+              </a:rPr>
+              <a:t> </a:t>
+            </a:r>
+            <a:r>
+              <a:rPr lang="en-US" dirty="0" err="1">
+                <a:latin typeface="Ink Free" panose="03080402000500000000" pitchFamily="66" charset="0"/>
+              </a:rPr>
+              <a:t>sem</a:t>
+            </a:r>
+            <a:r>
+              <a:rPr lang="en-US" dirty="0">
+                <a:latin typeface="Ink Free" panose="03080402000500000000" pitchFamily="66" charset="0"/>
+              </a:rPr>
+              <a:t> </a:t>
+            </a:r>
+            <a:r>
+              <a:rPr lang="en-US" dirty="0" err="1">
+                <a:latin typeface="Ink Free" panose="03080402000500000000" pitchFamily="66" charset="0"/>
+              </a:rPr>
+              <a:t>precisar</a:t>
+            </a:r>
+            <a:r>
+              <a:rPr lang="en-US" dirty="0">
+                <a:latin typeface="Ink Free" panose="03080402000500000000" pitchFamily="66" charset="0"/>
+              </a:rPr>
+              <a:t> mandar </a:t>
+            </a:r>
+            <a:r>
+              <a:rPr lang="en-US" dirty="0" err="1">
+                <a:latin typeface="Ink Free" panose="03080402000500000000" pitchFamily="66" charset="0"/>
+              </a:rPr>
+              <a:t>algum</a:t>
+            </a:r>
+            <a:r>
+              <a:rPr lang="en-US" dirty="0">
+                <a:latin typeface="Ink Free" panose="03080402000500000000" pitchFamily="66" charset="0"/>
+              </a:rPr>
+              <a:t> </a:t>
+            </a:r>
+            <a:r>
+              <a:rPr lang="en-US" dirty="0" err="1">
+                <a:latin typeface="Ink Free" panose="03080402000500000000" pitchFamily="66" charset="0"/>
+              </a:rPr>
+              <a:t>aluno</a:t>
+            </a:r>
+            <a:r>
+              <a:rPr lang="en-US" dirty="0">
+                <a:latin typeface="Ink Free" panose="03080402000500000000" pitchFamily="66" charset="0"/>
+              </a:rPr>
+              <a:t> </a:t>
+            </a:r>
+            <a:r>
+              <a:rPr lang="en-US" dirty="0" err="1">
+                <a:latin typeface="Ink Free" panose="03080402000500000000" pitchFamily="66" charset="0"/>
+              </a:rPr>
+              <a:t>ir</a:t>
+            </a:r>
+            <a:r>
+              <a:rPr lang="en-US" dirty="0">
+                <a:latin typeface="Ink Free" panose="03080402000500000000" pitchFamily="66" charset="0"/>
+              </a:rPr>
+              <a:t> </a:t>
+            </a:r>
+            <a:r>
+              <a:rPr lang="en-US" dirty="0" err="1">
+                <a:latin typeface="Ink Free" panose="03080402000500000000" pitchFamily="66" charset="0"/>
+              </a:rPr>
+              <a:t>até</a:t>
+            </a:r>
+            <a:r>
+              <a:rPr lang="en-US" dirty="0">
+                <a:latin typeface="Ink Free" panose="03080402000500000000" pitchFamily="66" charset="0"/>
+              </a:rPr>
+              <a:t> a </a:t>
+            </a:r>
+            <a:r>
+              <a:rPr lang="en-US" dirty="0" err="1">
+                <a:latin typeface="Ink Free" panose="03080402000500000000" pitchFamily="66" charset="0"/>
+              </a:rPr>
+              <a:t>sala</a:t>
+            </a:r>
+            <a:r>
+              <a:rPr lang="en-US" dirty="0">
+                <a:latin typeface="Ink Free" panose="03080402000500000000" pitchFamily="66" charset="0"/>
+              </a:rPr>
+              <a:t> do </a:t>
+            </a:r>
+            <a:r>
+              <a:rPr lang="en-US" dirty="0" err="1">
+                <a:latin typeface="Ink Free" panose="03080402000500000000" pitchFamily="66" charset="0"/>
+              </a:rPr>
+              <a:t>técnico</a:t>
+            </a:r>
+            <a:r>
+              <a:rPr lang="en-US" dirty="0">
+                <a:latin typeface="Ink Free" panose="03080402000500000000" pitchFamily="66" charset="0"/>
+              </a:rPr>
+              <a:t>, </a:t>
+            </a:r>
+            <a:r>
+              <a:rPr lang="en-US" b="1" dirty="0" err="1">
+                <a:solidFill>
+                  <a:schemeClr val="tx1"/>
+                </a:solidFill>
+                <a:latin typeface="Ink Free" panose="03080402000500000000" pitchFamily="66" charset="0"/>
+              </a:rPr>
+              <a:t>porque</a:t>
+            </a:r>
+            <a:r>
+              <a:rPr lang="en-US" dirty="0">
+                <a:latin typeface="Ink Free" panose="03080402000500000000" pitchFamily="66" charset="0"/>
+              </a:rPr>
+              <a:t> </a:t>
+            </a:r>
+            <a:r>
+              <a:rPr lang="en-US" dirty="0" err="1">
+                <a:latin typeface="Ink Free" panose="03080402000500000000" pitchFamily="66" charset="0"/>
+              </a:rPr>
+              <a:t>muitas</a:t>
+            </a:r>
+            <a:r>
+              <a:rPr lang="en-US" dirty="0">
+                <a:latin typeface="Ink Free" panose="03080402000500000000" pitchFamily="66" charset="0"/>
+              </a:rPr>
+              <a:t> </a:t>
+            </a:r>
+            <a:r>
+              <a:rPr lang="en-US" dirty="0" err="1">
+                <a:latin typeface="Ink Free" panose="03080402000500000000" pitchFamily="66" charset="0"/>
+              </a:rPr>
+              <a:t>vezes</a:t>
+            </a:r>
+            <a:r>
+              <a:rPr lang="en-US" dirty="0">
+                <a:latin typeface="Ink Free" panose="03080402000500000000" pitchFamily="66" charset="0"/>
+              </a:rPr>
+              <a:t> </a:t>
+            </a:r>
+            <a:r>
+              <a:rPr lang="en-US" dirty="0" err="1">
+                <a:latin typeface="Ink Free" panose="03080402000500000000" pitchFamily="66" charset="0"/>
+              </a:rPr>
+              <a:t>ele</a:t>
+            </a:r>
+            <a:r>
+              <a:rPr lang="en-US" dirty="0">
+                <a:latin typeface="Ink Free" panose="03080402000500000000" pitchFamily="66" charset="0"/>
+              </a:rPr>
+              <a:t> </a:t>
+            </a:r>
+            <a:r>
+              <a:rPr lang="en-US" dirty="0" err="1">
+                <a:latin typeface="Ink Free" panose="03080402000500000000" pitchFamily="66" charset="0"/>
+              </a:rPr>
+              <a:t>acaba</a:t>
+            </a:r>
+            <a:r>
+              <a:rPr lang="en-US" dirty="0">
+                <a:latin typeface="Ink Free" panose="03080402000500000000" pitchFamily="66" charset="0"/>
+              </a:rPr>
+              <a:t> se </a:t>
+            </a:r>
+            <a:r>
+              <a:rPr lang="en-US" dirty="0" err="1">
+                <a:latin typeface="Ink Free" panose="03080402000500000000" pitchFamily="66" charset="0"/>
+              </a:rPr>
+              <a:t>dispersando</a:t>
+            </a:r>
+            <a:r>
+              <a:rPr lang="en-US" dirty="0">
+                <a:latin typeface="Ink Free" panose="03080402000500000000" pitchFamily="66" charset="0"/>
+              </a:rPr>
+              <a:t> no </a:t>
+            </a:r>
+            <a:r>
+              <a:rPr lang="en-US" dirty="0" err="1">
+                <a:latin typeface="Ink Free" panose="03080402000500000000" pitchFamily="66" charset="0"/>
+              </a:rPr>
+              <a:t>caminho</a:t>
+            </a:r>
+            <a:r>
+              <a:rPr lang="en-US" dirty="0">
+                <a:latin typeface="Ink Free" panose="03080402000500000000" pitchFamily="66" charset="0"/>
+              </a:rPr>
+              <a:t>, e </a:t>
+            </a:r>
+            <a:r>
+              <a:rPr lang="en-US" dirty="0" err="1">
+                <a:latin typeface="Ink Free" panose="03080402000500000000" pitchFamily="66" charset="0"/>
+              </a:rPr>
+              <a:t>demorando</a:t>
+            </a:r>
+            <a:r>
+              <a:rPr lang="en-US" dirty="0">
+                <a:latin typeface="Ink Free" panose="03080402000500000000" pitchFamily="66" charset="0"/>
+              </a:rPr>
+              <a:t> </a:t>
+            </a:r>
+            <a:r>
+              <a:rPr lang="en-US" dirty="0" err="1">
+                <a:latin typeface="Ink Free" panose="03080402000500000000" pitchFamily="66" charset="0"/>
+              </a:rPr>
+              <a:t>ao</a:t>
+            </a:r>
+            <a:r>
+              <a:rPr lang="en-US" dirty="0">
+                <a:latin typeface="Ink Free" panose="03080402000500000000" pitchFamily="66" charset="0"/>
+              </a:rPr>
+              <a:t> </a:t>
+            </a:r>
+            <a:r>
+              <a:rPr lang="en-US" dirty="0" err="1">
+                <a:latin typeface="Ink Free" panose="03080402000500000000" pitchFamily="66" charset="0"/>
+              </a:rPr>
+              <a:t>retornar</a:t>
+            </a:r>
+            <a:r>
+              <a:rPr lang="en-US" dirty="0">
+                <a:latin typeface="Ink Free" panose="03080402000500000000" pitchFamily="66" charset="0"/>
+              </a:rPr>
+              <a:t> para </a:t>
+            </a:r>
+            <a:r>
+              <a:rPr lang="en-US" dirty="0" err="1">
+                <a:latin typeface="Ink Free" panose="03080402000500000000" pitchFamily="66" charset="0"/>
+              </a:rPr>
+              <a:t>sala</a:t>
+            </a:r>
+            <a:r>
+              <a:rPr lang="en-US" dirty="0">
+                <a:latin typeface="Ink Free" panose="03080402000500000000" pitchFamily="66" charset="0"/>
+              </a:rPr>
+              <a:t>. </a:t>
+            </a:r>
+          </a:p>
+        </p:txBody>
+      </p:sp>
+      <p:sp>
+        <p:nvSpPr>
+          <p:cNvPr id="5" name="Retângulo 6">
+            <a:extLst>
+              <a:ext uri="{FF2B5EF4-FFF2-40B4-BE49-F238E27FC236}">
+                <a16:creationId xmlns:a16="http://schemas.microsoft.com/office/drawing/2014/main" id="{8B423712-B31B-4253-8E40-14D630CC57C4}"/>
+              </a:ext>
+            </a:extLst>
+          </p:cNvPr>
+          <p:cNvSpPr/>
+          <p:nvPr/>
+        </p:nvSpPr>
+        <p:spPr>
+          <a:xfrm>
+            <a:off x="1526850" y="4257180"/>
+            <a:ext cx="3832080" cy="1726921"/>
+          </a:xfrm>
+          <a:custGeom>
+            <a:avLst/>
+            <a:gdLst>
+              <a:gd name="connsiteX0" fmla="*/ 0 w 3832080"/>
+              <a:gd name="connsiteY0" fmla="*/ 0 h 1726921"/>
+              <a:gd name="connsiteX1" fmla="*/ 470798 w 3832080"/>
+              <a:gd name="connsiteY1" fmla="*/ 0 h 1726921"/>
+              <a:gd name="connsiteX2" fmla="*/ 979918 w 3832080"/>
+              <a:gd name="connsiteY2" fmla="*/ 0 h 1726921"/>
+              <a:gd name="connsiteX3" fmla="*/ 1527358 w 3832080"/>
+              <a:gd name="connsiteY3" fmla="*/ 0 h 1726921"/>
+              <a:gd name="connsiteX4" fmla="*/ 1959835 w 3832080"/>
+              <a:gd name="connsiteY4" fmla="*/ 0 h 1726921"/>
+              <a:gd name="connsiteX5" fmla="*/ 2583917 w 3832080"/>
+              <a:gd name="connsiteY5" fmla="*/ 0 h 1726921"/>
+              <a:gd name="connsiteX6" fmla="*/ 3093036 w 3832080"/>
+              <a:gd name="connsiteY6" fmla="*/ 0 h 1726921"/>
+              <a:gd name="connsiteX7" fmla="*/ 3832080 w 3832080"/>
+              <a:gd name="connsiteY7" fmla="*/ 0 h 1726921"/>
+              <a:gd name="connsiteX8" fmla="*/ 3832080 w 3832080"/>
+              <a:gd name="connsiteY8" fmla="*/ 523833 h 1726921"/>
+              <a:gd name="connsiteX9" fmla="*/ 3832080 w 3832080"/>
+              <a:gd name="connsiteY9" fmla="*/ 1082204 h 1726921"/>
+              <a:gd name="connsiteX10" fmla="*/ 3832080 w 3832080"/>
+              <a:gd name="connsiteY10" fmla="*/ 1726921 h 1726921"/>
+              <a:gd name="connsiteX11" fmla="*/ 3207998 w 3832080"/>
+              <a:gd name="connsiteY11" fmla="*/ 1726921 h 1726921"/>
+              <a:gd name="connsiteX12" fmla="*/ 2622238 w 3832080"/>
+              <a:gd name="connsiteY12" fmla="*/ 1726921 h 1726921"/>
+              <a:gd name="connsiteX13" fmla="*/ 2189760 w 3832080"/>
+              <a:gd name="connsiteY13" fmla="*/ 1726921 h 1726921"/>
+              <a:gd name="connsiteX14" fmla="*/ 1642320 w 3832080"/>
+              <a:gd name="connsiteY14" fmla="*/ 1726921 h 1726921"/>
+              <a:gd name="connsiteX15" fmla="*/ 1018238 w 3832080"/>
+              <a:gd name="connsiteY15" fmla="*/ 1726921 h 1726921"/>
+              <a:gd name="connsiteX16" fmla="*/ 0 w 3832080"/>
+              <a:gd name="connsiteY16" fmla="*/ 1726921 h 1726921"/>
+              <a:gd name="connsiteX17" fmla="*/ 0 w 3832080"/>
+              <a:gd name="connsiteY17" fmla="*/ 1203088 h 1726921"/>
+              <a:gd name="connsiteX18" fmla="*/ 0 w 3832080"/>
+              <a:gd name="connsiteY18" fmla="*/ 610179 h 1726921"/>
+              <a:gd name="connsiteX19" fmla="*/ 0 w 3832080"/>
+              <a:gd name="connsiteY19" fmla="*/ 0 h 1726921"/>
+            </a:gdLst>
+            <a:ahLst/>
+            <a:cxnLst>
+              <a:cxn ang="0">
+                <a:pos x="connsiteX0" y="connsiteY0"/>
+              </a:cxn>
+              <a:cxn ang="0">
+                <a:pos x="connsiteX1" y="connsiteY1"/>
+              </a:cxn>
+              <a:cxn ang="0">
+                <a:pos x="connsiteX2" y="connsiteY2"/>
+              </a:cxn>
+              <a:cxn ang="0">
+                <a:pos x="connsiteX3" y="connsiteY3"/>
+              </a:cxn>
+              <a:cxn ang="0">
+                <a:pos x="connsiteX4" y="connsiteY4"/>
+              </a:cxn>
+              <a:cxn ang="0">
+                <a:pos x="connsiteX5" y="connsiteY5"/>
+              </a:cxn>
+              <a:cxn ang="0">
+                <a:pos x="connsiteX6" y="connsiteY6"/>
+              </a:cxn>
+              <a:cxn ang="0">
+                <a:pos x="connsiteX7" y="connsiteY7"/>
+              </a:cxn>
+              <a:cxn ang="0">
+                <a:pos x="connsiteX8" y="connsiteY8"/>
+              </a:cxn>
+              <a:cxn ang="0">
+                <a:pos x="connsiteX9" y="connsiteY9"/>
+              </a:cxn>
+              <a:cxn ang="0">
+                <a:pos x="connsiteX10" y="connsiteY10"/>
+              </a:cxn>
+              <a:cxn ang="0">
+                <a:pos x="connsiteX11" y="connsiteY11"/>
+              </a:cxn>
+              <a:cxn ang="0">
+                <a:pos x="connsiteX12" y="connsiteY12"/>
+              </a:cxn>
+              <a:cxn ang="0">
+                <a:pos x="connsiteX13" y="connsiteY13"/>
+              </a:cxn>
+              <a:cxn ang="0">
+                <a:pos x="connsiteX14" y="connsiteY14"/>
+              </a:cxn>
+              <a:cxn ang="0">
+                <a:pos x="connsiteX15" y="connsiteY15"/>
+              </a:cxn>
+              <a:cxn ang="0">
+                <a:pos x="connsiteX16" y="connsiteY16"/>
+              </a:cxn>
+              <a:cxn ang="0">
+                <a:pos x="connsiteX17" y="connsiteY17"/>
+              </a:cxn>
+              <a:cxn ang="0">
+                <a:pos x="connsiteX18" y="connsiteY18"/>
+              </a:cxn>
+              <a:cxn ang="0">
+                <a:pos x="connsiteX19" y="connsiteY19"/>
+              </a:cxn>
+            </a:cxnLst>
+            <a:rect l="l" t="t" r="r" b="b"/>
+            <a:pathLst>
+              <a:path w="3832080" h="1726921" fill="none" extrusionOk="0">
+                <a:moveTo>
+                  <a:pt x="0" y="0"/>
+                </a:moveTo>
+                <a:cubicBezTo>
+                  <a:pt x="189039" y="-47742"/>
+                  <a:pt x="249938" y="19259"/>
+                  <a:pt x="470798" y="0"/>
+                </a:cubicBezTo>
+                <a:cubicBezTo>
+                  <a:pt x="691658" y="-19259"/>
+                  <a:pt x="801858" y="43082"/>
+                  <a:pt x="979918" y="0"/>
+                </a:cubicBezTo>
+                <a:cubicBezTo>
+                  <a:pt x="1157978" y="-43082"/>
+                  <a:pt x="1338413" y="22584"/>
+                  <a:pt x="1527358" y="0"/>
+                </a:cubicBezTo>
+                <a:cubicBezTo>
+                  <a:pt x="1716303" y="-22584"/>
+                  <a:pt x="1785986" y="5186"/>
+                  <a:pt x="1959835" y="0"/>
+                </a:cubicBezTo>
+                <a:cubicBezTo>
+                  <a:pt x="2133684" y="-5186"/>
+                  <a:pt x="2329509" y="24732"/>
+                  <a:pt x="2583917" y="0"/>
+                </a:cubicBezTo>
+                <a:cubicBezTo>
+                  <a:pt x="2838325" y="-24732"/>
+                  <a:pt x="2922543" y="43998"/>
+                  <a:pt x="3093036" y="0"/>
+                </a:cubicBezTo>
+                <a:cubicBezTo>
+                  <a:pt x="3263529" y="-43998"/>
+                  <a:pt x="3604672" y="60464"/>
+                  <a:pt x="3832080" y="0"/>
+                </a:cubicBezTo>
+                <a:cubicBezTo>
+                  <a:pt x="3863906" y="220521"/>
+                  <a:pt x="3800030" y="418828"/>
+                  <a:pt x="3832080" y="523833"/>
+                </a:cubicBezTo>
+                <a:cubicBezTo>
+                  <a:pt x="3864130" y="628838"/>
+                  <a:pt x="3811387" y="944644"/>
+                  <a:pt x="3832080" y="1082204"/>
+                </a:cubicBezTo>
+                <a:cubicBezTo>
+                  <a:pt x="3852773" y="1219764"/>
+                  <a:pt x="3814714" y="1432237"/>
+                  <a:pt x="3832080" y="1726921"/>
+                </a:cubicBezTo>
+                <a:cubicBezTo>
+                  <a:pt x="3578323" y="1771523"/>
+                  <a:pt x="3467284" y="1707202"/>
+                  <a:pt x="3207998" y="1726921"/>
+                </a:cubicBezTo>
+                <a:cubicBezTo>
+                  <a:pt x="2948712" y="1746640"/>
+                  <a:pt x="2799903" y="1680737"/>
+                  <a:pt x="2622238" y="1726921"/>
+                </a:cubicBezTo>
+                <a:cubicBezTo>
+                  <a:pt x="2444573" y="1773105"/>
+                  <a:pt x="2356804" y="1713365"/>
+                  <a:pt x="2189760" y="1726921"/>
+                </a:cubicBezTo>
+                <a:cubicBezTo>
+                  <a:pt x="2022716" y="1740477"/>
+                  <a:pt x="1878224" y="1713448"/>
+                  <a:pt x="1642320" y="1726921"/>
+                </a:cubicBezTo>
+                <a:cubicBezTo>
+                  <a:pt x="1406416" y="1740394"/>
+                  <a:pt x="1292252" y="1659698"/>
+                  <a:pt x="1018238" y="1726921"/>
+                </a:cubicBezTo>
+                <a:cubicBezTo>
+                  <a:pt x="744224" y="1794144"/>
+                  <a:pt x="267931" y="1638393"/>
+                  <a:pt x="0" y="1726921"/>
+                </a:cubicBezTo>
+                <a:cubicBezTo>
+                  <a:pt x="-39322" y="1518484"/>
+                  <a:pt x="9199" y="1408989"/>
+                  <a:pt x="0" y="1203088"/>
+                </a:cubicBezTo>
+                <a:cubicBezTo>
+                  <a:pt x="-9199" y="997187"/>
+                  <a:pt x="36346" y="751570"/>
+                  <a:pt x="0" y="610179"/>
+                </a:cubicBezTo>
+                <a:cubicBezTo>
+                  <a:pt x="-36346" y="468788"/>
+                  <a:pt x="70443" y="257515"/>
+                  <a:pt x="0" y="0"/>
+                </a:cubicBezTo>
+                <a:close/>
+              </a:path>
+              <a:path w="3832080" h="1726921" stroke="0" extrusionOk="0">
+                <a:moveTo>
+                  <a:pt x="0" y="0"/>
+                </a:moveTo>
+                <a:cubicBezTo>
+                  <a:pt x="216331" y="-48416"/>
+                  <a:pt x="376967" y="25030"/>
+                  <a:pt x="624082" y="0"/>
+                </a:cubicBezTo>
+                <a:cubicBezTo>
+                  <a:pt x="871197" y="-25030"/>
+                  <a:pt x="961974" y="23987"/>
+                  <a:pt x="1171522" y="0"/>
+                </a:cubicBezTo>
+                <a:cubicBezTo>
+                  <a:pt x="1381070" y="-23987"/>
+                  <a:pt x="1539068" y="29665"/>
+                  <a:pt x="1642320" y="0"/>
+                </a:cubicBezTo>
+                <a:cubicBezTo>
+                  <a:pt x="1745572" y="-29665"/>
+                  <a:pt x="2030009" y="15359"/>
+                  <a:pt x="2189760" y="0"/>
+                </a:cubicBezTo>
+                <a:cubicBezTo>
+                  <a:pt x="2349511" y="-15359"/>
+                  <a:pt x="2628772" y="37577"/>
+                  <a:pt x="2813842" y="0"/>
+                </a:cubicBezTo>
+                <a:cubicBezTo>
+                  <a:pt x="2998912" y="-37577"/>
+                  <a:pt x="3183104" y="12613"/>
+                  <a:pt x="3284640" y="0"/>
+                </a:cubicBezTo>
+                <a:cubicBezTo>
+                  <a:pt x="3386176" y="-12613"/>
+                  <a:pt x="3600080" y="12952"/>
+                  <a:pt x="3832080" y="0"/>
+                </a:cubicBezTo>
+                <a:cubicBezTo>
+                  <a:pt x="3845473" y="256735"/>
+                  <a:pt x="3832069" y="297527"/>
+                  <a:pt x="3832080" y="575640"/>
+                </a:cubicBezTo>
+                <a:cubicBezTo>
+                  <a:pt x="3832091" y="853753"/>
+                  <a:pt x="3830104" y="943644"/>
+                  <a:pt x="3832080" y="1134011"/>
+                </a:cubicBezTo>
+                <a:cubicBezTo>
+                  <a:pt x="3834056" y="1324378"/>
+                  <a:pt x="3787317" y="1526504"/>
+                  <a:pt x="3832080" y="1726921"/>
+                </a:cubicBezTo>
+                <a:cubicBezTo>
+                  <a:pt x="3648002" y="1772028"/>
+                  <a:pt x="3454748" y="1674583"/>
+                  <a:pt x="3322961" y="1726921"/>
+                </a:cubicBezTo>
+                <a:cubicBezTo>
+                  <a:pt x="3191174" y="1779259"/>
+                  <a:pt x="2907079" y="1721665"/>
+                  <a:pt x="2737200" y="1726921"/>
+                </a:cubicBezTo>
+                <a:cubicBezTo>
+                  <a:pt x="2567321" y="1732177"/>
+                  <a:pt x="2364619" y="1681496"/>
+                  <a:pt x="2266402" y="1726921"/>
+                </a:cubicBezTo>
+                <a:cubicBezTo>
+                  <a:pt x="2168185" y="1772346"/>
+                  <a:pt x="1862961" y="1687087"/>
+                  <a:pt x="1757282" y="1726921"/>
+                </a:cubicBezTo>
+                <a:cubicBezTo>
+                  <a:pt x="1651603" y="1766755"/>
+                  <a:pt x="1341412" y="1695653"/>
+                  <a:pt x="1171522" y="1726921"/>
+                </a:cubicBezTo>
+                <a:cubicBezTo>
+                  <a:pt x="1001632" y="1758189"/>
+                  <a:pt x="766093" y="1687287"/>
+                  <a:pt x="547440" y="1726921"/>
+                </a:cubicBezTo>
+                <a:cubicBezTo>
+                  <a:pt x="328787" y="1766555"/>
+                  <a:pt x="246193" y="1662765"/>
+                  <a:pt x="0" y="1726921"/>
+                </a:cubicBezTo>
+                <a:cubicBezTo>
+                  <a:pt x="-66969" y="1496434"/>
+                  <a:pt x="21125" y="1391471"/>
+                  <a:pt x="0" y="1151281"/>
+                </a:cubicBezTo>
+                <a:cubicBezTo>
+                  <a:pt x="-21125" y="911091"/>
+                  <a:pt x="59411" y="868979"/>
+                  <a:pt x="0" y="610179"/>
+                </a:cubicBezTo>
+                <a:cubicBezTo>
+                  <a:pt x="-59411" y="351379"/>
+                  <a:pt x="32648" y="149697"/>
+                  <a:pt x="0" y="0"/>
+                </a:cubicBezTo>
+                <a:close/>
+              </a:path>
+            </a:pathLst>
+          </a:custGeom>
+          <a:solidFill>
+            <a:srgbClr val="33C6D5"/>
+          </a:solidFill>
+          <a:ln>
+            <a:gradFill>
+              <a:gsLst>
+                <a:gs pos="0">
+                  <a:schemeClr val="accent1">
+                    <a:lumMod val="5000"/>
+                    <a:lumOff val="95000"/>
+                  </a:schemeClr>
+                </a:gs>
+                <a:gs pos="74000">
+                  <a:schemeClr val="accent1">
+                    <a:lumMod val="45000"/>
+                    <a:lumOff val="55000"/>
+                  </a:schemeClr>
+                </a:gs>
+                <a:gs pos="83000">
+                  <a:schemeClr val="accent1">
+                    <a:lumMod val="45000"/>
+                    <a:lumOff val="55000"/>
+                  </a:schemeClr>
+                </a:gs>
+                <a:gs pos="100000">
+                  <a:schemeClr val="accent1">
+                    <a:lumMod val="30000"/>
+                    <a:lumOff val="70000"/>
+                  </a:schemeClr>
+                </a:gs>
+              </a:gsLst>
+              <a:lin ang="5400000" scaled="1"/>
+            </a:gradFill>
+            <a:extLst>
+              <a:ext uri="{C807C97D-BFC1-408E-A445-0C87EB9F89A2}">
+                <ask:lineSketchStyleProps xmlns:ask="http://schemas.microsoft.com/office/drawing/2018/sketchyshapes" sd="981765707">
+                  <a:prstGeom prst="rect">
+                    <a:avLst/>
+                  </a:prstGeom>
+                  <ask:type>
+                    <ask:lineSketchScribble/>
+                  </ask:type>
+                </ask:lineSketchStyleProps>
+              </a:ext>
+            </a:extLst>
+          </a:ln>
+          <a:effectLst>
+            <a:outerShdw blurRad="63500" sx="102000" sy="102000" algn="ctr" rotWithShape="0">
+              <a:prstClr val="black">
+                <a:alpha val="40000"/>
+              </a:prstClr>
+            </a:outerShdw>
+          </a:effectLst>
+        </p:spPr>
+        <p:style>
+          <a:lnRef idx="2">
+            <a:schemeClr val="accent1">
+              <a:shade val="50000"/>
+            </a:schemeClr>
+          </a:lnRef>
+          <a:fillRef idx="1">
+            <a:schemeClr val="accent1"/>
+          </a:fillRef>
+          <a:effectRef idx="0">
+            <a:schemeClr val="accent1"/>
+          </a:effectRef>
+          <a:fontRef idx="minor">
+            <a:schemeClr val="lt1"/>
+          </a:fontRef>
+        </p:style>
+        <p:txBody>
+          <a:bodyPr lIns="91440" tIns="45720" rIns="91440" bIns="45720" rtlCol="0" anchor="ctr"/>
+          <a:lstStyle>
+            <a:defPPr>
+              <a:defRPr lang="pt-BR"/>
+            </a:defPPr>
+            <a:lvl1pPr marL="0" algn="l" defTabSz="914400" rtl="0" eaLnBrk="1" latinLnBrk="0" hangingPunct="1">
+              <a:defRPr sz="1800" kern="1200">
+                <a:solidFill>
+                  <a:schemeClr val="lt1"/>
+                </a:solidFill>
+                <a:latin typeface="+mn-lt"/>
+                <a:ea typeface="+mn-ea"/>
+                <a:cs typeface="+mn-cs"/>
+              </a:defRPr>
+            </a:lvl1pPr>
+            <a:lvl2pPr marL="457200" algn="l" defTabSz="914400" rtl="0" eaLnBrk="1" latinLnBrk="0" hangingPunct="1">
+              <a:defRPr sz="1800" kern="1200">
+                <a:solidFill>
+                  <a:schemeClr val="lt1"/>
+                </a:solidFill>
+                <a:latin typeface="+mn-lt"/>
+                <a:ea typeface="+mn-ea"/>
+                <a:cs typeface="+mn-cs"/>
+              </a:defRPr>
+            </a:lvl2pPr>
+            <a:lvl3pPr marL="914400" algn="l" defTabSz="914400" rtl="0" eaLnBrk="1" latinLnBrk="0" hangingPunct="1">
+              <a:defRPr sz="1800" kern="1200">
+                <a:solidFill>
+                  <a:schemeClr val="lt1"/>
+                </a:solidFill>
+                <a:latin typeface="+mn-lt"/>
+                <a:ea typeface="+mn-ea"/>
+                <a:cs typeface="+mn-cs"/>
+              </a:defRPr>
+            </a:lvl3pPr>
+            <a:lvl4pPr marL="1371600" algn="l" defTabSz="914400" rtl="0" eaLnBrk="1" latinLnBrk="0" hangingPunct="1">
+              <a:defRPr sz="1800" kern="1200">
+                <a:solidFill>
+                  <a:schemeClr val="lt1"/>
+                </a:solidFill>
+                <a:latin typeface="+mn-lt"/>
+                <a:ea typeface="+mn-ea"/>
+                <a:cs typeface="+mn-cs"/>
+              </a:defRPr>
+            </a:lvl4pPr>
+            <a:lvl5pPr marL="1828800" algn="l" defTabSz="914400" rtl="0" eaLnBrk="1" latinLnBrk="0" hangingPunct="1">
+              <a:defRPr sz="1800" kern="1200">
+                <a:solidFill>
+                  <a:schemeClr val="lt1"/>
+                </a:solidFill>
+                <a:latin typeface="+mn-lt"/>
+                <a:ea typeface="+mn-ea"/>
+                <a:cs typeface="+mn-cs"/>
+              </a:defRPr>
+            </a:lvl5pPr>
+            <a:lvl6pPr marL="2286000" algn="l" defTabSz="914400" rtl="0" eaLnBrk="1" latinLnBrk="0" hangingPunct="1">
+              <a:defRPr sz="1800" kern="1200">
+                <a:solidFill>
+                  <a:schemeClr val="lt1"/>
+                </a:solidFill>
+                <a:latin typeface="+mn-lt"/>
+                <a:ea typeface="+mn-ea"/>
+                <a:cs typeface="+mn-cs"/>
+              </a:defRPr>
+            </a:lvl6pPr>
+            <a:lvl7pPr marL="2743200" algn="l" defTabSz="914400" rtl="0" eaLnBrk="1" latinLnBrk="0" hangingPunct="1">
+              <a:defRPr sz="1800" kern="1200">
+                <a:solidFill>
+                  <a:schemeClr val="lt1"/>
+                </a:solidFill>
+                <a:latin typeface="+mn-lt"/>
+                <a:ea typeface="+mn-ea"/>
+                <a:cs typeface="+mn-cs"/>
+              </a:defRPr>
+            </a:lvl7pPr>
+            <a:lvl8pPr marL="3200400" algn="l" defTabSz="914400" rtl="0" eaLnBrk="1" latinLnBrk="0" hangingPunct="1">
+              <a:defRPr sz="1800" kern="1200">
+                <a:solidFill>
+                  <a:schemeClr val="lt1"/>
+                </a:solidFill>
+                <a:latin typeface="+mn-lt"/>
+                <a:ea typeface="+mn-ea"/>
+                <a:cs typeface="+mn-cs"/>
+              </a:defRPr>
+            </a:lvl8pPr>
+            <a:lvl9pPr marL="3657600" algn="l" defTabSz="914400" rtl="0" eaLnBrk="1" latinLnBrk="0" hangingPunct="1">
+              <a:defRPr sz="1800" kern="1200">
+                <a:solidFill>
+                  <a:schemeClr val="lt1"/>
+                </a:solidFill>
+                <a:latin typeface="+mn-lt"/>
+                <a:ea typeface="+mn-ea"/>
+                <a:cs typeface="+mn-cs"/>
+              </a:defRPr>
+            </a:lvl9pPr>
+          </a:lstStyle>
+          <a:p>
+            <a:r>
+              <a:rPr lang="pt-BR" dirty="0">
+                <a:latin typeface="Ink Free" panose="03080402000500000000" pitchFamily="66" charset="0"/>
+              </a:rPr>
+              <a:t>Eu, </a:t>
+            </a:r>
+            <a:r>
+              <a:rPr lang="pt-BR" b="1" dirty="0">
+                <a:solidFill>
+                  <a:schemeClr val="tx1"/>
+                </a:solidFill>
+                <a:latin typeface="Ink Free" panose="03080402000500000000" pitchFamily="66" charset="0"/>
+              </a:rPr>
+              <a:t>enquanto</a:t>
+            </a:r>
+            <a:r>
+              <a:rPr lang="pt-BR" dirty="0">
+                <a:latin typeface="Ink Free" panose="03080402000500000000" pitchFamily="66" charset="0"/>
+              </a:rPr>
+              <a:t> professor, </a:t>
+            </a:r>
+            <a:r>
+              <a:rPr lang="pt-BR" b="1" dirty="0">
+                <a:solidFill>
+                  <a:schemeClr val="tx1"/>
+                </a:solidFill>
+                <a:latin typeface="Ink Free" panose="03080402000500000000" pitchFamily="66" charset="0"/>
+              </a:rPr>
+              <a:t>quero</a:t>
+            </a:r>
+            <a:r>
+              <a:rPr lang="pt-BR" dirty="0">
+                <a:latin typeface="Ink Free" panose="03080402000500000000" pitchFamily="66" charset="0"/>
+              </a:rPr>
+              <a:t> uma solução para a diminuir o tempo de espera, </a:t>
+            </a:r>
+            <a:r>
+              <a:rPr lang="pt-BR" b="1" dirty="0">
+                <a:solidFill>
+                  <a:schemeClr val="tx1"/>
+                </a:solidFill>
+                <a:latin typeface="Ink Free" panose="03080402000500000000" pitchFamily="66" charset="0"/>
+              </a:rPr>
+              <a:t>para</a:t>
+            </a:r>
+            <a:r>
+              <a:rPr lang="pt-BR" dirty="0">
+                <a:latin typeface="Ink Free" panose="03080402000500000000" pitchFamily="66" charset="0"/>
+              </a:rPr>
+              <a:t> consertar o computador e eu poder começar a minha aula no horário certo, sem deixar que os alunos se distraiam.</a:t>
+            </a:r>
+            <a:endParaRPr lang="en-US" dirty="0">
+              <a:latin typeface="Ink Free" panose="03080402000500000000" pitchFamily="66" charset="0"/>
+            </a:endParaRPr>
+          </a:p>
+        </p:txBody>
+      </p:sp>
+      <p:sp>
+        <p:nvSpPr>
+          <p:cNvPr id="7" name="Retângulo 10">
+            <a:extLst>
+              <a:ext uri="{FF2B5EF4-FFF2-40B4-BE49-F238E27FC236}">
+                <a16:creationId xmlns:a16="http://schemas.microsoft.com/office/drawing/2014/main" id="{A3877CE4-F3C7-4804-8EF9-675BF99AE4E4}"/>
+              </a:ext>
+            </a:extLst>
+          </p:cNvPr>
+          <p:cNvSpPr/>
+          <p:nvPr/>
+        </p:nvSpPr>
+        <p:spPr>
+          <a:xfrm>
+            <a:off x="5768989" y="4257181"/>
+            <a:ext cx="4896161" cy="1726922"/>
+          </a:xfrm>
+          <a:custGeom>
+            <a:avLst/>
+            <a:gdLst>
+              <a:gd name="connsiteX0" fmla="*/ 0 w 4896161"/>
+              <a:gd name="connsiteY0" fmla="*/ 0 h 1726922"/>
+              <a:gd name="connsiteX1" fmla="*/ 641941 w 4896161"/>
+              <a:gd name="connsiteY1" fmla="*/ 0 h 1726922"/>
+              <a:gd name="connsiteX2" fmla="*/ 1136997 w 4896161"/>
+              <a:gd name="connsiteY2" fmla="*/ 0 h 1726922"/>
+              <a:gd name="connsiteX3" fmla="*/ 1729977 w 4896161"/>
+              <a:gd name="connsiteY3" fmla="*/ 0 h 1726922"/>
+              <a:gd name="connsiteX4" fmla="*/ 2127110 w 4896161"/>
+              <a:gd name="connsiteY4" fmla="*/ 0 h 1726922"/>
+              <a:gd name="connsiteX5" fmla="*/ 2769051 w 4896161"/>
+              <a:gd name="connsiteY5" fmla="*/ 0 h 1726922"/>
+              <a:gd name="connsiteX6" fmla="*/ 3313069 w 4896161"/>
+              <a:gd name="connsiteY6" fmla="*/ 0 h 1726922"/>
+              <a:gd name="connsiteX7" fmla="*/ 3808125 w 4896161"/>
+              <a:gd name="connsiteY7" fmla="*/ 0 h 1726922"/>
+              <a:gd name="connsiteX8" fmla="*/ 4896161 w 4896161"/>
+              <a:gd name="connsiteY8" fmla="*/ 0 h 1726922"/>
+              <a:gd name="connsiteX9" fmla="*/ 4896161 w 4896161"/>
+              <a:gd name="connsiteY9" fmla="*/ 523833 h 1726922"/>
+              <a:gd name="connsiteX10" fmla="*/ 4896161 w 4896161"/>
+              <a:gd name="connsiteY10" fmla="*/ 1134012 h 1726922"/>
+              <a:gd name="connsiteX11" fmla="*/ 4896161 w 4896161"/>
+              <a:gd name="connsiteY11" fmla="*/ 1726922 h 1726922"/>
+              <a:gd name="connsiteX12" fmla="*/ 4303182 w 4896161"/>
+              <a:gd name="connsiteY12" fmla="*/ 1726922 h 1726922"/>
+              <a:gd name="connsiteX13" fmla="*/ 3906048 w 4896161"/>
+              <a:gd name="connsiteY13" fmla="*/ 1726922 h 1726922"/>
+              <a:gd name="connsiteX14" fmla="*/ 3508915 w 4896161"/>
+              <a:gd name="connsiteY14" fmla="*/ 1726922 h 1726922"/>
+              <a:gd name="connsiteX15" fmla="*/ 3111782 w 4896161"/>
+              <a:gd name="connsiteY15" fmla="*/ 1726922 h 1726922"/>
+              <a:gd name="connsiteX16" fmla="*/ 2518803 w 4896161"/>
+              <a:gd name="connsiteY16" fmla="*/ 1726922 h 1726922"/>
+              <a:gd name="connsiteX17" fmla="*/ 2121670 w 4896161"/>
+              <a:gd name="connsiteY17" fmla="*/ 1726922 h 1726922"/>
+              <a:gd name="connsiteX18" fmla="*/ 1724537 w 4896161"/>
+              <a:gd name="connsiteY18" fmla="*/ 1726922 h 1726922"/>
+              <a:gd name="connsiteX19" fmla="*/ 1327404 w 4896161"/>
+              <a:gd name="connsiteY19" fmla="*/ 1726922 h 1726922"/>
+              <a:gd name="connsiteX20" fmla="*/ 832347 w 4896161"/>
+              <a:gd name="connsiteY20" fmla="*/ 1726922 h 1726922"/>
+              <a:gd name="connsiteX21" fmla="*/ 0 w 4896161"/>
+              <a:gd name="connsiteY21" fmla="*/ 1726922 h 1726922"/>
+              <a:gd name="connsiteX22" fmla="*/ 0 w 4896161"/>
+              <a:gd name="connsiteY22" fmla="*/ 1151281 h 1726922"/>
+              <a:gd name="connsiteX23" fmla="*/ 0 w 4896161"/>
+              <a:gd name="connsiteY23" fmla="*/ 610179 h 1726922"/>
+              <a:gd name="connsiteX24" fmla="*/ 0 w 4896161"/>
+              <a:gd name="connsiteY24" fmla="*/ 0 h 1726922"/>
+            </a:gdLst>
+            <a:ahLst/>
+            <a:cxnLst>
+              <a:cxn ang="0">
+                <a:pos x="connsiteX0" y="connsiteY0"/>
+              </a:cxn>
+              <a:cxn ang="0">
+                <a:pos x="connsiteX1" y="connsiteY1"/>
+              </a:cxn>
+              <a:cxn ang="0">
+                <a:pos x="connsiteX2" y="connsiteY2"/>
+              </a:cxn>
+              <a:cxn ang="0">
+                <a:pos x="connsiteX3" y="connsiteY3"/>
+              </a:cxn>
+              <a:cxn ang="0">
+                <a:pos x="connsiteX4" y="connsiteY4"/>
+              </a:cxn>
+              <a:cxn ang="0">
+                <a:pos x="connsiteX5" y="connsiteY5"/>
+              </a:cxn>
+              <a:cxn ang="0">
+                <a:pos x="connsiteX6" y="connsiteY6"/>
+              </a:cxn>
+              <a:cxn ang="0">
+                <a:pos x="connsiteX7" y="connsiteY7"/>
+              </a:cxn>
+              <a:cxn ang="0">
+                <a:pos x="connsiteX8" y="connsiteY8"/>
+              </a:cxn>
+              <a:cxn ang="0">
+                <a:pos x="connsiteX9" y="connsiteY9"/>
+              </a:cxn>
+              <a:cxn ang="0">
+                <a:pos x="connsiteX10" y="connsiteY10"/>
+              </a:cxn>
+              <a:cxn ang="0">
+                <a:pos x="connsiteX11" y="connsiteY11"/>
+              </a:cxn>
+              <a:cxn ang="0">
+                <a:pos x="connsiteX12" y="connsiteY12"/>
+              </a:cxn>
+              <a:cxn ang="0">
+                <a:pos x="connsiteX13" y="connsiteY13"/>
+              </a:cxn>
+              <a:cxn ang="0">
+                <a:pos x="connsiteX14" y="connsiteY14"/>
+              </a:cxn>
+              <a:cxn ang="0">
+                <a:pos x="connsiteX15" y="connsiteY15"/>
+              </a:cxn>
+              <a:cxn ang="0">
+                <a:pos x="connsiteX16" y="connsiteY16"/>
+              </a:cxn>
+              <a:cxn ang="0">
+                <a:pos x="connsiteX17" y="connsiteY17"/>
+              </a:cxn>
+              <a:cxn ang="0">
+                <a:pos x="connsiteX18" y="connsiteY18"/>
+              </a:cxn>
+              <a:cxn ang="0">
+                <a:pos x="connsiteX19" y="connsiteY19"/>
+              </a:cxn>
+              <a:cxn ang="0">
+                <a:pos x="connsiteX20" y="connsiteY20"/>
+              </a:cxn>
+              <a:cxn ang="0">
+                <a:pos x="connsiteX21" y="connsiteY21"/>
+              </a:cxn>
+              <a:cxn ang="0">
+                <a:pos x="connsiteX22" y="connsiteY22"/>
+              </a:cxn>
+              <a:cxn ang="0">
+                <a:pos x="connsiteX23" y="connsiteY23"/>
+              </a:cxn>
+              <a:cxn ang="0">
+                <a:pos x="connsiteX24" y="connsiteY24"/>
+              </a:cxn>
+            </a:cxnLst>
+            <a:rect l="l" t="t" r="r" b="b"/>
+            <a:pathLst>
+              <a:path w="4896161" h="1726922" fill="none" extrusionOk="0">
+                <a:moveTo>
+                  <a:pt x="0" y="0"/>
+                </a:moveTo>
+                <a:cubicBezTo>
+                  <a:pt x="211610" y="-41761"/>
+                  <a:pt x="473862" y="52249"/>
+                  <a:pt x="641941" y="0"/>
+                </a:cubicBezTo>
+                <a:cubicBezTo>
+                  <a:pt x="810020" y="-52249"/>
+                  <a:pt x="982579" y="32810"/>
+                  <a:pt x="1136997" y="0"/>
+                </a:cubicBezTo>
+                <a:cubicBezTo>
+                  <a:pt x="1291415" y="-32810"/>
+                  <a:pt x="1465911" y="7370"/>
+                  <a:pt x="1729977" y="0"/>
+                </a:cubicBezTo>
+                <a:cubicBezTo>
+                  <a:pt x="1994043" y="-7370"/>
+                  <a:pt x="1934514" y="36058"/>
+                  <a:pt x="2127110" y="0"/>
+                </a:cubicBezTo>
+                <a:cubicBezTo>
+                  <a:pt x="2319706" y="-36058"/>
+                  <a:pt x="2590252" y="34032"/>
+                  <a:pt x="2769051" y="0"/>
+                </a:cubicBezTo>
+                <a:cubicBezTo>
+                  <a:pt x="2947850" y="-34032"/>
+                  <a:pt x="3154117" y="47422"/>
+                  <a:pt x="3313069" y="0"/>
+                </a:cubicBezTo>
+                <a:cubicBezTo>
+                  <a:pt x="3472021" y="-47422"/>
+                  <a:pt x="3693227" y="5624"/>
+                  <a:pt x="3808125" y="0"/>
+                </a:cubicBezTo>
+                <a:cubicBezTo>
+                  <a:pt x="3923023" y="-5624"/>
+                  <a:pt x="4469594" y="84946"/>
+                  <a:pt x="4896161" y="0"/>
+                </a:cubicBezTo>
+                <a:cubicBezTo>
+                  <a:pt x="4911446" y="125193"/>
+                  <a:pt x="4844192" y="337338"/>
+                  <a:pt x="4896161" y="523833"/>
+                </a:cubicBezTo>
+                <a:cubicBezTo>
+                  <a:pt x="4948130" y="710328"/>
+                  <a:pt x="4876466" y="988110"/>
+                  <a:pt x="4896161" y="1134012"/>
+                </a:cubicBezTo>
+                <a:cubicBezTo>
+                  <a:pt x="4915856" y="1279914"/>
+                  <a:pt x="4847582" y="1493943"/>
+                  <a:pt x="4896161" y="1726922"/>
+                </a:cubicBezTo>
+                <a:cubicBezTo>
+                  <a:pt x="4653117" y="1772360"/>
+                  <a:pt x="4480953" y="1680985"/>
+                  <a:pt x="4303182" y="1726922"/>
+                </a:cubicBezTo>
+                <a:cubicBezTo>
+                  <a:pt x="4125411" y="1772859"/>
+                  <a:pt x="4071048" y="1688687"/>
+                  <a:pt x="3906048" y="1726922"/>
+                </a:cubicBezTo>
+                <a:cubicBezTo>
+                  <a:pt x="3741048" y="1765157"/>
+                  <a:pt x="3639334" y="1704475"/>
+                  <a:pt x="3508915" y="1726922"/>
+                </a:cubicBezTo>
+                <a:cubicBezTo>
+                  <a:pt x="3378496" y="1749369"/>
+                  <a:pt x="3207533" y="1710349"/>
+                  <a:pt x="3111782" y="1726922"/>
+                </a:cubicBezTo>
+                <a:cubicBezTo>
+                  <a:pt x="3016031" y="1743495"/>
+                  <a:pt x="2745188" y="1716593"/>
+                  <a:pt x="2518803" y="1726922"/>
+                </a:cubicBezTo>
+                <a:cubicBezTo>
+                  <a:pt x="2292418" y="1737251"/>
+                  <a:pt x="2290076" y="1697432"/>
+                  <a:pt x="2121670" y="1726922"/>
+                </a:cubicBezTo>
+                <a:cubicBezTo>
+                  <a:pt x="1953264" y="1756412"/>
+                  <a:pt x="1825766" y="1681374"/>
+                  <a:pt x="1724537" y="1726922"/>
+                </a:cubicBezTo>
+                <a:cubicBezTo>
+                  <a:pt x="1623308" y="1772470"/>
+                  <a:pt x="1426932" y="1700148"/>
+                  <a:pt x="1327404" y="1726922"/>
+                </a:cubicBezTo>
+                <a:cubicBezTo>
+                  <a:pt x="1227876" y="1753696"/>
+                  <a:pt x="1019224" y="1700243"/>
+                  <a:pt x="832347" y="1726922"/>
+                </a:cubicBezTo>
+                <a:cubicBezTo>
+                  <a:pt x="645470" y="1753601"/>
+                  <a:pt x="210273" y="1690798"/>
+                  <a:pt x="0" y="1726922"/>
+                </a:cubicBezTo>
+                <a:cubicBezTo>
+                  <a:pt x="-506" y="1555620"/>
+                  <a:pt x="2285" y="1341552"/>
+                  <a:pt x="0" y="1151281"/>
+                </a:cubicBezTo>
+                <a:cubicBezTo>
+                  <a:pt x="-2285" y="961010"/>
+                  <a:pt x="59249" y="812451"/>
+                  <a:pt x="0" y="610179"/>
+                </a:cubicBezTo>
+                <a:cubicBezTo>
+                  <a:pt x="-59249" y="407907"/>
+                  <a:pt x="41705" y="303898"/>
+                  <a:pt x="0" y="0"/>
+                </a:cubicBezTo>
+                <a:close/>
+              </a:path>
+              <a:path w="4896161" h="1726922" stroke="0" extrusionOk="0">
+                <a:moveTo>
+                  <a:pt x="0" y="0"/>
+                </a:moveTo>
+                <a:cubicBezTo>
+                  <a:pt x="202602" y="-56983"/>
+                  <a:pt x="342626" y="11627"/>
+                  <a:pt x="641941" y="0"/>
+                </a:cubicBezTo>
+                <a:cubicBezTo>
+                  <a:pt x="941256" y="-11627"/>
+                  <a:pt x="1017127" y="21600"/>
+                  <a:pt x="1185959" y="0"/>
+                </a:cubicBezTo>
+                <a:cubicBezTo>
+                  <a:pt x="1354791" y="-21600"/>
+                  <a:pt x="1498644" y="39920"/>
+                  <a:pt x="1632054" y="0"/>
+                </a:cubicBezTo>
+                <a:cubicBezTo>
+                  <a:pt x="1765465" y="-39920"/>
+                  <a:pt x="2007691" y="29865"/>
+                  <a:pt x="2176072" y="0"/>
+                </a:cubicBezTo>
+                <a:cubicBezTo>
+                  <a:pt x="2344453" y="-29865"/>
+                  <a:pt x="2622420" y="5452"/>
+                  <a:pt x="2818013" y="0"/>
+                </a:cubicBezTo>
+                <a:cubicBezTo>
+                  <a:pt x="3013606" y="-5452"/>
+                  <a:pt x="3154926" y="32671"/>
+                  <a:pt x="3264107" y="0"/>
+                </a:cubicBezTo>
+                <a:cubicBezTo>
+                  <a:pt x="3373288" y="-32671"/>
+                  <a:pt x="3535845" y="14181"/>
+                  <a:pt x="3661240" y="0"/>
+                </a:cubicBezTo>
+                <a:cubicBezTo>
+                  <a:pt x="3786635" y="-14181"/>
+                  <a:pt x="4007865" y="12579"/>
+                  <a:pt x="4205258" y="0"/>
+                </a:cubicBezTo>
+                <a:cubicBezTo>
+                  <a:pt x="4402651" y="-12579"/>
+                  <a:pt x="4619507" y="78664"/>
+                  <a:pt x="4896161" y="0"/>
+                </a:cubicBezTo>
+                <a:cubicBezTo>
+                  <a:pt x="4928936" y="138320"/>
+                  <a:pt x="4851398" y="392493"/>
+                  <a:pt x="4896161" y="592910"/>
+                </a:cubicBezTo>
+                <a:cubicBezTo>
+                  <a:pt x="4940924" y="793327"/>
+                  <a:pt x="4876278" y="961804"/>
+                  <a:pt x="4896161" y="1151281"/>
+                </a:cubicBezTo>
+                <a:cubicBezTo>
+                  <a:pt x="4916044" y="1340758"/>
+                  <a:pt x="4861272" y="1603055"/>
+                  <a:pt x="4896161" y="1726922"/>
+                </a:cubicBezTo>
+                <a:cubicBezTo>
+                  <a:pt x="4605762" y="1773998"/>
+                  <a:pt x="4453239" y="1723278"/>
+                  <a:pt x="4303182" y="1726922"/>
+                </a:cubicBezTo>
+                <a:cubicBezTo>
+                  <a:pt x="4153125" y="1730566"/>
+                  <a:pt x="3937890" y="1690102"/>
+                  <a:pt x="3808125" y="1726922"/>
+                </a:cubicBezTo>
+                <a:cubicBezTo>
+                  <a:pt x="3678360" y="1763742"/>
+                  <a:pt x="3340780" y="1692010"/>
+                  <a:pt x="3215146" y="1726922"/>
+                </a:cubicBezTo>
+                <a:cubicBezTo>
+                  <a:pt x="3089512" y="1761834"/>
+                  <a:pt x="2879803" y="1663722"/>
+                  <a:pt x="2573205" y="1726922"/>
+                </a:cubicBezTo>
+                <a:cubicBezTo>
+                  <a:pt x="2266607" y="1790122"/>
+                  <a:pt x="2113304" y="1670355"/>
+                  <a:pt x="1980225" y="1726922"/>
+                </a:cubicBezTo>
+                <a:cubicBezTo>
+                  <a:pt x="1847146" y="1783489"/>
+                  <a:pt x="1574756" y="1668361"/>
+                  <a:pt x="1436207" y="1726922"/>
+                </a:cubicBezTo>
+                <a:cubicBezTo>
+                  <a:pt x="1297658" y="1785483"/>
+                  <a:pt x="1236361" y="1719556"/>
+                  <a:pt x="1039074" y="1726922"/>
+                </a:cubicBezTo>
+                <a:cubicBezTo>
+                  <a:pt x="841787" y="1734288"/>
+                  <a:pt x="605598" y="1687877"/>
+                  <a:pt x="495056" y="1726922"/>
+                </a:cubicBezTo>
+                <a:cubicBezTo>
+                  <a:pt x="384514" y="1765967"/>
+                  <a:pt x="128955" y="1724920"/>
+                  <a:pt x="0" y="1726922"/>
+                </a:cubicBezTo>
+                <a:cubicBezTo>
+                  <a:pt x="-22757" y="1565636"/>
+                  <a:pt x="70634" y="1361122"/>
+                  <a:pt x="0" y="1116743"/>
+                </a:cubicBezTo>
+                <a:cubicBezTo>
+                  <a:pt x="-70634" y="872364"/>
+                  <a:pt x="8561" y="825277"/>
+                  <a:pt x="0" y="575641"/>
+                </a:cubicBezTo>
+                <a:cubicBezTo>
+                  <a:pt x="-8561" y="326005"/>
+                  <a:pt x="40225" y="177970"/>
+                  <a:pt x="0" y="0"/>
+                </a:cubicBezTo>
+                <a:close/>
+              </a:path>
+            </a:pathLst>
+          </a:custGeom>
+          <a:solidFill>
+            <a:srgbClr val="33C6D5"/>
+          </a:solidFill>
+          <a:ln>
+            <a:gradFill>
+              <a:gsLst>
+                <a:gs pos="0">
+                  <a:schemeClr val="accent1">
+                    <a:lumMod val="5000"/>
+                    <a:lumOff val="95000"/>
+                  </a:schemeClr>
+                </a:gs>
+                <a:gs pos="74000">
+                  <a:schemeClr val="accent1">
+                    <a:lumMod val="45000"/>
+                    <a:lumOff val="55000"/>
+                  </a:schemeClr>
+                </a:gs>
+                <a:gs pos="83000">
+                  <a:schemeClr val="accent1">
+                    <a:lumMod val="45000"/>
+                    <a:lumOff val="55000"/>
+                  </a:schemeClr>
+                </a:gs>
+                <a:gs pos="100000">
+                  <a:schemeClr val="accent1">
+                    <a:lumMod val="30000"/>
+                    <a:lumOff val="70000"/>
+                  </a:schemeClr>
+                </a:gs>
+              </a:gsLst>
+              <a:lin ang="5400000" scaled="1"/>
+            </a:gradFill>
+            <a:extLst>
+              <a:ext uri="{C807C97D-BFC1-408E-A445-0C87EB9F89A2}">
+                <ask:lineSketchStyleProps xmlns:ask="http://schemas.microsoft.com/office/drawing/2018/sketchyshapes" sd="981765707">
+                  <a:prstGeom prst="rect">
+                    <a:avLst/>
+                  </a:prstGeom>
+                  <ask:type>
+                    <ask:lineSketchScribble/>
+                  </ask:type>
+                </ask:lineSketchStyleProps>
+              </a:ext>
+            </a:extLst>
+          </a:ln>
+          <a:effectLst>
+            <a:outerShdw blurRad="63500" sx="102000" sy="102000" algn="ctr" rotWithShape="0">
+              <a:prstClr val="black">
+                <a:alpha val="40000"/>
+              </a:prstClr>
+            </a:outerShdw>
+          </a:effectLst>
+        </p:spPr>
+        <p:style>
+          <a:lnRef idx="2">
+            <a:schemeClr val="accent1">
+              <a:shade val="50000"/>
+            </a:schemeClr>
+          </a:lnRef>
+          <a:fillRef idx="1">
+            <a:schemeClr val="accent1"/>
+          </a:fillRef>
+          <a:effectRef idx="0">
+            <a:schemeClr val="accent1"/>
+          </a:effectRef>
+          <a:fontRef idx="minor">
+            <a:schemeClr val="lt1"/>
+          </a:fontRef>
+        </p:style>
+        <p:txBody>
+          <a:bodyPr lIns="91440" tIns="45720" rIns="91440" bIns="45720" rtlCol="0" anchor="ctr"/>
+          <a:lstStyle>
+            <a:defPPr>
+              <a:defRPr lang="pt-BR"/>
+            </a:defPPr>
+            <a:lvl1pPr marL="0" algn="l" defTabSz="914400" rtl="0" eaLnBrk="1" latinLnBrk="0" hangingPunct="1">
+              <a:defRPr sz="1800" kern="1200">
+                <a:solidFill>
+                  <a:schemeClr val="lt1"/>
+                </a:solidFill>
+                <a:latin typeface="+mn-lt"/>
+                <a:ea typeface="+mn-ea"/>
+                <a:cs typeface="+mn-cs"/>
+              </a:defRPr>
+            </a:lvl1pPr>
+            <a:lvl2pPr marL="457200" algn="l" defTabSz="914400" rtl="0" eaLnBrk="1" latinLnBrk="0" hangingPunct="1">
+              <a:defRPr sz="1800" kern="1200">
+                <a:solidFill>
+                  <a:schemeClr val="lt1"/>
+                </a:solidFill>
+                <a:latin typeface="+mn-lt"/>
+                <a:ea typeface="+mn-ea"/>
+                <a:cs typeface="+mn-cs"/>
+              </a:defRPr>
+            </a:lvl2pPr>
+            <a:lvl3pPr marL="914400" algn="l" defTabSz="914400" rtl="0" eaLnBrk="1" latinLnBrk="0" hangingPunct="1">
+              <a:defRPr sz="1800" kern="1200">
+                <a:solidFill>
+                  <a:schemeClr val="lt1"/>
+                </a:solidFill>
+                <a:latin typeface="+mn-lt"/>
+                <a:ea typeface="+mn-ea"/>
+                <a:cs typeface="+mn-cs"/>
+              </a:defRPr>
+            </a:lvl3pPr>
+            <a:lvl4pPr marL="1371600" algn="l" defTabSz="914400" rtl="0" eaLnBrk="1" latinLnBrk="0" hangingPunct="1">
+              <a:defRPr sz="1800" kern="1200">
+                <a:solidFill>
+                  <a:schemeClr val="lt1"/>
+                </a:solidFill>
+                <a:latin typeface="+mn-lt"/>
+                <a:ea typeface="+mn-ea"/>
+                <a:cs typeface="+mn-cs"/>
+              </a:defRPr>
+            </a:lvl4pPr>
+            <a:lvl5pPr marL="1828800" algn="l" defTabSz="914400" rtl="0" eaLnBrk="1" latinLnBrk="0" hangingPunct="1">
+              <a:defRPr sz="1800" kern="1200">
+                <a:solidFill>
+                  <a:schemeClr val="lt1"/>
+                </a:solidFill>
+                <a:latin typeface="+mn-lt"/>
+                <a:ea typeface="+mn-ea"/>
+                <a:cs typeface="+mn-cs"/>
+              </a:defRPr>
+            </a:lvl5pPr>
+            <a:lvl6pPr marL="2286000" algn="l" defTabSz="914400" rtl="0" eaLnBrk="1" latinLnBrk="0" hangingPunct="1">
+              <a:defRPr sz="1800" kern="1200">
+                <a:solidFill>
+                  <a:schemeClr val="lt1"/>
+                </a:solidFill>
+                <a:latin typeface="+mn-lt"/>
+                <a:ea typeface="+mn-ea"/>
+                <a:cs typeface="+mn-cs"/>
+              </a:defRPr>
+            </a:lvl6pPr>
+            <a:lvl7pPr marL="2743200" algn="l" defTabSz="914400" rtl="0" eaLnBrk="1" latinLnBrk="0" hangingPunct="1">
+              <a:defRPr sz="1800" kern="1200">
+                <a:solidFill>
+                  <a:schemeClr val="lt1"/>
+                </a:solidFill>
+                <a:latin typeface="+mn-lt"/>
+                <a:ea typeface="+mn-ea"/>
+                <a:cs typeface="+mn-cs"/>
+              </a:defRPr>
+            </a:lvl7pPr>
+            <a:lvl8pPr marL="3200400" algn="l" defTabSz="914400" rtl="0" eaLnBrk="1" latinLnBrk="0" hangingPunct="1">
+              <a:defRPr sz="1800" kern="1200">
+                <a:solidFill>
+                  <a:schemeClr val="lt1"/>
+                </a:solidFill>
+                <a:latin typeface="+mn-lt"/>
+                <a:ea typeface="+mn-ea"/>
+                <a:cs typeface="+mn-cs"/>
+              </a:defRPr>
+            </a:lvl8pPr>
+            <a:lvl9pPr marL="3657600" algn="l" defTabSz="914400" rtl="0" eaLnBrk="1" latinLnBrk="0" hangingPunct="1">
+              <a:defRPr sz="1800" kern="1200">
+                <a:solidFill>
+                  <a:schemeClr val="lt1"/>
+                </a:solidFill>
+                <a:latin typeface="+mn-lt"/>
+                <a:ea typeface="+mn-ea"/>
+                <a:cs typeface="+mn-cs"/>
+              </a:defRPr>
+            </a:lvl9pPr>
+          </a:lstStyle>
+          <a:p>
+            <a:r>
+              <a:rPr lang="pt-BR" dirty="0">
+                <a:latin typeface="Ink Free" panose="03080402000500000000" pitchFamily="66" charset="0"/>
+              </a:rPr>
+              <a:t>Eu, </a:t>
+            </a:r>
+            <a:r>
+              <a:rPr lang="pt-BR" b="1" dirty="0">
+                <a:solidFill>
+                  <a:schemeClr val="tx1"/>
+                </a:solidFill>
+                <a:latin typeface="Ink Free" panose="03080402000500000000" pitchFamily="66" charset="0"/>
+              </a:rPr>
+              <a:t>enquanto</a:t>
+            </a:r>
+            <a:r>
+              <a:rPr lang="pt-BR" dirty="0">
+                <a:latin typeface="Ink Free" panose="03080402000500000000" pitchFamily="66" charset="0"/>
+              </a:rPr>
+              <a:t> professor, não gosto de mudar o meu planejamento da aula, mas muitas vezes é preciso, pois o computador não colabora comigo, e o técnico demora para resolver. </a:t>
+            </a:r>
+            <a:r>
+              <a:rPr lang="pt-BR" b="1" dirty="0">
+                <a:solidFill>
+                  <a:schemeClr val="tx1"/>
+                </a:solidFill>
+                <a:latin typeface="Ink Free" panose="03080402000500000000" pitchFamily="66" charset="0"/>
+              </a:rPr>
+              <a:t>Necessito</a:t>
+            </a:r>
+            <a:r>
+              <a:rPr lang="pt-BR" dirty="0">
+                <a:latin typeface="Ink Free" panose="03080402000500000000" pitchFamily="66" charset="0"/>
+              </a:rPr>
+              <a:t> de uma solução </a:t>
+            </a:r>
+            <a:r>
+              <a:rPr lang="pt-BR" b="1" dirty="0">
+                <a:solidFill>
+                  <a:schemeClr val="tx1"/>
+                </a:solidFill>
+                <a:latin typeface="Ink Free" panose="03080402000500000000" pitchFamily="66" charset="0"/>
+              </a:rPr>
+              <a:t>para que </a:t>
+            </a:r>
+            <a:r>
+              <a:rPr lang="pt-BR" dirty="0">
+                <a:latin typeface="Ink Free" panose="03080402000500000000" pitchFamily="66" charset="0"/>
+              </a:rPr>
+              <a:t>isso não ocorra.</a:t>
+            </a:r>
+            <a:endParaRPr lang="en-US" dirty="0">
+              <a:latin typeface="Ink Free" panose="03080402000500000000" pitchFamily="66" charset="0"/>
+            </a:endParaRPr>
+          </a:p>
+          <a:p>
+            <a:pPr algn="just"/>
+            <a:endParaRPr lang="pt-BR" sz="1800" dirty="0">
+              <a:effectLst/>
+              <a:latin typeface="Calibri" panose="020F0502020204030204" pitchFamily="34" charset="0"/>
+              <a:ea typeface="Calibri" panose="020F0502020204030204" pitchFamily="34" charset="0"/>
+              <a:cs typeface="Times New Roman" panose="02020603050405020304" pitchFamily="18" charset="0"/>
+            </a:endParaRPr>
+          </a:p>
+        </p:txBody>
+      </p:sp>
+      <p:sp>
+        <p:nvSpPr>
+          <p:cNvPr id="9" name="Retângulo 14">
+            <a:extLst>
+              <a:ext uri="{FF2B5EF4-FFF2-40B4-BE49-F238E27FC236}">
+                <a16:creationId xmlns:a16="http://schemas.microsoft.com/office/drawing/2014/main" id="{8A38FFA3-FF04-42DA-AE85-A2D2173B2196}"/>
+              </a:ext>
+            </a:extLst>
+          </p:cNvPr>
+          <p:cNvSpPr/>
+          <p:nvPr/>
+        </p:nvSpPr>
+        <p:spPr>
+          <a:xfrm>
+            <a:off x="1989080" y="2008096"/>
+            <a:ext cx="3648816" cy="1751940"/>
+          </a:xfrm>
+          <a:custGeom>
+            <a:avLst/>
+            <a:gdLst>
+              <a:gd name="connsiteX0" fmla="*/ 0 w 3648816"/>
+              <a:gd name="connsiteY0" fmla="*/ 0 h 1751940"/>
+              <a:gd name="connsiteX1" fmla="*/ 448283 w 3648816"/>
+              <a:gd name="connsiteY1" fmla="*/ 0 h 1751940"/>
+              <a:gd name="connsiteX2" fmla="*/ 933054 w 3648816"/>
+              <a:gd name="connsiteY2" fmla="*/ 0 h 1751940"/>
+              <a:gd name="connsiteX3" fmla="*/ 1454314 w 3648816"/>
+              <a:gd name="connsiteY3" fmla="*/ 0 h 1751940"/>
+              <a:gd name="connsiteX4" fmla="*/ 1866109 w 3648816"/>
+              <a:gd name="connsiteY4" fmla="*/ 0 h 1751940"/>
+              <a:gd name="connsiteX5" fmla="*/ 2460345 w 3648816"/>
+              <a:gd name="connsiteY5" fmla="*/ 0 h 1751940"/>
+              <a:gd name="connsiteX6" fmla="*/ 2945116 w 3648816"/>
+              <a:gd name="connsiteY6" fmla="*/ 0 h 1751940"/>
+              <a:gd name="connsiteX7" fmla="*/ 3648816 w 3648816"/>
+              <a:gd name="connsiteY7" fmla="*/ 0 h 1751940"/>
+              <a:gd name="connsiteX8" fmla="*/ 3648816 w 3648816"/>
+              <a:gd name="connsiteY8" fmla="*/ 531422 h 1751940"/>
+              <a:gd name="connsiteX9" fmla="*/ 3648816 w 3648816"/>
+              <a:gd name="connsiteY9" fmla="*/ 1097882 h 1751940"/>
+              <a:gd name="connsiteX10" fmla="*/ 3648816 w 3648816"/>
+              <a:gd name="connsiteY10" fmla="*/ 1751940 h 1751940"/>
+              <a:gd name="connsiteX11" fmla="*/ 3054580 w 3648816"/>
+              <a:gd name="connsiteY11" fmla="*/ 1751940 h 1751940"/>
+              <a:gd name="connsiteX12" fmla="*/ 2496833 w 3648816"/>
+              <a:gd name="connsiteY12" fmla="*/ 1751940 h 1751940"/>
+              <a:gd name="connsiteX13" fmla="*/ 2085038 w 3648816"/>
+              <a:gd name="connsiteY13" fmla="*/ 1751940 h 1751940"/>
+              <a:gd name="connsiteX14" fmla="*/ 1563778 w 3648816"/>
+              <a:gd name="connsiteY14" fmla="*/ 1751940 h 1751940"/>
+              <a:gd name="connsiteX15" fmla="*/ 969543 w 3648816"/>
+              <a:gd name="connsiteY15" fmla="*/ 1751940 h 1751940"/>
+              <a:gd name="connsiteX16" fmla="*/ 0 w 3648816"/>
+              <a:gd name="connsiteY16" fmla="*/ 1751940 h 1751940"/>
+              <a:gd name="connsiteX17" fmla="*/ 0 w 3648816"/>
+              <a:gd name="connsiteY17" fmla="*/ 1220518 h 1751940"/>
+              <a:gd name="connsiteX18" fmla="*/ 0 w 3648816"/>
+              <a:gd name="connsiteY18" fmla="*/ 619019 h 1751940"/>
+              <a:gd name="connsiteX19" fmla="*/ 0 w 3648816"/>
+              <a:gd name="connsiteY19" fmla="*/ 0 h 1751940"/>
+            </a:gdLst>
+            <a:ahLst/>
+            <a:cxnLst>
+              <a:cxn ang="0">
+                <a:pos x="connsiteX0" y="connsiteY0"/>
+              </a:cxn>
+              <a:cxn ang="0">
+                <a:pos x="connsiteX1" y="connsiteY1"/>
+              </a:cxn>
+              <a:cxn ang="0">
+                <a:pos x="connsiteX2" y="connsiteY2"/>
+              </a:cxn>
+              <a:cxn ang="0">
+                <a:pos x="connsiteX3" y="connsiteY3"/>
+              </a:cxn>
+              <a:cxn ang="0">
+                <a:pos x="connsiteX4" y="connsiteY4"/>
+              </a:cxn>
+              <a:cxn ang="0">
+                <a:pos x="connsiteX5" y="connsiteY5"/>
+              </a:cxn>
+              <a:cxn ang="0">
+                <a:pos x="connsiteX6" y="connsiteY6"/>
+              </a:cxn>
+              <a:cxn ang="0">
+                <a:pos x="connsiteX7" y="connsiteY7"/>
+              </a:cxn>
+              <a:cxn ang="0">
+                <a:pos x="connsiteX8" y="connsiteY8"/>
+              </a:cxn>
+              <a:cxn ang="0">
+                <a:pos x="connsiteX9" y="connsiteY9"/>
+              </a:cxn>
+              <a:cxn ang="0">
+                <a:pos x="connsiteX10" y="connsiteY10"/>
+              </a:cxn>
+              <a:cxn ang="0">
+                <a:pos x="connsiteX11" y="connsiteY11"/>
+              </a:cxn>
+              <a:cxn ang="0">
+                <a:pos x="connsiteX12" y="connsiteY12"/>
+              </a:cxn>
+              <a:cxn ang="0">
+                <a:pos x="connsiteX13" y="connsiteY13"/>
+              </a:cxn>
+              <a:cxn ang="0">
+                <a:pos x="connsiteX14" y="connsiteY14"/>
+              </a:cxn>
+              <a:cxn ang="0">
+                <a:pos x="connsiteX15" y="connsiteY15"/>
+              </a:cxn>
+              <a:cxn ang="0">
+                <a:pos x="connsiteX16" y="connsiteY16"/>
+              </a:cxn>
+              <a:cxn ang="0">
+                <a:pos x="connsiteX17" y="connsiteY17"/>
+              </a:cxn>
+              <a:cxn ang="0">
+                <a:pos x="connsiteX18" y="connsiteY18"/>
+              </a:cxn>
+              <a:cxn ang="0">
+                <a:pos x="connsiteX19" y="connsiteY19"/>
+              </a:cxn>
+            </a:cxnLst>
+            <a:rect l="l" t="t" r="r" b="b"/>
+            <a:pathLst>
+              <a:path w="3648816" h="1751940" fill="none" extrusionOk="0">
+                <a:moveTo>
+                  <a:pt x="0" y="0"/>
+                </a:moveTo>
+                <a:cubicBezTo>
+                  <a:pt x="143772" y="-8488"/>
+                  <a:pt x="315425" y="30248"/>
+                  <a:pt x="448283" y="0"/>
+                </a:cubicBezTo>
+                <a:cubicBezTo>
+                  <a:pt x="581141" y="-30248"/>
+                  <a:pt x="728565" y="57360"/>
+                  <a:pt x="933054" y="0"/>
+                </a:cubicBezTo>
+                <a:cubicBezTo>
+                  <a:pt x="1137543" y="-57360"/>
+                  <a:pt x="1266203" y="29000"/>
+                  <a:pt x="1454314" y="0"/>
+                </a:cubicBezTo>
+                <a:cubicBezTo>
+                  <a:pt x="1642425" y="-29000"/>
+                  <a:pt x="1748015" y="18907"/>
+                  <a:pt x="1866109" y="0"/>
+                </a:cubicBezTo>
+                <a:cubicBezTo>
+                  <a:pt x="1984204" y="-18907"/>
+                  <a:pt x="2256500" y="7548"/>
+                  <a:pt x="2460345" y="0"/>
+                </a:cubicBezTo>
+                <a:cubicBezTo>
+                  <a:pt x="2664190" y="-7548"/>
+                  <a:pt x="2743351" y="7997"/>
+                  <a:pt x="2945116" y="0"/>
+                </a:cubicBezTo>
+                <a:cubicBezTo>
+                  <a:pt x="3146881" y="-7997"/>
+                  <a:pt x="3382175" y="27242"/>
+                  <a:pt x="3648816" y="0"/>
+                </a:cubicBezTo>
+                <a:cubicBezTo>
+                  <a:pt x="3711627" y="139854"/>
+                  <a:pt x="3646486" y="409993"/>
+                  <a:pt x="3648816" y="531422"/>
+                </a:cubicBezTo>
+                <a:cubicBezTo>
+                  <a:pt x="3651146" y="652851"/>
+                  <a:pt x="3584889" y="944821"/>
+                  <a:pt x="3648816" y="1097882"/>
+                </a:cubicBezTo>
+                <a:cubicBezTo>
+                  <a:pt x="3712743" y="1250943"/>
+                  <a:pt x="3647555" y="1478840"/>
+                  <a:pt x="3648816" y="1751940"/>
+                </a:cubicBezTo>
+                <a:cubicBezTo>
+                  <a:pt x="3490333" y="1785628"/>
+                  <a:pt x="3332917" y="1744369"/>
+                  <a:pt x="3054580" y="1751940"/>
+                </a:cubicBezTo>
+                <a:cubicBezTo>
+                  <a:pt x="2776243" y="1759511"/>
+                  <a:pt x="2712780" y="1690132"/>
+                  <a:pt x="2496833" y="1751940"/>
+                </a:cubicBezTo>
+                <a:cubicBezTo>
+                  <a:pt x="2280886" y="1813748"/>
+                  <a:pt x="2248722" y="1731780"/>
+                  <a:pt x="2085038" y="1751940"/>
+                </a:cubicBezTo>
+                <a:cubicBezTo>
+                  <a:pt x="1921354" y="1772100"/>
+                  <a:pt x="1813510" y="1700396"/>
+                  <a:pt x="1563778" y="1751940"/>
+                </a:cubicBezTo>
+                <a:cubicBezTo>
+                  <a:pt x="1314046" y="1803484"/>
+                  <a:pt x="1143107" y="1685168"/>
+                  <a:pt x="969543" y="1751940"/>
+                </a:cubicBezTo>
+                <a:cubicBezTo>
+                  <a:pt x="795980" y="1818712"/>
+                  <a:pt x="317920" y="1678048"/>
+                  <a:pt x="0" y="1751940"/>
+                </a:cubicBezTo>
+                <a:cubicBezTo>
+                  <a:pt x="-8119" y="1621726"/>
+                  <a:pt x="27513" y="1430346"/>
+                  <a:pt x="0" y="1220518"/>
+                </a:cubicBezTo>
+                <a:cubicBezTo>
+                  <a:pt x="-27513" y="1010690"/>
+                  <a:pt x="60612" y="872829"/>
+                  <a:pt x="0" y="619019"/>
+                </a:cubicBezTo>
+                <a:cubicBezTo>
+                  <a:pt x="-60612" y="365209"/>
+                  <a:pt x="4327" y="198241"/>
+                  <a:pt x="0" y="0"/>
+                </a:cubicBezTo>
+                <a:close/>
+              </a:path>
+              <a:path w="3648816" h="1751940" stroke="0" extrusionOk="0">
+                <a:moveTo>
+                  <a:pt x="0" y="0"/>
+                </a:moveTo>
+                <a:cubicBezTo>
+                  <a:pt x="181547" y="-54844"/>
+                  <a:pt x="415116" y="12766"/>
+                  <a:pt x="594236" y="0"/>
+                </a:cubicBezTo>
+                <a:cubicBezTo>
+                  <a:pt x="773356" y="-12766"/>
+                  <a:pt x="1006357" y="60687"/>
+                  <a:pt x="1115495" y="0"/>
+                </a:cubicBezTo>
+                <a:cubicBezTo>
+                  <a:pt x="1224633" y="-60687"/>
+                  <a:pt x="1458422" y="8117"/>
+                  <a:pt x="1563778" y="0"/>
+                </a:cubicBezTo>
+                <a:cubicBezTo>
+                  <a:pt x="1669134" y="-8117"/>
+                  <a:pt x="1963731" y="9688"/>
+                  <a:pt x="2085038" y="0"/>
+                </a:cubicBezTo>
+                <a:cubicBezTo>
+                  <a:pt x="2206345" y="-9688"/>
+                  <a:pt x="2493070" y="25752"/>
+                  <a:pt x="2679273" y="0"/>
+                </a:cubicBezTo>
+                <a:cubicBezTo>
+                  <a:pt x="2865476" y="-25752"/>
+                  <a:pt x="2907143" y="51053"/>
+                  <a:pt x="3127557" y="0"/>
+                </a:cubicBezTo>
+                <a:cubicBezTo>
+                  <a:pt x="3347971" y="-51053"/>
+                  <a:pt x="3436463" y="41452"/>
+                  <a:pt x="3648816" y="0"/>
+                </a:cubicBezTo>
+                <a:cubicBezTo>
+                  <a:pt x="3675724" y="252219"/>
+                  <a:pt x="3646717" y="430265"/>
+                  <a:pt x="3648816" y="583980"/>
+                </a:cubicBezTo>
+                <a:cubicBezTo>
+                  <a:pt x="3650915" y="737695"/>
+                  <a:pt x="3631505" y="965396"/>
+                  <a:pt x="3648816" y="1150441"/>
+                </a:cubicBezTo>
+                <a:cubicBezTo>
+                  <a:pt x="3666127" y="1335486"/>
+                  <a:pt x="3637955" y="1483106"/>
+                  <a:pt x="3648816" y="1751940"/>
+                </a:cubicBezTo>
+                <a:cubicBezTo>
+                  <a:pt x="3435520" y="1783059"/>
+                  <a:pt x="3383636" y="1707373"/>
+                  <a:pt x="3164045" y="1751940"/>
+                </a:cubicBezTo>
+                <a:cubicBezTo>
+                  <a:pt x="2944454" y="1796507"/>
+                  <a:pt x="2742969" y="1697951"/>
+                  <a:pt x="2606297" y="1751940"/>
+                </a:cubicBezTo>
+                <a:cubicBezTo>
+                  <a:pt x="2469625" y="1805929"/>
+                  <a:pt x="2336482" y="1748075"/>
+                  <a:pt x="2158014" y="1751940"/>
+                </a:cubicBezTo>
+                <a:cubicBezTo>
+                  <a:pt x="1979546" y="1755805"/>
+                  <a:pt x="1820209" y="1730183"/>
+                  <a:pt x="1673243" y="1751940"/>
+                </a:cubicBezTo>
+                <a:cubicBezTo>
+                  <a:pt x="1526277" y="1773697"/>
+                  <a:pt x="1297268" y="1727584"/>
+                  <a:pt x="1115495" y="1751940"/>
+                </a:cubicBezTo>
+                <a:cubicBezTo>
+                  <a:pt x="933722" y="1776296"/>
+                  <a:pt x="783452" y="1716658"/>
+                  <a:pt x="521259" y="1751940"/>
+                </a:cubicBezTo>
+                <a:cubicBezTo>
+                  <a:pt x="259066" y="1787222"/>
+                  <a:pt x="128537" y="1699528"/>
+                  <a:pt x="0" y="1751940"/>
+                </a:cubicBezTo>
+                <a:cubicBezTo>
+                  <a:pt x="-65658" y="1567430"/>
+                  <a:pt x="40838" y="1422325"/>
+                  <a:pt x="0" y="1167960"/>
+                </a:cubicBezTo>
+                <a:cubicBezTo>
+                  <a:pt x="-40838" y="913595"/>
+                  <a:pt x="10644" y="849670"/>
+                  <a:pt x="0" y="619019"/>
+                </a:cubicBezTo>
+                <a:cubicBezTo>
+                  <a:pt x="-10644" y="388368"/>
+                  <a:pt x="26820" y="264488"/>
+                  <a:pt x="0" y="0"/>
+                </a:cubicBezTo>
+                <a:close/>
+              </a:path>
+            </a:pathLst>
+          </a:custGeom>
+          <a:solidFill>
+            <a:srgbClr val="509DB8"/>
+          </a:solidFill>
+          <a:ln>
+            <a:gradFill>
+              <a:gsLst>
+                <a:gs pos="0">
+                  <a:schemeClr val="accent1">
+                    <a:lumMod val="5000"/>
+                    <a:lumOff val="95000"/>
+                  </a:schemeClr>
+                </a:gs>
+                <a:gs pos="74000">
+                  <a:schemeClr val="accent1">
+                    <a:lumMod val="45000"/>
+                    <a:lumOff val="55000"/>
+                  </a:schemeClr>
+                </a:gs>
+                <a:gs pos="83000">
+                  <a:schemeClr val="accent1">
+                    <a:lumMod val="45000"/>
+                    <a:lumOff val="55000"/>
+                  </a:schemeClr>
+                </a:gs>
+                <a:gs pos="100000">
+                  <a:schemeClr val="accent1">
+                    <a:lumMod val="30000"/>
+                    <a:lumOff val="70000"/>
+                  </a:schemeClr>
+                </a:gs>
+              </a:gsLst>
+              <a:lin ang="5400000" scaled="1"/>
+            </a:gradFill>
+            <a:extLst>
+              <a:ext uri="{C807C97D-BFC1-408E-A445-0C87EB9F89A2}">
+                <ask:lineSketchStyleProps xmlns:ask="http://schemas.microsoft.com/office/drawing/2018/sketchyshapes" sd="981765707">
+                  <a:prstGeom prst="rect">
+                    <a:avLst/>
+                  </a:prstGeom>
+                  <ask:type>
+                    <ask:lineSketchScribble/>
+                  </ask:type>
+                </ask:lineSketchStyleProps>
+              </a:ext>
+            </a:extLst>
+          </a:ln>
+          <a:effectLst>
+            <a:outerShdw blurRad="63500" sx="102000" sy="102000" algn="ctr" rotWithShape="0">
+              <a:prstClr val="black">
+                <a:alpha val="40000"/>
+              </a:prstClr>
+            </a:outerShdw>
+          </a:effectLst>
+        </p:spPr>
+        <p:style>
+          <a:lnRef idx="2">
+            <a:schemeClr val="accent1">
+              <a:shade val="50000"/>
+            </a:schemeClr>
+          </a:lnRef>
+          <a:fillRef idx="1">
+            <a:schemeClr val="accent1"/>
+          </a:fillRef>
+          <a:effectRef idx="0">
+            <a:schemeClr val="accent1"/>
+          </a:effectRef>
+          <a:fontRef idx="minor">
+            <a:schemeClr val="lt1"/>
+          </a:fontRef>
+        </p:style>
+        <p:txBody>
+          <a:bodyPr lIns="91440" tIns="45720" rIns="91440" bIns="45720" rtlCol="0" anchor="ctr"/>
+          <a:lstStyle>
+            <a:defPPr>
+              <a:defRPr lang="pt-BR"/>
+            </a:defPPr>
+            <a:lvl1pPr marL="0" algn="l" defTabSz="914400" rtl="0" eaLnBrk="1" latinLnBrk="0" hangingPunct="1">
+              <a:defRPr sz="1800" kern="1200">
+                <a:solidFill>
+                  <a:schemeClr val="lt1"/>
+                </a:solidFill>
+                <a:latin typeface="+mn-lt"/>
+                <a:ea typeface="+mn-ea"/>
+                <a:cs typeface="+mn-cs"/>
+              </a:defRPr>
+            </a:lvl1pPr>
+            <a:lvl2pPr marL="457200" algn="l" defTabSz="914400" rtl="0" eaLnBrk="1" latinLnBrk="0" hangingPunct="1">
+              <a:defRPr sz="1800" kern="1200">
+                <a:solidFill>
+                  <a:schemeClr val="lt1"/>
+                </a:solidFill>
+                <a:latin typeface="+mn-lt"/>
+                <a:ea typeface="+mn-ea"/>
+                <a:cs typeface="+mn-cs"/>
+              </a:defRPr>
+            </a:lvl2pPr>
+            <a:lvl3pPr marL="914400" algn="l" defTabSz="914400" rtl="0" eaLnBrk="1" latinLnBrk="0" hangingPunct="1">
+              <a:defRPr sz="1800" kern="1200">
+                <a:solidFill>
+                  <a:schemeClr val="lt1"/>
+                </a:solidFill>
+                <a:latin typeface="+mn-lt"/>
+                <a:ea typeface="+mn-ea"/>
+                <a:cs typeface="+mn-cs"/>
+              </a:defRPr>
+            </a:lvl3pPr>
+            <a:lvl4pPr marL="1371600" algn="l" defTabSz="914400" rtl="0" eaLnBrk="1" latinLnBrk="0" hangingPunct="1">
+              <a:defRPr sz="1800" kern="1200">
+                <a:solidFill>
+                  <a:schemeClr val="lt1"/>
+                </a:solidFill>
+                <a:latin typeface="+mn-lt"/>
+                <a:ea typeface="+mn-ea"/>
+                <a:cs typeface="+mn-cs"/>
+              </a:defRPr>
+            </a:lvl4pPr>
+            <a:lvl5pPr marL="1828800" algn="l" defTabSz="914400" rtl="0" eaLnBrk="1" latinLnBrk="0" hangingPunct="1">
+              <a:defRPr sz="1800" kern="1200">
+                <a:solidFill>
+                  <a:schemeClr val="lt1"/>
+                </a:solidFill>
+                <a:latin typeface="+mn-lt"/>
+                <a:ea typeface="+mn-ea"/>
+                <a:cs typeface="+mn-cs"/>
+              </a:defRPr>
+            </a:lvl5pPr>
+            <a:lvl6pPr marL="2286000" algn="l" defTabSz="914400" rtl="0" eaLnBrk="1" latinLnBrk="0" hangingPunct="1">
+              <a:defRPr sz="1800" kern="1200">
+                <a:solidFill>
+                  <a:schemeClr val="lt1"/>
+                </a:solidFill>
+                <a:latin typeface="+mn-lt"/>
+                <a:ea typeface="+mn-ea"/>
+                <a:cs typeface="+mn-cs"/>
+              </a:defRPr>
+            </a:lvl6pPr>
+            <a:lvl7pPr marL="2743200" algn="l" defTabSz="914400" rtl="0" eaLnBrk="1" latinLnBrk="0" hangingPunct="1">
+              <a:defRPr sz="1800" kern="1200">
+                <a:solidFill>
+                  <a:schemeClr val="lt1"/>
+                </a:solidFill>
+                <a:latin typeface="+mn-lt"/>
+                <a:ea typeface="+mn-ea"/>
+                <a:cs typeface="+mn-cs"/>
+              </a:defRPr>
+            </a:lvl7pPr>
+            <a:lvl8pPr marL="3200400" algn="l" defTabSz="914400" rtl="0" eaLnBrk="1" latinLnBrk="0" hangingPunct="1">
+              <a:defRPr sz="1800" kern="1200">
+                <a:solidFill>
+                  <a:schemeClr val="lt1"/>
+                </a:solidFill>
+                <a:latin typeface="+mn-lt"/>
+                <a:ea typeface="+mn-ea"/>
+                <a:cs typeface="+mn-cs"/>
+              </a:defRPr>
+            </a:lvl8pPr>
+            <a:lvl9pPr marL="3657600" algn="l" defTabSz="914400" rtl="0" eaLnBrk="1" latinLnBrk="0" hangingPunct="1">
+              <a:defRPr sz="1800" kern="1200">
+                <a:solidFill>
+                  <a:schemeClr val="lt1"/>
+                </a:solidFill>
+                <a:latin typeface="+mn-lt"/>
+                <a:ea typeface="+mn-ea"/>
+                <a:cs typeface="+mn-cs"/>
+              </a:defRPr>
+            </a:lvl9pPr>
+          </a:lstStyle>
+          <a:p>
+            <a:r>
+              <a:rPr lang="pt-BR" dirty="0">
+                <a:latin typeface="Ink Free" panose="03080402000500000000" pitchFamily="66" charset="0"/>
+              </a:rPr>
+              <a:t>Eu, </a:t>
+            </a:r>
+            <a:r>
+              <a:rPr lang="pt-BR" b="1" dirty="0">
+                <a:solidFill>
+                  <a:schemeClr val="tx1"/>
+                </a:solidFill>
+                <a:latin typeface="Ink Free" panose="03080402000500000000" pitchFamily="66" charset="0"/>
+              </a:rPr>
+              <a:t>enquanto</a:t>
+            </a:r>
+            <a:r>
+              <a:rPr lang="pt-BR" dirty="0">
+                <a:latin typeface="Ink Free" panose="03080402000500000000" pitchFamily="66" charset="0"/>
+              </a:rPr>
+              <a:t> professor, </a:t>
+            </a:r>
+            <a:r>
+              <a:rPr lang="pt-BR" b="1" dirty="0">
+                <a:solidFill>
+                  <a:schemeClr val="tx1"/>
+                </a:solidFill>
+                <a:latin typeface="Ink Free" panose="03080402000500000000" pitchFamily="66" charset="0"/>
+              </a:rPr>
+              <a:t>quero</a:t>
+            </a:r>
+            <a:r>
+              <a:rPr lang="pt-BR" dirty="0">
+                <a:latin typeface="Ink Free" panose="03080402000500000000" pitchFamily="66" charset="0"/>
+              </a:rPr>
+              <a:t> um meio de resolver o problema com o computador, o mais rápido possível. </a:t>
+            </a:r>
+            <a:r>
+              <a:rPr lang="pt-BR" b="1" dirty="0">
+                <a:solidFill>
+                  <a:schemeClr val="tx1"/>
+                </a:solidFill>
+                <a:latin typeface="Ink Free" panose="03080402000500000000" pitchFamily="66" charset="0"/>
+              </a:rPr>
+              <a:t>Para que</a:t>
+            </a:r>
+            <a:r>
+              <a:rPr lang="pt-BR" dirty="0">
+                <a:latin typeface="Ink Free" panose="03080402000500000000" pitchFamily="66" charset="0"/>
+              </a:rPr>
+              <a:t> não perca boa parte da minha aula, esperando o técnico.</a:t>
+            </a:r>
+            <a:endParaRPr lang="en-US" dirty="0">
+              <a:latin typeface="Ink Free" panose="03080402000500000000" pitchFamily="66" charset="0"/>
+            </a:endParaRPr>
+          </a:p>
+        </p:txBody>
+      </p:sp>
+    </p:spTree>
+    <p:extLst>
+      <p:ext uri="{BB962C8B-B14F-4D97-AF65-F5344CB8AC3E}">
+        <p14:creationId xmlns:p14="http://schemas.microsoft.com/office/powerpoint/2010/main" val="931240863"/>
+      </p:ext>
+    </p:extLst>
+  </p:cSld>
+  <p:clrMapOvr>
+    <a:masterClrMapping/>
+  </p:clrMapOvr>
+</p:sld>
+</file>
+
+<file path=ppt/slides/slide13.xml><?xml version="1.0" encoding="utf-8"?>
 <p:sld xmlns:a="http://schemas.openxmlformats.org/drawingml/2006/main" xmlns:r="http://schemas.openxmlformats.org/officeDocument/2006/relationships" xmlns:p="http://schemas.openxmlformats.org/presentationml/2006/main">
   <p:cSld>
     <p:spTree>
@@ -10357,7 +13008,7 @@
               </a:rPr>
               <a:t>não quero me deslocar toda hora.</a:t>
             </a:r>
-            <a:endParaRPr lang="en-US">
+            <a:endParaRPr lang="en-US" dirty="0">
               <a:latin typeface="Ink Free"/>
               <a:cs typeface="Times New Roman"/>
             </a:endParaRPr>
@@ -10377,7 +13028,7 @@
 </p:sld>
 </file>
 
-<file path=ppt/slides/slide13.xml><?xml version="1.0" encoding="utf-8"?>
+<file path=ppt/slides/slide14.xml><?xml version="1.0" encoding="utf-8"?>
 <p:sld xmlns:a="http://schemas.openxmlformats.org/drawingml/2006/main" xmlns:r="http://schemas.openxmlformats.org/officeDocument/2006/relationships" xmlns:p="http://schemas.openxmlformats.org/presentationml/2006/main">
   <p:cSld>
     <p:spTree>
@@ -11436,7 +14087,7 @@
 </p:sld>
 </file>
 
-<file path=ppt/slides/slide14.xml><?xml version="1.0" encoding="utf-8"?>
+<file path=ppt/slides/slide15.xml><?xml version="1.0" encoding="utf-8"?>
 <p:sld xmlns:a="http://schemas.openxmlformats.org/drawingml/2006/main" xmlns:r="http://schemas.openxmlformats.org/officeDocument/2006/relationships" xmlns:p="http://schemas.openxmlformats.org/presentationml/2006/main">
   <p:cSld>
     <p:spTree>
@@ -12408,7 +15059,7 @@
 </p:sld>
 </file>
 
-<file path=ppt/slides/slide15.xml><?xml version="1.0" encoding="utf-8"?>
+<file path=ppt/slides/slide16.xml><?xml version="1.0" encoding="utf-8"?>
 <p:sld xmlns:a="http://schemas.openxmlformats.org/drawingml/2006/main" xmlns:r="http://schemas.openxmlformats.org/officeDocument/2006/relationships" xmlns:p="http://schemas.openxmlformats.org/presentationml/2006/main">
   <p:cSld>
     <p:spTree>
@@ -12443,7 +15094,7 @@
         </p:nvSpPr>
         <p:spPr>
           <a:xfrm>
-            <a:off x="470319" y="286603"/>
+            <a:off x="413788" y="162178"/>
             <a:ext cx="7926729" cy="756276"/>
           </a:xfrm>
         </p:spPr>
@@ -12490,8 +15141,8 @@
         </p:blipFill>
         <p:spPr>
           <a:xfrm>
-            <a:off x="474562" y="919984"/>
-            <a:ext cx="11267955" cy="5320700"/>
+            <a:off x="221426" y="797236"/>
+            <a:ext cx="11738951" cy="5543103"/>
           </a:xfrm>
           <a:prstGeom prst="rect">
             <a:avLst/>
@@ -12512,7 +15163,7 @@
         </p:nvSpPr>
         <p:spPr>
           <a:xfrm>
-            <a:off x="664553" y="2125039"/>
+            <a:off x="468591" y="2037813"/>
             <a:ext cx="1923658" cy="340242"/>
           </a:xfrm>
           <a:prstGeom prst="rect">
@@ -12703,7 +15354,7 @@
         </p:nvSpPr>
         <p:spPr>
           <a:xfrm>
-            <a:off x="664552" y="2667148"/>
+            <a:off x="468591" y="2533676"/>
             <a:ext cx="1923658" cy="340242"/>
           </a:xfrm>
           <a:prstGeom prst="rect">
@@ -12829,53 +15480,23 @@
             </a:lvl9pPr>
           </a:lstStyle>
           <a:p>
-            <a:pPr marL="0" marR="0" lvl="0" indent="0" algn="ctr" defTabSz="914400" eaLnBrk="1" fontAlgn="auto" latinLnBrk="0" hangingPunct="1">
-              <a:lnSpc>
-                <a:spcPct val="100000"/>
-              </a:lnSpc>
-              <a:spcBef>
-                <a:spcPts val="0"/>
-              </a:spcBef>
-              <a:spcAft>
-                <a:spcPts val="0"/>
-              </a:spcAft>
-              <a:buClrTx/>
-              <a:buSzTx/>
-              <a:buFontTx/>
-              <a:buNone/>
-              <a:tabLst/>
+            <a:pPr algn="ctr">
               <a:defRPr/>
             </a:pPr>
             <a:r>
-              <a:rPr kumimoji="0" lang="pt-BR" sz="1400" b="0" i="0" u="none" strike="noStrike" kern="0" cap="none" spc="0" normalizeH="0" baseline="0" noProof="0" dirty="0">
-                <a:ln>
-                  <a:noFill/>
-                </a:ln>
-                <a:solidFill>
-                  <a:prstClr val="black"/>
-                </a:solidFill>
-                <a:effectLst/>
-                <a:uLnTx/>
-                <a:uFillTx/>
-                <a:latin typeface="Calibri" panose="020F0502020204030204"/>
-                <a:ea typeface="+mn-ea"/>
-                <a:cs typeface="+mn-cs"/>
-              </a:rPr>
-              <a:t>Zendesk</a:t>
-            </a:r>
-            <a:endParaRPr kumimoji="0" lang="en-US" sz="1400" b="0" i="0" u="none" strike="noStrike" kern="0" cap="none" spc="0" normalizeH="0" baseline="0" noProof="0" dirty="0">
-              <a:ln>
-                <a:noFill/>
-              </a:ln>
+              <a:rPr lang="pt-BR" sz="1400" dirty="0">
+                <a:solidFill>
+                  <a:schemeClr val="tx1"/>
+                </a:solidFill>
+                <a:latin typeface="Calibre"/>
+              </a:rPr>
+              <a:t>Azure</a:t>
+            </a:r>
+            <a:endParaRPr lang="en-US" sz="1400" dirty="0">
               <a:solidFill>
-                <a:prstClr val="black"/>
+                <a:schemeClr val="tx1"/>
               </a:solidFill>
-              <a:effectLst/>
-              <a:uLnTx/>
-              <a:uFillTx/>
-              <a:latin typeface="Calibri" panose="020F0502020204030204"/>
-              <a:ea typeface="+mn-ea"/>
-              <a:cs typeface="+mn-cs"/>
+              <a:latin typeface="Calibre"/>
             </a:endParaRPr>
           </a:p>
         </p:txBody>
@@ -12894,8 +15515,8 @@
         </p:nvSpPr>
         <p:spPr>
           <a:xfrm>
-            <a:off x="2940357" y="1935627"/>
-            <a:ext cx="1923658" cy="654358"/>
+            <a:off x="2806829" y="1745464"/>
+            <a:ext cx="1923658" cy="837830"/>
           </a:xfrm>
           <a:prstGeom prst="rect">
             <a:avLst/>
@@ -13020,53 +15641,21 @@
             </a:lvl9pPr>
           </a:lstStyle>
           <a:p>
-            <a:pPr marL="0" marR="0" lvl="0" indent="0" algn="ctr" defTabSz="914400" eaLnBrk="1" fontAlgn="auto" latinLnBrk="0" hangingPunct="1">
-              <a:lnSpc>
-                <a:spcPct val="100000"/>
-              </a:lnSpc>
-              <a:spcBef>
-                <a:spcPts val="0"/>
-              </a:spcBef>
-              <a:spcAft>
-                <a:spcPts val="0"/>
-              </a:spcAft>
-              <a:buClrTx/>
-              <a:buSzTx/>
-              <a:buFontTx/>
-              <a:buNone/>
-              <a:tabLst/>
-              <a:defRPr/>
-            </a:pPr>
-            <a:r>
-              <a:rPr kumimoji="0" lang="pt-BR" sz="1400" b="0" i="0" u="none" strike="noStrike" kern="0" cap="none" spc="0" normalizeH="0" baseline="0" noProof="0" dirty="0">
-                <a:ln>
-                  <a:noFill/>
-                </a:ln>
-                <a:solidFill>
-                  <a:prstClr val="black"/>
-                </a:solidFill>
-                <a:effectLst/>
-                <a:uLnTx/>
-                <a:uFillTx/>
-                <a:latin typeface="Calibri" panose="020F0502020204030204"/>
-                <a:ea typeface="+mn-ea"/>
-                <a:cs typeface="+mn-cs"/>
-              </a:rPr>
-              <a:t>Monitoramento de computadores na área estudantil</a:t>
-            </a:r>
-            <a:endParaRPr kumimoji="0" lang="en-US" sz="1400" b="0" i="0" u="none" strike="noStrike" kern="0" cap="none" spc="0" normalizeH="0" baseline="0" noProof="0" dirty="0">
-              <a:ln>
-                <a:noFill/>
-              </a:ln>
+            <a:pPr algn="ctr"/>
+            <a:r>
+              <a:rPr lang="pt-BR" sz="1400" dirty="0">
+                <a:solidFill>
+                  <a:schemeClr val="tx1"/>
+                </a:solidFill>
+                <a:latin typeface="Calibre"/>
+              </a:rPr>
+              <a:t>Venda e sustentação de Software para monitoramento de SO e Hardware</a:t>
+            </a:r>
+            <a:endParaRPr lang="en-US" sz="1400" dirty="0">
               <a:solidFill>
-                <a:prstClr val="black"/>
+                <a:schemeClr val="tx1"/>
               </a:solidFill>
-              <a:effectLst/>
-              <a:uLnTx/>
-              <a:uFillTx/>
-              <a:latin typeface="Calibri" panose="020F0502020204030204"/>
-              <a:ea typeface="+mn-ea"/>
-              <a:cs typeface="+mn-cs"/>
+              <a:latin typeface="Calibre"/>
             </a:endParaRPr>
           </a:p>
         </p:txBody>
@@ -13085,8 +15674,8 @@
         </p:nvSpPr>
         <p:spPr>
           <a:xfrm>
-            <a:off x="2940356" y="3640634"/>
-            <a:ext cx="1923658" cy="370724"/>
+            <a:off x="2806829" y="3599660"/>
+            <a:ext cx="1923658" cy="288965"/>
           </a:xfrm>
           <a:prstGeom prst="rect">
             <a:avLst/>
@@ -13276,8 +15865,8 @@
         </p:nvSpPr>
         <p:spPr>
           <a:xfrm>
-            <a:off x="2940356" y="4093476"/>
-            <a:ext cx="1923658" cy="370724"/>
+            <a:off x="2801033" y="3955702"/>
+            <a:ext cx="1923658" cy="439608"/>
           </a:xfrm>
           <a:prstGeom prst="rect">
             <a:avLst/>
@@ -13402,53 +15991,21 @@
             </a:lvl9pPr>
           </a:lstStyle>
           <a:p>
-            <a:pPr marL="0" marR="0" lvl="0" indent="0" algn="ctr" defTabSz="914400" eaLnBrk="1" fontAlgn="auto" latinLnBrk="0" hangingPunct="1">
-              <a:lnSpc>
-                <a:spcPct val="100000"/>
-              </a:lnSpc>
-              <a:spcBef>
-                <a:spcPts val="0"/>
-              </a:spcBef>
-              <a:spcAft>
-                <a:spcPts val="0"/>
-              </a:spcAft>
-              <a:buClrTx/>
-              <a:buSzTx/>
-              <a:buFontTx/>
-              <a:buNone/>
-              <a:tabLst/>
-              <a:defRPr/>
-            </a:pPr>
-            <a:r>
-              <a:rPr kumimoji="0" lang="pt-BR" sz="1400" b="0" i="0" u="none" strike="noStrike" kern="0" cap="none" spc="0" normalizeH="0" baseline="0" noProof="0" dirty="0">
-                <a:ln>
-                  <a:noFill/>
-                </a:ln>
-                <a:solidFill>
-                  <a:prstClr val="black"/>
-                </a:solidFill>
-                <a:effectLst/>
-                <a:uLnTx/>
-                <a:uFillTx/>
-                <a:latin typeface="Calibri" panose="020F0502020204030204"/>
-                <a:ea typeface="+mn-ea"/>
-                <a:cs typeface="+mn-cs"/>
-              </a:rPr>
-              <a:t>Monitoramento SO</a:t>
-            </a:r>
-            <a:endParaRPr kumimoji="0" lang="en-US" sz="1400" b="0" i="0" u="none" strike="noStrike" kern="0" cap="none" spc="0" normalizeH="0" baseline="0" noProof="0" dirty="0">
-              <a:ln>
-                <a:noFill/>
-              </a:ln>
+            <a:pPr algn="ctr"/>
+            <a:r>
+              <a:rPr lang="pt-BR" sz="1400" dirty="0">
+                <a:solidFill>
+                  <a:schemeClr val="tx1"/>
+                </a:solidFill>
+                <a:latin typeface="Calibre"/>
+              </a:rPr>
+              <a:t>Equipe de desenvolvimento</a:t>
+            </a:r>
+            <a:endParaRPr lang="en-US" sz="1400" dirty="0">
               <a:solidFill>
-                <a:prstClr val="black"/>
+                <a:schemeClr val="tx1"/>
               </a:solidFill>
-              <a:effectLst/>
-              <a:uLnTx/>
-              <a:uFillTx/>
-              <a:latin typeface="Calibri" panose="020F0502020204030204"/>
-              <a:ea typeface="+mn-ea"/>
-              <a:cs typeface="+mn-cs"/>
+              <a:latin typeface="Calibre"/>
             </a:endParaRPr>
           </a:p>
         </p:txBody>
@@ -13593,53 +16150,21 @@
             </a:lvl9pPr>
           </a:lstStyle>
           <a:p>
-            <a:pPr marL="0" marR="0" lvl="0" indent="0" algn="ctr" defTabSz="914400" eaLnBrk="1" fontAlgn="auto" latinLnBrk="0" hangingPunct="1">
-              <a:lnSpc>
-                <a:spcPct val="100000"/>
-              </a:lnSpc>
-              <a:spcBef>
-                <a:spcPts val="0"/>
-              </a:spcBef>
-              <a:spcAft>
-                <a:spcPts val="0"/>
-              </a:spcAft>
-              <a:buClrTx/>
-              <a:buSzTx/>
-              <a:buFontTx/>
-              <a:buNone/>
-              <a:tabLst/>
-              <a:defRPr/>
-            </a:pPr>
-            <a:r>
-              <a:rPr kumimoji="0" lang="pt-BR" sz="1400" b="0" i="0" u="none" strike="noStrike" kern="0" cap="none" spc="0" normalizeH="0" baseline="0" noProof="0" dirty="0">
-                <a:ln>
-                  <a:noFill/>
-                </a:ln>
-                <a:solidFill>
-                  <a:prstClr val="black"/>
-                </a:solidFill>
-                <a:effectLst/>
-                <a:uLnTx/>
-                <a:uFillTx/>
-                <a:latin typeface="Calibri" panose="020F0502020204030204"/>
-                <a:ea typeface="+mn-ea"/>
-                <a:cs typeface="+mn-cs"/>
-              </a:rPr>
-              <a:t>Exibir dados de forma fácil de interpretar</a:t>
-            </a:r>
-            <a:endParaRPr kumimoji="0" lang="en-US" sz="1400" b="0" i="0" u="none" strike="noStrike" kern="0" cap="none" spc="0" normalizeH="0" baseline="0" noProof="0" dirty="0">
-              <a:ln>
-                <a:noFill/>
-              </a:ln>
+            <a:pPr algn="ctr"/>
+            <a:r>
+              <a:rPr lang="pt-BR" sz="1400" dirty="0">
+                <a:solidFill>
+                  <a:schemeClr val="tx1"/>
+                </a:solidFill>
+                <a:latin typeface="Calibre"/>
+              </a:rPr>
+              <a:t>Atendimento ágil</a:t>
+            </a:r>
+            <a:endParaRPr lang="en-US" sz="1400" dirty="0">
               <a:solidFill>
-                <a:prstClr val="black"/>
+                <a:schemeClr val="tx1"/>
               </a:solidFill>
-              <a:effectLst/>
-              <a:uLnTx/>
-              <a:uFillTx/>
-              <a:latin typeface="Calibri" panose="020F0502020204030204"/>
-              <a:ea typeface="+mn-ea"/>
-              <a:cs typeface="+mn-cs"/>
+              <a:latin typeface="Calibre"/>
             </a:endParaRPr>
           </a:p>
         </p:txBody>
@@ -13784,53 +16309,21 @@
             </a:lvl9pPr>
           </a:lstStyle>
           <a:p>
-            <a:pPr marL="0" marR="0" lvl="0" indent="0" algn="ctr" defTabSz="914400" eaLnBrk="1" fontAlgn="auto" latinLnBrk="0" hangingPunct="1">
-              <a:lnSpc>
-                <a:spcPct val="100000"/>
-              </a:lnSpc>
-              <a:spcBef>
-                <a:spcPts val="0"/>
-              </a:spcBef>
-              <a:spcAft>
-                <a:spcPts val="0"/>
-              </a:spcAft>
-              <a:buClrTx/>
-              <a:buSzTx/>
-              <a:buFontTx/>
-              <a:buNone/>
-              <a:tabLst/>
-              <a:defRPr/>
-            </a:pPr>
-            <a:r>
-              <a:rPr kumimoji="0" lang="pt-BR" sz="1400" b="0" i="0" u="none" strike="noStrike" kern="0" cap="none" spc="0" normalizeH="0" baseline="0" noProof="0" dirty="0">
-                <a:ln>
-                  <a:noFill/>
-                </a:ln>
-                <a:solidFill>
-                  <a:prstClr val="black"/>
-                </a:solidFill>
-                <a:effectLst/>
-                <a:uLnTx/>
-                <a:uFillTx/>
-                <a:latin typeface="Calibri" panose="020F0502020204030204"/>
-                <a:ea typeface="+mn-ea"/>
-                <a:cs typeface="+mn-cs"/>
-              </a:rPr>
-              <a:t>Fácil comunicação com o suporte</a:t>
-            </a:r>
-            <a:endParaRPr kumimoji="0" lang="en-US" sz="1400" b="0" i="0" u="none" strike="noStrike" kern="0" cap="none" spc="0" normalizeH="0" baseline="0" noProof="0" dirty="0">
-              <a:ln>
-                <a:noFill/>
-              </a:ln>
+            <a:pPr algn="ctr"/>
+            <a:r>
+              <a:rPr lang="pt-BR" sz="1400" dirty="0">
+                <a:solidFill>
+                  <a:schemeClr val="tx1"/>
+                </a:solidFill>
+                <a:latin typeface="Calibre"/>
+              </a:rPr>
+              <a:t>Maior disponibilidade do sistema</a:t>
+            </a:r>
+            <a:endParaRPr lang="en-US" sz="1400" dirty="0">
               <a:solidFill>
-                <a:prstClr val="black"/>
+                <a:schemeClr val="tx1"/>
               </a:solidFill>
-              <a:effectLst/>
-              <a:uLnTx/>
-              <a:uFillTx/>
-              <a:latin typeface="Calibri" panose="020F0502020204030204"/>
-              <a:ea typeface="+mn-ea"/>
-              <a:cs typeface="+mn-cs"/>
+              <a:latin typeface="Calibre"/>
             </a:endParaRPr>
           </a:p>
         </p:txBody>
@@ -13975,63 +16468,31 @@
             </a:lvl9pPr>
           </a:lstStyle>
           <a:p>
-            <a:pPr marL="0" marR="0" lvl="0" indent="0" algn="ctr" defTabSz="914400" eaLnBrk="1" fontAlgn="auto" latinLnBrk="0" hangingPunct="1">
-              <a:lnSpc>
-                <a:spcPct val="100000"/>
-              </a:lnSpc>
-              <a:spcBef>
-                <a:spcPts val="0"/>
-              </a:spcBef>
-              <a:spcAft>
-                <a:spcPts val="0"/>
-              </a:spcAft>
-              <a:buClrTx/>
-              <a:buSzTx/>
-              <a:buFontTx/>
-              <a:buNone/>
-              <a:tabLst/>
-              <a:defRPr/>
-            </a:pPr>
-            <a:r>
-              <a:rPr kumimoji="0" lang="pt-BR" sz="1400" b="0" i="0" u="none" strike="noStrike" kern="0" cap="none" spc="0" normalizeH="0" baseline="0" noProof="0" dirty="0">
-                <a:ln>
-                  <a:noFill/>
-                </a:ln>
-                <a:solidFill>
-                  <a:prstClr val="black"/>
-                </a:solidFill>
-                <a:effectLst/>
-                <a:uLnTx/>
-                <a:uFillTx/>
-                <a:latin typeface="Calibri" panose="020F0502020204030204"/>
-                <a:ea typeface="+mn-ea"/>
-                <a:cs typeface="+mn-cs"/>
-              </a:rPr>
-              <a:t>Diversas formas de abrir um chamado</a:t>
-            </a:r>
-            <a:endParaRPr kumimoji="0" lang="en-US" sz="1400" b="0" i="0" u="none" strike="noStrike" kern="0" cap="none" spc="0" normalizeH="0" baseline="0" noProof="0" dirty="0">
-              <a:ln>
-                <a:noFill/>
-              </a:ln>
+            <a:pPr algn="ctr"/>
+            <a:r>
+              <a:rPr lang="pt-BR" sz="1400" dirty="0">
+                <a:solidFill>
+                  <a:schemeClr val="tx1"/>
+                </a:solidFill>
+                <a:latin typeface="Calibre"/>
+              </a:rPr>
+              <a:t>Avaliar custo benefício da máquina</a:t>
+            </a:r>
+            <a:endParaRPr lang="en-US" sz="1400" dirty="0">
               <a:solidFill>
-                <a:prstClr val="black"/>
+                <a:schemeClr val="tx1"/>
               </a:solidFill>
-              <a:effectLst/>
-              <a:uLnTx/>
-              <a:uFillTx/>
-              <a:latin typeface="Calibri" panose="020F0502020204030204"/>
-              <a:ea typeface="+mn-ea"/>
-              <a:cs typeface="+mn-cs"/>
+              <a:latin typeface="Calibre"/>
             </a:endParaRPr>
           </a:p>
         </p:txBody>
       </p:sp>
       <p:sp>
         <p:nvSpPr>
-          <p:cNvPr id="40" name="Retângulo 12">
+          <p:cNvPr id="41" name="Retângulo 13">
             <a:extLst>
               <a:ext uri="{FF2B5EF4-FFF2-40B4-BE49-F238E27FC236}">
-                <a16:creationId xmlns:a16="http://schemas.microsoft.com/office/drawing/2014/main" id="{4F76F537-C86C-47F1-8379-52B5027B139C}"/>
+                <a16:creationId xmlns:a16="http://schemas.microsoft.com/office/drawing/2014/main" id="{A9B58118-74B7-456F-81EC-CF936515B331}"/>
               </a:ext>
             </a:extLst>
           </p:cNvPr>
@@ -14040,14 +16501,14 @@
         </p:nvSpPr>
         <p:spPr>
           <a:xfrm>
-            <a:off x="5129073" y="3972735"/>
-            <a:ext cx="1923658" cy="439608"/>
+            <a:off x="7467313" y="1549779"/>
+            <a:ext cx="1814803" cy="375533"/>
           </a:xfrm>
           <a:prstGeom prst="rect">
             <a:avLst/>
           </a:prstGeom>
           <a:solidFill>
-            <a:srgbClr val="5B9BD5">
+            <a:srgbClr val="FFC000">
               <a:alpha val="50000"/>
             </a:srgbClr>
           </a:solidFill>
@@ -14166,6 +16627,165 @@
             </a:lvl9pPr>
           </a:lstStyle>
           <a:p>
+            <a:pPr algn="ctr"/>
+            <a:r>
+              <a:rPr lang="pt-BR" sz="1400" dirty="0">
+                <a:solidFill>
+                  <a:schemeClr val="tx1"/>
+                </a:solidFill>
+                <a:latin typeface="Calibre"/>
+              </a:rPr>
+              <a:t>Atendimento via chat</a:t>
+            </a:r>
+            <a:endParaRPr lang="en-US" sz="1400" dirty="0">
+              <a:solidFill>
+                <a:schemeClr val="tx1"/>
+              </a:solidFill>
+              <a:latin typeface="Calibre"/>
+            </a:endParaRPr>
+          </a:p>
+        </p:txBody>
+      </p:sp>
+      <p:sp>
+        <p:nvSpPr>
+          <p:cNvPr id="42" name="Retângulo 14">
+            <a:extLst>
+              <a:ext uri="{FF2B5EF4-FFF2-40B4-BE49-F238E27FC236}">
+                <a16:creationId xmlns:a16="http://schemas.microsoft.com/office/drawing/2014/main" id="{8328A19D-9CFC-4414-9E52-312757DF501D}"/>
+              </a:ext>
+            </a:extLst>
+          </p:cNvPr>
+          <p:cNvSpPr/>
+          <p:nvPr/>
+        </p:nvSpPr>
+        <p:spPr>
+          <a:xfrm>
+            <a:off x="7467311" y="3482220"/>
+            <a:ext cx="1814803" cy="375533"/>
+          </a:xfrm>
+          <a:prstGeom prst="rect">
+            <a:avLst/>
+          </a:prstGeom>
+          <a:solidFill>
+            <a:srgbClr val="FFC000">
+              <a:alpha val="50000"/>
+            </a:srgbClr>
+          </a:solidFill>
+          <a:ln>
+            <a:noFill/>
+          </a:ln>
+          <a:effectLst/>
+        </p:spPr>
+        <p:style>
+          <a:lnRef idx="0">
+            <a:scrgbClr r="0" g="0" b="0"/>
+          </a:lnRef>
+          <a:fillRef idx="0">
+            <a:scrgbClr r="0" g="0" b="0"/>
+          </a:fillRef>
+          <a:effectRef idx="0">
+            <a:scrgbClr r="0" g="0" b="0"/>
+          </a:effectRef>
+          <a:fontRef idx="major"/>
+        </p:style>
+        <p:txBody>
+          <a:bodyPr rtlCol="0" anchor="ctr"/>
+          <a:lstStyle>
+            <a:defPPr>
+              <a:defRPr lang="pt-BR"/>
+            </a:defPPr>
+            <a:lvl1pPr marL="0" algn="l" defTabSz="914400" rtl="0" eaLnBrk="1" latinLnBrk="0" hangingPunct="1">
+              <a:defRPr sz="1800" kern="1200">
+                <a:solidFill>
+                  <a:schemeClr val="tx1"/>
+                </a:solidFill>
+                <a:latin typeface="+mj-lt"/>
+                <a:ea typeface="+mj-ea"/>
+                <a:cs typeface="+mj-cs"/>
+              </a:defRPr>
+            </a:lvl1pPr>
+            <a:lvl2pPr marL="457200" algn="l" defTabSz="914400" rtl="0" eaLnBrk="1" latinLnBrk="0" hangingPunct="1">
+              <a:defRPr sz="1800" kern="1200">
+                <a:solidFill>
+                  <a:schemeClr val="tx1"/>
+                </a:solidFill>
+                <a:latin typeface="+mj-lt"/>
+                <a:ea typeface="+mj-ea"/>
+                <a:cs typeface="+mj-cs"/>
+              </a:defRPr>
+            </a:lvl2pPr>
+            <a:lvl3pPr marL="914400" algn="l" defTabSz="914400" rtl="0" eaLnBrk="1" latinLnBrk="0" hangingPunct="1">
+              <a:defRPr sz="1800" kern="1200">
+                <a:solidFill>
+                  <a:schemeClr val="tx1"/>
+                </a:solidFill>
+                <a:latin typeface="+mj-lt"/>
+                <a:ea typeface="+mj-ea"/>
+                <a:cs typeface="+mj-cs"/>
+              </a:defRPr>
+            </a:lvl3pPr>
+            <a:lvl4pPr marL="1371600" algn="l" defTabSz="914400" rtl="0" eaLnBrk="1" latinLnBrk="0" hangingPunct="1">
+              <a:defRPr sz="1800" kern="1200">
+                <a:solidFill>
+                  <a:schemeClr val="tx1"/>
+                </a:solidFill>
+                <a:latin typeface="+mj-lt"/>
+                <a:ea typeface="+mj-ea"/>
+                <a:cs typeface="+mj-cs"/>
+              </a:defRPr>
+            </a:lvl4pPr>
+            <a:lvl5pPr marL="1828800" algn="l" defTabSz="914400" rtl="0" eaLnBrk="1" latinLnBrk="0" hangingPunct="1">
+              <a:defRPr sz="1800" kern="1200">
+                <a:solidFill>
+                  <a:schemeClr val="tx1"/>
+                </a:solidFill>
+                <a:latin typeface="+mj-lt"/>
+                <a:ea typeface="+mj-ea"/>
+                <a:cs typeface="+mj-cs"/>
+              </a:defRPr>
+            </a:lvl5pPr>
+            <a:lvl6pPr marL="2286000" algn="l" defTabSz="914400" rtl="0" eaLnBrk="1" latinLnBrk="0" hangingPunct="1">
+              <a:defRPr sz="1800" kern="1200">
+                <a:solidFill>
+                  <a:schemeClr val="tx1"/>
+                </a:solidFill>
+                <a:latin typeface="+mj-lt"/>
+                <a:ea typeface="+mj-ea"/>
+                <a:cs typeface="+mj-cs"/>
+              </a:defRPr>
+            </a:lvl6pPr>
+            <a:lvl7pPr marL="2743200" algn="l" defTabSz="914400" rtl="0" eaLnBrk="1" latinLnBrk="0" hangingPunct="1">
+              <a:defRPr sz="1800" kern="1200">
+                <a:solidFill>
+                  <a:schemeClr val="tx1"/>
+                </a:solidFill>
+                <a:latin typeface="+mj-lt"/>
+                <a:ea typeface="+mj-ea"/>
+                <a:cs typeface="+mj-cs"/>
+              </a:defRPr>
+            </a:lvl7pPr>
+            <a:lvl8pPr marL="3200400" algn="l" defTabSz="914400" rtl="0" eaLnBrk="1" latinLnBrk="0" hangingPunct="1">
+              <a:defRPr sz="1800" kern="1200">
+                <a:solidFill>
+                  <a:schemeClr val="tx1"/>
+                </a:solidFill>
+                <a:latin typeface="+mj-lt"/>
+                <a:ea typeface="+mj-ea"/>
+                <a:cs typeface="+mj-cs"/>
+              </a:defRPr>
+            </a:lvl8pPr>
+            <a:lvl9pPr marL="3657600" algn="l" defTabSz="914400" rtl="0" eaLnBrk="1" latinLnBrk="0" hangingPunct="1">
+              <a:defRPr sz="1800" kern="1200">
+                <a:solidFill>
+                  <a:schemeClr val="tx1"/>
+                </a:solidFill>
+                <a:latin typeface="+mj-lt"/>
+                <a:ea typeface="+mj-ea"/>
+                <a:cs typeface="+mj-cs"/>
+              </a:defRPr>
+            </a:lvl9pPr>
+          </a:lstStyle>
+          <a:p>
             <a:pPr marL="0" marR="0" lvl="0" indent="0" algn="ctr" defTabSz="914400" eaLnBrk="1" fontAlgn="auto" latinLnBrk="0" hangingPunct="1">
               <a:lnSpc>
                 <a:spcPct val="100000"/>
@@ -14198,7 +16818,7 @@
                 <a:ea typeface="+mn-ea"/>
                 <a:cs typeface="+mn-cs"/>
               </a:rPr>
-              <a:t>Evitar defeitos no computador</a:t>
+              <a:t>Site institucional</a:t>
             </a:r>
             <a:endParaRPr kumimoji="0" lang="en-US" sz="1400" b="0" i="0" u="none" strike="noStrike" kern="0" cap="none" spc="0" normalizeH="0" baseline="0" noProof="0" dirty="0">
               <a:ln>
@@ -14219,10 +16839,10 @@
       </p:sp>
       <p:sp>
         <p:nvSpPr>
-          <p:cNvPr id="41" name="Retângulo 13">
+          <p:cNvPr id="43" name="Retângulo 15">
             <a:extLst>
               <a:ext uri="{FF2B5EF4-FFF2-40B4-BE49-F238E27FC236}">
-                <a16:creationId xmlns:a16="http://schemas.microsoft.com/office/drawing/2014/main" id="{A9B58118-74B7-456F-81EC-CF936515B331}"/>
+                <a16:creationId xmlns:a16="http://schemas.microsoft.com/office/drawing/2014/main" id="{CEEA0278-376A-4658-BDD1-C3B4EB3451CA}"/>
               </a:ext>
             </a:extLst>
           </p:cNvPr>
@@ -14231,7 +16851,7 @@
         </p:nvSpPr>
         <p:spPr>
           <a:xfrm>
-            <a:off x="7374699" y="1977778"/>
+            <a:off x="9810743" y="2531729"/>
             <a:ext cx="1814803" cy="439608"/>
           </a:xfrm>
           <a:prstGeom prst="rect">
@@ -14389,7 +17009,7 @@
                 <a:ea typeface="+mn-ea"/>
                 <a:cs typeface="+mn-cs"/>
               </a:rPr>
-              <a:t>Suporte de TI confiável</a:t>
+              <a:t>Faculdades</a:t>
             </a:r>
             <a:endParaRPr kumimoji="0" lang="en-US" sz="1400" b="0" i="0" u="none" strike="noStrike" kern="0" cap="none" spc="0" normalizeH="0" baseline="0" noProof="0" dirty="0">
               <a:ln>
@@ -14410,10 +17030,10 @@
       </p:sp>
       <p:sp>
         <p:nvSpPr>
-          <p:cNvPr id="42" name="Retângulo 14">
+          <p:cNvPr id="44" name="Retângulo 16">
             <a:extLst>
               <a:ext uri="{FF2B5EF4-FFF2-40B4-BE49-F238E27FC236}">
-                <a16:creationId xmlns:a16="http://schemas.microsoft.com/office/drawing/2014/main" id="{8328A19D-9CFC-4414-9E52-312757DF501D}"/>
+                <a16:creationId xmlns:a16="http://schemas.microsoft.com/office/drawing/2014/main" id="{D11D0D18-5874-43E3-A1E3-62E7518EED19}"/>
               </a:ext>
             </a:extLst>
           </p:cNvPr>
@@ -14422,8 +17042,8 @@
         </p:nvSpPr>
         <p:spPr>
           <a:xfrm>
-            <a:off x="7374699" y="3812558"/>
-            <a:ext cx="1814803" cy="439608"/>
+            <a:off x="7467310" y="3940841"/>
+            <a:ext cx="1814803" cy="375534"/>
           </a:xfrm>
           <a:prstGeom prst="rect">
             <a:avLst/>
@@ -14580,389 +17200,7 @@
                 <a:ea typeface="+mn-ea"/>
                 <a:cs typeface="+mn-cs"/>
               </a:rPr>
-              <a:t>Site institucional</a:t>
-            </a:r>
-            <a:endParaRPr kumimoji="0" lang="en-US" sz="1400" b="0" i="0" u="none" strike="noStrike" kern="0" cap="none" spc="0" normalizeH="0" baseline="0" noProof="0" dirty="0">
-              <a:ln>
-                <a:noFill/>
-              </a:ln>
-              <a:solidFill>
-                <a:prstClr val="black"/>
-              </a:solidFill>
-              <a:effectLst/>
-              <a:uLnTx/>
-              <a:uFillTx/>
-              <a:latin typeface="Calibri" panose="020F0502020204030204"/>
-              <a:ea typeface="+mn-ea"/>
-              <a:cs typeface="+mn-cs"/>
-            </a:endParaRPr>
-          </a:p>
-        </p:txBody>
-      </p:sp>
-      <p:sp>
-        <p:nvSpPr>
-          <p:cNvPr id="43" name="Retângulo 15">
-            <a:extLst>
-              <a:ext uri="{FF2B5EF4-FFF2-40B4-BE49-F238E27FC236}">
-                <a16:creationId xmlns:a16="http://schemas.microsoft.com/office/drawing/2014/main" id="{CEEA0278-376A-4658-BDD1-C3B4EB3451CA}"/>
-              </a:ext>
-            </a:extLst>
-          </p:cNvPr>
-          <p:cNvSpPr/>
-          <p:nvPr/>
-        </p:nvSpPr>
-        <p:spPr>
-          <a:xfrm>
-            <a:off x="9654224" y="2143508"/>
-            <a:ext cx="1814803" cy="439608"/>
-          </a:xfrm>
-          <a:prstGeom prst="rect">
-            <a:avLst/>
-          </a:prstGeom>
-          <a:solidFill>
-            <a:srgbClr val="FFC000">
-              <a:alpha val="50000"/>
-            </a:srgbClr>
-          </a:solidFill>
-          <a:ln>
-            <a:noFill/>
-          </a:ln>
-          <a:effectLst/>
-        </p:spPr>
-        <p:style>
-          <a:lnRef idx="0">
-            <a:scrgbClr r="0" g="0" b="0"/>
-          </a:lnRef>
-          <a:fillRef idx="0">
-            <a:scrgbClr r="0" g="0" b="0"/>
-          </a:fillRef>
-          <a:effectRef idx="0">
-            <a:scrgbClr r="0" g="0" b="0"/>
-          </a:effectRef>
-          <a:fontRef idx="major"/>
-        </p:style>
-        <p:txBody>
-          <a:bodyPr rtlCol="0" anchor="ctr"/>
-          <a:lstStyle>
-            <a:defPPr>
-              <a:defRPr lang="pt-BR"/>
-            </a:defPPr>
-            <a:lvl1pPr marL="0" algn="l" defTabSz="914400" rtl="0" eaLnBrk="1" latinLnBrk="0" hangingPunct="1">
-              <a:defRPr sz="1800" kern="1200">
-                <a:solidFill>
-                  <a:schemeClr val="tx1"/>
-                </a:solidFill>
-                <a:latin typeface="+mj-lt"/>
-                <a:ea typeface="+mj-ea"/>
-                <a:cs typeface="+mj-cs"/>
-              </a:defRPr>
-            </a:lvl1pPr>
-            <a:lvl2pPr marL="457200" algn="l" defTabSz="914400" rtl="0" eaLnBrk="1" latinLnBrk="0" hangingPunct="1">
-              <a:defRPr sz="1800" kern="1200">
-                <a:solidFill>
-                  <a:schemeClr val="tx1"/>
-                </a:solidFill>
-                <a:latin typeface="+mj-lt"/>
-                <a:ea typeface="+mj-ea"/>
-                <a:cs typeface="+mj-cs"/>
-              </a:defRPr>
-            </a:lvl2pPr>
-            <a:lvl3pPr marL="914400" algn="l" defTabSz="914400" rtl="0" eaLnBrk="1" latinLnBrk="0" hangingPunct="1">
-              <a:defRPr sz="1800" kern="1200">
-                <a:solidFill>
-                  <a:schemeClr val="tx1"/>
-                </a:solidFill>
-                <a:latin typeface="+mj-lt"/>
-                <a:ea typeface="+mj-ea"/>
-                <a:cs typeface="+mj-cs"/>
-              </a:defRPr>
-            </a:lvl3pPr>
-            <a:lvl4pPr marL="1371600" algn="l" defTabSz="914400" rtl="0" eaLnBrk="1" latinLnBrk="0" hangingPunct="1">
-              <a:defRPr sz="1800" kern="1200">
-                <a:solidFill>
-                  <a:schemeClr val="tx1"/>
-                </a:solidFill>
-                <a:latin typeface="+mj-lt"/>
-                <a:ea typeface="+mj-ea"/>
-                <a:cs typeface="+mj-cs"/>
-              </a:defRPr>
-            </a:lvl4pPr>
-            <a:lvl5pPr marL="1828800" algn="l" defTabSz="914400" rtl="0" eaLnBrk="1" latinLnBrk="0" hangingPunct="1">
-              <a:defRPr sz="1800" kern="1200">
-                <a:solidFill>
-                  <a:schemeClr val="tx1"/>
-                </a:solidFill>
-                <a:latin typeface="+mj-lt"/>
-                <a:ea typeface="+mj-ea"/>
-                <a:cs typeface="+mj-cs"/>
-              </a:defRPr>
-            </a:lvl5pPr>
-            <a:lvl6pPr marL="2286000" algn="l" defTabSz="914400" rtl="0" eaLnBrk="1" latinLnBrk="0" hangingPunct="1">
-              <a:defRPr sz="1800" kern="1200">
-                <a:solidFill>
-                  <a:schemeClr val="tx1"/>
-                </a:solidFill>
-                <a:latin typeface="+mj-lt"/>
-                <a:ea typeface="+mj-ea"/>
-                <a:cs typeface="+mj-cs"/>
-              </a:defRPr>
-            </a:lvl6pPr>
-            <a:lvl7pPr marL="2743200" algn="l" defTabSz="914400" rtl="0" eaLnBrk="1" latinLnBrk="0" hangingPunct="1">
-              <a:defRPr sz="1800" kern="1200">
-                <a:solidFill>
-                  <a:schemeClr val="tx1"/>
-                </a:solidFill>
-                <a:latin typeface="+mj-lt"/>
-                <a:ea typeface="+mj-ea"/>
-                <a:cs typeface="+mj-cs"/>
-              </a:defRPr>
-            </a:lvl7pPr>
-            <a:lvl8pPr marL="3200400" algn="l" defTabSz="914400" rtl="0" eaLnBrk="1" latinLnBrk="0" hangingPunct="1">
-              <a:defRPr sz="1800" kern="1200">
-                <a:solidFill>
-                  <a:schemeClr val="tx1"/>
-                </a:solidFill>
-                <a:latin typeface="+mj-lt"/>
-                <a:ea typeface="+mj-ea"/>
-                <a:cs typeface="+mj-cs"/>
-              </a:defRPr>
-            </a:lvl8pPr>
-            <a:lvl9pPr marL="3657600" algn="l" defTabSz="914400" rtl="0" eaLnBrk="1" latinLnBrk="0" hangingPunct="1">
-              <a:defRPr sz="1800" kern="1200">
-                <a:solidFill>
-                  <a:schemeClr val="tx1"/>
-                </a:solidFill>
-                <a:latin typeface="+mj-lt"/>
-                <a:ea typeface="+mj-ea"/>
-                <a:cs typeface="+mj-cs"/>
-              </a:defRPr>
-            </a:lvl9pPr>
-          </a:lstStyle>
-          <a:p>
-            <a:pPr marL="0" marR="0" lvl="0" indent="0" algn="ctr" defTabSz="914400" eaLnBrk="1" fontAlgn="auto" latinLnBrk="0" hangingPunct="1">
-              <a:lnSpc>
-                <a:spcPct val="100000"/>
-              </a:lnSpc>
-              <a:spcBef>
-                <a:spcPts val="0"/>
-              </a:spcBef>
-              <a:spcAft>
-                <a:spcPts val="0"/>
-              </a:spcAft>
-              <a:buClrTx/>
-              <a:buSzTx/>
-              <a:buFontTx/>
-              <a:buNone/>
-              <a:tabLst/>
-              <a:defRPr/>
-            </a:pPr>
-            <a:r>
-              <a:rPr kumimoji="0" lang="pt-BR" sz="1400" b="0" i="0" u="none" strike="noStrike" kern="0" cap="none" spc="0" normalizeH="0" baseline="0" noProof="0" dirty="0">
-                <a:ln>
-                  <a:noFill/>
-                </a:ln>
-                <a:solidFill>
-                  <a:prstClr val="black"/>
-                </a:solidFill>
-                <a:effectLst/>
-                <a:uLnTx/>
-                <a:uFillTx/>
-                <a:latin typeface="Calibri" panose="020F0502020204030204"/>
-                <a:ea typeface="+mn-ea"/>
-                <a:cs typeface="+mn-cs"/>
-              </a:rPr>
-              <a:t>Escolas ensino médio</a:t>
-            </a:r>
-            <a:endParaRPr kumimoji="0" lang="en-US" sz="1400" b="0" i="0" u="none" strike="noStrike" kern="0" cap="none" spc="0" normalizeH="0" baseline="0" noProof="0" dirty="0">
-              <a:ln>
-                <a:noFill/>
-              </a:ln>
-              <a:solidFill>
-                <a:prstClr val="black"/>
-              </a:solidFill>
-              <a:effectLst/>
-              <a:uLnTx/>
-              <a:uFillTx/>
-              <a:latin typeface="Calibri" panose="020F0502020204030204"/>
-              <a:ea typeface="+mn-ea"/>
-              <a:cs typeface="+mn-cs"/>
-            </a:endParaRPr>
-          </a:p>
-        </p:txBody>
-      </p:sp>
-      <p:sp>
-        <p:nvSpPr>
-          <p:cNvPr id="44" name="Retângulo 16">
-            <a:extLst>
-              <a:ext uri="{FF2B5EF4-FFF2-40B4-BE49-F238E27FC236}">
-                <a16:creationId xmlns:a16="http://schemas.microsoft.com/office/drawing/2014/main" id="{D11D0D18-5874-43E3-A1E3-62E7518EED19}"/>
-              </a:ext>
-            </a:extLst>
-          </p:cNvPr>
-          <p:cNvSpPr/>
-          <p:nvPr/>
-        </p:nvSpPr>
-        <p:spPr>
-          <a:xfrm>
-            <a:off x="9654224" y="2828492"/>
-            <a:ext cx="1814803" cy="439608"/>
-          </a:xfrm>
-          <a:prstGeom prst="rect">
-            <a:avLst/>
-          </a:prstGeom>
-          <a:solidFill>
-            <a:srgbClr val="FFC000">
-              <a:alpha val="50000"/>
-            </a:srgbClr>
-          </a:solidFill>
-          <a:ln>
-            <a:noFill/>
-          </a:ln>
-          <a:effectLst/>
-        </p:spPr>
-        <p:style>
-          <a:lnRef idx="0">
-            <a:scrgbClr r="0" g="0" b="0"/>
-          </a:lnRef>
-          <a:fillRef idx="0">
-            <a:scrgbClr r="0" g="0" b="0"/>
-          </a:fillRef>
-          <a:effectRef idx="0">
-            <a:scrgbClr r="0" g="0" b="0"/>
-          </a:effectRef>
-          <a:fontRef idx="major"/>
-        </p:style>
-        <p:txBody>
-          <a:bodyPr rtlCol="0" anchor="ctr"/>
-          <a:lstStyle>
-            <a:defPPr>
-              <a:defRPr lang="pt-BR"/>
-            </a:defPPr>
-            <a:lvl1pPr marL="0" algn="l" defTabSz="914400" rtl="0" eaLnBrk="1" latinLnBrk="0" hangingPunct="1">
-              <a:defRPr sz="1800" kern="1200">
-                <a:solidFill>
-                  <a:schemeClr val="tx1"/>
-                </a:solidFill>
-                <a:latin typeface="+mj-lt"/>
-                <a:ea typeface="+mj-ea"/>
-                <a:cs typeface="+mj-cs"/>
-              </a:defRPr>
-            </a:lvl1pPr>
-            <a:lvl2pPr marL="457200" algn="l" defTabSz="914400" rtl="0" eaLnBrk="1" latinLnBrk="0" hangingPunct="1">
-              <a:defRPr sz="1800" kern="1200">
-                <a:solidFill>
-                  <a:schemeClr val="tx1"/>
-                </a:solidFill>
-                <a:latin typeface="+mj-lt"/>
-                <a:ea typeface="+mj-ea"/>
-                <a:cs typeface="+mj-cs"/>
-              </a:defRPr>
-            </a:lvl2pPr>
-            <a:lvl3pPr marL="914400" algn="l" defTabSz="914400" rtl="0" eaLnBrk="1" latinLnBrk="0" hangingPunct="1">
-              <a:defRPr sz="1800" kern="1200">
-                <a:solidFill>
-                  <a:schemeClr val="tx1"/>
-                </a:solidFill>
-                <a:latin typeface="+mj-lt"/>
-                <a:ea typeface="+mj-ea"/>
-                <a:cs typeface="+mj-cs"/>
-              </a:defRPr>
-            </a:lvl3pPr>
-            <a:lvl4pPr marL="1371600" algn="l" defTabSz="914400" rtl="0" eaLnBrk="1" latinLnBrk="0" hangingPunct="1">
-              <a:defRPr sz="1800" kern="1200">
-                <a:solidFill>
-                  <a:schemeClr val="tx1"/>
-                </a:solidFill>
-                <a:latin typeface="+mj-lt"/>
-                <a:ea typeface="+mj-ea"/>
-                <a:cs typeface="+mj-cs"/>
-              </a:defRPr>
-            </a:lvl4pPr>
-            <a:lvl5pPr marL="1828800" algn="l" defTabSz="914400" rtl="0" eaLnBrk="1" latinLnBrk="0" hangingPunct="1">
-              <a:defRPr sz="1800" kern="1200">
-                <a:solidFill>
-                  <a:schemeClr val="tx1"/>
-                </a:solidFill>
-                <a:latin typeface="+mj-lt"/>
-                <a:ea typeface="+mj-ea"/>
-                <a:cs typeface="+mj-cs"/>
-              </a:defRPr>
-            </a:lvl5pPr>
-            <a:lvl6pPr marL="2286000" algn="l" defTabSz="914400" rtl="0" eaLnBrk="1" latinLnBrk="0" hangingPunct="1">
-              <a:defRPr sz="1800" kern="1200">
-                <a:solidFill>
-                  <a:schemeClr val="tx1"/>
-                </a:solidFill>
-                <a:latin typeface="+mj-lt"/>
-                <a:ea typeface="+mj-ea"/>
-                <a:cs typeface="+mj-cs"/>
-              </a:defRPr>
-            </a:lvl6pPr>
-            <a:lvl7pPr marL="2743200" algn="l" defTabSz="914400" rtl="0" eaLnBrk="1" latinLnBrk="0" hangingPunct="1">
-              <a:defRPr sz="1800" kern="1200">
-                <a:solidFill>
-                  <a:schemeClr val="tx1"/>
-                </a:solidFill>
-                <a:latin typeface="+mj-lt"/>
-                <a:ea typeface="+mj-ea"/>
-                <a:cs typeface="+mj-cs"/>
-              </a:defRPr>
-            </a:lvl7pPr>
-            <a:lvl8pPr marL="3200400" algn="l" defTabSz="914400" rtl="0" eaLnBrk="1" latinLnBrk="0" hangingPunct="1">
-              <a:defRPr sz="1800" kern="1200">
-                <a:solidFill>
-                  <a:schemeClr val="tx1"/>
-                </a:solidFill>
-                <a:latin typeface="+mj-lt"/>
-                <a:ea typeface="+mj-ea"/>
-                <a:cs typeface="+mj-cs"/>
-              </a:defRPr>
-            </a:lvl8pPr>
-            <a:lvl9pPr marL="3657600" algn="l" defTabSz="914400" rtl="0" eaLnBrk="1" latinLnBrk="0" hangingPunct="1">
-              <a:defRPr sz="1800" kern="1200">
-                <a:solidFill>
-                  <a:schemeClr val="tx1"/>
-                </a:solidFill>
-                <a:latin typeface="+mj-lt"/>
-                <a:ea typeface="+mj-ea"/>
-                <a:cs typeface="+mj-cs"/>
-              </a:defRPr>
-            </a:lvl9pPr>
-          </a:lstStyle>
-          <a:p>
-            <a:pPr marL="0" marR="0" lvl="0" indent="0" algn="ctr" defTabSz="914400" eaLnBrk="1" fontAlgn="auto" latinLnBrk="0" hangingPunct="1">
-              <a:lnSpc>
-                <a:spcPct val="100000"/>
-              </a:lnSpc>
-              <a:spcBef>
-                <a:spcPts val="0"/>
-              </a:spcBef>
-              <a:spcAft>
-                <a:spcPts val="0"/>
-              </a:spcAft>
-              <a:buClrTx/>
-              <a:buSzTx/>
-              <a:buFontTx/>
-              <a:buNone/>
-              <a:tabLst/>
-              <a:defRPr/>
-            </a:pPr>
-            <a:r>
-              <a:rPr kumimoji="0" lang="pt-BR" sz="1400" b="0" i="0" u="none" strike="noStrike" kern="0" cap="none" spc="0" normalizeH="0" baseline="0" noProof="0" dirty="0">
-                <a:ln>
-                  <a:noFill/>
-                </a:ln>
-                <a:solidFill>
-                  <a:prstClr val="black"/>
-                </a:solidFill>
-                <a:effectLst/>
-                <a:uLnTx/>
-                <a:uFillTx/>
-                <a:latin typeface="Calibri" panose="020F0502020204030204"/>
-                <a:ea typeface="+mn-ea"/>
-                <a:cs typeface="+mn-cs"/>
-              </a:rPr>
-              <a:t>Ensino Técnico</a:t>
+              <a:t>Slack</a:t>
             </a:r>
             <a:endParaRPr kumimoji="0" lang="en-US" sz="1400" b="0" i="0" u="none" strike="noStrike" kern="0" cap="none" spc="0" normalizeH="0" baseline="0" noProof="0" dirty="0">
               <a:ln>
@@ -15172,8 +17410,8 @@
         </p:nvSpPr>
         <p:spPr>
           <a:xfrm>
-            <a:off x="1032462" y="5632413"/>
-            <a:ext cx="1923658" cy="370724"/>
+            <a:off x="1032462" y="5563529"/>
+            <a:ext cx="1923658" cy="439608"/>
           </a:xfrm>
           <a:prstGeom prst="rect">
             <a:avLst/>
@@ -15489,53 +17727,30 @@
             </a:lvl9pPr>
           </a:lstStyle>
           <a:p>
-            <a:pPr marL="0" marR="0" lvl="0" indent="0" algn="ctr" defTabSz="914400" eaLnBrk="1" fontAlgn="auto" latinLnBrk="0" hangingPunct="1">
-              <a:lnSpc>
-                <a:spcPct val="100000"/>
-              </a:lnSpc>
-              <a:spcBef>
-                <a:spcPts val="0"/>
-              </a:spcBef>
-              <a:spcAft>
-                <a:spcPts val="0"/>
-              </a:spcAft>
-              <a:buClrTx/>
-              <a:buSzTx/>
-              <a:buFontTx/>
-              <a:buNone/>
-              <a:tabLst/>
-              <a:defRPr/>
-            </a:pPr>
-            <a:r>
-              <a:rPr kumimoji="0" lang="pt-BR" sz="1400" b="0" i="0" u="none" strike="noStrike" kern="0" cap="none" spc="0" normalizeH="0" baseline="0" noProof="0" dirty="0">
-                <a:ln>
-                  <a:noFill/>
-                </a:ln>
-                <a:solidFill>
-                  <a:prstClr val="black"/>
-                </a:solidFill>
-                <a:effectLst/>
-                <a:uLnTx/>
-                <a:uFillTx/>
-                <a:latin typeface="Calibri" panose="020F0502020204030204"/>
-                <a:ea typeface="+mn-ea"/>
-                <a:cs typeface="+mn-cs"/>
-              </a:rPr>
-              <a:t>Marketing</a:t>
-            </a:r>
-            <a:endParaRPr kumimoji="0" lang="en-US" sz="1400" b="0" i="0" u="none" strike="noStrike" kern="0" cap="none" spc="0" normalizeH="0" baseline="0" noProof="0" dirty="0">
-              <a:ln>
-                <a:noFill/>
-              </a:ln>
+            <a:pPr algn="ctr"/>
+            <a:r>
+              <a:rPr lang="pt-BR" sz="1400" dirty="0">
+                <a:solidFill>
+                  <a:schemeClr val="tx1"/>
+                </a:solidFill>
+                <a:latin typeface="Calibre"/>
+              </a:rPr>
+              <a:t>Plataforma de </a:t>
+            </a:r>
+            <a:r>
+              <a:rPr lang="pt-BR" sz="1400" dirty="0" err="1">
+                <a:solidFill>
+                  <a:schemeClr val="tx1"/>
+                </a:solidFill>
+                <a:latin typeface="Calibre"/>
+              </a:rPr>
+              <a:t>helpdesk</a:t>
+            </a:r>
+            <a:endParaRPr lang="en-US" sz="1400" dirty="0">
               <a:solidFill>
-                <a:prstClr val="black"/>
+                <a:schemeClr val="tx1"/>
               </a:solidFill>
-              <a:effectLst/>
-              <a:uLnTx/>
-              <a:uFillTx/>
-              <a:latin typeface="Calibri" panose="020F0502020204030204"/>
-              <a:ea typeface="+mn-ea"/>
-              <a:cs typeface="+mn-cs"/>
+              <a:latin typeface="Calibre"/>
             </a:endParaRPr>
           </a:p>
         </p:txBody>
@@ -15554,8 +17769,8 @@
         </p:nvSpPr>
         <p:spPr>
           <a:xfrm>
-            <a:off x="6241276" y="5121973"/>
-            <a:ext cx="2269826" cy="776425"/>
+            <a:off x="6735546" y="5120011"/>
+            <a:ext cx="2269826" cy="876812"/>
           </a:xfrm>
           <a:prstGeom prst="rect">
             <a:avLst/>
@@ -15680,6 +17895,165 @@
             </a:lvl9pPr>
           </a:lstStyle>
           <a:p>
+            <a:pPr algn="ctr"/>
+            <a:r>
+              <a:rPr lang="pt-BR" sz="1400" dirty="0">
+                <a:solidFill>
+                  <a:schemeClr val="tx1"/>
+                </a:solidFill>
+                <a:latin typeface="Calibre"/>
+              </a:rPr>
+              <a:t>Vender soluções de monitoramento de computadores nas faculdades</a:t>
+            </a:r>
+            <a:endParaRPr lang="en-US" sz="1400" dirty="0">
+              <a:solidFill>
+                <a:schemeClr val="tx1"/>
+              </a:solidFill>
+              <a:latin typeface="Calibre"/>
+            </a:endParaRPr>
+          </a:p>
+        </p:txBody>
+      </p:sp>
+      <p:sp>
+        <p:nvSpPr>
+          <p:cNvPr id="7" name="Retângulo 15">
+            <a:extLst>
+              <a:ext uri="{FF2B5EF4-FFF2-40B4-BE49-F238E27FC236}">
+                <a16:creationId xmlns:a16="http://schemas.microsoft.com/office/drawing/2014/main" id="{DC8EE9E2-A797-4FCE-AB11-AD3C8D3E6038}"/>
+              </a:ext>
+            </a:extLst>
+          </p:cNvPr>
+          <p:cNvSpPr/>
+          <p:nvPr/>
+        </p:nvSpPr>
+        <p:spPr>
+          <a:xfrm>
+            <a:off x="7467312" y="2006354"/>
+            <a:ext cx="1814803" cy="638114"/>
+          </a:xfrm>
+          <a:prstGeom prst="rect">
+            <a:avLst/>
+          </a:prstGeom>
+          <a:solidFill>
+            <a:srgbClr val="FFC000">
+              <a:alpha val="50000"/>
+            </a:srgbClr>
+          </a:solidFill>
+          <a:ln>
+            <a:noFill/>
+          </a:ln>
+          <a:effectLst/>
+        </p:spPr>
+        <p:style>
+          <a:lnRef idx="0">
+            <a:scrgbClr r="0" g="0" b="0"/>
+          </a:lnRef>
+          <a:fillRef idx="0">
+            <a:scrgbClr r="0" g="0" b="0"/>
+          </a:fillRef>
+          <a:effectRef idx="0">
+            <a:scrgbClr r="0" g="0" b="0"/>
+          </a:effectRef>
+          <a:fontRef idx="major"/>
+        </p:style>
+        <p:txBody>
+          <a:bodyPr rtlCol="0" anchor="ctr"/>
+          <a:lstStyle>
+            <a:defPPr>
+              <a:defRPr lang="pt-BR"/>
+            </a:defPPr>
+            <a:lvl1pPr marL="0" algn="l" defTabSz="914400" rtl="0" eaLnBrk="1" latinLnBrk="0" hangingPunct="1">
+              <a:defRPr sz="1800" kern="1200">
+                <a:solidFill>
+                  <a:schemeClr val="tx1"/>
+                </a:solidFill>
+                <a:latin typeface="+mj-lt"/>
+                <a:ea typeface="+mj-ea"/>
+                <a:cs typeface="+mj-cs"/>
+              </a:defRPr>
+            </a:lvl1pPr>
+            <a:lvl2pPr marL="457200" algn="l" defTabSz="914400" rtl="0" eaLnBrk="1" latinLnBrk="0" hangingPunct="1">
+              <a:defRPr sz="1800" kern="1200">
+                <a:solidFill>
+                  <a:schemeClr val="tx1"/>
+                </a:solidFill>
+                <a:latin typeface="+mj-lt"/>
+                <a:ea typeface="+mj-ea"/>
+                <a:cs typeface="+mj-cs"/>
+              </a:defRPr>
+            </a:lvl2pPr>
+            <a:lvl3pPr marL="914400" algn="l" defTabSz="914400" rtl="0" eaLnBrk="1" latinLnBrk="0" hangingPunct="1">
+              <a:defRPr sz="1800" kern="1200">
+                <a:solidFill>
+                  <a:schemeClr val="tx1"/>
+                </a:solidFill>
+                <a:latin typeface="+mj-lt"/>
+                <a:ea typeface="+mj-ea"/>
+                <a:cs typeface="+mj-cs"/>
+              </a:defRPr>
+            </a:lvl3pPr>
+            <a:lvl4pPr marL="1371600" algn="l" defTabSz="914400" rtl="0" eaLnBrk="1" latinLnBrk="0" hangingPunct="1">
+              <a:defRPr sz="1800" kern="1200">
+                <a:solidFill>
+                  <a:schemeClr val="tx1"/>
+                </a:solidFill>
+                <a:latin typeface="+mj-lt"/>
+                <a:ea typeface="+mj-ea"/>
+                <a:cs typeface="+mj-cs"/>
+              </a:defRPr>
+            </a:lvl4pPr>
+            <a:lvl5pPr marL="1828800" algn="l" defTabSz="914400" rtl="0" eaLnBrk="1" latinLnBrk="0" hangingPunct="1">
+              <a:defRPr sz="1800" kern="1200">
+                <a:solidFill>
+                  <a:schemeClr val="tx1"/>
+                </a:solidFill>
+                <a:latin typeface="+mj-lt"/>
+                <a:ea typeface="+mj-ea"/>
+                <a:cs typeface="+mj-cs"/>
+              </a:defRPr>
+            </a:lvl5pPr>
+            <a:lvl6pPr marL="2286000" algn="l" defTabSz="914400" rtl="0" eaLnBrk="1" latinLnBrk="0" hangingPunct="1">
+              <a:defRPr sz="1800" kern="1200">
+                <a:solidFill>
+                  <a:schemeClr val="tx1"/>
+                </a:solidFill>
+                <a:latin typeface="+mj-lt"/>
+                <a:ea typeface="+mj-ea"/>
+                <a:cs typeface="+mj-cs"/>
+              </a:defRPr>
+            </a:lvl6pPr>
+            <a:lvl7pPr marL="2743200" algn="l" defTabSz="914400" rtl="0" eaLnBrk="1" latinLnBrk="0" hangingPunct="1">
+              <a:defRPr sz="1800" kern="1200">
+                <a:solidFill>
+                  <a:schemeClr val="tx1"/>
+                </a:solidFill>
+                <a:latin typeface="+mj-lt"/>
+                <a:ea typeface="+mj-ea"/>
+                <a:cs typeface="+mj-cs"/>
+              </a:defRPr>
+            </a:lvl7pPr>
+            <a:lvl8pPr marL="3200400" algn="l" defTabSz="914400" rtl="0" eaLnBrk="1" latinLnBrk="0" hangingPunct="1">
+              <a:defRPr sz="1800" kern="1200">
+                <a:solidFill>
+                  <a:schemeClr val="tx1"/>
+                </a:solidFill>
+                <a:latin typeface="+mj-lt"/>
+                <a:ea typeface="+mj-ea"/>
+                <a:cs typeface="+mj-cs"/>
+              </a:defRPr>
+            </a:lvl8pPr>
+            <a:lvl9pPr marL="3657600" algn="l" defTabSz="914400" rtl="0" eaLnBrk="1" latinLnBrk="0" hangingPunct="1">
+              <a:defRPr sz="1800" kern="1200">
+                <a:solidFill>
+                  <a:schemeClr val="tx1"/>
+                </a:solidFill>
+                <a:latin typeface="+mj-lt"/>
+                <a:ea typeface="+mj-ea"/>
+                <a:cs typeface="+mj-cs"/>
+              </a:defRPr>
+            </a:lvl9pPr>
+          </a:lstStyle>
+          <a:p>
             <a:pPr marL="0" marR="0" lvl="0" indent="0" algn="ctr" defTabSz="914400" eaLnBrk="1" fontAlgn="auto" latinLnBrk="0" hangingPunct="1">
               <a:lnSpc>
                 <a:spcPct val="100000"/>
@@ -15712,7 +18086,7 @@
                 <a:ea typeface="+mn-ea"/>
                 <a:cs typeface="+mn-cs"/>
               </a:rPr>
-              <a:t>Vender soluções de monitoramento de computadores nas escolas</a:t>
+              <a:t>Abertura de tickets por diversos dispositivos.</a:t>
             </a:r>
             <a:endParaRPr kumimoji="0" lang="en-US" sz="1400" b="0" i="0" u="none" strike="noStrike" kern="0" cap="none" spc="0" normalizeH="0" baseline="0" noProof="0" dirty="0">
               <a:ln>
@@ -15744,7 +18118,7 @@
 </p:sld>
 </file>
 
-<file path=ppt/slides/slide16.xml><?xml version="1.0" encoding="utf-8"?>
+<file path=ppt/slides/slide17.xml><?xml version="1.0" encoding="utf-8"?>
 <p:sld xmlns:a="http://schemas.openxmlformats.org/drawingml/2006/main" xmlns:r="http://schemas.openxmlformats.org/officeDocument/2006/relationships" xmlns:p="http://schemas.openxmlformats.org/presentationml/2006/main">
   <p:cSld>
     <p:spTree>
@@ -15796,926 +18170,6 @@
     <p:extLst>
       <p:ext uri="{BB962C8B-B14F-4D97-AF65-F5344CB8AC3E}">
         <p14:creationId xmlns:p14="http://schemas.microsoft.com/office/powerpoint/2010/main" val="3731738695"/>
-      </p:ext>
-    </p:extLst>
-  </p:cSld>
-  <p:clrMapOvr>
-    <a:masterClrMapping/>
-  </p:clrMapOvr>
-</p:sld>
-</file>
-
-<file path=ppt/slides/slide17.xml><?xml version="1.0" encoding="utf-8"?>
-<p:sld xmlns:a="http://schemas.openxmlformats.org/drawingml/2006/main" xmlns:r="http://schemas.openxmlformats.org/officeDocument/2006/relationships" xmlns:p="http://schemas.openxmlformats.org/presentationml/2006/main">
-  <p:cSld>
-    <p:bg>
-      <p:bgPr>
-        <a:solidFill>
-          <a:schemeClr val="bg1"/>
-        </a:solidFill>
-        <a:effectLst/>
-      </p:bgPr>
-    </p:bg>
-    <p:spTree>
-      <p:nvGrpSpPr>
-        <p:cNvPr id="1" name=""/>
-        <p:cNvGrpSpPr/>
-        <p:nvPr/>
-      </p:nvGrpSpPr>
-      <p:grpSpPr>
-        <a:xfrm>
-          <a:off x="0" y="0"/>
-          <a:ext cx="0" cy="0"/>
-          <a:chOff x="0" y="0"/>
-          <a:chExt cx="0" cy="0"/>
-        </a:xfrm>
-      </p:grpSpPr>
-      <p:sp useBgFill="1">
-        <p:nvSpPr>
-          <p:cNvPr id="17" name="Rectangle 16">
-            <a:extLst>
-              <a:ext uri="{FF2B5EF4-FFF2-40B4-BE49-F238E27FC236}">
-                <a16:creationId xmlns:a16="http://schemas.microsoft.com/office/drawing/2014/main" id="{3741B58E-3B65-4A01-A276-975AB2CF8A08}"/>
-              </a:ext>
-              <a:ext uri="{C183D7F6-B498-43B3-948B-1728B52AA6E4}">
-                <adec:decorative xmlns:adec="http://schemas.microsoft.com/office/drawing/2017/decorative" val="1"/>
-              </a:ext>
-            </a:extLst>
-          </p:cNvPr>
-          <p:cNvSpPr>
-            <a:spLocks noGrp="1" noRot="1" noChangeAspect="1" noMove="1" noResize="1" noEditPoints="1" noAdjustHandles="1" noChangeArrowheads="1" noChangeShapeType="1" noTextEdit="1"/>
-          </p:cNvSpPr>
-          <p:nvPr>
-            <p:extLst>
-              <p:ext uri="{386F3935-93C4-4BCD-93E2-E3B085C9AB24}">
-                <p16:designElem xmlns:p16="http://schemas.microsoft.com/office/powerpoint/2015/main" val="1"/>
-              </p:ext>
-            </p:extLst>
-          </p:nvPr>
-        </p:nvSpPr>
-        <p:spPr>
-          <a:xfrm>
-            <a:off x="0" y="0"/>
-            <a:ext cx="12186315" cy="6858000"/>
-          </a:xfrm>
-          <a:prstGeom prst="rect">
-            <a:avLst/>
-          </a:prstGeom>
-          <a:ln>
-            <a:noFill/>
-          </a:ln>
-        </p:spPr>
-        <p:style>
-          <a:lnRef idx="2">
-            <a:schemeClr val="accent6">
-              <a:shade val="50000"/>
-            </a:schemeClr>
-          </a:lnRef>
-          <a:fillRef idx="1001">
-            <a:schemeClr val="lt1"/>
-          </a:fillRef>
-          <a:effectRef idx="0">
-            <a:schemeClr val="accent6"/>
-          </a:effectRef>
-          <a:fontRef idx="minor">
-            <a:schemeClr val="lt1"/>
-          </a:fontRef>
-        </p:style>
-        <p:txBody>
-          <a:bodyPr rtlCol="0" anchor="ctr"/>
-          <a:lstStyle/>
-          <a:p>
-            <a:pPr algn="ctr"/>
-            <a:endParaRPr lang="en-US"/>
-          </a:p>
-        </p:txBody>
-      </p:sp>
-      <p:sp>
-        <p:nvSpPr>
-          <p:cNvPr id="19" name="Rectangle 18">
-            <a:extLst>
-              <a:ext uri="{FF2B5EF4-FFF2-40B4-BE49-F238E27FC236}">
-                <a16:creationId xmlns:a16="http://schemas.microsoft.com/office/drawing/2014/main" id="{7AAC67C3-831B-4AB1-A259-DFB839CAFAFC}"/>
-              </a:ext>
-              <a:ext uri="{C183D7F6-B498-43B3-948B-1728B52AA6E4}">
-                <adec:decorative xmlns:adec="http://schemas.microsoft.com/office/drawing/2017/decorative" val="1"/>
-              </a:ext>
-            </a:extLst>
-          </p:cNvPr>
-          <p:cNvSpPr>
-            <a:spLocks noGrp="1" noRot="1" noChangeAspect="1" noMove="1" noResize="1" noEditPoints="1" noAdjustHandles="1" noChangeArrowheads="1" noChangeShapeType="1" noTextEdit="1"/>
-          </p:cNvSpPr>
-          <p:nvPr>
-            <p:extLst>
-              <p:ext uri="{386F3935-93C4-4BCD-93E2-E3B085C9AB24}">
-                <p16:designElem xmlns:p16="http://schemas.microsoft.com/office/powerpoint/2015/main" val="1"/>
-              </p:ext>
-            </p:extLst>
-          </p:nvPr>
-        </p:nvSpPr>
-        <p:spPr>
-          <a:xfrm>
-            <a:off x="16" y="0"/>
-            <a:ext cx="4050791" cy="6858000"/>
-          </a:xfrm>
-          <a:prstGeom prst="rect">
-            <a:avLst/>
-          </a:prstGeom>
-          <a:solidFill>
-            <a:schemeClr val="accent2"/>
-          </a:solidFill>
-          <a:ln>
-            <a:noFill/>
-          </a:ln>
-        </p:spPr>
-        <p:style>
-          <a:lnRef idx="2">
-            <a:schemeClr val="accent1">
-              <a:shade val="50000"/>
-            </a:schemeClr>
-          </a:lnRef>
-          <a:fillRef idx="1">
-            <a:schemeClr val="accent1"/>
-          </a:fillRef>
-          <a:effectRef idx="0">
-            <a:schemeClr val="accent1"/>
-          </a:effectRef>
-          <a:fontRef idx="minor">
-            <a:schemeClr val="lt1"/>
-          </a:fontRef>
-        </p:style>
-      </p:sp>
-      <p:sp>
-        <p:nvSpPr>
-          <p:cNvPr id="2" name="Title 1">
-            <a:extLst>
-              <a:ext uri="{FF2B5EF4-FFF2-40B4-BE49-F238E27FC236}">
-                <a16:creationId xmlns:a16="http://schemas.microsoft.com/office/drawing/2014/main" id="{7F723D03-1B26-4028-8BD8-D6A03BBA792F}"/>
-              </a:ext>
-            </a:extLst>
-          </p:cNvPr>
-          <p:cNvSpPr>
-            <a:spLocks noGrp="1"/>
-          </p:cNvSpPr>
-          <p:nvPr>
-            <p:ph type="title"/>
-          </p:nvPr>
-        </p:nvSpPr>
-        <p:spPr>
-          <a:xfrm>
-            <a:off x="492370" y="605896"/>
-            <a:ext cx="3084844" cy="5646208"/>
-          </a:xfrm>
-        </p:spPr>
-        <p:txBody>
-          <a:bodyPr anchor="ctr">
-            <a:normAutofit/>
-          </a:bodyPr>
-          <a:lstStyle/>
-          <a:p>
-            <a:r>
-              <a:rPr lang="en-US" sz="3600" b="1" dirty="0">
-                <a:solidFill>
-                  <a:srgbClr val="FFFFFF"/>
-                </a:solidFill>
-                <a:cs typeface="Calibri Light"/>
-              </a:rPr>
-              <a:t>SOLUÇÃO</a:t>
-            </a:r>
-          </a:p>
-        </p:txBody>
-      </p:sp>
-      <p:sp>
-        <p:nvSpPr>
-          <p:cNvPr id="21" name="Rectangle 20">
-            <a:extLst>
-              <a:ext uri="{FF2B5EF4-FFF2-40B4-BE49-F238E27FC236}">
-                <a16:creationId xmlns:a16="http://schemas.microsoft.com/office/drawing/2014/main" id="{054B3F04-9EAC-45C0-B3CE-0387EEA10A0C}"/>
-              </a:ext>
-              <a:ext uri="{C183D7F6-B498-43B3-948B-1728B52AA6E4}">
-                <adec:decorative xmlns:adec="http://schemas.microsoft.com/office/drawing/2017/decorative" val="1"/>
-              </a:ext>
-            </a:extLst>
-          </p:cNvPr>
-          <p:cNvSpPr>
-            <a:spLocks noGrp="1" noRot="1" noChangeAspect="1" noMove="1" noResize="1" noEditPoints="1" noAdjustHandles="1" noChangeArrowheads="1" noChangeShapeType="1" noTextEdit="1"/>
-          </p:cNvSpPr>
-          <p:nvPr>
-            <p:extLst>
-              <p:ext uri="{386F3935-93C4-4BCD-93E2-E3B085C9AB24}">
-                <p16:designElem xmlns:p16="http://schemas.microsoft.com/office/powerpoint/2015/main" val="1"/>
-              </p:ext>
-            </p:extLst>
-          </p:nvPr>
-        </p:nvSpPr>
-        <p:spPr>
-          <a:xfrm>
-            <a:off x="4040071" y="0"/>
-            <a:ext cx="64008" cy="6858000"/>
-          </a:xfrm>
-          <a:prstGeom prst="rect">
-            <a:avLst/>
-          </a:prstGeom>
-          <a:solidFill>
-            <a:schemeClr val="accent1"/>
-          </a:solidFill>
-          <a:ln>
-            <a:noFill/>
-          </a:ln>
-        </p:spPr>
-        <p:style>
-          <a:lnRef idx="2">
-            <a:schemeClr val="accent1">
-              <a:shade val="50000"/>
-            </a:schemeClr>
-          </a:lnRef>
-          <a:fillRef idx="1">
-            <a:schemeClr val="accent1"/>
-          </a:fillRef>
-          <a:effectRef idx="0">
-            <a:schemeClr val="accent1"/>
-          </a:effectRef>
-          <a:fontRef idx="minor">
-            <a:schemeClr val="lt1"/>
-          </a:fontRef>
-        </p:style>
-      </p:sp>
-      <p:sp>
-        <p:nvSpPr>
-          <p:cNvPr id="3" name="Content Placeholder 2">
-            <a:extLst>
-              <a:ext uri="{FF2B5EF4-FFF2-40B4-BE49-F238E27FC236}">
-                <a16:creationId xmlns:a16="http://schemas.microsoft.com/office/drawing/2014/main" id="{34EDC002-D06C-4E7B-A389-E875C8C363EA}"/>
-              </a:ext>
-            </a:extLst>
-          </p:cNvPr>
-          <p:cNvSpPr>
-            <a:spLocks noGrp="1"/>
-          </p:cNvSpPr>
-          <p:nvPr>
-            <p:ph idx="1"/>
-          </p:nvPr>
-        </p:nvSpPr>
-        <p:spPr>
-          <a:xfrm>
-            <a:off x="4742016" y="605896"/>
-            <a:ext cx="6857359" cy="5646208"/>
-          </a:xfrm>
-        </p:spPr>
-        <p:txBody>
-          <a:bodyPr vert="horz" lIns="0" tIns="45720" rIns="0" bIns="45720" rtlCol="0" anchor="ctr">
-            <a:normAutofit/>
-          </a:bodyPr>
-          <a:lstStyle/>
-          <a:p>
-            <a:pPr marL="342900" indent="-342900" algn="just">
-              <a:spcBef>
-                <a:spcPts val="0"/>
-              </a:spcBef>
-              <a:spcAft>
-                <a:spcPts val="600"/>
-              </a:spcAft>
-              <a:buFont typeface="Arial,Sans-Serif" panose="020F0502020204030204" pitchFamily="34" charset="0"/>
-              <a:buChar char="•"/>
-            </a:pPr>
-            <a:r>
-              <a:rPr lang="en-US" dirty="0">
-                <a:ea typeface="+mn-lt"/>
-                <a:cs typeface="+mn-lt"/>
-              </a:rPr>
-              <a:t>As </a:t>
-            </a:r>
-            <a:r>
-              <a:rPr lang="en-US" dirty="0" err="1">
-                <a:ea typeface="+mn-lt"/>
-                <a:cs typeface="+mn-lt"/>
-              </a:rPr>
-              <a:t>informações</a:t>
-            </a:r>
-            <a:r>
-              <a:rPr lang="en-US" dirty="0">
-                <a:ea typeface="+mn-lt"/>
-                <a:cs typeface="+mn-lt"/>
-              </a:rPr>
-              <a:t> da </a:t>
-            </a:r>
-            <a:r>
-              <a:rPr lang="en-US" dirty="0" err="1">
-                <a:ea typeface="+mn-lt"/>
-                <a:cs typeface="+mn-lt"/>
-              </a:rPr>
-              <a:t>ocorrência</a:t>
-            </a:r>
-            <a:r>
-              <a:rPr lang="en-US" dirty="0">
-                <a:ea typeface="+mn-lt"/>
-                <a:cs typeface="+mn-lt"/>
-              </a:rPr>
-              <a:t> </a:t>
-            </a:r>
-            <a:r>
-              <a:rPr lang="en-US" dirty="0" err="1">
-                <a:ea typeface="+mn-lt"/>
-                <a:cs typeface="+mn-lt"/>
-              </a:rPr>
-              <a:t>estarão</a:t>
-            </a:r>
-            <a:r>
-              <a:rPr lang="en-US" dirty="0">
-                <a:ea typeface="+mn-lt"/>
-                <a:cs typeface="+mn-lt"/>
-              </a:rPr>
-              <a:t> </a:t>
-            </a:r>
-            <a:r>
-              <a:rPr lang="en-US" dirty="0" err="1">
-                <a:ea typeface="+mn-lt"/>
-                <a:cs typeface="+mn-lt"/>
-              </a:rPr>
-              <a:t>em</a:t>
-            </a:r>
-            <a:r>
-              <a:rPr lang="en-US" dirty="0">
-                <a:ea typeface="+mn-lt"/>
-                <a:cs typeface="+mn-lt"/>
-              </a:rPr>
-              <a:t> um banco de dados que </a:t>
-            </a:r>
-            <a:r>
-              <a:rPr lang="en-US" dirty="0" err="1">
-                <a:ea typeface="+mn-lt"/>
-                <a:cs typeface="+mn-lt"/>
-              </a:rPr>
-              <a:t>ajudará</a:t>
-            </a:r>
-            <a:r>
-              <a:rPr lang="en-US" dirty="0">
-                <a:ea typeface="+mn-lt"/>
-                <a:cs typeface="+mn-lt"/>
-              </a:rPr>
-              <a:t> </a:t>
-            </a:r>
-            <a:r>
-              <a:rPr lang="en-US" dirty="0" err="1">
-                <a:ea typeface="+mn-lt"/>
-                <a:cs typeface="+mn-lt"/>
-              </a:rPr>
-              <a:t>na</a:t>
-            </a:r>
-            <a:r>
-              <a:rPr lang="en-US" dirty="0">
-                <a:ea typeface="+mn-lt"/>
-                <a:cs typeface="+mn-lt"/>
-              </a:rPr>
-              <a:t> </a:t>
-            </a:r>
-            <a:r>
-              <a:rPr lang="en-US" dirty="0" err="1">
-                <a:ea typeface="+mn-lt"/>
-                <a:cs typeface="+mn-lt"/>
-              </a:rPr>
-              <a:t>avaliação</a:t>
-            </a:r>
-            <a:r>
-              <a:rPr lang="en-US" dirty="0">
-                <a:ea typeface="+mn-lt"/>
-                <a:cs typeface="+mn-lt"/>
-              </a:rPr>
-              <a:t> de </a:t>
-            </a:r>
-            <a:r>
-              <a:rPr lang="en-US" dirty="0" err="1">
-                <a:ea typeface="+mn-lt"/>
-                <a:cs typeface="+mn-lt"/>
-              </a:rPr>
-              <a:t>incidências</a:t>
-            </a:r>
-            <a:r>
-              <a:rPr lang="en-US" dirty="0">
-                <a:ea typeface="+mn-lt"/>
-                <a:cs typeface="+mn-lt"/>
-              </a:rPr>
-              <a:t>. </a:t>
-            </a:r>
-            <a:endParaRPr lang="en-US" dirty="0">
-              <a:cs typeface="Calibri" panose="020F0502020204030204"/>
-            </a:endParaRPr>
-          </a:p>
-          <a:p>
-            <a:pPr marL="0" indent="0" algn="just">
-              <a:spcBef>
-                <a:spcPts val="0"/>
-              </a:spcBef>
-              <a:spcAft>
-                <a:spcPts val="600"/>
-              </a:spcAft>
-              <a:buNone/>
-            </a:pPr>
-            <a:endParaRPr lang="en-US" dirty="0">
-              <a:ea typeface="+mn-lt"/>
-              <a:cs typeface="+mn-lt"/>
-            </a:endParaRPr>
-          </a:p>
-          <a:p>
-            <a:pPr marL="342900" indent="-342900" algn="just">
-              <a:spcBef>
-                <a:spcPts val="0"/>
-              </a:spcBef>
-              <a:spcAft>
-                <a:spcPts val="600"/>
-              </a:spcAft>
-              <a:buFont typeface="Arial,Sans-Serif" panose="020F0502020204030204" pitchFamily="34" charset="0"/>
-              <a:buChar char="•"/>
-            </a:pPr>
-            <a:r>
-              <a:rPr lang="en-US" err="1">
-                <a:ea typeface="+mn-lt"/>
-                <a:cs typeface="+mn-lt"/>
-              </a:rPr>
-              <a:t>Haverá</a:t>
-            </a:r>
-            <a:r>
-              <a:rPr lang="en-US" dirty="0">
-                <a:ea typeface="+mn-lt"/>
-                <a:cs typeface="+mn-lt"/>
-              </a:rPr>
-              <a:t> </a:t>
-            </a:r>
-            <a:r>
-              <a:rPr lang="en-US" err="1">
-                <a:ea typeface="+mn-lt"/>
-                <a:cs typeface="+mn-lt"/>
-              </a:rPr>
-              <a:t>uma</a:t>
-            </a:r>
-            <a:r>
-              <a:rPr lang="en-US" dirty="0">
-                <a:ea typeface="+mn-lt"/>
-                <a:cs typeface="+mn-lt"/>
-              </a:rPr>
-              <a:t> dashboard com </a:t>
-            </a:r>
-            <a:r>
-              <a:rPr lang="en-US" err="1">
-                <a:ea typeface="+mn-lt"/>
-                <a:cs typeface="+mn-lt"/>
-              </a:rPr>
-              <a:t>controle</a:t>
-            </a:r>
-            <a:r>
-              <a:rPr lang="en-US" dirty="0">
-                <a:ea typeface="+mn-lt"/>
-                <a:cs typeface="+mn-lt"/>
-              </a:rPr>
-              <a:t> de </a:t>
-            </a:r>
-            <a:r>
-              <a:rPr lang="en-US" err="1">
-                <a:ea typeface="+mn-lt"/>
-                <a:cs typeface="+mn-lt"/>
-              </a:rPr>
-              <a:t>monitoramento</a:t>
-            </a:r>
-            <a:r>
-              <a:rPr lang="en-US" dirty="0">
-                <a:ea typeface="+mn-lt"/>
-                <a:cs typeface="+mn-lt"/>
-              </a:rPr>
-              <a:t> visual </a:t>
-            </a:r>
-            <a:r>
-              <a:rPr lang="en-US" err="1">
-                <a:ea typeface="+mn-lt"/>
-                <a:cs typeface="+mn-lt"/>
-              </a:rPr>
-              <a:t>onde</a:t>
-            </a:r>
-            <a:r>
-              <a:rPr lang="en-US" dirty="0">
-                <a:ea typeface="+mn-lt"/>
-                <a:cs typeface="+mn-lt"/>
-              </a:rPr>
-              <a:t> o </a:t>
-            </a:r>
-            <a:r>
-              <a:rPr lang="en-US" err="1">
-                <a:ea typeface="+mn-lt"/>
-                <a:cs typeface="+mn-lt"/>
-              </a:rPr>
-              <a:t>suporte</a:t>
-            </a:r>
-            <a:r>
-              <a:rPr lang="en-US" dirty="0">
-                <a:ea typeface="+mn-lt"/>
-                <a:cs typeface="+mn-lt"/>
-              </a:rPr>
-              <a:t> de T.I </a:t>
-            </a:r>
-            <a:r>
-              <a:rPr lang="en-US" err="1">
-                <a:ea typeface="+mn-lt"/>
-                <a:cs typeface="+mn-lt"/>
-              </a:rPr>
-              <a:t>conseguirá</a:t>
-            </a:r>
-            <a:r>
-              <a:rPr lang="en-US" dirty="0">
-                <a:ea typeface="+mn-lt"/>
-                <a:cs typeface="+mn-lt"/>
-              </a:rPr>
-              <a:t> </a:t>
-            </a:r>
-            <a:r>
-              <a:rPr lang="en-US" err="1">
-                <a:ea typeface="+mn-lt"/>
-                <a:cs typeface="+mn-lt"/>
-              </a:rPr>
-              <a:t>verificar</a:t>
-            </a:r>
-            <a:r>
-              <a:rPr lang="en-US" dirty="0">
-                <a:ea typeface="+mn-lt"/>
-                <a:cs typeface="+mn-lt"/>
-              </a:rPr>
-              <a:t> o </a:t>
-            </a:r>
-            <a:r>
-              <a:rPr lang="en-US" err="1">
-                <a:ea typeface="+mn-lt"/>
-                <a:cs typeface="+mn-lt"/>
-              </a:rPr>
-              <a:t>problema</a:t>
-            </a:r>
-            <a:r>
-              <a:rPr lang="en-US" dirty="0">
-                <a:ea typeface="+mn-lt"/>
-                <a:cs typeface="+mn-lt"/>
-              </a:rPr>
-              <a:t> do </a:t>
-            </a:r>
-            <a:r>
-              <a:rPr lang="en-US" err="1">
-                <a:ea typeface="+mn-lt"/>
-                <a:cs typeface="+mn-lt"/>
-              </a:rPr>
-              <a:t>computador</a:t>
-            </a:r>
-            <a:r>
-              <a:rPr lang="en-US" dirty="0">
-                <a:ea typeface="+mn-lt"/>
-                <a:cs typeface="+mn-lt"/>
-              </a:rPr>
-              <a:t>.</a:t>
-            </a:r>
-          </a:p>
-          <a:p>
-            <a:pPr marL="342900" indent="-342900" algn="just">
-              <a:spcBef>
-                <a:spcPts val="0"/>
-              </a:spcBef>
-              <a:spcAft>
-                <a:spcPts val="600"/>
-              </a:spcAft>
-              <a:buFont typeface="Arial,Sans-Serif" panose="020F0502020204030204" pitchFamily="34" charset="0"/>
-              <a:buChar char="•"/>
-            </a:pPr>
-            <a:endParaRPr lang="en-US" dirty="0">
-              <a:cs typeface="Calibri"/>
-            </a:endParaRPr>
-          </a:p>
-          <a:p>
-            <a:pPr marL="342900" indent="-342900" algn="just">
-              <a:spcBef>
-                <a:spcPts val="0"/>
-              </a:spcBef>
-              <a:spcAft>
-                <a:spcPts val="600"/>
-              </a:spcAft>
-              <a:buFont typeface="Arial,Sans-Serif" panose="020F0502020204030204" pitchFamily="34" charset="0"/>
-              <a:buChar char="•"/>
-            </a:pPr>
-            <a:r>
-              <a:rPr lang="en-US" dirty="0" err="1">
-                <a:cs typeface="Calibri"/>
-              </a:rPr>
-              <a:t>Emitiremos</a:t>
-            </a:r>
-            <a:r>
-              <a:rPr lang="en-US" dirty="0">
-                <a:cs typeface="Calibri"/>
-              </a:rPr>
-              <a:t> um </a:t>
-            </a:r>
-            <a:r>
-              <a:rPr lang="en-US" dirty="0" err="1">
-                <a:cs typeface="Calibri"/>
-              </a:rPr>
-              <a:t>alerta</a:t>
-            </a:r>
-            <a:r>
-              <a:rPr lang="en-US" dirty="0">
-                <a:cs typeface="Calibri"/>
-              </a:rPr>
-              <a:t> para que a </a:t>
-            </a:r>
-            <a:r>
-              <a:rPr lang="en-US" dirty="0" err="1">
-                <a:cs typeface="Calibri"/>
-              </a:rPr>
-              <a:t>equipe</a:t>
-            </a:r>
-            <a:r>
-              <a:rPr lang="en-US" dirty="0">
-                <a:cs typeface="Calibri"/>
-              </a:rPr>
-              <a:t> de </a:t>
-            </a:r>
-            <a:r>
-              <a:rPr lang="en-US" dirty="0">
-                <a:ea typeface="+mn-lt"/>
-                <a:cs typeface="+mn-lt"/>
-              </a:rPr>
-              <a:t>T.I.  </a:t>
-            </a:r>
-            <a:r>
-              <a:rPr lang="en-US" dirty="0" err="1">
-                <a:ea typeface="+mn-lt"/>
-                <a:cs typeface="+mn-lt"/>
-              </a:rPr>
-              <a:t>mais</a:t>
-            </a:r>
-            <a:r>
-              <a:rPr lang="en-US" dirty="0">
-                <a:ea typeface="+mn-lt"/>
-                <a:cs typeface="+mn-lt"/>
-              </a:rPr>
-              <a:t> </a:t>
-            </a:r>
-            <a:r>
-              <a:rPr lang="en-US" dirty="0" err="1">
-                <a:ea typeface="+mn-lt"/>
-                <a:cs typeface="+mn-lt"/>
-              </a:rPr>
-              <a:t>atenta</a:t>
-            </a:r>
-            <a:r>
-              <a:rPr lang="en-US" dirty="0">
-                <a:ea typeface="+mn-lt"/>
-                <a:cs typeface="+mn-lt"/>
-              </a:rPr>
-              <a:t> </a:t>
-            </a:r>
-            <a:r>
-              <a:rPr lang="en-US" dirty="0" err="1">
-                <a:ea typeface="+mn-lt"/>
-                <a:cs typeface="+mn-lt"/>
-              </a:rPr>
-              <a:t>em</a:t>
-            </a:r>
-            <a:r>
-              <a:rPr lang="en-US" dirty="0">
-                <a:ea typeface="+mn-lt"/>
-                <a:cs typeface="+mn-lt"/>
-              </a:rPr>
-              <a:t> </a:t>
-            </a:r>
-            <a:r>
-              <a:rPr lang="en-US" dirty="0" err="1">
-                <a:ea typeface="+mn-lt"/>
-                <a:cs typeface="+mn-lt"/>
-              </a:rPr>
-              <a:t>determinada</a:t>
-            </a:r>
-            <a:r>
-              <a:rPr lang="en-US" dirty="0">
-                <a:ea typeface="+mn-lt"/>
-                <a:cs typeface="+mn-lt"/>
-              </a:rPr>
-              <a:t> </a:t>
-            </a:r>
-            <a:r>
-              <a:rPr lang="en-US" dirty="0" err="1">
-                <a:ea typeface="+mn-lt"/>
-                <a:cs typeface="+mn-lt"/>
-              </a:rPr>
-              <a:t>máquina</a:t>
-            </a:r>
-            <a:r>
-              <a:rPr lang="en-US" dirty="0">
-                <a:ea typeface="+mn-lt"/>
-                <a:cs typeface="+mn-lt"/>
-              </a:rPr>
-              <a:t>. </a:t>
-            </a:r>
-          </a:p>
-          <a:p>
-            <a:pPr marL="342900" indent="-342900" algn="just">
-              <a:spcBef>
-                <a:spcPts val="0"/>
-              </a:spcBef>
-              <a:spcAft>
-                <a:spcPts val="600"/>
-              </a:spcAft>
-              <a:buFont typeface="Arial,Sans-Serif" panose="020F0502020204030204" pitchFamily="34" charset="0"/>
-              <a:buChar char="•"/>
-            </a:pPr>
-            <a:endParaRPr lang="en-US" dirty="0">
-              <a:ea typeface="+mn-lt"/>
-              <a:cs typeface="+mn-lt"/>
-            </a:endParaRPr>
-          </a:p>
-          <a:p>
-            <a:pPr marL="342900" indent="-342900" algn="just">
-              <a:spcBef>
-                <a:spcPts val="0"/>
-              </a:spcBef>
-              <a:spcAft>
-                <a:spcPts val="600"/>
-              </a:spcAft>
-              <a:buFont typeface="Arial,Sans-Serif" panose="020F0502020204030204" pitchFamily="34" charset="0"/>
-              <a:buChar char="•"/>
-            </a:pPr>
-            <a:r>
-              <a:rPr lang="en-US" dirty="0" err="1">
-                <a:ea typeface="+mn-lt"/>
-                <a:cs typeface="+mn-lt"/>
-              </a:rPr>
-              <a:t>Terá</a:t>
-            </a:r>
-            <a:r>
-              <a:rPr lang="en-US" dirty="0">
-                <a:ea typeface="+mn-lt"/>
-                <a:cs typeface="+mn-lt"/>
-              </a:rPr>
-              <a:t> </a:t>
-            </a:r>
-            <a:r>
-              <a:rPr lang="en-US" dirty="0" err="1">
-                <a:ea typeface="+mn-lt"/>
-                <a:cs typeface="+mn-lt"/>
-              </a:rPr>
-              <a:t>uma</a:t>
-            </a:r>
-            <a:r>
-              <a:rPr lang="en-US" dirty="0">
-                <a:ea typeface="+mn-lt"/>
-                <a:cs typeface="+mn-lt"/>
-              </a:rPr>
-              <a:t> </a:t>
-            </a:r>
-            <a:r>
-              <a:rPr lang="en-US" dirty="0" err="1">
-                <a:ea typeface="+mn-lt"/>
-                <a:cs typeface="+mn-lt"/>
-              </a:rPr>
-              <a:t>avaliação</a:t>
-            </a:r>
-            <a:r>
-              <a:rPr lang="en-US" dirty="0">
-                <a:ea typeface="+mn-lt"/>
-                <a:cs typeface="+mn-lt"/>
-              </a:rPr>
-              <a:t> por </a:t>
-            </a:r>
-            <a:r>
-              <a:rPr lang="en-US" dirty="0" err="1">
-                <a:ea typeface="+mn-lt"/>
-                <a:cs typeface="+mn-lt"/>
-              </a:rPr>
-              <a:t>pontuação</a:t>
-            </a:r>
-            <a:r>
-              <a:rPr lang="en-US" dirty="0">
-                <a:ea typeface="+mn-lt"/>
-                <a:cs typeface="+mn-lt"/>
-              </a:rPr>
-              <a:t> um </a:t>
-            </a:r>
-            <a:r>
-              <a:rPr lang="en-US" dirty="0" err="1">
-                <a:ea typeface="+mn-lt"/>
-                <a:cs typeface="+mn-lt"/>
-              </a:rPr>
-              <a:t>período</a:t>
-            </a:r>
-            <a:r>
-              <a:rPr lang="en-US" dirty="0">
-                <a:ea typeface="+mn-lt"/>
-                <a:cs typeface="+mn-lt"/>
-              </a:rPr>
-              <a:t> </a:t>
-            </a:r>
-            <a:r>
-              <a:rPr lang="en-US" dirty="0" err="1">
-                <a:ea typeface="+mn-lt"/>
-                <a:cs typeface="+mn-lt"/>
-              </a:rPr>
-              <a:t>após</a:t>
-            </a:r>
-            <a:r>
-              <a:rPr lang="en-US" dirty="0">
-                <a:ea typeface="+mn-lt"/>
-                <a:cs typeface="+mn-lt"/>
-              </a:rPr>
-              <a:t> o </a:t>
-            </a:r>
-            <a:r>
-              <a:rPr lang="en-US" dirty="0" err="1">
-                <a:ea typeface="+mn-lt"/>
-                <a:cs typeface="+mn-lt"/>
-              </a:rPr>
-              <a:t>atendimento</a:t>
-            </a:r>
-            <a:r>
-              <a:rPr lang="en-US" dirty="0">
-                <a:ea typeface="+mn-lt"/>
-                <a:cs typeface="+mn-lt"/>
-              </a:rPr>
-              <a:t> para </a:t>
-            </a:r>
-            <a:r>
-              <a:rPr lang="en-US" dirty="0" err="1">
-                <a:ea typeface="+mn-lt"/>
-                <a:cs typeface="+mn-lt"/>
-              </a:rPr>
-              <a:t>termos</a:t>
-            </a:r>
-            <a:r>
-              <a:rPr lang="en-US" dirty="0">
-                <a:ea typeface="+mn-lt"/>
-                <a:cs typeface="+mn-lt"/>
-              </a:rPr>
-              <a:t> </a:t>
-            </a:r>
-            <a:r>
-              <a:rPr lang="en-US" dirty="0" err="1">
-                <a:ea typeface="+mn-lt"/>
-                <a:cs typeface="+mn-lt"/>
-              </a:rPr>
-              <a:t>uma</a:t>
-            </a:r>
-            <a:r>
-              <a:rPr lang="en-US" dirty="0">
-                <a:ea typeface="+mn-lt"/>
-                <a:cs typeface="+mn-lt"/>
-              </a:rPr>
-              <a:t> </a:t>
-            </a:r>
-            <a:r>
-              <a:rPr lang="en-US" dirty="0" err="1">
-                <a:ea typeface="+mn-lt"/>
-                <a:cs typeface="+mn-lt"/>
-              </a:rPr>
-              <a:t>melhoria</a:t>
-            </a:r>
-            <a:r>
-              <a:rPr lang="en-US" dirty="0">
-                <a:ea typeface="+mn-lt"/>
-                <a:cs typeface="+mn-lt"/>
-              </a:rPr>
-              <a:t> </a:t>
-            </a:r>
-            <a:r>
-              <a:rPr lang="en-US" dirty="0" err="1">
-                <a:ea typeface="+mn-lt"/>
-                <a:cs typeface="+mn-lt"/>
-              </a:rPr>
-              <a:t>contínua</a:t>
-            </a:r>
-            <a:r>
-              <a:rPr lang="en-US" dirty="0">
-                <a:ea typeface="+mn-lt"/>
-                <a:cs typeface="+mn-lt"/>
-              </a:rPr>
-              <a:t> do </a:t>
-            </a:r>
-            <a:r>
-              <a:rPr lang="en-US" dirty="0" err="1">
-                <a:ea typeface="+mn-lt"/>
-                <a:cs typeface="+mn-lt"/>
-              </a:rPr>
-              <a:t>processo</a:t>
-            </a:r>
-            <a:r>
-              <a:rPr lang="en-US" dirty="0">
-                <a:ea typeface="+mn-lt"/>
-                <a:cs typeface="+mn-lt"/>
-              </a:rPr>
-              <a:t>. </a:t>
-            </a:r>
-          </a:p>
-          <a:p>
-            <a:pPr algn="just"/>
-            <a:endParaRPr lang="en-US">
-              <a:cs typeface="Calibri"/>
-            </a:endParaRPr>
-          </a:p>
-        </p:txBody>
-      </p:sp>
-    </p:spTree>
-    <p:extLst>
-      <p:ext uri="{BB962C8B-B14F-4D97-AF65-F5344CB8AC3E}">
-        <p14:creationId xmlns:p14="http://schemas.microsoft.com/office/powerpoint/2010/main" val="3237165359"/>
       </p:ext>
     </p:extLst>
   </p:cSld>
@@ -16898,6 +18352,926 @@
                 <a:solidFill>
                   <a:srgbClr val="FFFFFF"/>
                 </a:solidFill>
+                <a:cs typeface="Calibri Light"/>
+              </a:rPr>
+              <a:t>SOLUÇÃO</a:t>
+            </a:r>
+          </a:p>
+        </p:txBody>
+      </p:sp>
+      <p:sp>
+        <p:nvSpPr>
+          <p:cNvPr id="21" name="Rectangle 20">
+            <a:extLst>
+              <a:ext uri="{FF2B5EF4-FFF2-40B4-BE49-F238E27FC236}">
+                <a16:creationId xmlns:a16="http://schemas.microsoft.com/office/drawing/2014/main" id="{054B3F04-9EAC-45C0-B3CE-0387EEA10A0C}"/>
+              </a:ext>
+              <a:ext uri="{C183D7F6-B498-43B3-948B-1728B52AA6E4}">
+                <adec:decorative xmlns:adec="http://schemas.microsoft.com/office/drawing/2017/decorative" val="1"/>
+              </a:ext>
+            </a:extLst>
+          </p:cNvPr>
+          <p:cNvSpPr>
+            <a:spLocks noGrp="1" noRot="1" noChangeAspect="1" noMove="1" noResize="1" noEditPoints="1" noAdjustHandles="1" noChangeArrowheads="1" noChangeShapeType="1" noTextEdit="1"/>
+          </p:cNvSpPr>
+          <p:nvPr>
+            <p:extLst>
+              <p:ext uri="{386F3935-93C4-4BCD-93E2-E3B085C9AB24}">
+                <p16:designElem xmlns:p16="http://schemas.microsoft.com/office/powerpoint/2015/main" val="1"/>
+              </p:ext>
+            </p:extLst>
+          </p:nvPr>
+        </p:nvSpPr>
+        <p:spPr>
+          <a:xfrm>
+            <a:off x="4040071" y="0"/>
+            <a:ext cx="64008" cy="6858000"/>
+          </a:xfrm>
+          <a:prstGeom prst="rect">
+            <a:avLst/>
+          </a:prstGeom>
+          <a:solidFill>
+            <a:schemeClr val="accent1"/>
+          </a:solidFill>
+          <a:ln>
+            <a:noFill/>
+          </a:ln>
+        </p:spPr>
+        <p:style>
+          <a:lnRef idx="2">
+            <a:schemeClr val="accent1">
+              <a:shade val="50000"/>
+            </a:schemeClr>
+          </a:lnRef>
+          <a:fillRef idx="1">
+            <a:schemeClr val="accent1"/>
+          </a:fillRef>
+          <a:effectRef idx="0">
+            <a:schemeClr val="accent1"/>
+          </a:effectRef>
+          <a:fontRef idx="minor">
+            <a:schemeClr val="lt1"/>
+          </a:fontRef>
+        </p:style>
+      </p:sp>
+      <p:sp>
+        <p:nvSpPr>
+          <p:cNvPr id="3" name="Content Placeholder 2">
+            <a:extLst>
+              <a:ext uri="{FF2B5EF4-FFF2-40B4-BE49-F238E27FC236}">
+                <a16:creationId xmlns:a16="http://schemas.microsoft.com/office/drawing/2014/main" id="{34EDC002-D06C-4E7B-A389-E875C8C363EA}"/>
+              </a:ext>
+            </a:extLst>
+          </p:cNvPr>
+          <p:cNvSpPr>
+            <a:spLocks noGrp="1"/>
+          </p:cNvSpPr>
+          <p:nvPr>
+            <p:ph idx="1"/>
+          </p:nvPr>
+        </p:nvSpPr>
+        <p:spPr>
+          <a:xfrm>
+            <a:off x="4742016" y="605896"/>
+            <a:ext cx="6857359" cy="5646208"/>
+          </a:xfrm>
+        </p:spPr>
+        <p:txBody>
+          <a:bodyPr vert="horz" lIns="0" tIns="45720" rIns="0" bIns="45720" rtlCol="0" anchor="ctr">
+            <a:normAutofit/>
+          </a:bodyPr>
+          <a:lstStyle/>
+          <a:p>
+            <a:pPr marL="342900" indent="-342900" algn="just">
+              <a:spcBef>
+                <a:spcPts val="0"/>
+              </a:spcBef>
+              <a:spcAft>
+                <a:spcPts val="600"/>
+              </a:spcAft>
+              <a:buFont typeface="Arial,Sans-Serif" panose="020F0502020204030204" pitchFamily="34" charset="0"/>
+              <a:buChar char="•"/>
+            </a:pPr>
+            <a:r>
+              <a:rPr lang="en-US" dirty="0">
+                <a:ea typeface="+mn-lt"/>
+                <a:cs typeface="+mn-lt"/>
+              </a:rPr>
+              <a:t>As </a:t>
+            </a:r>
+            <a:r>
+              <a:rPr lang="en-US" dirty="0" err="1">
+                <a:ea typeface="+mn-lt"/>
+                <a:cs typeface="+mn-lt"/>
+              </a:rPr>
+              <a:t>informações</a:t>
+            </a:r>
+            <a:r>
+              <a:rPr lang="en-US" dirty="0">
+                <a:ea typeface="+mn-lt"/>
+                <a:cs typeface="+mn-lt"/>
+              </a:rPr>
+              <a:t> da </a:t>
+            </a:r>
+            <a:r>
+              <a:rPr lang="en-US" dirty="0" err="1">
+                <a:ea typeface="+mn-lt"/>
+                <a:cs typeface="+mn-lt"/>
+              </a:rPr>
+              <a:t>ocorrência</a:t>
+            </a:r>
+            <a:r>
+              <a:rPr lang="en-US" dirty="0">
+                <a:ea typeface="+mn-lt"/>
+                <a:cs typeface="+mn-lt"/>
+              </a:rPr>
+              <a:t> </a:t>
+            </a:r>
+            <a:r>
+              <a:rPr lang="en-US" dirty="0" err="1">
+                <a:ea typeface="+mn-lt"/>
+                <a:cs typeface="+mn-lt"/>
+              </a:rPr>
+              <a:t>estarão</a:t>
+            </a:r>
+            <a:r>
+              <a:rPr lang="en-US" dirty="0">
+                <a:ea typeface="+mn-lt"/>
+                <a:cs typeface="+mn-lt"/>
+              </a:rPr>
+              <a:t> </a:t>
+            </a:r>
+            <a:r>
+              <a:rPr lang="en-US" dirty="0" err="1">
+                <a:ea typeface="+mn-lt"/>
+                <a:cs typeface="+mn-lt"/>
+              </a:rPr>
+              <a:t>em</a:t>
+            </a:r>
+            <a:r>
+              <a:rPr lang="en-US" dirty="0">
+                <a:ea typeface="+mn-lt"/>
+                <a:cs typeface="+mn-lt"/>
+              </a:rPr>
+              <a:t> um banco de dados que </a:t>
+            </a:r>
+            <a:r>
+              <a:rPr lang="en-US" dirty="0" err="1">
+                <a:ea typeface="+mn-lt"/>
+                <a:cs typeface="+mn-lt"/>
+              </a:rPr>
+              <a:t>ajudará</a:t>
+            </a:r>
+            <a:r>
+              <a:rPr lang="en-US" dirty="0">
+                <a:ea typeface="+mn-lt"/>
+                <a:cs typeface="+mn-lt"/>
+              </a:rPr>
+              <a:t> </a:t>
+            </a:r>
+            <a:r>
+              <a:rPr lang="en-US" dirty="0" err="1">
+                <a:ea typeface="+mn-lt"/>
+                <a:cs typeface="+mn-lt"/>
+              </a:rPr>
+              <a:t>na</a:t>
+            </a:r>
+            <a:r>
+              <a:rPr lang="en-US" dirty="0">
+                <a:ea typeface="+mn-lt"/>
+                <a:cs typeface="+mn-lt"/>
+              </a:rPr>
+              <a:t> </a:t>
+            </a:r>
+            <a:r>
+              <a:rPr lang="en-US" dirty="0" err="1">
+                <a:ea typeface="+mn-lt"/>
+                <a:cs typeface="+mn-lt"/>
+              </a:rPr>
+              <a:t>avaliação</a:t>
+            </a:r>
+            <a:r>
+              <a:rPr lang="en-US" dirty="0">
+                <a:ea typeface="+mn-lt"/>
+                <a:cs typeface="+mn-lt"/>
+              </a:rPr>
+              <a:t> de </a:t>
+            </a:r>
+            <a:r>
+              <a:rPr lang="en-US" dirty="0" err="1">
+                <a:ea typeface="+mn-lt"/>
+                <a:cs typeface="+mn-lt"/>
+              </a:rPr>
+              <a:t>incidências</a:t>
+            </a:r>
+            <a:r>
+              <a:rPr lang="en-US" dirty="0">
+                <a:ea typeface="+mn-lt"/>
+                <a:cs typeface="+mn-lt"/>
+              </a:rPr>
+              <a:t>. </a:t>
+            </a:r>
+            <a:endParaRPr lang="en-US" dirty="0">
+              <a:cs typeface="Calibri" panose="020F0502020204030204"/>
+            </a:endParaRPr>
+          </a:p>
+          <a:p>
+            <a:pPr marL="0" indent="0" algn="just">
+              <a:spcBef>
+                <a:spcPts val="0"/>
+              </a:spcBef>
+              <a:spcAft>
+                <a:spcPts val="600"/>
+              </a:spcAft>
+              <a:buNone/>
+            </a:pPr>
+            <a:endParaRPr lang="en-US" dirty="0">
+              <a:ea typeface="+mn-lt"/>
+              <a:cs typeface="+mn-lt"/>
+            </a:endParaRPr>
+          </a:p>
+          <a:p>
+            <a:pPr marL="342900" indent="-342900" algn="just">
+              <a:spcBef>
+                <a:spcPts val="0"/>
+              </a:spcBef>
+              <a:spcAft>
+                <a:spcPts val="600"/>
+              </a:spcAft>
+              <a:buFont typeface="Arial,Sans-Serif" panose="020F0502020204030204" pitchFamily="34" charset="0"/>
+              <a:buChar char="•"/>
+            </a:pPr>
+            <a:r>
+              <a:rPr lang="en-US" err="1">
+                <a:ea typeface="+mn-lt"/>
+                <a:cs typeface="+mn-lt"/>
+              </a:rPr>
+              <a:t>Haverá</a:t>
+            </a:r>
+            <a:r>
+              <a:rPr lang="en-US" dirty="0">
+                <a:ea typeface="+mn-lt"/>
+                <a:cs typeface="+mn-lt"/>
+              </a:rPr>
+              <a:t> </a:t>
+            </a:r>
+            <a:r>
+              <a:rPr lang="en-US" err="1">
+                <a:ea typeface="+mn-lt"/>
+                <a:cs typeface="+mn-lt"/>
+              </a:rPr>
+              <a:t>uma</a:t>
+            </a:r>
+            <a:r>
+              <a:rPr lang="en-US" dirty="0">
+                <a:ea typeface="+mn-lt"/>
+                <a:cs typeface="+mn-lt"/>
+              </a:rPr>
+              <a:t> dashboard com </a:t>
+            </a:r>
+            <a:r>
+              <a:rPr lang="en-US" err="1">
+                <a:ea typeface="+mn-lt"/>
+                <a:cs typeface="+mn-lt"/>
+              </a:rPr>
+              <a:t>controle</a:t>
+            </a:r>
+            <a:r>
+              <a:rPr lang="en-US" dirty="0">
+                <a:ea typeface="+mn-lt"/>
+                <a:cs typeface="+mn-lt"/>
+              </a:rPr>
+              <a:t> de </a:t>
+            </a:r>
+            <a:r>
+              <a:rPr lang="en-US" err="1">
+                <a:ea typeface="+mn-lt"/>
+                <a:cs typeface="+mn-lt"/>
+              </a:rPr>
+              <a:t>monitoramento</a:t>
+            </a:r>
+            <a:r>
+              <a:rPr lang="en-US" dirty="0">
+                <a:ea typeface="+mn-lt"/>
+                <a:cs typeface="+mn-lt"/>
+              </a:rPr>
+              <a:t> visual </a:t>
+            </a:r>
+            <a:r>
+              <a:rPr lang="en-US" err="1">
+                <a:ea typeface="+mn-lt"/>
+                <a:cs typeface="+mn-lt"/>
+              </a:rPr>
+              <a:t>onde</a:t>
+            </a:r>
+            <a:r>
+              <a:rPr lang="en-US" dirty="0">
+                <a:ea typeface="+mn-lt"/>
+                <a:cs typeface="+mn-lt"/>
+              </a:rPr>
+              <a:t> o </a:t>
+            </a:r>
+            <a:r>
+              <a:rPr lang="en-US" err="1">
+                <a:ea typeface="+mn-lt"/>
+                <a:cs typeface="+mn-lt"/>
+              </a:rPr>
+              <a:t>suporte</a:t>
+            </a:r>
+            <a:r>
+              <a:rPr lang="en-US" dirty="0">
+                <a:ea typeface="+mn-lt"/>
+                <a:cs typeface="+mn-lt"/>
+              </a:rPr>
+              <a:t> de T.I </a:t>
+            </a:r>
+            <a:r>
+              <a:rPr lang="en-US" err="1">
+                <a:ea typeface="+mn-lt"/>
+                <a:cs typeface="+mn-lt"/>
+              </a:rPr>
+              <a:t>conseguirá</a:t>
+            </a:r>
+            <a:r>
+              <a:rPr lang="en-US" dirty="0">
+                <a:ea typeface="+mn-lt"/>
+                <a:cs typeface="+mn-lt"/>
+              </a:rPr>
+              <a:t> </a:t>
+            </a:r>
+            <a:r>
+              <a:rPr lang="en-US" err="1">
+                <a:ea typeface="+mn-lt"/>
+                <a:cs typeface="+mn-lt"/>
+              </a:rPr>
+              <a:t>verificar</a:t>
+            </a:r>
+            <a:r>
+              <a:rPr lang="en-US" dirty="0">
+                <a:ea typeface="+mn-lt"/>
+                <a:cs typeface="+mn-lt"/>
+              </a:rPr>
+              <a:t> o </a:t>
+            </a:r>
+            <a:r>
+              <a:rPr lang="en-US" err="1">
+                <a:ea typeface="+mn-lt"/>
+                <a:cs typeface="+mn-lt"/>
+              </a:rPr>
+              <a:t>problema</a:t>
+            </a:r>
+            <a:r>
+              <a:rPr lang="en-US" dirty="0">
+                <a:ea typeface="+mn-lt"/>
+                <a:cs typeface="+mn-lt"/>
+              </a:rPr>
+              <a:t> do </a:t>
+            </a:r>
+            <a:r>
+              <a:rPr lang="en-US" err="1">
+                <a:ea typeface="+mn-lt"/>
+                <a:cs typeface="+mn-lt"/>
+              </a:rPr>
+              <a:t>computador</a:t>
+            </a:r>
+            <a:r>
+              <a:rPr lang="en-US" dirty="0">
+                <a:ea typeface="+mn-lt"/>
+                <a:cs typeface="+mn-lt"/>
+              </a:rPr>
+              <a:t>.</a:t>
+            </a:r>
+          </a:p>
+          <a:p>
+            <a:pPr marL="342900" indent="-342900" algn="just">
+              <a:spcBef>
+                <a:spcPts val="0"/>
+              </a:spcBef>
+              <a:spcAft>
+                <a:spcPts val="600"/>
+              </a:spcAft>
+              <a:buFont typeface="Arial,Sans-Serif" panose="020F0502020204030204" pitchFamily="34" charset="0"/>
+              <a:buChar char="•"/>
+            </a:pPr>
+            <a:endParaRPr lang="en-US" dirty="0">
+              <a:cs typeface="Calibri"/>
+            </a:endParaRPr>
+          </a:p>
+          <a:p>
+            <a:pPr marL="342900" indent="-342900" algn="just">
+              <a:spcBef>
+                <a:spcPts val="0"/>
+              </a:spcBef>
+              <a:spcAft>
+                <a:spcPts val="600"/>
+              </a:spcAft>
+              <a:buFont typeface="Arial,Sans-Serif" panose="020F0502020204030204" pitchFamily="34" charset="0"/>
+              <a:buChar char="•"/>
+            </a:pPr>
+            <a:r>
+              <a:rPr lang="en-US" dirty="0" err="1">
+                <a:cs typeface="Calibri"/>
+              </a:rPr>
+              <a:t>Emitiremos</a:t>
+            </a:r>
+            <a:r>
+              <a:rPr lang="en-US" dirty="0">
+                <a:cs typeface="Calibri"/>
+              </a:rPr>
+              <a:t> um </a:t>
+            </a:r>
+            <a:r>
+              <a:rPr lang="en-US" dirty="0" err="1">
+                <a:cs typeface="Calibri"/>
+              </a:rPr>
+              <a:t>alerta</a:t>
+            </a:r>
+            <a:r>
+              <a:rPr lang="en-US" dirty="0">
+                <a:cs typeface="Calibri"/>
+              </a:rPr>
+              <a:t> para que a </a:t>
+            </a:r>
+            <a:r>
+              <a:rPr lang="en-US" dirty="0" err="1">
+                <a:cs typeface="Calibri"/>
+              </a:rPr>
+              <a:t>equipe</a:t>
+            </a:r>
+            <a:r>
+              <a:rPr lang="en-US" dirty="0">
+                <a:cs typeface="Calibri"/>
+              </a:rPr>
+              <a:t> de </a:t>
+            </a:r>
+            <a:r>
+              <a:rPr lang="en-US" dirty="0">
+                <a:ea typeface="+mn-lt"/>
+                <a:cs typeface="+mn-lt"/>
+              </a:rPr>
+              <a:t>T.I.  </a:t>
+            </a:r>
+            <a:r>
+              <a:rPr lang="en-US" dirty="0" err="1">
+                <a:ea typeface="+mn-lt"/>
+                <a:cs typeface="+mn-lt"/>
+              </a:rPr>
+              <a:t>mais</a:t>
+            </a:r>
+            <a:r>
+              <a:rPr lang="en-US" dirty="0">
+                <a:ea typeface="+mn-lt"/>
+                <a:cs typeface="+mn-lt"/>
+              </a:rPr>
+              <a:t> </a:t>
+            </a:r>
+            <a:r>
+              <a:rPr lang="en-US" dirty="0" err="1">
+                <a:ea typeface="+mn-lt"/>
+                <a:cs typeface="+mn-lt"/>
+              </a:rPr>
+              <a:t>atenta</a:t>
+            </a:r>
+            <a:r>
+              <a:rPr lang="en-US" dirty="0">
+                <a:ea typeface="+mn-lt"/>
+                <a:cs typeface="+mn-lt"/>
+              </a:rPr>
+              <a:t> </a:t>
+            </a:r>
+            <a:r>
+              <a:rPr lang="en-US" dirty="0" err="1">
+                <a:ea typeface="+mn-lt"/>
+                <a:cs typeface="+mn-lt"/>
+              </a:rPr>
+              <a:t>em</a:t>
+            </a:r>
+            <a:r>
+              <a:rPr lang="en-US" dirty="0">
+                <a:ea typeface="+mn-lt"/>
+                <a:cs typeface="+mn-lt"/>
+              </a:rPr>
+              <a:t> </a:t>
+            </a:r>
+            <a:r>
+              <a:rPr lang="en-US" dirty="0" err="1">
+                <a:ea typeface="+mn-lt"/>
+                <a:cs typeface="+mn-lt"/>
+              </a:rPr>
+              <a:t>determinada</a:t>
+            </a:r>
+            <a:r>
+              <a:rPr lang="en-US" dirty="0">
+                <a:ea typeface="+mn-lt"/>
+                <a:cs typeface="+mn-lt"/>
+              </a:rPr>
+              <a:t> </a:t>
+            </a:r>
+            <a:r>
+              <a:rPr lang="en-US" dirty="0" err="1">
+                <a:ea typeface="+mn-lt"/>
+                <a:cs typeface="+mn-lt"/>
+              </a:rPr>
+              <a:t>máquina</a:t>
+            </a:r>
+            <a:r>
+              <a:rPr lang="en-US" dirty="0">
+                <a:ea typeface="+mn-lt"/>
+                <a:cs typeface="+mn-lt"/>
+              </a:rPr>
+              <a:t>. </a:t>
+            </a:r>
+          </a:p>
+          <a:p>
+            <a:pPr marL="342900" indent="-342900" algn="just">
+              <a:spcBef>
+                <a:spcPts val="0"/>
+              </a:spcBef>
+              <a:spcAft>
+                <a:spcPts val="600"/>
+              </a:spcAft>
+              <a:buFont typeface="Arial,Sans-Serif" panose="020F0502020204030204" pitchFamily="34" charset="0"/>
+              <a:buChar char="•"/>
+            </a:pPr>
+            <a:endParaRPr lang="en-US" dirty="0">
+              <a:ea typeface="+mn-lt"/>
+              <a:cs typeface="+mn-lt"/>
+            </a:endParaRPr>
+          </a:p>
+          <a:p>
+            <a:pPr marL="342900" indent="-342900" algn="just">
+              <a:spcBef>
+                <a:spcPts val="0"/>
+              </a:spcBef>
+              <a:spcAft>
+                <a:spcPts val="600"/>
+              </a:spcAft>
+              <a:buFont typeface="Arial,Sans-Serif" panose="020F0502020204030204" pitchFamily="34" charset="0"/>
+              <a:buChar char="•"/>
+            </a:pPr>
+            <a:r>
+              <a:rPr lang="en-US" dirty="0" err="1">
+                <a:ea typeface="+mn-lt"/>
+                <a:cs typeface="+mn-lt"/>
+              </a:rPr>
+              <a:t>Terá</a:t>
+            </a:r>
+            <a:r>
+              <a:rPr lang="en-US" dirty="0">
+                <a:ea typeface="+mn-lt"/>
+                <a:cs typeface="+mn-lt"/>
+              </a:rPr>
+              <a:t> </a:t>
+            </a:r>
+            <a:r>
+              <a:rPr lang="en-US" dirty="0" err="1">
+                <a:ea typeface="+mn-lt"/>
+                <a:cs typeface="+mn-lt"/>
+              </a:rPr>
+              <a:t>uma</a:t>
+            </a:r>
+            <a:r>
+              <a:rPr lang="en-US" dirty="0">
+                <a:ea typeface="+mn-lt"/>
+                <a:cs typeface="+mn-lt"/>
+              </a:rPr>
+              <a:t> </a:t>
+            </a:r>
+            <a:r>
+              <a:rPr lang="en-US" dirty="0" err="1">
+                <a:ea typeface="+mn-lt"/>
+                <a:cs typeface="+mn-lt"/>
+              </a:rPr>
+              <a:t>avaliação</a:t>
+            </a:r>
+            <a:r>
+              <a:rPr lang="en-US" dirty="0">
+                <a:ea typeface="+mn-lt"/>
+                <a:cs typeface="+mn-lt"/>
+              </a:rPr>
+              <a:t> por </a:t>
+            </a:r>
+            <a:r>
+              <a:rPr lang="en-US" dirty="0" err="1">
+                <a:ea typeface="+mn-lt"/>
+                <a:cs typeface="+mn-lt"/>
+              </a:rPr>
+              <a:t>pontuação</a:t>
+            </a:r>
+            <a:r>
+              <a:rPr lang="en-US" dirty="0">
+                <a:ea typeface="+mn-lt"/>
+                <a:cs typeface="+mn-lt"/>
+              </a:rPr>
+              <a:t> um </a:t>
+            </a:r>
+            <a:r>
+              <a:rPr lang="en-US" dirty="0" err="1">
+                <a:ea typeface="+mn-lt"/>
+                <a:cs typeface="+mn-lt"/>
+              </a:rPr>
+              <a:t>período</a:t>
+            </a:r>
+            <a:r>
+              <a:rPr lang="en-US" dirty="0">
+                <a:ea typeface="+mn-lt"/>
+                <a:cs typeface="+mn-lt"/>
+              </a:rPr>
+              <a:t> </a:t>
+            </a:r>
+            <a:r>
+              <a:rPr lang="en-US" dirty="0" err="1">
+                <a:ea typeface="+mn-lt"/>
+                <a:cs typeface="+mn-lt"/>
+              </a:rPr>
+              <a:t>após</a:t>
+            </a:r>
+            <a:r>
+              <a:rPr lang="en-US" dirty="0">
+                <a:ea typeface="+mn-lt"/>
+                <a:cs typeface="+mn-lt"/>
+              </a:rPr>
+              <a:t> o </a:t>
+            </a:r>
+            <a:r>
+              <a:rPr lang="en-US" dirty="0" err="1">
+                <a:ea typeface="+mn-lt"/>
+                <a:cs typeface="+mn-lt"/>
+              </a:rPr>
+              <a:t>atendimento</a:t>
+            </a:r>
+            <a:r>
+              <a:rPr lang="en-US" dirty="0">
+                <a:ea typeface="+mn-lt"/>
+                <a:cs typeface="+mn-lt"/>
+              </a:rPr>
+              <a:t> para </a:t>
+            </a:r>
+            <a:r>
+              <a:rPr lang="en-US" dirty="0" err="1">
+                <a:ea typeface="+mn-lt"/>
+                <a:cs typeface="+mn-lt"/>
+              </a:rPr>
+              <a:t>termos</a:t>
+            </a:r>
+            <a:r>
+              <a:rPr lang="en-US" dirty="0">
+                <a:ea typeface="+mn-lt"/>
+                <a:cs typeface="+mn-lt"/>
+              </a:rPr>
+              <a:t> </a:t>
+            </a:r>
+            <a:r>
+              <a:rPr lang="en-US" dirty="0" err="1">
+                <a:ea typeface="+mn-lt"/>
+                <a:cs typeface="+mn-lt"/>
+              </a:rPr>
+              <a:t>uma</a:t>
+            </a:r>
+            <a:r>
+              <a:rPr lang="en-US" dirty="0">
+                <a:ea typeface="+mn-lt"/>
+                <a:cs typeface="+mn-lt"/>
+              </a:rPr>
+              <a:t> </a:t>
+            </a:r>
+            <a:r>
+              <a:rPr lang="en-US" dirty="0" err="1">
+                <a:ea typeface="+mn-lt"/>
+                <a:cs typeface="+mn-lt"/>
+              </a:rPr>
+              <a:t>melhoria</a:t>
+            </a:r>
+            <a:r>
+              <a:rPr lang="en-US" dirty="0">
+                <a:ea typeface="+mn-lt"/>
+                <a:cs typeface="+mn-lt"/>
+              </a:rPr>
+              <a:t> </a:t>
+            </a:r>
+            <a:r>
+              <a:rPr lang="en-US" dirty="0" err="1">
+                <a:ea typeface="+mn-lt"/>
+                <a:cs typeface="+mn-lt"/>
+              </a:rPr>
+              <a:t>contínua</a:t>
+            </a:r>
+            <a:r>
+              <a:rPr lang="en-US" dirty="0">
+                <a:ea typeface="+mn-lt"/>
+                <a:cs typeface="+mn-lt"/>
+              </a:rPr>
+              <a:t> do </a:t>
+            </a:r>
+            <a:r>
+              <a:rPr lang="en-US" dirty="0" err="1">
+                <a:ea typeface="+mn-lt"/>
+                <a:cs typeface="+mn-lt"/>
+              </a:rPr>
+              <a:t>processo</a:t>
+            </a:r>
+            <a:r>
+              <a:rPr lang="en-US" dirty="0">
+                <a:ea typeface="+mn-lt"/>
+                <a:cs typeface="+mn-lt"/>
+              </a:rPr>
+              <a:t>. </a:t>
+            </a:r>
+          </a:p>
+          <a:p>
+            <a:pPr algn="just"/>
+            <a:endParaRPr lang="en-US">
+              <a:cs typeface="Calibri"/>
+            </a:endParaRPr>
+          </a:p>
+        </p:txBody>
+      </p:sp>
+    </p:spTree>
+    <p:extLst>
+      <p:ext uri="{BB962C8B-B14F-4D97-AF65-F5344CB8AC3E}">
+        <p14:creationId xmlns:p14="http://schemas.microsoft.com/office/powerpoint/2010/main" val="3237165359"/>
+      </p:ext>
+    </p:extLst>
+  </p:cSld>
+  <p:clrMapOvr>
+    <a:masterClrMapping/>
+  </p:clrMapOvr>
+</p:sld>
+</file>
+
+<file path=ppt/slides/slide19.xml><?xml version="1.0" encoding="utf-8"?>
+<p:sld xmlns:a="http://schemas.openxmlformats.org/drawingml/2006/main" xmlns:r="http://schemas.openxmlformats.org/officeDocument/2006/relationships" xmlns:p="http://schemas.openxmlformats.org/presentationml/2006/main">
+  <p:cSld>
+    <p:bg>
+      <p:bgPr>
+        <a:solidFill>
+          <a:schemeClr val="bg1"/>
+        </a:solidFill>
+        <a:effectLst/>
+      </p:bgPr>
+    </p:bg>
+    <p:spTree>
+      <p:nvGrpSpPr>
+        <p:cNvPr id="1" name=""/>
+        <p:cNvGrpSpPr/>
+        <p:nvPr/>
+      </p:nvGrpSpPr>
+      <p:grpSpPr>
+        <a:xfrm>
+          <a:off x="0" y="0"/>
+          <a:ext cx="0" cy="0"/>
+          <a:chOff x="0" y="0"/>
+          <a:chExt cx="0" cy="0"/>
+        </a:xfrm>
+      </p:grpSpPr>
+      <p:sp useBgFill="1">
+        <p:nvSpPr>
+          <p:cNvPr id="17" name="Rectangle 16">
+            <a:extLst>
+              <a:ext uri="{FF2B5EF4-FFF2-40B4-BE49-F238E27FC236}">
+                <a16:creationId xmlns:a16="http://schemas.microsoft.com/office/drawing/2014/main" id="{3741B58E-3B65-4A01-A276-975AB2CF8A08}"/>
+              </a:ext>
+              <a:ext uri="{C183D7F6-B498-43B3-948B-1728B52AA6E4}">
+                <adec:decorative xmlns:adec="http://schemas.microsoft.com/office/drawing/2017/decorative" val="1"/>
+              </a:ext>
+            </a:extLst>
+          </p:cNvPr>
+          <p:cNvSpPr>
+            <a:spLocks noGrp="1" noRot="1" noChangeAspect="1" noMove="1" noResize="1" noEditPoints="1" noAdjustHandles="1" noChangeArrowheads="1" noChangeShapeType="1" noTextEdit="1"/>
+          </p:cNvSpPr>
+          <p:nvPr>
+            <p:extLst>
+              <p:ext uri="{386F3935-93C4-4BCD-93E2-E3B085C9AB24}">
+                <p16:designElem xmlns:p16="http://schemas.microsoft.com/office/powerpoint/2015/main" val="1"/>
+              </p:ext>
+            </p:extLst>
+          </p:nvPr>
+        </p:nvSpPr>
+        <p:spPr>
+          <a:xfrm>
+            <a:off x="0" y="0"/>
+            <a:ext cx="12186315" cy="6858000"/>
+          </a:xfrm>
+          <a:prstGeom prst="rect">
+            <a:avLst/>
+          </a:prstGeom>
+          <a:ln>
+            <a:noFill/>
+          </a:ln>
+        </p:spPr>
+        <p:style>
+          <a:lnRef idx="2">
+            <a:schemeClr val="accent6">
+              <a:shade val="50000"/>
+            </a:schemeClr>
+          </a:lnRef>
+          <a:fillRef idx="1001">
+            <a:schemeClr val="lt1"/>
+          </a:fillRef>
+          <a:effectRef idx="0">
+            <a:schemeClr val="accent6"/>
+          </a:effectRef>
+          <a:fontRef idx="minor">
+            <a:schemeClr val="lt1"/>
+          </a:fontRef>
+        </p:style>
+        <p:txBody>
+          <a:bodyPr rtlCol="0" anchor="ctr"/>
+          <a:lstStyle/>
+          <a:p>
+            <a:pPr algn="ctr"/>
+            <a:endParaRPr lang="en-US"/>
+          </a:p>
+        </p:txBody>
+      </p:sp>
+      <p:sp>
+        <p:nvSpPr>
+          <p:cNvPr id="19" name="Rectangle 18">
+            <a:extLst>
+              <a:ext uri="{FF2B5EF4-FFF2-40B4-BE49-F238E27FC236}">
+                <a16:creationId xmlns:a16="http://schemas.microsoft.com/office/drawing/2014/main" id="{7AAC67C3-831B-4AB1-A259-DFB839CAFAFC}"/>
+              </a:ext>
+              <a:ext uri="{C183D7F6-B498-43B3-948B-1728B52AA6E4}">
+                <adec:decorative xmlns:adec="http://schemas.microsoft.com/office/drawing/2017/decorative" val="1"/>
+              </a:ext>
+            </a:extLst>
+          </p:cNvPr>
+          <p:cNvSpPr>
+            <a:spLocks noGrp="1" noRot="1" noChangeAspect="1" noMove="1" noResize="1" noEditPoints="1" noAdjustHandles="1" noChangeArrowheads="1" noChangeShapeType="1" noTextEdit="1"/>
+          </p:cNvSpPr>
+          <p:nvPr>
+            <p:extLst>
+              <p:ext uri="{386F3935-93C4-4BCD-93E2-E3B085C9AB24}">
+                <p16:designElem xmlns:p16="http://schemas.microsoft.com/office/powerpoint/2015/main" val="1"/>
+              </p:ext>
+            </p:extLst>
+          </p:nvPr>
+        </p:nvSpPr>
+        <p:spPr>
+          <a:xfrm>
+            <a:off x="16" y="0"/>
+            <a:ext cx="4050791" cy="6858000"/>
+          </a:xfrm>
+          <a:prstGeom prst="rect">
+            <a:avLst/>
+          </a:prstGeom>
+          <a:solidFill>
+            <a:schemeClr val="accent2"/>
+          </a:solidFill>
+          <a:ln>
+            <a:noFill/>
+          </a:ln>
+        </p:spPr>
+        <p:style>
+          <a:lnRef idx="2">
+            <a:schemeClr val="accent1">
+              <a:shade val="50000"/>
+            </a:schemeClr>
+          </a:lnRef>
+          <a:fillRef idx="1">
+            <a:schemeClr val="accent1"/>
+          </a:fillRef>
+          <a:effectRef idx="0">
+            <a:schemeClr val="accent1"/>
+          </a:effectRef>
+          <a:fontRef idx="minor">
+            <a:schemeClr val="lt1"/>
+          </a:fontRef>
+        </p:style>
+      </p:sp>
+      <p:sp>
+        <p:nvSpPr>
+          <p:cNvPr id="2" name="Title 1">
+            <a:extLst>
+              <a:ext uri="{FF2B5EF4-FFF2-40B4-BE49-F238E27FC236}">
+                <a16:creationId xmlns:a16="http://schemas.microsoft.com/office/drawing/2014/main" id="{7F723D03-1B26-4028-8BD8-D6A03BBA792F}"/>
+              </a:ext>
+            </a:extLst>
+          </p:cNvPr>
+          <p:cNvSpPr>
+            <a:spLocks noGrp="1"/>
+          </p:cNvSpPr>
+          <p:nvPr>
+            <p:ph type="title"/>
+          </p:nvPr>
+        </p:nvSpPr>
+        <p:spPr>
+          <a:xfrm>
+            <a:off x="492370" y="605896"/>
+            <a:ext cx="3084844" cy="5646208"/>
+          </a:xfrm>
+        </p:spPr>
+        <p:txBody>
+          <a:bodyPr anchor="ctr">
+            <a:normAutofit/>
+          </a:bodyPr>
+          <a:lstStyle/>
+          <a:p>
+            <a:r>
+              <a:rPr lang="en-US" sz="3600" b="1" dirty="0">
+                <a:solidFill>
+                  <a:srgbClr val="FFFFFF"/>
+                </a:solidFill>
                 <a:latin typeface="Calibri Light"/>
                 <a:cs typeface="Calibri Light"/>
               </a:rPr>
@@ -17137,7 +19511,603 @@
 </p:sld>
 </file>
 
-<file path=ppt/slides/slide19.xml><?xml version="1.0" encoding="utf-8"?>
+<file path=ppt/slides/slide2.xml><?xml version="1.0" encoding="utf-8"?>
+<p:sld xmlns:a="http://schemas.openxmlformats.org/drawingml/2006/main" xmlns:r="http://schemas.openxmlformats.org/officeDocument/2006/relationships" xmlns:p="http://schemas.openxmlformats.org/presentationml/2006/main">
+  <p:cSld>
+    <p:bg>
+      <p:bgPr>
+        <a:solidFill>
+          <a:schemeClr val="bg1"/>
+        </a:solidFill>
+        <a:effectLst/>
+      </p:bgPr>
+    </p:bg>
+    <p:spTree>
+      <p:nvGrpSpPr>
+        <p:cNvPr id="1" name=""/>
+        <p:cNvGrpSpPr/>
+        <p:nvPr/>
+      </p:nvGrpSpPr>
+      <p:grpSpPr>
+        <a:xfrm>
+          <a:off x="0" y="0"/>
+          <a:ext cx="0" cy="0"/>
+          <a:chOff x="0" y="0"/>
+          <a:chExt cx="0" cy="0"/>
+        </a:xfrm>
+      </p:grpSpPr>
+      <p:sp useBgFill="1">
+        <p:nvSpPr>
+          <p:cNvPr id="7" name="Rectangle 9">
+            <a:extLst>
+              <a:ext uri="{FF2B5EF4-FFF2-40B4-BE49-F238E27FC236}">
+                <a16:creationId xmlns:a16="http://schemas.microsoft.com/office/drawing/2014/main" id="{C33BF9DD-8A45-4EEE-B231-0A14D322E5F9}"/>
+              </a:ext>
+              <a:ext uri="{C183D7F6-B498-43B3-948B-1728B52AA6E4}">
+                <adec:decorative xmlns:adec="http://schemas.microsoft.com/office/drawing/2017/decorative" val="1"/>
+              </a:ext>
+            </a:extLst>
+          </p:cNvPr>
+          <p:cNvSpPr>
+            <a:spLocks noGrp="1" noRot="1" noChangeAspect="1" noMove="1" noResize="1" noEditPoints="1" noAdjustHandles="1" noChangeArrowheads="1" noChangeShapeType="1" noTextEdit="1"/>
+          </p:cNvSpPr>
+          <p:nvPr>
+            <p:extLst>
+              <p:ext uri="{386F3935-93C4-4BCD-93E2-E3B085C9AB24}">
+                <p16:designElem xmlns:p16="http://schemas.microsoft.com/office/powerpoint/2015/main" val="1"/>
+              </p:ext>
+            </p:extLst>
+          </p:nvPr>
+        </p:nvSpPr>
+        <p:spPr>
+          <a:xfrm>
+            <a:off x="0" y="0"/>
+            <a:ext cx="12192001" cy="6334316"/>
+          </a:xfrm>
+          <a:prstGeom prst="rect">
+            <a:avLst/>
+          </a:prstGeom>
+          <a:ln>
+            <a:noFill/>
+          </a:ln>
+        </p:spPr>
+        <p:style>
+          <a:lnRef idx="2">
+            <a:schemeClr val="accent1">
+              <a:shade val="50000"/>
+            </a:schemeClr>
+          </a:lnRef>
+          <a:fillRef idx="1">
+            <a:schemeClr val="accent1"/>
+          </a:fillRef>
+          <a:effectRef idx="0">
+            <a:schemeClr val="accent1"/>
+          </a:effectRef>
+          <a:fontRef idx="minor">
+            <a:schemeClr val="lt1"/>
+          </a:fontRef>
+        </p:style>
+        <p:txBody>
+          <a:bodyPr rtlCol="0" anchor="ctr"/>
+          <a:lstStyle/>
+          <a:p>
+            <a:pPr algn="ctr"/>
+            <a:endParaRPr lang="en-US"/>
+          </a:p>
+        </p:txBody>
+      </p:sp>
+      <p:sp>
+        <p:nvSpPr>
+          <p:cNvPr id="2" name="Title 1">
+            <a:extLst>
+              <a:ext uri="{FF2B5EF4-FFF2-40B4-BE49-F238E27FC236}">
+                <a16:creationId xmlns:a16="http://schemas.microsoft.com/office/drawing/2014/main" id="{DA3FEEE5-8DD7-4FA8-8F55-3D9774200245}"/>
+              </a:ext>
+            </a:extLst>
+          </p:cNvPr>
+          <p:cNvSpPr>
+            <a:spLocks noGrp="1"/>
+          </p:cNvSpPr>
+          <p:nvPr>
+            <p:ph type="title"/>
+          </p:nvPr>
+        </p:nvSpPr>
+        <p:spPr>
+          <a:xfrm>
+            <a:off x="4974771" y="634946"/>
+            <a:ext cx="6574972" cy="1450757"/>
+          </a:xfrm>
+        </p:spPr>
+        <p:txBody>
+          <a:bodyPr vert="horz" lIns="91440" tIns="45720" rIns="91440" bIns="45720" rtlCol="0" anchor="b">
+            <a:normAutofit/>
+          </a:bodyPr>
+          <a:lstStyle/>
+          <a:p>
+            <a:r>
+              <a:rPr lang="en-US" b="1" dirty="0">
+                <a:cs typeface="Calibri Light"/>
+              </a:rPr>
+              <a:t>EQUIPE</a:t>
+            </a:r>
+          </a:p>
+        </p:txBody>
+      </p:sp>
+      <p:pic>
+        <p:nvPicPr>
+          <p:cNvPr id="5" name="Picture 5" descr="A close up of a sign&#10;&#10;Description automatically generated">
+            <a:extLst>
+              <a:ext uri="{FF2B5EF4-FFF2-40B4-BE49-F238E27FC236}">
+                <a16:creationId xmlns:a16="http://schemas.microsoft.com/office/drawing/2014/main" id="{286F54FC-12BB-4D3B-B32F-A494A174AFE8}"/>
+              </a:ext>
+            </a:extLst>
+          </p:cNvPr>
+          <p:cNvPicPr>
+            <a:picLocks noChangeAspect="1"/>
+          </p:cNvPicPr>
+          <p:nvPr/>
+        </p:nvPicPr>
+        <p:blipFill>
+          <a:blip r:embed="rId2"/>
+          <a:stretch>
+            <a:fillRect/>
+          </a:stretch>
+        </p:blipFill>
+        <p:spPr>
+          <a:xfrm>
+            <a:off x="633999" y="1296626"/>
+            <a:ext cx="4001315" cy="4001315"/>
+          </a:xfrm>
+          <a:prstGeom prst="rect">
+            <a:avLst/>
+          </a:prstGeom>
+        </p:spPr>
+      </p:pic>
+      <p:cxnSp>
+        <p:nvCxnSpPr>
+          <p:cNvPr id="8" name="Straight Connector 11">
+            <a:extLst>
+              <a:ext uri="{FF2B5EF4-FFF2-40B4-BE49-F238E27FC236}">
+                <a16:creationId xmlns:a16="http://schemas.microsoft.com/office/drawing/2014/main" id="{9020DCC9-F851-4562-BB20-1AB3C51BFD08}"/>
+              </a:ext>
+              <a:ext uri="{C183D7F6-B498-43B3-948B-1728B52AA6E4}">
+                <adec:decorative xmlns:adec="http://schemas.microsoft.com/office/drawing/2017/decorative" val="1"/>
+              </a:ext>
+            </a:extLst>
+          </p:cNvPr>
+          <p:cNvCxnSpPr>
+            <a:cxnSpLocks noGrp="1" noRot="1" noChangeAspect="1" noMove="1" noResize="1" noEditPoints="1" noAdjustHandles="1" noChangeArrowheads="1" noChangeShapeType="1"/>
+          </p:cNvCxnSpPr>
+          <p:nvPr>
+            <p:extLst>
+              <p:ext uri="{386F3935-93C4-4BCD-93E2-E3B085C9AB24}">
+                <p16:designElem xmlns:p16="http://schemas.microsoft.com/office/powerpoint/2015/main" val="1"/>
+              </p:ext>
+            </p:extLst>
+          </p:nvPr>
+        </p:nvCxnSpPr>
+        <p:spPr>
+          <a:xfrm>
+            <a:off x="4974770" y="2086188"/>
+            <a:ext cx="6089768" cy="0"/>
+          </a:xfrm>
+          <a:prstGeom prst="line">
+            <a:avLst/>
+          </a:prstGeom>
+          <a:ln w="6350">
+            <a:solidFill>
+              <a:schemeClr val="tx1">
+                <a:lumMod val="50000"/>
+                <a:lumOff val="50000"/>
+                <a:alpha val="90000"/>
+              </a:schemeClr>
+            </a:solidFill>
+          </a:ln>
+        </p:spPr>
+        <p:style>
+          <a:lnRef idx="1">
+            <a:schemeClr val="accent1"/>
+          </a:lnRef>
+          <a:fillRef idx="0">
+            <a:schemeClr val="accent1"/>
+          </a:fillRef>
+          <a:effectRef idx="0">
+            <a:schemeClr val="accent1"/>
+          </a:effectRef>
+          <a:fontRef idx="minor">
+            <a:schemeClr val="tx1"/>
+          </a:fontRef>
+        </p:style>
+      </p:cxnSp>
+      <p:sp>
+        <p:nvSpPr>
+          <p:cNvPr id="4" name="TextBox 3">
+            <a:extLst>
+              <a:ext uri="{FF2B5EF4-FFF2-40B4-BE49-F238E27FC236}">
+                <a16:creationId xmlns:a16="http://schemas.microsoft.com/office/drawing/2014/main" id="{2E0B1669-140D-4502-A4ED-F9342694E4FB}"/>
+              </a:ext>
+            </a:extLst>
+          </p:cNvPr>
+          <p:cNvSpPr txBox="1"/>
+          <p:nvPr/>
+        </p:nvSpPr>
+        <p:spPr>
+          <a:xfrm>
+            <a:off x="4974769" y="2198914"/>
+            <a:ext cx="6574973" cy="3670180"/>
+          </a:xfrm>
+          <a:prstGeom prst="rect">
+            <a:avLst/>
+          </a:prstGeom>
+        </p:spPr>
+        <p:txBody>
+          <a:bodyPr rot="0" spcFirstLastPara="0" vertOverflow="overflow" horzOverflow="overflow" vert="horz" lIns="0" tIns="45720" rIns="0" bIns="45720" numCol="1" spcCol="0" rtlCol="0" fromWordArt="0" anchorCtr="0" forceAA="0" compatLnSpc="1">
+            <a:prstTxWarp prst="textNoShape">
+              <a:avLst/>
+            </a:prstTxWarp>
+            <a:normAutofit/>
+          </a:bodyPr>
+          <a:lstStyle/>
+          <a:p>
+            <a:pPr marL="285750" indent="-285750">
+              <a:lnSpc>
+                <a:spcPct val="90000"/>
+              </a:lnSpc>
+              <a:spcBef>
+                <a:spcPct val="20000"/>
+              </a:spcBef>
+              <a:spcAft>
+                <a:spcPts val="600"/>
+              </a:spcAft>
+              <a:buClr>
+                <a:schemeClr val="accent1"/>
+              </a:buClr>
+              <a:buSzPct val="80000"/>
+              <a:buFont typeface="Calibri" panose="020F0502020204030204" pitchFamily="34" charset="0"/>
+              <a:buChar char=""/>
+            </a:pPr>
+            <a:r>
+              <a:rPr lang="en-US" dirty="0">
+                <a:solidFill>
+                  <a:schemeClr val="tx1">
+                    <a:lumMod val="75000"/>
+                    <a:lumOff val="25000"/>
+                  </a:schemeClr>
+                </a:solidFill>
+              </a:rPr>
+              <a:t>Guilherme Alves Ferreira</a:t>
+            </a:r>
+          </a:p>
+          <a:p>
+            <a:pPr marL="285750" indent="-285750">
+              <a:lnSpc>
+                <a:spcPct val="90000"/>
+              </a:lnSpc>
+              <a:spcBef>
+                <a:spcPct val="20000"/>
+              </a:spcBef>
+              <a:spcAft>
+                <a:spcPts val="600"/>
+              </a:spcAft>
+              <a:buClr>
+                <a:schemeClr val="accent1"/>
+              </a:buClr>
+              <a:buSzPct val="80000"/>
+              <a:buFont typeface="Calibri" panose="020F0502020204030204" pitchFamily="34" charset="0"/>
+              <a:buChar char=""/>
+            </a:pPr>
+            <a:r>
+              <a:rPr lang="en-US" dirty="0">
+                <a:solidFill>
+                  <a:schemeClr val="tx1">
+                    <a:lumMod val="75000"/>
+                    <a:lumOff val="25000"/>
+                  </a:schemeClr>
+                </a:solidFill>
+              </a:rPr>
+              <a:t>Isabella Oliveira Lima</a:t>
+            </a:r>
+          </a:p>
+          <a:p>
+            <a:pPr marL="285750" indent="-285750">
+              <a:lnSpc>
+                <a:spcPct val="90000"/>
+              </a:lnSpc>
+              <a:spcBef>
+                <a:spcPct val="20000"/>
+              </a:spcBef>
+              <a:spcAft>
+                <a:spcPts val="600"/>
+              </a:spcAft>
+              <a:buClr>
+                <a:schemeClr val="accent1"/>
+              </a:buClr>
+              <a:buSzPct val="80000"/>
+              <a:buFont typeface="Calibri" panose="020F0502020204030204" pitchFamily="34" charset="0"/>
+              <a:buChar char=""/>
+            </a:pPr>
+            <a:r>
+              <a:rPr lang="en-US" dirty="0">
+                <a:solidFill>
+                  <a:schemeClr val="tx1">
+                    <a:lumMod val="75000"/>
+                    <a:lumOff val="25000"/>
+                  </a:schemeClr>
+                </a:solidFill>
+              </a:rPr>
+              <a:t>Karina </a:t>
+            </a:r>
+            <a:r>
+              <a:rPr lang="en-US" dirty="0" err="1">
+                <a:solidFill>
+                  <a:schemeClr val="tx1">
+                    <a:lumMod val="75000"/>
+                    <a:lumOff val="25000"/>
+                  </a:schemeClr>
+                </a:solidFill>
+              </a:rPr>
+              <a:t>Wakassuqui</a:t>
+            </a:r>
+            <a:endParaRPr lang="en-US" dirty="0">
+              <a:solidFill>
+                <a:schemeClr val="tx1">
+                  <a:lumMod val="75000"/>
+                  <a:lumOff val="25000"/>
+                </a:schemeClr>
+              </a:solidFill>
+            </a:endParaRPr>
+          </a:p>
+          <a:p>
+            <a:pPr marL="285750" indent="-285750">
+              <a:lnSpc>
+                <a:spcPct val="90000"/>
+              </a:lnSpc>
+              <a:spcBef>
+                <a:spcPct val="20000"/>
+              </a:spcBef>
+              <a:spcAft>
+                <a:spcPts val="600"/>
+              </a:spcAft>
+              <a:buClr>
+                <a:schemeClr val="accent1"/>
+              </a:buClr>
+              <a:buSzPct val="80000"/>
+              <a:buFont typeface="Calibri" panose="020F0502020204030204" pitchFamily="34" charset="0"/>
+              <a:buChar char=""/>
+            </a:pPr>
+            <a:r>
+              <a:rPr lang="en-US" dirty="0">
+                <a:solidFill>
+                  <a:schemeClr val="tx1">
+                    <a:lumMod val="75000"/>
+                    <a:lumOff val="25000"/>
+                  </a:schemeClr>
+                </a:solidFill>
+              </a:rPr>
+              <a:t>Luiza Vitória Antunes </a:t>
+            </a:r>
+            <a:r>
+              <a:rPr lang="en-US" dirty="0" err="1">
+                <a:solidFill>
+                  <a:schemeClr val="tx1">
+                    <a:lumMod val="75000"/>
+                    <a:lumOff val="25000"/>
+                  </a:schemeClr>
+                </a:solidFill>
+              </a:rPr>
+              <a:t>Mazo</a:t>
+            </a:r>
+            <a:endParaRPr lang="en-US" dirty="0">
+              <a:solidFill>
+                <a:schemeClr val="tx1">
+                  <a:lumMod val="75000"/>
+                  <a:lumOff val="25000"/>
+                </a:schemeClr>
+              </a:solidFill>
+            </a:endParaRPr>
+          </a:p>
+          <a:p>
+            <a:pPr marL="285750" indent="-285750">
+              <a:lnSpc>
+                <a:spcPct val="90000"/>
+              </a:lnSpc>
+              <a:spcBef>
+                <a:spcPct val="20000"/>
+              </a:spcBef>
+              <a:spcAft>
+                <a:spcPts val="600"/>
+              </a:spcAft>
+              <a:buClr>
+                <a:schemeClr val="accent1"/>
+              </a:buClr>
+              <a:buSzPct val="80000"/>
+              <a:buFont typeface="Calibri" panose="020F0502020204030204" pitchFamily="34" charset="0"/>
+              <a:buChar char=""/>
+            </a:pPr>
+            <a:r>
+              <a:rPr lang="en-US" dirty="0">
+                <a:solidFill>
+                  <a:schemeClr val="tx1">
+                    <a:lumMod val="75000"/>
+                    <a:lumOff val="25000"/>
+                  </a:schemeClr>
+                </a:solidFill>
+              </a:rPr>
+              <a:t>Vinicius Silva da </a:t>
+            </a:r>
+            <a:r>
+              <a:rPr lang="en-US" dirty="0" err="1">
+                <a:solidFill>
+                  <a:schemeClr val="tx1">
+                    <a:lumMod val="75000"/>
+                    <a:lumOff val="25000"/>
+                  </a:schemeClr>
+                </a:solidFill>
+              </a:rPr>
+              <a:t>Conceição</a:t>
+            </a:r>
+            <a:endParaRPr lang="en-US" dirty="0">
+              <a:solidFill>
+                <a:schemeClr val="tx1">
+                  <a:lumMod val="75000"/>
+                  <a:lumOff val="25000"/>
+                </a:schemeClr>
+              </a:solidFill>
+            </a:endParaRPr>
+          </a:p>
+          <a:p>
+            <a:pPr marL="285750" indent="-285750">
+              <a:lnSpc>
+                <a:spcPct val="90000"/>
+              </a:lnSpc>
+              <a:spcBef>
+                <a:spcPct val="20000"/>
+              </a:spcBef>
+              <a:spcAft>
+                <a:spcPts val="600"/>
+              </a:spcAft>
+              <a:buClr>
+                <a:schemeClr val="accent1"/>
+              </a:buClr>
+              <a:buSzPct val="80000"/>
+              <a:buFont typeface="Calibri" panose="020F0502020204030204" pitchFamily="34" charset="0"/>
+              <a:buChar char=""/>
+            </a:pPr>
+            <a:endParaRPr lang="en-US" dirty="0">
+              <a:solidFill>
+                <a:schemeClr val="tx1">
+                  <a:lumMod val="75000"/>
+                  <a:lumOff val="25000"/>
+                </a:schemeClr>
+              </a:solidFill>
+            </a:endParaRPr>
+          </a:p>
+        </p:txBody>
+      </p:sp>
+      <p:sp>
+        <p:nvSpPr>
+          <p:cNvPr id="14" name="Rectangle 13">
+            <a:extLst>
+              <a:ext uri="{FF2B5EF4-FFF2-40B4-BE49-F238E27FC236}">
+                <a16:creationId xmlns:a16="http://schemas.microsoft.com/office/drawing/2014/main" id="{D5FBCAC9-BD8B-4F3B-AD74-EF37D4211349}"/>
+              </a:ext>
+              <a:ext uri="{C183D7F6-B498-43B3-948B-1728B52AA6E4}">
+                <adec:decorative xmlns:adec="http://schemas.microsoft.com/office/drawing/2017/decorative" val="1"/>
+              </a:ext>
+            </a:extLst>
+          </p:cNvPr>
+          <p:cNvSpPr>
+            <a:spLocks noGrp="1" noRot="1" noChangeAspect="1" noMove="1" noResize="1" noEditPoints="1" noAdjustHandles="1" noChangeArrowheads="1" noChangeShapeType="1" noTextEdit="1"/>
+          </p:cNvSpPr>
+          <p:nvPr>
+            <p:extLst>
+              <p:ext uri="{386F3935-93C4-4BCD-93E2-E3B085C9AB24}">
+                <p16:designElem xmlns:p16="http://schemas.microsoft.com/office/powerpoint/2015/main" val="1"/>
+              </p:ext>
+            </p:extLst>
+          </p:nvPr>
+        </p:nvSpPr>
+        <p:spPr>
+          <a:xfrm>
+            <a:off x="15" y="6334316"/>
+            <a:ext cx="12191985" cy="66484"/>
+          </a:xfrm>
+          <a:prstGeom prst="rect">
+            <a:avLst/>
+          </a:prstGeom>
+          <a:solidFill>
+            <a:schemeClr val="accent1"/>
+          </a:solidFill>
+          <a:ln>
+            <a:noFill/>
+          </a:ln>
+        </p:spPr>
+        <p:style>
+          <a:lnRef idx="2">
+            <a:schemeClr val="accent1">
+              <a:shade val="50000"/>
+            </a:schemeClr>
+          </a:lnRef>
+          <a:fillRef idx="1">
+            <a:schemeClr val="accent1"/>
+          </a:fillRef>
+          <a:effectRef idx="0">
+            <a:schemeClr val="accent1"/>
+          </a:effectRef>
+          <a:fontRef idx="minor">
+            <a:schemeClr val="lt1"/>
+          </a:fontRef>
+        </p:style>
+      </p:sp>
+      <p:sp>
+        <p:nvSpPr>
+          <p:cNvPr id="16" name="Rectangle 15">
+            <a:extLst>
+              <a:ext uri="{FF2B5EF4-FFF2-40B4-BE49-F238E27FC236}">
+                <a16:creationId xmlns:a16="http://schemas.microsoft.com/office/drawing/2014/main" id="{9556C5A8-AD7E-4CE7-87BE-9EA3B5E1786F}"/>
+              </a:ext>
+              <a:ext uri="{C183D7F6-B498-43B3-948B-1728B52AA6E4}">
+                <adec:decorative xmlns:adec="http://schemas.microsoft.com/office/drawing/2017/decorative" val="1"/>
+              </a:ext>
+            </a:extLst>
+          </p:cNvPr>
+          <p:cNvSpPr>
+            <a:spLocks noGrp="1" noRot="1" noChangeAspect="1" noMove="1" noResize="1" noEditPoints="1" noAdjustHandles="1" noChangeArrowheads="1" noChangeShapeType="1" noTextEdit="1"/>
+          </p:cNvSpPr>
+          <p:nvPr>
+            <p:extLst>
+              <p:ext uri="{386F3935-93C4-4BCD-93E2-E3B085C9AB24}">
+                <p16:designElem xmlns:p16="http://schemas.microsoft.com/office/powerpoint/2015/main" val="1"/>
+              </p:ext>
+            </p:extLst>
+          </p:nvPr>
+        </p:nvSpPr>
+        <p:spPr>
+          <a:xfrm>
+            <a:off x="1" y="6400800"/>
+            <a:ext cx="12192000" cy="457200"/>
+          </a:xfrm>
+          <a:prstGeom prst="rect">
+            <a:avLst/>
+          </a:prstGeom>
+          <a:solidFill>
+            <a:schemeClr val="accent2"/>
+          </a:solidFill>
+          <a:ln>
+            <a:noFill/>
+          </a:ln>
+        </p:spPr>
+        <p:style>
+          <a:lnRef idx="2">
+            <a:schemeClr val="accent1">
+              <a:shade val="50000"/>
+            </a:schemeClr>
+          </a:lnRef>
+          <a:fillRef idx="1">
+            <a:schemeClr val="accent1"/>
+          </a:fillRef>
+          <a:effectRef idx="0">
+            <a:schemeClr val="accent1"/>
+          </a:effectRef>
+          <a:fontRef idx="minor">
+            <a:schemeClr val="lt1"/>
+          </a:fontRef>
+        </p:style>
+      </p:sp>
+    </p:spTree>
+    <p:extLst>
+      <p:ext uri="{BB962C8B-B14F-4D97-AF65-F5344CB8AC3E}">
+        <p14:creationId xmlns:p14="http://schemas.microsoft.com/office/powerpoint/2010/main" val="3517013918"/>
+      </p:ext>
+    </p:extLst>
+  </p:cSld>
+  <p:clrMapOvr>
+    <a:masterClrMapping/>
+  </p:clrMapOvr>
+</p:sld>
+</file>
+
+<file path=ppt/slides/slide20.xml><?xml version="1.0" encoding="utf-8"?>
 <p:sld xmlns:a="http://schemas.openxmlformats.org/drawingml/2006/main" xmlns:r="http://schemas.openxmlformats.org/officeDocument/2006/relationships" xmlns:p="http://schemas.openxmlformats.org/presentationml/2006/main">
   <p:cSld>
     <p:bg>
@@ -17599,519 +20569,7 @@
 </p:sld>
 </file>
 
-<file path=ppt/slides/slide2.xml><?xml version="1.0" encoding="utf-8"?>
-<p:sld xmlns:a="http://schemas.openxmlformats.org/drawingml/2006/main" xmlns:r="http://schemas.openxmlformats.org/officeDocument/2006/relationships" xmlns:p="http://schemas.openxmlformats.org/presentationml/2006/main">
-  <p:cSld>
-    <p:bg>
-      <p:bgPr>
-        <a:solidFill>
-          <a:schemeClr val="bg1"/>
-        </a:solidFill>
-        <a:effectLst/>
-      </p:bgPr>
-    </p:bg>
-    <p:spTree>
-      <p:nvGrpSpPr>
-        <p:cNvPr id="1" name=""/>
-        <p:cNvGrpSpPr/>
-        <p:nvPr/>
-      </p:nvGrpSpPr>
-      <p:grpSpPr>
-        <a:xfrm>
-          <a:off x="0" y="0"/>
-          <a:ext cx="0" cy="0"/>
-          <a:chOff x="0" y="0"/>
-          <a:chExt cx="0" cy="0"/>
-        </a:xfrm>
-      </p:grpSpPr>
-      <p:sp useBgFill="1">
-        <p:nvSpPr>
-          <p:cNvPr id="7" name="Rectangle 9">
-            <a:extLst>
-              <a:ext uri="{FF2B5EF4-FFF2-40B4-BE49-F238E27FC236}">
-                <a16:creationId xmlns:a16="http://schemas.microsoft.com/office/drawing/2014/main" id="{C33BF9DD-8A45-4EEE-B231-0A14D322E5F9}"/>
-              </a:ext>
-              <a:ext uri="{C183D7F6-B498-43B3-948B-1728B52AA6E4}">
-                <adec:decorative xmlns:adec="http://schemas.microsoft.com/office/drawing/2017/decorative" val="1"/>
-              </a:ext>
-            </a:extLst>
-          </p:cNvPr>
-          <p:cNvSpPr>
-            <a:spLocks noGrp="1" noRot="1" noChangeAspect="1" noMove="1" noResize="1" noEditPoints="1" noAdjustHandles="1" noChangeArrowheads="1" noChangeShapeType="1" noTextEdit="1"/>
-          </p:cNvSpPr>
-          <p:nvPr>
-            <p:extLst>
-              <p:ext uri="{386F3935-93C4-4BCD-93E2-E3B085C9AB24}">
-                <p16:designElem xmlns:p16="http://schemas.microsoft.com/office/powerpoint/2015/main" val="1"/>
-              </p:ext>
-            </p:extLst>
-          </p:nvPr>
-        </p:nvSpPr>
-        <p:spPr>
-          <a:xfrm>
-            <a:off x="0" y="0"/>
-            <a:ext cx="12192001" cy="6334316"/>
-          </a:xfrm>
-          <a:prstGeom prst="rect">
-            <a:avLst/>
-          </a:prstGeom>
-          <a:ln>
-            <a:noFill/>
-          </a:ln>
-        </p:spPr>
-        <p:style>
-          <a:lnRef idx="2">
-            <a:schemeClr val="accent1">
-              <a:shade val="50000"/>
-            </a:schemeClr>
-          </a:lnRef>
-          <a:fillRef idx="1">
-            <a:schemeClr val="accent1"/>
-          </a:fillRef>
-          <a:effectRef idx="0">
-            <a:schemeClr val="accent1"/>
-          </a:effectRef>
-          <a:fontRef idx="minor">
-            <a:schemeClr val="lt1"/>
-          </a:fontRef>
-        </p:style>
-        <p:txBody>
-          <a:bodyPr rtlCol="0" anchor="ctr"/>
-          <a:lstStyle/>
-          <a:p>
-            <a:pPr algn="ctr"/>
-            <a:endParaRPr lang="en-US"/>
-          </a:p>
-        </p:txBody>
-      </p:sp>
-      <p:sp>
-        <p:nvSpPr>
-          <p:cNvPr id="2" name="Title 1">
-            <a:extLst>
-              <a:ext uri="{FF2B5EF4-FFF2-40B4-BE49-F238E27FC236}">
-                <a16:creationId xmlns:a16="http://schemas.microsoft.com/office/drawing/2014/main" id="{DA3FEEE5-8DD7-4FA8-8F55-3D9774200245}"/>
-              </a:ext>
-            </a:extLst>
-          </p:cNvPr>
-          <p:cNvSpPr>
-            <a:spLocks noGrp="1"/>
-          </p:cNvSpPr>
-          <p:nvPr>
-            <p:ph type="title"/>
-          </p:nvPr>
-        </p:nvSpPr>
-        <p:spPr>
-          <a:xfrm>
-            <a:off x="4974771" y="634946"/>
-            <a:ext cx="6574972" cy="1450757"/>
-          </a:xfrm>
-        </p:spPr>
-        <p:txBody>
-          <a:bodyPr vert="horz" lIns="91440" tIns="45720" rIns="91440" bIns="45720" rtlCol="0" anchor="b">
-            <a:normAutofit/>
-          </a:bodyPr>
-          <a:lstStyle/>
-          <a:p>
-            <a:r>
-              <a:rPr lang="en-US" b="1" dirty="0">
-                <a:cs typeface="Calibri Light"/>
-              </a:rPr>
-              <a:t>EQUIPE</a:t>
-            </a:r>
-          </a:p>
-        </p:txBody>
-      </p:sp>
-      <p:pic>
-        <p:nvPicPr>
-          <p:cNvPr id="5" name="Picture 5" descr="A close up of a sign&#10;&#10;Description automatically generated">
-            <a:extLst>
-              <a:ext uri="{FF2B5EF4-FFF2-40B4-BE49-F238E27FC236}">
-                <a16:creationId xmlns:a16="http://schemas.microsoft.com/office/drawing/2014/main" id="{286F54FC-12BB-4D3B-B32F-A494A174AFE8}"/>
-              </a:ext>
-            </a:extLst>
-          </p:cNvPr>
-          <p:cNvPicPr>
-            <a:picLocks noChangeAspect="1"/>
-          </p:cNvPicPr>
-          <p:nvPr/>
-        </p:nvPicPr>
-        <p:blipFill>
-          <a:blip r:embed="rId2"/>
-          <a:stretch>
-            <a:fillRect/>
-          </a:stretch>
-        </p:blipFill>
-        <p:spPr>
-          <a:xfrm>
-            <a:off x="633999" y="1296626"/>
-            <a:ext cx="4001315" cy="4001315"/>
-          </a:xfrm>
-          <a:prstGeom prst="rect">
-            <a:avLst/>
-          </a:prstGeom>
-        </p:spPr>
-      </p:pic>
-      <p:cxnSp>
-        <p:nvCxnSpPr>
-          <p:cNvPr id="8" name="Straight Connector 11">
-            <a:extLst>
-              <a:ext uri="{FF2B5EF4-FFF2-40B4-BE49-F238E27FC236}">
-                <a16:creationId xmlns:a16="http://schemas.microsoft.com/office/drawing/2014/main" id="{9020DCC9-F851-4562-BB20-1AB3C51BFD08}"/>
-              </a:ext>
-              <a:ext uri="{C183D7F6-B498-43B3-948B-1728B52AA6E4}">
-                <adec:decorative xmlns:adec="http://schemas.microsoft.com/office/drawing/2017/decorative" val="1"/>
-              </a:ext>
-            </a:extLst>
-          </p:cNvPr>
-          <p:cNvCxnSpPr>
-            <a:cxnSpLocks noGrp="1" noRot="1" noChangeAspect="1" noMove="1" noResize="1" noEditPoints="1" noAdjustHandles="1" noChangeArrowheads="1" noChangeShapeType="1"/>
-          </p:cNvCxnSpPr>
-          <p:nvPr>
-            <p:extLst>
-              <p:ext uri="{386F3935-93C4-4BCD-93E2-E3B085C9AB24}">
-                <p16:designElem xmlns:p16="http://schemas.microsoft.com/office/powerpoint/2015/main" val="1"/>
-              </p:ext>
-            </p:extLst>
-          </p:nvPr>
-        </p:nvCxnSpPr>
-        <p:spPr>
-          <a:xfrm>
-            <a:off x="4974770" y="2086188"/>
-            <a:ext cx="6089768" cy="0"/>
-          </a:xfrm>
-          <a:prstGeom prst="line">
-            <a:avLst/>
-          </a:prstGeom>
-          <a:ln w="6350">
-            <a:solidFill>
-              <a:schemeClr val="tx1">
-                <a:lumMod val="50000"/>
-                <a:lumOff val="50000"/>
-                <a:alpha val="90000"/>
-              </a:schemeClr>
-            </a:solidFill>
-          </a:ln>
-        </p:spPr>
-        <p:style>
-          <a:lnRef idx="1">
-            <a:schemeClr val="accent1"/>
-          </a:lnRef>
-          <a:fillRef idx="0">
-            <a:schemeClr val="accent1"/>
-          </a:fillRef>
-          <a:effectRef idx="0">
-            <a:schemeClr val="accent1"/>
-          </a:effectRef>
-          <a:fontRef idx="minor">
-            <a:schemeClr val="tx1"/>
-          </a:fontRef>
-        </p:style>
-      </p:cxnSp>
-      <p:sp>
-        <p:nvSpPr>
-          <p:cNvPr id="4" name="TextBox 3">
-            <a:extLst>
-              <a:ext uri="{FF2B5EF4-FFF2-40B4-BE49-F238E27FC236}">
-                <a16:creationId xmlns:a16="http://schemas.microsoft.com/office/drawing/2014/main" id="{2E0B1669-140D-4502-A4ED-F9342694E4FB}"/>
-              </a:ext>
-            </a:extLst>
-          </p:cNvPr>
-          <p:cNvSpPr txBox="1"/>
-          <p:nvPr/>
-        </p:nvSpPr>
-        <p:spPr>
-          <a:xfrm>
-            <a:off x="4974769" y="2198914"/>
-            <a:ext cx="6574973" cy="3670180"/>
-          </a:xfrm>
-          <a:prstGeom prst="rect">
-            <a:avLst/>
-          </a:prstGeom>
-        </p:spPr>
-        <p:txBody>
-          <a:bodyPr rot="0" spcFirstLastPara="0" vertOverflow="overflow" horzOverflow="overflow" vert="horz" lIns="0" tIns="45720" rIns="0" bIns="45720" numCol="1" spcCol="0" rtlCol="0" fromWordArt="0" anchorCtr="0" forceAA="0" compatLnSpc="1">
-            <a:prstTxWarp prst="textNoShape">
-              <a:avLst/>
-            </a:prstTxWarp>
-            <a:normAutofit/>
-          </a:bodyPr>
-          <a:lstStyle/>
-          <a:p>
-            <a:pPr marL="285750" indent="-285750">
-              <a:lnSpc>
-                <a:spcPct val="90000"/>
-              </a:lnSpc>
-              <a:spcBef>
-                <a:spcPct val="20000"/>
-              </a:spcBef>
-              <a:spcAft>
-                <a:spcPts val="600"/>
-              </a:spcAft>
-              <a:buClr>
-                <a:schemeClr val="accent1"/>
-              </a:buClr>
-              <a:buSzPct val="80000"/>
-              <a:buFont typeface="Calibri" panose="020F0502020204030204" pitchFamily="34" charset="0"/>
-              <a:buChar char=""/>
-            </a:pPr>
-            <a:r>
-              <a:rPr lang="en-US">
-                <a:solidFill>
-                  <a:schemeClr val="tx1">
-                    <a:lumMod val="75000"/>
-                    <a:lumOff val="25000"/>
-                  </a:schemeClr>
-                </a:solidFill>
-              </a:rPr>
-              <a:t>Guilherme Alves Ferreira</a:t>
-            </a:r>
-          </a:p>
-          <a:p>
-            <a:pPr marL="285750" indent="-285750">
-              <a:lnSpc>
-                <a:spcPct val="90000"/>
-              </a:lnSpc>
-              <a:spcBef>
-                <a:spcPct val="20000"/>
-              </a:spcBef>
-              <a:spcAft>
-                <a:spcPts val="600"/>
-              </a:spcAft>
-              <a:buClr>
-                <a:schemeClr val="accent1"/>
-              </a:buClr>
-              <a:buSzPct val="80000"/>
-              <a:buFont typeface="Calibri" panose="020F0502020204030204" pitchFamily="34" charset="0"/>
-              <a:buChar char=""/>
-            </a:pPr>
-            <a:r>
-              <a:rPr lang="en-US">
-                <a:solidFill>
-                  <a:schemeClr val="tx1">
-                    <a:lumMod val="75000"/>
-                    <a:lumOff val="25000"/>
-                  </a:schemeClr>
-                </a:solidFill>
-              </a:rPr>
-              <a:t>Isabella Oliveira Lima</a:t>
-            </a:r>
-          </a:p>
-          <a:p>
-            <a:pPr marL="285750" indent="-285750">
-              <a:lnSpc>
-                <a:spcPct val="90000"/>
-              </a:lnSpc>
-              <a:spcBef>
-                <a:spcPct val="20000"/>
-              </a:spcBef>
-              <a:spcAft>
-                <a:spcPts val="600"/>
-              </a:spcAft>
-              <a:buClr>
-                <a:schemeClr val="accent1"/>
-              </a:buClr>
-              <a:buSzPct val="80000"/>
-              <a:buFont typeface="Calibri" panose="020F0502020204030204" pitchFamily="34" charset="0"/>
-              <a:buChar char=""/>
-            </a:pPr>
-            <a:r>
-              <a:rPr lang="en-US">
-                <a:solidFill>
-                  <a:schemeClr val="tx1">
-                    <a:lumMod val="75000"/>
-                    <a:lumOff val="25000"/>
-                  </a:schemeClr>
-                </a:solidFill>
-              </a:rPr>
-              <a:t>Karina Wakassuqui</a:t>
-            </a:r>
-          </a:p>
-          <a:p>
-            <a:pPr marL="285750" indent="-285750">
-              <a:lnSpc>
-                <a:spcPct val="90000"/>
-              </a:lnSpc>
-              <a:spcBef>
-                <a:spcPct val="20000"/>
-              </a:spcBef>
-              <a:spcAft>
-                <a:spcPts val="600"/>
-              </a:spcAft>
-              <a:buClr>
-                <a:schemeClr val="accent1"/>
-              </a:buClr>
-              <a:buSzPct val="80000"/>
-              <a:buFont typeface="Calibri" panose="020F0502020204030204" pitchFamily="34" charset="0"/>
-              <a:buChar char=""/>
-            </a:pPr>
-            <a:r>
-              <a:rPr lang="en-US">
-                <a:solidFill>
-                  <a:schemeClr val="tx1">
-                    <a:lumMod val="75000"/>
-                    <a:lumOff val="25000"/>
-                  </a:schemeClr>
-                </a:solidFill>
-              </a:rPr>
-              <a:t>Vinicius Silva da Conceição</a:t>
-            </a:r>
-          </a:p>
-          <a:p>
-            <a:pPr marL="285750" indent="-285750">
-              <a:lnSpc>
-                <a:spcPct val="90000"/>
-              </a:lnSpc>
-              <a:spcBef>
-                <a:spcPct val="20000"/>
-              </a:spcBef>
-              <a:spcAft>
-                <a:spcPts val="600"/>
-              </a:spcAft>
-              <a:buClr>
-                <a:schemeClr val="accent1"/>
-              </a:buClr>
-              <a:buSzPct val="80000"/>
-              <a:buFont typeface="Calibri" panose="020F0502020204030204" pitchFamily="34" charset="0"/>
-              <a:buChar char=""/>
-            </a:pPr>
-            <a:r>
-              <a:rPr lang="en-US">
-                <a:solidFill>
-                  <a:schemeClr val="tx1">
-                    <a:lumMod val="75000"/>
-                    <a:lumOff val="25000"/>
-                  </a:schemeClr>
-                </a:solidFill>
-              </a:rPr>
-              <a:t>Luiza </a:t>
-            </a:r>
-          </a:p>
-        </p:txBody>
-      </p:sp>
-      <p:sp>
-        <p:nvSpPr>
-          <p:cNvPr id="14" name="Rectangle 13">
-            <a:extLst>
-              <a:ext uri="{FF2B5EF4-FFF2-40B4-BE49-F238E27FC236}">
-                <a16:creationId xmlns:a16="http://schemas.microsoft.com/office/drawing/2014/main" id="{D5FBCAC9-BD8B-4F3B-AD74-EF37D4211349}"/>
-              </a:ext>
-              <a:ext uri="{C183D7F6-B498-43B3-948B-1728B52AA6E4}">
-                <adec:decorative xmlns:adec="http://schemas.microsoft.com/office/drawing/2017/decorative" val="1"/>
-              </a:ext>
-            </a:extLst>
-          </p:cNvPr>
-          <p:cNvSpPr>
-            <a:spLocks noGrp="1" noRot="1" noChangeAspect="1" noMove="1" noResize="1" noEditPoints="1" noAdjustHandles="1" noChangeArrowheads="1" noChangeShapeType="1" noTextEdit="1"/>
-          </p:cNvSpPr>
-          <p:nvPr>
-            <p:extLst>
-              <p:ext uri="{386F3935-93C4-4BCD-93E2-E3B085C9AB24}">
-                <p16:designElem xmlns:p16="http://schemas.microsoft.com/office/powerpoint/2015/main" val="1"/>
-              </p:ext>
-            </p:extLst>
-          </p:nvPr>
-        </p:nvSpPr>
-        <p:spPr>
-          <a:xfrm>
-            <a:off x="15" y="6334316"/>
-            <a:ext cx="12191985" cy="66484"/>
-          </a:xfrm>
-          <a:prstGeom prst="rect">
-            <a:avLst/>
-          </a:prstGeom>
-          <a:solidFill>
-            <a:schemeClr val="accent1"/>
-          </a:solidFill>
-          <a:ln>
-            <a:noFill/>
-          </a:ln>
-        </p:spPr>
-        <p:style>
-          <a:lnRef idx="2">
-            <a:schemeClr val="accent1">
-              <a:shade val="50000"/>
-            </a:schemeClr>
-          </a:lnRef>
-          <a:fillRef idx="1">
-            <a:schemeClr val="accent1"/>
-          </a:fillRef>
-          <a:effectRef idx="0">
-            <a:schemeClr val="accent1"/>
-          </a:effectRef>
-          <a:fontRef idx="minor">
-            <a:schemeClr val="lt1"/>
-          </a:fontRef>
-        </p:style>
-      </p:sp>
-      <p:sp>
-        <p:nvSpPr>
-          <p:cNvPr id="16" name="Rectangle 15">
-            <a:extLst>
-              <a:ext uri="{FF2B5EF4-FFF2-40B4-BE49-F238E27FC236}">
-                <a16:creationId xmlns:a16="http://schemas.microsoft.com/office/drawing/2014/main" id="{9556C5A8-AD7E-4CE7-87BE-9EA3B5E1786F}"/>
-              </a:ext>
-              <a:ext uri="{C183D7F6-B498-43B3-948B-1728B52AA6E4}">
-                <adec:decorative xmlns:adec="http://schemas.microsoft.com/office/drawing/2017/decorative" val="1"/>
-              </a:ext>
-            </a:extLst>
-          </p:cNvPr>
-          <p:cNvSpPr>
-            <a:spLocks noGrp="1" noRot="1" noChangeAspect="1" noMove="1" noResize="1" noEditPoints="1" noAdjustHandles="1" noChangeArrowheads="1" noChangeShapeType="1" noTextEdit="1"/>
-          </p:cNvSpPr>
-          <p:nvPr>
-            <p:extLst>
-              <p:ext uri="{386F3935-93C4-4BCD-93E2-E3B085C9AB24}">
-                <p16:designElem xmlns:p16="http://schemas.microsoft.com/office/powerpoint/2015/main" val="1"/>
-              </p:ext>
-            </p:extLst>
-          </p:nvPr>
-        </p:nvSpPr>
-        <p:spPr>
-          <a:xfrm>
-            <a:off x="1" y="6400800"/>
-            <a:ext cx="12192000" cy="457200"/>
-          </a:xfrm>
-          <a:prstGeom prst="rect">
-            <a:avLst/>
-          </a:prstGeom>
-          <a:solidFill>
-            <a:schemeClr val="accent2"/>
-          </a:solidFill>
-          <a:ln>
-            <a:noFill/>
-          </a:ln>
-        </p:spPr>
-        <p:style>
-          <a:lnRef idx="2">
-            <a:schemeClr val="accent1">
-              <a:shade val="50000"/>
-            </a:schemeClr>
-          </a:lnRef>
-          <a:fillRef idx="1">
-            <a:schemeClr val="accent1"/>
-          </a:fillRef>
-          <a:effectRef idx="0">
-            <a:schemeClr val="accent1"/>
-          </a:effectRef>
-          <a:fontRef idx="minor">
-            <a:schemeClr val="lt1"/>
-          </a:fontRef>
-        </p:style>
-      </p:sp>
-    </p:spTree>
-    <p:extLst>
-      <p:ext uri="{BB962C8B-B14F-4D97-AF65-F5344CB8AC3E}">
-        <p14:creationId xmlns:p14="http://schemas.microsoft.com/office/powerpoint/2010/main" val="3517013918"/>
-      </p:ext>
-    </p:extLst>
-  </p:cSld>
-  <p:clrMapOvr>
-    <a:masterClrMapping/>
-  </p:clrMapOvr>
-</p:sld>
-</file>
-
-<file path=ppt/slides/slide20.xml><?xml version="1.0" encoding="utf-8"?>
+<file path=ppt/slides/slide21.xml><?xml version="1.0" encoding="utf-8"?>
 <p:sld xmlns:a="http://schemas.openxmlformats.org/drawingml/2006/main" xmlns:r="http://schemas.openxmlformats.org/officeDocument/2006/relationships" xmlns:p="http://schemas.openxmlformats.org/presentationml/2006/main">
   <p:cSld>
     <p:bg>
@@ -18383,8 +20841,9 @@
           </a:bodyPr>
           <a:lstStyle/>
           <a:p>
-            <a:r>
-              <a:rPr lang="en-US" sz="8000" b="1">
+            <a:pPr algn="ctr"/>
+            <a:r>
+              <a:rPr lang="en-US" sz="8000" b="1" dirty="0">
                 <a:solidFill>
                   <a:srgbClr val="FFFFFF"/>
                 </a:solidFill>
@@ -18571,7 +21030,7 @@
 </p:sld>
 </file>
 
-<file path=ppt/slides/slide21.xml><?xml version="1.0" encoding="utf-8"?>
+<file path=ppt/slides/slide22.xml><?xml version="1.0" encoding="utf-8"?>
 <p:sld xmlns:a="http://schemas.openxmlformats.org/drawingml/2006/main" xmlns:r="http://schemas.openxmlformats.org/officeDocument/2006/relationships" xmlns:p="http://schemas.openxmlformats.org/presentationml/2006/main">
   <p:cSld>
     <p:bg>
@@ -18843,8 +21302,9 @@
           </a:bodyPr>
           <a:lstStyle/>
           <a:p>
-            <a:r>
-              <a:rPr lang="en-US" sz="8000" b="1">
+            <a:pPr algn="ctr"/>
+            <a:r>
+              <a:rPr lang="en-US" sz="8000" b="1" dirty="0">
                 <a:solidFill>
                   <a:srgbClr val="FFFFFF"/>
                 </a:solidFill>
@@ -19031,7 +21491,7 @@
 </p:sld>
 </file>
 
-<file path=ppt/slides/slide22.xml><?xml version="1.0" encoding="utf-8"?>
+<file path=ppt/slides/slide23.xml><?xml version="1.0" encoding="utf-8"?>
 <p:sld xmlns:a="http://schemas.openxmlformats.org/drawingml/2006/main" xmlns:r="http://schemas.openxmlformats.org/officeDocument/2006/relationships" xmlns:p="http://schemas.openxmlformats.org/presentationml/2006/main">
   <p:cSld>
     <p:spTree>
@@ -19366,33 +21826,21 @@
               </a:rPr>
               <a:t>. </a:t>
             </a:r>
-            <a:endParaRPr lang="en-US"/>
+            <a:endParaRPr lang="en-US" dirty="0"/>
           </a:p>
           <a:p>
             <a:pPr algn="just"/>
             <a:r>
-              <a:rPr lang="en-US" sz="2400">
-                <a:cs typeface="Calibri"/>
-              </a:rPr>
-              <a:t>A </a:t>
-            </a:r>
-            <a:r>
-              <a:rPr lang="en-US" sz="2400" err="1">
-                <a:cs typeface="Calibri"/>
-              </a:rPr>
-              <a:t>nossa</a:t>
-            </a:r>
-            <a:r>
               <a:rPr lang="en-US" sz="2400" dirty="0">
                 <a:cs typeface="Calibri"/>
               </a:rPr>
-              <a:t> </a:t>
-            </a:r>
-            <a:r>
-              <a:rPr lang="en-US" sz="2400" err="1">
+              <a:t>A </a:t>
+            </a:r>
+            <a:r>
+              <a:rPr lang="en-US" sz="2400" dirty="0" err="1">
                 <a:cs typeface="Calibri"/>
               </a:rPr>
-              <a:t>solução</a:t>
+              <a:t>nossa</a:t>
             </a:r>
             <a:r>
               <a:rPr lang="en-US" sz="2400" dirty="0">
@@ -19401,10 +21849,10 @@
               <a:t> </a:t>
             </a:r>
             <a:r>
-              <a:rPr lang="en-US" sz="2400" err="1">
+              <a:rPr lang="en-US" sz="2400" dirty="0" err="1">
                 <a:cs typeface="Calibri"/>
               </a:rPr>
-              <a:t>foi</a:t>
+              <a:t>solução</a:t>
             </a:r>
             <a:r>
               <a:rPr lang="en-US" sz="2400" dirty="0">
@@ -19413,34 +21861,34 @@
               <a:t> </a:t>
             </a:r>
             <a:r>
-              <a:rPr lang="en-US" sz="2400" err="1">
+              <a:rPr lang="en-US" sz="2400" dirty="0" err="1">
                 <a:cs typeface="Calibri"/>
               </a:rPr>
-              <a:t>apreciado</a:t>
+              <a:t>foi</a:t>
             </a:r>
             <a:r>
               <a:rPr lang="en-US" sz="2400" dirty="0">
                 <a:cs typeface="Calibri"/>
               </a:rPr>
-              <a:t> e </a:t>
-            </a:r>
-            <a:r>
-              <a:rPr lang="en-US" sz="2400" err="1">
+              <a:t> </a:t>
+            </a:r>
+            <a:r>
+              <a:rPr lang="en-US" sz="2400" dirty="0" err="1">
                 <a:cs typeface="Calibri"/>
               </a:rPr>
-              <a:t>aprovado</a:t>
+              <a:t>apreciado</a:t>
             </a:r>
             <a:r>
               <a:rPr lang="en-US" sz="2400" dirty="0">
                 <a:cs typeface="Calibri"/>
               </a:rPr>
-              <a:t> </a:t>
-            </a:r>
-            <a:r>
-              <a:rPr lang="en-US" sz="2400" err="1">
+              <a:t> e </a:t>
+            </a:r>
+            <a:r>
+              <a:rPr lang="en-US" sz="2400" dirty="0" err="1">
                 <a:cs typeface="Calibri"/>
               </a:rPr>
-              <a:t>pelos</a:t>
+              <a:t>aprovado</a:t>
             </a:r>
             <a:r>
               <a:rPr lang="en-US" sz="2400" dirty="0">
@@ -19449,106 +21897,106 @@
               <a:t> </a:t>
             </a:r>
             <a:r>
-              <a:rPr lang="en-US" sz="2400" err="1">
+              <a:rPr lang="en-US" sz="2400" dirty="0" err="1">
                 <a:cs typeface="Calibri"/>
               </a:rPr>
-              <a:t>envolvidos</a:t>
+              <a:t>pelos</a:t>
             </a:r>
             <a:r>
               <a:rPr lang="en-US" sz="2400" dirty="0">
                 <a:cs typeface="Calibri"/>
               </a:rPr>
-              <a:t>, que </a:t>
-            </a:r>
-            <a:r>
-              <a:rPr lang="en-US" sz="2400" err="1">
+              <a:t> </a:t>
+            </a:r>
+            <a:r>
+              <a:rPr lang="en-US" sz="2400" dirty="0" err="1">
                 <a:cs typeface="Calibri"/>
               </a:rPr>
-              <a:t>ficaram</a:t>
+              <a:t>envolvidos</a:t>
             </a:r>
             <a:r>
               <a:rPr lang="en-US" sz="2400" dirty="0">
                 <a:cs typeface="Calibri"/>
               </a:rPr>
-              <a:t> </a:t>
-            </a:r>
-            <a:r>
-              <a:rPr lang="en-US" sz="2400" err="1">
+              <a:t>, que </a:t>
+            </a:r>
+            <a:r>
+              <a:rPr lang="en-US" sz="2400" dirty="0" err="1">
                 <a:cs typeface="Calibri"/>
               </a:rPr>
-              <a:t>entusiamados</a:t>
+              <a:t>ficaram</a:t>
             </a:r>
             <a:r>
               <a:rPr lang="en-US" sz="2400" dirty="0">
                 <a:cs typeface="Calibri"/>
               </a:rPr>
-              <a:t> </a:t>
-            </a:r>
-            <a:r>
-              <a:rPr lang="en-US" sz="2400" err="1">
+              <a:t> </a:t>
+            </a:r>
+            <a:r>
+              <a:rPr lang="en-US" sz="2400" dirty="0" err="1">
                 <a:cs typeface="Calibri"/>
               </a:rPr>
-              <a:t>sobre</a:t>
+              <a:t>entusiasmados</a:t>
             </a:r>
             <a:r>
               <a:rPr lang="en-US" sz="2400" dirty="0">
                 <a:cs typeface="Calibri"/>
               </a:rPr>
-              <a:t> </a:t>
-            </a:r>
-            <a:r>
-              <a:rPr lang="en-US" sz="2400" err="1">
+              <a:t> </a:t>
+            </a:r>
+            <a:r>
+              <a:rPr lang="en-US" sz="2400" dirty="0" err="1">
                 <a:cs typeface="Calibri"/>
               </a:rPr>
-              <a:t>como</a:t>
+              <a:t>sobre</a:t>
             </a:r>
             <a:r>
               <a:rPr lang="en-US" sz="2400" dirty="0">
                 <a:cs typeface="Calibri"/>
               </a:rPr>
-              <a:t> o </a:t>
-            </a:r>
-            <a:r>
-              <a:rPr lang="en-US" sz="2400" err="1">
+              <a:t> </a:t>
+            </a:r>
+            <a:r>
+              <a:rPr lang="en-US" sz="2400" dirty="0" err="1">
                 <a:cs typeface="Calibri"/>
               </a:rPr>
-              <a:t>sistema</a:t>
+              <a:t>como</a:t>
             </a:r>
             <a:r>
               <a:rPr lang="en-US" sz="2400" dirty="0">
                 <a:cs typeface="Calibri"/>
               </a:rPr>
-              <a:t> de </a:t>
-            </a:r>
-            <a:r>
-              <a:rPr lang="en-US" sz="2400" err="1">
+              <a:t> o </a:t>
+            </a:r>
+            <a:r>
+              <a:rPr lang="en-US" sz="2400" dirty="0" err="1">
                 <a:cs typeface="Calibri"/>
               </a:rPr>
-              <a:t>monitoramento</a:t>
+              <a:t>sistema</a:t>
             </a:r>
             <a:r>
               <a:rPr lang="en-US" sz="2400" dirty="0">
                 <a:cs typeface="Calibri"/>
               </a:rPr>
-              <a:t> e </a:t>
-            </a:r>
-            <a:r>
-              <a:rPr lang="en-US" sz="2400" err="1">
+              <a:t> de </a:t>
+            </a:r>
+            <a:r>
+              <a:rPr lang="en-US" sz="2400" dirty="0" err="1">
                 <a:cs typeface="Calibri"/>
               </a:rPr>
-              <a:t>atendimento</a:t>
+              <a:t>monitoramento</a:t>
             </a:r>
             <a:r>
               <a:rPr lang="en-US" sz="2400" dirty="0">
                 <a:cs typeface="Calibri"/>
               </a:rPr>
-              <a:t> </a:t>
-            </a:r>
-            <a:r>
-              <a:rPr lang="en-US" sz="2400" err="1">
+              <a:t> e </a:t>
+            </a:r>
+            <a:r>
+              <a:rPr lang="en-US" sz="2400" dirty="0" err="1">
                 <a:cs typeface="Calibri"/>
               </a:rPr>
-              <a:t>remoto</a:t>
+              <a:t>atendimento</a:t>
             </a:r>
             <a:r>
               <a:rPr lang="en-US" sz="2400" dirty="0">
@@ -19557,10 +22005,10 @@
               <a:t> </a:t>
             </a:r>
             <a:r>
-              <a:rPr lang="en-US" sz="2400" err="1">
+              <a:rPr lang="en-US" sz="2400" dirty="0" err="1">
                 <a:cs typeface="Calibri"/>
               </a:rPr>
-              <a:t>pode</a:t>
+              <a:t>remoto</a:t>
             </a:r>
             <a:r>
               <a:rPr lang="en-US" sz="2400" dirty="0">
@@ -19569,46 +22017,46 @@
               <a:t> </a:t>
             </a:r>
             <a:r>
-              <a:rPr lang="en-US" sz="2400" err="1">
+              <a:rPr lang="en-US" sz="2400" dirty="0" err="1">
                 <a:cs typeface="Calibri"/>
               </a:rPr>
-              <a:t>facilitar</a:t>
+              <a:t>pode</a:t>
             </a:r>
             <a:r>
               <a:rPr lang="en-US" sz="2400" dirty="0">
                 <a:cs typeface="Calibri"/>
               </a:rPr>
-              <a:t>, </a:t>
-            </a:r>
-            <a:r>
-              <a:rPr lang="en-US" sz="2400" err="1">
+              <a:t> </a:t>
+            </a:r>
+            <a:r>
+              <a:rPr lang="en-US" sz="2400" dirty="0" err="1">
                 <a:cs typeface="Calibri"/>
               </a:rPr>
-              <a:t>agilizar</a:t>
+              <a:t>facilitar</a:t>
             </a:r>
             <a:r>
               <a:rPr lang="en-US" sz="2400" dirty="0">
                 <a:cs typeface="Calibri"/>
               </a:rPr>
-              <a:t> e </a:t>
-            </a:r>
-            <a:r>
-              <a:rPr lang="en-US" sz="2400" err="1">
+              <a:t>, </a:t>
+            </a:r>
+            <a:r>
+              <a:rPr lang="en-US" sz="2400" dirty="0" err="1">
                 <a:cs typeface="Calibri"/>
               </a:rPr>
-              <a:t>minizar</a:t>
+              <a:t>agilizar</a:t>
             </a:r>
             <a:r>
               <a:rPr lang="en-US" sz="2400" dirty="0">
                 <a:cs typeface="Calibri"/>
               </a:rPr>
-              <a:t> </a:t>
-            </a:r>
-            <a:r>
-              <a:rPr lang="en-US" sz="2400" err="1">
+              <a:t> e </a:t>
+            </a:r>
+            <a:r>
+              <a:rPr lang="en-US" sz="2400" dirty="0" err="1">
                 <a:cs typeface="Calibri"/>
               </a:rPr>
-              <a:t>os</a:t>
+              <a:t>minizar</a:t>
             </a:r>
             <a:r>
               <a:rPr lang="en-US" sz="2400" dirty="0">
@@ -19617,46 +22065,46 @@
               <a:t> </a:t>
             </a:r>
             <a:r>
-              <a:rPr lang="en-US" sz="2400" err="1">
+              <a:rPr lang="en-US" sz="2400" dirty="0" err="1">
                 <a:cs typeface="Calibri"/>
               </a:rPr>
-              <a:t>problemas</a:t>
+              <a:t>os</a:t>
             </a:r>
             <a:r>
               <a:rPr lang="en-US" sz="2400" dirty="0">
                 <a:cs typeface="Calibri"/>
               </a:rPr>
-              <a:t> que as </a:t>
-            </a:r>
-            <a:r>
-              <a:rPr lang="en-US" sz="2400" err="1">
+              <a:t> </a:t>
+            </a:r>
+            <a:r>
+              <a:rPr lang="en-US" sz="2400" dirty="0" err="1">
                 <a:cs typeface="Calibri"/>
               </a:rPr>
-              <a:t>falhas</a:t>
+              <a:t>problemas</a:t>
             </a:r>
             <a:r>
               <a:rPr lang="en-US" sz="2400" dirty="0">
                 <a:cs typeface="Calibri"/>
               </a:rPr>
-              <a:t> da </a:t>
-            </a:r>
-            <a:r>
-              <a:rPr lang="en-US" sz="2400" err="1">
+              <a:t> que as </a:t>
+            </a:r>
+            <a:r>
+              <a:rPr lang="en-US" sz="2400" dirty="0" err="1">
                 <a:cs typeface="Calibri"/>
               </a:rPr>
-              <a:t>tecnologia</a:t>
+              <a:t>falhas</a:t>
             </a:r>
             <a:r>
               <a:rPr lang="en-US" sz="2400" dirty="0">
                 <a:cs typeface="Calibri"/>
               </a:rPr>
-              <a:t> </a:t>
-            </a:r>
-            <a:r>
-              <a:rPr lang="en-US" sz="2400" err="1">
+              <a:t> da </a:t>
+            </a:r>
+            <a:r>
+              <a:rPr lang="en-US" sz="2400" dirty="0" err="1">
                 <a:cs typeface="Calibri"/>
               </a:rPr>
-              <a:t>causam</a:t>
+              <a:t>tecnologia</a:t>
             </a:r>
             <a:r>
               <a:rPr lang="en-US" sz="2400" dirty="0">
@@ -19665,10 +22113,10 @@
               <a:t> </a:t>
             </a:r>
             <a:r>
-              <a:rPr lang="en-US" sz="2400" err="1">
+              <a:rPr lang="en-US" sz="2400" dirty="0" err="1">
                 <a:cs typeface="Calibri"/>
               </a:rPr>
-              <a:t>ao</a:t>
+              <a:t>causam</a:t>
             </a:r>
             <a:r>
               <a:rPr lang="en-US" sz="2400" dirty="0">
@@ -19677,34 +22125,34 @@
               <a:t> </a:t>
             </a:r>
             <a:r>
-              <a:rPr lang="en-US" sz="2400" err="1">
+              <a:rPr lang="en-US" sz="2400" dirty="0" err="1">
                 <a:cs typeface="Calibri"/>
               </a:rPr>
-              <a:t>rendimento</a:t>
+              <a:t>ao</a:t>
             </a:r>
             <a:r>
               <a:rPr lang="en-US" sz="2400" dirty="0">
                 <a:cs typeface="Calibri"/>
               </a:rPr>
-              <a:t> das aulas e dos </a:t>
-            </a:r>
-            <a:r>
-              <a:rPr lang="en-US" sz="2400" err="1">
+              <a:t> </a:t>
+            </a:r>
+            <a:r>
+              <a:rPr lang="en-US" sz="2400" dirty="0" err="1">
                 <a:cs typeface="Calibri"/>
               </a:rPr>
-              <a:t>seus</a:t>
+              <a:t>rendimento</a:t>
             </a:r>
             <a:r>
               <a:rPr lang="en-US" sz="2400" dirty="0">
                 <a:cs typeface="Calibri"/>
               </a:rPr>
-              <a:t> </a:t>
-            </a:r>
-            <a:r>
-              <a:rPr lang="en-US" sz="2400" err="1">
+              <a:t> das aulas e dos </a:t>
+            </a:r>
+            <a:r>
+              <a:rPr lang="en-US" sz="2400" dirty="0" err="1">
                 <a:cs typeface="Calibri"/>
               </a:rPr>
-              <a:t>principais</a:t>
+              <a:t>seus</a:t>
             </a:r>
             <a:r>
               <a:rPr lang="en-US" sz="2400" dirty="0">
@@ -19713,42 +22161,54 @@
               <a:t> </a:t>
             </a:r>
             <a:r>
-              <a:rPr lang="en-US" sz="2400" err="1">
+              <a:rPr lang="en-US" sz="2400" dirty="0" err="1">
                 <a:cs typeface="Calibri"/>
               </a:rPr>
-              <a:t>integrantes</a:t>
+              <a:t>principais</a:t>
             </a:r>
             <a:r>
               <a:rPr lang="en-US" sz="2400" dirty="0">
                 <a:cs typeface="Calibri"/>
               </a:rPr>
-              <a:t>, </a:t>
-            </a:r>
-            <a:r>
-              <a:rPr lang="en-US" sz="2400" err="1">
+              <a:t> </a:t>
+            </a:r>
+            <a:r>
+              <a:rPr lang="en-US" sz="2400" dirty="0" err="1">
                 <a:cs typeface="Calibri"/>
               </a:rPr>
-              <a:t>os</a:t>
+              <a:t>integrantes</a:t>
             </a:r>
             <a:r>
               <a:rPr lang="en-US" sz="2400" dirty="0">
                 <a:cs typeface="Calibri"/>
               </a:rPr>
-              <a:t> </a:t>
-            </a:r>
-            <a:r>
-              <a:rPr lang="en-US" sz="2400" err="1">
+              <a:t>, </a:t>
+            </a:r>
+            <a:r>
+              <a:rPr lang="en-US" sz="2400" dirty="0" err="1">
                 <a:cs typeface="Calibri"/>
               </a:rPr>
-              <a:t>alunos</a:t>
+              <a:t>os</a:t>
             </a:r>
             <a:r>
               <a:rPr lang="en-US" sz="2400" dirty="0">
                 <a:cs typeface="Calibri"/>
               </a:rPr>
+              <a:t> </a:t>
+            </a:r>
+            <a:r>
+              <a:rPr lang="en-US" sz="2400" dirty="0" err="1">
+                <a:cs typeface="Calibri"/>
+              </a:rPr>
+              <a:t>alunos</a:t>
+            </a:r>
+            <a:r>
+              <a:rPr lang="en-US" sz="2400" dirty="0">
+                <a:cs typeface="Calibri"/>
+              </a:rPr>
               <a:t>.</a:t>
             </a:r>
-            <a:endParaRPr lang="en-US"/>
+            <a:endParaRPr lang="en-US" dirty="0"/>
           </a:p>
         </p:txBody>
       </p:sp>

--- a/Apresentação Sprint 1.pptx
+++ b/Apresentação Sprint 1.pptx
@@ -27,7 +27,8 @@
     <p:sldId id="278" r:id="rId21"/>
     <p:sldId id="280" r:id="rId22"/>
     <p:sldId id="281" r:id="rId23"/>
-    <p:sldId id="282" r:id="rId24"/>
+    <p:sldId id="284" r:id="rId24"/>
+    <p:sldId id="282" r:id="rId25"/>
   </p:sldIdLst>
   <p:sldSz cx="12192000" cy="6858000"/>
   <p:notesSz cx="6858000" cy="9144000"/>
@@ -369,7 +370,7 @@
           <a:p>
             <a:fld id="{4BDF68E2-58F2-4D09-BE8B-E3BD06533059}" type="datetimeFigureOut">
               <a:rPr lang="en-US" dirty="0"/>
-              <a:t>9/14/2020</a:t>
+              <a:t>9/15/2020</a:t>
             </a:fld>
             <a:endParaRPr lang="en-US" dirty="0"/>
           </a:p>
@@ -575,7 +576,7 @@
           <a:p>
             <a:fld id="{2E2D6473-DF6D-4702-B328-E0DD40540A4E}" type="datetimeFigureOut">
               <a:rPr lang="en-US" dirty="0"/>
-              <a:t>9/14/2020</a:t>
+              <a:t>9/15/2020</a:t>
             </a:fld>
             <a:endParaRPr lang="en-US" dirty="0"/>
           </a:p>
@@ -829,7 +830,7 @@
           <a:p>
             <a:fld id="{E26F7E3A-B166-407D-9866-32884E7D5B37}" type="datetimeFigureOut">
               <a:rPr lang="en-US" dirty="0"/>
-              <a:t>9/14/2020</a:t>
+              <a:t>9/15/2020</a:t>
             </a:fld>
             <a:endParaRPr lang="en-US" dirty="0"/>
           </a:p>
@@ -1001,7 +1002,7 @@
           <a:p>
             <a:fld id="{528FC5F6-F338-4AE4-BB23-26385BCFC423}" type="datetimeFigureOut">
               <a:rPr lang="en-US" dirty="0"/>
-              <a:t>9/14/2020</a:t>
+              <a:t>9/15/2020</a:t>
             </a:fld>
             <a:endParaRPr lang="en-US" dirty="0"/>
           </a:p>
@@ -1343,7 +1344,7 @@
           <a:p>
             <a:fld id="{20EBB0C4-6273-4C6E-B9BD-2EDC30F1CD52}" type="datetimeFigureOut">
               <a:rPr lang="en-US" dirty="0"/>
-              <a:t>9/14/2020</a:t>
+              <a:t>9/15/2020</a:t>
             </a:fld>
             <a:endParaRPr lang="en-US" dirty="0"/>
           </a:p>
@@ -1615,7 +1616,7 @@
           <a:p>
             <a:fld id="{19AB4D41-86C1-4908-B66A-0B50CEB3BF29}" type="datetimeFigureOut">
               <a:rPr lang="en-US" dirty="0"/>
-              <a:t>9/14/2020</a:t>
+              <a:t>9/15/2020</a:t>
             </a:fld>
             <a:endParaRPr lang="en-US" dirty="0"/>
           </a:p>
@@ -1991,7 +1992,7 @@
           <a:p>
             <a:fld id="{E6426E2C-56C1-4E0D-A793-0088A7FDD37E}" type="datetimeFigureOut">
               <a:rPr lang="en-US" dirty="0"/>
-              <a:t>9/14/2020</a:t>
+              <a:t>9/15/2020</a:t>
             </a:fld>
             <a:endParaRPr lang="en-US" dirty="0"/>
           </a:p>
@@ -2108,7 +2109,7 @@
           <a:p>
             <a:fld id="{C8C39B41-D8B5-4052-B551-9B5525EAA8B6}" type="datetimeFigureOut">
               <a:rPr lang="en-US" dirty="0"/>
-              <a:t>9/14/2020</a:t>
+              <a:t>9/15/2020</a:t>
             </a:fld>
             <a:endParaRPr lang="en-US" dirty="0"/>
           </a:p>
@@ -2279,7 +2280,7 @@
           <a:p>
             <a:fld id="{4D94136C-8742-45B2-AF27-D93DF72833A9}" type="datetimeFigureOut">
               <a:rPr lang="en-US" dirty="0"/>
-              <a:t>9/14/2020</a:t>
+              <a:t>9/15/2020</a:t>
             </a:fld>
             <a:endParaRPr lang="en-US" dirty="0"/>
           </a:p>
@@ -2632,7 +2633,7 @@
           <a:p>
             <a:fld id="{32ABBEA6-7C60-4B02-AE87-00D78D8422AF}" type="datetimeFigureOut">
               <a:rPr lang="en-US" dirty="0"/>
-              <a:t>9/14/2020</a:t>
+              <a:t>9/15/2020</a:t>
             </a:fld>
             <a:endParaRPr lang="en-US" dirty="0"/>
           </a:p>
@@ -3010,7 +3011,7 @@
           <a:p>
             <a:fld id="{C9CAD897-D46E-4AD2-BD9B-49DD3E640873}" type="datetimeFigureOut">
               <a:rPr lang="en-US" dirty="0"/>
-              <a:t>9/14/2020</a:t>
+              <a:t>9/15/2020</a:t>
             </a:fld>
             <a:endParaRPr lang="en-US" dirty="0"/>
           </a:p>
@@ -3295,7 +3296,7 @@
           <a:p>
             <a:fld id="{98624D31-43A5-475A-80CF-332C9F6DCF35}" type="datetimeFigureOut">
               <a:rPr lang="en-US" dirty="0"/>
-              <a:t>9/14/2020</a:t>
+              <a:t>9/15/2020</a:t>
             </a:fld>
             <a:endParaRPr lang="en-US" dirty="0"/>
           </a:p>
@@ -3858,7 +3859,7 @@
         </p:nvSpPr>
         <p:spPr>
           <a:xfrm>
-            <a:off x="3491696" y="2490212"/>
+            <a:off x="3585738" y="2493105"/>
             <a:ext cx="5206056" cy="935895"/>
           </a:xfrm>
         </p:spPr>
@@ -3869,21 +3870,21 @@
           <a:lstStyle/>
           <a:p>
             <a:r>
-              <a:rPr lang="en-US" b="1" dirty="0">
+              <a:rPr lang="en-US" b="1" dirty="0" err="1">
                 <a:latin typeface="Avenir Next LT Pro Light"/>
               </a:rPr>
               <a:t>Super</a:t>
             </a:r>
             <a:r>
-              <a:rPr lang="en-US" b="1" dirty="0">
+              <a:rPr lang="en-US" b="1" dirty="0" err="1">
                 <a:solidFill>
                   <a:srgbClr val="EF441D"/>
                 </a:solidFill>
                 <a:latin typeface="Avenir Next LT Pro Light"/>
               </a:rPr>
-              <a:t>visor</a:t>
-            </a:r>
-            <a:endParaRPr lang="en-US" b="1">
+              <a:t>Visor</a:t>
+            </a:r>
+            <a:endParaRPr lang="en-US" b="1" dirty="0">
               <a:solidFill>
                 <a:srgbClr val="EF441D"/>
               </a:solidFill>
@@ -3955,10 +3956,10 @@
       </p:sp>
       <p:pic>
         <p:nvPicPr>
-          <p:cNvPr id="4" name="Picture 4" descr="A close up of text on a black background&#10;&#10;Description automatically generated">
+          <p:cNvPr id="5" name="Imagem 4" descr="Uma imagem contendo texto, screenshot&#10;&#10;Descrição gerada automaticamente">
             <a:extLst>
               <a:ext uri="{FF2B5EF4-FFF2-40B4-BE49-F238E27FC236}">
-                <a16:creationId xmlns:a16="http://schemas.microsoft.com/office/drawing/2014/main" id="{470D0430-0051-4A85-9B9A-696EDE54BB13}"/>
+                <a16:creationId xmlns:a16="http://schemas.microsoft.com/office/drawing/2014/main" id="{07A94D6C-8E04-468B-AB0A-76D4E9D9443B}"/>
               </a:ext>
             </a:extLst>
           </p:cNvPr>
@@ -3968,15 +3969,21 @@
           <p:nvPr/>
         </p:nvPicPr>
         <p:blipFill>
-          <a:blip r:embed="rId2"/>
+          <a:blip r:embed="rId2">
+            <a:extLst>
+              <a:ext uri="{28A0092B-C50C-407E-A947-70E740481C1C}">
+                <a14:useLocalDpi xmlns:a14="http://schemas.microsoft.com/office/drawing/2010/main" val="0"/>
+              </a:ext>
+            </a:extLst>
+          </a:blip>
           <a:stretch>
             <a:fillRect/>
           </a:stretch>
         </p:blipFill>
         <p:spPr>
           <a:xfrm>
-            <a:off x="1213413" y="2029321"/>
-            <a:ext cx="9678364" cy="3976119"/>
+            <a:off x="1813063" y="1816873"/>
+            <a:ext cx="8245337" cy="4509731"/>
           </a:xfrm>
           <a:prstGeom prst="rect">
             <a:avLst/>
@@ -4058,7 +4065,7 @@
         </p:nvSpPr>
         <p:spPr>
           <a:xfrm>
-            <a:off x="4567799" y="1863853"/>
+            <a:off x="4475692" y="2048965"/>
             <a:ext cx="3301575" cy="1751939"/>
           </a:xfrm>
           <a:custGeom>
@@ -4350,7 +4357,9 @@
             </a:pathLst>
           </a:custGeom>
           <a:solidFill>
-            <a:srgbClr val="509DB8"/>
+            <a:schemeClr val="bg2">
+              <a:lumMod val="10000"/>
+            </a:schemeClr>
           </a:solidFill>
           <a:ln>
             <a:gradFill>
@@ -4528,6 +4537,44 @@
             <a:r>
               <a:rPr lang="pt-BR" b="1" dirty="0">
                 <a:solidFill>
+                  <a:schemeClr val="accent1">
+                    <a:lumMod val="75000"/>
+                  </a:schemeClr>
+                </a:solidFill>
+                <a:latin typeface="Ink Free"/>
+                <a:cs typeface="Times New Roman"/>
+              </a:rPr>
+              <a:t>enquanto</a:t>
+            </a:r>
+            <a:r>
+              <a:rPr lang="pt-BR" b="1" dirty="0">
+                <a:latin typeface="Ink Free"/>
+                <a:cs typeface="Times New Roman"/>
+              </a:rPr>
+              <a:t> </a:t>
+            </a:r>
+            <a:r>
+              <a:rPr lang="pt-BR" dirty="0">
+                <a:latin typeface="Ink Free"/>
+                <a:cs typeface="Times New Roman"/>
+              </a:rPr>
+              <a:t>professor </a:t>
+            </a:r>
+            <a:r>
+              <a:rPr lang="pt-BR" b="1" dirty="0">
+                <a:solidFill>
+                  <a:schemeClr val="accent1">
+                    <a:lumMod val="75000"/>
+                  </a:schemeClr>
+                </a:solidFill>
+                <a:latin typeface="Ink Free"/>
+                <a:cs typeface="Times New Roman"/>
+              </a:rPr>
+              <a:t>quero</a:t>
+            </a:r>
+            <a:r>
+              <a:rPr lang="pt-BR" b="1" dirty="0">
+                <a:solidFill>
                   <a:schemeClr val="tx2">
                     <a:lumMod val="50000"/>
                   </a:schemeClr>
@@ -4535,13 +4582,6 @@
                 <a:latin typeface="Ink Free"/>
                 <a:cs typeface="Times New Roman"/>
               </a:rPr>
-              <a:t>enquanto</a:t>
-            </a:r>
-            <a:r>
-              <a:rPr lang="pt-BR" b="1" dirty="0">
-                <a:latin typeface="Ink Free"/>
-                <a:cs typeface="Times New Roman"/>
-              </a:rPr>
               <a:t> </a:t>
             </a:r>
             <a:r>
@@ -4549,10 +4589,20 @@
                 <a:latin typeface="Ink Free"/>
                 <a:cs typeface="Times New Roman"/>
               </a:rPr>
-              <a:t>professor </a:t>
-            </a:r>
-            <a:r>
-              <a:rPr lang="pt-BR" b="1" dirty="0">
+              <a:t>resolver o problema da minha máquina sem sair da </a:t>
+            </a:r>
+            <a:r>
+              <a:rPr lang="pt-BR" dirty="0">
+                <a:solidFill>
+                  <a:srgbClr val="FFFFFF"/>
+                </a:solidFill>
+                <a:latin typeface="Ink Free"/>
+                <a:cs typeface="Times New Roman"/>
+              </a:rPr>
+              <a:t>sala</a:t>
+            </a:r>
+            <a:r>
+              <a:rPr lang="pt-BR" dirty="0">
                 <a:solidFill>
                   <a:schemeClr val="tx2">
                     <a:lumMod val="50000"/>
@@ -4561,27 +4611,22 @@
                 <a:latin typeface="Ink Free"/>
                 <a:cs typeface="Times New Roman"/>
               </a:rPr>
-              <a:t>quero </a:t>
-            </a:r>
-            <a:r>
-              <a:rPr lang="pt-BR" dirty="0">
+              <a:t> </a:t>
+            </a:r>
+            <a:r>
+              <a:rPr lang="pt-BR" b="1" dirty="0">
+                <a:solidFill>
+                  <a:schemeClr val="accent1">
+                    <a:lumMod val="75000"/>
+                  </a:schemeClr>
+                </a:solidFill>
                 <a:latin typeface="Ink Free"/>
                 <a:cs typeface="Times New Roman"/>
               </a:rPr>
-              <a:t>resolver o problema da minha máquina sem sair da </a:t>
-            </a:r>
-            <a:r>
-              <a:rPr lang="pt-BR" dirty="0">
-                <a:solidFill>
-                  <a:srgbClr val="FFFFFF"/>
-                </a:solidFill>
-                <a:latin typeface="Ink Free"/>
-                <a:cs typeface="Times New Roman"/>
-              </a:rPr>
-              <a:t>sala</a:t>
-            </a:r>
-            <a:r>
-              <a:rPr lang="pt-BR" dirty="0">
+              <a:t>para que</a:t>
+            </a:r>
+            <a:r>
+              <a:rPr lang="pt-BR" b="1" dirty="0">
                 <a:solidFill>
                   <a:schemeClr val="tx2">
                     <a:lumMod val="50000"/>
@@ -4590,19 +4635,7 @@
                 <a:latin typeface="Ink Free"/>
                 <a:cs typeface="Times New Roman"/>
               </a:rPr>
-              <a:t> </a:t>
-            </a:r>
-            <a:r>
-              <a:rPr lang="pt-BR" b="1" dirty="0">
-                <a:solidFill>
-                  <a:schemeClr val="tx2">
-                    <a:lumMod val="50000"/>
-                  </a:schemeClr>
-                </a:solidFill>
-                <a:latin typeface="Ink Free"/>
-                <a:cs typeface="Times New Roman"/>
-              </a:rPr>
-              <a:t>para que </a:t>
+              <a:t> </a:t>
             </a:r>
             <a:r>
               <a:rPr lang="pt-BR" dirty="0">
@@ -4643,7 +4676,3280 @@
         </p:nvSpPr>
         <p:spPr>
           <a:xfrm>
-            <a:off x="236947" y="4261535"/>
+            <a:off x="356216" y="4263499"/>
+            <a:ext cx="3648816" cy="1726921"/>
+          </a:xfrm>
+          <a:custGeom>
+            <a:avLst/>
+            <a:gdLst>
+              <a:gd name="connsiteX0" fmla="*/ 0 w 3648816"/>
+              <a:gd name="connsiteY0" fmla="*/ 0 h 1726921"/>
+              <a:gd name="connsiteX1" fmla="*/ 448283 w 3648816"/>
+              <a:gd name="connsiteY1" fmla="*/ 0 h 1726921"/>
+              <a:gd name="connsiteX2" fmla="*/ 933054 w 3648816"/>
+              <a:gd name="connsiteY2" fmla="*/ 0 h 1726921"/>
+              <a:gd name="connsiteX3" fmla="*/ 1454314 w 3648816"/>
+              <a:gd name="connsiteY3" fmla="*/ 0 h 1726921"/>
+              <a:gd name="connsiteX4" fmla="*/ 1866109 w 3648816"/>
+              <a:gd name="connsiteY4" fmla="*/ 0 h 1726921"/>
+              <a:gd name="connsiteX5" fmla="*/ 2460345 w 3648816"/>
+              <a:gd name="connsiteY5" fmla="*/ 0 h 1726921"/>
+              <a:gd name="connsiteX6" fmla="*/ 2945116 w 3648816"/>
+              <a:gd name="connsiteY6" fmla="*/ 0 h 1726921"/>
+              <a:gd name="connsiteX7" fmla="*/ 3648816 w 3648816"/>
+              <a:gd name="connsiteY7" fmla="*/ 0 h 1726921"/>
+              <a:gd name="connsiteX8" fmla="*/ 3648816 w 3648816"/>
+              <a:gd name="connsiteY8" fmla="*/ 523833 h 1726921"/>
+              <a:gd name="connsiteX9" fmla="*/ 3648816 w 3648816"/>
+              <a:gd name="connsiteY9" fmla="*/ 1082204 h 1726921"/>
+              <a:gd name="connsiteX10" fmla="*/ 3648816 w 3648816"/>
+              <a:gd name="connsiteY10" fmla="*/ 1726921 h 1726921"/>
+              <a:gd name="connsiteX11" fmla="*/ 3054580 w 3648816"/>
+              <a:gd name="connsiteY11" fmla="*/ 1726921 h 1726921"/>
+              <a:gd name="connsiteX12" fmla="*/ 2496833 w 3648816"/>
+              <a:gd name="connsiteY12" fmla="*/ 1726921 h 1726921"/>
+              <a:gd name="connsiteX13" fmla="*/ 2085038 w 3648816"/>
+              <a:gd name="connsiteY13" fmla="*/ 1726921 h 1726921"/>
+              <a:gd name="connsiteX14" fmla="*/ 1563778 w 3648816"/>
+              <a:gd name="connsiteY14" fmla="*/ 1726921 h 1726921"/>
+              <a:gd name="connsiteX15" fmla="*/ 969543 w 3648816"/>
+              <a:gd name="connsiteY15" fmla="*/ 1726921 h 1726921"/>
+              <a:gd name="connsiteX16" fmla="*/ 0 w 3648816"/>
+              <a:gd name="connsiteY16" fmla="*/ 1726921 h 1726921"/>
+              <a:gd name="connsiteX17" fmla="*/ 0 w 3648816"/>
+              <a:gd name="connsiteY17" fmla="*/ 1203088 h 1726921"/>
+              <a:gd name="connsiteX18" fmla="*/ 0 w 3648816"/>
+              <a:gd name="connsiteY18" fmla="*/ 610179 h 1726921"/>
+              <a:gd name="connsiteX19" fmla="*/ 0 w 3648816"/>
+              <a:gd name="connsiteY19" fmla="*/ 0 h 1726921"/>
+            </a:gdLst>
+            <a:ahLst/>
+            <a:cxnLst>
+              <a:cxn ang="0">
+                <a:pos x="connsiteX0" y="connsiteY0"/>
+              </a:cxn>
+              <a:cxn ang="0">
+                <a:pos x="connsiteX1" y="connsiteY1"/>
+              </a:cxn>
+              <a:cxn ang="0">
+                <a:pos x="connsiteX2" y="connsiteY2"/>
+              </a:cxn>
+              <a:cxn ang="0">
+                <a:pos x="connsiteX3" y="connsiteY3"/>
+              </a:cxn>
+              <a:cxn ang="0">
+                <a:pos x="connsiteX4" y="connsiteY4"/>
+              </a:cxn>
+              <a:cxn ang="0">
+                <a:pos x="connsiteX5" y="connsiteY5"/>
+              </a:cxn>
+              <a:cxn ang="0">
+                <a:pos x="connsiteX6" y="connsiteY6"/>
+              </a:cxn>
+              <a:cxn ang="0">
+                <a:pos x="connsiteX7" y="connsiteY7"/>
+              </a:cxn>
+              <a:cxn ang="0">
+                <a:pos x="connsiteX8" y="connsiteY8"/>
+              </a:cxn>
+              <a:cxn ang="0">
+                <a:pos x="connsiteX9" y="connsiteY9"/>
+              </a:cxn>
+              <a:cxn ang="0">
+                <a:pos x="connsiteX10" y="connsiteY10"/>
+              </a:cxn>
+              <a:cxn ang="0">
+                <a:pos x="connsiteX11" y="connsiteY11"/>
+              </a:cxn>
+              <a:cxn ang="0">
+                <a:pos x="connsiteX12" y="connsiteY12"/>
+              </a:cxn>
+              <a:cxn ang="0">
+                <a:pos x="connsiteX13" y="connsiteY13"/>
+              </a:cxn>
+              <a:cxn ang="0">
+                <a:pos x="connsiteX14" y="connsiteY14"/>
+              </a:cxn>
+              <a:cxn ang="0">
+                <a:pos x="connsiteX15" y="connsiteY15"/>
+              </a:cxn>
+              <a:cxn ang="0">
+                <a:pos x="connsiteX16" y="connsiteY16"/>
+              </a:cxn>
+              <a:cxn ang="0">
+                <a:pos x="connsiteX17" y="connsiteY17"/>
+              </a:cxn>
+              <a:cxn ang="0">
+                <a:pos x="connsiteX18" y="connsiteY18"/>
+              </a:cxn>
+              <a:cxn ang="0">
+                <a:pos x="connsiteX19" y="connsiteY19"/>
+              </a:cxn>
+            </a:cxnLst>
+            <a:rect l="l" t="t" r="r" b="b"/>
+            <a:pathLst>
+              <a:path w="3648816" h="1726921" fill="none" extrusionOk="0">
+                <a:moveTo>
+                  <a:pt x="0" y="0"/>
+                </a:moveTo>
+                <a:cubicBezTo>
+                  <a:pt x="143772" y="-8488"/>
+                  <a:pt x="315425" y="30248"/>
+                  <a:pt x="448283" y="0"/>
+                </a:cubicBezTo>
+                <a:cubicBezTo>
+                  <a:pt x="581141" y="-30248"/>
+                  <a:pt x="728565" y="57360"/>
+                  <a:pt x="933054" y="0"/>
+                </a:cubicBezTo>
+                <a:cubicBezTo>
+                  <a:pt x="1137543" y="-57360"/>
+                  <a:pt x="1266203" y="29000"/>
+                  <a:pt x="1454314" y="0"/>
+                </a:cubicBezTo>
+                <a:cubicBezTo>
+                  <a:pt x="1642425" y="-29000"/>
+                  <a:pt x="1748015" y="18907"/>
+                  <a:pt x="1866109" y="0"/>
+                </a:cubicBezTo>
+                <a:cubicBezTo>
+                  <a:pt x="1984204" y="-18907"/>
+                  <a:pt x="2256500" y="7548"/>
+                  <a:pt x="2460345" y="0"/>
+                </a:cubicBezTo>
+                <a:cubicBezTo>
+                  <a:pt x="2664190" y="-7548"/>
+                  <a:pt x="2743351" y="7997"/>
+                  <a:pt x="2945116" y="0"/>
+                </a:cubicBezTo>
+                <a:cubicBezTo>
+                  <a:pt x="3146881" y="-7997"/>
+                  <a:pt x="3382175" y="27242"/>
+                  <a:pt x="3648816" y="0"/>
+                </a:cubicBezTo>
+                <a:cubicBezTo>
+                  <a:pt x="3680642" y="220521"/>
+                  <a:pt x="3616766" y="418828"/>
+                  <a:pt x="3648816" y="523833"/>
+                </a:cubicBezTo>
+                <a:cubicBezTo>
+                  <a:pt x="3680866" y="628838"/>
+                  <a:pt x="3628123" y="944644"/>
+                  <a:pt x="3648816" y="1082204"/>
+                </a:cubicBezTo>
+                <a:cubicBezTo>
+                  <a:pt x="3669509" y="1219764"/>
+                  <a:pt x="3631450" y="1432237"/>
+                  <a:pt x="3648816" y="1726921"/>
+                </a:cubicBezTo>
+                <a:cubicBezTo>
+                  <a:pt x="3490333" y="1760609"/>
+                  <a:pt x="3332917" y="1719350"/>
+                  <a:pt x="3054580" y="1726921"/>
+                </a:cubicBezTo>
+                <a:cubicBezTo>
+                  <a:pt x="2776243" y="1734492"/>
+                  <a:pt x="2712780" y="1665113"/>
+                  <a:pt x="2496833" y="1726921"/>
+                </a:cubicBezTo>
+                <a:cubicBezTo>
+                  <a:pt x="2280886" y="1788729"/>
+                  <a:pt x="2248722" y="1706761"/>
+                  <a:pt x="2085038" y="1726921"/>
+                </a:cubicBezTo>
+                <a:cubicBezTo>
+                  <a:pt x="1921354" y="1747081"/>
+                  <a:pt x="1813510" y="1675377"/>
+                  <a:pt x="1563778" y="1726921"/>
+                </a:cubicBezTo>
+                <a:cubicBezTo>
+                  <a:pt x="1314046" y="1778465"/>
+                  <a:pt x="1143107" y="1660149"/>
+                  <a:pt x="969543" y="1726921"/>
+                </a:cubicBezTo>
+                <a:cubicBezTo>
+                  <a:pt x="795980" y="1793693"/>
+                  <a:pt x="317920" y="1653029"/>
+                  <a:pt x="0" y="1726921"/>
+                </a:cubicBezTo>
+                <a:cubicBezTo>
+                  <a:pt x="-39322" y="1518484"/>
+                  <a:pt x="9199" y="1408989"/>
+                  <a:pt x="0" y="1203088"/>
+                </a:cubicBezTo>
+                <a:cubicBezTo>
+                  <a:pt x="-9199" y="997187"/>
+                  <a:pt x="36346" y="751570"/>
+                  <a:pt x="0" y="610179"/>
+                </a:cubicBezTo>
+                <a:cubicBezTo>
+                  <a:pt x="-36346" y="468788"/>
+                  <a:pt x="70443" y="257515"/>
+                  <a:pt x="0" y="0"/>
+                </a:cubicBezTo>
+                <a:close/>
+              </a:path>
+              <a:path w="3648816" h="1726921" stroke="0" extrusionOk="0">
+                <a:moveTo>
+                  <a:pt x="0" y="0"/>
+                </a:moveTo>
+                <a:cubicBezTo>
+                  <a:pt x="181547" y="-54844"/>
+                  <a:pt x="415116" y="12766"/>
+                  <a:pt x="594236" y="0"/>
+                </a:cubicBezTo>
+                <a:cubicBezTo>
+                  <a:pt x="773356" y="-12766"/>
+                  <a:pt x="1006357" y="60687"/>
+                  <a:pt x="1115495" y="0"/>
+                </a:cubicBezTo>
+                <a:cubicBezTo>
+                  <a:pt x="1224633" y="-60687"/>
+                  <a:pt x="1458422" y="8117"/>
+                  <a:pt x="1563778" y="0"/>
+                </a:cubicBezTo>
+                <a:cubicBezTo>
+                  <a:pt x="1669134" y="-8117"/>
+                  <a:pt x="1963731" y="9688"/>
+                  <a:pt x="2085038" y="0"/>
+                </a:cubicBezTo>
+                <a:cubicBezTo>
+                  <a:pt x="2206345" y="-9688"/>
+                  <a:pt x="2493070" y="25752"/>
+                  <a:pt x="2679273" y="0"/>
+                </a:cubicBezTo>
+                <a:cubicBezTo>
+                  <a:pt x="2865476" y="-25752"/>
+                  <a:pt x="2907143" y="51053"/>
+                  <a:pt x="3127557" y="0"/>
+                </a:cubicBezTo>
+                <a:cubicBezTo>
+                  <a:pt x="3347971" y="-51053"/>
+                  <a:pt x="3436463" y="41452"/>
+                  <a:pt x="3648816" y="0"/>
+                </a:cubicBezTo>
+                <a:cubicBezTo>
+                  <a:pt x="3662209" y="256735"/>
+                  <a:pt x="3648805" y="297527"/>
+                  <a:pt x="3648816" y="575640"/>
+                </a:cubicBezTo>
+                <a:cubicBezTo>
+                  <a:pt x="3648827" y="853753"/>
+                  <a:pt x="3646840" y="943644"/>
+                  <a:pt x="3648816" y="1134011"/>
+                </a:cubicBezTo>
+                <a:cubicBezTo>
+                  <a:pt x="3650792" y="1324378"/>
+                  <a:pt x="3604053" y="1526504"/>
+                  <a:pt x="3648816" y="1726921"/>
+                </a:cubicBezTo>
+                <a:cubicBezTo>
+                  <a:pt x="3435520" y="1758040"/>
+                  <a:pt x="3383636" y="1682354"/>
+                  <a:pt x="3164045" y="1726921"/>
+                </a:cubicBezTo>
+                <a:cubicBezTo>
+                  <a:pt x="2944454" y="1771488"/>
+                  <a:pt x="2742969" y="1672932"/>
+                  <a:pt x="2606297" y="1726921"/>
+                </a:cubicBezTo>
+                <a:cubicBezTo>
+                  <a:pt x="2469625" y="1780910"/>
+                  <a:pt x="2336482" y="1723056"/>
+                  <a:pt x="2158014" y="1726921"/>
+                </a:cubicBezTo>
+                <a:cubicBezTo>
+                  <a:pt x="1979546" y="1730786"/>
+                  <a:pt x="1820209" y="1705164"/>
+                  <a:pt x="1673243" y="1726921"/>
+                </a:cubicBezTo>
+                <a:cubicBezTo>
+                  <a:pt x="1526277" y="1748678"/>
+                  <a:pt x="1297268" y="1702565"/>
+                  <a:pt x="1115495" y="1726921"/>
+                </a:cubicBezTo>
+                <a:cubicBezTo>
+                  <a:pt x="933722" y="1751277"/>
+                  <a:pt x="783452" y="1691639"/>
+                  <a:pt x="521259" y="1726921"/>
+                </a:cubicBezTo>
+                <a:cubicBezTo>
+                  <a:pt x="259066" y="1762203"/>
+                  <a:pt x="128537" y="1674509"/>
+                  <a:pt x="0" y="1726921"/>
+                </a:cubicBezTo>
+                <a:cubicBezTo>
+                  <a:pt x="-66969" y="1496434"/>
+                  <a:pt x="21125" y="1391471"/>
+                  <a:pt x="0" y="1151281"/>
+                </a:cubicBezTo>
+                <a:cubicBezTo>
+                  <a:pt x="-21125" y="911091"/>
+                  <a:pt x="59411" y="868979"/>
+                  <a:pt x="0" y="610179"/>
+                </a:cubicBezTo>
+                <a:cubicBezTo>
+                  <a:pt x="-59411" y="351379"/>
+                  <a:pt x="32648" y="149697"/>
+                  <a:pt x="0" y="0"/>
+                </a:cubicBezTo>
+                <a:close/>
+              </a:path>
+            </a:pathLst>
+          </a:custGeom>
+          <a:solidFill>
+            <a:srgbClr val="BD582C"/>
+          </a:solidFill>
+          <a:ln>
+            <a:gradFill>
+              <a:gsLst>
+                <a:gs pos="0">
+                  <a:schemeClr val="accent1">
+                    <a:lumMod val="5000"/>
+                    <a:lumOff val="95000"/>
+                  </a:schemeClr>
+                </a:gs>
+                <a:gs pos="74000">
+                  <a:schemeClr val="accent1">
+                    <a:lumMod val="45000"/>
+                    <a:lumOff val="55000"/>
+                  </a:schemeClr>
+                </a:gs>
+                <a:gs pos="83000">
+                  <a:schemeClr val="accent1">
+                    <a:lumMod val="45000"/>
+                    <a:lumOff val="55000"/>
+                  </a:schemeClr>
+                </a:gs>
+                <a:gs pos="100000">
+                  <a:schemeClr val="accent1">
+                    <a:lumMod val="30000"/>
+                    <a:lumOff val="70000"/>
+                  </a:schemeClr>
+                </a:gs>
+              </a:gsLst>
+              <a:lin ang="5400000" scaled="1"/>
+            </a:gradFill>
+            <a:extLst>
+              <a:ext uri="{C807C97D-BFC1-408E-A445-0C87EB9F89A2}">
+                <ask:lineSketchStyleProps xmlns:ask="http://schemas.microsoft.com/office/drawing/2018/sketchyshapes" sd="981765707">
+                  <a:prstGeom prst="rect">
+                    <a:avLst/>
+                  </a:prstGeom>
+                  <ask:type>
+                    <ask:lineSketchScribble/>
+                  </ask:type>
+                </ask:lineSketchStyleProps>
+              </a:ext>
+            </a:extLst>
+          </a:ln>
+          <a:effectLst>
+            <a:outerShdw blurRad="63500" sx="102000" sy="102000" algn="ctr" rotWithShape="0">
+              <a:prstClr val="black">
+                <a:alpha val="40000"/>
+              </a:prstClr>
+            </a:outerShdw>
+          </a:effectLst>
+        </p:spPr>
+        <p:style>
+          <a:lnRef idx="2">
+            <a:schemeClr val="accent1">
+              <a:shade val="50000"/>
+            </a:schemeClr>
+          </a:lnRef>
+          <a:fillRef idx="1">
+            <a:schemeClr val="accent1"/>
+          </a:fillRef>
+          <a:effectRef idx="0">
+            <a:schemeClr val="accent1"/>
+          </a:effectRef>
+          <a:fontRef idx="minor">
+            <a:schemeClr val="lt1"/>
+          </a:fontRef>
+        </p:style>
+        <p:txBody>
+          <a:bodyPr lIns="91440" tIns="45720" rIns="91440" bIns="45720" rtlCol="0" anchor="ctr"/>
+          <a:lstStyle>
+            <a:defPPr>
+              <a:defRPr lang="pt-BR"/>
+            </a:defPPr>
+            <a:lvl1pPr marL="0" algn="l" defTabSz="914400" rtl="0" eaLnBrk="1" latinLnBrk="0" hangingPunct="1">
+              <a:defRPr sz="1800" kern="1200">
+                <a:solidFill>
+                  <a:schemeClr val="lt1"/>
+                </a:solidFill>
+                <a:latin typeface="+mn-lt"/>
+                <a:ea typeface="+mn-ea"/>
+                <a:cs typeface="+mn-cs"/>
+              </a:defRPr>
+            </a:lvl1pPr>
+            <a:lvl2pPr marL="457200" algn="l" defTabSz="914400" rtl="0" eaLnBrk="1" latinLnBrk="0" hangingPunct="1">
+              <a:defRPr sz="1800" kern="1200">
+                <a:solidFill>
+                  <a:schemeClr val="lt1"/>
+                </a:solidFill>
+                <a:latin typeface="+mn-lt"/>
+                <a:ea typeface="+mn-ea"/>
+                <a:cs typeface="+mn-cs"/>
+              </a:defRPr>
+            </a:lvl2pPr>
+            <a:lvl3pPr marL="914400" algn="l" defTabSz="914400" rtl="0" eaLnBrk="1" latinLnBrk="0" hangingPunct="1">
+              <a:defRPr sz="1800" kern="1200">
+                <a:solidFill>
+                  <a:schemeClr val="lt1"/>
+                </a:solidFill>
+                <a:latin typeface="+mn-lt"/>
+                <a:ea typeface="+mn-ea"/>
+                <a:cs typeface="+mn-cs"/>
+              </a:defRPr>
+            </a:lvl3pPr>
+            <a:lvl4pPr marL="1371600" algn="l" defTabSz="914400" rtl="0" eaLnBrk="1" latinLnBrk="0" hangingPunct="1">
+              <a:defRPr sz="1800" kern="1200">
+                <a:solidFill>
+                  <a:schemeClr val="lt1"/>
+                </a:solidFill>
+                <a:latin typeface="+mn-lt"/>
+                <a:ea typeface="+mn-ea"/>
+                <a:cs typeface="+mn-cs"/>
+              </a:defRPr>
+            </a:lvl4pPr>
+            <a:lvl5pPr marL="1828800" algn="l" defTabSz="914400" rtl="0" eaLnBrk="1" latinLnBrk="0" hangingPunct="1">
+              <a:defRPr sz="1800" kern="1200">
+                <a:solidFill>
+                  <a:schemeClr val="lt1"/>
+                </a:solidFill>
+                <a:latin typeface="+mn-lt"/>
+                <a:ea typeface="+mn-ea"/>
+                <a:cs typeface="+mn-cs"/>
+              </a:defRPr>
+            </a:lvl5pPr>
+            <a:lvl6pPr marL="2286000" algn="l" defTabSz="914400" rtl="0" eaLnBrk="1" latinLnBrk="0" hangingPunct="1">
+              <a:defRPr sz="1800" kern="1200">
+                <a:solidFill>
+                  <a:schemeClr val="lt1"/>
+                </a:solidFill>
+                <a:latin typeface="+mn-lt"/>
+                <a:ea typeface="+mn-ea"/>
+                <a:cs typeface="+mn-cs"/>
+              </a:defRPr>
+            </a:lvl6pPr>
+            <a:lvl7pPr marL="2743200" algn="l" defTabSz="914400" rtl="0" eaLnBrk="1" latinLnBrk="0" hangingPunct="1">
+              <a:defRPr sz="1800" kern="1200">
+                <a:solidFill>
+                  <a:schemeClr val="lt1"/>
+                </a:solidFill>
+                <a:latin typeface="+mn-lt"/>
+                <a:ea typeface="+mn-ea"/>
+                <a:cs typeface="+mn-cs"/>
+              </a:defRPr>
+            </a:lvl7pPr>
+            <a:lvl8pPr marL="3200400" algn="l" defTabSz="914400" rtl="0" eaLnBrk="1" latinLnBrk="0" hangingPunct="1">
+              <a:defRPr sz="1800" kern="1200">
+                <a:solidFill>
+                  <a:schemeClr val="lt1"/>
+                </a:solidFill>
+                <a:latin typeface="+mn-lt"/>
+                <a:ea typeface="+mn-ea"/>
+                <a:cs typeface="+mn-cs"/>
+              </a:defRPr>
+            </a:lvl8pPr>
+            <a:lvl9pPr marL="3657600" algn="l" defTabSz="914400" rtl="0" eaLnBrk="1" latinLnBrk="0" hangingPunct="1">
+              <a:defRPr sz="1800" kern="1200">
+                <a:solidFill>
+                  <a:schemeClr val="lt1"/>
+                </a:solidFill>
+                <a:latin typeface="+mn-lt"/>
+                <a:ea typeface="+mn-ea"/>
+                <a:cs typeface="+mn-cs"/>
+              </a:defRPr>
+            </a:lvl9pPr>
+          </a:lstStyle>
+          <a:p>
+            <a:pPr algn="just"/>
+            <a:r>
+              <a:rPr lang="pt-BR" dirty="0">
+                <a:latin typeface="Ink Free"/>
+                <a:cs typeface="Times New Roman"/>
+              </a:rPr>
+              <a:t>Eu </a:t>
+            </a:r>
+            <a:r>
+              <a:rPr lang="pt-BR" b="1" dirty="0">
+                <a:solidFill>
+                  <a:schemeClr val="tx2">
+                    <a:lumMod val="50000"/>
+                  </a:schemeClr>
+                </a:solidFill>
+                <a:latin typeface="Ink Free"/>
+                <a:cs typeface="Times New Roman"/>
+              </a:rPr>
+              <a:t>enquanto</a:t>
+            </a:r>
+            <a:r>
+              <a:rPr lang="pt-BR" b="1" dirty="0">
+                <a:latin typeface="Ink Free"/>
+                <a:cs typeface="Times New Roman"/>
+              </a:rPr>
+              <a:t> </a:t>
+            </a:r>
+            <a:r>
+              <a:rPr lang="pt-BR" dirty="0">
+                <a:latin typeface="Ink Free"/>
+                <a:cs typeface="Times New Roman"/>
+              </a:rPr>
+              <a:t>professor não </a:t>
+            </a:r>
+            <a:r>
+              <a:rPr lang="pt-BR" b="1" dirty="0">
+                <a:solidFill>
+                  <a:schemeClr val="tx2">
+                    <a:lumMod val="50000"/>
+                  </a:schemeClr>
+                </a:solidFill>
+                <a:latin typeface="Ink Free"/>
+                <a:cs typeface="Times New Roman"/>
+              </a:rPr>
+              <a:t>quero</a:t>
+            </a:r>
+            <a:r>
+              <a:rPr lang="pt-BR" dirty="0">
+                <a:latin typeface="Ink Free"/>
+                <a:cs typeface="Times New Roman"/>
+              </a:rPr>
+              <a:t> ter que interromper minha aula para ir até o setor de T.I da faculdade </a:t>
+            </a:r>
+            <a:r>
+              <a:rPr lang="pt-BR" b="1" dirty="0">
+                <a:solidFill>
+                  <a:schemeClr val="tx2">
+                    <a:lumMod val="50000"/>
+                  </a:schemeClr>
+                </a:solidFill>
+                <a:latin typeface="Ink Free"/>
+                <a:cs typeface="Times New Roman"/>
+              </a:rPr>
+              <a:t>para </a:t>
+            </a:r>
+            <a:r>
+              <a:rPr lang="pt-BR" dirty="0">
+                <a:latin typeface="Ink Free"/>
+                <a:cs typeface="Times New Roman"/>
+              </a:rPr>
+              <a:t>resolver o problema porque não quero deixar de passar conteúdo para </a:t>
+            </a:r>
+            <a:r>
+              <a:rPr lang="pt-BR" sz="1800" dirty="0">
+                <a:effectLst/>
+                <a:latin typeface="Ink Free"/>
+                <a:ea typeface="Calibri" panose="020F0502020204030204" pitchFamily="34" charset="0"/>
+                <a:cs typeface="Times New Roman"/>
+              </a:rPr>
+              <a:t>os alunos.</a:t>
+            </a:r>
+            <a:endParaRPr lang="en-US" dirty="0"/>
+          </a:p>
+        </p:txBody>
+      </p:sp>
+      <p:sp>
+        <p:nvSpPr>
+          <p:cNvPr id="6" name="Retângulo 8">
+            <a:extLst>
+              <a:ext uri="{FF2B5EF4-FFF2-40B4-BE49-F238E27FC236}">
+                <a16:creationId xmlns:a16="http://schemas.microsoft.com/office/drawing/2014/main" id="{88A09A4B-52D5-4044-A3CD-78BEB5F6D011}"/>
+              </a:ext>
+            </a:extLst>
+          </p:cNvPr>
+          <p:cNvSpPr/>
+          <p:nvPr/>
+        </p:nvSpPr>
+        <p:spPr>
+          <a:xfrm>
+            <a:off x="8247927" y="2048965"/>
+            <a:ext cx="3262993" cy="1755331"/>
+          </a:xfrm>
+          <a:custGeom>
+            <a:avLst/>
+            <a:gdLst>
+              <a:gd name="connsiteX0" fmla="*/ 0 w 3262993"/>
+              <a:gd name="connsiteY0" fmla="*/ 0 h 1755331"/>
+              <a:gd name="connsiteX1" fmla="*/ 478572 w 3262993"/>
+              <a:gd name="connsiteY1" fmla="*/ 0 h 1755331"/>
+              <a:gd name="connsiteX2" fmla="*/ 1022404 w 3262993"/>
+              <a:gd name="connsiteY2" fmla="*/ 0 h 1755331"/>
+              <a:gd name="connsiteX3" fmla="*/ 1598867 w 3262993"/>
+              <a:gd name="connsiteY3" fmla="*/ 0 h 1755331"/>
+              <a:gd name="connsiteX4" fmla="*/ 2110069 w 3262993"/>
+              <a:gd name="connsiteY4" fmla="*/ 0 h 1755331"/>
+              <a:gd name="connsiteX5" fmla="*/ 2653901 w 3262993"/>
+              <a:gd name="connsiteY5" fmla="*/ 0 h 1755331"/>
+              <a:gd name="connsiteX6" fmla="*/ 3262993 w 3262993"/>
+              <a:gd name="connsiteY6" fmla="*/ 0 h 1755331"/>
+              <a:gd name="connsiteX7" fmla="*/ 3262993 w 3262993"/>
+              <a:gd name="connsiteY7" fmla="*/ 620217 h 1755331"/>
+              <a:gd name="connsiteX8" fmla="*/ 3262993 w 3262993"/>
+              <a:gd name="connsiteY8" fmla="*/ 1152667 h 1755331"/>
+              <a:gd name="connsiteX9" fmla="*/ 3262993 w 3262993"/>
+              <a:gd name="connsiteY9" fmla="*/ 1755331 h 1755331"/>
+              <a:gd name="connsiteX10" fmla="*/ 2719161 w 3262993"/>
+              <a:gd name="connsiteY10" fmla="*/ 1755331 h 1755331"/>
+              <a:gd name="connsiteX11" fmla="*/ 2110069 w 3262993"/>
+              <a:gd name="connsiteY11" fmla="*/ 1755331 h 1755331"/>
+              <a:gd name="connsiteX12" fmla="*/ 1500977 w 3262993"/>
+              <a:gd name="connsiteY12" fmla="*/ 1755331 h 1755331"/>
+              <a:gd name="connsiteX13" fmla="*/ 989775 w 3262993"/>
+              <a:gd name="connsiteY13" fmla="*/ 1755331 h 1755331"/>
+              <a:gd name="connsiteX14" fmla="*/ 0 w 3262993"/>
+              <a:gd name="connsiteY14" fmla="*/ 1755331 h 1755331"/>
+              <a:gd name="connsiteX15" fmla="*/ 0 w 3262993"/>
+              <a:gd name="connsiteY15" fmla="*/ 1222881 h 1755331"/>
+              <a:gd name="connsiteX16" fmla="*/ 0 w 3262993"/>
+              <a:gd name="connsiteY16" fmla="*/ 655324 h 1755331"/>
+              <a:gd name="connsiteX17" fmla="*/ 0 w 3262993"/>
+              <a:gd name="connsiteY17" fmla="*/ 0 h 1755331"/>
+            </a:gdLst>
+            <a:ahLst/>
+            <a:cxnLst>
+              <a:cxn ang="0">
+                <a:pos x="connsiteX0" y="connsiteY0"/>
+              </a:cxn>
+              <a:cxn ang="0">
+                <a:pos x="connsiteX1" y="connsiteY1"/>
+              </a:cxn>
+              <a:cxn ang="0">
+                <a:pos x="connsiteX2" y="connsiteY2"/>
+              </a:cxn>
+              <a:cxn ang="0">
+                <a:pos x="connsiteX3" y="connsiteY3"/>
+              </a:cxn>
+              <a:cxn ang="0">
+                <a:pos x="connsiteX4" y="connsiteY4"/>
+              </a:cxn>
+              <a:cxn ang="0">
+                <a:pos x="connsiteX5" y="connsiteY5"/>
+              </a:cxn>
+              <a:cxn ang="0">
+                <a:pos x="connsiteX6" y="connsiteY6"/>
+              </a:cxn>
+              <a:cxn ang="0">
+                <a:pos x="connsiteX7" y="connsiteY7"/>
+              </a:cxn>
+              <a:cxn ang="0">
+                <a:pos x="connsiteX8" y="connsiteY8"/>
+              </a:cxn>
+              <a:cxn ang="0">
+                <a:pos x="connsiteX9" y="connsiteY9"/>
+              </a:cxn>
+              <a:cxn ang="0">
+                <a:pos x="connsiteX10" y="connsiteY10"/>
+              </a:cxn>
+              <a:cxn ang="0">
+                <a:pos x="connsiteX11" y="connsiteY11"/>
+              </a:cxn>
+              <a:cxn ang="0">
+                <a:pos x="connsiteX12" y="connsiteY12"/>
+              </a:cxn>
+              <a:cxn ang="0">
+                <a:pos x="connsiteX13" y="connsiteY13"/>
+              </a:cxn>
+              <a:cxn ang="0">
+                <a:pos x="connsiteX14" y="connsiteY14"/>
+              </a:cxn>
+              <a:cxn ang="0">
+                <a:pos x="connsiteX15" y="connsiteY15"/>
+              </a:cxn>
+              <a:cxn ang="0">
+                <a:pos x="connsiteX16" y="connsiteY16"/>
+              </a:cxn>
+              <a:cxn ang="0">
+                <a:pos x="connsiteX17" y="connsiteY17"/>
+              </a:cxn>
+            </a:cxnLst>
+            <a:rect l="l" t="t" r="r" b="b"/>
+            <a:pathLst>
+              <a:path w="3262993" h="1755331" fill="none" extrusionOk="0">
+                <a:moveTo>
+                  <a:pt x="0" y="0"/>
+                </a:moveTo>
+                <a:cubicBezTo>
+                  <a:pt x="125456" y="-43376"/>
+                  <a:pt x="244815" y="29084"/>
+                  <a:pt x="478572" y="0"/>
+                </a:cubicBezTo>
+                <a:cubicBezTo>
+                  <a:pt x="712329" y="-29084"/>
+                  <a:pt x="775748" y="50651"/>
+                  <a:pt x="1022404" y="0"/>
+                </a:cubicBezTo>
+                <a:cubicBezTo>
+                  <a:pt x="1269060" y="-50651"/>
+                  <a:pt x="1315196" y="28011"/>
+                  <a:pt x="1598867" y="0"/>
+                </a:cubicBezTo>
+                <a:cubicBezTo>
+                  <a:pt x="1882538" y="-28011"/>
+                  <a:pt x="1879773" y="26232"/>
+                  <a:pt x="2110069" y="0"/>
+                </a:cubicBezTo>
+                <a:cubicBezTo>
+                  <a:pt x="2340365" y="-26232"/>
+                  <a:pt x="2427542" y="525"/>
+                  <a:pt x="2653901" y="0"/>
+                </a:cubicBezTo>
+                <a:cubicBezTo>
+                  <a:pt x="2880260" y="-525"/>
+                  <a:pt x="3030062" y="14562"/>
+                  <a:pt x="3262993" y="0"/>
+                </a:cubicBezTo>
+                <a:cubicBezTo>
+                  <a:pt x="3281975" y="157985"/>
+                  <a:pt x="3251684" y="394060"/>
+                  <a:pt x="3262993" y="620217"/>
+                </a:cubicBezTo>
+                <a:cubicBezTo>
+                  <a:pt x="3274302" y="846374"/>
+                  <a:pt x="3241542" y="990414"/>
+                  <a:pt x="3262993" y="1152667"/>
+                </a:cubicBezTo>
+                <a:cubicBezTo>
+                  <a:pt x="3284444" y="1314920"/>
+                  <a:pt x="3259184" y="1543740"/>
+                  <a:pt x="3262993" y="1755331"/>
+                </a:cubicBezTo>
+                <a:cubicBezTo>
+                  <a:pt x="3111663" y="1768435"/>
+                  <a:pt x="2982944" y="1701466"/>
+                  <a:pt x="2719161" y="1755331"/>
+                </a:cubicBezTo>
+                <a:cubicBezTo>
+                  <a:pt x="2455378" y="1809196"/>
+                  <a:pt x="2401472" y="1695457"/>
+                  <a:pt x="2110069" y="1755331"/>
+                </a:cubicBezTo>
+                <a:cubicBezTo>
+                  <a:pt x="1818666" y="1815205"/>
+                  <a:pt x="1673679" y="1683533"/>
+                  <a:pt x="1500977" y="1755331"/>
+                </a:cubicBezTo>
+                <a:cubicBezTo>
+                  <a:pt x="1328275" y="1827129"/>
+                  <a:pt x="1140051" y="1714452"/>
+                  <a:pt x="989775" y="1755331"/>
+                </a:cubicBezTo>
+                <a:cubicBezTo>
+                  <a:pt x="839499" y="1796210"/>
+                  <a:pt x="216869" y="1734210"/>
+                  <a:pt x="0" y="1755331"/>
+                </a:cubicBezTo>
+                <a:cubicBezTo>
+                  <a:pt x="-1863" y="1603334"/>
+                  <a:pt x="61432" y="1436263"/>
+                  <a:pt x="0" y="1222881"/>
+                </a:cubicBezTo>
+                <a:cubicBezTo>
+                  <a:pt x="-61432" y="1009499"/>
+                  <a:pt x="67414" y="894916"/>
+                  <a:pt x="0" y="655324"/>
+                </a:cubicBezTo>
+                <a:cubicBezTo>
+                  <a:pt x="-67414" y="415732"/>
+                  <a:pt x="33654" y="194307"/>
+                  <a:pt x="0" y="0"/>
+                </a:cubicBezTo>
+                <a:close/>
+              </a:path>
+              <a:path w="3262993" h="1755331" stroke="0" extrusionOk="0">
+                <a:moveTo>
+                  <a:pt x="0" y="0"/>
+                </a:moveTo>
+                <a:cubicBezTo>
+                  <a:pt x="291410" y="-1652"/>
+                  <a:pt x="426977" y="53413"/>
+                  <a:pt x="609092" y="0"/>
+                </a:cubicBezTo>
+                <a:cubicBezTo>
+                  <a:pt x="791207" y="-53413"/>
+                  <a:pt x="965032" y="50036"/>
+                  <a:pt x="1152924" y="0"/>
+                </a:cubicBezTo>
+                <a:cubicBezTo>
+                  <a:pt x="1340816" y="-50036"/>
+                  <a:pt x="1429107" y="55573"/>
+                  <a:pt x="1631496" y="0"/>
+                </a:cubicBezTo>
+                <a:cubicBezTo>
+                  <a:pt x="1833885" y="-55573"/>
+                  <a:pt x="1954300" y="35074"/>
+                  <a:pt x="2175329" y="0"/>
+                </a:cubicBezTo>
+                <a:cubicBezTo>
+                  <a:pt x="2396358" y="-35074"/>
+                  <a:pt x="2601630" y="47752"/>
+                  <a:pt x="2784421" y="0"/>
+                </a:cubicBezTo>
+                <a:cubicBezTo>
+                  <a:pt x="2967212" y="-47752"/>
+                  <a:pt x="3112842" y="54825"/>
+                  <a:pt x="3262993" y="0"/>
+                </a:cubicBezTo>
+                <a:cubicBezTo>
+                  <a:pt x="3322843" y="161645"/>
+                  <a:pt x="3226005" y="278660"/>
+                  <a:pt x="3262993" y="532450"/>
+                </a:cubicBezTo>
+                <a:cubicBezTo>
+                  <a:pt x="3299981" y="786240"/>
+                  <a:pt x="3261198" y="841957"/>
+                  <a:pt x="3262993" y="1064901"/>
+                </a:cubicBezTo>
+                <a:cubicBezTo>
+                  <a:pt x="3264788" y="1287845"/>
+                  <a:pt x="3235232" y="1522244"/>
+                  <a:pt x="3262993" y="1755331"/>
+                </a:cubicBezTo>
+                <a:cubicBezTo>
+                  <a:pt x="3029271" y="1808540"/>
+                  <a:pt x="2848306" y="1700227"/>
+                  <a:pt x="2686531" y="1755331"/>
+                </a:cubicBezTo>
+                <a:cubicBezTo>
+                  <a:pt x="2524756" y="1810435"/>
+                  <a:pt x="2383967" y="1701417"/>
+                  <a:pt x="2175329" y="1755331"/>
+                </a:cubicBezTo>
+                <a:cubicBezTo>
+                  <a:pt x="1966691" y="1809245"/>
+                  <a:pt x="1733888" y="1716290"/>
+                  <a:pt x="1598867" y="1755331"/>
+                </a:cubicBezTo>
+                <a:cubicBezTo>
+                  <a:pt x="1463846" y="1794372"/>
+                  <a:pt x="1352201" y="1720383"/>
+                  <a:pt x="1120294" y="1755331"/>
+                </a:cubicBezTo>
+                <a:cubicBezTo>
+                  <a:pt x="888387" y="1790279"/>
+                  <a:pt x="811600" y="1724176"/>
+                  <a:pt x="609092" y="1755331"/>
+                </a:cubicBezTo>
+                <a:cubicBezTo>
+                  <a:pt x="406584" y="1786486"/>
+                  <a:pt x="207129" y="1749612"/>
+                  <a:pt x="0" y="1755331"/>
+                </a:cubicBezTo>
+                <a:cubicBezTo>
+                  <a:pt x="-55616" y="1587931"/>
+                  <a:pt x="65680" y="1347491"/>
+                  <a:pt x="0" y="1135114"/>
+                </a:cubicBezTo>
+                <a:cubicBezTo>
+                  <a:pt x="-65680" y="922737"/>
+                  <a:pt x="70529" y="659813"/>
+                  <a:pt x="0" y="532450"/>
+                </a:cubicBezTo>
+                <a:cubicBezTo>
+                  <a:pt x="-70529" y="405087"/>
+                  <a:pt x="13015" y="231291"/>
+                  <a:pt x="0" y="0"/>
+                </a:cubicBezTo>
+                <a:close/>
+              </a:path>
+            </a:pathLst>
+          </a:custGeom>
+          <a:solidFill>
+            <a:schemeClr val="bg2">
+              <a:lumMod val="10000"/>
+            </a:schemeClr>
+          </a:solidFill>
+          <a:ln>
+            <a:gradFill>
+              <a:gsLst>
+                <a:gs pos="0">
+                  <a:schemeClr val="accent1">
+                    <a:lumMod val="5000"/>
+                    <a:lumOff val="95000"/>
+                  </a:schemeClr>
+                </a:gs>
+                <a:gs pos="74000">
+                  <a:schemeClr val="accent1">
+                    <a:lumMod val="45000"/>
+                    <a:lumOff val="55000"/>
+                  </a:schemeClr>
+                </a:gs>
+                <a:gs pos="83000">
+                  <a:schemeClr val="accent1">
+                    <a:lumMod val="45000"/>
+                    <a:lumOff val="55000"/>
+                  </a:schemeClr>
+                </a:gs>
+                <a:gs pos="100000">
+                  <a:schemeClr val="accent1">
+                    <a:lumMod val="30000"/>
+                    <a:lumOff val="70000"/>
+                  </a:schemeClr>
+                </a:gs>
+              </a:gsLst>
+              <a:lin ang="5400000" scaled="1"/>
+            </a:gradFill>
+            <a:extLst>
+              <a:ext uri="{C807C97D-BFC1-408E-A445-0C87EB9F89A2}">
+                <ask:lineSketchStyleProps xmlns:ask="http://schemas.microsoft.com/office/drawing/2018/sketchyshapes" sd="981765707">
+                  <a:prstGeom prst="rect">
+                    <a:avLst/>
+                  </a:prstGeom>
+                  <ask:type>
+                    <ask:lineSketchScribble/>
+                  </ask:type>
+                </ask:lineSketchStyleProps>
+              </a:ext>
+            </a:extLst>
+          </a:ln>
+          <a:effectLst>
+            <a:outerShdw blurRad="63500" sx="102000" sy="102000" algn="ctr" rotWithShape="0">
+              <a:prstClr val="black">
+                <a:alpha val="40000"/>
+              </a:prstClr>
+            </a:outerShdw>
+          </a:effectLst>
+        </p:spPr>
+        <p:style>
+          <a:lnRef idx="2">
+            <a:schemeClr val="accent1">
+              <a:shade val="50000"/>
+            </a:schemeClr>
+          </a:lnRef>
+          <a:fillRef idx="1">
+            <a:schemeClr val="accent1"/>
+          </a:fillRef>
+          <a:effectRef idx="0">
+            <a:schemeClr val="accent1"/>
+          </a:effectRef>
+          <a:fontRef idx="minor">
+            <a:schemeClr val="lt1"/>
+          </a:fontRef>
+        </p:style>
+        <p:txBody>
+          <a:bodyPr lIns="91440" tIns="45720" rIns="91440" bIns="45720" rtlCol="0" anchor="ctr"/>
+          <a:lstStyle>
+            <a:defPPr>
+              <a:defRPr lang="pt-BR"/>
+            </a:defPPr>
+            <a:lvl1pPr marL="0" algn="l" defTabSz="914400" rtl="0" eaLnBrk="1" latinLnBrk="0" hangingPunct="1">
+              <a:defRPr sz="1800" kern="1200">
+                <a:solidFill>
+                  <a:schemeClr val="lt1"/>
+                </a:solidFill>
+                <a:latin typeface="+mn-lt"/>
+                <a:ea typeface="+mn-ea"/>
+                <a:cs typeface="+mn-cs"/>
+              </a:defRPr>
+            </a:lvl1pPr>
+            <a:lvl2pPr marL="457200" algn="l" defTabSz="914400" rtl="0" eaLnBrk="1" latinLnBrk="0" hangingPunct="1">
+              <a:defRPr sz="1800" kern="1200">
+                <a:solidFill>
+                  <a:schemeClr val="lt1"/>
+                </a:solidFill>
+                <a:latin typeface="+mn-lt"/>
+                <a:ea typeface="+mn-ea"/>
+                <a:cs typeface="+mn-cs"/>
+              </a:defRPr>
+            </a:lvl2pPr>
+            <a:lvl3pPr marL="914400" algn="l" defTabSz="914400" rtl="0" eaLnBrk="1" latinLnBrk="0" hangingPunct="1">
+              <a:defRPr sz="1800" kern="1200">
+                <a:solidFill>
+                  <a:schemeClr val="lt1"/>
+                </a:solidFill>
+                <a:latin typeface="+mn-lt"/>
+                <a:ea typeface="+mn-ea"/>
+                <a:cs typeface="+mn-cs"/>
+              </a:defRPr>
+            </a:lvl3pPr>
+            <a:lvl4pPr marL="1371600" algn="l" defTabSz="914400" rtl="0" eaLnBrk="1" latinLnBrk="0" hangingPunct="1">
+              <a:defRPr sz="1800" kern="1200">
+                <a:solidFill>
+                  <a:schemeClr val="lt1"/>
+                </a:solidFill>
+                <a:latin typeface="+mn-lt"/>
+                <a:ea typeface="+mn-ea"/>
+                <a:cs typeface="+mn-cs"/>
+              </a:defRPr>
+            </a:lvl4pPr>
+            <a:lvl5pPr marL="1828800" algn="l" defTabSz="914400" rtl="0" eaLnBrk="1" latinLnBrk="0" hangingPunct="1">
+              <a:defRPr sz="1800" kern="1200">
+                <a:solidFill>
+                  <a:schemeClr val="lt1"/>
+                </a:solidFill>
+                <a:latin typeface="+mn-lt"/>
+                <a:ea typeface="+mn-ea"/>
+                <a:cs typeface="+mn-cs"/>
+              </a:defRPr>
+            </a:lvl5pPr>
+            <a:lvl6pPr marL="2286000" algn="l" defTabSz="914400" rtl="0" eaLnBrk="1" latinLnBrk="0" hangingPunct="1">
+              <a:defRPr sz="1800" kern="1200">
+                <a:solidFill>
+                  <a:schemeClr val="lt1"/>
+                </a:solidFill>
+                <a:latin typeface="+mn-lt"/>
+                <a:ea typeface="+mn-ea"/>
+                <a:cs typeface="+mn-cs"/>
+              </a:defRPr>
+            </a:lvl6pPr>
+            <a:lvl7pPr marL="2743200" algn="l" defTabSz="914400" rtl="0" eaLnBrk="1" latinLnBrk="0" hangingPunct="1">
+              <a:defRPr sz="1800" kern="1200">
+                <a:solidFill>
+                  <a:schemeClr val="lt1"/>
+                </a:solidFill>
+                <a:latin typeface="+mn-lt"/>
+                <a:ea typeface="+mn-ea"/>
+                <a:cs typeface="+mn-cs"/>
+              </a:defRPr>
+            </a:lvl7pPr>
+            <a:lvl8pPr marL="3200400" algn="l" defTabSz="914400" rtl="0" eaLnBrk="1" latinLnBrk="0" hangingPunct="1">
+              <a:defRPr sz="1800" kern="1200">
+                <a:solidFill>
+                  <a:schemeClr val="lt1"/>
+                </a:solidFill>
+                <a:latin typeface="+mn-lt"/>
+                <a:ea typeface="+mn-ea"/>
+                <a:cs typeface="+mn-cs"/>
+              </a:defRPr>
+            </a:lvl8pPr>
+            <a:lvl9pPr marL="3657600" algn="l" defTabSz="914400" rtl="0" eaLnBrk="1" latinLnBrk="0" hangingPunct="1">
+              <a:defRPr sz="1800" kern="1200">
+                <a:solidFill>
+                  <a:schemeClr val="lt1"/>
+                </a:solidFill>
+                <a:latin typeface="+mn-lt"/>
+                <a:ea typeface="+mn-ea"/>
+                <a:cs typeface="+mn-cs"/>
+              </a:defRPr>
+            </a:lvl9pPr>
+          </a:lstStyle>
+          <a:p>
+            <a:pPr algn="just"/>
+            <a:r>
+              <a:rPr lang="pt-BR" sz="1800" dirty="0">
+                <a:effectLst/>
+                <a:latin typeface="Ink Free"/>
+                <a:ea typeface="Calibri" panose="020F0502020204030204" pitchFamily="34" charset="0"/>
+                <a:cs typeface="Times New Roman"/>
+              </a:rPr>
+              <a:t>Eu </a:t>
+            </a:r>
+            <a:r>
+              <a:rPr lang="pt-BR" b="1" dirty="0">
+                <a:solidFill>
+                  <a:schemeClr val="accent1">
+                    <a:lumMod val="75000"/>
+                  </a:schemeClr>
+                </a:solidFill>
+                <a:latin typeface="Ink Free"/>
+                <a:cs typeface="Times New Roman"/>
+              </a:rPr>
+              <a:t>enquanto</a:t>
+            </a:r>
+            <a:r>
+              <a:rPr lang="pt-BR" b="1" dirty="0">
+                <a:latin typeface="Ink Free"/>
+                <a:cs typeface="Times New Roman"/>
+              </a:rPr>
+              <a:t> </a:t>
+            </a:r>
+            <a:r>
+              <a:rPr lang="pt-BR" dirty="0">
+                <a:latin typeface="Ink Free"/>
+                <a:cs typeface="Times New Roman"/>
+              </a:rPr>
+              <a:t>professor </a:t>
+            </a:r>
+            <a:r>
+              <a:rPr lang="pt-BR" b="1" dirty="0">
+                <a:solidFill>
+                  <a:schemeClr val="accent1">
+                    <a:lumMod val="75000"/>
+                  </a:schemeClr>
+                </a:solidFill>
+                <a:latin typeface="Ink Free"/>
+                <a:cs typeface="Times New Roman"/>
+              </a:rPr>
+              <a:t>quero</a:t>
+            </a:r>
+            <a:r>
+              <a:rPr lang="pt-BR" b="1" dirty="0">
+                <a:latin typeface="Ink Free"/>
+                <a:cs typeface="Times New Roman"/>
+              </a:rPr>
+              <a:t> </a:t>
+            </a:r>
+            <a:r>
+              <a:rPr lang="pt-BR" dirty="0">
+                <a:latin typeface="Ink Free"/>
+                <a:cs typeface="Times New Roman"/>
+              </a:rPr>
+              <a:t>ter um canal de comunicação direto com a equipe de T.I </a:t>
+            </a:r>
+            <a:r>
+              <a:rPr lang="pt-BR" b="1" dirty="0">
+                <a:solidFill>
+                  <a:schemeClr val="accent1">
+                    <a:lumMod val="75000"/>
+                  </a:schemeClr>
+                </a:solidFill>
+                <a:latin typeface="Ink Free"/>
+                <a:cs typeface="Times New Roman"/>
+              </a:rPr>
+              <a:t>porque</a:t>
+            </a:r>
+            <a:r>
+              <a:rPr lang="pt-BR" b="1" dirty="0">
+                <a:solidFill>
+                  <a:schemeClr val="tx2">
+                    <a:lumMod val="50000"/>
+                  </a:schemeClr>
+                </a:solidFill>
+                <a:latin typeface="Ink Free"/>
+                <a:cs typeface="Times New Roman"/>
+              </a:rPr>
+              <a:t> </a:t>
+            </a:r>
+            <a:r>
+              <a:rPr lang="pt-BR" dirty="0">
+                <a:latin typeface="Ink Free"/>
+                <a:cs typeface="Times New Roman"/>
+              </a:rPr>
+              <a:t>preciso </a:t>
+            </a:r>
+            <a:r>
+              <a:rPr lang="pt-BR" sz="1800" dirty="0">
+                <a:effectLst/>
+                <a:latin typeface="Ink Free"/>
+                <a:ea typeface="Calibri" panose="020F0502020204030204" pitchFamily="34" charset="0"/>
+                <a:cs typeface="Times New Roman"/>
+              </a:rPr>
+              <a:t>tirar algumas dúvidas ou relatar problemas.</a:t>
+            </a:r>
+            <a:endParaRPr lang="en-US" dirty="0"/>
+          </a:p>
+        </p:txBody>
+      </p:sp>
+      <p:sp>
+        <p:nvSpPr>
+          <p:cNvPr id="7" name="Retângulo 10">
+            <a:extLst>
+              <a:ext uri="{FF2B5EF4-FFF2-40B4-BE49-F238E27FC236}">
+                <a16:creationId xmlns:a16="http://schemas.microsoft.com/office/drawing/2014/main" id="{A3877CE4-F3C7-4804-8EF9-675BF99AE4E4}"/>
+              </a:ext>
+            </a:extLst>
+          </p:cNvPr>
+          <p:cNvSpPr/>
+          <p:nvPr/>
+        </p:nvSpPr>
+        <p:spPr>
+          <a:xfrm>
+            <a:off x="8055015" y="4273050"/>
+            <a:ext cx="3648816" cy="1726922"/>
+          </a:xfrm>
+          <a:custGeom>
+            <a:avLst/>
+            <a:gdLst>
+              <a:gd name="connsiteX0" fmla="*/ 0 w 3648816"/>
+              <a:gd name="connsiteY0" fmla="*/ 0 h 1726922"/>
+              <a:gd name="connsiteX1" fmla="*/ 448283 w 3648816"/>
+              <a:gd name="connsiteY1" fmla="*/ 0 h 1726922"/>
+              <a:gd name="connsiteX2" fmla="*/ 933054 w 3648816"/>
+              <a:gd name="connsiteY2" fmla="*/ 0 h 1726922"/>
+              <a:gd name="connsiteX3" fmla="*/ 1454314 w 3648816"/>
+              <a:gd name="connsiteY3" fmla="*/ 0 h 1726922"/>
+              <a:gd name="connsiteX4" fmla="*/ 1866109 w 3648816"/>
+              <a:gd name="connsiteY4" fmla="*/ 0 h 1726922"/>
+              <a:gd name="connsiteX5" fmla="*/ 2460345 w 3648816"/>
+              <a:gd name="connsiteY5" fmla="*/ 0 h 1726922"/>
+              <a:gd name="connsiteX6" fmla="*/ 2945116 w 3648816"/>
+              <a:gd name="connsiteY6" fmla="*/ 0 h 1726922"/>
+              <a:gd name="connsiteX7" fmla="*/ 3648816 w 3648816"/>
+              <a:gd name="connsiteY7" fmla="*/ 0 h 1726922"/>
+              <a:gd name="connsiteX8" fmla="*/ 3648816 w 3648816"/>
+              <a:gd name="connsiteY8" fmla="*/ 523833 h 1726922"/>
+              <a:gd name="connsiteX9" fmla="*/ 3648816 w 3648816"/>
+              <a:gd name="connsiteY9" fmla="*/ 1082204 h 1726922"/>
+              <a:gd name="connsiteX10" fmla="*/ 3648816 w 3648816"/>
+              <a:gd name="connsiteY10" fmla="*/ 1726922 h 1726922"/>
+              <a:gd name="connsiteX11" fmla="*/ 3054580 w 3648816"/>
+              <a:gd name="connsiteY11" fmla="*/ 1726922 h 1726922"/>
+              <a:gd name="connsiteX12" fmla="*/ 2496833 w 3648816"/>
+              <a:gd name="connsiteY12" fmla="*/ 1726922 h 1726922"/>
+              <a:gd name="connsiteX13" fmla="*/ 2085038 w 3648816"/>
+              <a:gd name="connsiteY13" fmla="*/ 1726922 h 1726922"/>
+              <a:gd name="connsiteX14" fmla="*/ 1563778 w 3648816"/>
+              <a:gd name="connsiteY14" fmla="*/ 1726922 h 1726922"/>
+              <a:gd name="connsiteX15" fmla="*/ 969543 w 3648816"/>
+              <a:gd name="connsiteY15" fmla="*/ 1726922 h 1726922"/>
+              <a:gd name="connsiteX16" fmla="*/ 0 w 3648816"/>
+              <a:gd name="connsiteY16" fmla="*/ 1726922 h 1726922"/>
+              <a:gd name="connsiteX17" fmla="*/ 0 w 3648816"/>
+              <a:gd name="connsiteY17" fmla="*/ 1203089 h 1726922"/>
+              <a:gd name="connsiteX18" fmla="*/ 0 w 3648816"/>
+              <a:gd name="connsiteY18" fmla="*/ 610179 h 1726922"/>
+              <a:gd name="connsiteX19" fmla="*/ 0 w 3648816"/>
+              <a:gd name="connsiteY19" fmla="*/ 0 h 1726922"/>
+            </a:gdLst>
+            <a:ahLst/>
+            <a:cxnLst>
+              <a:cxn ang="0">
+                <a:pos x="connsiteX0" y="connsiteY0"/>
+              </a:cxn>
+              <a:cxn ang="0">
+                <a:pos x="connsiteX1" y="connsiteY1"/>
+              </a:cxn>
+              <a:cxn ang="0">
+                <a:pos x="connsiteX2" y="connsiteY2"/>
+              </a:cxn>
+              <a:cxn ang="0">
+                <a:pos x="connsiteX3" y="connsiteY3"/>
+              </a:cxn>
+              <a:cxn ang="0">
+                <a:pos x="connsiteX4" y="connsiteY4"/>
+              </a:cxn>
+              <a:cxn ang="0">
+                <a:pos x="connsiteX5" y="connsiteY5"/>
+              </a:cxn>
+              <a:cxn ang="0">
+                <a:pos x="connsiteX6" y="connsiteY6"/>
+              </a:cxn>
+              <a:cxn ang="0">
+                <a:pos x="connsiteX7" y="connsiteY7"/>
+              </a:cxn>
+              <a:cxn ang="0">
+                <a:pos x="connsiteX8" y="connsiteY8"/>
+              </a:cxn>
+              <a:cxn ang="0">
+                <a:pos x="connsiteX9" y="connsiteY9"/>
+              </a:cxn>
+              <a:cxn ang="0">
+                <a:pos x="connsiteX10" y="connsiteY10"/>
+              </a:cxn>
+              <a:cxn ang="0">
+                <a:pos x="connsiteX11" y="connsiteY11"/>
+              </a:cxn>
+              <a:cxn ang="0">
+                <a:pos x="connsiteX12" y="connsiteY12"/>
+              </a:cxn>
+              <a:cxn ang="0">
+                <a:pos x="connsiteX13" y="connsiteY13"/>
+              </a:cxn>
+              <a:cxn ang="0">
+                <a:pos x="connsiteX14" y="connsiteY14"/>
+              </a:cxn>
+              <a:cxn ang="0">
+                <a:pos x="connsiteX15" y="connsiteY15"/>
+              </a:cxn>
+              <a:cxn ang="0">
+                <a:pos x="connsiteX16" y="connsiteY16"/>
+              </a:cxn>
+              <a:cxn ang="0">
+                <a:pos x="connsiteX17" y="connsiteY17"/>
+              </a:cxn>
+              <a:cxn ang="0">
+                <a:pos x="connsiteX18" y="connsiteY18"/>
+              </a:cxn>
+              <a:cxn ang="0">
+                <a:pos x="connsiteX19" y="connsiteY19"/>
+              </a:cxn>
+            </a:cxnLst>
+            <a:rect l="l" t="t" r="r" b="b"/>
+            <a:pathLst>
+              <a:path w="3648816" h="1726922" fill="none" extrusionOk="0">
+                <a:moveTo>
+                  <a:pt x="0" y="0"/>
+                </a:moveTo>
+                <a:cubicBezTo>
+                  <a:pt x="143772" y="-8488"/>
+                  <a:pt x="315425" y="30248"/>
+                  <a:pt x="448283" y="0"/>
+                </a:cubicBezTo>
+                <a:cubicBezTo>
+                  <a:pt x="581141" y="-30248"/>
+                  <a:pt x="728565" y="57360"/>
+                  <a:pt x="933054" y="0"/>
+                </a:cubicBezTo>
+                <a:cubicBezTo>
+                  <a:pt x="1137543" y="-57360"/>
+                  <a:pt x="1266203" y="29000"/>
+                  <a:pt x="1454314" y="0"/>
+                </a:cubicBezTo>
+                <a:cubicBezTo>
+                  <a:pt x="1642425" y="-29000"/>
+                  <a:pt x="1748015" y="18907"/>
+                  <a:pt x="1866109" y="0"/>
+                </a:cubicBezTo>
+                <a:cubicBezTo>
+                  <a:pt x="1984204" y="-18907"/>
+                  <a:pt x="2256500" y="7548"/>
+                  <a:pt x="2460345" y="0"/>
+                </a:cubicBezTo>
+                <a:cubicBezTo>
+                  <a:pt x="2664190" y="-7548"/>
+                  <a:pt x="2743351" y="7997"/>
+                  <a:pt x="2945116" y="0"/>
+                </a:cubicBezTo>
+                <a:cubicBezTo>
+                  <a:pt x="3146881" y="-7997"/>
+                  <a:pt x="3382175" y="27242"/>
+                  <a:pt x="3648816" y="0"/>
+                </a:cubicBezTo>
+                <a:cubicBezTo>
+                  <a:pt x="3680642" y="220521"/>
+                  <a:pt x="3616766" y="418828"/>
+                  <a:pt x="3648816" y="523833"/>
+                </a:cubicBezTo>
+                <a:cubicBezTo>
+                  <a:pt x="3680866" y="628838"/>
+                  <a:pt x="3628123" y="944644"/>
+                  <a:pt x="3648816" y="1082204"/>
+                </a:cubicBezTo>
+                <a:cubicBezTo>
+                  <a:pt x="3669509" y="1219764"/>
+                  <a:pt x="3637560" y="1431863"/>
+                  <a:pt x="3648816" y="1726922"/>
+                </a:cubicBezTo>
+                <a:cubicBezTo>
+                  <a:pt x="3490333" y="1760610"/>
+                  <a:pt x="3332917" y="1719351"/>
+                  <a:pt x="3054580" y="1726922"/>
+                </a:cubicBezTo>
+                <a:cubicBezTo>
+                  <a:pt x="2776243" y="1734493"/>
+                  <a:pt x="2712780" y="1665114"/>
+                  <a:pt x="2496833" y="1726922"/>
+                </a:cubicBezTo>
+                <a:cubicBezTo>
+                  <a:pt x="2280886" y="1788730"/>
+                  <a:pt x="2248722" y="1706762"/>
+                  <a:pt x="2085038" y="1726922"/>
+                </a:cubicBezTo>
+                <a:cubicBezTo>
+                  <a:pt x="1921354" y="1747082"/>
+                  <a:pt x="1813510" y="1675378"/>
+                  <a:pt x="1563778" y="1726922"/>
+                </a:cubicBezTo>
+                <a:cubicBezTo>
+                  <a:pt x="1314046" y="1778466"/>
+                  <a:pt x="1143107" y="1660150"/>
+                  <a:pt x="969543" y="1726922"/>
+                </a:cubicBezTo>
+                <a:cubicBezTo>
+                  <a:pt x="795980" y="1793694"/>
+                  <a:pt x="317920" y="1653030"/>
+                  <a:pt x="0" y="1726922"/>
+                </a:cubicBezTo>
+                <a:cubicBezTo>
+                  <a:pt x="-39322" y="1518485"/>
+                  <a:pt x="9199" y="1408990"/>
+                  <a:pt x="0" y="1203089"/>
+                </a:cubicBezTo>
+                <a:cubicBezTo>
+                  <a:pt x="-9199" y="997188"/>
+                  <a:pt x="32526" y="757864"/>
+                  <a:pt x="0" y="610179"/>
+                </a:cubicBezTo>
+                <a:cubicBezTo>
+                  <a:pt x="-32526" y="462494"/>
+                  <a:pt x="70443" y="257515"/>
+                  <a:pt x="0" y="0"/>
+                </a:cubicBezTo>
+                <a:close/>
+              </a:path>
+              <a:path w="3648816" h="1726922" stroke="0" extrusionOk="0">
+                <a:moveTo>
+                  <a:pt x="0" y="0"/>
+                </a:moveTo>
+                <a:cubicBezTo>
+                  <a:pt x="181547" y="-54844"/>
+                  <a:pt x="415116" y="12766"/>
+                  <a:pt x="594236" y="0"/>
+                </a:cubicBezTo>
+                <a:cubicBezTo>
+                  <a:pt x="773356" y="-12766"/>
+                  <a:pt x="1006357" y="60687"/>
+                  <a:pt x="1115495" y="0"/>
+                </a:cubicBezTo>
+                <a:cubicBezTo>
+                  <a:pt x="1224633" y="-60687"/>
+                  <a:pt x="1458422" y="8117"/>
+                  <a:pt x="1563778" y="0"/>
+                </a:cubicBezTo>
+                <a:cubicBezTo>
+                  <a:pt x="1669134" y="-8117"/>
+                  <a:pt x="1963731" y="9688"/>
+                  <a:pt x="2085038" y="0"/>
+                </a:cubicBezTo>
+                <a:cubicBezTo>
+                  <a:pt x="2206345" y="-9688"/>
+                  <a:pt x="2493070" y="25752"/>
+                  <a:pt x="2679273" y="0"/>
+                </a:cubicBezTo>
+                <a:cubicBezTo>
+                  <a:pt x="2865476" y="-25752"/>
+                  <a:pt x="2907143" y="51053"/>
+                  <a:pt x="3127557" y="0"/>
+                </a:cubicBezTo>
+                <a:cubicBezTo>
+                  <a:pt x="3347971" y="-51053"/>
+                  <a:pt x="3436463" y="41452"/>
+                  <a:pt x="3648816" y="0"/>
+                </a:cubicBezTo>
+                <a:cubicBezTo>
+                  <a:pt x="3662404" y="252407"/>
+                  <a:pt x="3580929" y="290485"/>
+                  <a:pt x="3648816" y="575641"/>
+                </a:cubicBezTo>
+                <a:cubicBezTo>
+                  <a:pt x="3716703" y="860797"/>
+                  <a:pt x="3646840" y="943645"/>
+                  <a:pt x="3648816" y="1134012"/>
+                </a:cubicBezTo>
+                <a:cubicBezTo>
+                  <a:pt x="3650792" y="1324379"/>
+                  <a:pt x="3604053" y="1526505"/>
+                  <a:pt x="3648816" y="1726922"/>
+                </a:cubicBezTo>
+                <a:cubicBezTo>
+                  <a:pt x="3435520" y="1758041"/>
+                  <a:pt x="3383636" y="1682355"/>
+                  <a:pt x="3164045" y="1726922"/>
+                </a:cubicBezTo>
+                <a:cubicBezTo>
+                  <a:pt x="2944454" y="1771489"/>
+                  <a:pt x="2742969" y="1672933"/>
+                  <a:pt x="2606297" y="1726922"/>
+                </a:cubicBezTo>
+                <a:cubicBezTo>
+                  <a:pt x="2469625" y="1780911"/>
+                  <a:pt x="2336482" y="1723057"/>
+                  <a:pt x="2158014" y="1726922"/>
+                </a:cubicBezTo>
+                <a:cubicBezTo>
+                  <a:pt x="1979546" y="1730787"/>
+                  <a:pt x="1820209" y="1705165"/>
+                  <a:pt x="1673243" y="1726922"/>
+                </a:cubicBezTo>
+                <a:cubicBezTo>
+                  <a:pt x="1526277" y="1748679"/>
+                  <a:pt x="1297268" y="1702566"/>
+                  <a:pt x="1115495" y="1726922"/>
+                </a:cubicBezTo>
+                <a:cubicBezTo>
+                  <a:pt x="933722" y="1751278"/>
+                  <a:pt x="783452" y="1691640"/>
+                  <a:pt x="521259" y="1726922"/>
+                </a:cubicBezTo>
+                <a:cubicBezTo>
+                  <a:pt x="259066" y="1762204"/>
+                  <a:pt x="128537" y="1674510"/>
+                  <a:pt x="0" y="1726922"/>
+                </a:cubicBezTo>
+                <a:cubicBezTo>
+                  <a:pt x="-1127" y="1502133"/>
+                  <a:pt x="14237" y="1397207"/>
+                  <a:pt x="0" y="1151281"/>
+                </a:cubicBezTo>
+                <a:cubicBezTo>
+                  <a:pt x="-14237" y="905355"/>
+                  <a:pt x="59411" y="868979"/>
+                  <a:pt x="0" y="610179"/>
+                </a:cubicBezTo>
+                <a:cubicBezTo>
+                  <a:pt x="-59411" y="351379"/>
+                  <a:pt x="32648" y="149697"/>
+                  <a:pt x="0" y="0"/>
+                </a:cubicBezTo>
+                <a:close/>
+              </a:path>
+            </a:pathLst>
+          </a:custGeom>
+          <a:solidFill>
+            <a:srgbClr val="BD582C"/>
+          </a:solidFill>
+          <a:ln>
+            <a:gradFill>
+              <a:gsLst>
+                <a:gs pos="0">
+                  <a:schemeClr val="accent1">
+                    <a:lumMod val="5000"/>
+                    <a:lumOff val="95000"/>
+                  </a:schemeClr>
+                </a:gs>
+                <a:gs pos="74000">
+                  <a:schemeClr val="accent1">
+                    <a:lumMod val="45000"/>
+                    <a:lumOff val="55000"/>
+                  </a:schemeClr>
+                </a:gs>
+                <a:gs pos="83000">
+                  <a:schemeClr val="accent1">
+                    <a:lumMod val="45000"/>
+                    <a:lumOff val="55000"/>
+                  </a:schemeClr>
+                </a:gs>
+                <a:gs pos="100000">
+                  <a:schemeClr val="accent1">
+                    <a:lumMod val="30000"/>
+                    <a:lumOff val="70000"/>
+                  </a:schemeClr>
+                </a:gs>
+              </a:gsLst>
+              <a:lin ang="5400000" scaled="1"/>
+            </a:gradFill>
+            <a:extLst>
+              <a:ext uri="{C807C97D-BFC1-408E-A445-0C87EB9F89A2}">
+                <ask:lineSketchStyleProps xmlns:ask="http://schemas.microsoft.com/office/drawing/2018/sketchyshapes" sd="981765707">
+                  <a:prstGeom prst="rect">
+                    <a:avLst/>
+                  </a:prstGeom>
+                  <ask:type>
+                    <ask:lineSketchScribble/>
+                  </ask:type>
+                </ask:lineSketchStyleProps>
+              </a:ext>
+            </a:extLst>
+          </a:ln>
+          <a:effectLst>
+            <a:outerShdw blurRad="63500" sx="102000" sy="102000" algn="ctr" rotWithShape="0">
+              <a:prstClr val="black">
+                <a:alpha val="40000"/>
+              </a:prstClr>
+            </a:outerShdw>
+          </a:effectLst>
+        </p:spPr>
+        <p:style>
+          <a:lnRef idx="2">
+            <a:schemeClr val="accent1">
+              <a:shade val="50000"/>
+            </a:schemeClr>
+          </a:lnRef>
+          <a:fillRef idx="1">
+            <a:schemeClr val="accent1"/>
+          </a:fillRef>
+          <a:effectRef idx="0">
+            <a:schemeClr val="accent1"/>
+          </a:effectRef>
+          <a:fontRef idx="minor">
+            <a:schemeClr val="lt1"/>
+          </a:fontRef>
+        </p:style>
+        <p:txBody>
+          <a:bodyPr lIns="91440" tIns="45720" rIns="91440" bIns="45720" rtlCol="0" anchor="ctr"/>
+          <a:lstStyle>
+            <a:defPPr>
+              <a:defRPr lang="pt-BR"/>
+            </a:defPPr>
+            <a:lvl1pPr marL="0" algn="l" defTabSz="914400" rtl="0" eaLnBrk="1" latinLnBrk="0" hangingPunct="1">
+              <a:defRPr sz="1800" kern="1200">
+                <a:solidFill>
+                  <a:schemeClr val="lt1"/>
+                </a:solidFill>
+                <a:latin typeface="+mn-lt"/>
+                <a:ea typeface="+mn-ea"/>
+                <a:cs typeface="+mn-cs"/>
+              </a:defRPr>
+            </a:lvl1pPr>
+            <a:lvl2pPr marL="457200" algn="l" defTabSz="914400" rtl="0" eaLnBrk="1" latinLnBrk="0" hangingPunct="1">
+              <a:defRPr sz="1800" kern="1200">
+                <a:solidFill>
+                  <a:schemeClr val="lt1"/>
+                </a:solidFill>
+                <a:latin typeface="+mn-lt"/>
+                <a:ea typeface="+mn-ea"/>
+                <a:cs typeface="+mn-cs"/>
+              </a:defRPr>
+            </a:lvl2pPr>
+            <a:lvl3pPr marL="914400" algn="l" defTabSz="914400" rtl="0" eaLnBrk="1" latinLnBrk="0" hangingPunct="1">
+              <a:defRPr sz="1800" kern="1200">
+                <a:solidFill>
+                  <a:schemeClr val="lt1"/>
+                </a:solidFill>
+                <a:latin typeface="+mn-lt"/>
+                <a:ea typeface="+mn-ea"/>
+                <a:cs typeface="+mn-cs"/>
+              </a:defRPr>
+            </a:lvl3pPr>
+            <a:lvl4pPr marL="1371600" algn="l" defTabSz="914400" rtl="0" eaLnBrk="1" latinLnBrk="0" hangingPunct="1">
+              <a:defRPr sz="1800" kern="1200">
+                <a:solidFill>
+                  <a:schemeClr val="lt1"/>
+                </a:solidFill>
+                <a:latin typeface="+mn-lt"/>
+                <a:ea typeface="+mn-ea"/>
+                <a:cs typeface="+mn-cs"/>
+              </a:defRPr>
+            </a:lvl4pPr>
+            <a:lvl5pPr marL="1828800" algn="l" defTabSz="914400" rtl="0" eaLnBrk="1" latinLnBrk="0" hangingPunct="1">
+              <a:defRPr sz="1800" kern="1200">
+                <a:solidFill>
+                  <a:schemeClr val="lt1"/>
+                </a:solidFill>
+                <a:latin typeface="+mn-lt"/>
+                <a:ea typeface="+mn-ea"/>
+                <a:cs typeface="+mn-cs"/>
+              </a:defRPr>
+            </a:lvl5pPr>
+            <a:lvl6pPr marL="2286000" algn="l" defTabSz="914400" rtl="0" eaLnBrk="1" latinLnBrk="0" hangingPunct="1">
+              <a:defRPr sz="1800" kern="1200">
+                <a:solidFill>
+                  <a:schemeClr val="lt1"/>
+                </a:solidFill>
+                <a:latin typeface="+mn-lt"/>
+                <a:ea typeface="+mn-ea"/>
+                <a:cs typeface="+mn-cs"/>
+              </a:defRPr>
+            </a:lvl6pPr>
+            <a:lvl7pPr marL="2743200" algn="l" defTabSz="914400" rtl="0" eaLnBrk="1" latinLnBrk="0" hangingPunct="1">
+              <a:defRPr sz="1800" kern="1200">
+                <a:solidFill>
+                  <a:schemeClr val="lt1"/>
+                </a:solidFill>
+                <a:latin typeface="+mn-lt"/>
+                <a:ea typeface="+mn-ea"/>
+                <a:cs typeface="+mn-cs"/>
+              </a:defRPr>
+            </a:lvl7pPr>
+            <a:lvl8pPr marL="3200400" algn="l" defTabSz="914400" rtl="0" eaLnBrk="1" latinLnBrk="0" hangingPunct="1">
+              <a:defRPr sz="1800" kern="1200">
+                <a:solidFill>
+                  <a:schemeClr val="lt1"/>
+                </a:solidFill>
+                <a:latin typeface="+mn-lt"/>
+                <a:ea typeface="+mn-ea"/>
+                <a:cs typeface="+mn-cs"/>
+              </a:defRPr>
+            </a:lvl8pPr>
+            <a:lvl9pPr marL="3657600" algn="l" defTabSz="914400" rtl="0" eaLnBrk="1" latinLnBrk="0" hangingPunct="1">
+              <a:defRPr sz="1800" kern="1200">
+                <a:solidFill>
+                  <a:schemeClr val="lt1"/>
+                </a:solidFill>
+                <a:latin typeface="+mn-lt"/>
+                <a:ea typeface="+mn-ea"/>
+                <a:cs typeface="+mn-cs"/>
+              </a:defRPr>
+            </a:lvl9pPr>
+          </a:lstStyle>
+          <a:p>
+            <a:pPr algn="just"/>
+            <a:r>
+              <a:rPr lang="pt-BR" dirty="0">
+                <a:latin typeface="Ink Free"/>
+                <a:cs typeface="Times New Roman"/>
+              </a:rPr>
+              <a:t>Eu </a:t>
+            </a:r>
+            <a:r>
+              <a:rPr lang="pt-BR" b="1" dirty="0">
+                <a:solidFill>
+                  <a:schemeClr val="tx2">
+                    <a:lumMod val="50000"/>
+                  </a:schemeClr>
+                </a:solidFill>
+                <a:latin typeface="Ink Free"/>
+                <a:cs typeface="Times New Roman"/>
+              </a:rPr>
+              <a:t>enquanto</a:t>
+            </a:r>
+            <a:r>
+              <a:rPr lang="pt-BR" b="1" dirty="0">
+                <a:latin typeface="Ink Free"/>
+                <a:cs typeface="Times New Roman"/>
+              </a:rPr>
+              <a:t> </a:t>
+            </a:r>
+            <a:r>
+              <a:rPr lang="pt-BR" dirty="0">
+                <a:latin typeface="Ink Free"/>
+                <a:cs typeface="Times New Roman"/>
+              </a:rPr>
+              <a:t>professor</a:t>
+            </a:r>
+            <a:r>
+              <a:rPr lang="pt-BR" dirty="0">
+                <a:solidFill>
+                  <a:schemeClr val="tx2">
+                    <a:lumMod val="50000"/>
+                  </a:schemeClr>
+                </a:solidFill>
+                <a:latin typeface="Ink Free"/>
+                <a:cs typeface="Times New Roman"/>
+              </a:rPr>
+              <a:t> </a:t>
+            </a:r>
+            <a:r>
+              <a:rPr lang="pt-BR" b="1" dirty="0">
+                <a:solidFill>
+                  <a:schemeClr val="tx2">
+                    <a:lumMod val="50000"/>
+                  </a:schemeClr>
+                </a:solidFill>
+                <a:latin typeface="Ink Free"/>
+                <a:cs typeface="Times New Roman"/>
+              </a:rPr>
+              <a:t>quero </a:t>
+            </a:r>
+            <a:r>
+              <a:rPr lang="pt-BR" dirty="0">
+                <a:latin typeface="Ink Free"/>
+                <a:cs typeface="Times New Roman"/>
+              </a:rPr>
+              <a:t>que o tempo ocioso em aula após a ocorrência de problema na máquina for detectada seja o menor possível </a:t>
+            </a:r>
+            <a:r>
+              <a:rPr lang="pt-BR" b="1" dirty="0">
+                <a:solidFill>
+                  <a:schemeClr val="tx2">
+                    <a:lumMod val="50000"/>
+                  </a:schemeClr>
+                </a:solidFill>
+                <a:latin typeface="Ink Free"/>
+                <a:cs typeface="Times New Roman"/>
+              </a:rPr>
+              <a:t>porque</a:t>
+            </a:r>
+            <a:r>
+              <a:rPr lang="pt-BR" b="1" dirty="0">
+                <a:latin typeface="Ink Free"/>
+                <a:cs typeface="Times New Roman"/>
+              </a:rPr>
+              <a:t> </a:t>
+            </a:r>
+            <a:r>
+              <a:rPr lang="pt-BR" dirty="0">
+                <a:latin typeface="Ink Free"/>
+                <a:cs typeface="Times New Roman"/>
+              </a:rPr>
+              <a:t>não quero atrasar o conteúdo que preparei aos alunos</a:t>
+            </a:r>
+            <a:r>
+              <a:rPr lang="pt-BR" sz="1800" dirty="0">
+                <a:effectLst/>
+                <a:latin typeface="Ink Free"/>
+                <a:ea typeface="Calibri" panose="020F0502020204030204" pitchFamily="34" charset="0"/>
+                <a:cs typeface="Times New Roman"/>
+              </a:rPr>
+              <a:t>.</a:t>
+            </a:r>
+            <a:endParaRPr lang="pt-BR" sz="1800" dirty="0">
+              <a:effectLst/>
+              <a:latin typeface="Calibri" panose="020F0502020204030204" pitchFamily="34" charset="0"/>
+              <a:ea typeface="Calibri" panose="020F0502020204030204" pitchFamily="34" charset="0"/>
+              <a:cs typeface="Times New Roman" panose="02020603050405020304" pitchFamily="18" charset="0"/>
+            </a:endParaRPr>
+          </a:p>
+        </p:txBody>
+      </p:sp>
+      <p:sp>
+        <p:nvSpPr>
+          <p:cNvPr id="8" name="Retângulo 12">
+            <a:extLst>
+              <a:ext uri="{FF2B5EF4-FFF2-40B4-BE49-F238E27FC236}">
+                <a16:creationId xmlns:a16="http://schemas.microsoft.com/office/drawing/2014/main" id="{21DD962C-323C-4904-97E3-118790B5EE94}"/>
+              </a:ext>
+            </a:extLst>
+          </p:cNvPr>
+          <p:cNvSpPr/>
+          <p:nvPr/>
+        </p:nvSpPr>
+        <p:spPr>
+          <a:xfrm>
+            <a:off x="4533564" y="4263499"/>
+            <a:ext cx="2992918" cy="1726922"/>
+          </a:xfrm>
+          <a:custGeom>
+            <a:avLst/>
+            <a:gdLst>
+              <a:gd name="connsiteX0" fmla="*/ 0 w 2992918"/>
+              <a:gd name="connsiteY0" fmla="*/ 0 h 1726922"/>
+              <a:gd name="connsiteX1" fmla="*/ 628513 w 2992918"/>
+              <a:gd name="connsiteY1" fmla="*/ 0 h 1726922"/>
+              <a:gd name="connsiteX2" fmla="*/ 1167238 w 2992918"/>
+              <a:gd name="connsiteY2" fmla="*/ 0 h 1726922"/>
+              <a:gd name="connsiteX3" fmla="*/ 1735892 w 2992918"/>
+              <a:gd name="connsiteY3" fmla="*/ 0 h 1726922"/>
+              <a:gd name="connsiteX4" fmla="*/ 2334476 w 2992918"/>
+              <a:gd name="connsiteY4" fmla="*/ 0 h 1726922"/>
+              <a:gd name="connsiteX5" fmla="*/ 2992918 w 2992918"/>
+              <a:gd name="connsiteY5" fmla="*/ 0 h 1726922"/>
+              <a:gd name="connsiteX6" fmla="*/ 2992918 w 2992918"/>
+              <a:gd name="connsiteY6" fmla="*/ 558371 h 1726922"/>
+              <a:gd name="connsiteX7" fmla="*/ 2992918 w 2992918"/>
+              <a:gd name="connsiteY7" fmla="*/ 1151281 h 1726922"/>
+              <a:gd name="connsiteX8" fmla="*/ 2992918 w 2992918"/>
+              <a:gd name="connsiteY8" fmla="*/ 1726922 h 1726922"/>
+              <a:gd name="connsiteX9" fmla="*/ 2484122 w 2992918"/>
+              <a:gd name="connsiteY9" fmla="*/ 1726922 h 1726922"/>
+              <a:gd name="connsiteX10" fmla="*/ 1945397 w 2992918"/>
+              <a:gd name="connsiteY10" fmla="*/ 1726922 h 1726922"/>
+              <a:gd name="connsiteX11" fmla="*/ 1346813 w 2992918"/>
+              <a:gd name="connsiteY11" fmla="*/ 1726922 h 1726922"/>
+              <a:gd name="connsiteX12" fmla="*/ 838017 w 2992918"/>
+              <a:gd name="connsiteY12" fmla="*/ 1726922 h 1726922"/>
+              <a:gd name="connsiteX13" fmla="*/ 0 w 2992918"/>
+              <a:gd name="connsiteY13" fmla="*/ 1726922 h 1726922"/>
+              <a:gd name="connsiteX14" fmla="*/ 0 w 2992918"/>
+              <a:gd name="connsiteY14" fmla="*/ 1116743 h 1726922"/>
+              <a:gd name="connsiteX15" fmla="*/ 0 w 2992918"/>
+              <a:gd name="connsiteY15" fmla="*/ 592910 h 1726922"/>
+              <a:gd name="connsiteX16" fmla="*/ 0 w 2992918"/>
+              <a:gd name="connsiteY16" fmla="*/ 0 h 1726922"/>
+            </a:gdLst>
+            <a:ahLst/>
+            <a:cxnLst>
+              <a:cxn ang="0">
+                <a:pos x="connsiteX0" y="connsiteY0"/>
+              </a:cxn>
+              <a:cxn ang="0">
+                <a:pos x="connsiteX1" y="connsiteY1"/>
+              </a:cxn>
+              <a:cxn ang="0">
+                <a:pos x="connsiteX2" y="connsiteY2"/>
+              </a:cxn>
+              <a:cxn ang="0">
+                <a:pos x="connsiteX3" y="connsiteY3"/>
+              </a:cxn>
+              <a:cxn ang="0">
+                <a:pos x="connsiteX4" y="connsiteY4"/>
+              </a:cxn>
+              <a:cxn ang="0">
+                <a:pos x="connsiteX5" y="connsiteY5"/>
+              </a:cxn>
+              <a:cxn ang="0">
+                <a:pos x="connsiteX6" y="connsiteY6"/>
+              </a:cxn>
+              <a:cxn ang="0">
+                <a:pos x="connsiteX7" y="connsiteY7"/>
+              </a:cxn>
+              <a:cxn ang="0">
+                <a:pos x="connsiteX8" y="connsiteY8"/>
+              </a:cxn>
+              <a:cxn ang="0">
+                <a:pos x="connsiteX9" y="connsiteY9"/>
+              </a:cxn>
+              <a:cxn ang="0">
+                <a:pos x="connsiteX10" y="connsiteY10"/>
+              </a:cxn>
+              <a:cxn ang="0">
+                <a:pos x="connsiteX11" y="connsiteY11"/>
+              </a:cxn>
+              <a:cxn ang="0">
+                <a:pos x="connsiteX12" y="connsiteY12"/>
+              </a:cxn>
+              <a:cxn ang="0">
+                <a:pos x="connsiteX13" y="connsiteY13"/>
+              </a:cxn>
+              <a:cxn ang="0">
+                <a:pos x="connsiteX14" y="connsiteY14"/>
+              </a:cxn>
+              <a:cxn ang="0">
+                <a:pos x="connsiteX15" y="connsiteY15"/>
+              </a:cxn>
+              <a:cxn ang="0">
+                <a:pos x="connsiteX16" y="connsiteY16"/>
+              </a:cxn>
+            </a:cxnLst>
+            <a:rect l="l" t="t" r="r" b="b"/>
+            <a:pathLst>
+              <a:path w="2992918" h="1726922" fill="none" extrusionOk="0">
+                <a:moveTo>
+                  <a:pt x="0" y="0"/>
+                </a:moveTo>
+                <a:cubicBezTo>
+                  <a:pt x="254431" y="-41858"/>
+                  <a:pt x="370948" y="57315"/>
+                  <a:pt x="628513" y="0"/>
+                </a:cubicBezTo>
+                <a:cubicBezTo>
+                  <a:pt x="886078" y="-57315"/>
+                  <a:pt x="1023775" y="58887"/>
+                  <a:pt x="1167238" y="0"/>
+                </a:cubicBezTo>
+                <a:cubicBezTo>
+                  <a:pt x="1310701" y="-58887"/>
+                  <a:pt x="1557590" y="20525"/>
+                  <a:pt x="1735892" y="0"/>
+                </a:cubicBezTo>
+                <a:cubicBezTo>
+                  <a:pt x="1914194" y="-20525"/>
+                  <a:pt x="2168518" y="23568"/>
+                  <a:pt x="2334476" y="0"/>
+                </a:cubicBezTo>
+                <a:cubicBezTo>
+                  <a:pt x="2500434" y="-23568"/>
+                  <a:pt x="2789864" y="76295"/>
+                  <a:pt x="2992918" y="0"/>
+                </a:cubicBezTo>
+                <a:cubicBezTo>
+                  <a:pt x="3017288" y="205298"/>
+                  <a:pt x="2929808" y="444720"/>
+                  <a:pt x="2992918" y="558371"/>
+                </a:cubicBezTo>
+                <a:cubicBezTo>
+                  <a:pt x="3056028" y="672022"/>
+                  <a:pt x="2974863" y="865552"/>
+                  <a:pt x="2992918" y="1151281"/>
+                </a:cubicBezTo>
+                <a:cubicBezTo>
+                  <a:pt x="3010973" y="1437010"/>
+                  <a:pt x="2980362" y="1532264"/>
+                  <a:pt x="2992918" y="1726922"/>
+                </a:cubicBezTo>
+                <a:cubicBezTo>
+                  <a:pt x="2855738" y="1729804"/>
+                  <a:pt x="2647213" y="1682653"/>
+                  <a:pt x="2484122" y="1726922"/>
+                </a:cubicBezTo>
+                <a:cubicBezTo>
+                  <a:pt x="2321031" y="1771191"/>
+                  <a:pt x="2112653" y="1689020"/>
+                  <a:pt x="1945397" y="1726922"/>
+                </a:cubicBezTo>
+                <a:cubicBezTo>
+                  <a:pt x="1778142" y="1764824"/>
+                  <a:pt x="1584428" y="1691164"/>
+                  <a:pt x="1346813" y="1726922"/>
+                </a:cubicBezTo>
+                <a:cubicBezTo>
+                  <a:pt x="1109198" y="1762680"/>
+                  <a:pt x="1072543" y="1686206"/>
+                  <a:pt x="838017" y="1726922"/>
+                </a:cubicBezTo>
+                <a:cubicBezTo>
+                  <a:pt x="603491" y="1767638"/>
+                  <a:pt x="396667" y="1687974"/>
+                  <a:pt x="0" y="1726922"/>
+                </a:cubicBezTo>
+                <a:cubicBezTo>
+                  <a:pt x="-7313" y="1490492"/>
+                  <a:pt x="35188" y="1338949"/>
+                  <a:pt x="0" y="1116743"/>
+                </a:cubicBezTo>
+                <a:cubicBezTo>
+                  <a:pt x="-35188" y="894537"/>
+                  <a:pt x="47575" y="834400"/>
+                  <a:pt x="0" y="592910"/>
+                </a:cubicBezTo>
+                <a:cubicBezTo>
+                  <a:pt x="-47575" y="351420"/>
+                  <a:pt x="44472" y="243447"/>
+                  <a:pt x="0" y="0"/>
+                </a:cubicBezTo>
+                <a:close/>
+              </a:path>
+              <a:path w="2992918" h="1726922" stroke="0" extrusionOk="0">
+                <a:moveTo>
+                  <a:pt x="0" y="0"/>
+                </a:moveTo>
+                <a:cubicBezTo>
+                  <a:pt x="207085" y="-44094"/>
+                  <a:pt x="514152" y="70488"/>
+                  <a:pt x="658442" y="0"/>
+                </a:cubicBezTo>
+                <a:cubicBezTo>
+                  <a:pt x="802732" y="-70488"/>
+                  <a:pt x="994282" y="11839"/>
+                  <a:pt x="1257026" y="0"/>
+                </a:cubicBezTo>
+                <a:cubicBezTo>
+                  <a:pt x="1519770" y="-11839"/>
+                  <a:pt x="1586737" y="21878"/>
+                  <a:pt x="1795751" y="0"/>
+                </a:cubicBezTo>
+                <a:cubicBezTo>
+                  <a:pt x="2004765" y="-21878"/>
+                  <a:pt x="2159387" y="24725"/>
+                  <a:pt x="2394334" y="0"/>
+                </a:cubicBezTo>
+                <a:cubicBezTo>
+                  <a:pt x="2629281" y="-24725"/>
+                  <a:pt x="2716989" y="36928"/>
+                  <a:pt x="2992918" y="0"/>
+                </a:cubicBezTo>
+                <a:cubicBezTo>
+                  <a:pt x="3009199" y="268948"/>
+                  <a:pt x="2928441" y="408979"/>
+                  <a:pt x="2992918" y="541102"/>
+                </a:cubicBezTo>
+                <a:cubicBezTo>
+                  <a:pt x="3057395" y="673225"/>
+                  <a:pt x="2989635" y="904392"/>
+                  <a:pt x="2992918" y="1064935"/>
+                </a:cubicBezTo>
+                <a:cubicBezTo>
+                  <a:pt x="2996201" y="1225478"/>
+                  <a:pt x="2976682" y="1583901"/>
+                  <a:pt x="2992918" y="1726922"/>
+                </a:cubicBezTo>
+                <a:cubicBezTo>
+                  <a:pt x="2876211" y="1749601"/>
+                  <a:pt x="2657452" y="1714020"/>
+                  <a:pt x="2424264" y="1726922"/>
+                </a:cubicBezTo>
+                <a:cubicBezTo>
+                  <a:pt x="2191076" y="1739824"/>
+                  <a:pt x="2116688" y="1697447"/>
+                  <a:pt x="1855609" y="1726922"/>
+                </a:cubicBezTo>
+                <a:cubicBezTo>
+                  <a:pt x="1594530" y="1756397"/>
+                  <a:pt x="1414601" y="1709742"/>
+                  <a:pt x="1286955" y="1726922"/>
+                </a:cubicBezTo>
+                <a:cubicBezTo>
+                  <a:pt x="1159309" y="1744102"/>
+                  <a:pt x="935245" y="1685023"/>
+                  <a:pt x="658442" y="1726922"/>
+                </a:cubicBezTo>
+                <a:cubicBezTo>
+                  <a:pt x="381639" y="1768821"/>
+                  <a:pt x="177605" y="1653962"/>
+                  <a:pt x="0" y="1726922"/>
+                </a:cubicBezTo>
+                <a:cubicBezTo>
+                  <a:pt x="-47550" y="1562046"/>
+                  <a:pt x="53506" y="1437838"/>
+                  <a:pt x="0" y="1168551"/>
+                </a:cubicBezTo>
+                <a:cubicBezTo>
+                  <a:pt x="-53506" y="899264"/>
+                  <a:pt x="52728" y="804219"/>
+                  <a:pt x="0" y="627448"/>
+                </a:cubicBezTo>
+                <a:cubicBezTo>
+                  <a:pt x="-52728" y="450677"/>
+                  <a:pt x="50199" y="157645"/>
+                  <a:pt x="0" y="0"/>
+                </a:cubicBezTo>
+                <a:close/>
+              </a:path>
+            </a:pathLst>
+          </a:custGeom>
+          <a:solidFill>
+            <a:srgbClr val="BD582C"/>
+          </a:solidFill>
+          <a:ln>
+            <a:gradFill>
+              <a:gsLst>
+                <a:gs pos="0">
+                  <a:schemeClr val="accent1">
+                    <a:lumMod val="5000"/>
+                    <a:lumOff val="95000"/>
+                  </a:schemeClr>
+                </a:gs>
+                <a:gs pos="74000">
+                  <a:schemeClr val="accent1">
+                    <a:lumMod val="45000"/>
+                    <a:lumOff val="55000"/>
+                  </a:schemeClr>
+                </a:gs>
+                <a:gs pos="83000">
+                  <a:schemeClr val="accent1">
+                    <a:lumMod val="45000"/>
+                    <a:lumOff val="55000"/>
+                  </a:schemeClr>
+                </a:gs>
+                <a:gs pos="100000">
+                  <a:schemeClr val="accent1">
+                    <a:lumMod val="30000"/>
+                    <a:lumOff val="70000"/>
+                  </a:schemeClr>
+                </a:gs>
+              </a:gsLst>
+              <a:lin ang="5400000" scaled="1"/>
+            </a:gradFill>
+            <a:extLst>
+              <a:ext uri="{C807C97D-BFC1-408E-A445-0C87EB9F89A2}">
+                <ask:lineSketchStyleProps xmlns:ask="http://schemas.microsoft.com/office/drawing/2018/sketchyshapes" sd="981765707">
+                  <a:prstGeom prst="rect">
+                    <a:avLst/>
+                  </a:prstGeom>
+                  <ask:type>
+                    <ask:lineSketchScribble/>
+                  </ask:type>
+                </ask:lineSketchStyleProps>
+              </a:ext>
+            </a:extLst>
+          </a:ln>
+          <a:effectLst>
+            <a:outerShdw blurRad="63500" sx="102000" sy="102000" algn="ctr" rotWithShape="0">
+              <a:prstClr val="black">
+                <a:alpha val="40000"/>
+              </a:prstClr>
+            </a:outerShdw>
+          </a:effectLst>
+        </p:spPr>
+        <p:style>
+          <a:lnRef idx="2">
+            <a:schemeClr val="accent1">
+              <a:shade val="50000"/>
+            </a:schemeClr>
+          </a:lnRef>
+          <a:fillRef idx="1">
+            <a:schemeClr val="accent1"/>
+          </a:fillRef>
+          <a:effectRef idx="0">
+            <a:schemeClr val="accent1"/>
+          </a:effectRef>
+          <a:fontRef idx="minor">
+            <a:schemeClr val="lt1"/>
+          </a:fontRef>
+        </p:style>
+        <p:txBody>
+          <a:bodyPr lIns="91440" tIns="45720" rIns="91440" bIns="45720" rtlCol="0" anchor="ctr"/>
+          <a:lstStyle>
+            <a:defPPr>
+              <a:defRPr lang="pt-BR"/>
+            </a:defPPr>
+            <a:lvl1pPr marL="0" algn="l" defTabSz="914400" rtl="0" eaLnBrk="1" latinLnBrk="0" hangingPunct="1">
+              <a:defRPr sz="1800" kern="1200">
+                <a:solidFill>
+                  <a:schemeClr val="lt1"/>
+                </a:solidFill>
+                <a:latin typeface="+mn-lt"/>
+                <a:ea typeface="+mn-ea"/>
+                <a:cs typeface="+mn-cs"/>
+              </a:defRPr>
+            </a:lvl1pPr>
+            <a:lvl2pPr marL="457200" algn="l" defTabSz="914400" rtl="0" eaLnBrk="1" latinLnBrk="0" hangingPunct="1">
+              <a:defRPr sz="1800" kern="1200">
+                <a:solidFill>
+                  <a:schemeClr val="lt1"/>
+                </a:solidFill>
+                <a:latin typeface="+mn-lt"/>
+                <a:ea typeface="+mn-ea"/>
+                <a:cs typeface="+mn-cs"/>
+              </a:defRPr>
+            </a:lvl2pPr>
+            <a:lvl3pPr marL="914400" algn="l" defTabSz="914400" rtl="0" eaLnBrk="1" latinLnBrk="0" hangingPunct="1">
+              <a:defRPr sz="1800" kern="1200">
+                <a:solidFill>
+                  <a:schemeClr val="lt1"/>
+                </a:solidFill>
+                <a:latin typeface="+mn-lt"/>
+                <a:ea typeface="+mn-ea"/>
+                <a:cs typeface="+mn-cs"/>
+              </a:defRPr>
+            </a:lvl3pPr>
+            <a:lvl4pPr marL="1371600" algn="l" defTabSz="914400" rtl="0" eaLnBrk="1" latinLnBrk="0" hangingPunct="1">
+              <a:defRPr sz="1800" kern="1200">
+                <a:solidFill>
+                  <a:schemeClr val="lt1"/>
+                </a:solidFill>
+                <a:latin typeface="+mn-lt"/>
+                <a:ea typeface="+mn-ea"/>
+                <a:cs typeface="+mn-cs"/>
+              </a:defRPr>
+            </a:lvl4pPr>
+            <a:lvl5pPr marL="1828800" algn="l" defTabSz="914400" rtl="0" eaLnBrk="1" latinLnBrk="0" hangingPunct="1">
+              <a:defRPr sz="1800" kern="1200">
+                <a:solidFill>
+                  <a:schemeClr val="lt1"/>
+                </a:solidFill>
+                <a:latin typeface="+mn-lt"/>
+                <a:ea typeface="+mn-ea"/>
+                <a:cs typeface="+mn-cs"/>
+              </a:defRPr>
+            </a:lvl5pPr>
+            <a:lvl6pPr marL="2286000" algn="l" defTabSz="914400" rtl="0" eaLnBrk="1" latinLnBrk="0" hangingPunct="1">
+              <a:defRPr sz="1800" kern="1200">
+                <a:solidFill>
+                  <a:schemeClr val="lt1"/>
+                </a:solidFill>
+                <a:latin typeface="+mn-lt"/>
+                <a:ea typeface="+mn-ea"/>
+                <a:cs typeface="+mn-cs"/>
+              </a:defRPr>
+            </a:lvl6pPr>
+            <a:lvl7pPr marL="2743200" algn="l" defTabSz="914400" rtl="0" eaLnBrk="1" latinLnBrk="0" hangingPunct="1">
+              <a:defRPr sz="1800" kern="1200">
+                <a:solidFill>
+                  <a:schemeClr val="lt1"/>
+                </a:solidFill>
+                <a:latin typeface="+mn-lt"/>
+                <a:ea typeface="+mn-ea"/>
+                <a:cs typeface="+mn-cs"/>
+              </a:defRPr>
+            </a:lvl7pPr>
+            <a:lvl8pPr marL="3200400" algn="l" defTabSz="914400" rtl="0" eaLnBrk="1" latinLnBrk="0" hangingPunct="1">
+              <a:defRPr sz="1800" kern="1200">
+                <a:solidFill>
+                  <a:schemeClr val="lt1"/>
+                </a:solidFill>
+                <a:latin typeface="+mn-lt"/>
+                <a:ea typeface="+mn-ea"/>
+                <a:cs typeface="+mn-cs"/>
+              </a:defRPr>
+            </a:lvl8pPr>
+            <a:lvl9pPr marL="3657600" algn="l" defTabSz="914400" rtl="0" eaLnBrk="1" latinLnBrk="0" hangingPunct="1">
+              <a:defRPr sz="1800" kern="1200">
+                <a:solidFill>
+                  <a:schemeClr val="lt1"/>
+                </a:solidFill>
+                <a:latin typeface="+mn-lt"/>
+                <a:ea typeface="+mn-ea"/>
+                <a:cs typeface="+mn-cs"/>
+              </a:defRPr>
+            </a:lvl9pPr>
+          </a:lstStyle>
+          <a:p>
+            <a:pPr algn="just"/>
+            <a:r>
+              <a:rPr lang="pt-BR" dirty="0">
+                <a:latin typeface="Ink Free"/>
+                <a:cs typeface="Times New Roman"/>
+              </a:rPr>
+              <a:t>Eu </a:t>
+            </a:r>
+            <a:r>
+              <a:rPr lang="pt-BR" b="1" dirty="0">
+                <a:solidFill>
+                  <a:schemeClr val="tx2">
+                    <a:lumMod val="50000"/>
+                  </a:schemeClr>
+                </a:solidFill>
+                <a:latin typeface="Ink Free"/>
+                <a:cs typeface="Times New Roman"/>
+              </a:rPr>
+              <a:t>enquanto</a:t>
+            </a:r>
+            <a:r>
+              <a:rPr lang="pt-BR" b="1" dirty="0">
+                <a:latin typeface="Ink Free"/>
+                <a:cs typeface="Times New Roman"/>
+              </a:rPr>
+              <a:t> </a:t>
+            </a:r>
+            <a:r>
+              <a:rPr lang="pt-BR" dirty="0">
+                <a:latin typeface="Ink Free"/>
+                <a:cs typeface="Times New Roman"/>
+              </a:rPr>
+              <a:t>professor não </a:t>
+            </a:r>
+            <a:r>
+              <a:rPr lang="pt-BR" b="1" dirty="0">
+                <a:solidFill>
+                  <a:schemeClr val="tx2">
+                    <a:lumMod val="50000"/>
+                  </a:schemeClr>
+                </a:solidFill>
+                <a:latin typeface="Ink Free"/>
+                <a:cs typeface="Times New Roman"/>
+              </a:rPr>
+              <a:t>quero</a:t>
+            </a:r>
+            <a:r>
+              <a:rPr lang="pt-BR" b="1" dirty="0">
+                <a:latin typeface="Ink Free"/>
+                <a:cs typeface="Times New Roman"/>
+              </a:rPr>
+              <a:t> </a:t>
+            </a:r>
+            <a:r>
+              <a:rPr lang="pt-BR" dirty="0">
+                <a:latin typeface="Ink Free"/>
+                <a:cs typeface="Times New Roman"/>
+              </a:rPr>
+              <a:t>ter que pedir aos alunos </a:t>
+            </a:r>
+            <a:r>
+              <a:rPr lang="pt-BR" b="1" dirty="0">
+                <a:solidFill>
+                  <a:schemeClr val="tx2">
+                    <a:lumMod val="50000"/>
+                  </a:schemeClr>
+                </a:solidFill>
+                <a:latin typeface="Ink Free"/>
+                <a:cs typeface="Times New Roman"/>
+              </a:rPr>
+              <a:t>para</a:t>
+            </a:r>
+            <a:r>
+              <a:rPr lang="pt-BR" b="1" dirty="0">
+                <a:latin typeface="Ink Free"/>
+                <a:cs typeface="Times New Roman"/>
+              </a:rPr>
+              <a:t> </a:t>
+            </a:r>
+            <a:r>
+              <a:rPr lang="pt-BR" dirty="0">
+                <a:latin typeface="Ink Free"/>
+                <a:cs typeface="Times New Roman"/>
+              </a:rPr>
+              <a:t>chamarem o suporte porque eles não podem perder conteúdo </a:t>
+            </a:r>
+            <a:r>
+              <a:rPr lang="pt-BR" sz="1800" dirty="0">
+                <a:effectLst/>
+                <a:latin typeface="Ink Free"/>
+                <a:ea typeface="Calibri" panose="020F0502020204030204" pitchFamily="34" charset="0"/>
+                <a:cs typeface="Times New Roman"/>
+              </a:rPr>
+              <a:t>da aula.</a:t>
+            </a:r>
+            <a:endParaRPr lang="en-US" dirty="0"/>
+          </a:p>
+        </p:txBody>
+      </p:sp>
+    </p:spTree>
+    <p:extLst>
+      <p:ext uri="{BB962C8B-B14F-4D97-AF65-F5344CB8AC3E}">
+        <p14:creationId xmlns:p14="http://schemas.microsoft.com/office/powerpoint/2010/main" val="1003232542"/>
+      </p:ext>
+    </p:extLst>
+  </p:cSld>
+  <p:clrMapOvr>
+    <a:masterClrMapping/>
+  </p:clrMapOvr>
+</p:sld>
+</file>
+
+<file path=ppt/slides/slide12.xml><?xml version="1.0" encoding="utf-8"?>
+<p:sld xmlns:a="http://schemas.openxmlformats.org/drawingml/2006/main" xmlns:r="http://schemas.openxmlformats.org/officeDocument/2006/relationships" xmlns:p="http://schemas.openxmlformats.org/presentationml/2006/main">
+  <p:cSld>
+    <p:spTree>
+      <p:nvGrpSpPr>
+        <p:cNvPr id="1" name=""/>
+        <p:cNvGrpSpPr/>
+        <p:nvPr/>
+      </p:nvGrpSpPr>
+      <p:grpSpPr>
+        <a:xfrm>
+          <a:off x="0" y="0"/>
+          <a:ext cx="0" cy="0"/>
+          <a:chOff x="0" y="0"/>
+          <a:chExt cx="0" cy="0"/>
+        </a:xfrm>
+      </p:grpSpPr>
+      <p:sp>
+        <p:nvSpPr>
+          <p:cNvPr id="2" name="Title 1">
+            <a:extLst>
+              <a:ext uri="{FF2B5EF4-FFF2-40B4-BE49-F238E27FC236}">
+                <a16:creationId xmlns:a16="http://schemas.microsoft.com/office/drawing/2014/main" id="{B6583983-6753-415F-8FB6-91F33040C26D}"/>
+              </a:ext>
+            </a:extLst>
+          </p:cNvPr>
+          <p:cNvSpPr>
+            <a:spLocks noGrp="1"/>
+          </p:cNvSpPr>
+          <p:nvPr>
+            <p:ph type="title"/>
+          </p:nvPr>
+        </p:nvSpPr>
+        <p:spPr/>
+        <p:txBody>
+          <a:bodyPr/>
+          <a:lstStyle/>
+          <a:p>
+            <a:r>
+              <a:rPr lang="en-US" dirty="0">
+                <a:cs typeface="Calibri Light"/>
+              </a:rPr>
+              <a:t>USER STORIES: PROFESSOR</a:t>
+            </a:r>
+            <a:endParaRPr lang="en-US" dirty="0"/>
+          </a:p>
+        </p:txBody>
+      </p:sp>
+      <p:sp>
+        <p:nvSpPr>
+          <p:cNvPr id="4" name="Retângulo 4">
+            <a:extLst>
+              <a:ext uri="{FF2B5EF4-FFF2-40B4-BE49-F238E27FC236}">
+                <a16:creationId xmlns:a16="http://schemas.microsoft.com/office/drawing/2014/main" id="{0479926F-3A0A-4F69-A906-2F13C6F8369C}"/>
+              </a:ext>
+            </a:extLst>
+          </p:cNvPr>
+          <p:cNvSpPr/>
+          <p:nvPr/>
+        </p:nvSpPr>
+        <p:spPr>
+          <a:xfrm>
+            <a:off x="5768990" y="2053322"/>
+            <a:ext cx="4541202" cy="1751940"/>
+          </a:xfrm>
+          <a:custGeom>
+            <a:avLst/>
+            <a:gdLst>
+              <a:gd name="connsiteX0" fmla="*/ 0 w 4541202"/>
+              <a:gd name="connsiteY0" fmla="*/ 0 h 1751940"/>
+              <a:gd name="connsiteX1" fmla="*/ 476826 w 4541202"/>
+              <a:gd name="connsiteY1" fmla="*/ 0 h 1751940"/>
+              <a:gd name="connsiteX2" fmla="*/ 908240 w 4541202"/>
+              <a:gd name="connsiteY2" fmla="*/ 0 h 1751940"/>
+              <a:gd name="connsiteX3" fmla="*/ 1566715 w 4541202"/>
+              <a:gd name="connsiteY3" fmla="*/ 0 h 1751940"/>
+              <a:gd name="connsiteX4" fmla="*/ 2088953 w 4541202"/>
+              <a:gd name="connsiteY4" fmla="*/ 0 h 1751940"/>
+              <a:gd name="connsiteX5" fmla="*/ 2702015 w 4541202"/>
+              <a:gd name="connsiteY5" fmla="*/ 0 h 1751940"/>
+              <a:gd name="connsiteX6" fmla="*/ 3133429 w 4541202"/>
+              <a:gd name="connsiteY6" fmla="*/ 0 h 1751940"/>
+              <a:gd name="connsiteX7" fmla="*/ 3791904 w 4541202"/>
+              <a:gd name="connsiteY7" fmla="*/ 0 h 1751940"/>
+              <a:gd name="connsiteX8" fmla="*/ 4541202 w 4541202"/>
+              <a:gd name="connsiteY8" fmla="*/ 0 h 1751940"/>
+              <a:gd name="connsiteX9" fmla="*/ 4541202 w 4541202"/>
+              <a:gd name="connsiteY9" fmla="*/ 566461 h 1751940"/>
+              <a:gd name="connsiteX10" fmla="*/ 4541202 w 4541202"/>
+              <a:gd name="connsiteY10" fmla="*/ 1150441 h 1751940"/>
+              <a:gd name="connsiteX11" fmla="*/ 4541202 w 4541202"/>
+              <a:gd name="connsiteY11" fmla="*/ 1751940 h 1751940"/>
+              <a:gd name="connsiteX12" fmla="*/ 3882728 w 4541202"/>
+              <a:gd name="connsiteY12" fmla="*/ 1751940 h 1751940"/>
+              <a:gd name="connsiteX13" fmla="*/ 3224253 w 4541202"/>
+              <a:gd name="connsiteY13" fmla="*/ 1751940 h 1751940"/>
+              <a:gd name="connsiteX14" fmla="*/ 2565779 w 4541202"/>
+              <a:gd name="connsiteY14" fmla="*/ 1751940 h 1751940"/>
+              <a:gd name="connsiteX15" fmla="*/ 2134365 w 4541202"/>
+              <a:gd name="connsiteY15" fmla="*/ 1751940 h 1751940"/>
+              <a:gd name="connsiteX16" fmla="*/ 1702951 w 4541202"/>
+              <a:gd name="connsiteY16" fmla="*/ 1751940 h 1751940"/>
+              <a:gd name="connsiteX17" fmla="*/ 1271537 w 4541202"/>
+              <a:gd name="connsiteY17" fmla="*/ 1751940 h 1751940"/>
+              <a:gd name="connsiteX18" fmla="*/ 658474 w 4541202"/>
+              <a:gd name="connsiteY18" fmla="*/ 1751940 h 1751940"/>
+              <a:gd name="connsiteX19" fmla="*/ 0 w 4541202"/>
+              <a:gd name="connsiteY19" fmla="*/ 1751940 h 1751940"/>
+              <a:gd name="connsiteX20" fmla="*/ 0 w 4541202"/>
+              <a:gd name="connsiteY20" fmla="*/ 1220518 h 1751940"/>
+              <a:gd name="connsiteX21" fmla="*/ 0 w 4541202"/>
+              <a:gd name="connsiteY21" fmla="*/ 671577 h 1751940"/>
+              <a:gd name="connsiteX22" fmla="*/ 0 w 4541202"/>
+              <a:gd name="connsiteY22" fmla="*/ 0 h 1751940"/>
+            </a:gdLst>
+            <a:ahLst/>
+            <a:cxnLst>
+              <a:cxn ang="0">
+                <a:pos x="connsiteX0" y="connsiteY0"/>
+              </a:cxn>
+              <a:cxn ang="0">
+                <a:pos x="connsiteX1" y="connsiteY1"/>
+              </a:cxn>
+              <a:cxn ang="0">
+                <a:pos x="connsiteX2" y="connsiteY2"/>
+              </a:cxn>
+              <a:cxn ang="0">
+                <a:pos x="connsiteX3" y="connsiteY3"/>
+              </a:cxn>
+              <a:cxn ang="0">
+                <a:pos x="connsiteX4" y="connsiteY4"/>
+              </a:cxn>
+              <a:cxn ang="0">
+                <a:pos x="connsiteX5" y="connsiteY5"/>
+              </a:cxn>
+              <a:cxn ang="0">
+                <a:pos x="connsiteX6" y="connsiteY6"/>
+              </a:cxn>
+              <a:cxn ang="0">
+                <a:pos x="connsiteX7" y="connsiteY7"/>
+              </a:cxn>
+              <a:cxn ang="0">
+                <a:pos x="connsiteX8" y="connsiteY8"/>
+              </a:cxn>
+              <a:cxn ang="0">
+                <a:pos x="connsiteX9" y="connsiteY9"/>
+              </a:cxn>
+              <a:cxn ang="0">
+                <a:pos x="connsiteX10" y="connsiteY10"/>
+              </a:cxn>
+              <a:cxn ang="0">
+                <a:pos x="connsiteX11" y="connsiteY11"/>
+              </a:cxn>
+              <a:cxn ang="0">
+                <a:pos x="connsiteX12" y="connsiteY12"/>
+              </a:cxn>
+              <a:cxn ang="0">
+                <a:pos x="connsiteX13" y="connsiteY13"/>
+              </a:cxn>
+              <a:cxn ang="0">
+                <a:pos x="connsiteX14" y="connsiteY14"/>
+              </a:cxn>
+              <a:cxn ang="0">
+                <a:pos x="connsiteX15" y="connsiteY15"/>
+              </a:cxn>
+              <a:cxn ang="0">
+                <a:pos x="connsiteX16" y="connsiteY16"/>
+              </a:cxn>
+              <a:cxn ang="0">
+                <a:pos x="connsiteX17" y="connsiteY17"/>
+              </a:cxn>
+              <a:cxn ang="0">
+                <a:pos x="connsiteX18" y="connsiteY18"/>
+              </a:cxn>
+              <a:cxn ang="0">
+                <a:pos x="connsiteX19" y="connsiteY19"/>
+              </a:cxn>
+              <a:cxn ang="0">
+                <a:pos x="connsiteX20" y="connsiteY20"/>
+              </a:cxn>
+              <a:cxn ang="0">
+                <a:pos x="connsiteX21" y="connsiteY21"/>
+              </a:cxn>
+              <a:cxn ang="0">
+                <a:pos x="connsiteX22" y="connsiteY22"/>
+              </a:cxn>
+            </a:cxnLst>
+            <a:rect l="l" t="t" r="r" b="b"/>
+            <a:pathLst>
+              <a:path w="4541202" h="1751940" fill="none" extrusionOk="0">
+                <a:moveTo>
+                  <a:pt x="0" y="0"/>
+                </a:moveTo>
+                <a:cubicBezTo>
+                  <a:pt x="107029" y="-45691"/>
+                  <a:pt x="291315" y="51456"/>
+                  <a:pt x="476826" y="0"/>
+                </a:cubicBezTo>
+                <a:cubicBezTo>
+                  <a:pt x="662337" y="-51456"/>
+                  <a:pt x="748824" y="46548"/>
+                  <a:pt x="908240" y="0"/>
+                </a:cubicBezTo>
+                <a:cubicBezTo>
+                  <a:pt x="1067656" y="-46548"/>
+                  <a:pt x="1386527" y="28461"/>
+                  <a:pt x="1566715" y="0"/>
+                </a:cubicBezTo>
+                <a:cubicBezTo>
+                  <a:pt x="1746903" y="-28461"/>
+                  <a:pt x="1934476" y="10329"/>
+                  <a:pt x="2088953" y="0"/>
+                </a:cubicBezTo>
+                <a:cubicBezTo>
+                  <a:pt x="2243430" y="-10329"/>
+                  <a:pt x="2495442" y="40072"/>
+                  <a:pt x="2702015" y="0"/>
+                </a:cubicBezTo>
+                <a:cubicBezTo>
+                  <a:pt x="2908588" y="-40072"/>
+                  <a:pt x="3040253" y="20013"/>
+                  <a:pt x="3133429" y="0"/>
+                </a:cubicBezTo>
+                <a:cubicBezTo>
+                  <a:pt x="3226605" y="-20013"/>
+                  <a:pt x="3489534" y="49625"/>
+                  <a:pt x="3791904" y="0"/>
+                </a:cubicBezTo>
+                <a:cubicBezTo>
+                  <a:pt x="4094275" y="-49625"/>
+                  <a:pt x="4199277" y="35980"/>
+                  <a:pt x="4541202" y="0"/>
+                </a:cubicBezTo>
+                <a:cubicBezTo>
+                  <a:pt x="4567668" y="169136"/>
+                  <a:pt x="4539537" y="365237"/>
+                  <a:pt x="4541202" y="566461"/>
+                </a:cubicBezTo>
+                <a:cubicBezTo>
+                  <a:pt x="4542867" y="767685"/>
+                  <a:pt x="4493545" y="953846"/>
+                  <a:pt x="4541202" y="1150441"/>
+                </a:cubicBezTo>
+                <a:cubicBezTo>
+                  <a:pt x="4588859" y="1347036"/>
+                  <a:pt x="4497155" y="1527838"/>
+                  <a:pt x="4541202" y="1751940"/>
+                </a:cubicBezTo>
+                <a:cubicBezTo>
+                  <a:pt x="4354541" y="1795301"/>
+                  <a:pt x="4198955" y="1675605"/>
+                  <a:pt x="3882728" y="1751940"/>
+                </a:cubicBezTo>
+                <a:cubicBezTo>
+                  <a:pt x="3566501" y="1828275"/>
+                  <a:pt x="3441575" y="1741618"/>
+                  <a:pt x="3224253" y="1751940"/>
+                </a:cubicBezTo>
+                <a:cubicBezTo>
+                  <a:pt x="3006932" y="1762262"/>
+                  <a:pt x="2735129" y="1679239"/>
+                  <a:pt x="2565779" y="1751940"/>
+                </a:cubicBezTo>
+                <a:cubicBezTo>
+                  <a:pt x="2396429" y="1824641"/>
+                  <a:pt x="2274233" y="1708716"/>
+                  <a:pt x="2134365" y="1751940"/>
+                </a:cubicBezTo>
+                <a:cubicBezTo>
+                  <a:pt x="1994497" y="1795164"/>
+                  <a:pt x="1869396" y="1749409"/>
+                  <a:pt x="1702951" y="1751940"/>
+                </a:cubicBezTo>
+                <a:cubicBezTo>
+                  <a:pt x="1536506" y="1754471"/>
+                  <a:pt x="1477488" y="1708653"/>
+                  <a:pt x="1271537" y="1751940"/>
+                </a:cubicBezTo>
+                <a:cubicBezTo>
+                  <a:pt x="1065586" y="1795227"/>
+                  <a:pt x="949304" y="1718844"/>
+                  <a:pt x="658474" y="1751940"/>
+                </a:cubicBezTo>
+                <a:cubicBezTo>
+                  <a:pt x="367644" y="1785036"/>
+                  <a:pt x="169885" y="1681676"/>
+                  <a:pt x="0" y="1751940"/>
+                </a:cubicBezTo>
+                <a:cubicBezTo>
+                  <a:pt x="-322" y="1617111"/>
+                  <a:pt x="45404" y="1397785"/>
+                  <a:pt x="0" y="1220518"/>
+                </a:cubicBezTo>
+                <a:cubicBezTo>
+                  <a:pt x="-45404" y="1043251"/>
+                  <a:pt x="50538" y="814439"/>
+                  <a:pt x="0" y="671577"/>
+                </a:cubicBezTo>
+                <a:cubicBezTo>
+                  <a:pt x="-50538" y="528715"/>
+                  <a:pt x="12374" y="259894"/>
+                  <a:pt x="0" y="0"/>
+                </a:cubicBezTo>
+                <a:close/>
+              </a:path>
+              <a:path w="4541202" h="1751940" stroke="0" extrusionOk="0">
+                <a:moveTo>
+                  <a:pt x="0" y="0"/>
+                </a:moveTo>
+                <a:cubicBezTo>
+                  <a:pt x="278029" y="-50652"/>
+                  <a:pt x="471909" y="44301"/>
+                  <a:pt x="658474" y="0"/>
+                </a:cubicBezTo>
+                <a:cubicBezTo>
+                  <a:pt x="845039" y="-44301"/>
+                  <a:pt x="986066" y="18847"/>
+                  <a:pt x="1226125" y="0"/>
+                </a:cubicBezTo>
+                <a:cubicBezTo>
+                  <a:pt x="1466184" y="-18847"/>
+                  <a:pt x="1470075" y="40090"/>
+                  <a:pt x="1702951" y="0"/>
+                </a:cubicBezTo>
+                <a:cubicBezTo>
+                  <a:pt x="1935827" y="-40090"/>
+                  <a:pt x="2031895" y="58702"/>
+                  <a:pt x="2270601" y="0"/>
+                </a:cubicBezTo>
+                <a:cubicBezTo>
+                  <a:pt x="2509307" y="-58702"/>
+                  <a:pt x="2608799" y="49485"/>
+                  <a:pt x="2929075" y="0"/>
+                </a:cubicBezTo>
+                <a:cubicBezTo>
+                  <a:pt x="3249351" y="-49485"/>
+                  <a:pt x="3263178" y="56331"/>
+                  <a:pt x="3405902" y="0"/>
+                </a:cubicBezTo>
+                <a:cubicBezTo>
+                  <a:pt x="3548626" y="-56331"/>
+                  <a:pt x="3628140" y="23018"/>
+                  <a:pt x="3837316" y="0"/>
+                </a:cubicBezTo>
+                <a:cubicBezTo>
+                  <a:pt x="4046492" y="-23018"/>
+                  <a:pt x="4215704" y="80523"/>
+                  <a:pt x="4541202" y="0"/>
+                </a:cubicBezTo>
+                <a:cubicBezTo>
+                  <a:pt x="4600796" y="149987"/>
+                  <a:pt x="4478209" y="339583"/>
+                  <a:pt x="4541202" y="583980"/>
+                </a:cubicBezTo>
+                <a:cubicBezTo>
+                  <a:pt x="4604195" y="828377"/>
+                  <a:pt x="4530341" y="916645"/>
+                  <a:pt x="4541202" y="1185479"/>
+                </a:cubicBezTo>
+                <a:cubicBezTo>
+                  <a:pt x="4552063" y="1454313"/>
+                  <a:pt x="4515334" y="1604054"/>
+                  <a:pt x="4541202" y="1751940"/>
+                </a:cubicBezTo>
+                <a:cubicBezTo>
+                  <a:pt x="4363599" y="1807229"/>
+                  <a:pt x="4191522" y="1700034"/>
+                  <a:pt x="4018964" y="1751940"/>
+                </a:cubicBezTo>
+                <a:cubicBezTo>
+                  <a:pt x="3846406" y="1803846"/>
+                  <a:pt x="3758703" y="1699863"/>
+                  <a:pt x="3542138" y="1751940"/>
+                </a:cubicBezTo>
+                <a:cubicBezTo>
+                  <a:pt x="3325573" y="1804017"/>
+                  <a:pt x="3130087" y="1742147"/>
+                  <a:pt x="3019899" y="1751940"/>
+                </a:cubicBezTo>
+                <a:cubicBezTo>
+                  <a:pt x="2909711" y="1761733"/>
+                  <a:pt x="2536627" y="1741218"/>
+                  <a:pt x="2406837" y="1751940"/>
+                </a:cubicBezTo>
+                <a:cubicBezTo>
+                  <a:pt x="2277047" y="1762662"/>
+                  <a:pt x="1911974" y="1676324"/>
+                  <a:pt x="1748363" y="1751940"/>
+                </a:cubicBezTo>
+                <a:cubicBezTo>
+                  <a:pt x="1584752" y="1827556"/>
+                  <a:pt x="1260277" y="1711006"/>
+                  <a:pt x="1135301" y="1751940"/>
+                </a:cubicBezTo>
+                <a:cubicBezTo>
+                  <a:pt x="1010325" y="1792874"/>
+                  <a:pt x="850208" y="1724421"/>
+                  <a:pt x="567650" y="1751940"/>
+                </a:cubicBezTo>
+                <a:cubicBezTo>
+                  <a:pt x="285092" y="1779459"/>
+                  <a:pt x="224006" y="1736549"/>
+                  <a:pt x="0" y="1751940"/>
+                </a:cubicBezTo>
+                <a:cubicBezTo>
+                  <a:pt x="-21335" y="1534607"/>
+                  <a:pt x="29459" y="1453471"/>
+                  <a:pt x="0" y="1167960"/>
+                </a:cubicBezTo>
+                <a:cubicBezTo>
+                  <a:pt x="-29459" y="882449"/>
+                  <a:pt x="20266" y="752963"/>
+                  <a:pt x="0" y="619019"/>
+                </a:cubicBezTo>
+                <a:cubicBezTo>
+                  <a:pt x="-20266" y="485075"/>
+                  <a:pt x="46951" y="300308"/>
+                  <a:pt x="0" y="0"/>
+                </a:cubicBezTo>
+                <a:close/>
+              </a:path>
+            </a:pathLst>
+          </a:custGeom>
+          <a:solidFill>
+            <a:srgbClr val="F6541A">
+              <a:alpha val="74902"/>
+            </a:srgbClr>
+          </a:solidFill>
+          <a:ln>
+            <a:gradFill>
+              <a:gsLst>
+                <a:gs pos="0">
+                  <a:schemeClr val="accent1">
+                    <a:lumMod val="5000"/>
+                    <a:lumOff val="95000"/>
+                  </a:schemeClr>
+                </a:gs>
+                <a:gs pos="74000">
+                  <a:schemeClr val="accent1">
+                    <a:lumMod val="45000"/>
+                    <a:lumOff val="55000"/>
+                  </a:schemeClr>
+                </a:gs>
+                <a:gs pos="83000">
+                  <a:schemeClr val="accent1">
+                    <a:lumMod val="45000"/>
+                    <a:lumOff val="55000"/>
+                  </a:schemeClr>
+                </a:gs>
+                <a:gs pos="100000">
+                  <a:schemeClr val="accent1">
+                    <a:lumMod val="30000"/>
+                    <a:lumOff val="70000"/>
+                  </a:schemeClr>
+                </a:gs>
+              </a:gsLst>
+              <a:lin ang="5400000" scaled="1"/>
+            </a:gradFill>
+            <a:extLst>
+              <a:ext uri="{C807C97D-BFC1-408E-A445-0C87EB9F89A2}">
+                <ask:lineSketchStyleProps xmlns:ask="http://schemas.microsoft.com/office/drawing/2018/sketchyshapes" sd="981765707">
+                  <a:prstGeom prst="rect">
+                    <a:avLst/>
+                  </a:prstGeom>
+                  <ask:type>
+                    <ask:lineSketchScribble/>
+                  </ask:type>
+                </ask:lineSketchStyleProps>
+              </a:ext>
+            </a:extLst>
+          </a:ln>
+          <a:effectLst>
+            <a:outerShdw blurRad="63500" sx="102000" sy="102000" algn="ctr" rotWithShape="0">
+              <a:prstClr val="black">
+                <a:alpha val="40000"/>
+              </a:prstClr>
+            </a:outerShdw>
+          </a:effectLst>
+        </p:spPr>
+        <p:style>
+          <a:lnRef idx="2">
+            <a:schemeClr val="accent1">
+              <a:shade val="50000"/>
+            </a:schemeClr>
+          </a:lnRef>
+          <a:fillRef idx="1">
+            <a:schemeClr val="accent1"/>
+          </a:fillRef>
+          <a:effectRef idx="0">
+            <a:schemeClr val="accent1"/>
+          </a:effectRef>
+          <a:fontRef idx="minor">
+            <a:schemeClr val="lt1"/>
+          </a:fontRef>
+        </p:style>
+        <p:txBody>
+          <a:bodyPr lIns="91440" tIns="45720" rIns="91440" bIns="45720" rtlCol="0" anchor="ctr"/>
+          <a:lstStyle>
+            <a:defPPr>
+              <a:defRPr lang="pt-BR"/>
+            </a:defPPr>
+            <a:lvl1pPr marL="0" algn="l" defTabSz="914400" rtl="0" eaLnBrk="1" latinLnBrk="0" hangingPunct="1">
+              <a:defRPr sz="1800" kern="1200">
+                <a:solidFill>
+                  <a:schemeClr val="lt1"/>
+                </a:solidFill>
+                <a:latin typeface="+mn-lt"/>
+                <a:ea typeface="+mn-ea"/>
+                <a:cs typeface="+mn-cs"/>
+              </a:defRPr>
+            </a:lvl1pPr>
+            <a:lvl2pPr marL="457200" algn="l" defTabSz="914400" rtl="0" eaLnBrk="1" latinLnBrk="0" hangingPunct="1">
+              <a:defRPr sz="1800" kern="1200">
+                <a:solidFill>
+                  <a:schemeClr val="lt1"/>
+                </a:solidFill>
+                <a:latin typeface="+mn-lt"/>
+                <a:ea typeface="+mn-ea"/>
+                <a:cs typeface="+mn-cs"/>
+              </a:defRPr>
+            </a:lvl2pPr>
+            <a:lvl3pPr marL="914400" algn="l" defTabSz="914400" rtl="0" eaLnBrk="1" latinLnBrk="0" hangingPunct="1">
+              <a:defRPr sz="1800" kern="1200">
+                <a:solidFill>
+                  <a:schemeClr val="lt1"/>
+                </a:solidFill>
+                <a:latin typeface="+mn-lt"/>
+                <a:ea typeface="+mn-ea"/>
+                <a:cs typeface="+mn-cs"/>
+              </a:defRPr>
+            </a:lvl3pPr>
+            <a:lvl4pPr marL="1371600" algn="l" defTabSz="914400" rtl="0" eaLnBrk="1" latinLnBrk="0" hangingPunct="1">
+              <a:defRPr sz="1800" kern="1200">
+                <a:solidFill>
+                  <a:schemeClr val="lt1"/>
+                </a:solidFill>
+                <a:latin typeface="+mn-lt"/>
+                <a:ea typeface="+mn-ea"/>
+                <a:cs typeface="+mn-cs"/>
+              </a:defRPr>
+            </a:lvl4pPr>
+            <a:lvl5pPr marL="1828800" algn="l" defTabSz="914400" rtl="0" eaLnBrk="1" latinLnBrk="0" hangingPunct="1">
+              <a:defRPr sz="1800" kern="1200">
+                <a:solidFill>
+                  <a:schemeClr val="lt1"/>
+                </a:solidFill>
+                <a:latin typeface="+mn-lt"/>
+                <a:ea typeface="+mn-ea"/>
+                <a:cs typeface="+mn-cs"/>
+              </a:defRPr>
+            </a:lvl5pPr>
+            <a:lvl6pPr marL="2286000" algn="l" defTabSz="914400" rtl="0" eaLnBrk="1" latinLnBrk="0" hangingPunct="1">
+              <a:defRPr sz="1800" kern="1200">
+                <a:solidFill>
+                  <a:schemeClr val="lt1"/>
+                </a:solidFill>
+                <a:latin typeface="+mn-lt"/>
+                <a:ea typeface="+mn-ea"/>
+                <a:cs typeface="+mn-cs"/>
+              </a:defRPr>
+            </a:lvl6pPr>
+            <a:lvl7pPr marL="2743200" algn="l" defTabSz="914400" rtl="0" eaLnBrk="1" latinLnBrk="0" hangingPunct="1">
+              <a:defRPr sz="1800" kern="1200">
+                <a:solidFill>
+                  <a:schemeClr val="lt1"/>
+                </a:solidFill>
+                <a:latin typeface="+mn-lt"/>
+                <a:ea typeface="+mn-ea"/>
+                <a:cs typeface="+mn-cs"/>
+              </a:defRPr>
+            </a:lvl7pPr>
+            <a:lvl8pPr marL="3200400" algn="l" defTabSz="914400" rtl="0" eaLnBrk="1" latinLnBrk="0" hangingPunct="1">
+              <a:defRPr sz="1800" kern="1200">
+                <a:solidFill>
+                  <a:schemeClr val="lt1"/>
+                </a:solidFill>
+                <a:latin typeface="+mn-lt"/>
+                <a:ea typeface="+mn-ea"/>
+                <a:cs typeface="+mn-cs"/>
+              </a:defRPr>
+            </a:lvl8pPr>
+            <a:lvl9pPr marL="3657600" algn="l" defTabSz="914400" rtl="0" eaLnBrk="1" latinLnBrk="0" hangingPunct="1">
+              <a:defRPr sz="1800" kern="1200">
+                <a:solidFill>
+                  <a:schemeClr val="lt1"/>
+                </a:solidFill>
+                <a:latin typeface="+mn-lt"/>
+                <a:ea typeface="+mn-ea"/>
+                <a:cs typeface="+mn-cs"/>
+              </a:defRPr>
+            </a:lvl9pPr>
+          </a:lstStyle>
+          <a:p>
+            <a:pPr algn="just"/>
+            <a:r>
+              <a:rPr lang="en-US" dirty="0">
+                <a:cs typeface="Arial" panose="020B0604020202020204" pitchFamily="34" charset="0"/>
+              </a:rPr>
+              <a:t>Eu, </a:t>
+            </a:r>
+            <a:r>
+              <a:rPr lang="en-US" b="1" dirty="0" err="1">
+                <a:solidFill>
+                  <a:schemeClr val="bg2">
+                    <a:lumMod val="25000"/>
+                  </a:schemeClr>
+                </a:solidFill>
+                <a:cs typeface="Arial" panose="020B0604020202020204" pitchFamily="34" charset="0"/>
+              </a:rPr>
+              <a:t>enquanto</a:t>
+            </a:r>
+            <a:r>
+              <a:rPr lang="en-US" dirty="0">
+                <a:cs typeface="Arial" panose="020B0604020202020204" pitchFamily="34" charset="0"/>
+              </a:rPr>
+              <a:t> professor, </a:t>
+            </a:r>
+            <a:r>
+              <a:rPr lang="en-US" b="1" dirty="0" err="1">
+                <a:solidFill>
+                  <a:schemeClr val="bg2">
+                    <a:lumMod val="25000"/>
+                  </a:schemeClr>
+                </a:solidFill>
+                <a:cs typeface="Arial" panose="020B0604020202020204" pitchFamily="34" charset="0"/>
+              </a:rPr>
+              <a:t>preciso</a:t>
+            </a:r>
+            <a:r>
+              <a:rPr lang="en-US" b="1" dirty="0">
+                <a:solidFill>
+                  <a:schemeClr val="tx1"/>
+                </a:solidFill>
+                <a:cs typeface="Arial" panose="020B0604020202020204" pitchFamily="34" charset="0"/>
+              </a:rPr>
+              <a:t> </a:t>
+            </a:r>
+            <a:r>
+              <a:rPr lang="en-US" dirty="0">
+                <a:cs typeface="Arial" panose="020B0604020202020204" pitchFamily="34" charset="0"/>
+              </a:rPr>
+              <a:t>de </a:t>
+            </a:r>
+            <a:r>
+              <a:rPr lang="en-US" dirty="0" err="1">
+                <a:cs typeface="Arial" panose="020B0604020202020204" pitchFamily="34" charset="0"/>
+              </a:rPr>
+              <a:t>uma</a:t>
+            </a:r>
+            <a:r>
+              <a:rPr lang="en-US" dirty="0">
+                <a:cs typeface="Arial" panose="020B0604020202020204" pitchFamily="34" charset="0"/>
+              </a:rPr>
+              <a:t> </a:t>
+            </a:r>
+            <a:r>
+              <a:rPr lang="en-US" dirty="0" err="1">
+                <a:cs typeface="Arial" panose="020B0604020202020204" pitchFamily="34" charset="0"/>
+              </a:rPr>
+              <a:t>maneira</a:t>
+            </a:r>
+            <a:r>
+              <a:rPr lang="en-US" dirty="0">
+                <a:cs typeface="Arial" panose="020B0604020202020204" pitchFamily="34" charset="0"/>
+              </a:rPr>
+              <a:t> de </a:t>
+            </a:r>
+            <a:r>
+              <a:rPr lang="en-US" dirty="0" err="1">
+                <a:cs typeface="Arial" panose="020B0604020202020204" pitchFamily="34" charset="0"/>
+              </a:rPr>
+              <a:t>contatar</a:t>
+            </a:r>
+            <a:r>
+              <a:rPr lang="en-US" dirty="0">
+                <a:cs typeface="Arial" panose="020B0604020202020204" pitchFamily="34" charset="0"/>
+              </a:rPr>
+              <a:t> o </a:t>
+            </a:r>
+            <a:r>
+              <a:rPr lang="en-US" dirty="0" err="1">
+                <a:cs typeface="Arial" panose="020B0604020202020204" pitchFamily="34" charset="0"/>
+              </a:rPr>
+              <a:t>suporte</a:t>
+            </a:r>
+            <a:r>
+              <a:rPr lang="en-US" dirty="0">
+                <a:cs typeface="Arial" panose="020B0604020202020204" pitchFamily="34" charset="0"/>
+              </a:rPr>
+              <a:t> </a:t>
+            </a:r>
+            <a:r>
+              <a:rPr lang="en-US" dirty="0" err="1">
+                <a:cs typeface="Arial" panose="020B0604020202020204" pitchFamily="34" charset="0"/>
+              </a:rPr>
+              <a:t>sem</a:t>
+            </a:r>
+            <a:r>
+              <a:rPr lang="en-US" dirty="0">
+                <a:cs typeface="Arial" panose="020B0604020202020204" pitchFamily="34" charset="0"/>
+              </a:rPr>
+              <a:t> </a:t>
+            </a:r>
+            <a:r>
+              <a:rPr lang="en-US" dirty="0" err="1">
+                <a:cs typeface="Arial" panose="020B0604020202020204" pitchFamily="34" charset="0"/>
+              </a:rPr>
+              <a:t>precisar</a:t>
+            </a:r>
+            <a:r>
+              <a:rPr lang="en-US" dirty="0">
+                <a:cs typeface="Arial" panose="020B0604020202020204" pitchFamily="34" charset="0"/>
+              </a:rPr>
+              <a:t> mandar </a:t>
+            </a:r>
+            <a:r>
+              <a:rPr lang="en-US" dirty="0" err="1">
+                <a:cs typeface="Arial" panose="020B0604020202020204" pitchFamily="34" charset="0"/>
+              </a:rPr>
+              <a:t>algum</a:t>
+            </a:r>
+            <a:r>
+              <a:rPr lang="en-US" dirty="0">
+                <a:cs typeface="Arial" panose="020B0604020202020204" pitchFamily="34" charset="0"/>
+              </a:rPr>
+              <a:t> </a:t>
+            </a:r>
+            <a:r>
+              <a:rPr lang="en-US" dirty="0" err="1">
+                <a:cs typeface="Arial" panose="020B0604020202020204" pitchFamily="34" charset="0"/>
+              </a:rPr>
+              <a:t>aluno</a:t>
+            </a:r>
+            <a:r>
+              <a:rPr lang="en-US" dirty="0">
+                <a:cs typeface="Arial" panose="020B0604020202020204" pitchFamily="34" charset="0"/>
+              </a:rPr>
+              <a:t> </a:t>
+            </a:r>
+            <a:r>
+              <a:rPr lang="en-US" dirty="0" err="1">
+                <a:cs typeface="Arial" panose="020B0604020202020204" pitchFamily="34" charset="0"/>
+              </a:rPr>
+              <a:t>ir</a:t>
+            </a:r>
+            <a:r>
+              <a:rPr lang="en-US" dirty="0">
+                <a:cs typeface="Arial" panose="020B0604020202020204" pitchFamily="34" charset="0"/>
+              </a:rPr>
+              <a:t> </a:t>
+            </a:r>
+            <a:r>
+              <a:rPr lang="en-US" dirty="0" err="1">
+                <a:cs typeface="Arial" panose="020B0604020202020204" pitchFamily="34" charset="0"/>
+              </a:rPr>
+              <a:t>até</a:t>
+            </a:r>
+            <a:r>
+              <a:rPr lang="en-US" dirty="0">
+                <a:cs typeface="Arial" panose="020B0604020202020204" pitchFamily="34" charset="0"/>
+              </a:rPr>
+              <a:t> a </a:t>
+            </a:r>
+            <a:r>
+              <a:rPr lang="en-US" dirty="0" err="1">
+                <a:cs typeface="Arial" panose="020B0604020202020204" pitchFamily="34" charset="0"/>
+              </a:rPr>
+              <a:t>sala</a:t>
+            </a:r>
+            <a:r>
+              <a:rPr lang="en-US" dirty="0">
+                <a:cs typeface="Arial" panose="020B0604020202020204" pitchFamily="34" charset="0"/>
+              </a:rPr>
+              <a:t> do </a:t>
+            </a:r>
+            <a:r>
+              <a:rPr lang="en-US" dirty="0" err="1">
+                <a:cs typeface="Arial" panose="020B0604020202020204" pitchFamily="34" charset="0"/>
+              </a:rPr>
+              <a:t>técnico</a:t>
+            </a:r>
+            <a:r>
+              <a:rPr lang="en-US" dirty="0">
+                <a:cs typeface="Arial" panose="020B0604020202020204" pitchFamily="34" charset="0"/>
+              </a:rPr>
+              <a:t>, </a:t>
+            </a:r>
+            <a:r>
+              <a:rPr lang="en-US" b="1" dirty="0" err="1">
+                <a:solidFill>
+                  <a:schemeClr val="bg2">
+                    <a:lumMod val="25000"/>
+                  </a:schemeClr>
+                </a:solidFill>
+                <a:cs typeface="Arial" panose="020B0604020202020204" pitchFamily="34" charset="0"/>
+              </a:rPr>
+              <a:t>porque</a:t>
+            </a:r>
+            <a:r>
+              <a:rPr lang="en-US" dirty="0">
+                <a:cs typeface="Arial" panose="020B0604020202020204" pitchFamily="34" charset="0"/>
+              </a:rPr>
+              <a:t> </a:t>
+            </a:r>
+            <a:r>
+              <a:rPr lang="en-US" dirty="0" err="1">
+                <a:cs typeface="Arial" panose="020B0604020202020204" pitchFamily="34" charset="0"/>
+              </a:rPr>
+              <a:t>muitas</a:t>
+            </a:r>
+            <a:r>
+              <a:rPr lang="en-US" dirty="0">
+                <a:cs typeface="Arial" panose="020B0604020202020204" pitchFamily="34" charset="0"/>
+              </a:rPr>
+              <a:t> </a:t>
+            </a:r>
+            <a:r>
+              <a:rPr lang="en-US" dirty="0" err="1">
+                <a:cs typeface="Arial" panose="020B0604020202020204" pitchFamily="34" charset="0"/>
+              </a:rPr>
+              <a:t>vezes</a:t>
+            </a:r>
+            <a:r>
+              <a:rPr lang="en-US" dirty="0">
+                <a:cs typeface="Arial" panose="020B0604020202020204" pitchFamily="34" charset="0"/>
+              </a:rPr>
+              <a:t> </a:t>
+            </a:r>
+            <a:r>
+              <a:rPr lang="en-US" dirty="0" err="1">
+                <a:cs typeface="Arial" panose="020B0604020202020204" pitchFamily="34" charset="0"/>
+              </a:rPr>
+              <a:t>ele</a:t>
+            </a:r>
+            <a:r>
+              <a:rPr lang="en-US" dirty="0">
+                <a:cs typeface="Arial" panose="020B0604020202020204" pitchFamily="34" charset="0"/>
+              </a:rPr>
+              <a:t> </a:t>
+            </a:r>
+            <a:r>
+              <a:rPr lang="en-US" dirty="0" err="1">
+                <a:cs typeface="Arial" panose="020B0604020202020204" pitchFamily="34" charset="0"/>
+              </a:rPr>
+              <a:t>acaba</a:t>
+            </a:r>
+            <a:r>
+              <a:rPr lang="en-US" dirty="0">
+                <a:cs typeface="Arial" panose="020B0604020202020204" pitchFamily="34" charset="0"/>
+              </a:rPr>
+              <a:t> se </a:t>
+            </a:r>
+            <a:r>
+              <a:rPr lang="en-US" dirty="0" err="1">
+                <a:cs typeface="Arial" panose="020B0604020202020204" pitchFamily="34" charset="0"/>
+              </a:rPr>
+              <a:t>dispersando</a:t>
+            </a:r>
+            <a:r>
+              <a:rPr lang="en-US" dirty="0">
+                <a:cs typeface="Arial" panose="020B0604020202020204" pitchFamily="34" charset="0"/>
+              </a:rPr>
+              <a:t> no </a:t>
+            </a:r>
+            <a:r>
+              <a:rPr lang="en-US" dirty="0" err="1">
+                <a:cs typeface="Arial" panose="020B0604020202020204" pitchFamily="34" charset="0"/>
+              </a:rPr>
+              <a:t>caminho</a:t>
+            </a:r>
+            <a:r>
+              <a:rPr lang="en-US" dirty="0">
+                <a:cs typeface="Arial" panose="020B0604020202020204" pitchFamily="34" charset="0"/>
+              </a:rPr>
+              <a:t>, e </a:t>
+            </a:r>
+            <a:r>
+              <a:rPr lang="en-US" dirty="0" err="1">
+                <a:cs typeface="Arial" panose="020B0604020202020204" pitchFamily="34" charset="0"/>
+              </a:rPr>
+              <a:t>demorando</a:t>
+            </a:r>
+            <a:r>
+              <a:rPr lang="en-US" dirty="0">
+                <a:cs typeface="Arial" panose="020B0604020202020204" pitchFamily="34" charset="0"/>
+              </a:rPr>
+              <a:t> </a:t>
+            </a:r>
+            <a:r>
+              <a:rPr lang="en-US" dirty="0" err="1">
+                <a:cs typeface="Arial" panose="020B0604020202020204" pitchFamily="34" charset="0"/>
+              </a:rPr>
+              <a:t>ao</a:t>
+            </a:r>
+            <a:r>
+              <a:rPr lang="en-US" dirty="0">
+                <a:cs typeface="Arial" panose="020B0604020202020204" pitchFamily="34" charset="0"/>
+              </a:rPr>
+              <a:t> </a:t>
+            </a:r>
+            <a:r>
+              <a:rPr lang="en-US" dirty="0" err="1">
+                <a:cs typeface="Arial" panose="020B0604020202020204" pitchFamily="34" charset="0"/>
+              </a:rPr>
+              <a:t>retornar</a:t>
+            </a:r>
+            <a:r>
+              <a:rPr lang="en-US" dirty="0">
+                <a:cs typeface="Arial" panose="020B0604020202020204" pitchFamily="34" charset="0"/>
+              </a:rPr>
+              <a:t> para </a:t>
+            </a:r>
+            <a:r>
+              <a:rPr lang="en-US" dirty="0" err="1">
+                <a:cs typeface="Arial" panose="020B0604020202020204" pitchFamily="34" charset="0"/>
+              </a:rPr>
+              <a:t>sala</a:t>
+            </a:r>
+            <a:r>
+              <a:rPr lang="en-US" dirty="0">
+                <a:cs typeface="Arial" panose="020B0604020202020204" pitchFamily="34" charset="0"/>
+              </a:rPr>
+              <a:t>. </a:t>
+            </a:r>
+          </a:p>
+        </p:txBody>
+      </p:sp>
+      <p:sp>
+        <p:nvSpPr>
+          <p:cNvPr id="5" name="Retângulo 6">
+            <a:extLst>
+              <a:ext uri="{FF2B5EF4-FFF2-40B4-BE49-F238E27FC236}">
+                <a16:creationId xmlns:a16="http://schemas.microsoft.com/office/drawing/2014/main" id="{8B423712-B31B-4253-8E40-14D630CC57C4}"/>
+              </a:ext>
+            </a:extLst>
+          </p:cNvPr>
+          <p:cNvSpPr/>
+          <p:nvPr/>
+        </p:nvSpPr>
+        <p:spPr>
+          <a:xfrm>
+            <a:off x="1478723" y="2051323"/>
             <a:ext cx="3832080" cy="1726921"/>
           </a:xfrm>
           <a:custGeom>
@@ -4965,7 +8271,9 @@
             </a:pathLst>
           </a:custGeom>
           <a:solidFill>
-            <a:srgbClr val="33C6D5"/>
+            <a:schemeClr val="bg2">
+              <a:lumMod val="25000"/>
+            </a:schemeClr>
           </a:solidFill>
           <a:ln>
             <a:gradFill>
@@ -5132,3873 +8440,6 @@
             </a:lvl9pPr>
           </a:lstStyle>
           <a:p>
-            <a:pPr algn="just"/>
-            <a:r>
-              <a:rPr lang="pt-BR" dirty="0">
-                <a:latin typeface="Ink Free"/>
-                <a:cs typeface="Times New Roman"/>
-              </a:rPr>
-              <a:t>Eu </a:t>
-            </a:r>
-            <a:r>
-              <a:rPr lang="pt-BR" b="1" dirty="0">
-                <a:solidFill>
-                  <a:schemeClr val="tx2">
-                    <a:lumMod val="50000"/>
-                  </a:schemeClr>
-                </a:solidFill>
-                <a:latin typeface="Ink Free"/>
-                <a:cs typeface="Times New Roman"/>
-              </a:rPr>
-              <a:t>enquanto</a:t>
-            </a:r>
-            <a:r>
-              <a:rPr lang="pt-BR" b="1" dirty="0">
-                <a:latin typeface="Ink Free"/>
-                <a:cs typeface="Times New Roman"/>
-              </a:rPr>
-              <a:t> </a:t>
-            </a:r>
-            <a:r>
-              <a:rPr lang="pt-BR" dirty="0">
-                <a:latin typeface="Ink Free"/>
-                <a:cs typeface="Times New Roman"/>
-              </a:rPr>
-              <a:t>professor não </a:t>
-            </a:r>
-            <a:r>
-              <a:rPr lang="pt-BR" b="1" dirty="0">
-                <a:solidFill>
-                  <a:schemeClr val="tx2">
-                    <a:lumMod val="50000"/>
-                  </a:schemeClr>
-                </a:solidFill>
-                <a:latin typeface="Ink Free"/>
-                <a:cs typeface="Times New Roman"/>
-              </a:rPr>
-              <a:t>quero</a:t>
-            </a:r>
-            <a:r>
-              <a:rPr lang="pt-BR" dirty="0">
-                <a:latin typeface="Ink Free"/>
-                <a:cs typeface="Times New Roman"/>
-              </a:rPr>
-              <a:t> ter que interromper minha aula para ir até o setor de T.I da faculdade </a:t>
-            </a:r>
-            <a:r>
-              <a:rPr lang="pt-BR" b="1" dirty="0">
-                <a:solidFill>
-                  <a:schemeClr val="tx2">
-                    <a:lumMod val="50000"/>
-                  </a:schemeClr>
-                </a:solidFill>
-                <a:latin typeface="Ink Free"/>
-                <a:cs typeface="Times New Roman"/>
-              </a:rPr>
-              <a:t>para </a:t>
-            </a:r>
-            <a:r>
-              <a:rPr lang="pt-BR" dirty="0">
-                <a:latin typeface="Ink Free"/>
-                <a:cs typeface="Times New Roman"/>
-              </a:rPr>
-              <a:t>resolver o problema porque não quero deixar de passar conteúdo para </a:t>
-            </a:r>
-            <a:r>
-              <a:rPr lang="pt-BR" sz="1800" dirty="0">
-                <a:effectLst/>
-                <a:latin typeface="Ink Free"/>
-                <a:ea typeface="Calibri" panose="020F0502020204030204" pitchFamily="34" charset="0"/>
-                <a:cs typeface="Times New Roman"/>
-              </a:rPr>
-              <a:t>os alunos.</a:t>
-            </a:r>
-            <a:endParaRPr lang="en-US"/>
-          </a:p>
-        </p:txBody>
-      </p:sp>
-      <p:sp>
-        <p:nvSpPr>
-          <p:cNvPr id="6" name="Retângulo 8">
-            <a:extLst>
-              <a:ext uri="{FF2B5EF4-FFF2-40B4-BE49-F238E27FC236}">
-                <a16:creationId xmlns:a16="http://schemas.microsoft.com/office/drawing/2014/main" id="{88A09A4B-52D5-4044-A3CD-78BEB5F6D011}"/>
-              </a:ext>
-            </a:extLst>
-          </p:cNvPr>
-          <p:cNvSpPr/>
-          <p:nvPr/>
-        </p:nvSpPr>
-        <p:spPr>
-          <a:xfrm>
-            <a:off x="8462241" y="1863852"/>
-            <a:ext cx="3262993" cy="1755331"/>
-          </a:xfrm>
-          <a:custGeom>
-            <a:avLst/>
-            <a:gdLst>
-              <a:gd name="connsiteX0" fmla="*/ 0 w 3262993"/>
-              <a:gd name="connsiteY0" fmla="*/ 0 h 1755331"/>
-              <a:gd name="connsiteX1" fmla="*/ 478572 w 3262993"/>
-              <a:gd name="connsiteY1" fmla="*/ 0 h 1755331"/>
-              <a:gd name="connsiteX2" fmla="*/ 1022404 w 3262993"/>
-              <a:gd name="connsiteY2" fmla="*/ 0 h 1755331"/>
-              <a:gd name="connsiteX3" fmla="*/ 1598867 w 3262993"/>
-              <a:gd name="connsiteY3" fmla="*/ 0 h 1755331"/>
-              <a:gd name="connsiteX4" fmla="*/ 2110069 w 3262993"/>
-              <a:gd name="connsiteY4" fmla="*/ 0 h 1755331"/>
-              <a:gd name="connsiteX5" fmla="*/ 2653901 w 3262993"/>
-              <a:gd name="connsiteY5" fmla="*/ 0 h 1755331"/>
-              <a:gd name="connsiteX6" fmla="*/ 3262993 w 3262993"/>
-              <a:gd name="connsiteY6" fmla="*/ 0 h 1755331"/>
-              <a:gd name="connsiteX7" fmla="*/ 3262993 w 3262993"/>
-              <a:gd name="connsiteY7" fmla="*/ 620217 h 1755331"/>
-              <a:gd name="connsiteX8" fmla="*/ 3262993 w 3262993"/>
-              <a:gd name="connsiteY8" fmla="*/ 1152667 h 1755331"/>
-              <a:gd name="connsiteX9" fmla="*/ 3262993 w 3262993"/>
-              <a:gd name="connsiteY9" fmla="*/ 1755331 h 1755331"/>
-              <a:gd name="connsiteX10" fmla="*/ 2719161 w 3262993"/>
-              <a:gd name="connsiteY10" fmla="*/ 1755331 h 1755331"/>
-              <a:gd name="connsiteX11" fmla="*/ 2110069 w 3262993"/>
-              <a:gd name="connsiteY11" fmla="*/ 1755331 h 1755331"/>
-              <a:gd name="connsiteX12" fmla="*/ 1500977 w 3262993"/>
-              <a:gd name="connsiteY12" fmla="*/ 1755331 h 1755331"/>
-              <a:gd name="connsiteX13" fmla="*/ 989775 w 3262993"/>
-              <a:gd name="connsiteY13" fmla="*/ 1755331 h 1755331"/>
-              <a:gd name="connsiteX14" fmla="*/ 0 w 3262993"/>
-              <a:gd name="connsiteY14" fmla="*/ 1755331 h 1755331"/>
-              <a:gd name="connsiteX15" fmla="*/ 0 w 3262993"/>
-              <a:gd name="connsiteY15" fmla="*/ 1222881 h 1755331"/>
-              <a:gd name="connsiteX16" fmla="*/ 0 w 3262993"/>
-              <a:gd name="connsiteY16" fmla="*/ 655324 h 1755331"/>
-              <a:gd name="connsiteX17" fmla="*/ 0 w 3262993"/>
-              <a:gd name="connsiteY17" fmla="*/ 0 h 1755331"/>
-            </a:gdLst>
-            <a:ahLst/>
-            <a:cxnLst>
-              <a:cxn ang="0">
-                <a:pos x="connsiteX0" y="connsiteY0"/>
-              </a:cxn>
-              <a:cxn ang="0">
-                <a:pos x="connsiteX1" y="connsiteY1"/>
-              </a:cxn>
-              <a:cxn ang="0">
-                <a:pos x="connsiteX2" y="connsiteY2"/>
-              </a:cxn>
-              <a:cxn ang="0">
-                <a:pos x="connsiteX3" y="connsiteY3"/>
-              </a:cxn>
-              <a:cxn ang="0">
-                <a:pos x="connsiteX4" y="connsiteY4"/>
-              </a:cxn>
-              <a:cxn ang="0">
-                <a:pos x="connsiteX5" y="connsiteY5"/>
-              </a:cxn>
-              <a:cxn ang="0">
-                <a:pos x="connsiteX6" y="connsiteY6"/>
-              </a:cxn>
-              <a:cxn ang="0">
-                <a:pos x="connsiteX7" y="connsiteY7"/>
-              </a:cxn>
-              <a:cxn ang="0">
-                <a:pos x="connsiteX8" y="connsiteY8"/>
-              </a:cxn>
-              <a:cxn ang="0">
-                <a:pos x="connsiteX9" y="connsiteY9"/>
-              </a:cxn>
-              <a:cxn ang="0">
-                <a:pos x="connsiteX10" y="connsiteY10"/>
-              </a:cxn>
-              <a:cxn ang="0">
-                <a:pos x="connsiteX11" y="connsiteY11"/>
-              </a:cxn>
-              <a:cxn ang="0">
-                <a:pos x="connsiteX12" y="connsiteY12"/>
-              </a:cxn>
-              <a:cxn ang="0">
-                <a:pos x="connsiteX13" y="connsiteY13"/>
-              </a:cxn>
-              <a:cxn ang="0">
-                <a:pos x="connsiteX14" y="connsiteY14"/>
-              </a:cxn>
-              <a:cxn ang="0">
-                <a:pos x="connsiteX15" y="connsiteY15"/>
-              </a:cxn>
-              <a:cxn ang="0">
-                <a:pos x="connsiteX16" y="connsiteY16"/>
-              </a:cxn>
-              <a:cxn ang="0">
-                <a:pos x="connsiteX17" y="connsiteY17"/>
-              </a:cxn>
-            </a:cxnLst>
-            <a:rect l="l" t="t" r="r" b="b"/>
-            <a:pathLst>
-              <a:path w="3262993" h="1755331" fill="none" extrusionOk="0">
-                <a:moveTo>
-                  <a:pt x="0" y="0"/>
-                </a:moveTo>
-                <a:cubicBezTo>
-                  <a:pt x="125456" y="-43376"/>
-                  <a:pt x="244815" y="29084"/>
-                  <a:pt x="478572" y="0"/>
-                </a:cubicBezTo>
-                <a:cubicBezTo>
-                  <a:pt x="712329" y="-29084"/>
-                  <a:pt x="775748" y="50651"/>
-                  <a:pt x="1022404" y="0"/>
-                </a:cubicBezTo>
-                <a:cubicBezTo>
-                  <a:pt x="1269060" y="-50651"/>
-                  <a:pt x="1315196" y="28011"/>
-                  <a:pt x="1598867" y="0"/>
-                </a:cubicBezTo>
-                <a:cubicBezTo>
-                  <a:pt x="1882538" y="-28011"/>
-                  <a:pt x="1879773" y="26232"/>
-                  <a:pt x="2110069" y="0"/>
-                </a:cubicBezTo>
-                <a:cubicBezTo>
-                  <a:pt x="2340365" y="-26232"/>
-                  <a:pt x="2427542" y="525"/>
-                  <a:pt x="2653901" y="0"/>
-                </a:cubicBezTo>
-                <a:cubicBezTo>
-                  <a:pt x="2880260" y="-525"/>
-                  <a:pt x="3030062" y="14562"/>
-                  <a:pt x="3262993" y="0"/>
-                </a:cubicBezTo>
-                <a:cubicBezTo>
-                  <a:pt x="3281975" y="157985"/>
-                  <a:pt x="3251684" y="394060"/>
-                  <a:pt x="3262993" y="620217"/>
-                </a:cubicBezTo>
-                <a:cubicBezTo>
-                  <a:pt x="3274302" y="846374"/>
-                  <a:pt x="3241542" y="990414"/>
-                  <a:pt x="3262993" y="1152667"/>
-                </a:cubicBezTo>
-                <a:cubicBezTo>
-                  <a:pt x="3284444" y="1314920"/>
-                  <a:pt x="3259184" y="1543740"/>
-                  <a:pt x="3262993" y="1755331"/>
-                </a:cubicBezTo>
-                <a:cubicBezTo>
-                  <a:pt x="3111663" y="1768435"/>
-                  <a:pt x="2982944" y="1701466"/>
-                  <a:pt x="2719161" y="1755331"/>
-                </a:cubicBezTo>
-                <a:cubicBezTo>
-                  <a:pt x="2455378" y="1809196"/>
-                  <a:pt x="2401472" y="1695457"/>
-                  <a:pt x="2110069" y="1755331"/>
-                </a:cubicBezTo>
-                <a:cubicBezTo>
-                  <a:pt x="1818666" y="1815205"/>
-                  <a:pt x="1673679" y="1683533"/>
-                  <a:pt x="1500977" y="1755331"/>
-                </a:cubicBezTo>
-                <a:cubicBezTo>
-                  <a:pt x="1328275" y="1827129"/>
-                  <a:pt x="1140051" y="1714452"/>
-                  <a:pt x="989775" y="1755331"/>
-                </a:cubicBezTo>
-                <a:cubicBezTo>
-                  <a:pt x="839499" y="1796210"/>
-                  <a:pt x="216869" y="1734210"/>
-                  <a:pt x="0" y="1755331"/>
-                </a:cubicBezTo>
-                <a:cubicBezTo>
-                  <a:pt x="-1863" y="1603334"/>
-                  <a:pt x="61432" y="1436263"/>
-                  <a:pt x="0" y="1222881"/>
-                </a:cubicBezTo>
-                <a:cubicBezTo>
-                  <a:pt x="-61432" y="1009499"/>
-                  <a:pt x="67414" y="894916"/>
-                  <a:pt x="0" y="655324"/>
-                </a:cubicBezTo>
-                <a:cubicBezTo>
-                  <a:pt x="-67414" y="415732"/>
-                  <a:pt x="33654" y="194307"/>
-                  <a:pt x="0" y="0"/>
-                </a:cubicBezTo>
-                <a:close/>
-              </a:path>
-              <a:path w="3262993" h="1755331" stroke="0" extrusionOk="0">
-                <a:moveTo>
-                  <a:pt x="0" y="0"/>
-                </a:moveTo>
-                <a:cubicBezTo>
-                  <a:pt x="291410" y="-1652"/>
-                  <a:pt x="426977" y="53413"/>
-                  <a:pt x="609092" y="0"/>
-                </a:cubicBezTo>
-                <a:cubicBezTo>
-                  <a:pt x="791207" y="-53413"/>
-                  <a:pt x="965032" y="50036"/>
-                  <a:pt x="1152924" y="0"/>
-                </a:cubicBezTo>
-                <a:cubicBezTo>
-                  <a:pt x="1340816" y="-50036"/>
-                  <a:pt x="1429107" y="55573"/>
-                  <a:pt x="1631496" y="0"/>
-                </a:cubicBezTo>
-                <a:cubicBezTo>
-                  <a:pt x="1833885" y="-55573"/>
-                  <a:pt x="1954300" y="35074"/>
-                  <a:pt x="2175329" y="0"/>
-                </a:cubicBezTo>
-                <a:cubicBezTo>
-                  <a:pt x="2396358" y="-35074"/>
-                  <a:pt x="2601630" y="47752"/>
-                  <a:pt x="2784421" y="0"/>
-                </a:cubicBezTo>
-                <a:cubicBezTo>
-                  <a:pt x="2967212" y="-47752"/>
-                  <a:pt x="3112842" y="54825"/>
-                  <a:pt x="3262993" y="0"/>
-                </a:cubicBezTo>
-                <a:cubicBezTo>
-                  <a:pt x="3322843" y="161645"/>
-                  <a:pt x="3226005" y="278660"/>
-                  <a:pt x="3262993" y="532450"/>
-                </a:cubicBezTo>
-                <a:cubicBezTo>
-                  <a:pt x="3299981" y="786240"/>
-                  <a:pt x="3261198" y="841957"/>
-                  <a:pt x="3262993" y="1064901"/>
-                </a:cubicBezTo>
-                <a:cubicBezTo>
-                  <a:pt x="3264788" y="1287845"/>
-                  <a:pt x="3235232" y="1522244"/>
-                  <a:pt x="3262993" y="1755331"/>
-                </a:cubicBezTo>
-                <a:cubicBezTo>
-                  <a:pt x="3029271" y="1808540"/>
-                  <a:pt x="2848306" y="1700227"/>
-                  <a:pt x="2686531" y="1755331"/>
-                </a:cubicBezTo>
-                <a:cubicBezTo>
-                  <a:pt x="2524756" y="1810435"/>
-                  <a:pt x="2383967" y="1701417"/>
-                  <a:pt x="2175329" y="1755331"/>
-                </a:cubicBezTo>
-                <a:cubicBezTo>
-                  <a:pt x="1966691" y="1809245"/>
-                  <a:pt x="1733888" y="1716290"/>
-                  <a:pt x="1598867" y="1755331"/>
-                </a:cubicBezTo>
-                <a:cubicBezTo>
-                  <a:pt x="1463846" y="1794372"/>
-                  <a:pt x="1352201" y="1720383"/>
-                  <a:pt x="1120294" y="1755331"/>
-                </a:cubicBezTo>
-                <a:cubicBezTo>
-                  <a:pt x="888387" y="1790279"/>
-                  <a:pt x="811600" y="1724176"/>
-                  <a:pt x="609092" y="1755331"/>
-                </a:cubicBezTo>
-                <a:cubicBezTo>
-                  <a:pt x="406584" y="1786486"/>
-                  <a:pt x="207129" y="1749612"/>
-                  <a:pt x="0" y="1755331"/>
-                </a:cubicBezTo>
-                <a:cubicBezTo>
-                  <a:pt x="-55616" y="1587931"/>
-                  <a:pt x="65680" y="1347491"/>
-                  <a:pt x="0" y="1135114"/>
-                </a:cubicBezTo>
-                <a:cubicBezTo>
-                  <a:pt x="-65680" y="922737"/>
-                  <a:pt x="70529" y="659813"/>
-                  <a:pt x="0" y="532450"/>
-                </a:cubicBezTo>
-                <a:cubicBezTo>
-                  <a:pt x="-70529" y="405087"/>
-                  <a:pt x="13015" y="231291"/>
-                  <a:pt x="0" y="0"/>
-                </a:cubicBezTo>
-                <a:close/>
-              </a:path>
-            </a:pathLst>
-          </a:custGeom>
-          <a:solidFill>
-            <a:srgbClr val="509DB8"/>
-          </a:solidFill>
-          <a:ln>
-            <a:gradFill>
-              <a:gsLst>
-                <a:gs pos="0">
-                  <a:schemeClr val="accent1">
-                    <a:lumMod val="5000"/>
-                    <a:lumOff val="95000"/>
-                  </a:schemeClr>
-                </a:gs>
-                <a:gs pos="74000">
-                  <a:schemeClr val="accent1">
-                    <a:lumMod val="45000"/>
-                    <a:lumOff val="55000"/>
-                  </a:schemeClr>
-                </a:gs>
-                <a:gs pos="83000">
-                  <a:schemeClr val="accent1">
-                    <a:lumMod val="45000"/>
-                    <a:lumOff val="55000"/>
-                  </a:schemeClr>
-                </a:gs>
-                <a:gs pos="100000">
-                  <a:schemeClr val="accent1">
-                    <a:lumMod val="30000"/>
-                    <a:lumOff val="70000"/>
-                  </a:schemeClr>
-                </a:gs>
-              </a:gsLst>
-              <a:lin ang="5400000" scaled="1"/>
-            </a:gradFill>
-            <a:extLst>
-              <a:ext uri="{C807C97D-BFC1-408E-A445-0C87EB9F89A2}">
-                <ask:lineSketchStyleProps xmlns:ask="http://schemas.microsoft.com/office/drawing/2018/sketchyshapes" sd="981765707">
-                  <a:prstGeom prst="rect">
-                    <a:avLst/>
-                  </a:prstGeom>
-                  <ask:type>
-                    <ask:lineSketchScribble/>
-                  </ask:type>
-                </ask:lineSketchStyleProps>
-              </a:ext>
-            </a:extLst>
-          </a:ln>
-          <a:effectLst>
-            <a:outerShdw blurRad="63500" sx="102000" sy="102000" algn="ctr" rotWithShape="0">
-              <a:prstClr val="black">
-                <a:alpha val="40000"/>
-              </a:prstClr>
-            </a:outerShdw>
-          </a:effectLst>
-        </p:spPr>
-        <p:style>
-          <a:lnRef idx="2">
-            <a:schemeClr val="accent1">
-              <a:shade val="50000"/>
-            </a:schemeClr>
-          </a:lnRef>
-          <a:fillRef idx="1">
-            <a:schemeClr val="accent1"/>
-          </a:fillRef>
-          <a:effectRef idx="0">
-            <a:schemeClr val="accent1"/>
-          </a:effectRef>
-          <a:fontRef idx="minor">
-            <a:schemeClr val="lt1"/>
-          </a:fontRef>
-        </p:style>
-        <p:txBody>
-          <a:bodyPr lIns="91440" tIns="45720" rIns="91440" bIns="45720" rtlCol="0" anchor="ctr"/>
-          <a:lstStyle>
-            <a:defPPr>
-              <a:defRPr lang="pt-BR"/>
-            </a:defPPr>
-            <a:lvl1pPr marL="0" algn="l" defTabSz="914400" rtl="0" eaLnBrk="1" latinLnBrk="0" hangingPunct="1">
-              <a:defRPr sz="1800" kern="1200">
-                <a:solidFill>
-                  <a:schemeClr val="lt1"/>
-                </a:solidFill>
-                <a:latin typeface="+mn-lt"/>
-                <a:ea typeface="+mn-ea"/>
-                <a:cs typeface="+mn-cs"/>
-              </a:defRPr>
-            </a:lvl1pPr>
-            <a:lvl2pPr marL="457200" algn="l" defTabSz="914400" rtl="0" eaLnBrk="1" latinLnBrk="0" hangingPunct="1">
-              <a:defRPr sz="1800" kern="1200">
-                <a:solidFill>
-                  <a:schemeClr val="lt1"/>
-                </a:solidFill>
-                <a:latin typeface="+mn-lt"/>
-                <a:ea typeface="+mn-ea"/>
-                <a:cs typeface="+mn-cs"/>
-              </a:defRPr>
-            </a:lvl2pPr>
-            <a:lvl3pPr marL="914400" algn="l" defTabSz="914400" rtl="0" eaLnBrk="1" latinLnBrk="0" hangingPunct="1">
-              <a:defRPr sz="1800" kern="1200">
-                <a:solidFill>
-                  <a:schemeClr val="lt1"/>
-                </a:solidFill>
-                <a:latin typeface="+mn-lt"/>
-                <a:ea typeface="+mn-ea"/>
-                <a:cs typeface="+mn-cs"/>
-              </a:defRPr>
-            </a:lvl3pPr>
-            <a:lvl4pPr marL="1371600" algn="l" defTabSz="914400" rtl="0" eaLnBrk="1" latinLnBrk="0" hangingPunct="1">
-              <a:defRPr sz="1800" kern="1200">
-                <a:solidFill>
-                  <a:schemeClr val="lt1"/>
-                </a:solidFill>
-                <a:latin typeface="+mn-lt"/>
-                <a:ea typeface="+mn-ea"/>
-                <a:cs typeface="+mn-cs"/>
-              </a:defRPr>
-            </a:lvl4pPr>
-            <a:lvl5pPr marL="1828800" algn="l" defTabSz="914400" rtl="0" eaLnBrk="1" latinLnBrk="0" hangingPunct="1">
-              <a:defRPr sz="1800" kern="1200">
-                <a:solidFill>
-                  <a:schemeClr val="lt1"/>
-                </a:solidFill>
-                <a:latin typeface="+mn-lt"/>
-                <a:ea typeface="+mn-ea"/>
-                <a:cs typeface="+mn-cs"/>
-              </a:defRPr>
-            </a:lvl5pPr>
-            <a:lvl6pPr marL="2286000" algn="l" defTabSz="914400" rtl="0" eaLnBrk="1" latinLnBrk="0" hangingPunct="1">
-              <a:defRPr sz="1800" kern="1200">
-                <a:solidFill>
-                  <a:schemeClr val="lt1"/>
-                </a:solidFill>
-                <a:latin typeface="+mn-lt"/>
-                <a:ea typeface="+mn-ea"/>
-                <a:cs typeface="+mn-cs"/>
-              </a:defRPr>
-            </a:lvl6pPr>
-            <a:lvl7pPr marL="2743200" algn="l" defTabSz="914400" rtl="0" eaLnBrk="1" latinLnBrk="0" hangingPunct="1">
-              <a:defRPr sz="1800" kern="1200">
-                <a:solidFill>
-                  <a:schemeClr val="lt1"/>
-                </a:solidFill>
-                <a:latin typeface="+mn-lt"/>
-                <a:ea typeface="+mn-ea"/>
-                <a:cs typeface="+mn-cs"/>
-              </a:defRPr>
-            </a:lvl7pPr>
-            <a:lvl8pPr marL="3200400" algn="l" defTabSz="914400" rtl="0" eaLnBrk="1" latinLnBrk="0" hangingPunct="1">
-              <a:defRPr sz="1800" kern="1200">
-                <a:solidFill>
-                  <a:schemeClr val="lt1"/>
-                </a:solidFill>
-                <a:latin typeface="+mn-lt"/>
-                <a:ea typeface="+mn-ea"/>
-                <a:cs typeface="+mn-cs"/>
-              </a:defRPr>
-            </a:lvl8pPr>
-            <a:lvl9pPr marL="3657600" algn="l" defTabSz="914400" rtl="0" eaLnBrk="1" latinLnBrk="0" hangingPunct="1">
-              <a:defRPr sz="1800" kern="1200">
-                <a:solidFill>
-                  <a:schemeClr val="lt1"/>
-                </a:solidFill>
-                <a:latin typeface="+mn-lt"/>
-                <a:ea typeface="+mn-ea"/>
-                <a:cs typeface="+mn-cs"/>
-              </a:defRPr>
-            </a:lvl9pPr>
-          </a:lstStyle>
-          <a:p>
-            <a:pPr algn="just"/>
-            <a:r>
-              <a:rPr lang="pt-BR" sz="1800" dirty="0">
-                <a:effectLst/>
-                <a:latin typeface="Ink Free"/>
-                <a:ea typeface="Calibri" panose="020F0502020204030204" pitchFamily="34" charset="0"/>
-                <a:cs typeface="Times New Roman"/>
-              </a:rPr>
-              <a:t>Eu </a:t>
-            </a:r>
-            <a:r>
-              <a:rPr lang="pt-BR" b="1" dirty="0">
-                <a:solidFill>
-                  <a:schemeClr val="tx2">
-                    <a:lumMod val="50000"/>
-                  </a:schemeClr>
-                </a:solidFill>
-                <a:latin typeface="Ink Free"/>
-                <a:cs typeface="Times New Roman"/>
-              </a:rPr>
-              <a:t>enquanto</a:t>
-            </a:r>
-            <a:r>
-              <a:rPr lang="pt-BR" b="1" dirty="0">
-                <a:latin typeface="Ink Free"/>
-                <a:cs typeface="Times New Roman"/>
-              </a:rPr>
-              <a:t> </a:t>
-            </a:r>
-            <a:r>
-              <a:rPr lang="pt-BR" dirty="0">
-                <a:latin typeface="Ink Free"/>
-                <a:cs typeface="Times New Roman"/>
-              </a:rPr>
-              <a:t>professor </a:t>
-            </a:r>
-            <a:r>
-              <a:rPr lang="pt-BR" b="1" dirty="0">
-                <a:solidFill>
-                  <a:schemeClr val="tx2">
-                    <a:lumMod val="50000"/>
-                  </a:schemeClr>
-                </a:solidFill>
-                <a:latin typeface="Ink Free"/>
-                <a:cs typeface="Times New Roman"/>
-              </a:rPr>
-              <a:t>quero</a:t>
-            </a:r>
-            <a:r>
-              <a:rPr lang="pt-BR" b="1" dirty="0">
-                <a:latin typeface="Ink Free"/>
-                <a:cs typeface="Times New Roman"/>
-              </a:rPr>
-              <a:t> </a:t>
-            </a:r>
-            <a:r>
-              <a:rPr lang="pt-BR" dirty="0">
-                <a:latin typeface="Ink Free"/>
-                <a:cs typeface="Times New Roman"/>
-              </a:rPr>
-              <a:t>ter um canal de comunicação direto com a equipe de T.I </a:t>
-            </a:r>
-            <a:r>
-              <a:rPr lang="pt-BR" b="1" dirty="0">
-                <a:solidFill>
-                  <a:schemeClr val="tx2">
-                    <a:lumMod val="50000"/>
-                  </a:schemeClr>
-                </a:solidFill>
-                <a:latin typeface="Ink Free"/>
-                <a:cs typeface="Times New Roman"/>
-              </a:rPr>
-              <a:t>porque </a:t>
-            </a:r>
-            <a:r>
-              <a:rPr lang="pt-BR" dirty="0">
-                <a:latin typeface="Ink Free"/>
-                <a:cs typeface="Times New Roman"/>
-              </a:rPr>
-              <a:t>preciso </a:t>
-            </a:r>
-            <a:r>
-              <a:rPr lang="pt-BR" sz="1800" dirty="0">
-                <a:effectLst/>
-                <a:latin typeface="Ink Free"/>
-                <a:ea typeface="Calibri" panose="020F0502020204030204" pitchFamily="34" charset="0"/>
-                <a:cs typeface="Times New Roman"/>
-              </a:rPr>
-              <a:t>tirar algumas dúvidas ou relatar problemas.</a:t>
-            </a:r>
-            <a:endParaRPr lang="en-US"/>
-          </a:p>
-        </p:txBody>
-      </p:sp>
-      <p:sp>
-        <p:nvSpPr>
-          <p:cNvPr id="7" name="Retângulo 10">
-            <a:extLst>
-              <a:ext uri="{FF2B5EF4-FFF2-40B4-BE49-F238E27FC236}">
-                <a16:creationId xmlns:a16="http://schemas.microsoft.com/office/drawing/2014/main" id="{A3877CE4-F3C7-4804-8EF9-675BF99AE4E4}"/>
-              </a:ext>
-            </a:extLst>
-          </p:cNvPr>
-          <p:cNvSpPr/>
-          <p:nvPr/>
-        </p:nvSpPr>
-        <p:spPr>
-          <a:xfrm>
-            <a:off x="7672964" y="4263499"/>
-            <a:ext cx="4381878" cy="1726922"/>
-          </a:xfrm>
-          <a:custGeom>
-            <a:avLst/>
-            <a:gdLst>
-              <a:gd name="connsiteX0" fmla="*/ 0 w 4381878"/>
-              <a:gd name="connsiteY0" fmla="*/ 0 h 1726922"/>
-              <a:gd name="connsiteX1" fmla="*/ 460097 w 4381878"/>
-              <a:gd name="connsiteY1" fmla="*/ 0 h 1726922"/>
-              <a:gd name="connsiteX2" fmla="*/ 876376 w 4381878"/>
-              <a:gd name="connsiteY2" fmla="*/ 0 h 1726922"/>
-              <a:gd name="connsiteX3" fmla="*/ 1511748 w 4381878"/>
-              <a:gd name="connsiteY3" fmla="*/ 0 h 1726922"/>
-              <a:gd name="connsiteX4" fmla="*/ 2015664 w 4381878"/>
-              <a:gd name="connsiteY4" fmla="*/ 0 h 1726922"/>
-              <a:gd name="connsiteX5" fmla="*/ 2607217 w 4381878"/>
-              <a:gd name="connsiteY5" fmla="*/ 0 h 1726922"/>
-              <a:gd name="connsiteX6" fmla="*/ 3023496 w 4381878"/>
-              <a:gd name="connsiteY6" fmla="*/ 0 h 1726922"/>
-              <a:gd name="connsiteX7" fmla="*/ 3658868 w 4381878"/>
-              <a:gd name="connsiteY7" fmla="*/ 0 h 1726922"/>
-              <a:gd name="connsiteX8" fmla="*/ 4381878 w 4381878"/>
-              <a:gd name="connsiteY8" fmla="*/ 0 h 1726922"/>
-              <a:gd name="connsiteX9" fmla="*/ 4381878 w 4381878"/>
-              <a:gd name="connsiteY9" fmla="*/ 558371 h 1726922"/>
-              <a:gd name="connsiteX10" fmla="*/ 4381878 w 4381878"/>
-              <a:gd name="connsiteY10" fmla="*/ 1134012 h 1726922"/>
-              <a:gd name="connsiteX11" fmla="*/ 4381878 w 4381878"/>
-              <a:gd name="connsiteY11" fmla="*/ 1726922 h 1726922"/>
-              <a:gd name="connsiteX12" fmla="*/ 3746506 w 4381878"/>
-              <a:gd name="connsiteY12" fmla="*/ 1726922 h 1726922"/>
-              <a:gd name="connsiteX13" fmla="*/ 3111133 w 4381878"/>
-              <a:gd name="connsiteY13" fmla="*/ 1726922 h 1726922"/>
-              <a:gd name="connsiteX14" fmla="*/ 2475761 w 4381878"/>
-              <a:gd name="connsiteY14" fmla="*/ 1726922 h 1726922"/>
-              <a:gd name="connsiteX15" fmla="*/ 2059483 w 4381878"/>
-              <a:gd name="connsiteY15" fmla="*/ 1726922 h 1726922"/>
-              <a:gd name="connsiteX16" fmla="*/ 1643204 w 4381878"/>
-              <a:gd name="connsiteY16" fmla="*/ 1726922 h 1726922"/>
-              <a:gd name="connsiteX17" fmla="*/ 1226926 w 4381878"/>
-              <a:gd name="connsiteY17" fmla="*/ 1726922 h 1726922"/>
-              <a:gd name="connsiteX18" fmla="*/ 635372 w 4381878"/>
-              <a:gd name="connsiteY18" fmla="*/ 1726922 h 1726922"/>
-              <a:gd name="connsiteX19" fmla="*/ 0 w 4381878"/>
-              <a:gd name="connsiteY19" fmla="*/ 1726922 h 1726922"/>
-              <a:gd name="connsiteX20" fmla="*/ 0 w 4381878"/>
-              <a:gd name="connsiteY20" fmla="*/ 1203089 h 1726922"/>
-              <a:gd name="connsiteX21" fmla="*/ 0 w 4381878"/>
-              <a:gd name="connsiteY21" fmla="*/ 661987 h 1726922"/>
-              <a:gd name="connsiteX22" fmla="*/ 0 w 4381878"/>
-              <a:gd name="connsiteY22" fmla="*/ 0 h 1726922"/>
-            </a:gdLst>
-            <a:ahLst/>
-            <a:cxnLst>
-              <a:cxn ang="0">
-                <a:pos x="connsiteX0" y="connsiteY0"/>
-              </a:cxn>
-              <a:cxn ang="0">
-                <a:pos x="connsiteX1" y="connsiteY1"/>
-              </a:cxn>
-              <a:cxn ang="0">
-                <a:pos x="connsiteX2" y="connsiteY2"/>
-              </a:cxn>
-              <a:cxn ang="0">
-                <a:pos x="connsiteX3" y="connsiteY3"/>
-              </a:cxn>
-              <a:cxn ang="0">
-                <a:pos x="connsiteX4" y="connsiteY4"/>
-              </a:cxn>
-              <a:cxn ang="0">
-                <a:pos x="connsiteX5" y="connsiteY5"/>
-              </a:cxn>
-              <a:cxn ang="0">
-                <a:pos x="connsiteX6" y="connsiteY6"/>
-              </a:cxn>
-              <a:cxn ang="0">
-                <a:pos x="connsiteX7" y="connsiteY7"/>
-              </a:cxn>
-              <a:cxn ang="0">
-                <a:pos x="connsiteX8" y="connsiteY8"/>
-              </a:cxn>
-              <a:cxn ang="0">
-                <a:pos x="connsiteX9" y="connsiteY9"/>
-              </a:cxn>
-              <a:cxn ang="0">
-                <a:pos x="connsiteX10" y="connsiteY10"/>
-              </a:cxn>
-              <a:cxn ang="0">
-                <a:pos x="connsiteX11" y="connsiteY11"/>
-              </a:cxn>
-              <a:cxn ang="0">
-                <a:pos x="connsiteX12" y="connsiteY12"/>
-              </a:cxn>
-              <a:cxn ang="0">
-                <a:pos x="connsiteX13" y="connsiteY13"/>
-              </a:cxn>
-              <a:cxn ang="0">
-                <a:pos x="connsiteX14" y="connsiteY14"/>
-              </a:cxn>
-              <a:cxn ang="0">
-                <a:pos x="connsiteX15" y="connsiteY15"/>
-              </a:cxn>
-              <a:cxn ang="0">
-                <a:pos x="connsiteX16" y="connsiteY16"/>
-              </a:cxn>
-              <a:cxn ang="0">
-                <a:pos x="connsiteX17" y="connsiteY17"/>
-              </a:cxn>
-              <a:cxn ang="0">
-                <a:pos x="connsiteX18" y="connsiteY18"/>
-              </a:cxn>
-              <a:cxn ang="0">
-                <a:pos x="connsiteX19" y="connsiteY19"/>
-              </a:cxn>
-              <a:cxn ang="0">
-                <a:pos x="connsiteX20" y="connsiteY20"/>
-              </a:cxn>
-              <a:cxn ang="0">
-                <a:pos x="connsiteX21" y="connsiteY21"/>
-              </a:cxn>
-              <a:cxn ang="0">
-                <a:pos x="connsiteX22" y="connsiteY22"/>
-              </a:cxn>
-            </a:cxnLst>
-            <a:rect l="l" t="t" r="r" b="b"/>
-            <a:pathLst>
-              <a:path w="4381878" h="1726922" fill="none" extrusionOk="0">
-                <a:moveTo>
-                  <a:pt x="0" y="0"/>
-                </a:moveTo>
-                <a:cubicBezTo>
-                  <a:pt x="146368" y="-31757"/>
-                  <a:pt x="363048" y="5318"/>
-                  <a:pt x="460097" y="0"/>
-                </a:cubicBezTo>
-                <a:cubicBezTo>
-                  <a:pt x="557146" y="-5318"/>
-                  <a:pt x="710755" y="12123"/>
-                  <a:pt x="876376" y="0"/>
-                </a:cubicBezTo>
-                <a:cubicBezTo>
-                  <a:pt x="1041997" y="-12123"/>
-                  <a:pt x="1325420" y="73549"/>
-                  <a:pt x="1511748" y="0"/>
-                </a:cubicBezTo>
-                <a:cubicBezTo>
-                  <a:pt x="1698076" y="-73549"/>
-                  <a:pt x="1836906" y="10951"/>
-                  <a:pt x="2015664" y="0"/>
-                </a:cubicBezTo>
-                <a:cubicBezTo>
-                  <a:pt x="2194422" y="-10951"/>
-                  <a:pt x="2466885" y="60068"/>
-                  <a:pt x="2607217" y="0"/>
-                </a:cubicBezTo>
-                <a:cubicBezTo>
-                  <a:pt x="2747549" y="-60068"/>
-                  <a:pt x="2892991" y="8895"/>
-                  <a:pt x="3023496" y="0"/>
-                </a:cubicBezTo>
-                <a:cubicBezTo>
-                  <a:pt x="3154001" y="-8895"/>
-                  <a:pt x="3394385" y="71670"/>
-                  <a:pt x="3658868" y="0"/>
-                </a:cubicBezTo>
-                <a:cubicBezTo>
-                  <a:pt x="3923351" y="-71670"/>
-                  <a:pt x="4098950" y="76916"/>
-                  <a:pt x="4381878" y="0"/>
-                </a:cubicBezTo>
-                <a:cubicBezTo>
-                  <a:pt x="4385716" y="143672"/>
-                  <a:pt x="4346332" y="376179"/>
-                  <a:pt x="4381878" y="558371"/>
-                </a:cubicBezTo>
-                <a:cubicBezTo>
-                  <a:pt x="4417424" y="740563"/>
-                  <a:pt x="4338197" y="1006080"/>
-                  <a:pt x="4381878" y="1134012"/>
-                </a:cubicBezTo>
-                <a:cubicBezTo>
-                  <a:pt x="4425559" y="1261944"/>
-                  <a:pt x="4313874" y="1511746"/>
-                  <a:pt x="4381878" y="1726922"/>
-                </a:cubicBezTo>
-                <a:cubicBezTo>
-                  <a:pt x="4101650" y="1760175"/>
-                  <a:pt x="4026799" y="1653703"/>
-                  <a:pt x="3746506" y="1726922"/>
-                </a:cubicBezTo>
-                <a:cubicBezTo>
-                  <a:pt x="3466213" y="1800141"/>
-                  <a:pt x="3344224" y="1667725"/>
-                  <a:pt x="3111133" y="1726922"/>
-                </a:cubicBezTo>
-                <a:cubicBezTo>
-                  <a:pt x="2878042" y="1786119"/>
-                  <a:pt x="2692650" y="1660161"/>
-                  <a:pt x="2475761" y="1726922"/>
-                </a:cubicBezTo>
-                <a:cubicBezTo>
-                  <a:pt x="2258872" y="1793683"/>
-                  <a:pt x="2145427" y="1682475"/>
-                  <a:pt x="2059483" y="1726922"/>
-                </a:cubicBezTo>
-                <a:cubicBezTo>
-                  <a:pt x="1973539" y="1771369"/>
-                  <a:pt x="1750542" y="1724663"/>
-                  <a:pt x="1643204" y="1726922"/>
-                </a:cubicBezTo>
-                <a:cubicBezTo>
-                  <a:pt x="1535866" y="1729181"/>
-                  <a:pt x="1378706" y="1713317"/>
-                  <a:pt x="1226926" y="1726922"/>
-                </a:cubicBezTo>
-                <a:cubicBezTo>
-                  <a:pt x="1075146" y="1740527"/>
-                  <a:pt x="898670" y="1706636"/>
-                  <a:pt x="635372" y="1726922"/>
-                </a:cubicBezTo>
-                <a:cubicBezTo>
-                  <a:pt x="372074" y="1747208"/>
-                  <a:pt x="255827" y="1662958"/>
-                  <a:pt x="0" y="1726922"/>
-                </a:cubicBezTo>
-                <a:cubicBezTo>
-                  <a:pt x="-58100" y="1608679"/>
-                  <a:pt x="49512" y="1459764"/>
-                  <a:pt x="0" y="1203089"/>
-                </a:cubicBezTo>
-                <a:cubicBezTo>
-                  <a:pt x="-49512" y="946414"/>
-                  <a:pt x="20092" y="798696"/>
-                  <a:pt x="0" y="661987"/>
-                </a:cubicBezTo>
-                <a:cubicBezTo>
-                  <a:pt x="-20092" y="525278"/>
-                  <a:pt x="56440" y="319199"/>
-                  <a:pt x="0" y="0"/>
-                </a:cubicBezTo>
-                <a:close/>
-              </a:path>
-              <a:path w="4381878" h="1726922" stroke="0" extrusionOk="0">
-                <a:moveTo>
-                  <a:pt x="0" y="0"/>
-                </a:moveTo>
-                <a:cubicBezTo>
-                  <a:pt x="173183" y="-32214"/>
-                  <a:pt x="470843" y="52926"/>
-                  <a:pt x="635372" y="0"/>
-                </a:cubicBezTo>
-                <a:cubicBezTo>
-                  <a:pt x="799901" y="-52926"/>
-                  <a:pt x="1032434" y="44899"/>
-                  <a:pt x="1183107" y="0"/>
-                </a:cubicBezTo>
-                <a:cubicBezTo>
-                  <a:pt x="1333780" y="-44899"/>
-                  <a:pt x="1480448" y="40136"/>
-                  <a:pt x="1643204" y="0"/>
-                </a:cubicBezTo>
-                <a:cubicBezTo>
-                  <a:pt x="1805960" y="-40136"/>
-                  <a:pt x="1972204" y="24622"/>
-                  <a:pt x="2190939" y="0"/>
-                </a:cubicBezTo>
-                <a:cubicBezTo>
-                  <a:pt x="2409674" y="-24622"/>
-                  <a:pt x="2692331" y="37427"/>
-                  <a:pt x="2826311" y="0"/>
-                </a:cubicBezTo>
-                <a:cubicBezTo>
-                  <a:pt x="2960291" y="-37427"/>
-                  <a:pt x="3132205" y="34587"/>
-                  <a:pt x="3286409" y="0"/>
-                </a:cubicBezTo>
-                <a:cubicBezTo>
-                  <a:pt x="3440613" y="-34587"/>
-                  <a:pt x="3532349" y="5352"/>
-                  <a:pt x="3702687" y="0"/>
-                </a:cubicBezTo>
-                <a:cubicBezTo>
-                  <a:pt x="3873025" y="-5352"/>
-                  <a:pt x="4069308" y="19312"/>
-                  <a:pt x="4381878" y="0"/>
-                </a:cubicBezTo>
-                <a:cubicBezTo>
-                  <a:pt x="4444635" y="179011"/>
-                  <a:pt x="4349075" y="373965"/>
-                  <a:pt x="4381878" y="575641"/>
-                </a:cubicBezTo>
-                <a:cubicBezTo>
-                  <a:pt x="4414681" y="777317"/>
-                  <a:pt x="4337115" y="968134"/>
-                  <a:pt x="4381878" y="1168551"/>
-                </a:cubicBezTo>
-                <a:cubicBezTo>
-                  <a:pt x="4426641" y="1368968"/>
-                  <a:pt x="4361995" y="1537445"/>
-                  <a:pt x="4381878" y="1726922"/>
-                </a:cubicBezTo>
-                <a:cubicBezTo>
-                  <a:pt x="4130046" y="1766405"/>
-                  <a:pt x="4036295" y="1685941"/>
-                  <a:pt x="3877962" y="1726922"/>
-                </a:cubicBezTo>
-                <a:cubicBezTo>
-                  <a:pt x="3719629" y="1767903"/>
-                  <a:pt x="3550542" y="1719687"/>
-                  <a:pt x="3417865" y="1726922"/>
-                </a:cubicBezTo>
-                <a:cubicBezTo>
-                  <a:pt x="3285188" y="1734157"/>
-                  <a:pt x="3134792" y="1702377"/>
-                  <a:pt x="2913949" y="1726922"/>
-                </a:cubicBezTo>
-                <a:cubicBezTo>
-                  <a:pt x="2693106" y="1751467"/>
-                  <a:pt x="2575080" y="1690006"/>
-                  <a:pt x="2322395" y="1726922"/>
-                </a:cubicBezTo>
-                <a:cubicBezTo>
-                  <a:pt x="2069710" y="1763838"/>
-                  <a:pt x="1949008" y="1685731"/>
-                  <a:pt x="1687023" y="1726922"/>
-                </a:cubicBezTo>
-                <a:cubicBezTo>
-                  <a:pt x="1425038" y="1768113"/>
-                  <a:pt x="1291039" y="1680019"/>
-                  <a:pt x="1095470" y="1726922"/>
-                </a:cubicBezTo>
-                <a:cubicBezTo>
-                  <a:pt x="899901" y="1773825"/>
-                  <a:pt x="752813" y="1704771"/>
-                  <a:pt x="547735" y="1726922"/>
-                </a:cubicBezTo>
-                <a:cubicBezTo>
-                  <a:pt x="342657" y="1749073"/>
-                  <a:pt x="131729" y="1682624"/>
-                  <a:pt x="0" y="1726922"/>
-                </a:cubicBezTo>
-                <a:cubicBezTo>
-                  <a:pt x="-43429" y="1607613"/>
-                  <a:pt x="18708" y="1352308"/>
-                  <a:pt x="0" y="1151281"/>
-                </a:cubicBezTo>
-                <a:cubicBezTo>
-                  <a:pt x="-18708" y="950254"/>
-                  <a:pt x="20828" y="750610"/>
-                  <a:pt x="0" y="610179"/>
-                </a:cubicBezTo>
-                <a:cubicBezTo>
-                  <a:pt x="-20828" y="469748"/>
-                  <a:pt x="70634" y="244379"/>
-                  <a:pt x="0" y="0"/>
-                </a:cubicBezTo>
-                <a:close/>
-              </a:path>
-            </a:pathLst>
-          </a:custGeom>
-          <a:solidFill>
-            <a:srgbClr val="33C6D5"/>
-          </a:solidFill>
-          <a:ln>
-            <a:gradFill>
-              <a:gsLst>
-                <a:gs pos="0">
-                  <a:schemeClr val="accent1">
-                    <a:lumMod val="5000"/>
-                    <a:lumOff val="95000"/>
-                  </a:schemeClr>
-                </a:gs>
-                <a:gs pos="74000">
-                  <a:schemeClr val="accent1">
-                    <a:lumMod val="45000"/>
-                    <a:lumOff val="55000"/>
-                  </a:schemeClr>
-                </a:gs>
-                <a:gs pos="83000">
-                  <a:schemeClr val="accent1">
-                    <a:lumMod val="45000"/>
-                    <a:lumOff val="55000"/>
-                  </a:schemeClr>
-                </a:gs>
-                <a:gs pos="100000">
-                  <a:schemeClr val="accent1">
-                    <a:lumMod val="30000"/>
-                    <a:lumOff val="70000"/>
-                  </a:schemeClr>
-                </a:gs>
-              </a:gsLst>
-              <a:lin ang="5400000" scaled="1"/>
-            </a:gradFill>
-            <a:extLst>
-              <a:ext uri="{C807C97D-BFC1-408E-A445-0C87EB9F89A2}">
-                <ask:lineSketchStyleProps xmlns:ask="http://schemas.microsoft.com/office/drawing/2018/sketchyshapes" sd="981765707">
-                  <a:prstGeom prst="rect">
-                    <a:avLst/>
-                  </a:prstGeom>
-                  <ask:type>
-                    <ask:lineSketchScribble/>
-                  </ask:type>
-                </ask:lineSketchStyleProps>
-              </a:ext>
-            </a:extLst>
-          </a:ln>
-          <a:effectLst>
-            <a:outerShdw blurRad="63500" sx="102000" sy="102000" algn="ctr" rotWithShape="0">
-              <a:prstClr val="black">
-                <a:alpha val="40000"/>
-              </a:prstClr>
-            </a:outerShdw>
-          </a:effectLst>
-        </p:spPr>
-        <p:style>
-          <a:lnRef idx="2">
-            <a:schemeClr val="accent1">
-              <a:shade val="50000"/>
-            </a:schemeClr>
-          </a:lnRef>
-          <a:fillRef idx="1">
-            <a:schemeClr val="accent1"/>
-          </a:fillRef>
-          <a:effectRef idx="0">
-            <a:schemeClr val="accent1"/>
-          </a:effectRef>
-          <a:fontRef idx="minor">
-            <a:schemeClr val="lt1"/>
-          </a:fontRef>
-        </p:style>
-        <p:txBody>
-          <a:bodyPr lIns="91440" tIns="45720" rIns="91440" bIns="45720" rtlCol="0" anchor="ctr"/>
-          <a:lstStyle>
-            <a:defPPr>
-              <a:defRPr lang="pt-BR"/>
-            </a:defPPr>
-            <a:lvl1pPr marL="0" algn="l" defTabSz="914400" rtl="0" eaLnBrk="1" latinLnBrk="0" hangingPunct="1">
-              <a:defRPr sz="1800" kern="1200">
-                <a:solidFill>
-                  <a:schemeClr val="lt1"/>
-                </a:solidFill>
-                <a:latin typeface="+mn-lt"/>
-                <a:ea typeface="+mn-ea"/>
-                <a:cs typeface="+mn-cs"/>
-              </a:defRPr>
-            </a:lvl1pPr>
-            <a:lvl2pPr marL="457200" algn="l" defTabSz="914400" rtl="0" eaLnBrk="1" latinLnBrk="0" hangingPunct="1">
-              <a:defRPr sz="1800" kern="1200">
-                <a:solidFill>
-                  <a:schemeClr val="lt1"/>
-                </a:solidFill>
-                <a:latin typeface="+mn-lt"/>
-                <a:ea typeface="+mn-ea"/>
-                <a:cs typeface="+mn-cs"/>
-              </a:defRPr>
-            </a:lvl2pPr>
-            <a:lvl3pPr marL="914400" algn="l" defTabSz="914400" rtl="0" eaLnBrk="1" latinLnBrk="0" hangingPunct="1">
-              <a:defRPr sz="1800" kern="1200">
-                <a:solidFill>
-                  <a:schemeClr val="lt1"/>
-                </a:solidFill>
-                <a:latin typeface="+mn-lt"/>
-                <a:ea typeface="+mn-ea"/>
-                <a:cs typeface="+mn-cs"/>
-              </a:defRPr>
-            </a:lvl3pPr>
-            <a:lvl4pPr marL="1371600" algn="l" defTabSz="914400" rtl="0" eaLnBrk="1" latinLnBrk="0" hangingPunct="1">
-              <a:defRPr sz="1800" kern="1200">
-                <a:solidFill>
-                  <a:schemeClr val="lt1"/>
-                </a:solidFill>
-                <a:latin typeface="+mn-lt"/>
-                <a:ea typeface="+mn-ea"/>
-                <a:cs typeface="+mn-cs"/>
-              </a:defRPr>
-            </a:lvl4pPr>
-            <a:lvl5pPr marL="1828800" algn="l" defTabSz="914400" rtl="0" eaLnBrk="1" latinLnBrk="0" hangingPunct="1">
-              <a:defRPr sz="1800" kern="1200">
-                <a:solidFill>
-                  <a:schemeClr val="lt1"/>
-                </a:solidFill>
-                <a:latin typeface="+mn-lt"/>
-                <a:ea typeface="+mn-ea"/>
-                <a:cs typeface="+mn-cs"/>
-              </a:defRPr>
-            </a:lvl5pPr>
-            <a:lvl6pPr marL="2286000" algn="l" defTabSz="914400" rtl="0" eaLnBrk="1" latinLnBrk="0" hangingPunct="1">
-              <a:defRPr sz="1800" kern="1200">
-                <a:solidFill>
-                  <a:schemeClr val="lt1"/>
-                </a:solidFill>
-                <a:latin typeface="+mn-lt"/>
-                <a:ea typeface="+mn-ea"/>
-                <a:cs typeface="+mn-cs"/>
-              </a:defRPr>
-            </a:lvl6pPr>
-            <a:lvl7pPr marL="2743200" algn="l" defTabSz="914400" rtl="0" eaLnBrk="1" latinLnBrk="0" hangingPunct="1">
-              <a:defRPr sz="1800" kern="1200">
-                <a:solidFill>
-                  <a:schemeClr val="lt1"/>
-                </a:solidFill>
-                <a:latin typeface="+mn-lt"/>
-                <a:ea typeface="+mn-ea"/>
-                <a:cs typeface="+mn-cs"/>
-              </a:defRPr>
-            </a:lvl7pPr>
-            <a:lvl8pPr marL="3200400" algn="l" defTabSz="914400" rtl="0" eaLnBrk="1" latinLnBrk="0" hangingPunct="1">
-              <a:defRPr sz="1800" kern="1200">
-                <a:solidFill>
-                  <a:schemeClr val="lt1"/>
-                </a:solidFill>
-                <a:latin typeface="+mn-lt"/>
-                <a:ea typeface="+mn-ea"/>
-                <a:cs typeface="+mn-cs"/>
-              </a:defRPr>
-            </a:lvl8pPr>
-            <a:lvl9pPr marL="3657600" algn="l" defTabSz="914400" rtl="0" eaLnBrk="1" latinLnBrk="0" hangingPunct="1">
-              <a:defRPr sz="1800" kern="1200">
-                <a:solidFill>
-                  <a:schemeClr val="lt1"/>
-                </a:solidFill>
-                <a:latin typeface="+mn-lt"/>
-                <a:ea typeface="+mn-ea"/>
-                <a:cs typeface="+mn-cs"/>
-              </a:defRPr>
-            </a:lvl9pPr>
-          </a:lstStyle>
-          <a:p>
-            <a:pPr algn="just"/>
-            <a:r>
-              <a:rPr lang="pt-BR" dirty="0">
-                <a:latin typeface="Ink Free"/>
-                <a:cs typeface="Times New Roman"/>
-              </a:rPr>
-              <a:t>Eu </a:t>
-            </a:r>
-            <a:r>
-              <a:rPr lang="pt-BR" b="1" dirty="0">
-                <a:solidFill>
-                  <a:schemeClr val="tx2">
-                    <a:lumMod val="50000"/>
-                  </a:schemeClr>
-                </a:solidFill>
-                <a:latin typeface="Ink Free"/>
-                <a:cs typeface="Times New Roman"/>
-              </a:rPr>
-              <a:t>enquanto</a:t>
-            </a:r>
-            <a:r>
-              <a:rPr lang="pt-BR" b="1" dirty="0">
-                <a:latin typeface="Ink Free"/>
-                <a:cs typeface="Times New Roman"/>
-              </a:rPr>
-              <a:t> </a:t>
-            </a:r>
-            <a:r>
-              <a:rPr lang="pt-BR" dirty="0">
-                <a:latin typeface="Ink Free"/>
-                <a:cs typeface="Times New Roman"/>
-              </a:rPr>
-              <a:t>professor</a:t>
-            </a:r>
-            <a:r>
-              <a:rPr lang="pt-BR" dirty="0">
-                <a:solidFill>
-                  <a:schemeClr val="tx2">
-                    <a:lumMod val="50000"/>
-                  </a:schemeClr>
-                </a:solidFill>
-                <a:latin typeface="Ink Free"/>
-                <a:cs typeface="Times New Roman"/>
-              </a:rPr>
-              <a:t> </a:t>
-            </a:r>
-            <a:r>
-              <a:rPr lang="pt-BR" b="1" dirty="0">
-                <a:solidFill>
-                  <a:schemeClr val="tx2">
-                    <a:lumMod val="50000"/>
-                  </a:schemeClr>
-                </a:solidFill>
-                <a:latin typeface="Ink Free"/>
-                <a:cs typeface="Times New Roman"/>
-              </a:rPr>
-              <a:t>quero </a:t>
-            </a:r>
-            <a:r>
-              <a:rPr lang="pt-BR" dirty="0">
-                <a:latin typeface="Ink Free"/>
-                <a:cs typeface="Times New Roman"/>
-              </a:rPr>
-              <a:t>que o tempo ocioso em aula após a ocorrência de problema na máquina for detectada seja o menor possível </a:t>
-            </a:r>
-            <a:r>
-              <a:rPr lang="pt-BR" b="1" dirty="0">
-                <a:solidFill>
-                  <a:schemeClr val="tx2">
-                    <a:lumMod val="50000"/>
-                  </a:schemeClr>
-                </a:solidFill>
-                <a:latin typeface="Ink Free"/>
-                <a:cs typeface="Times New Roman"/>
-              </a:rPr>
-              <a:t>porque</a:t>
-            </a:r>
-            <a:r>
-              <a:rPr lang="pt-BR" b="1" dirty="0">
-                <a:latin typeface="Ink Free"/>
-                <a:cs typeface="Times New Roman"/>
-              </a:rPr>
-              <a:t> </a:t>
-            </a:r>
-            <a:r>
-              <a:rPr lang="pt-BR" dirty="0">
-                <a:latin typeface="Ink Free"/>
-                <a:cs typeface="Times New Roman"/>
-              </a:rPr>
-              <a:t>não quero atrasar o conteúdo que preparei aos alunos</a:t>
-            </a:r>
-            <a:r>
-              <a:rPr lang="pt-BR" sz="1800" dirty="0">
-                <a:effectLst/>
-                <a:latin typeface="Ink Free"/>
-                <a:ea typeface="Calibri" panose="020F0502020204030204" pitchFamily="34" charset="0"/>
-                <a:cs typeface="Times New Roman"/>
-              </a:rPr>
-              <a:t>.</a:t>
-            </a:r>
-            <a:endParaRPr lang="pt-BR" sz="1800" dirty="0">
-              <a:effectLst/>
-              <a:latin typeface="Calibri" panose="020F0502020204030204" pitchFamily="34" charset="0"/>
-              <a:ea typeface="Calibri" panose="020F0502020204030204" pitchFamily="34" charset="0"/>
-              <a:cs typeface="Times New Roman" panose="02020603050405020304" pitchFamily="18" charset="0"/>
-            </a:endParaRPr>
-          </a:p>
-          <a:p>
-            <a:pPr algn="just"/>
-            <a:endParaRPr lang="pt-BR" sz="1800" dirty="0">
-              <a:effectLst/>
-              <a:latin typeface="Calibri" panose="020F0502020204030204" pitchFamily="34" charset="0"/>
-              <a:ea typeface="Calibri" panose="020F0502020204030204" pitchFamily="34" charset="0"/>
-              <a:cs typeface="Times New Roman" panose="02020603050405020304" pitchFamily="18" charset="0"/>
-            </a:endParaRPr>
-          </a:p>
-        </p:txBody>
-      </p:sp>
-      <p:sp>
-        <p:nvSpPr>
-          <p:cNvPr id="8" name="Retângulo 12">
-            <a:extLst>
-              <a:ext uri="{FF2B5EF4-FFF2-40B4-BE49-F238E27FC236}">
-                <a16:creationId xmlns:a16="http://schemas.microsoft.com/office/drawing/2014/main" id="{21DD962C-323C-4904-97E3-118790B5EE94}"/>
-              </a:ext>
-            </a:extLst>
-          </p:cNvPr>
-          <p:cNvSpPr/>
-          <p:nvPr/>
-        </p:nvSpPr>
-        <p:spPr>
-          <a:xfrm>
-            <a:off x="4374536" y="4264108"/>
-            <a:ext cx="2992918" cy="1726922"/>
-          </a:xfrm>
-          <a:custGeom>
-            <a:avLst/>
-            <a:gdLst>
-              <a:gd name="connsiteX0" fmla="*/ 0 w 2992918"/>
-              <a:gd name="connsiteY0" fmla="*/ 0 h 1726922"/>
-              <a:gd name="connsiteX1" fmla="*/ 628513 w 2992918"/>
-              <a:gd name="connsiteY1" fmla="*/ 0 h 1726922"/>
-              <a:gd name="connsiteX2" fmla="*/ 1167238 w 2992918"/>
-              <a:gd name="connsiteY2" fmla="*/ 0 h 1726922"/>
-              <a:gd name="connsiteX3" fmla="*/ 1735892 w 2992918"/>
-              <a:gd name="connsiteY3" fmla="*/ 0 h 1726922"/>
-              <a:gd name="connsiteX4" fmla="*/ 2334476 w 2992918"/>
-              <a:gd name="connsiteY4" fmla="*/ 0 h 1726922"/>
-              <a:gd name="connsiteX5" fmla="*/ 2992918 w 2992918"/>
-              <a:gd name="connsiteY5" fmla="*/ 0 h 1726922"/>
-              <a:gd name="connsiteX6" fmla="*/ 2992918 w 2992918"/>
-              <a:gd name="connsiteY6" fmla="*/ 558371 h 1726922"/>
-              <a:gd name="connsiteX7" fmla="*/ 2992918 w 2992918"/>
-              <a:gd name="connsiteY7" fmla="*/ 1151281 h 1726922"/>
-              <a:gd name="connsiteX8" fmla="*/ 2992918 w 2992918"/>
-              <a:gd name="connsiteY8" fmla="*/ 1726922 h 1726922"/>
-              <a:gd name="connsiteX9" fmla="*/ 2484122 w 2992918"/>
-              <a:gd name="connsiteY9" fmla="*/ 1726922 h 1726922"/>
-              <a:gd name="connsiteX10" fmla="*/ 1945397 w 2992918"/>
-              <a:gd name="connsiteY10" fmla="*/ 1726922 h 1726922"/>
-              <a:gd name="connsiteX11" fmla="*/ 1346813 w 2992918"/>
-              <a:gd name="connsiteY11" fmla="*/ 1726922 h 1726922"/>
-              <a:gd name="connsiteX12" fmla="*/ 838017 w 2992918"/>
-              <a:gd name="connsiteY12" fmla="*/ 1726922 h 1726922"/>
-              <a:gd name="connsiteX13" fmla="*/ 0 w 2992918"/>
-              <a:gd name="connsiteY13" fmla="*/ 1726922 h 1726922"/>
-              <a:gd name="connsiteX14" fmla="*/ 0 w 2992918"/>
-              <a:gd name="connsiteY14" fmla="*/ 1116743 h 1726922"/>
-              <a:gd name="connsiteX15" fmla="*/ 0 w 2992918"/>
-              <a:gd name="connsiteY15" fmla="*/ 592910 h 1726922"/>
-              <a:gd name="connsiteX16" fmla="*/ 0 w 2992918"/>
-              <a:gd name="connsiteY16" fmla="*/ 0 h 1726922"/>
-            </a:gdLst>
-            <a:ahLst/>
-            <a:cxnLst>
-              <a:cxn ang="0">
-                <a:pos x="connsiteX0" y="connsiteY0"/>
-              </a:cxn>
-              <a:cxn ang="0">
-                <a:pos x="connsiteX1" y="connsiteY1"/>
-              </a:cxn>
-              <a:cxn ang="0">
-                <a:pos x="connsiteX2" y="connsiteY2"/>
-              </a:cxn>
-              <a:cxn ang="0">
-                <a:pos x="connsiteX3" y="connsiteY3"/>
-              </a:cxn>
-              <a:cxn ang="0">
-                <a:pos x="connsiteX4" y="connsiteY4"/>
-              </a:cxn>
-              <a:cxn ang="0">
-                <a:pos x="connsiteX5" y="connsiteY5"/>
-              </a:cxn>
-              <a:cxn ang="0">
-                <a:pos x="connsiteX6" y="connsiteY6"/>
-              </a:cxn>
-              <a:cxn ang="0">
-                <a:pos x="connsiteX7" y="connsiteY7"/>
-              </a:cxn>
-              <a:cxn ang="0">
-                <a:pos x="connsiteX8" y="connsiteY8"/>
-              </a:cxn>
-              <a:cxn ang="0">
-                <a:pos x="connsiteX9" y="connsiteY9"/>
-              </a:cxn>
-              <a:cxn ang="0">
-                <a:pos x="connsiteX10" y="connsiteY10"/>
-              </a:cxn>
-              <a:cxn ang="0">
-                <a:pos x="connsiteX11" y="connsiteY11"/>
-              </a:cxn>
-              <a:cxn ang="0">
-                <a:pos x="connsiteX12" y="connsiteY12"/>
-              </a:cxn>
-              <a:cxn ang="0">
-                <a:pos x="connsiteX13" y="connsiteY13"/>
-              </a:cxn>
-              <a:cxn ang="0">
-                <a:pos x="connsiteX14" y="connsiteY14"/>
-              </a:cxn>
-              <a:cxn ang="0">
-                <a:pos x="connsiteX15" y="connsiteY15"/>
-              </a:cxn>
-              <a:cxn ang="0">
-                <a:pos x="connsiteX16" y="connsiteY16"/>
-              </a:cxn>
-            </a:cxnLst>
-            <a:rect l="l" t="t" r="r" b="b"/>
-            <a:pathLst>
-              <a:path w="2992918" h="1726922" fill="none" extrusionOk="0">
-                <a:moveTo>
-                  <a:pt x="0" y="0"/>
-                </a:moveTo>
-                <a:cubicBezTo>
-                  <a:pt x="254431" y="-41858"/>
-                  <a:pt x="370948" y="57315"/>
-                  <a:pt x="628513" y="0"/>
-                </a:cubicBezTo>
-                <a:cubicBezTo>
-                  <a:pt x="886078" y="-57315"/>
-                  <a:pt x="1023775" y="58887"/>
-                  <a:pt x="1167238" y="0"/>
-                </a:cubicBezTo>
-                <a:cubicBezTo>
-                  <a:pt x="1310701" y="-58887"/>
-                  <a:pt x="1557590" y="20525"/>
-                  <a:pt x="1735892" y="0"/>
-                </a:cubicBezTo>
-                <a:cubicBezTo>
-                  <a:pt x="1914194" y="-20525"/>
-                  <a:pt x="2168518" y="23568"/>
-                  <a:pt x="2334476" y="0"/>
-                </a:cubicBezTo>
-                <a:cubicBezTo>
-                  <a:pt x="2500434" y="-23568"/>
-                  <a:pt x="2789864" y="76295"/>
-                  <a:pt x="2992918" y="0"/>
-                </a:cubicBezTo>
-                <a:cubicBezTo>
-                  <a:pt x="3017288" y="205298"/>
-                  <a:pt x="2929808" y="444720"/>
-                  <a:pt x="2992918" y="558371"/>
-                </a:cubicBezTo>
-                <a:cubicBezTo>
-                  <a:pt x="3056028" y="672022"/>
-                  <a:pt x="2974863" y="865552"/>
-                  <a:pt x="2992918" y="1151281"/>
-                </a:cubicBezTo>
-                <a:cubicBezTo>
-                  <a:pt x="3010973" y="1437010"/>
-                  <a:pt x="2980362" y="1532264"/>
-                  <a:pt x="2992918" y="1726922"/>
-                </a:cubicBezTo>
-                <a:cubicBezTo>
-                  <a:pt x="2855738" y="1729804"/>
-                  <a:pt x="2647213" y="1682653"/>
-                  <a:pt x="2484122" y="1726922"/>
-                </a:cubicBezTo>
-                <a:cubicBezTo>
-                  <a:pt x="2321031" y="1771191"/>
-                  <a:pt x="2112653" y="1689020"/>
-                  <a:pt x="1945397" y="1726922"/>
-                </a:cubicBezTo>
-                <a:cubicBezTo>
-                  <a:pt x="1778142" y="1764824"/>
-                  <a:pt x="1584428" y="1691164"/>
-                  <a:pt x="1346813" y="1726922"/>
-                </a:cubicBezTo>
-                <a:cubicBezTo>
-                  <a:pt x="1109198" y="1762680"/>
-                  <a:pt x="1072543" y="1686206"/>
-                  <a:pt x="838017" y="1726922"/>
-                </a:cubicBezTo>
-                <a:cubicBezTo>
-                  <a:pt x="603491" y="1767638"/>
-                  <a:pt x="396667" y="1687974"/>
-                  <a:pt x="0" y="1726922"/>
-                </a:cubicBezTo>
-                <a:cubicBezTo>
-                  <a:pt x="-7313" y="1490492"/>
-                  <a:pt x="35188" y="1338949"/>
-                  <a:pt x="0" y="1116743"/>
-                </a:cubicBezTo>
-                <a:cubicBezTo>
-                  <a:pt x="-35188" y="894537"/>
-                  <a:pt x="47575" y="834400"/>
-                  <a:pt x="0" y="592910"/>
-                </a:cubicBezTo>
-                <a:cubicBezTo>
-                  <a:pt x="-47575" y="351420"/>
-                  <a:pt x="44472" y="243447"/>
-                  <a:pt x="0" y="0"/>
-                </a:cubicBezTo>
-                <a:close/>
-              </a:path>
-              <a:path w="2992918" h="1726922" stroke="0" extrusionOk="0">
-                <a:moveTo>
-                  <a:pt x="0" y="0"/>
-                </a:moveTo>
-                <a:cubicBezTo>
-                  <a:pt x="207085" y="-44094"/>
-                  <a:pt x="514152" y="70488"/>
-                  <a:pt x="658442" y="0"/>
-                </a:cubicBezTo>
-                <a:cubicBezTo>
-                  <a:pt x="802732" y="-70488"/>
-                  <a:pt x="994282" y="11839"/>
-                  <a:pt x="1257026" y="0"/>
-                </a:cubicBezTo>
-                <a:cubicBezTo>
-                  <a:pt x="1519770" y="-11839"/>
-                  <a:pt x="1586737" y="21878"/>
-                  <a:pt x="1795751" y="0"/>
-                </a:cubicBezTo>
-                <a:cubicBezTo>
-                  <a:pt x="2004765" y="-21878"/>
-                  <a:pt x="2159387" y="24725"/>
-                  <a:pt x="2394334" y="0"/>
-                </a:cubicBezTo>
-                <a:cubicBezTo>
-                  <a:pt x="2629281" y="-24725"/>
-                  <a:pt x="2716989" y="36928"/>
-                  <a:pt x="2992918" y="0"/>
-                </a:cubicBezTo>
-                <a:cubicBezTo>
-                  <a:pt x="3009199" y="268948"/>
-                  <a:pt x="2928441" y="408979"/>
-                  <a:pt x="2992918" y="541102"/>
-                </a:cubicBezTo>
-                <a:cubicBezTo>
-                  <a:pt x="3057395" y="673225"/>
-                  <a:pt x="2989635" y="904392"/>
-                  <a:pt x="2992918" y="1064935"/>
-                </a:cubicBezTo>
-                <a:cubicBezTo>
-                  <a:pt x="2996201" y="1225478"/>
-                  <a:pt x="2976682" y="1583901"/>
-                  <a:pt x="2992918" y="1726922"/>
-                </a:cubicBezTo>
-                <a:cubicBezTo>
-                  <a:pt x="2876211" y="1749601"/>
-                  <a:pt x="2657452" y="1714020"/>
-                  <a:pt x="2424264" y="1726922"/>
-                </a:cubicBezTo>
-                <a:cubicBezTo>
-                  <a:pt x="2191076" y="1739824"/>
-                  <a:pt x="2116688" y="1697447"/>
-                  <a:pt x="1855609" y="1726922"/>
-                </a:cubicBezTo>
-                <a:cubicBezTo>
-                  <a:pt x="1594530" y="1756397"/>
-                  <a:pt x="1414601" y="1709742"/>
-                  <a:pt x="1286955" y="1726922"/>
-                </a:cubicBezTo>
-                <a:cubicBezTo>
-                  <a:pt x="1159309" y="1744102"/>
-                  <a:pt x="935245" y="1685023"/>
-                  <a:pt x="658442" y="1726922"/>
-                </a:cubicBezTo>
-                <a:cubicBezTo>
-                  <a:pt x="381639" y="1768821"/>
-                  <a:pt x="177605" y="1653962"/>
-                  <a:pt x="0" y="1726922"/>
-                </a:cubicBezTo>
-                <a:cubicBezTo>
-                  <a:pt x="-47550" y="1562046"/>
-                  <a:pt x="53506" y="1437838"/>
-                  <a:pt x="0" y="1168551"/>
-                </a:cubicBezTo>
-                <a:cubicBezTo>
-                  <a:pt x="-53506" y="899264"/>
-                  <a:pt x="52728" y="804219"/>
-                  <a:pt x="0" y="627448"/>
-                </a:cubicBezTo>
-                <a:cubicBezTo>
-                  <a:pt x="-52728" y="450677"/>
-                  <a:pt x="50199" y="157645"/>
-                  <a:pt x="0" y="0"/>
-                </a:cubicBezTo>
-                <a:close/>
-              </a:path>
-            </a:pathLst>
-          </a:custGeom>
-          <a:solidFill>
-            <a:srgbClr val="33C6D5"/>
-          </a:solidFill>
-          <a:ln>
-            <a:gradFill>
-              <a:gsLst>
-                <a:gs pos="0">
-                  <a:schemeClr val="accent1">
-                    <a:lumMod val="5000"/>
-                    <a:lumOff val="95000"/>
-                  </a:schemeClr>
-                </a:gs>
-                <a:gs pos="74000">
-                  <a:schemeClr val="accent1">
-                    <a:lumMod val="45000"/>
-                    <a:lumOff val="55000"/>
-                  </a:schemeClr>
-                </a:gs>
-                <a:gs pos="83000">
-                  <a:schemeClr val="accent1">
-                    <a:lumMod val="45000"/>
-                    <a:lumOff val="55000"/>
-                  </a:schemeClr>
-                </a:gs>
-                <a:gs pos="100000">
-                  <a:schemeClr val="accent1">
-                    <a:lumMod val="30000"/>
-                    <a:lumOff val="70000"/>
-                  </a:schemeClr>
-                </a:gs>
-              </a:gsLst>
-              <a:lin ang="5400000" scaled="1"/>
-            </a:gradFill>
-            <a:extLst>
-              <a:ext uri="{C807C97D-BFC1-408E-A445-0C87EB9F89A2}">
-                <ask:lineSketchStyleProps xmlns:ask="http://schemas.microsoft.com/office/drawing/2018/sketchyshapes" sd="981765707">
-                  <a:prstGeom prst="rect">
-                    <a:avLst/>
-                  </a:prstGeom>
-                  <ask:type>
-                    <ask:lineSketchScribble/>
-                  </ask:type>
-                </ask:lineSketchStyleProps>
-              </a:ext>
-            </a:extLst>
-          </a:ln>
-          <a:effectLst>
-            <a:outerShdw blurRad="63500" sx="102000" sy="102000" algn="ctr" rotWithShape="0">
-              <a:prstClr val="black">
-                <a:alpha val="40000"/>
-              </a:prstClr>
-            </a:outerShdw>
-          </a:effectLst>
-        </p:spPr>
-        <p:style>
-          <a:lnRef idx="2">
-            <a:schemeClr val="accent1">
-              <a:shade val="50000"/>
-            </a:schemeClr>
-          </a:lnRef>
-          <a:fillRef idx="1">
-            <a:schemeClr val="accent1"/>
-          </a:fillRef>
-          <a:effectRef idx="0">
-            <a:schemeClr val="accent1"/>
-          </a:effectRef>
-          <a:fontRef idx="minor">
-            <a:schemeClr val="lt1"/>
-          </a:fontRef>
-        </p:style>
-        <p:txBody>
-          <a:bodyPr lIns="91440" tIns="45720" rIns="91440" bIns="45720" rtlCol="0" anchor="ctr"/>
-          <a:lstStyle>
-            <a:defPPr>
-              <a:defRPr lang="pt-BR"/>
-            </a:defPPr>
-            <a:lvl1pPr marL="0" algn="l" defTabSz="914400" rtl="0" eaLnBrk="1" latinLnBrk="0" hangingPunct="1">
-              <a:defRPr sz="1800" kern="1200">
-                <a:solidFill>
-                  <a:schemeClr val="lt1"/>
-                </a:solidFill>
-                <a:latin typeface="+mn-lt"/>
-                <a:ea typeface="+mn-ea"/>
-                <a:cs typeface="+mn-cs"/>
-              </a:defRPr>
-            </a:lvl1pPr>
-            <a:lvl2pPr marL="457200" algn="l" defTabSz="914400" rtl="0" eaLnBrk="1" latinLnBrk="0" hangingPunct="1">
-              <a:defRPr sz="1800" kern="1200">
-                <a:solidFill>
-                  <a:schemeClr val="lt1"/>
-                </a:solidFill>
-                <a:latin typeface="+mn-lt"/>
-                <a:ea typeface="+mn-ea"/>
-                <a:cs typeface="+mn-cs"/>
-              </a:defRPr>
-            </a:lvl2pPr>
-            <a:lvl3pPr marL="914400" algn="l" defTabSz="914400" rtl="0" eaLnBrk="1" latinLnBrk="0" hangingPunct="1">
-              <a:defRPr sz="1800" kern="1200">
-                <a:solidFill>
-                  <a:schemeClr val="lt1"/>
-                </a:solidFill>
-                <a:latin typeface="+mn-lt"/>
-                <a:ea typeface="+mn-ea"/>
-                <a:cs typeface="+mn-cs"/>
-              </a:defRPr>
-            </a:lvl3pPr>
-            <a:lvl4pPr marL="1371600" algn="l" defTabSz="914400" rtl="0" eaLnBrk="1" latinLnBrk="0" hangingPunct="1">
-              <a:defRPr sz="1800" kern="1200">
-                <a:solidFill>
-                  <a:schemeClr val="lt1"/>
-                </a:solidFill>
-                <a:latin typeface="+mn-lt"/>
-                <a:ea typeface="+mn-ea"/>
-                <a:cs typeface="+mn-cs"/>
-              </a:defRPr>
-            </a:lvl4pPr>
-            <a:lvl5pPr marL="1828800" algn="l" defTabSz="914400" rtl="0" eaLnBrk="1" latinLnBrk="0" hangingPunct="1">
-              <a:defRPr sz="1800" kern="1200">
-                <a:solidFill>
-                  <a:schemeClr val="lt1"/>
-                </a:solidFill>
-                <a:latin typeface="+mn-lt"/>
-                <a:ea typeface="+mn-ea"/>
-                <a:cs typeface="+mn-cs"/>
-              </a:defRPr>
-            </a:lvl5pPr>
-            <a:lvl6pPr marL="2286000" algn="l" defTabSz="914400" rtl="0" eaLnBrk="1" latinLnBrk="0" hangingPunct="1">
-              <a:defRPr sz="1800" kern="1200">
-                <a:solidFill>
-                  <a:schemeClr val="lt1"/>
-                </a:solidFill>
-                <a:latin typeface="+mn-lt"/>
-                <a:ea typeface="+mn-ea"/>
-                <a:cs typeface="+mn-cs"/>
-              </a:defRPr>
-            </a:lvl6pPr>
-            <a:lvl7pPr marL="2743200" algn="l" defTabSz="914400" rtl="0" eaLnBrk="1" latinLnBrk="0" hangingPunct="1">
-              <a:defRPr sz="1800" kern="1200">
-                <a:solidFill>
-                  <a:schemeClr val="lt1"/>
-                </a:solidFill>
-                <a:latin typeface="+mn-lt"/>
-                <a:ea typeface="+mn-ea"/>
-                <a:cs typeface="+mn-cs"/>
-              </a:defRPr>
-            </a:lvl7pPr>
-            <a:lvl8pPr marL="3200400" algn="l" defTabSz="914400" rtl="0" eaLnBrk="1" latinLnBrk="0" hangingPunct="1">
-              <a:defRPr sz="1800" kern="1200">
-                <a:solidFill>
-                  <a:schemeClr val="lt1"/>
-                </a:solidFill>
-                <a:latin typeface="+mn-lt"/>
-                <a:ea typeface="+mn-ea"/>
-                <a:cs typeface="+mn-cs"/>
-              </a:defRPr>
-            </a:lvl8pPr>
-            <a:lvl9pPr marL="3657600" algn="l" defTabSz="914400" rtl="0" eaLnBrk="1" latinLnBrk="0" hangingPunct="1">
-              <a:defRPr sz="1800" kern="1200">
-                <a:solidFill>
-                  <a:schemeClr val="lt1"/>
-                </a:solidFill>
-                <a:latin typeface="+mn-lt"/>
-                <a:ea typeface="+mn-ea"/>
-                <a:cs typeface="+mn-cs"/>
-              </a:defRPr>
-            </a:lvl9pPr>
-          </a:lstStyle>
-          <a:p>
-            <a:pPr algn="just"/>
-            <a:r>
-              <a:rPr lang="pt-BR" dirty="0">
-                <a:latin typeface="Ink Free"/>
-                <a:cs typeface="Times New Roman"/>
-              </a:rPr>
-              <a:t>Eu </a:t>
-            </a:r>
-            <a:r>
-              <a:rPr lang="pt-BR" b="1" dirty="0">
-                <a:solidFill>
-                  <a:schemeClr val="tx2">
-                    <a:lumMod val="50000"/>
-                  </a:schemeClr>
-                </a:solidFill>
-                <a:latin typeface="Ink Free"/>
-                <a:cs typeface="Times New Roman"/>
-              </a:rPr>
-              <a:t>enquanto</a:t>
-            </a:r>
-            <a:r>
-              <a:rPr lang="pt-BR" b="1" dirty="0">
-                <a:latin typeface="Ink Free"/>
-                <a:cs typeface="Times New Roman"/>
-              </a:rPr>
-              <a:t> </a:t>
-            </a:r>
-            <a:r>
-              <a:rPr lang="pt-BR" dirty="0">
-                <a:latin typeface="Ink Free"/>
-                <a:cs typeface="Times New Roman"/>
-              </a:rPr>
-              <a:t>professor não </a:t>
-            </a:r>
-            <a:r>
-              <a:rPr lang="pt-BR" b="1" dirty="0">
-                <a:solidFill>
-                  <a:schemeClr val="tx2">
-                    <a:lumMod val="50000"/>
-                  </a:schemeClr>
-                </a:solidFill>
-                <a:latin typeface="Ink Free"/>
-                <a:cs typeface="Times New Roman"/>
-              </a:rPr>
-              <a:t>quero</a:t>
-            </a:r>
-            <a:r>
-              <a:rPr lang="pt-BR" b="1" dirty="0">
-                <a:latin typeface="Ink Free"/>
-                <a:cs typeface="Times New Roman"/>
-              </a:rPr>
-              <a:t> </a:t>
-            </a:r>
-            <a:r>
-              <a:rPr lang="pt-BR" dirty="0">
-                <a:latin typeface="Ink Free"/>
-                <a:cs typeface="Times New Roman"/>
-              </a:rPr>
-              <a:t>ter que pedir aos alunos </a:t>
-            </a:r>
-            <a:r>
-              <a:rPr lang="pt-BR" b="1" dirty="0">
-                <a:solidFill>
-                  <a:schemeClr val="tx2">
-                    <a:lumMod val="50000"/>
-                  </a:schemeClr>
-                </a:solidFill>
-                <a:latin typeface="Ink Free"/>
-                <a:cs typeface="Times New Roman"/>
-              </a:rPr>
-              <a:t>para</a:t>
-            </a:r>
-            <a:r>
-              <a:rPr lang="pt-BR" b="1" dirty="0">
-                <a:latin typeface="Ink Free"/>
-                <a:cs typeface="Times New Roman"/>
-              </a:rPr>
-              <a:t> </a:t>
-            </a:r>
-            <a:r>
-              <a:rPr lang="pt-BR" dirty="0">
-                <a:latin typeface="Ink Free"/>
-                <a:cs typeface="Times New Roman"/>
-              </a:rPr>
-              <a:t>chamarem o suporte porque eles não podem perder conteúdo </a:t>
-            </a:r>
-            <a:r>
-              <a:rPr lang="pt-BR" sz="1800" dirty="0">
-                <a:effectLst/>
-                <a:latin typeface="Ink Free"/>
-                <a:ea typeface="Calibri" panose="020F0502020204030204" pitchFamily="34" charset="0"/>
-                <a:cs typeface="Times New Roman"/>
-              </a:rPr>
-              <a:t>da aula.</a:t>
-            </a:r>
-            <a:endParaRPr lang="en-US" dirty="0"/>
-          </a:p>
-        </p:txBody>
-      </p:sp>
-      <p:sp>
-        <p:nvSpPr>
-          <p:cNvPr id="9" name="Retângulo 14">
-            <a:extLst>
-              <a:ext uri="{FF2B5EF4-FFF2-40B4-BE49-F238E27FC236}">
-                <a16:creationId xmlns:a16="http://schemas.microsoft.com/office/drawing/2014/main" id="{8A38FFA3-FF04-42DA-AE85-A2D2173B2196}"/>
-              </a:ext>
-            </a:extLst>
-          </p:cNvPr>
-          <p:cNvSpPr/>
-          <p:nvPr/>
-        </p:nvSpPr>
-        <p:spPr>
-          <a:xfrm>
-            <a:off x="326116" y="1863852"/>
-            <a:ext cx="3648816" cy="1751940"/>
-          </a:xfrm>
-          <a:custGeom>
-            <a:avLst/>
-            <a:gdLst>
-              <a:gd name="connsiteX0" fmla="*/ 0 w 3648816"/>
-              <a:gd name="connsiteY0" fmla="*/ 0 h 1751940"/>
-              <a:gd name="connsiteX1" fmla="*/ 448283 w 3648816"/>
-              <a:gd name="connsiteY1" fmla="*/ 0 h 1751940"/>
-              <a:gd name="connsiteX2" fmla="*/ 933054 w 3648816"/>
-              <a:gd name="connsiteY2" fmla="*/ 0 h 1751940"/>
-              <a:gd name="connsiteX3" fmla="*/ 1454314 w 3648816"/>
-              <a:gd name="connsiteY3" fmla="*/ 0 h 1751940"/>
-              <a:gd name="connsiteX4" fmla="*/ 1866109 w 3648816"/>
-              <a:gd name="connsiteY4" fmla="*/ 0 h 1751940"/>
-              <a:gd name="connsiteX5" fmla="*/ 2460345 w 3648816"/>
-              <a:gd name="connsiteY5" fmla="*/ 0 h 1751940"/>
-              <a:gd name="connsiteX6" fmla="*/ 2945116 w 3648816"/>
-              <a:gd name="connsiteY6" fmla="*/ 0 h 1751940"/>
-              <a:gd name="connsiteX7" fmla="*/ 3648816 w 3648816"/>
-              <a:gd name="connsiteY7" fmla="*/ 0 h 1751940"/>
-              <a:gd name="connsiteX8" fmla="*/ 3648816 w 3648816"/>
-              <a:gd name="connsiteY8" fmla="*/ 531422 h 1751940"/>
-              <a:gd name="connsiteX9" fmla="*/ 3648816 w 3648816"/>
-              <a:gd name="connsiteY9" fmla="*/ 1097882 h 1751940"/>
-              <a:gd name="connsiteX10" fmla="*/ 3648816 w 3648816"/>
-              <a:gd name="connsiteY10" fmla="*/ 1751940 h 1751940"/>
-              <a:gd name="connsiteX11" fmla="*/ 3054580 w 3648816"/>
-              <a:gd name="connsiteY11" fmla="*/ 1751940 h 1751940"/>
-              <a:gd name="connsiteX12" fmla="*/ 2496833 w 3648816"/>
-              <a:gd name="connsiteY12" fmla="*/ 1751940 h 1751940"/>
-              <a:gd name="connsiteX13" fmla="*/ 2085038 w 3648816"/>
-              <a:gd name="connsiteY13" fmla="*/ 1751940 h 1751940"/>
-              <a:gd name="connsiteX14" fmla="*/ 1563778 w 3648816"/>
-              <a:gd name="connsiteY14" fmla="*/ 1751940 h 1751940"/>
-              <a:gd name="connsiteX15" fmla="*/ 969543 w 3648816"/>
-              <a:gd name="connsiteY15" fmla="*/ 1751940 h 1751940"/>
-              <a:gd name="connsiteX16" fmla="*/ 0 w 3648816"/>
-              <a:gd name="connsiteY16" fmla="*/ 1751940 h 1751940"/>
-              <a:gd name="connsiteX17" fmla="*/ 0 w 3648816"/>
-              <a:gd name="connsiteY17" fmla="*/ 1220518 h 1751940"/>
-              <a:gd name="connsiteX18" fmla="*/ 0 w 3648816"/>
-              <a:gd name="connsiteY18" fmla="*/ 619019 h 1751940"/>
-              <a:gd name="connsiteX19" fmla="*/ 0 w 3648816"/>
-              <a:gd name="connsiteY19" fmla="*/ 0 h 1751940"/>
-            </a:gdLst>
-            <a:ahLst/>
-            <a:cxnLst>
-              <a:cxn ang="0">
-                <a:pos x="connsiteX0" y="connsiteY0"/>
-              </a:cxn>
-              <a:cxn ang="0">
-                <a:pos x="connsiteX1" y="connsiteY1"/>
-              </a:cxn>
-              <a:cxn ang="0">
-                <a:pos x="connsiteX2" y="connsiteY2"/>
-              </a:cxn>
-              <a:cxn ang="0">
-                <a:pos x="connsiteX3" y="connsiteY3"/>
-              </a:cxn>
-              <a:cxn ang="0">
-                <a:pos x="connsiteX4" y="connsiteY4"/>
-              </a:cxn>
-              <a:cxn ang="0">
-                <a:pos x="connsiteX5" y="connsiteY5"/>
-              </a:cxn>
-              <a:cxn ang="0">
-                <a:pos x="connsiteX6" y="connsiteY6"/>
-              </a:cxn>
-              <a:cxn ang="0">
-                <a:pos x="connsiteX7" y="connsiteY7"/>
-              </a:cxn>
-              <a:cxn ang="0">
-                <a:pos x="connsiteX8" y="connsiteY8"/>
-              </a:cxn>
-              <a:cxn ang="0">
-                <a:pos x="connsiteX9" y="connsiteY9"/>
-              </a:cxn>
-              <a:cxn ang="0">
-                <a:pos x="connsiteX10" y="connsiteY10"/>
-              </a:cxn>
-              <a:cxn ang="0">
-                <a:pos x="connsiteX11" y="connsiteY11"/>
-              </a:cxn>
-              <a:cxn ang="0">
-                <a:pos x="connsiteX12" y="connsiteY12"/>
-              </a:cxn>
-              <a:cxn ang="0">
-                <a:pos x="connsiteX13" y="connsiteY13"/>
-              </a:cxn>
-              <a:cxn ang="0">
-                <a:pos x="connsiteX14" y="connsiteY14"/>
-              </a:cxn>
-              <a:cxn ang="0">
-                <a:pos x="connsiteX15" y="connsiteY15"/>
-              </a:cxn>
-              <a:cxn ang="0">
-                <a:pos x="connsiteX16" y="connsiteY16"/>
-              </a:cxn>
-              <a:cxn ang="0">
-                <a:pos x="connsiteX17" y="connsiteY17"/>
-              </a:cxn>
-              <a:cxn ang="0">
-                <a:pos x="connsiteX18" y="connsiteY18"/>
-              </a:cxn>
-              <a:cxn ang="0">
-                <a:pos x="connsiteX19" y="connsiteY19"/>
-              </a:cxn>
-            </a:cxnLst>
-            <a:rect l="l" t="t" r="r" b="b"/>
-            <a:pathLst>
-              <a:path w="3648816" h="1751940" fill="none" extrusionOk="0">
-                <a:moveTo>
-                  <a:pt x="0" y="0"/>
-                </a:moveTo>
-                <a:cubicBezTo>
-                  <a:pt x="143772" y="-8488"/>
-                  <a:pt x="315425" y="30248"/>
-                  <a:pt x="448283" y="0"/>
-                </a:cubicBezTo>
-                <a:cubicBezTo>
-                  <a:pt x="581141" y="-30248"/>
-                  <a:pt x="728565" y="57360"/>
-                  <a:pt x="933054" y="0"/>
-                </a:cubicBezTo>
-                <a:cubicBezTo>
-                  <a:pt x="1137543" y="-57360"/>
-                  <a:pt x="1266203" y="29000"/>
-                  <a:pt x="1454314" y="0"/>
-                </a:cubicBezTo>
-                <a:cubicBezTo>
-                  <a:pt x="1642425" y="-29000"/>
-                  <a:pt x="1748015" y="18907"/>
-                  <a:pt x="1866109" y="0"/>
-                </a:cubicBezTo>
-                <a:cubicBezTo>
-                  <a:pt x="1984204" y="-18907"/>
-                  <a:pt x="2256500" y="7548"/>
-                  <a:pt x="2460345" y="0"/>
-                </a:cubicBezTo>
-                <a:cubicBezTo>
-                  <a:pt x="2664190" y="-7548"/>
-                  <a:pt x="2743351" y="7997"/>
-                  <a:pt x="2945116" y="0"/>
-                </a:cubicBezTo>
-                <a:cubicBezTo>
-                  <a:pt x="3146881" y="-7997"/>
-                  <a:pt x="3382175" y="27242"/>
-                  <a:pt x="3648816" y="0"/>
-                </a:cubicBezTo>
-                <a:cubicBezTo>
-                  <a:pt x="3711627" y="139854"/>
-                  <a:pt x="3646486" y="409993"/>
-                  <a:pt x="3648816" y="531422"/>
-                </a:cubicBezTo>
-                <a:cubicBezTo>
-                  <a:pt x="3651146" y="652851"/>
-                  <a:pt x="3584889" y="944821"/>
-                  <a:pt x="3648816" y="1097882"/>
-                </a:cubicBezTo>
-                <a:cubicBezTo>
-                  <a:pt x="3712743" y="1250943"/>
-                  <a:pt x="3647555" y="1478840"/>
-                  <a:pt x="3648816" y="1751940"/>
-                </a:cubicBezTo>
-                <a:cubicBezTo>
-                  <a:pt x="3490333" y="1785628"/>
-                  <a:pt x="3332917" y="1744369"/>
-                  <a:pt x="3054580" y="1751940"/>
-                </a:cubicBezTo>
-                <a:cubicBezTo>
-                  <a:pt x="2776243" y="1759511"/>
-                  <a:pt x="2712780" y="1690132"/>
-                  <a:pt x="2496833" y="1751940"/>
-                </a:cubicBezTo>
-                <a:cubicBezTo>
-                  <a:pt x="2280886" y="1813748"/>
-                  <a:pt x="2248722" y="1731780"/>
-                  <a:pt x="2085038" y="1751940"/>
-                </a:cubicBezTo>
-                <a:cubicBezTo>
-                  <a:pt x="1921354" y="1772100"/>
-                  <a:pt x="1813510" y="1700396"/>
-                  <a:pt x="1563778" y="1751940"/>
-                </a:cubicBezTo>
-                <a:cubicBezTo>
-                  <a:pt x="1314046" y="1803484"/>
-                  <a:pt x="1143107" y="1685168"/>
-                  <a:pt x="969543" y="1751940"/>
-                </a:cubicBezTo>
-                <a:cubicBezTo>
-                  <a:pt x="795980" y="1818712"/>
-                  <a:pt x="317920" y="1678048"/>
-                  <a:pt x="0" y="1751940"/>
-                </a:cubicBezTo>
-                <a:cubicBezTo>
-                  <a:pt x="-8119" y="1621726"/>
-                  <a:pt x="27513" y="1430346"/>
-                  <a:pt x="0" y="1220518"/>
-                </a:cubicBezTo>
-                <a:cubicBezTo>
-                  <a:pt x="-27513" y="1010690"/>
-                  <a:pt x="60612" y="872829"/>
-                  <a:pt x="0" y="619019"/>
-                </a:cubicBezTo>
-                <a:cubicBezTo>
-                  <a:pt x="-60612" y="365209"/>
-                  <a:pt x="4327" y="198241"/>
-                  <a:pt x="0" y="0"/>
-                </a:cubicBezTo>
-                <a:close/>
-              </a:path>
-              <a:path w="3648816" h="1751940" stroke="0" extrusionOk="0">
-                <a:moveTo>
-                  <a:pt x="0" y="0"/>
-                </a:moveTo>
-                <a:cubicBezTo>
-                  <a:pt x="181547" y="-54844"/>
-                  <a:pt x="415116" y="12766"/>
-                  <a:pt x="594236" y="0"/>
-                </a:cubicBezTo>
-                <a:cubicBezTo>
-                  <a:pt x="773356" y="-12766"/>
-                  <a:pt x="1006357" y="60687"/>
-                  <a:pt x="1115495" y="0"/>
-                </a:cubicBezTo>
-                <a:cubicBezTo>
-                  <a:pt x="1224633" y="-60687"/>
-                  <a:pt x="1458422" y="8117"/>
-                  <a:pt x="1563778" y="0"/>
-                </a:cubicBezTo>
-                <a:cubicBezTo>
-                  <a:pt x="1669134" y="-8117"/>
-                  <a:pt x="1963731" y="9688"/>
-                  <a:pt x="2085038" y="0"/>
-                </a:cubicBezTo>
-                <a:cubicBezTo>
-                  <a:pt x="2206345" y="-9688"/>
-                  <a:pt x="2493070" y="25752"/>
-                  <a:pt x="2679273" y="0"/>
-                </a:cubicBezTo>
-                <a:cubicBezTo>
-                  <a:pt x="2865476" y="-25752"/>
-                  <a:pt x="2907143" y="51053"/>
-                  <a:pt x="3127557" y="0"/>
-                </a:cubicBezTo>
-                <a:cubicBezTo>
-                  <a:pt x="3347971" y="-51053"/>
-                  <a:pt x="3436463" y="41452"/>
-                  <a:pt x="3648816" y="0"/>
-                </a:cubicBezTo>
-                <a:cubicBezTo>
-                  <a:pt x="3675724" y="252219"/>
-                  <a:pt x="3646717" y="430265"/>
-                  <a:pt x="3648816" y="583980"/>
-                </a:cubicBezTo>
-                <a:cubicBezTo>
-                  <a:pt x="3650915" y="737695"/>
-                  <a:pt x="3631505" y="965396"/>
-                  <a:pt x="3648816" y="1150441"/>
-                </a:cubicBezTo>
-                <a:cubicBezTo>
-                  <a:pt x="3666127" y="1335486"/>
-                  <a:pt x="3637955" y="1483106"/>
-                  <a:pt x="3648816" y="1751940"/>
-                </a:cubicBezTo>
-                <a:cubicBezTo>
-                  <a:pt x="3435520" y="1783059"/>
-                  <a:pt x="3383636" y="1707373"/>
-                  <a:pt x="3164045" y="1751940"/>
-                </a:cubicBezTo>
-                <a:cubicBezTo>
-                  <a:pt x="2944454" y="1796507"/>
-                  <a:pt x="2742969" y="1697951"/>
-                  <a:pt x="2606297" y="1751940"/>
-                </a:cubicBezTo>
-                <a:cubicBezTo>
-                  <a:pt x="2469625" y="1805929"/>
-                  <a:pt x="2336482" y="1748075"/>
-                  <a:pt x="2158014" y="1751940"/>
-                </a:cubicBezTo>
-                <a:cubicBezTo>
-                  <a:pt x="1979546" y="1755805"/>
-                  <a:pt x="1820209" y="1730183"/>
-                  <a:pt x="1673243" y="1751940"/>
-                </a:cubicBezTo>
-                <a:cubicBezTo>
-                  <a:pt x="1526277" y="1773697"/>
-                  <a:pt x="1297268" y="1727584"/>
-                  <a:pt x="1115495" y="1751940"/>
-                </a:cubicBezTo>
-                <a:cubicBezTo>
-                  <a:pt x="933722" y="1776296"/>
-                  <a:pt x="783452" y="1716658"/>
-                  <a:pt x="521259" y="1751940"/>
-                </a:cubicBezTo>
-                <a:cubicBezTo>
-                  <a:pt x="259066" y="1787222"/>
-                  <a:pt x="128537" y="1699528"/>
-                  <a:pt x="0" y="1751940"/>
-                </a:cubicBezTo>
-                <a:cubicBezTo>
-                  <a:pt x="-65658" y="1567430"/>
-                  <a:pt x="40838" y="1422325"/>
-                  <a:pt x="0" y="1167960"/>
-                </a:cubicBezTo>
-                <a:cubicBezTo>
-                  <a:pt x="-40838" y="913595"/>
-                  <a:pt x="10644" y="849670"/>
-                  <a:pt x="0" y="619019"/>
-                </a:cubicBezTo>
-                <a:cubicBezTo>
-                  <a:pt x="-10644" y="388368"/>
-                  <a:pt x="26820" y="264488"/>
-                  <a:pt x="0" y="0"/>
-                </a:cubicBezTo>
-                <a:close/>
-              </a:path>
-            </a:pathLst>
-          </a:custGeom>
-          <a:solidFill>
-            <a:srgbClr val="509DB8"/>
-          </a:solidFill>
-          <a:ln>
-            <a:gradFill>
-              <a:gsLst>
-                <a:gs pos="0">
-                  <a:schemeClr val="accent1">
-                    <a:lumMod val="5000"/>
-                    <a:lumOff val="95000"/>
-                  </a:schemeClr>
-                </a:gs>
-                <a:gs pos="74000">
-                  <a:schemeClr val="accent1">
-                    <a:lumMod val="45000"/>
-                    <a:lumOff val="55000"/>
-                  </a:schemeClr>
-                </a:gs>
-                <a:gs pos="83000">
-                  <a:schemeClr val="accent1">
-                    <a:lumMod val="45000"/>
-                    <a:lumOff val="55000"/>
-                  </a:schemeClr>
-                </a:gs>
-                <a:gs pos="100000">
-                  <a:schemeClr val="accent1">
-                    <a:lumMod val="30000"/>
-                    <a:lumOff val="70000"/>
-                  </a:schemeClr>
-                </a:gs>
-              </a:gsLst>
-              <a:lin ang="5400000" scaled="1"/>
-            </a:gradFill>
-            <a:extLst>
-              <a:ext uri="{C807C97D-BFC1-408E-A445-0C87EB9F89A2}">
-                <ask:lineSketchStyleProps xmlns:ask="http://schemas.microsoft.com/office/drawing/2018/sketchyshapes" sd="981765707">
-                  <a:prstGeom prst="rect">
-                    <a:avLst/>
-                  </a:prstGeom>
-                  <ask:type>
-                    <ask:lineSketchScribble/>
-                  </ask:type>
-                </ask:lineSketchStyleProps>
-              </a:ext>
-            </a:extLst>
-          </a:ln>
-          <a:effectLst>
-            <a:outerShdw blurRad="63500" sx="102000" sy="102000" algn="ctr" rotWithShape="0">
-              <a:prstClr val="black">
-                <a:alpha val="40000"/>
-              </a:prstClr>
-            </a:outerShdw>
-          </a:effectLst>
-        </p:spPr>
-        <p:style>
-          <a:lnRef idx="2">
-            <a:schemeClr val="accent1">
-              <a:shade val="50000"/>
-            </a:schemeClr>
-          </a:lnRef>
-          <a:fillRef idx="1">
-            <a:schemeClr val="accent1"/>
-          </a:fillRef>
-          <a:effectRef idx="0">
-            <a:schemeClr val="accent1"/>
-          </a:effectRef>
-          <a:fontRef idx="minor">
-            <a:schemeClr val="lt1"/>
-          </a:fontRef>
-        </p:style>
-        <p:txBody>
-          <a:bodyPr lIns="91440" tIns="45720" rIns="91440" bIns="45720" rtlCol="0" anchor="ctr"/>
-          <a:lstStyle>
-            <a:defPPr>
-              <a:defRPr lang="pt-BR"/>
-            </a:defPPr>
-            <a:lvl1pPr marL="0" algn="l" defTabSz="914400" rtl="0" eaLnBrk="1" latinLnBrk="0" hangingPunct="1">
-              <a:defRPr sz="1800" kern="1200">
-                <a:solidFill>
-                  <a:schemeClr val="lt1"/>
-                </a:solidFill>
-                <a:latin typeface="+mn-lt"/>
-                <a:ea typeface="+mn-ea"/>
-                <a:cs typeface="+mn-cs"/>
-              </a:defRPr>
-            </a:lvl1pPr>
-            <a:lvl2pPr marL="457200" algn="l" defTabSz="914400" rtl="0" eaLnBrk="1" latinLnBrk="0" hangingPunct="1">
-              <a:defRPr sz="1800" kern="1200">
-                <a:solidFill>
-                  <a:schemeClr val="lt1"/>
-                </a:solidFill>
-                <a:latin typeface="+mn-lt"/>
-                <a:ea typeface="+mn-ea"/>
-                <a:cs typeface="+mn-cs"/>
-              </a:defRPr>
-            </a:lvl2pPr>
-            <a:lvl3pPr marL="914400" algn="l" defTabSz="914400" rtl="0" eaLnBrk="1" latinLnBrk="0" hangingPunct="1">
-              <a:defRPr sz="1800" kern="1200">
-                <a:solidFill>
-                  <a:schemeClr val="lt1"/>
-                </a:solidFill>
-                <a:latin typeface="+mn-lt"/>
-                <a:ea typeface="+mn-ea"/>
-                <a:cs typeface="+mn-cs"/>
-              </a:defRPr>
-            </a:lvl3pPr>
-            <a:lvl4pPr marL="1371600" algn="l" defTabSz="914400" rtl="0" eaLnBrk="1" latinLnBrk="0" hangingPunct="1">
-              <a:defRPr sz="1800" kern="1200">
-                <a:solidFill>
-                  <a:schemeClr val="lt1"/>
-                </a:solidFill>
-                <a:latin typeface="+mn-lt"/>
-                <a:ea typeface="+mn-ea"/>
-                <a:cs typeface="+mn-cs"/>
-              </a:defRPr>
-            </a:lvl4pPr>
-            <a:lvl5pPr marL="1828800" algn="l" defTabSz="914400" rtl="0" eaLnBrk="1" latinLnBrk="0" hangingPunct="1">
-              <a:defRPr sz="1800" kern="1200">
-                <a:solidFill>
-                  <a:schemeClr val="lt1"/>
-                </a:solidFill>
-                <a:latin typeface="+mn-lt"/>
-                <a:ea typeface="+mn-ea"/>
-                <a:cs typeface="+mn-cs"/>
-              </a:defRPr>
-            </a:lvl5pPr>
-            <a:lvl6pPr marL="2286000" algn="l" defTabSz="914400" rtl="0" eaLnBrk="1" latinLnBrk="0" hangingPunct="1">
-              <a:defRPr sz="1800" kern="1200">
-                <a:solidFill>
-                  <a:schemeClr val="lt1"/>
-                </a:solidFill>
-                <a:latin typeface="+mn-lt"/>
-                <a:ea typeface="+mn-ea"/>
-                <a:cs typeface="+mn-cs"/>
-              </a:defRPr>
-            </a:lvl6pPr>
-            <a:lvl7pPr marL="2743200" algn="l" defTabSz="914400" rtl="0" eaLnBrk="1" latinLnBrk="0" hangingPunct="1">
-              <a:defRPr sz="1800" kern="1200">
-                <a:solidFill>
-                  <a:schemeClr val="lt1"/>
-                </a:solidFill>
-                <a:latin typeface="+mn-lt"/>
-                <a:ea typeface="+mn-ea"/>
-                <a:cs typeface="+mn-cs"/>
-              </a:defRPr>
-            </a:lvl7pPr>
-            <a:lvl8pPr marL="3200400" algn="l" defTabSz="914400" rtl="0" eaLnBrk="1" latinLnBrk="0" hangingPunct="1">
-              <a:defRPr sz="1800" kern="1200">
-                <a:solidFill>
-                  <a:schemeClr val="lt1"/>
-                </a:solidFill>
-                <a:latin typeface="+mn-lt"/>
-                <a:ea typeface="+mn-ea"/>
-                <a:cs typeface="+mn-cs"/>
-              </a:defRPr>
-            </a:lvl8pPr>
-            <a:lvl9pPr marL="3657600" algn="l" defTabSz="914400" rtl="0" eaLnBrk="1" latinLnBrk="0" hangingPunct="1">
-              <a:defRPr sz="1800" kern="1200">
-                <a:solidFill>
-                  <a:schemeClr val="lt1"/>
-                </a:solidFill>
-                <a:latin typeface="+mn-lt"/>
-                <a:ea typeface="+mn-ea"/>
-                <a:cs typeface="+mn-cs"/>
-              </a:defRPr>
-            </a:lvl9pPr>
-          </a:lstStyle>
-          <a:p>
-            <a:pPr algn="just"/>
-            <a:r>
-              <a:rPr lang="pt-BR" sz="1800" dirty="0">
-                <a:effectLst/>
-                <a:latin typeface="Ink Free"/>
-                <a:ea typeface="Calibri" panose="020F0502020204030204" pitchFamily="34" charset="0"/>
-                <a:cs typeface="Times New Roman"/>
-              </a:rPr>
-              <a:t>Eu </a:t>
-            </a:r>
-            <a:r>
-              <a:rPr lang="pt-BR" sz="1800" b="1" dirty="0">
-                <a:solidFill>
-                  <a:schemeClr val="tx2">
-                    <a:lumMod val="50000"/>
-                  </a:schemeClr>
-                </a:solidFill>
-                <a:effectLst/>
-                <a:latin typeface="Ink Free"/>
-                <a:ea typeface="Calibri" panose="020F0502020204030204" pitchFamily="34" charset="0"/>
-                <a:cs typeface="Times New Roman"/>
-              </a:rPr>
-              <a:t>enquanto</a:t>
-            </a:r>
-            <a:r>
-              <a:rPr lang="pt-BR" sz="1800" dirty="0">
-                <a:effectLst/>
-                <a:latin typeface="Ink Free"/>
-                <a:ea typeface="Calibri" panose="020F0502020204030204" pitchFamily="34" charset="0"/>
-                <a:cs typeface="Times New Roman"/>
-              </a:rPr>
-              <a:t> professor </a:t>
-            </a:r>
-            <a:r>
-              <a:rPr lang="pt-BR" sz="1800" b="1" dirty="0">
-                <a:solidFill>
-                  <a:schemeClr val="tx2">
-                    <a:lumMod val="50000"/>
-                  </a:schemeClr>
-                </a:solidFill>
-                <a:effectLst/>
-                <a:latin typeface="Ink Free"/>
-                <a:ea typeface="Calibri" panose="020F0502020204030204" pitchFamily="34" charset="0"/>
-                <a:cs typeface="Times New Roman"/>
-              </a:rPr>
-              <a:t>quero</a:t>
-            </a:r>
-            <a:r>
-              <a:rPr lang="pt-BR" sz="1800" b="1" dirty="0">
-                <a:effectLst/>
-                <a:latin typeface="Ink Free"/>
-                <a:ea typeface="Calibri" panose="020F0502020204030204" pitchFamily="34" charset="0"/>
-                <a:cs typeface="Times New Roman"/>
-              </a:rPr>
-              <a:t> </a:t>
-            </a:r>
-            <a:r>
-              <a:rPr lang="pt-BR" sz="1800" dirty="0">
-                <a:effectLst/>
-                <a:latin typeface="Ink Free"/>
-                <a:ea typeface="Calibri" panose="020F0502020204030204" pitchFamily="34" charset="0"/>
-                <a:cs typeface="Times New Roman"/>
-              </a:rPr>
-              <a:t>uma forma de saber se corro o risco do meu computador parar de funcionar inesperadamente </a:t>
-            </a:r>
-            <a:r>
-              <a:rPr lang="pt-BR" sz="1800" b="1" dirty="0">
-                <a:solidFill>
-                  <a:schemeClr val="tx2">
-                    <a:lumMod val="50000"/>
-                  </a:schemeClr>
-                </a:solidFill>
-                <a:effectLst/>
-                <a:latin typeface="Ink Free"/>
-                <a:ea typeface="Calibri" panose="020F0502020204030204" pitchFamily="34" charset="0"/>
-                <a:cs typeface="Times New Roman"/>
-              </a:rPr>
-              <a:t>para que </a:t>
-            </a:r>
-            <a:r>
-              <a:rPr lang="pt-BR" sz="1800" dirty="0">
-                <a:effectLst/>
-                <a:latin typeface="Ink Free"/>
-                <a:ea typeface="Calibri" panose="020F0502020204030204" pitchFamily="34" charset="0"/>
-                <a:cs typeface="Times New Roman"/>
-              </a:rPr>
-              <a:t>eu possa criar as atividades dos alunos.</a:t>
-            </a:r>
-            <a:r>
-              <a:rPr lang="pt-BR" dirty="0">
-                <a:latin typeface="Ink Free"/>
-                <a:ea typeface="Calibri" panose="020F0502020204030204" pitchFamily="34" charset="0"/>
-                <a:cs typeface="Times New Roman"/>
-              </a:rPr>
-              <a:t> </a:t>
-            </a:r>
-            <a:endParaRPr lang="pt-BR" sz="1800" dirty="0">
-              <a:effectLst/>
-              <a:latin typeface="Calibri" panose="020F0502020204030204" pitchFamily="34" charset="0"/>
-              <a:ea typeface="Calibri" panose="020F0502020204030204" pitchFamily="34" charset="0"/>
-              <a:cs typeface="Times New Roman" panose="02020603050405020304" pitchFamily="18" charset="0"/>
-            </a:endParaRPr>
-          </a:p>
-        </p:txBody>
-      </p:sp>
-    </p:spTree>
-    <p:extLst>
-      <p:ext uri="{BB962C8B-B14F-4D97-AF65-F5344CB8AC3E}">
-        <p14:creationId xmlns:p14="http://schemas.microsoft.com/office/powerpoint/2010/main" val="1003232542"/>
-      </p:ext>
-    </p:extLst>
-  </p:cSld>
-  <p:clrMapOvr>
-    <a:masterClrMapping/>
-  </p:clrMapOvr>
-</p:sld>
-</file>
-
-<file path=ppt/slides/slide12.xml><?xml version="1.0" encoding="utf-8"?>
-<p:sld xmlns:a="http://schemas.openxmlformats.org/drawingml/2006/main" xmlns:r="http://schemas.openxmlformats.org/officeDocument/2006/relationships" xmlns:p="http://schemas.openxmlformats.org/presentationml/2006/main">
-  <p:cSld>
-    <p:spTree>
-      <p:nvGrpSpPr>
-        <p:cNvPr id="1" name=""/>
-        <p:cNvGrpSpPr/>
-        <p:nvPr/>
-      </p:nvGrpSpPr>
-      <p:grpSpPr>
-        <a:xfrm>
-          <a:off x="0" y="0"/>
-          <a:ext cx="0" cy="0"/>
-          <a:chOff x="0" y="0"/>
-          <a:chExt cx="0" cy="0"/>
-        </a:xfrm>
-      </p:grpSpPr>
-      <p:sp>
-        <p:nvSpPr>
-          <p:cNvPr id="2" name="Title 1">
-            <a:extLst>
-              <a:ext uri="{FF2B5EF4-FFF2-40B4-BE49-F238E27FC236}">
-                <a16:creationId xmlns:a16="http://schemas.microsoft.com/office/drawing/2014/main" id="{B6583983-6753-415F-8FB6-91F33040C26D}"/>
-              </a:ext>
-            </a:extLst>
-          </p:cNvPr>
-          <p:cNvSpPr>
-            <a:spLocks noGrp="1"/>
-          </p:cNvSpPr>
-          <p:nvPr>
-            <p:ph type="title"/>
-          </p:nvPr>
-        </p:nvSpPr>
-        <p:spPr/>
-        <p:txBody>
-          <a:bodyPr/>
-          <a:lstStyle/>
-          <a:p>
-            <a:r>
-              <a:rPr lang="en-US" dirty="0">
-                <a:cs typeface="Calibri Light"/>
-              </a:rPr>
-              <a:t>USER STORIES: PROFESSOR</a:t>
-            </a:r>
-            <a:endParaRPr lang="en-US" dirty="0"/>
-          </a:p>
-        </p:txBody>
-      </p:sp>
-      <p:sp>
-        <p:nvSpPr>
-          <p:cNvPr id="4" name="Retângulo 4">
-            <a:extLst>
-              <a:ext uri="{FF2B5EF4-FFF2-40B4-BE49-F238E27FC236}">
-                <a16:creationId xmlns:a16="http://schemas.microsoft.com/office/drawing/2014/main" id="{0479926F-3A0A-4F69-A906-2F13C6F8369C}"/>
-              </a:ext>
-            </a:extLst>
-          </p:cNvPr>
-          <p:cNvSpPr/>
-          <p:nvPr/>
-        </p:nvSpPr>
-        <p:spPr>
-          <a:xfrm>
-            <a:off x="6231218" y="2053322"/>
-            <a:ext cx="3971702" cy="1751940"/>
-          </a:xfrm>
-          <a:custGeom>
-            <a:avLst/>
-            <a:gdLst>
-              <a:gd name="connsiteX0" fmla="*/ 0 w 3971702"/>
-              <a:gd name="connsiteY0" fmla="*/ 0 h 1751940"/>
-              <a:gd name="connsiteX1" fmla="*/ 487952 w 3971702"/>
-              <a:gd name="connsiteY1" fmla="*/ 0 h 1751940"/>
-              <a:gd name="connsiteX2" fmla="*/ 1015621 w 3971702"/>
-              <a:gd name="connsiteY2" fmla="*/ 0 h 1751940"/>
-              <a:gd name="connsiteX3" fmla="*/ 1583007 w 3971702"/>
-              <a:gd name="connsiteY3" fmla="*/ 0 h 1751940"/>
-              <a:gd name="connsiteX4" fmla="*/ 2031242 w 3971702"/>
-              <a:gd name="connsiteY4" fmla="*/ 0 h 1751940"/>
-              <a:gd name="connsiteX5" fmla="*/ 2678062 w 3971702"/>
-              <a:gd name="connsiteY5" fmla="*/ 0 h 1751940"/>
-              <a:gd name="connsiteX6" fmla="*/ 3205731 w 3971702"/>
-              <a:gd name="connsiteY6" fmla="*/ 0 h 1751940"/>
-              <a:gd name="connsiteX7" fmla="*/ 3971702 w 3971702"/>
-              <a:gd name="connsiteY7" fmla="*/ 0 h 1751940"/>
-              <a:gd name="connsiteX8" fmla="*/ 3971702 w 3971702"/>
-              <a:gd name="connsiteY8" fmla="*/ 531422 h 1751940"/>
-              <a:gd name="connsiteX9" fmla="*/ 3971702 w 3971702"/>
-              <a:gd name="connsiteY9" fmla="*/ 1097882 h 1751940"/>
-              <a:gd name="connsiteX10" fmla="*/ 3971702 w 3971702"/>
-              <a:gd name="connsiteY10" fmla="*/ 1751940 h 1751940"/>
-              <a:gd name="connsiteX11" fmla="*/ 3324882 w 3971702"/>
-              <a:gd name="connsiteY11" fmla="*/ 1751940 h 1751940"/>
-              <a:gd name="connsiteX12" fmla="*/ 2717779 w 3971702"/>
-              <a:gd name="connsiteY12" fmla="*/ 1751940 h 1751940"/>
-              <a:gd name="connsiteX13" fmla="*/ 2269544 w 3971702"/>
-              <a:gd name="connsiteY13" fmla="*/ 1751940 h 1751940"/>
-              <a:gd name="connsiteX14" fmla="*/ 1702158 w 3971702"/>
-              <a:gd name="connsiteY14" fmla="*/ 1751940 h 1751940"/>
-              <a:gd name="connsiteX15" fmla="*/ 1055338 w 3971702"/>
-              <a:gd name="connsiteY15" fmla="*/ 1751940 h 1751940"/>
-              <a:gd name="connsiteX16" fmla="*/ 0 w 3971702"/>
-              <a:gd name="connsiteY16" fmla="*/ 1751940 h 1751940"/>
-              <a:gd name="connsiteX17" fmla="*/ 0 w 3971702"/>
-              <a:gd name="connsiteY17" fmla="*/ 1220518 h 1751940"/>
-              <a:gd name="connsiteX18" fmla="*/ 0 w 3971702"/>
-              <a:gd name="connsiteY18" fmla="*/ 619019 h 1751940"/>
-              <a:gd name="connsiteX19" fmla="*/ 0 w 3971702"/>
-              <a:gd name="connsiteY19" fmla="*/ 0 h 1751940"/>
-            </a:gdLst>
-            <a:ahLst/>
-            <a:cxnLst>
-              <a:cxn ang="0">
-                <a:pos x="connsiteX0" y="connsiteY0"/>
-              </a:cxn>
-              <a:cxn ang="0">
-                <a:pos x="connsiteX1" y="connsiteY1"/>
-              </a:cxn>
-              <a:cxn ang="0">
-                <a:pos x="connsiteX2" y="connsiteY2"/>
-              </a:cxn>
-              <a:cxn ang="0">
-                <a:pos x="connsiteX3" y="connsiteY3"/>
-              </a:cxn>
-              <a:cxn ang="0">
-                <a:pos x="connsiteX4" y="connsiteY4"/>
-              </a:cxn>
-              <a:cxn ang="0">
-                <a:pos x="connsiteX5" y="connsiteY5"/>
-              </a:cxn>
-              <a:cxn ang="0">
-                <a:pos x="connsiteX6" y="connsiteY6"/>
-              </a:cxn>
-              <a:cxn ang="0">
-                <a:pos x="connsiteX7" y="connsiteY7"/>
-              </a:cxn>
-              <a:cxn ang="0">
-                <a:pos x="connsiteX8" y="connsiteY8"/>
-              </a:cxn>
-              <a:cxn ang="0">
-                <a:pos x="connsiteX9" y="connsiteY9"/>
-              </a:cxn>
-              <a:cxn ang="0">
-                <a:pos x="connsiteX10" y="connsiteY10"/>
-              </a:cxn>
-              <a:cxn ang="0">
-                <a:pos x="connsiteX11" y="connsiteY11"/>
-              </a:cxn>
-              <a:cxn ang="0">
-                <a:pos x="connsiteX12" y="connsiteY12"/>
-              </a:cxn>
-              <a:cxn ang="0">
-                <a:pos x="connsiteX13" y="connsiteY13"/>
-              </a:cxn>
-              <a:cxn ang="0">
-                <a:pos x="connsiteX14" y="connsiteY14"/>
-              </a:cxn>
-              <a:cxn ang="0">
-                <a:pos x="connsiteX15" y="connsiteY15"/>
-              </a:cxn>
-              <a:cxn ang="0">
-                <a:pos x="connsiteX16" y="connsiteY16"/>
-              </a:cxn>
-              <a:cxn ang="0">
-                <a:pos x="connsiteX17" y="connsiteY17"/>
-              </a:cxn>
-              <a:cxn ang="0">
-                <a:pos x="connsiteX18" y="connsiteY18"/>
-              </a:cxn>
-              <a:cxn ang="0">
-                <a:pos x="connsiteX19" y="connsiteY19"/>
-              </a:cxn>
-            </a:cxnLst>
-            <a:rect l="l" t="t" r="r" b="b"/>
-            <a:pathLst>
-              <a:path w="3971702" h="1751940" fill="none" extrusionOk="0">
-                <a:moveTo>
-                  <a:pt x="0" y="0"/>
-                </a:moveTo>
-                <a:cubicBezTo>
-                  <a:pt x="230063" y="-56998"/>
-                  <a:pt x="292980" y="22508"/>
-                  <a:pt x="487952" y="0"/>
-                </a:cubicBezTo>
-                <a:cubicBezTo>
-                  <a:pt x="682924" y="-22508"/>
-                  <a:pt x="876413" y="41352"/>
-                  <a:pt x="1015621" y="0"/>
-                </a:cubicBezTo>
-                <a:cubicBezTo>
-                  <a:pt x="1154829" y="-41352"/>
-                  <a:pt x="1469167" y="64589"/>
-                  <a:pt x="1583007" y="0"/>
-                </a:cubicBezTo>
-                <a:cubicBezTo>
-                  <a:pt x="1696847" y="-64589"/>
-                  <a:pt x="1924765" y="33906"/>
-                  <a:pt x="2031242" y="0"/>
-                </a:cubicBezTo>
-                <a:cubicBezTo>
-                  <a:pt x="2137720" y="-33906"/>
-                  <a:pt x="2431570" y="57294"/>
-                  <a:pt x="2678062" y="0"/>
-                </a:cubicBezTo>
-                <a:cubicBezTo>
-                  <a:pt x="2924554" y="-57294"/>
-                  <a:pt x="3091089" y="36705"/>
-                  <a:pt x="3205731" y="0"/>
-                </a:cubicBezTo>
-                <a:cubicBezTo>
-                  <a:pt x="3320373" y="-36705"/>
-                  <a:pt x="3812034" y="77429"/>
-                  <a:pt x="3971702" y="0"/>
-                </a:cubicBezTo>
-                <a:cubicBezTo>
-                  <a:pt x="4034513" y="139854"/>
-                  <a:pt x="3969372" y="409993"/>
-                  <a:pt x="3971702" y="531422"/>
-                </a:cubicBezTo>
-                <a:cubicBezTo>
-                  <a:pt x="3974032" y="652851"/>
-                  <a:pt x="3907775" y="944821"/>
-                  <a:pt x="3971702" y="1097882"/>
-                </a:cubicBezTo>
-                <a:cubicBezTo>
-                  <a:pt x="4035629" y="1250943"/>
-                  <a:pt x="3970441" y="1478840"/>
-                  <a:pt x="3971702" y="1751940"/>
-                </a:cubicBezTo>
-                <a:cubicBezTo>
-                  <a:pt x="3743194" y="1779126"/>
-                  <a:pt x="3551024" y="1724640"/>
-                  <a:pt x="3324882" y="1751940"/>
-                </a:cubicBezTo>
-                <a:cubicBezTo>
-                  <a:pt x="3098740" y="1779240"/>
-                  <a:pt x="2841241" y="1736630"/>
-                  <a:pt x="2717779" y="1751940"/>
-                </a:cubicBezTo>
-                <a:cubicBezTo>
-                  <a:pt x="2594317" y="1767250"/>
-                  <a:pt x="2391221" y="1704671"/>
-                  <a:pt x="2269544" y="1751940"/>
-                </a:cubicBezTo>
-                <a:cubicBezTo>
-                  <a:pt x="2147867" y="1799209"/>
-                  <a:pt x="1984969" y="1717268"/>
-                  <a:pt x="1702158" y="1751940"/>
-                </a:cubicBezTo>
-                <a:cubicBezTo>
-                  <a:pt x="1419347" y="1786612"/>
-                  <a:pt x="1196629" y="1702671"/>
-                  <a:pt x="1055338" y="1751940"/>
-                </a:cubicBezTo>
-                <a:cubicBezTo>
-                  <a:pt x="914047" y="1801209"/>
-                  <a:pt x="446417" y="1700547"/>
-                  <a:pt x="0" y="1751940"/>
-                </a:cubicBezTo>
-                <a:cubicBezTo>
-                  <a:pt x="-8119" y="1621726"/>
-                  <a:pt x="27513" y="1430346"/>
-                  <a:pt x="0" y="1220518"/>
-                </a:cubicBezTo>
-                <a:cubicBezTo>
-                  <a:pt x="-27513" y="1010690"/>
-                  <a:pt x="60612" y="872829"/>
-                  <a:pt x="0" y="619019"/>
-                </a:cubicBezTo>
-                <a:cubicBezTo>
-                  <a:pt x="-60612" y="365209"/>
-                  <a:pt x="4327" y="198241"/>
-                  <a:pt x="0" y="0"/>
-                </a:cubicBezTo>
-                <a:close/>
-              </a:path>
-              <a:path w="3971702" h="1751940" stroke="0" extrusionOk="0">
-                <a:moveTo>
-                  <a:pt x="0" y="0"/>
-                </a:moveTo>
-                <a:cubicBezTo>
-                  <a:pt x="196902" y="-11902"/>
-                  <a:pt x="332594" y="13569"/>
-                  <a:pt x="646820" y="0"/>
-                </a:cubicBezTo>
-                <a:cubicBezTo>
-                  <a:pt x="961046" y="-13569"/>
-                  <a:pt x="1040698" y="57675"/>
-                  <a:pt x="1214206" y="0"/>
-                </a:cubicBezTo>
-                <a:cubicBezTo>
-                  <a:pt x="1387714" y="-57675"/>
-                  <a:pt x="1592563" y="53274"/>
-                  <a:pt x="1702158" y="0"/>
-                </a:cubicBezTo>
-                <a:cubicBezTo>
-                  <a:pt x="1811753" y="-53274"/>
-                  <a:pt x="2053208" y="5110"/>
-                  <a:pt x="2269544" y="0"/>
-                </a:cubicBezTo>
-                <a:cubicBezTo>
-                  <a:pt x="2485880" y="-5110"/>
-                  <a:pt x="2717847" y="58175"/>
-                  <a:pt x="2916364" y="0"/>
-                </a:cubicBezTo>
-                <a:cubicBezTo>
-                  <a:pt x="3114881" y="-58175"/>
-                  <a:pt x="3176475" y="2025"/>
-                  <a:pt x="3404316" y="0"/>
-                </a:cubicBezTo>
-                <a:cubicBezTo>
-                  <a:pt x="3632157" y="-2025"/>
-                  <a:pt x="3842094" y="26682"/>
-                  <a:pt x="3971702" y="0"/>
-                </a:cubicBezTo>
-                <a:cubicBezTo>
-                  <a:pt x="3998610" y="252219"/>
-                  <a:pt x="3969603" y="430265"/>
-                  <a:pt x="3971702" y="583980"/>
-                </a:cubicBezTo>
-                <a:cubicBezTo>
-                  <a:pt x="3973801" y="737695"/>
-                  <a:pt x="3954391" y="965396"/>
-                  <a:pt x="3971702" y="1150441"/>
-                </a:cubicBezTo>
-                <a:cubicBezTo>
-                  <a:pt x="3989013" y="1335486"/>
-                  <a:pt x="3960841" y="1483106"/>
-                  <a:pt x="3971702" y="1751940"/>
-                </a:cubicBezTo>
-                <a:cubicBezTo>
-                  <a:pt x="3756687" y="1776375"/>
-                  <a:pt x="3633374" y="1728050"/>
-                  <a:pt x="3444033" y="1751940"/>
-                </a:cubicBezTo>
-                <a:cubicBezTo>
-                  <a:pt x="3254692" y="1775830"/>
-                  <a:pt x="3076755" y="1726926"/>
-                  <a:pt x="2836930" y="1751940"/>
-                </a:cubicBezTo>
-                <a:cubicBezTo>
-                  <a:pt x="2597105" y="1776954"/>
-                  <a:pt x="2555758" y="1696517"/>
-                  <a:pt x="2348978" y="1751940"/>
-                </a:cubicBezTo>
-                <a:cubicBezTo>
-                  <a:pt x="2142198" y="1807363"/>
-                  <a:pt x="2058569" y="1734117"/>
-                  <a:pt x="1821309" y="1751940"/>
-                </a:cubicBezTo>
-                <a:cubicBezTo>
-                  <a:pt x="1584049" y="1769763"/>
-                  <a:pt x="1354325" y="1728606"/>
-                  <a:pt x="1214206" y="1751940"/>
-                </a:cubicBezTo>
-                <a:cubicBezTo>
-                  <a:pt x="1074087" y="1775274"/>
-                  <a:pt x="877260" y="1720835"/>
-                  <a:pt x="567386" y="1751940"/>
-                </a:cubicBezTo>
-                <a:cubicBezTo>
-                  <a:pt x="257512" y="1783045"/>
-                  <a:pt x="215815" y="1700130"/>
-                  <a:pt x="0" y="1751940"/>
-                </a:cubicBezTo>
-                <a:cubicBezTo>
-                  <a:pt x="-65658" y="1567430"/>
-                  <a:pt x="40838" y="1422325"/>
-                  <a:pt x="0" y="1167960"/>
-                </a:cubicBezTo>
-                <a:cubicBezTo>
-                  <a:pt x="-40838" y="913595"/>
-                  <a:pt x="10644" y="849670"/>
-                  <a:pt x="0" y="619019"/>
-                </a:cubicBezTo>
-                <a:cubicBezTo>
-                  <a:pt x="-10644" y="388368"/>
-                  <a:pt x="26820" y="264488"/>
-                  <a:pt x="0" y="0"/>
-                </a:cubicBezTo>
-                <a:close/>
-              </a:path>
-            </a:pathLst>
-          </a:custGeom>
-          <a:solidFill>
-            <a:srgbClr val="509DB8"/>
-          </a:solidFill>
-          <a:ln>
-            <a:gradFill>
-              <a:gsLst>
-                <a:gs pos="0">
-                  <a:schemeClr val="accent1">
-                    <a:lumMod val="5000"/>
-                    <a:lumOff val="95000"/>
-                  </a:schemeClr>
-                </a:gs>
-                <a:gs pos="74000">
-                  <a:schemeClr val="accent1">
-                    <a:lumMod val="45000"/>
-                    <a:lumOff val="55000"/>
-                  </a:schemeClr>
-                </a:gs>
-                <a:gs pos="83000">
-                  <a:schemeClr val="accent1">
-                    <a:lumMod val="45000"/>
-                    <a:lumOff val="55000"/>
-                  </a:schemeClr>
-                </a:gs>
-                <a:gs pos="100000">
-                  <a:schemeClr val="accent1">
-                    <a:lumMod val="30000"/>
-                    <a:lumOff val="70000"/>
-                  </a:schemeClr>
-                </a:gs>
-              </a:gsLst>
-              <a:lin ang="5400000" scaled="1"/>
-            </a:gradFill>
-            <a:extLst>
-              <a:ext uri="{C807C97D-BFC1-408E-A445-0C87EB9F89A2}">
-                <ask:lineSketchStyleProps xmlns:ask="http://schemas.microsoft.com/office/drawing/2018/sketchyshapes" sd="981765707">
-                  <a:prstGeom prst="rect">
-                    <a:avLst/>
-                  </a:prstGeom>
-                  <ask:type>
-                    <ask:lineSketchScribble/>
-                  </ask:type>
-                </ask:lineSketchStyleProps>
-              </a:ext>
-            </a:extLst>
-          </a:ln>
-          <a:effectLst>
-            <a:outerShdw blurRad="63500" sx="102000" sy="102000" algn="ctr" rotWithShape="0">
-              <a:prstClr val="black">
-                <a:alpha val="40000"/>
-              </a:prstClr>
-            </a:outerShdw>
-          </a:effectLst>
-        </p:spPr>
-        <p:style>
-          <a:lnRef idx="2">
-            <a:schemeClr val="accent1">
-              <a:shade val="50000"/>
-            </a:schemeClr>
-          </a:lnRef>
-          <a:fillRef idx="1">
-            <a:schemeClr val="accent1"/>
-          </a:fillRef>
-          <a:effectRef idx="0">
-            <a:schemeClr val="accent1"/>
-          </a:effectRef>
-          <a:fontRef idx="minor">
-            <a:schemeClr val="lt1"/>
-          </a:fontRef>
-        </p:style>
-        <p:txBody>
-          <a:bodyPr lIns="91440" tIns="45720" rIns="91440" bIns="45720" rtlCol="0" anchor="ctr"/>
-          <a:lstStyle>
-            <a:defPPr>
-              <a:defRPr lang="pt-BR"/>
-            </a:defPPr>
-            <a:lvl1pPr marL="0" algn="l" defTabSz="914400" rtl="0" eaLnBrk="1" latinLnBrk="0" hangingPunct="1">
-              <a:defRPr sz="1800" kern="1200">
-                <a:solidFill>
-                  <a:schemeClr val="lt1"/>
-                </a:solidFill>
-                <a:latin typeface="+mn-lt"/>
-                <a:ea typeface="+mn-ea"/>
-                <a:cs typeface="+mn-cs"/>
-              </a:defRPr>
-            </a:lvl1pPr>
-            <a:lvl2pPr marL="457200" algn="l" defTabSz="914400" rtl="0" eaLnBrk="1" latinLnBrk="0" hangingPunct="1">
-              <a:defRPr sz="1800" kern="1200">
-                <a:solidFill>
-                  <a:schemeClr val="lt1"/>
-                </a:solidFill>
-                <a:latin typeface="+mn-lt"/>
-                <a:ea typeface="+mn-ea"/>
-                <a:cs typeface="+mn-cs"/>
-              </a:defRPr>
-            </a:lvl2pPr>
-            <a:lvl3pPr marL="914400" algn="l" defTabSz="914400" rtl="0" eaLnBrk="1" latinLnBrk="0" hangingPunct="1">
-              <a:defRPr sz="1800" kern="1200">
-                <a:solidFill>
-                  <a:schemeClr val="lt1"/>
-                </a:solidFill>
-                <a:latin typeface="+mn-lt"/>
-                <a:ea typeface="+mn-ea"/>
-                <a:cs typeface="+mn-cs"/>
-              </a:defRPr>
-            </a:lvl3pPr>
-            <a:lvl4pPr marL="1371600" algn="l" defTabSz="914400" rtl="0" eaLnBrk="1" latinLnBrk="0" hangingPunct="1">
-              <a:defRPr sz="1800" kern="1200">
-                <a:solidFill>
-                  <a:schemeClr val="lt1"/>
-                </a:solidFill>
-                <a:latin typeface="+mn-lt"/>
-                <a:ea typeface="+mn-ea"/>
-                <a:cs typeface="+mn-cs"/>
-              </a:defRPr>
-            </a:lvl4pPr>
-            <a:lvl5pPr marL="1828800" algn="l" defTabSz="914400" rtl="0" eaLnBrk="1" latinLnBrk="0" hangingPunct="1">
-              <a:defRPr sz="1800" kern="1200">
-                <a:solidFill>
-                  <a:schemeClr val="lt1"/>
-                </a:solidFill>
-                <a:latin typeface="+mn-lt"/>
-                <a:ea typeface="+mn-ea"/>
-                <a:cs typeface="+mn-cs"/>
-              </a:defRPr>
-            </a:lvl5pPr>
-            <a:lvl6pPr marL="2286000" algn="l" defTabSz="914400" rtl="0" eaLnBrk="1" latinLnBrk="0" hangingPunct="1">
-              <a:defRPr sz="1800" kern="1200">
-                <a:solidFill>
-                  <a:schemeClr val="lt1"/>
-                </a:solidFill>
-                <a:latin typeface="+mn-lt"/>
-                <a:ea typeface="+mn-ea"/>
-                <a:cs typeface="+mn-cs"/>
-              </a:defRPr>
-            </a:lvl6pPr>
-            <a:lvl7pPr marL="2743200" algn="l" defTabSz="914400" rtl="0" eaLnBrk="1" latinLnBrk="0" hangingPunct="1">
-              <a:defRPr sz="1800" kern="1200">
-                <a:solidFill>
-                  <a:schemeClr val="lt1"/>
-                </a:solidFill>
-                <a:latin typeface="+mn-lt"/>
-                <a:ea typeface="+mn-ea"/>
-                <a:cs typeface="+mn-cs"/>
-              </a:defRPr>
-            </a:lvl7pPr>
-            <a:lvl8pPr marL="3200400" algn="l" defTabSz="914400" rtl="0" eaLnBrk="1" latinLnBrk="0" hangingPunct="1">
-              <a:defRPr sz="1800" kern="1200">
-                <a:solidFill>
-                  <a:schemeClr val="lt1"/>
-                </a:solidFill>
-                <a:latin typeface="+mn-lt"/>
-                <a:ea typeface="+mn-ea"/>
-                <a:cs typeface="+mn-cs"/>
-              </a:defRPr>
-            </a:lvl8pPr>
-            <a:lvl9pPr marL="3657600" algn="l" defTabSz="914400" rtl="0" eaLnBrk="1" latinLnBrk="0" hangingPunct="1">
-              <a:defRPr sz="1800" kern="1200">
-                <a:solidFill>
-                  <a:schemeClr val="lt1"/>
-                </a:solidFill>
-                <a:latin typeface="+mn-lt"/>
-                <a:ea typeface="+mn-ea"/>
-                <a:cs typeface="+mn-cs"/>
-              </a:defRPr>
-            </a:lvl9pPr>
-          </a:lstStyle>
-          <a:p>
-            <a:r>
-              <a:rPr lang="en-US" dirty="0">
-                <a:latin typeface="Ink Free" panose="03080402000500000000" pitchFamily="66" charset="0"/>
-              </a:rPr>
-              <a:t>Eu, </a:t>
-            </a:r>
-            <a:r>
-              <a:rPr lang="en-US" b="1" dirty="0" err="1">
-                <a:solidFill>
-                  <a:schemeClr val="tx1"/>
-                </a:solidFill>
-                <a:latin typeface="Ink Free" panose="03080402000500000000" pitchFamily="66" charset="0"/>
-              </a:rPr>
-              <a:t>enquanto</a:t>
-            </a:r>
-            <a:r>
-              <a:rPr lang="en-US" dirty="0">
-                <a:latin typeface="Ink Free" panose="03080402000500000000" pitchFamily="66" charset="0"/>
-              </a:rPr>
-              <a:t> professor, </a:t>
-            </a:r>
-            <a:r>
-              <a:rPr lang="en-US" b="1" dirty="0" err="1">
-                <a:solidFill>
-                  <a:schemeClr val="tx1"/>
-                </a:solidFill>
-                <a:latin typeface="Ink Free" panose="03080402000500000000" pitchFamily="66" charset="0"/>
-              </a:rPr>
-              <a:t>preciso</a:t>
-            </a:r>
-            <a:r>
-              <a:rPr lang="en-US" b="1" dirty="0">
-                <a:solidFill>
-                  <a:schemeClr val="tx1"/>
-                </a:solidFill>
-                <a:latin typeface="Ink Free" panose="03080402000500000000" pitchFamily="66" charset="0"/>
-              </a:rPr>
-              <a:t> </a:t>
-            </a:r>
-            <a:r>
-              <a:rPr lang="en-US" dirty="0">
-                <a:latin typeface="Ink Free" panose="03080402000500000000" pitchFamily="66" charset="0"/>
-              </a:rPr>
-              <a:t>de </a:t>
-            </a:r>
-            <a:r>
-              <a:rPr lang="en-US" dirty="0" err="1">
-                <a:latin typeface="Ink Free" panose="03080402000500000000" pitchFamily="66" charset="0"/>
-              </a:rPr>
-              <a:t>uma</a:t>
-            </a:r>
-            <a:r>
-              <a:rPr lang="en-US" dirty="0">
-                <a:latin typeface="Ink Free" panose="03080402000500000000" pitchFamily="66" charset="0"/>
-              </a:rPr>
-              <a:t> </a:t>
-            </a:r>
-            <a:r>
-              <a:rPr lang="en-US" dirty="0" err="1">
-                <a:latin typeface="Ink Free" panose="03080402000500000000" pitchFamily="66" charset="0"/>
-              </a:rPr>
-              <a:t>maneira</a:t>
-            </a:r>
-            <a:r>
-              <a:rPr lang="en-US" dirty="0">
-                <a:latin typeface="Ink Free" panose="03080402000500000000" pitchFamily="66" charset="0"/>
-              </a:rPr>
-              <a:t> de </a:t>
-            </a:r>
-            <a:r>
-              <a:rPr lang="en-US" dirty="0" err="1">
-                <a:latin typeface="Ink Free" panose="03080402000500000000" pitchFamily="66" charset="0"/>
-              </a:rPr>
-              <a:t>contatar</a:t>
-            </a:r>
-            <a:r>
-              <a:rPr lang="en-US" dirty="0">
-                <a:latin typeface="Ink Free" panose="03080402000500000000" pitchFamily="66" charset="0"/>
-              </a:rPr>
-              <a:t> o </a:t>
-            </a:r>
-            <a:r>
-              <a:rPr lang="en-US" dirty="0" err="1">
-                <a:latin typeface="Ink Free" panose="03080402000500000000" pitchFamily="66" charset="0"/>
-              </a:rPr>
-              <a:t>suporte</a:t>
-            </a:r>
-            <a:r>
-              <a:rPr lang="en-US" dirty="0">
-                <a:latin typeface="Ink Free" panose="03080402000500000000" pitchFamily="66" charset="0"/>
-              </a:rPr>
-              <a:t> </a:t>
-            </a:r>
-            <a:r>
-              <a:rPr lang="en-US" dirty="0" err="1">
-                <a:latin typeface="Ink Free" panose="03080402000500000000" pitchFamily="66" charset="0"/>
-              </a:rPr>
-              <a:t>sem</a:t>
-            </a:r>
-            <a:r>
-              <a:rPr lang="en-US" dirty="0">
-                <a:latin typeface="Ink Free" panose="03080402000500000000" pitchFamily="66" charset="0"/>
-              </a:rPr>
-              <a:t> </a:t>
-            </a:r>
-            <a:r>
-              <a:rPr lang="en-US" dirty="0" err="1">
-                <a:latin typeface="Ink Free" panose="03080402000500000000" pitchFamily="66" charset="0"/>
-              </a:rPr>
-              <a:t>precisar</a:t>
-            </a:r>
-            <a:r>
-              <a:rPr lang="en-US" dirty="0">
-                <a:latin typeface="Ink Free" panose="03080402000500000000" pitchFamily="66" charset="0"/>
-              </a:rPr>
-              <a:t> mandar </a:t>
-            </a:r>
-            <a:r>
-              <a:rPr lang="en-US" dirty="0" err="1">
-                <a:latin typeface="Ink Free" panose="03080402000500000000" pitchFamily="66" charset="0"/>
-              </a:rPr>
-              <a:t>algum</a:t>
-            </a:r>
-            <a:r>
-              <a:rPr lang="en-US" dirty="0">
-                <a:latin typeface="Ink Free" panose="03080402000500000000" pitchFamily="66" charset="0"/>
-              </a:rPr>
-              <a:t> </a:t>
-            </a:r>
-            <a:r>
-              <a:rPr lang="en-US" dirty="0" err="1">
-                <a:latin typeface="Ink Free" panose="03080402000500000000" pitchFamily="66" charset="0"/>
-              </a:rPr>
-              <a:t>aluno</a:t>
-            </a:r>
-            <a:r>
-              <a:rPr lang="en-US" dirty="0">
-                <a:latin typeface="Ink Free" panose="03080402000500000000" pitchFamily="66" charset="0"/>
-              </a:rPr>
-              <a:t> </a:t>
-            </a:r>
-            <a:r>
-              <a:rPr lang="en-US" dirty="0" err="1">
-                <a:latin typeface="Ink Free" panose="03080402000500000000" pitchFamily="66" charset="0"/>
-              </a:rPr>
-              <a:t>ir</a:t>
-            </a:r>
-            <a:r>
-              <a:rPr lang="en-US" dirty="0">
-                <a:latin typeface="Ink Free" panose="03080402000500000000" pitchFamily="66" charset="0"/>
-              </a:rPr>
-              <a:t> </a:t>
-            </a:r>
-            <a:r>
-              <a:rPr lang="en-US" dirty="0" err="1">
-                <a:latin typeface="Ink Free" panose="03080402000500000000" pitchFamily="66" charset="0"/>
-              </a:rPr>
-              <a:t>até</a:t>
-            </a:r>
-            <a:r>
-              <a:rPr lang="en-US" dirty="0">
-                <a:latin typeface="Ink Free" panose="03080402000500000000" pitchFamily="66" charset="0"/>
-              </a:rPr>
-              <a:t> a </a:t>
-            </a:r>
-            <a:r>
-              <a:rPr lang="en-US" dirty="0" err="1">
-                <a:latin typeface="Ink Free" panose="03080402000500000000" pitchFamily="66" charset="0"/>
-              </a:rPr>
-              <a:t>sala</a:t>
-            </a:r>
-            <a:r>
-              <a:rPr lang="en-US" dirty="0">
-                <a:latin typeface="Ink Free" panose="03080402000500000000" pitchFamily="66" charset="0"/>
-              </a:rPr>
-              <a:t> do </a:t>
-            </a:r>
-            <a:r>
-              <a:rPr lang="en-US" dirty="0" err="1">
-                <a:latin typeface="Ink Free" panose="03080402000500000000" pitchFamily="66" charset="0"/>
-              </a:rPr>
-              <a:t>técnico</a:t>
-            </a:r>
-            <a:r>
-              <a:rPr lang="en-US" dirty="0">
-                <a:latin typeface="Ink Free" panose="03080402000500000000" pitchFamily="66" charset="0"/>
-              </a:rPr>
-              <a:t>, </a:t>
-            </a:r>
-            <a:r>
-              <a:rPr lang="en-US" b="1" dirty="0" err="1">
-                <a:solidFill>
-                  <a:schemeClr val="tx1"/>
-                </a:solidFill>
-                <a:latin typeface="Ink Free" panose="03080402000500000000" pitchFamily="66" charset="0"/>
-              </a:rPr>
-              <a:t>porque</a:t>
-            </a:r>
-            <a:r>
-              <a:rPr lang="en-US" dirty="0">
-                <a:latin typeface="Ink Free" panose="03080402000500000000" pitchFamily="66" charset="0"/>
-              </a:rPr>
-              <a:t> </a:t>
-            </a:r>
-            <a:r>
-              <a:rPr lang="en-US" dirty="0" err="1">
-                <a:latin typeface="Ink Free" panose="03080402000500000000" pitchFamily="66" charset="0"/>
-              </a:rPr>
-              <a:t>muitas</a:t>
-            </a:r>
-            <a:r>
-              <a:rPr lang="en-US" dirty="0">
-                <a:latin typeface="Ink Free" panose="03080402000500000000" pitchFamily="66" charset="0"/>
-              </a:rPr>
-              <a:t> </a:t>
-            </a:r>
-            <a:r>
-              <a:rPr lang="en-US" dirty="0" err="1">
-                <a:latin typeface="Ink Free" panose="03080402000500000000" pitchFamily="66" charset="0"/>
-              </a:rPr>
-              <a:t>vezes</a:t>
-            </a:r>
-            <a:r>
-              <a:rPr lang="en-US" dirty="0">
-                <a:latin typeface="Ink Free" panose="03080402000500000000" pitchFamily="66" charset="0"/>
-              </a:rPr>
-              <a:t> </a:t>
-            </a:r>
-            <a:r>
-              <a:rPr lang="en-US" dirty="0" err="1">
-                <a:latin typeface="Ink Free" panose="03080402000500000000" pitchFamily="66" charset="0"/>
-              </a:rPr>
-              <a:t>ele</a:t>
-            </a:r>
-            <a:r>
-              <a:rPr lang="en-US" dirty="0">
-                <a:latin typeface="Ink Free" panose="03080402000500000000" pitchFamily="66" charset="0"/>
-              </a:rPr>
-              <a:t> </a:t>
-            </a:r>
-            <a:r>
-              <a:rPr lang="en-US" dirty="0" err="1">
-                <a:latin typeface="Ink Free" panose="03080402000500000000" pitchFamily="66" charset="0"/>
-              </a:rPr>
-              <a:t>acaba</a:t>
-            </a:r>
-            <a:r>
-              <a:rPr lang="en-US" dirty="0">
-                <a:latin typeface="Ink Free" panose="03080402000500000000" pitchFamily="66" charset="0"/>
-              </a:rPr>
-              <a:t> se </a:t>
-            </a:r>
-            <a:r>
-              <a:rPr lang="en-US" dirty="0" err="1">
-                <a:latin typeface="Ink Free" panose="03080402000500000000" pitchFamily="66" charset="0"/>
-              </a:rPr>
-              <a:t>dispersando</a:t>
-            </a:r>
-            <a:r>
-              <a:rPr lang="en-US" dirty="0">
-                <a:latin typeface="Ink Free" panose="03080402000500000000" pitchFamily="66" charset="0"/>
-              </a:rPr>
-              <a:t> no </a:t>
-            </a:r>
-            <a:r>
-              <a:rPr lang="en-US" dirty="0" err="1">
-                <a:latin typeface="Ink Free" panose="03080402000500000000" pitchFamily="66" charset="0"/>
-              </a:rPr>
-              <a:t>caminho</a:t>
-            </a:r>
-            <a:r>
-              <a:rPr lang="en-US" dirty="0">
-                <a:latin typeface="Ink Free" panose="03080402000500000000" pitchFamily="66" charset="0"/>
-              </a:rPr>
-              <a:t>, e </a:t>
-            </a:r>
-            <a:r>
-              <a:rPr lang="en-US" dirty="0" err="1">
-                <a:latin typeface="Ink Free" panose="03080402000500000000" pitchFamily="66" charset="0"/>
-              </a:rPr>
-              <a:t>demorando</a:t>
-            </a:r>
-            <a:r>
-              <a:rPr lang="en-US" dirty="0">
-                <a:latin typeface="Ink Free" panose="03080402000500000000" pitchFamily="66" charset="0"/>
-              </a:rPr>
-              <a:t> </a:t>
-            </a:r>
-            <a:r>
-              <a:rPr lang="en-US" dirty="0" err="1">
-                <a:latin typeface="Ink Free" panose="03080402000500000000" pitchFamily="66" charset="0"/>
-              </a:rPr>
-              <a:t>ao</a:t>
-            </a:r>
-            <a:r>
-              <a:rPr lang="en-US" dirty="0">
-                <a:latin typeface="Ink Free" panose="03080402000500000000" pitchFamily="66" charset="0"/>
-              </a:rPr>
-              <a:t> </a:t>
-            </a:r>
-            <a:r>
-              <a:rPr lang="en-US" dirty="0" err="1">
-                <a:latin typeface="Ink Free" panose="03080402000500000000" pitchFamily="66" charset="0"/>
-              </a:rPr>
-              <a:t>retornar</a:t>
-            </a:r>
-            <a:r>
-              <a:rPr lang="en-US" dirty="0">
-                <a:latin typeface="Ink Free" panose="03080402000500000000" pitchFamily="66" charset="0"/>
-              </a:rPr>
-              <a:t> para </a:t>
-            </a:r>
-            <a:r>
-              <a:rPr lang="en-US" dirty="0" err="1">
-                <a:latin typeface="Ink Free" panose="03080402000500000000" pitchFamily="66" charset="0"/>
-              </a:rPr>
-              <a:t>sala</a:t>
-            </a:r>
-            <a:r>
-              <a:rPr lang="en-US" dirty="0">
-                <a:latin typeface="Ink Free" panose="03080402000500000000" pitchFamily="66" charset="0"/>
-              </a:rPr>
-              <a:t>. </a:t>
-            </a:r>
-          </a:p>
-        </p:txBody>
-      </p:sp>
-      <p:sp>
-        <p:nvSpPr>
-          <p:cNvPr id="5" name="Retângulo 6">
-            <a:extLst>
-              <a:ext uri="{FF2B5EF4-FFF2-40B4-BE49-F238E27FC236}">
-                <a16:creationId xmlns:a16="http://schemas.microsoft.com/office/drawing/2014/main" id="{8B423712-B31B-4253-8E40-14D630CC57C4}"/>
-              </a:ext>
-            </a:extLst>
-          </p:cNvPr>
-          <p:cNvSpPr/>
-          <p:nvPr/>
-        </p:nvSpPr>
-        <p:spPr>
-          <a:xfrm>
-            <a:off x="1526850" y="4257180"/>
-            <a:ext cx="3832080" cy="1726921"/>
-          </a:xfrm>
-          <a:custGeom>
-            <a:avLst/>
-            <a:gdLst>
-              <a:gd name="connsiteX0" fmla="*/ 0 w 3832080"/>
-              <a:gd name="connsiteY0" fmla="*/ 0 h 1726921"/>
-              <a:gd name="connsiteX1" fmla="*/ 470798 w 3832080"/>
-              <a:gd name="connsiteY1" fmla="*/ 0 h 1726921"/>
-              <a:gd name="connsiteX2" fmla="*/ 979918 w 3832080"/>
-              <a:gd name="connsiteY2" fmla="*/ 0 h 1726921"/>
-              <a:gd name="connsiteX3" fmla="*/ 1527358 w 3832080"/>
-              <a:gd name="connsiteY3" fmla="*/ 0 h 1726921"/>
-              <a:gd name="connsiteX4" fmla="*/ 1959835 w 3832080"/>
-              <a:gd name="connsiteY4" fmla="*/ 0 h 1726921"/>
-              <a:gd name="connsiteX5" fmla="*/ 2583917 w 3832080"/>
-              <a:gd name="connsiteY5" fmla="*/ 0 h 1726921"/>
-              <a:gd name="connsiteX6" fmla="*/ 3093036 w 3832080"/>
-              <a:gd name="connsiteY6" fmla="*/ 0 h 1726921"/>
-              <a:gd name="connsiteX7" fmla="*/ 3832080 w 3832080"/>
-              <a:gd name="connsiteY7" fmla="*/ 0 h 1726921"/>
-              <a:gd name="connsiteX8" fmla="*/ 3832080 w 3832080"/>
-              <a:gd name="connsiteY8" fmla="*/ 523833 h 1726921"/>
-              <a:gd name="connsiteX9" fmla="*/ 3832080 w 3832080"/>
-              <a:gd name="connsiteY9" fmla="*/ 1082204 h 1726921"/>
-              <a:gd name="connsiteX10" fmla="*/ 3832080 w 3832080"/>
-              <a:gd name="connsiteY10" fmla="*/ 1726921 h 1726921"/>
-              <a:gd name="connsiteX11" fmla="*/ 3207998 w 3832080"/>
-              <a:gd name="connsiteY11" fmla="*/ 1726921 h 1726921"/>
-              <a:gd name="connsiteX12" fmla="*/ 2622238 w 3832080"/>
-              <a:gd name="connsiteY12" fmla="*/ 1726921 h 1726921"/>
-              <a:gd name="connsiteX13" fmla="*/ 2189760 w 3832080"/>
-              <a:gd name="connsiteY13" fmla="*/ 1726921 h 1726921"/>
-              <a:gd name="connsiteX14" fmla="*/ 1642320 w 3832080"/>
-              <a:gd name="connsiteY14" fmla="*/ 1726921 h 1726921"/>
-              <a:gd name="connsiteX15" fmla="*/ 1018238 w 3832080"/>
-              <a:gd name="connsiteY15" fmla="*/ 1726921 h 1726921"/>
-              <a:gd name="connsiteX16" fmla="*/ 0 w 3832080"/>
-              <a:gd name="connsiteY16" fmla="*/ 1726921 h 1726921"/>
-              <a:gd name="connsiteX17" fmla="*/ 0 w 3832080"/>
-              <a:gd name="connsiteY17" fmla="*/ 1203088 h 1726921"/>
-              <a:gd name="connsiteX18" fmla="*/ 0 w 3832080"/>
-              <a:gd name="connsiteY18" fmla="*/ 610179 h 1726921"/>
-              <a:gd name="connsiteX19" fmla="*/ 0 w 3832080"/>
-              <a:gd name="connsiteY19" fmla="*/ 0 h 1726921"/>
-            </a:gdLst>
-            <a:ahLst/>
-            <a:cxnLst>
-              <a:cxn ang="0">
-                <a:pos x="connsiteX0" y="connsiteY0"/>
-              </a:cxn>
-              <a:cxn ang="0">
-                <a:pos x="connsiteX1" y="connsiteY1"/>
-              </a:cxn>
-              <a:cxn ang="0">
-                <a:pos x="connsiteX2" y="connsiteY2"/>
-              </a:cxn>
-              <a:cxn ang="0">
-                <a:pos x="connsiteX3" y="connsiteY3"/>
-              </a:cxn>
-              <a:cxn ang="0">
-                <a:pos x="connsiteX4" y="connsiteY4"/>
-              </a:cxn>
-              <a:cxn ang="0">
-                <a:pos x="connsiteX5" y="connsiteY5"/>
-              </a:cxn>
-              <a:cxn ang="0">
-                <a:pos x="connsiteX6" y="connsiteY6"/>
-              </a:cxn>
-              <a:cxn ang="0">
-                <a:pos x="connsiteX7" y="connsiteY7"/>
-              </a:cxn>
-              <a:cxn ang="0">
-                <a:pos x="connsiteX8" y="connsiteY8"/>
-              </a:cxn>
-              <a:cxn ang="0">
-                <a:pos x="connsiteX9" y="connsiteY9"/>
-              </a:cxn>
-              <a:cxn ang="0">
-                <a:pos x="connsiteX10" y="connsiteY10"/>
-              </a:cxn>
-              <a:cxn ang="0">
-                <a:pos x="connsiteX11" y="connsiteY11"/>
-              </a:cxn>
-              <a:cxn ang="0">
-                <a:pos x="connsiteX12" y="connsiteY12"/>
-              </a:cxn>
-              <a:cxn ang="0">
-                <a:pos x="connsiteX13" y="connsiteY13"/>
-              </a:cxn>
-              <a:cxn ang="0">
-                <a:pos x="connsiteX14" y="connsiteY14"/>
-              </a:cxn>
-              <a:cxn ang="0">
-                <a:pos x="connsiteX15" y="connsiteY15"/>
-              </a:cxn>
-              <a:cxn ang="0">
-                <a:pos x="connsiteX16" y="connsiteY16"/>
-              </a:cxn>
-              <a:cxn ang="0">
-                <a:pos x="connsiteX17" y="connsiteY17"/>
-              </a:cxn>
-              <a:cxn ang="0">
-                <a:pos x="connsiteX18" y="connsiteY18"/>
-              </a:cxn>
-              <a:cxn ang="0">
-                <a:pos x="connsiteX19" y="connsiteY19"/>
-              </a:cxn>
-            </a:cxnLst>
-            <a:rect l="l" t="t" r="r" b="b"/>
-            <a:pathLst>
-              <a:path w="3832080" h="1726921" fill="none" extrusionOk="0">
-                <a:moveTo>
-                  <a:pt x="0" y="0"/>
-                </a:moveTo>
-                <a:cubicBezTo>
-                  <a:pt x="189039" y="-47742"/>
-                  <a:pt x="249938" y="19259"/>
-                  <a:pt x="470798" y="0"/>
-                </a:cubicBezTo>
-                <a:cubicBezTo>
-                  <a:pt x="691658" y="-19259"/>
-                  <a:pt x="801858" y="43082"/>
-                  <a:pt x="979918" y="0"/>
-                </a:cubicBezTo>
-                <a:cubicBezTo>
-                  <a:pt x="1157978" y="-43082"/>
-                  <a:pt x="1338413" y="22584"/>
-                  <a:pt x="1527358" y="0"/>
-                </a:cubicBezTo>
-                <a:cubicBezTo>
-                  <a:pt x="1716303" y="-22584"/>
-                  <a:pt x="1785986" y="5186"/>
-                  <a:pt x="1959835" y="0"/>
-                </a:cubicBezTo>
-                <a:cubicBezTo>
-                  <a:pt x="2133684" y="-5186"/>
-                  <a:pt x="2329509" y="24732"/>
-                  <a:pt x="2583917" y="0"/>
-                </a:cubicBezTo>
-                <a:cubicBezTo>
-                  <a:pt x="2838325" y="-24732"/>
-                  <a:pt x="2922543" y="43998"/>
-                  <a:pt x="3093036" y="0"/>
-                </a:cubicBezTo>
-                <a:cubicBezTo>
-                  <a:pt x="3263529" y="-43998"/>
-                  <a:pt x="3604672" y="60464"/>
-                  <a:pt x="3832080" y="0"/>
-                </a:cubicBezTo>
-                <a:cubicBezTo>
-                  <a:pt x="3863906" y="220521"/>
-                  <a:pt x="3800030" y="418828"/>
-                  <a:pt x="3832080" y="523833"/>
-                </a:cubicBezTo>
-                <a:cubicBezTo>
-                  <a:pt x="3864130" y="628838"/>
-                  <a:pt x="3811387" y="944644"/>
-                  <a:pt x="3832080" y="1082204"/>
-                </a:cubicBezTo>
-                <a:cubicBezTo>
-                  <a:pt x="3852773" y="1219764"/>
-                  <a:pt x="3814714" y="1432237"/>
-                  <a:pt x="3832080" y="1726921"/>
-                </a:cubicBezTo>
-                <a:cubicBezTo>
-                  <a:pt x="3578323" y="1771523"/>
-                  <a:pt x="3467284" y="1707202"/>
-                  <a:pt x="3207998" y="1726921"/>
-                </a:cubicBezTo>
-                <a:cubicBezTo>
-                  <a:pt x="2948712" y="1746640"/>
-                  <a:pt x="2799903" y="1680737"/>
-                  <a:pt x="2622238" y="1726921"/>
-                </a:cubicBezTo>
-                <a:cubicBezTo>
-                  <a:pt x="2444573" y="1773105"/>
-                  <a:pt x="2356804" y="1713365"/>
-                  <a:pt x="2189760" y="1726921"/>
-                </a:cubicBezTo>
-                <a:cubicBezTo>
-                  <a:pt x="2022716" y="1740477"/>
-                  <a:pt x="1878224" y="1713448"/>
-                  <a:pt x="1642320" y="1726921"/>
-                </a:cubicBezTo>
-                <a:cubicBezTo>
-                  <a:pt x="1406416" y="1740394"/>
-                  <a:pt x="1292252" y="1659698"/>
-                  <a:pt x="1018238" y="1726921"/>
-                </a:cubicBezTo>
-                <a:cubicBezTo>
-                  <a:pt x="744224" y="1794144"/>
-                  <a:pt x="267931" y="1638393"/>
-                  <a:pt x="0" y="1726921"/>
-                </a:cubicBezTo>
-                <a:cubicBezTo>
-                  <a:pt x="-39322" y="1518484"/>
-                  <a:pt x="9199" y="1408989"/>
-                  <a:pt x="0" y="1203088"/>
-                </a:cubicBezTo>
-                <a:cubicBezTo>
-                  <a:pt x="-9199" y="997187"/>
-                  <a:pt x="36346" y="751570"/>
-                  <a:pt x="0" y="610179"/>
-                </a:cubicBezTo>
-                <a:cubicBezTo>
-                  <a:pt x="-36346" y="468788"/>
-                  <a:pt x="70443" y="257515"/>
-                  <a:pt x="0" y="0"/>
-                </a:cubicBezTo>
-                <a:close/>
-              </a:path>
-              <a:path w="3832080" h="1726921" stroke="0" extrusionOk="0">
-                <a:moveTo>
-                  <a:pt x="0" y="0"/>
-                </a:moveTo>
-                <a:cubicBezTo>
-                  <a:pt x="216331" y="-48416"/>
-                  <a:pt x="376967" y="25030"/>
-                  <a:pt x="624082" y="0"/>
-                </a:cubicBezTo>
-                <a:cubicBezTo>
-                  <a:pt x="871197" y="-25030"/>
-                  <a:pt x="961974" y="23987"/>
-                  <a:pt x="1171522" y="0"/>
-                </a:cubicBezTo>
-                <a:cubicBezTo>
-                  <a:pt x="1381070" y="-23987"/>
-                  <a:pt x="1539068" y="29665"/>
-                  <a:pt x="1642320" y="0"/>
-                </a:cubicBezTo>
-                <a:cubicBezTo>
-                  <a:pt x="1745572" y="-29665"/>
-                  <a:pt x="2030009" y="15359"/>
-                  <a:pt x="2189760" y="0"/>
-                </a:cubicBezTo>
-                <a:cubicBezTo>
-                  <a:pt x="2349511" y="-15359"/>
-                  <a:pt x="2628772" y="37577"/>
-                  <a:pt x="2813842" y="0"/>
-                </a:cubicBezTo>
-                <a:cubicBezTo>
-                  <a:pt x="2998912" y="-37577"/>
-                  <a:pt x="3183104" y="12613"/>
-                  <a:pt x="3284640" y="0"/>
-                </a:cubicBezTo>
-                <a:cubicBezTo>
-                  <a:pt x="3386176" y="-12613"/>
-                  <a:pt x="3600080" y="12952"/>
-                  <a:pt x="3832080" y="0"/>
-                </a:cubicBezTo>
-                <a:cubicBezTo>
-                  <a:pt x="3845473" y="256735"/>
-                  <a:pt x="3832069" y="297527"/>
-                  <a:pt x="3832080" y="575640"/>
-                </a:cubicBezTo>
-                <a:cubicBezTo>
-                  <a:pt x="3832091" y="853753"/>
-                  <a:pt x="3830104" y="943644"/>
-                  <a:pt x="3832080" y="1134011"/>
-                </a:cubicBezTo>
-                <a:cubicBezTo>
-                  <a:pt x="3834056" y="1324378"/>
-                  <a:pt x="3787317" y="1526504"/>
-                  <a:pt x="3832080" y="1726921"/>
-                </a:cubicBezTo>
-                <a:cubicBezTo>
-                  <a:pt x="3648002" y="1772028"/>
-                  <a:pt x="3454748" y="1674583"/>
-                  <a:pt x="3322961" y="1726921"/>
-                </a:cubicBezTo>
-                <a:cubicBezTo>
-                  <a:pt x="3191174" y="1779259"/>
-                  <a:pt x="2907079" y="1721665"/>
-                  <a:pt x="2737200" y="1726921"/>
-                </a:cubicBezTo>
-                <a:cubicBezTo>
-                  <a:pt x="2567321" y="1732177"/>
-                  <a:pt x="2364619" y="1681496"/>
-                  <a:pt x="2266402" y="1726921"/>
-                </a:cubicBezTo>
-                <a:cubicBezTo>
-                  <a:pt x="2168185" y="1772346"/>
-                  <a:pt x="1862961" y="1687087"/>
-                  <a:pt x="1757282" y="1726921"/>
-                </a:cubicBezTo>
-                <a:cubicBezTo>
-                  <a:pt x="1651603" y="1766755"/>
-                  <a:pt x="1341412" y="1695653"/>
-                  <a:pt x="1171522" y="1726921"/>
-                </a:cubicBezTo>
-                <a:cubicBezTo>
-                  <a:pt x="1001632" y="1758189"/>
-                  <a:pt x="766093" y="1687287"/>
-                  <a:pt x="547440" y="1726921"/>
-                </a:cubicBezTo>
-                <a:cubicBezTo>
-                  <a:pt x="328787" y="1766555"/>
-                  <a:pt x="246193" y="1662765"/>
-                  <a:pt x="0" y="1726921"/>
-                </a:cubicBezTo>
-                <a:cubicBezTo>
-                  <a:pt x="-66969" y="1496434"/>
-                  <a:pt x="21125" y="1391471"/>
-                  <a:pt x="0" y="1151281"/>
-                </a:cubicBezTo>
-                <a:cubicBezTo>
-                  <a:pt x="-21125" y="911091"/>
-                  <a:pt x="59411" y="868979"/>
-                  <a:pt x="0" y="610179"/>
-                </a:cubicBezTo>
-                <a:cubicBezTo>
-                  <a:pt x="-59411" y="351379"/>
-                  <a:pt x="32648" y="149697"/>
-                  <a:pt x="0" y="0"/>
-                </a:cubicBezTo>
-                <a:close/>
-              </a:path>
-            </a:pathLst>
-          </a:custGeom>
-          <a:solidFill>
-            <a:srgbClr val="33C6D5"/>
-          </a:solidFill>
-          <a:ln>
-            <a:gradFill>
-              <a:gsLst>
-                <a:gs pos="0">
-                  <a:schemeClr val="accent1">
-                    <a:lumMod val="5000"/>
-                    <a:lumOff val="95000"/>
-                  </a:schemeClr>
-                </a:gs>
-                <a:gs pos="74000">
-                  <a:schemeClr val="accent1">
-                    <a:lumMod val="45000"/>
-                    <a:lumOff val="55000"/>
-                  </a:schemeClr>
-                </a:gs>
-                <a:gs pos="83000">
-                  <a:schemeClr val="accent1">
-                    <a:lumMod val="45000"/>
-                    <a:lumOff val="55000"/>
-                  </a:schemeClr>
-                </a:gs>
-                <a:gs pos="100000">
-                  <a:schemeClr val="accent1">
-                    <a:lumMod val="30000"/>
-                    <a:lumOff val="70000"/>
-                  </a:schemeClr>
-                </a:gs>
-              </a:gsLst>
-              <a:lin ang="5400000" scaled="1"/>
-            </a:gradFill>
-            <a:extLst>
-              <a:ext uri="{C807C97D-BFC1-408E-A445-0C87EB9F89A2}">
-                <ask:lineSketchStyleProps xmlns:ask="http://schemas.microsoft.com/office/drawing/2018/sketchyshapes" sd="981765707">
-                  <a:prstGeom prst="rect">
-                    <a:avLst/>
-                  </a:prstGeom>
-                  <ask:type>
-                    <ask:lineSketchScribble/>
-                  </ask:type>
-                </ask:lineSketchStyleProps>
-              </a:ext>
-            </a:extLst>
-          </a:ln>
-          <a:effectLst>
-            <a:outerShdw blurRad="63500" sx="102000" sy="102000" algn="ctr" rotWithShape="0">
-              <a:prstClr val="black">
-                <a:alpha val="40000"/>
-              </a:prstClr>
-            </a:outerShdw>
-          </a:effectLst>
-        </p:spPr>
-        <p:style>
-          <a:lnRef idx="2">
-            <a:schemeClr val="accent1">
-              <a:shade val="50000"/>
-            </a:schemeClr>
-          </a:lnRef>
-          <a:fillRef idx="1">
-            <a:schemeClr val="accent1"/>
-          </a:fillRef>
-          <a:effectRef idx="0">
-            <a:schemeClr val="accent1"/>
-          </a:effectRef>
-          <a:fontRef idx="minor">
-            <a:schemeClr val="lt1"/>
-          </a:fontRef>
-        </p:style>
-        <p:txBody>
-          <a:bodyPr lIns="91440" tIns="45720" rIns="91440" bIns="45720" rtlCol="0" anchor="ctr"/>
-          <a:lstStyle>
-            <a:defPPr>
-              <a:defRPr lang="pt-BR"/>
-            </a:defPPr>
-            <a:lvl1pPr marL="0" algn="l" defTabSz="914400" rtl="0" eaLnBrk="1" latinLnBrk="0" hangingPunct="1">
-              <a:defRPr sz="1800" kern="1200">
-                <a:solidFill>
-                  <a:schemeClr val="lt1"/>
-                </a:solidFill>
-                <a:latin typeface="+mn-lt"/>
-                <a:ea typeface="+mn-ea"/>
-                <a:cs typeface="+mn-cs"/>
-              </a:defRPr>
-            </a:lvl1pPr>
-            <a:lvl2pPr marL="457200" algn="l" defTabSz="914400" rtl="0" eaLnBrk="1" latinLnBrk="0" hangingPunct="1">
-              <a:defRPr sz="1800" kern="1200">
-                <a:solidFill>
-                  <a:schemeClr val="lt1"/>
-                </a:solidFill>
-                <a:latin typeface="+mn-lt"/>
-                <a:ea typeface="+mn-ea"/>
-                <a:cs typeface="+mn-cs"/>
-              </a:defRPr>
-            </a:lvl2pPr>
-            <a:lvl3pPr marL="914400" algn="l" defTabSz="914400" rtl="0" eaLnBrk="1" latinLnBrk="0" hangingPunct="1">
-              <a:defRPr sz="1800" kern="1200">
-                <a:solidFill>
-                  <a:schemeClr val="lt1"/>
-                </a:solidFill>
-                <a:latin typeface="+mn-lt"/>
-                <a:ea typeface="+mn-ea"/>
-                <a:cs typeface="+mn-cs"/>
-              </a:defRPr>
-            </a:lvl3pPr>
-            <a:lvl4pPr marL="1371600" algn="l" defTabSz="914400" rtl="0" eaLnBrk="1" latinLnBrk="0" hangingPunct="1">
-              <a:defRPr sz="1800" kern="1200">
-                <a:solidFill>
-                  <a:schemeClr val="lt1"/>
-                </a:solidFill>
-                <a:latin typeface="+mn-lt"/>
-                <a:ea typeface="+mn-ea"/>
-                <a:cs typeface="+mn-cs"/>
-              </a:defRPr>
-            </a:lvl4pPr>
-            <a:lvl5pPr marL="1828800" algn="l" defTabSz="914400" rtl="0" eaLnBrk="1" latinLnBrk="0" hangingPunct="1">
-              <a:defRPr sz="1800" kern="1200">
-                <a:solidFill>
-                  <a:schemeClr val="lt1"/>
-                </a:solidFill>
-                <a:latin typeface="+mn-lt"/>
-                <a:ea typeface="+mn-ea"/>
-                <a:cs typeface="+mn-cs"/>
-              </a:defRPr>
-            </a:lvl5pPr>
-            <a:lvl6pPr marL="2286000" algn="l" defTabSz="914400" rtl="0" eaLnBrk="1" latinLnBrk="0" hangingPunct="1">
-              <a:defRPr sz="1800" kern="1200">
-                <a:solidFill>
-                  <a:schemeClr val="lt1"/>
-                </a:solidFill>
-                <a:latin typeface="+mn-lt"/>
-                <a:ea typeface="+mn-ea"/>
-                <a:cs typeface="+mn-cs"/>
-              </a:defRPr>
-            </a:lvl6pPr>
-            <a:lvl7pPr marL="2743200" algn="l" defTabSz="914400" rtl="0" eaLnBrk="1" latinLnBrk="0" hangingPunct="1">
-              <a:defRPr sz="1800" kern="1200">
-                <a:solidFill>
-                  <a:schemeClr val="lt1"/>
-                </a:solidFill>
-                <a:latin typeface="+mn-lt"/>
-                <a:ea typeface="+mn-ea"/>
-                <a:cs typeface="+mn-cs"/>
-              </a:defRPr>
-            </a:lvl7pPr>
-            <a:lvl8pPr marL="3200400" algn="l" defTabSz="914400" rtl="0" eaLnBrk="1" latinLnBrk="0" hangingPunct="1">
-              <a:defRPr sz="1800" kern="1200">
-                <a:solidFill>
-                  <a:schemeClr val="lt1"/>
-                </a:solidFill>
-                <a:latin typeface="+mn-lt"/>
-                <a:ea typeface="+mn-ea"/>
-                <a:cs typeface="+mn-cs"/>
-              </a:defRPr>
-            </a:lvl8pPr>
-            <a:lvl9pPr marL="3657600" algn="l" defTabSz="914400" rtl="0" eaLnBrk="1" latinLnBrk="0" hangingPunct="1">
-              <a:defRPr sz="1800" kern="1200">
-                <a:solidFill>
-                  <a:schemeClr val="lt1"/>
-                </a:solidFill>
-                <a:latin typeface="+mn-lt"/>
-                <a:ea typeface="+mn-ea"/>
-                <a:cs typeface="+mn-cs"/>
-              </a:defRPr>
-            </a:lvl9pPr>
-          </a:lstStyle>
-          <a:p>
             <a:r>
               <a:rPr lang="pt-BR" dirty="0">
                 <a:latin typeface="Ink Free" panose="03080402000500000000" pitchFamily="66" charset="0"/>
@@ -9008,7 +8449,9 @@
             <a:r>
               <a:rPr lang="pt-BR" b="1" dirty="0">
                 <a:solidFill>
-                  <a:schemeClr val="tx1"/>
+                  <a:schemeClr val="accent1">
+                    <a:lumMod val="75000"/>
+                  </a:schemeClr>
                 </a:solidFill>
                 <a:latin typeface="Ink Free" panose="03080402000500000000" pitchFamily="66" charset="0"/>
               </a:rPr>
@@ -9023,7 +8466,9 @@
             <a:r>
               <a:rPr lang="pt-BR" b="1" dirty="0">
                 <a:solidFill>
-                  <a:schemeClr val="tx1"/>
+                  <a:schemeClr val="accent1">
+                    <a:lumMod val="75000"/>
+                  </a:schemeClr>
                 </a:solidFill>
                 <a:latin typeface="Ink Free" panose="03080402000500000000" pitchFamily="66" charset="0"/>
               </a:rPr>
@@ -9038,7 +8483,9 @@
             <a:r>
               <a:rPr lang="pt-BR" b="1" dirty="0">
                 <a:solidFill>
-                  <a:schemeClr val="tx1"/>
+                  <a:schemeClr val="accent1">
+                    <a:lumMod val="75000"/>
+                  </a:schemeClr>
                 </a:solidFill>
                 <a:latin typeface="Ink Free" panose="03080402000500000000" pitchFamily="66" charset="0"/>
               </a:rPr>
@@ -9070,62 +8517,64 @@
         </p:nvSpPr>
         <p:spPr>
           <a:xfrm>
-            <a:off x="5768989" y="4257181"/>
-            <a:ext cx="4896161" cy="1726922"/>
+            <a:off x="3498388" y="4080176"/>
+            <a:ext cx="4541203" cy="1977587"/>
           </a:xfrm>
           <a:custGeom>
             <a:avLst/>
             <a:gdLst>
-              <a:gd name="connsiteX0" fmla="*/ 0 w 4896161"/>
-              <a:gd name="connsiteY0" fmla="*/ 0 h 1726922"/>
-              <a:gd name="connsiteX1" fmla="*/ 641941 w 4896161"/>
-              <a:gd name="connsiteY1" fmla="*/ 0 h 1726922"/>
-              <a:gd name="connsiteX2" fmla="*/ 1136997 w 4896161"/>
-              <a:gd name="connsiteY2" fmla="*/ 0 h 1726922"/>
-              <a:gd name="connsiteX3" fmla="*/ 1729977 w 4896161"/>
-              <a:gd name="connsiteY3" fmla="*/ 0 h 1726922"/>
-              <a:gd name="connsiteX4" fmla="*/ 2127110 w 4896161"/>
-              <a:gd name="connsiteY4" fmla="*/ 0 h 1726922"/>
-              <a:gd name="connsiteX5" fmla="*/ 2769051 w 4896161"/>
-              <a:gd name="connsiteY5" fmla="*/ 0 h 1726922"/>
-              <a:gd name="connsiteX6" fmla="*/ 3313069 w 4896161"/>
-              <a:gd name="connsiteY6" fmla="*/ 0 h 1726922"/>
-              <a:gd name="connsiteX7" fmla="*/ 3808125 w 4896161"/>
-              <a:gd name="connsiteY7" fmla="*/ 0 h 1726922"/>
-              <a:gd name="connsiteX8" fmla="*/ 4896161 w 4896161"/>
-              <a:gd name="connsiteY8" fmla="*/ 0 h 1726922"/>
-              <a:gd name="connsiteX9" fmla="*/ 4896161 w 4896161"/>
-              <a:gd name="connsiteY9" fmla="*/ 523833 h 1726922"/>
-              <a:gd name="connsiteX10" fmla="*/ 4896161 w 4896161"/>
-              <a:gd name="connsiteY10" fmla="*/ 1134012 h 1726922"/>
-              <a:gd name="connsiteX11" fmla="*/ 4896161 w 4896161"/>
-              <a:gd name="connsiteY11" fmla="*/ 1726922 h 1726922"/>
-              <a:gd name="connsiteX12" fmla="*/ 4303182 w 4896161"/>
-              <a:gd name="connsiteY12" fmla="*/ 1726922 h 1726922"/>
-              <a:gd name="connsiteX13" fmla="*/ 3906048 w 4896161"/>
-              <a:gd name="connsiteY13" fmla="*/ 1726922 h 1726922"/>
-              <a:gd name="connsiteX14" fmla="*/ 3508915 w 4896161"/>
-              <a:gd name="connsiteY14" fmla="*/ 1726922 h 1726922"/>
-              <a:gd name="connsiteX15" fmla="*/ 3111782 w 4896161"/>
-              <a:gd name="connsiteY15" fmla="*/ 1726922 h 1726922"/>
-              <a:gd name="connsiteX16" fmla="*/ 2518803 w 4896161"/>
-              <a:gd name="connsiteY16" fmla="*/ 1726922 h 1726922"/>
-              <a:gd name="connsiteX17" fmla="*/ 2121670 w 4896161"/>
-              <a:gd name="connsiteY17" fmla="*/ 1726922 h 1726922"/>
-              <a:gd name="connsiteX18" fmla="*/ 1724537 w 4896161"/>
-              <a:gd name="connsiteY18" fmla="*/ 1726922 h 1726922"/>
-              <a:gd name="connsiteX19" fmla="*/ 1327404 w 4896161"/>
-              <a:gd name="connsiteY19" fmla="*/ 1726922 h 1726922"/>
-              <a:gd name="connsiteX20" fmla="*/ 832347 w 4896161"/>
-              <a:gd name="connsiteY20" fmla="*/ 1726922 h 1726922"/>
-              <a:gd name="connsiteX21" fmla="*/ 0 w 4896161"/>
-              <a:gd name="connsiteY21" fmla="*/ 1726922 h 1726922"/>
-              <a:gd name="connsiteX22" fmla="*/ 0 w 4896161"/>
-              <a:gd name="connsiteY22" fmla="*/ 1151281 h 1726922"/>
-              <a:gd name="connsiteX23" fmla="*/ 0 w 4896161"/>
-              <a:gd name="connsiteY23" fmla="*/ 610179 h 1726922"/>
-              <a:gd name="connsiteX24" fmla="*/ 0 w 4896161"/>
-              <a:gd name="connsiteY24" fmla="*/ 0 h 1726922"/>
+              <a:gd name="connsiteX0" fmla="*/ 0 w 4541203"/>
+              <a:gd name="connsiteY0" fmla="*/ 0 h 1977587"/>
+              <a:gd name="connsiteX1" fmla="*/ 658474 w 4541203"/>
+              <a:gd name="connsiteY1" fmla="*/ 0 h 1977587"/>
+              <a:gd name="connsiteX2" fmla="*/ 1180713 w 4541203"/>
+              <a:gd name="connsiteY2" fmla="*/ 0 h 1977587"/>
+              <a:gd name="connsiteX3" fmla="*/ 1793775 w 4541203"/>
+              <a:gd name="connsiteY3" fmla="*/ 0 h 1977587"/>
+              <a:gd name="connsiteX4" fmla="*/ 2225189 w 4541203"/>
+              <a:gd name="connsiteY4" fmla="*/ 0 h 1977587"/>
+              <a:gd name="connsiteX5" fmla="*/ 2883664 w 4541203"/>
+              <a:gd name="connsiteY5" fmla="*/ 0 h 1977587"/>
+              <a:gd name="connsiteX6" fmla="*/ 3451314 w 4541203"/>
+              <a:gd name="connsiteY6" fmla="*/ 0 h 1977587"/>
+              <a:gd name="connsiteX7" fmla="*/ 3973553 w 4541203"/>
+              <a:gd name="connsiteY7" fmla="*/ 0 h 1977587"/>
+              <a:gd name="connsiteX8" fmla="*/ 4541203 w 4541203"/>
+              <a:gd name="connsiteY8" fmla="*/ 0 h 1977587"/>
+              <a:gd name="connsiteX9" fmla="*/ 4541203 w 4541203"/>
+              <a:gd name="connsiteY9" fmla="*/ 435069 h 1977587"/>
+              <a:gd name="connsiteX10" fmla="*/ 4541203 w 4541203"/>
+              <a:gd name="connsiteY10" fmla="*/ 969018 h 1977587"/>
+              <a:gd name="connsiteX11" fmla="*/ 4541203 w 4541203"/>
+              <a:gd name="connsiteY11" fmla="*/ 1483190 h 1977587"/>
+              <a:gd name="connsiteX12" fmla="*/ 4541203 w 4541203"/>
+              <a:gd name="connsiteY12" fmla="*/ 1977587 h 1977587"/>
+              <a:gd name="connsiteX13" fmla="*/ 4064377 w 4541203"/>
+              <a:gd name="connsiteY13" fmla="*/ 1977587 h 1977587"/>
+              <a:gd name="connsiteX14" fmla="*/ 3632962 w 4541203"/>
+              <a:gd name="connsiteY14" fmla="*/ 1977587 h 1977587"/>
+              <a:gd name="connsiteX15" fmla="*/ 3201548 w 4541203"/>
+              <a:gd name="connsiteY15" fmla="*/ 1977587 h 1977587"/>
+              <a:gd name="connsiteX16" fmla="*/ 2588486 w 4541203"/>
+              <a:gd name="connsiteY16" fmla="*/ 1977587 h 1977587"/>
+              <a:gd name="connsiteX17" fmla="*/ 2157071 w 4541203"/>
+              <a:gd name="connsiteY17" fmla="*/ 1977587 h 1977587"/>
+              <a:gd name="connsiteX18" fmla="*/ 1725657 w 4541203"/>
+              <a:gd name="connsiteY18" fmla="*/ 1977587 h 1977587"/>
+              <a:gd name="connsiteX19" fmla="*/ 1294243 w 4541203"/>
+              <a:gd name="connsiteY19" fmla="*/ 1977587 h 1977587"/>
+              <a:gd name="connsiteX20" fmla="*/ 772005 w 4541203"/>
+              <a:gd name="connsiteY20" fmla="*/ 1977587 h 1977587"/>
+              <a:gd name="connsiteX21" fmla="*/ 0 w 4541203"/>
+              <a:gd name="connsiteY21" fmla="*/ 1977587 h 1977587"/>
+              <a:gd name="connsiteX22" fmla="*/ 0 w 4541203"/>
+              <a:gd name="connsiteY22" fmla="*/ 1483190 h 1977587"/>
+              <a:gd name="connsiteX23" fmla="*/ 0 w 4541203"/>
+              <a:gd name="connsiteY23" fmla="*/ 1028345 h 1977587"/>
+              <a:gd name="connsiteX24" fmla="*/ 0 w 4541203"/>
+              <a:gd name="connsiteY24" fmla="*/ 553724 h 1977587"/>
+              <a:gd name="connsiteX25" fmla="*/ 0 w 4541203"/>
+              <a:gd name="connsiteY25" fmla="*/ 0 h 1977587"/>
             </a:gdLst>
             <a:ahLst/>
             <a:cxnLst>
@@ -9204,257 +8653,265 @@
               <a:cxn ang="0">
                 <a:pos x="connsiteX24" y="connsiteY24"/>
               </a:cxn>
+              <a:cxn ang="0">
+                <a:pos x="connsiteX25" y="connsiteY25"/>
+              </a:cxn>
             </a:cxnLst>
             <a:rect l="l" t="t" r="r" b="b"/>
             <a:pathLst>
-              <a:path w="4896161" h="1726922" fill="none" extrusionOk="0">
+              <a:path w="4541203" h="1977587" fill="none" extrusionOk="0">
                 <a:moveTo>
                   <a:pt x="0" y="0"/>
                 </a:moveTo>
                 <a:cubicBezTo>
-                  <a:pt x="211610" y="-41761"/>
-                  <a:pt x="473862" y="52249"/>
-                  <a:pt x="641941" y="0"/>
-                </a:cubicBezTo>
-                <a:cubicBezTo>
-                  <a:pt x="810020" y="-52249"/>
-                  <a:pt x="982579" y="32810"/>
-                  <a:pt x="1136997" y="0"/>
-                </a:cubicBezTo>
-                <a:cubicBezTo>
-                  <a:pt x="1291415" y="-32810"/>
-                  <a:pt x="1465911" y="7370"/>
-                  <a:pt x="1729977" y="0"/>
-                </a:cubicBezTo>
-                <a:cubicBezTo>
-                  <a:pt x="1994043" y="-7370"/>
-                  <a:pt x="1934514" y="36058"/>
-                  <a:pt x="2127110" y="0"/>
-                </a:cubicBezTo>
-                <a:cubicBezTo>
-                  <a:pt x="2319706" y="-36058"/>
-                  <a:pt x="2590252" y="34032"/>
-                  <a:pt x="2769051" y="0"/>
-                </a:cubicBezTo>
-                <a:cubicBezTo>
-                  <a:pt x="2947850" y="-34032"/>
-                  <a:pt x="3154117" y="47422"/>
-                  <a:pt x="3313069" y="0"/>
-                </a:cubicBezTo>
-                <a:cubicBezTo>
-                  <a:pt x="3472021" y="-47422"/>
-                  <a:pt x="3693227" y="5624"/>
-                  <a:pt x="3808125" y="0"/>
-                </a:cubicBezTo>
-                <a:cubicBezTo>
-                  <a:pt x="3923023" y="-5624"/>
-                  <a:pt x="4469594" y="84946"/>
-                  <a:pt x="4896161" y="0"/>
-                </a:cubicBezTo>
-                <a:cubicBezTo>
-                  <a:pt x="4911446" y="125193"/>
-                  <a:pt x="4844192" y="337338"/>
-                  <a:pt x="4896161" y="523833"/>
-                </a:cubicBezTo>
-                <a:cubicBezTo>
-                  <a:pt x="4948130" y="710328"/>
-                  <a:pt x="4876466" y="988110"/>
-                  <a:pt x="4896161" y="1134012"/>
-                </a:cubicBezTo>
-                <a:cubicBezTo>
-                  <a:pt x="4915856" y="1279914"/>
-                  <a:pt x="4847582" y="1493943"/>
-                  <a:pt x="4896161" y="1726922"/>
-                </a:cubicBezTo>
-                <a:cubicBezTo>
-                  <a:pt x="4653117" y="1772360"/>
-                  <a:pt x="4480953" y="1680985"/>
-                  <a:pt x="4303182" y="1726922"/>
-                </a:cubicBezTo>
-                <a:cubicBezTo>
-                  <a:pt x="4125411" y="1772859"/>
-                  <a:pt x="4071048" y="1688687"/>
-                  <a:pt x="3906048" y="1726922"/>
-                </a:cubicBezTo>
-                <a:cubicBezTo>
-                  <a:pt x="3741048" y="1765157"/>
-                  <a:pt x="3639334" y="1704475"/>
-                  <a:pt x="3508915" y="1726922"/>
-                </a:cubicBezTo>
-                <a:cubicBezTo>
-                  <a:pt x="3378496" y="1749369"/>
-                  <a:pt x="3207533" y="1710349"/>
-                  <a:pt x="3111782" y="1726922"/>
-                </a:cubicBezTo>
-                <a:cubicBezTo>
-                  <a:pt x="3016031" y="1743495"/>
-                  <a:pt x="2745188" y="1716593"/>
-                  <a:pt x="2518803" y="1726922"/>
-                </a:cubicBezTo>
-                <a:cubicBezTo>
-                  <a:pt x="2292418" y="1737251"/>
-                  <a:pt x="2290076" y="1697432"/>
-                  <a:pt x="2121670" y="1726922"/>
-                </a:cubicBezTo>
-                <a:cubicBezTo>
-                  <a:pt x="1953264" y="1756412"/>
-                  <a:pt x="1825766" y="1681374"/>
-                  <a:pt x="1724537" y="1726922"/>
-                </a:cubicBezTo>
-                <a:cubicBezTo>
-                  <a:pt x="1623308" y="1772470"/>
-                  <a:pt x="1426932" y="1700148"/>
-                  <a:pt x="1327404" y="1726922"/>
-                </a:cubicBezTo>
-                <a:cubicBezTo>
-                  <a:pt x="1227876" y="1753696"/>
-                  <a:pt x="1019224" y="1700243"/>
-                  <a:pt x="832347" y="1726922"/>
-                </a:cubicBezTo>
-                <a:cubicBezTo>
-                  <a:pt x="645470" y="1753601"/>
-                  <a:pt x="210273" y="1690798"/>
-                  <a:pt x="0" y="1726922"/>
-                </a:cubicBezTo>
-                <a:cubicBezTo>
-                  <a:pt x="-506" y="1555620"/>
-                  <a:pt x="2285" y="1341552"/>
-                  <a:pt x="0" y="1151281"/>
-                </a:cubicBezTo>
-                <a:cubicBezTo>
-                  <a:pt x="-2285" y="961010"/>
-                  <a:pt x="59249" y="812451"/>
-                  <a:pt x="0" y="610179"/>
-                </a:cubicBezTo>
-                <a:cubicBezTo>
-                  <a:pt x="-59249" y="407907"/>
-                  <a:pt x="41705" y="303898"/>
+                  <a:pt x="226255" y="-20362"/>
+                  <a:pt x="480744" y="34710"/>
+                  <a:pt x="658474" y="0"/>
+                </a:cubicBezTo>
+                <a:cubicBezTo>
+                  <a:pt x="836204" y="-34710"/>
+                  <a:pt x="1026040" y="5157"/>
+                  <a:pt x="1180713" y="0"/>
+                </a:cubicBezTo>
+                <a:cubicBezTo>
+                  <a:pt x="1335386" y="-5157"/>
+                  <a:pt x="1587202" y="40072"/>
+                  <a:pt x="1793775" y="0"/>
+                </a:cubicBezTo>
+                <a:cubicBezTo>
+                  <a:pt x="2000348" y="-40072"/>
+                  <a:pt x="2132013" y="20013"/>
+                  <a:pt x="2225189" y="0"/>
+                </a:cubicBezTo>
+                <a:cubicBezTo>
+                  <a:pt x="2318365" y="-20013"/>
+                  <a:pt x="2581294" y="49625"/>
+                  <a:pt x="2883664" y="0"/>
+                </a:cubicBezTo>
+                <a:cubicBezTo>
+                  <a:pt x="3186035" y="-49625"/>
+                  <a:pt x="3272202" y="11458"/>
+                  <a:pt x="3451314" y="0"/>
+                </a:cubicBezTo>
+                <a:cubicBezTo>
+                  <a:pt x="3630426" y="-11458"/>
+                  <a:pt x="3752822" y="3959"/>
+                  <a:pt x="3973553" y="0"/>
+                </a:cubicBezTo>
+                <a:cubicBezTo>
+                  <a:pt x="4194284" y="-3959"/>
+                  <a:pt x="4405026" y="60495"/>
+                  <a:pt x="4541203" y="0"/>
+                </a:cubicBezTo>
+                <a:cubicBezTo>
+                  <a:pt x="4554831" y="121115"/>
+                  <a:pt x="4515133" y="267132"/>
+                  <a:pt x="4541203" y="435069"/>
+                </a:cubicBezTo>
+                <a:cubicBezTo>
+                  <a:pt x="4567273" y="603006"/>
+                  <a:pt x="4496801" y="850597"/>
+                  <a:pt x="4541203" y="969018"/>
+                </a:cubicBezTo>
+                <a:cubicBezTo>
+                  <a:pt x="4585605" y="1087439"/>
+                  <a:pt x="4529862" y="1352246"/>
+                  <a:pt x="4541203" y="1483190"/>
+                </a:cubicBezTo>
+                <a:cubicBezTo>
+                  <a:pt x="4552544" y="1614134"/>
+                  <a:pt x="4484024" y="1768042"/>
+                  <a:pt x="4541203" y="1977587"/>
+                </a:cubicBezTo>
+                <a:cubicBezTo>
+                  <a:pt x="4308278" y="1987246"/>
+                  <a:pt x="4163446" y="1928914"/>
+                  <a:pt x="4064377" y="1977587"/>
+                </a:cubicBezTo>
+                <a:cubicBezTo>
+                  <a:pt x="3965308" y="2026260"/>
+                  <a:pt x="3801466" y="1930910"/>
+                  <a:pt x="3632962" y="1977587"/>
+                </a:cubicBezTo>
+                <a:cubicBezTo>
+                  <a:pt x="3464459" y="2024264"/>
+                  <a:pt x="3407499" y="1934300"/>
+                  <a:pt x="3201548" y="1977587"/>
+                </a:cubicBezTo>
+                <a:cubicBezTo>
+                  <a:pt x="2995597" y="2020874"/>
+                  <a:pt x="2873679" y="1942653"/>
+                  <a:pt x="2588486" y="1977587"/>
+                </a:cubicBezTo>
+                <a:cubicBezTo>
+                  <a:pt x="2303293" y="2012521"/>
+                  <a:pt x="2336622" y="1930104"/>
+                  <a:pt x="2157071" y="1977587"/>
+                </a:cubicBezTo>
+                <a:cubicBezTo>
+                  <a:pt x="1977520" y="2025070"/>
+                  <a:pt x="1812696" y="1927025"/>
+                  <a:pt x="1725657" y="1977587"/>
+                </a:cubicBezTo>
+                <a:cubicBezTo>
+                  <a:pt x="1638618" y="2028149"/>
+                  <a:pt x="1430086" y="1973385"/>
+                  <a:pt x="1294243" y="1977587"/>
+                </a:cubicBezTo>
+                <a:cubicBezTo>
+                  <a:pt x="1158400" y="1981789"/>
+                  <a:pt x="983570" y="1964680"/>
+                  <a:pt x="772005" y="1977587"/>
+                </a:cubicBezTo>
+                <a:cubicBezTo>
+                  <a:pt x="560440" y="1990494"/>
+                  <a:pt x="160303" y="1954539"/>
+                  <a:pt x="0" y="1977587"/>
+                </a:cubicBezTo>
+                <a:cubicBezTo>
+                  <a:pt x="-15303" y="1875903"/>
+                  <a:pt x="37696" y="1639425"/>
+                  <a:pt x="0" y="1483190"/>
+                </a:cubicBezTo>
+                <a:cubicBezTo>
+                  <a:pt x="-37696" y="1326955"/>
+                  <a:pt x="16046" y="1205933"/>
+                  <a:pt x="0" y="1028345"/>
+                </a:cubicBezTo>
+                <a:cubicBezTo>
+                  <a:pt x="-16046" y="850758"/>
+                  <a:pt x="3993" y="671583"/>
+                  <a:pt x="0" y="553724"/>
+                </a:cubicBezTo>
+                <a:cubicBezTo>
+                  <a:pt x="-3993" y="435865"/>
+                  <a:pt x="19816" y="205379"/>
                   <a:pt x="0" y="0"/>
                 </a:cubicBezTo>
                 <a:close/>
               </a:path>
-              <a:path w="4896161" h="1726922" stroke="0" extrusionOk="0">
+              <a:path w="4541203" h="1977587" stroke="0" extrusionOk="0">
                 <a:moveTo>
                   <a:pt x="0" y="0"/>
                 </a:moveTo>
                 <a:cubicBezTo>
-                  <a:pt x="202602" y="-56983"/>
-                  <a:pt x="342626" y="11627"/>
-                  <a:pt x="641941" y="0"/>
-                </a:cubicBezTo>
-                <a:cubicBezTo>
-                  <a:pt x="941256" y="-11627"/>
-                  <a:pt x="1017127" y="21600"/>
-                  <a:pt x="1185959" y="0"/>
-                </a:cubicBezTo>
-                <a:cubicBezTo>
-                  <a:pt x="1354791" y="-21600"/>
-                  <a:pt x="1498644" y="39920"/>
-                  <a:pt x="1632054" y="0"/>
-                </a:cubicBezTo>
-                <a:cubicBezTo>
-                  <a:pt x="1765465" y="-39920"/>
-                  <a:pt x="2007691" y="29865"/>
-                  <a:pt x="2176072" y="0"/>
-                </a:cubicBezTo>
-                <a:cubicBezTo>
-                  <a:pt x="2344453" y="-29865"/>
-                  <a:pt x="2622420" y="5452"/>
-                  <a:pt x="2818013" y="0"/>
-                </a:cubicBezTo>
-                <a:cubicBezTo>
-                  <a:pt x="3013606" y="-5452"/>
-                  <a:pt x="3154926" y="32671"/>
-                  <a:pt x="3264107" y="0"/>
-                </a:cubicBezTo>
-                <a:cubicBezTo>
-                  <a:pt x="3373288" y="-32671"/>
-                  <a:pt x="3535845" y="14181"/>
-                  <a:pt x="3661240" y="0"/>
-                </a:cubicBezTo>
-                <a:cubicBezTo>
-                  <a:pt x="3786635" y="-14181"/>
-                  <a:pt x="4007865" y="12579"/>
-                  <a:pt x="4205258" y="0"/>
-                </a:cubicBezTo>
-                <a:cubicBezTo>
-                  <a:pt x="4402651" y="-12579"/>
-                  <a:pt x="4619507" y="78664"/>
-                  <a:pt x="4896161" y="0"/>
-                </a:cubicBezTo>
-                <a:cubicBezTo>
-                  <a:pt x="4928936" y="138320"/>
-                  <a:pt x="4851398" y="392493"/>
-                  <a:pt x="4896161" y="592910"/>
-                </a:cubicBezTo>
-                <a:cubicBezTo>
-                  <a:pt x="4940924" y="793327"/>
-                  <a:pt x="4876278" y="961804"/>
-                  <a:pt x="4896161" y="1151281"/>
-                </a:cubicBezTo>
-                <a:cubicBezTo>
-                  <a:pt x="4916044" y="1340758"/>
-                  <a:pt x="4861272" y="1603055"/>
-                  <a:pt x="4896161" y="1726922"/>
-                </a:cubicBezTo>
-                <a:cubicBezTo>
-                  <a:pt x="4605762" y="1773998"/>
-                  <a:pt x="4453239" y="1723278"/>
-                  <a:pt x="4303182" y="1726922"/>
-                </a:cubicBezTo>
-                <a:cubicBezTo>
-                  <a:pt x="4153125" y="1730566"/>
-                  <a:pt x="3937890" y="1690102"/>
-                  <a:pt x="3808125" y="1726922"/>
-                </a:cubicBezTo>
-                <a:cubicBezTo>
-                  <a:pt x="3678360" y="1763742"/>
-                  <a:pt x="3340780" y="1692010"/>
-                  <a:pt x="3215146" y="1726922"/>
-                </a:cubicBezTo>
-                <a:cubicBezTo>
-                  <a:pt x="3089512" y="1761834"/>
-                  <a:pt x="2879803" y="1663722"/>
-                  <a:pt x="2573205" y="1726922"/>
-                </a:cubicBezTo>
-                <a:cubicBezTo>
-                  <a:pt x="2266607" y="1790122"/>
-                  <a:pt x="2113304" y="1670355"/>
-                  <a:pt x="1980225" y="1726922"/>
-                </a:cubicBezTo>
-                <a:cubicBezTo>
-                  <a:pt x="1847146" y="1783489"/>
-                  <a:pt x="1574756" y="1668361"/>
-                  <a:pt x="1436207" y="1726922"/>
-                </a:cubicBezTo>
-                <a:cubicBezTo>
-                  <a:pt x="1297658" y="1785483"/>
-                  <a:pt x="1236361" y="1719556"/>
-                  <a:pt x="1039074" y="1726922"/>
-                </a:cubicBezTo>
-                <a:cubicBezTo>
-                  <a:pt x="841787" y="1734288"/>
-                  <a:pt x="605598" y="1687877"/>
-                  <a:pt x="495056" y="1726922"/>
-                </a:cubicBezTo>
-                <a:cubicBezTo>
-                  <a:pt x="384514" y="1765967"/>
-                  <a:pt x="128955" y="1724920"/>
-                  <a:pt x="0" y="1726922"/>
-                </a:cubicBezTo>
-                <a:cubicBezTo>
-                  <a:pt x="-22757" y="1565636"/>
-                  <a:pt x="70634" y="1361122"/>
-                  <a:pt x="0" y="1116743"/>
-                </a:cubicBezTo>
-                <a:cubicBezTo>
-                  <a:pt x="-70634" y="872364"/>
-                  <a:pt x="8561" y="825277"/>
-                  <a:pt x="0" y="575641"/>
-                </a:cubicBezTo>
-                <a:cubicBezTo>
-                  <a:pt x="-8561" y="326005"/>
-                  <a:pt x="40225" y="177970"/>
+                  <a:pt x="278029" y="-50652"/>
+                  <a:pt x="471909" y="44301"/>
+                  <a:pt x="658474" y="0"/>
+                </a:cubicBezTo>
+                <a:cubicBezTo>
+                  <a:pt x="845039" y="-44301"/>
+                  <a:pt x="986066" y="18847"/>
+                  <a:pt x="1226125" y="0"/>
+                </a:cubicBezTo>
+                <a:cubicBezTo>
+                  <a:pt x="1466184" y="-18847"/>
+                  <a:pt x="1470075" y="40090"/>
+                  <a:pt x="1702951" y="0"/>
+                </a:cubicBezTo>
+                <a:cubicBezTo>
+                  <a:pt x="1935827" y="-40090"/>
+                  <a:pt x="2027943" y="55294"/>
+                  <a:pt x="2270602" y="0"/>
+                </a:cubicBezTo>
+                <a:cubicBezTo>
+                  <a:pt x="2513261" y="-55294"/>
+                  <a:pt x="2608800" y="49485"/>
+                  <a:pt x="2929076" y="0"/>
+                </a:cubicBezTo>
+                <a:cubicBezTo>
+                  <a:pt x="3249352" y="-49485"/>
+                  <a:pt x="3270752" y="2206"/>
+                  <a:pt x="3405902" y="0"/>
+                </a:cubicBezTo>
+                <a:cubicBezTo>
+                  <a:pt x="3541052" y="-2206"/>
+                  <a:pt x="3749668" y="18778"/>
+                  <a:pt x="3837317" y="0"/>
+                </a:cubicBezTo>
+                <a:cubicBezTo>
+                  <a:pt x="3924967" y="-18778"/>
+                  <a:pt x="4215705" y="80523"/>
+                  <a:pt x="4541203" y="0"/>
+                </a:cubicBezTo>
+                <a:cubicBezTo>
+                  <a:pt x="4575002" y="158429"/>
+                  <a:pt x="4517067" y="333384"/>
+                  <a:pt x="4541203" y="494397"/>
+                </a:cubicBezTo>
+                <a:cubicBezTo>
+                  <a:pt x="4565339" y="655410"/>
+                  <a:pt x="4479643" y="824977"/>
+                  <a:pt x="4541203" y="1008569"/>
+                </a:cubicBezTo>
+                <a:cubicBezTo>
+                  <a:pt x="4602763" y="1192161"/>
+                  <a:pt x="4528020" y="1297904"/>
+                  <a:pt x="4541203" y="1483190"/>
+                </a:cubicBezTo>
+                <a:cubicBezTo>
+                  <a:pt x="4554386" y="1668476"/>
+                  <a:pt x="4540133" y="1850098"/>
+                  <a:pt x="4541203" y="1977587"/>
+                </a:cubicBezTo>
+                <a:cubicBezTo>
+                  <a:pt x="4359007" y="2015450"/>
+                  <a:pt x="4106866" y="1966381"/>
+                  <a:pt x="3928141" y="1977587"/>
+                </a:cubicBezTo>
+                <a:cubicBezTo>
+                  <a:pt x="3749416" y="1988793"/>
+                  <a:pt x="3516090" y="1967794"/>
+                  <a:pt x="3405902" y="1977587"/>
+                </a:cubicBezTo>
+                <a:cubicBezTo>
+                  <a:pt x="3295714" y="1987380"/>
+                  <a:pt x="2922630" y="1966865"/>
+                  <a:pt x="2792840" y="1977587"/>
+                </a:cubicBezTo>
+                <a:cubicBezTo>
+                  <a:pt x="2663050" y="1988309"/>
+                  <a:pt x="2301660" y="1908135"/>
+                  <a:pt x="2134365" y="1977587"/>
+                </a:cubicBezTo>
+                <a:cubicBezTo>
+                  <a:pt x="1967071" y="2047039"/>
+                  <a:pt x="1646279" y="1936653"/>
+                  <a:pt x="1521303" y="1977587"/>
+                </a:cubicBezTo>
+                <a:cubicBezTo>
+                  <a:pt x="1396327" y="2018521"/>
+                  <a:pt x="1230432" y="1946788"/>
+                  <a:pt x="953653" y="1977587"/>
+                </a:cubicBezTo>
+                <a:cubicBezTo>
+                  <a:pt x="676874" y="2008386"/>
+                  <a:pt x="667422" y="1933562"/>
+                  <a:pt x="522238" y="1977587"/>
+                </a:cubicBezTo>
+                <a:cubicBezTo>
+                  <a:pt x="377055" y="2021612"/>
+                  <a:pt x="131533" y="1924339"/>
+                  <a:pt x="0" y="1977587"/>
+                </a:cubicBezTo>
+                <a:cubicBezTo>
+                  <a:pt x="-6725" y="1843115"/>
+                  <a:pt x="22406" y="1672184"/>
+                  <a:pt x="0" y="1443639"/>
+                </a:cubicBezTo>
+                <a:cubicBezTo>
+                  <a:pt x="-22406" y="1215094"/>
+                  <a:pt x="47246" y="1074384"/>
+                  <a:pt x="0" y="909690"/>
+                </a:cubicBezTo>
+                <a:cubicBezTo>
+                  <a:pt x="-47246" y="744996"/>
+                  <a:pt x="4403" y="614124"/>
+                  <a:pt x="0" y="454845"/>
+                </a:cubicBezTo>
+                <a:cubicBezTo>
+                  <a:pt x="-4403" y="295567"/>
+                  <a:pt x="7898" y="215322"/>
                   <a:pt x="0" y="0"/>
                 </a:cubicBezTo>
                 <a:close/>
@@ -9462,7 +8919,9 @@
             </a:pathLst>
           </a:custGeom>
           <a:solidFill>
-            <a:srgbClr val="33C6D5"/>
+            <a:schemeClr val="bg2">
+              <a:lumMod val="25000"/>
+            </a:schemeClr>
           </a:solidFill>
           <a:ln>
             <a:gradFill>
@@ -9633,42 +9092,60 @@
               <a:rPr lang="pt-BR" dirty="0">
                 <a:latin typeface="Ink Free" panose="03080402000500000000" pitchFamily="66" charset="0"/>
               </a:rPr>
-              <a:t>Eu, </a:t>
+              <a:t>Eu,</a:t>
+            </a:r>
+            <a:r>
+              <a:rPr lang="pt-BR" dirty="0">
+                <a:solidFill>
+                  <a:srgbClr val="EF441D"/>
+                </a:solidFill>
+                <a:latin typeface="Ink Free" panose="03080402000500000000" pitchFamily="66" charset="0"/>
+              </a:rPr>
+              <a:t> </a:t>
             </a:r>
             <a:r>
               <a:rPr lang="pt-BR" b="1" dirty="0">
                 <a:solidFill>
-                  <a:schemeClr val="tx1"/>
+                  <a:srgbClr val="EF441D"/>
                 </a:solidFill>
                 <a:latin typeface="Ink Free" panose="03080402000500000000" pitchFamily="66" charset="0"/>
               </a:rPr>
               <a:t>enquanto</a:t>
+            </a:r>
+            <a:r>
+              <a:rPr lang="pt-BR" dirty="0">
+                <a:solidFill>
+                  <a:srgbClr val="EF441D"/>
+                </a:solidFill>
+                <a:latin typeface="Ink Free" panose="03080402000500000000" pitchFamily="66" charset="0"/>
+              </a:rPr>
+              <a:t> </a:t>
             </a:r>
             <a:r>
               <a:rPr lang="pt-BR" dirty="0">
                 <a:latin typeface="Ink Free" panose="03080402000500000000" pitchFamily="66" charset="0"/>
               </a:rPr>
-              <a:t> professor, não gosto de mudar o meu planejamento da aula, mas muitas vezes é preciso, pois o computador não colabora comigo, e o técnico demora para resolver. </a:t>
+              <a:t>professor, não gosto de mudar o meu planejamento da aula, mas muitas vezes é preciso, pois o computador não colabora comigo, e o técnico demora para resolver. </a:t>
             </a:r>
             <a:r>
               <a:rPr lang="pt-BR" b="1" dirty="0">
                 <a:solidFill>
-                  <a:schemeClr val="tx1"/>
+                  <a:srgbClr val="F76029"/>
                 </a:solidFill>
                 <a:latin typeface="Ink Free" panose="03080402000500000000" pitchFamily="66" charset="0"/>
               </a:rPr>
-              <a:t>Necessito</a:t>
+              <a:t>Necessito </a:t>
             </a:r>
             <a:r>
               <a:rPr lang="pt-BR" dirty="0">
                 <a:latin typeface="Ink Free" panose="03080402000500000000" pitchFamily="66" charset="0"/>
               </a:rPr>
-              <a:t> de uma solução </a:t>
+              <a:t>de uma solução </a:t>
             </a:r>
             <a:r>
               <a:rPr lang="pt-BR" b="1" dirty="0">
                 <a:solidFill>
-                  <a:schemeClr val="tx1"/>
+                  <a:srgbClr val="F76029"/>
                 </a:solidFill>
                 <a:latin typeface="Ink Free" panose="03080402000500000000" pitchFamily="66" charset="0"/>
               </a:rPr>
@@ -9679,575 +9156,6 @@
                 <a:latin typeface="Ink Free" panose="03080402000500000000" pitchFamily="66" charset="0"/>
               </a:rPr>
               <a:t>isso não ocorra.</a:t>
-            </a:r>
-            <a:endParaRPr lang="en-US" dirty="0">
-              <a:latin typeface="Ink Free" panose="03080402000500000000" pitchFamily="66" charset="0"/>
-            </a:endParaRPr>
-          </a:p>
-          <a:p>
-            <a:pPr algn="just"/>
-            <a:endParaRPr lang="pt-BR" sz="1800" dirty="0">
-              <a:effectLst/>
-              <a:latin typeface="Calibri" panose="020F0502020204030204" pitchFamily="34" charset="0"/>
-              <a:ea typeface="Calibri" panose="020F0502020204030204" pitchFamily="34" charset="0"/>
-              <a:cs typeface="Times New Roman" panose="02020603050405020304" pitchFamily="18" charset="0"/>
-            </a:endParaRPr>
-          </a:p>
-        </p:txBody>
-      </p:sp>
-      <p:sp>
-        <p:nvSpPr>
-          <p:cNvPr id="9" name="Retângulo 14">
-            <a:extLst>
-              <a:ext uri="{FF2B5EF4-FFF2-40B4-BE49-F238E27FC236}">
-                <a16:creationId xmlns:a16="http://schemas.microsoft.com/office/drawing/2014/main" id="{8A38FFA3-FF04-42DA-AE85-A2D2173B2196}"/>
-              </a:ext>
-            </a:extLst>
-          </p:cNvPr>
-          <p:cNvSpPr/>
-          <p:nvPr/>
-        </p:nvSpPr>
-        <p:spPr>
-          <a:xfrm>
-            <a:off x="1989080" y="2008096"/>
-            <a:ext cx="3648816" cy="1751940"/>
-          </a:xfrm>
-          <a:custGeom>
-            <a:avLst/>
-            <a:gdLst>
-              <a:gd name="connsiteX0" fmla="*/ 0 w 3648816"/>
-              <a:gd name="connsiteY0" fmla="*/ 0 h 1751940"/>
-              <a:gd name="connsiteX1" fmla="*/ 448283 w 3648816"/>
-              <a:gd name="connsiteY1" fmla="*/ 0 h 1751940"/>
-              <a:gd name="connsiteX2" fmla="*/ 933054 w 3648816"/>
-              <a:gd name="connsiteY2" fmla="*/ 0 h 1751940"/>
-              <a:gd name="connsiteX3" fmla="*/ 1454314 w 3648816"/>
-              <a:gd name="connsiteY3" fmla="*/ 0 h 1751940"/>
-              <a:gd name="connsiteX4" fmla="*/ 1866109 w 3648816"/>
-              <a:gd name="connsiteY4" fmla="*/ 0 h 1751940"/>
-              <a:gd name="connsiteX5" fmla="*/ 2460345 w 3648816"/>
-              <a:gd name="connsiteY5" fmla="*/ 0 h 1751940"/>
-              <a:gd name="connsiteX6" fmla="*/ 2945116 w 3648816"/>
-              <a:gd name="connsiteY6" fmla="*/ 0 h 1751940"/>
-              <a:gd name="connsiteX7" fmla="*/ 3648816 w 3648816"/>
-              <a:gd name="connsiteY7" fmla="*/ 0 h 1751940"/>
-              <a:gd name="connsiteX8" fmla="*/ 3648816 w 3648816"/>
-              <a:gd name="connsiteY8" fmla="*/ 531422 h 1751940"/>
-              <a:gd name="connsiteX9" fmla="*/ 3648816 w 3648816"/>
-              <a:gd name="connsiteY9" fmla="*/ 1097882 h 1751940"/>
-              <a:gd name="connsiteX10" fmla="*/ 3648816 w 3648816"/>
-              <a:gd name="connsiteY10" fmla="*/ 1751940 h 1751940"/>
-              <a:gd name="connsiteX11" fmla="*/ 3054580 w 3648816"/>
-              <a:gd name="connsiteY11" fmla="*/ 1751940 h 1751940"/>
-              <a:gd name="connsiteX12" fmla="*/ 2496833 w 3648816"/>
-              <a:gd name="connsiteY12" fmla="*/ 1751940 h 1751940"/>
-              <a:gd name="connsiteX13" fmla="*/ 2085038 w 3648816"/>
-              <a:gd name="connsiteY13" fmla="*/ 1751940 h 1751940"/>
-              <a:gd name="connsiteX14" fmla="*/ 1563778 w 3648816"/>
-              <a:gd name="connsiteY14" fmla="*/ 1751940 h 1751940"/>
-              <a:gd name="connsiteX15" fmla="*/ 969543 w 3648816"/>
-              <a:gd name="connsiteY15" fmla="*/ 1751940 h 1751940"/>
-              <a:gd name="connsiteX16" fmla="*/ 0 w 3648816"/>
-              <a:gd name="connsiteY16" fmla="*/ 1751940 h 1751940"/>
-              <a:gd name="connsiteX17" fmla="*/ 0 w 3648816"/>
-              <a:gd name="connsiteY17" fmla="*/ 1220518 h 1751940"/>
-              <a:gd name="connsiteX18" fmla="*/ 0 w 3648816"/>
-              <a:gd name="connsiteY18" fmla="*/ 619019 h 1751940"/>
-              <a:gd name="connsiteX19" fmla="*/ 0 w 3648816"/>
-              <a:gd name="connsiteY19" fmla="*/ 0 h 1751940"/>
-            </a:gdLst>
-            <a:ahLst/>
-            <a:cxnLst>
-              <a:cxn ang="0">
-                <a:pos x="connsiteX0" y="connsiteY0"/>
-              </a:cxn>
-              <a:cxn ang="0">
-                <a:pos x="connsiteX1" y="connsiteY1"/>
-              </a:cxn>
-              <a:cxn ang="0">
-                <a:pos x="connsiteX2" y="connsiteY2"/>
-              </a:cxn>
-              <a:cxn ang="0">
-                <a:pos x="connsiteX3" y="connsiteY3"/>
-              </a:cxn>
-              <a:cxn ang="0">
-                <a:pos x="connsiteX4" y="connsiteY4"/>
-              </a:cxn>
-              <a:cxn ang="0">
-                <a:pos x="connsiteX5" y="connsiteY5"/>
-              </a:cxn>
-              <a:cxn ang="0">
-                <a:pos x="connsiteX6" y="connsiteY6"/>
-              </a:cxn>
-              <a:cxn ang="0">
-                <a:pos x="connsiteX7" y="connsiteY7"/>
-              </a:cxn>
-              <a:cxn ang="0">
-                <a:pos x="connsiteX8" y="connsiteY8"/>
-              </a:cxn>
-              <a:cxn ang="0">
-                <a:pos x="connsiteX9" y="connsiteY9"/>
-              </a:cxn>
-              <a:cxn ang="0">
-                <a:pos x="connsiteX10" y="connsiteY10"/>
-              </a:cxn>
-              <a:cxn ang="0">
-                <a:pos x="connsiteX11" y="connsiteY11"/>
-              </a:cxn>
-              <a:cxn ang="0">
-                <a:pos x="connsiteX12" y="connsiteY12"/>
-              </a:cxn>
-              <a:cxn ang="0">
-                <a:pos x="connsiteX13" y="connsiteY13"/>
-              </a:cxn>
-              <a:cxn ang="0">
-                <a:pos x="connsiteX14" y="connsiteY14"/>
-              </a:cxn>
-              <a:cxn ang="0">
-                <a:pos x="connsiteX15" y="connsiteY15"/>
-              </a:cxn>
-              <a:cxn ang="0">
-                <a:pos x="connsiteX16" y="connsiteY16"/>
-              </a:cxn>
-              <a:cxn ang="0">
-                <a:pos x="connsiteX17" y="connsiteY17"/>
-              </a:cxn>
-              <a:cxn ang="0">
-                <a:pos x="connsiteX18" y="connsiteY18"/>
-              </a:cxn>
-              <a:cxn ang="0">
-                <a:pos x="connsiteX19" y="connsiteY19"/>
-              </a:cxn>
-            </a:cxnLst>
-            <a:rect l="l" t="t" r="r" b="b"/>
-            <a:pathLst>
-              <a:path w="3648816" h="1751940" fill="none" extrusionOk="0">
-                <a:moveTo>
-                  <a:pt x="0" y="0"/>
-                </a:moveTo>
-                <a:cubicBezTo>
-                  <a:pt x="143772" y="-8488"/>
-                  <a:pt x="315425" y="30248"/>
-                  <a:pt x="448283" y="0"/>
-                </a:cubicBezTo>
-                <a:cubicBezTo>
-                  <a:pt x="581141" y="-30248"/>
-                  <a:pt x="728565" y="57360"/>
-                  <a:pt x="933054" y="0"/>
-                </a:cubicBezTo>
-                <a:cubicBezTo>
-                  <a:pt x="1137543" y="-57360"/>
-                  <a:pt x="1266203" y="29000"/>
-                  <a:pt x="1454314" y="0"/>
-                </a:cubicBezTo>
-                <a:cubicBezTo>
-                  <a:pt x="1642425" y="-29000"/>
-                  <a:pt x="1748015" y="18907"/>
-                  <a:pt x="1866109" y="0"/>
-                </a:cubicBezTo>
-                <a:cubicBezTo>
-                  <a:pt x="1984204" y="-18907"/>
-                  <a:pt x="2256500" y="7548"/>
-                  <a:pt x="2460345" y="0"/>
-                </a:cubicBezTo>
-                <a:cubicBezTo>
-                  <a:pt x="2664190" y="-7548"/>
-                  <a:pt x="2743351" y="7997"/>
-                  <a:pt x="2945116" y="0"/>
-                </a:cubicBezTo>
-                <a:cubicBezTo>
-                  <a:pt x="3146881" y="-7997"/>
-                  <a:pt x="3382175" y="27242"/>
-                  <a:pt x="3648816" y="0"/>
-                </a:cubicBezTo>
-                <a:cubicBezTo>
-                  <a:pt x="3711627" y="139854"/>
-                  <a:pt x="3646486" y="409993"/>
-                  <a:pt x="3648816" y="531422"/>
-                </a:cubicBezTo>
-                <a:cubicBezTo>
-                  <a:pt x="3651146" y="652851"/>
-                  <a:pt x="3584889" y="944821"/>
-                  <a:pt x="3648816" y="1097882"/>
-                </a:cubicBezTo>
-                <a:cubicBezTo>
-                  <a:pt x="3712743" y="1250943"/>
-                  <a:pt x="3647555" y="1478840"/>
-                  <a:pt x="3648816" y="1751940"/>
-                </a:cubicBezTo>
-                <a:cubicBezTo>
-                  <a:pt x="3490333" y="1785628"/>
-                  <a:pt x="3332917" y="1744369"/>
-                  <a:pt x="3054580" y="1751940"/>
-                </a:cubicBezTo>
-                <a:cubicBezTo>
-                  <a:pt x="2776243" y="1759511"/>
-                  <a:pt x="2712780" y="1690132"/>
-                  <a:pt x="2496833" y="1751940"/>
-                </a:cubicBezTo>
-                <a:cubicBezTo>
-                  <a:pt x="2280886" y="1813748"/>
-                  <a:pt x="2248722" y="1731780"/>
-                  <a:pt x="2085038" y="1751940"/>
-                </a:cubicBezTo>
-                <a:cubicBezTo>
-                  <a:pt x="1921354" y="1772100"/>
-                  <a:pt x="1813510" y="1700396"/>
-                  <a:pt x="1563778" y="1751940"/>
-                </a:cubicBezTo>
-                <a:cubicBezTo>
-                  <a:pt x="1314046" y="1803484"/>
-                  <a:pt x="1143107" y="1685168"/>
-                  <a:pt x="969543" y="1751940"/>
-                </a:cubicBezTo>
-                <a:cubicBezTo>
-                  <a:pt x="795980" y="1818712"/>
-                  <a:pt x="317920" y="1678048"/>
-                  <a:pt x="0" y="1751940"/>
-                </a:cubicBezTo>
-                <a:cubicBezTo>
-                  <a:pt x="-8119" y="1621726"/>
-                  <a:pt x="27513" y="1430346"/>
-                  <a:pt x="0" y="1220518"/>
-                </a:cubicBezTo>
-                <a:cubicBezTo>
-                  <a:pt x="-27513" y="1010690"/>
-                  <a:pt x="60612" y="872829"/>
-                  <a:pt x="0" y="619019"/>
-                </a:cubicBezTo>
-                <a:cubicBezTo>
-                  <a:pt x="-60612" y="365209"/>
-                  <a:pt x="4327" y="198241"/>
-                  <a:pt x="0" y="0"/>
-                </a:cubicBezTo>
-                <a:close/>
-              </a:path>
-              <a:path w="3648816" h="1751940" stroke="0" extrusionOk="0">
-                <a:moveTo>
-                  <a:pt x="0" y="0"/>
-                </a:moveTo>
-                <a:cubicBezTo>
-                  <a:pt x="181547" y="-54844"/>
-                  <a:pt x="415116" y="12766"/>
-                  <a:pt x="594236" y="0"/>
-                </a:cubicBezTo>
-                <a:cubicBezTo>
-                  <a:pt x="773356" y="-12766"/>
-                  <a:pt x="1006357" y="60687"/>
-                  <a:pt x="1115495" y="0"/>
-                </a:cubicBezTo>
-                <a:cubicBezTo>
-                  <a:pt x="1224633" y="-60687"/>
-                  <a:pt x="1458422" y="8117"/>
-                  <a:pt x="1563778" y="0"/>
-                </a:cubicBezTo>
-                <a:cubicBezTo>
-                  <a:pt x="1669134" y="-8117"/>
-                  <a:pt x="1963731" y="9688"/>
-                  <a:pt x="2085038" y="0"/>
-                </a:cubicBezTo>
-                <a:cubicBezTo>
-                  <a:pt x="2206345" y="-9688"/>
-                  <a:pt x="2493070" y="25752"/>
-                  <a:pt x="2679273" y="0"/>
-                </a:cubicBezTo>
-                <a:cubicBezTo>
-                  <a:pt x="2865476" y="-25752"/>
-                  <a:pt x="2907143" y="51053"/>
-                  <a:pt x="3127557" y="0"/>
-                </a:cubicBezTo>
-                <a:cubicBezTo>
-                  <a:pt x="3347971" y="-51053"/>
-                  <a:pt x="3436463" y="41452"/>
-                  <a:pt x="3648816" y="0"/>
-                </a:cubicBezTo>
-                <a:cubicBezTo>
-                  <a:pt x="3675724" y="252219"/>
-                  <a:pt x="3646717" y="430265"/>
-                  <a:pt x="3648816" y="583980"/>
-                </a:cubicBezTo>
-                <a:cubicBezTo>
-                  <a:pt x="3650915" y="737695"/>
-                  <a:pt x="3631505" y="965396"/>
-                  <a:pt x="3648816" y="1150441"/>
-                </a:cubicBezTo>
-                <a:cubicBezTo>
-                  <a:pt x="3666127" y="1335486"/>
-                  <a:pt x="3637955" y="1483106"/>
-                  <a:pt x="3648816" y="1751940"/>
-                </a:cubicBezTo>
-                <a:cubicBezTo>
-                  <a:pt x="3435520" y="1783059"/>
-                  <a:pt x="3383636" y="1707373"/>
-                  <a:pt x="3164045" y="1751940"/>
-                </a:cubicBezTo>
-                <a:cubicBezTo>
-                  <a:pt x="2944454" y="1796507"/>
-                  <a:pt x="2742969" y="1697951"/>
-                  <a:pt x="2606297" y="1751940"/>
-                </a:cubicBezTo>
-                <a:cubicBezTo>
-                  <a:pt x="2469625" y="1805929"/>
-                  <a:pt x="2336482" y="1748075"/>
-                  <a:pt x="2158014" y="1751940"/>
-                </a:cubicBezTo>
-                <a:cubicBezTo>
-                  <a:pt x="1979546" y="1755805"/>
-                  <a:pt x="1820209" y="1730183"/>
-                  <a:pt x="1673243" y="1751940"/>
-                </a:cubicBezTo>
-                <a:cubicBezTo>
-                  <a:pt x="1526277" y="1773697"/>
-                  <a:pt x="1297268" y="1727584"/>
-                  <a:pt x="1115495" y="1751940"/>
-                </a:cubicBezTo>
-                <a:cubicBezTo>
-                  <a:pt x="933722" y="1776296"/>
-                  <a:pt x="783452" y="1716658"/>
-                  <a:pt x="521259" y="1751940"/>
-                </a:cubicBezTo>
-                <a:cubicBezTo>
-                  <a:pt x="259066" y="1787222"/>
-                  <a:pt x="128537" y="1699528"/>
-                  <a:pt x="0" y="1751940"/>
-                </a:cubicBezTo>
-                <a:cubicBezTo>
-                  <a:pt x="-65658" y="1567430"/>
-                  <a:pt x="40838" y="1422325"/>
-                  <a:pt x="0" y="1167960"/>
-                </a:cubicBezTo>
-                <a:cubicBezTo>
-                  <a:pt x="-40838" y="913595"/>
-                  <a:pt x="10644" y="849670"/>
-                  <a:pt x="0" y="619019"/>
-                </a:cubicBezTo>
-                <a:cubicBezTo>
-                  <a:pt x="-10644" y="388368"/>
-                  <a:pt x="26820" y="264488"/>
-                  <a:pt x="0" y="0"/>
-                </a:cubicBezTo>
-                <a:close/>
-              </a:path>
-            </a:pathLst>
-          </a:custGeom>
-          <a:solidFill>
-            <a:srgbClr val="509DB8"/>
-          </a:solidFill>
-          <a:ln>
-            <a:gradFill>
-              <a:gsLst>
-                <a:gs pos="0">
-                  <a:schemeClr val="accent1">
-                    <a:lumMod val="5000"/>
-                    <a:lumOff val="95000"/>
-                  </a:schemeClr>
-                </a:gs>
-                <a:gs pos="74000">
-                  <a:schemeClr val="accent1">
-                    <a:lumMod val="45000"/>
-                    <a:lumOff val="55000"/>
-                  </a:schemeClr>
-                </a:gs>
-                <a:gs pos="83000">
-                  <a:schemeClr val="accent1">
-                    <a:lumMod val="45000"/>
-                    <a:lumOff val="55000"/>
-                  </a:schemeClr>
-                </a:gs>
-                <a:gs pos="100000">
-                  <a:schemeClr val="accent1">
-                    <a:lumMod val="30000"/>
-                    <a:lumOff val="70000"/>
-                  </a:schemeClr>
-                </a:gs>
-              </a:gsLst>
-              <a:lin ang="5400000" scaled="1"/>
-            </a:gradFill>
-            <a:extLst>
-              <a:ext uri="{C807C97D-BFC1-408E-A445-0C87EB9F89A2}">
-                <ask:lineSketchStyleProps xmlns:ask="http://schemas.microsoft.com/office/drawing/2018/sketchyshapes" sd="981765707">
-                  <a:prstGeom prst="rect">
-                    <a:avLst/>
-                  </a:prstGeom>
-                  <ask:type>
-                    <ask:lineSketchScribble/>
-                  </ask:type>
-                </ask:lineSketchStyleProps>
-              </a:ext>
-            </a:extLst>
-          </a:ln>
-          <a:effectLst>
-            <a:outerShdw blurRad="63500" sx="102000" sy="102000" algn="ctr" rotWithShape="0">
-              <a:prstClr val="black">
-                <a:alpha val="40000"/>
-              </a:prstClr>
-            </a:outerShdw>
-          </a:effectLst>
-        </p:spPr>
-        <p:style>
-          <a:lnRef idx="2">
-            <a:schemeClr val="accent1">
-              <a:shade val="50000"/>
-            </a:schemeClr>
-          </a:lnRef>
-          <a:fillRef idx="1">
-            <a:schemeClr val="accent1"/>
-          </a:fillRef>
-          <a:effectRef idx="0">
-            <a:schemeClr val="accent1"/>
-          </a:effectRef>
-          <a:fontRef idx="minor">
-            <a:schemeClr val="lt1"/>
-          </a:fontRef>
-        </p:style>
-        <p:txBody>
-          <a:bodyPr lIns="91440" tIns="45720" rIns="91440" bIns="45720" rtlCol="0" anchor="ctr"/>
-          <a:lstStyle>
-            <a:defPPr>
-              <a:defRPr lang="pt-BR"/>
-            </a:defPPr>
-            <a:lvl1pPr marL="0" algn="l" defTabSz="914400" rtl="0" eaLnBrk="1" latinLnBrk="0" hangingPunct="1">
-              <a:defRPr sz="1800" kern="1200">
-                <a:solidFill>
-                  <a:schemeClr val="lt1"/>
-                </a:solidFill>
-                <a:latin typeface="+mn-lt"/>
-                <a:ea typeface="+mn-ea"/>
-                <a:cs typeface="+mn-cs"/>
-              </a:defRPr>
-            </a:lvl1pPr>
-            <a:lvl2pPr marL="457200" algn="l" defTabSz="914400" rtl="0" eaLnBrk="1" latinLnBrk="0" hangingPunct="1">
-              <a:defRPr sz="1800" kern="1200">
-                <a:solidFill>
-                  <a:schemeClr val="lt1"/>
-                </a:solidFill>
-                <a:latin typeface="+mn-lt"/>
-                <a:ea typeface="+mn-ea"/>
-                <a:cs typeface="+mn-cs"/>
-              </a:defRPr>
-            </a:lvl2pPr>
-            <a:lvl3pPr marL="914400" algn="l" defTabSz="914400" rtl="0" eaLnBrk="1" latinLnBrk="0" hangingPunct="1">
-              <a:defRPr sz="1800" kern="1200">
-                <a:solidFill>
-                  <a:schemeClr val="lt1"/>
-                </a:solidFill>
-                <a:latin typeface="+mn-lt"/>
-                <a:ea typeface="+mn-ea"/>
-                <a:cs typeface="+mn-cs"/>
-              </a:defRPr>
-            </a:lvl3pPr>
-            <a:lvl4pPr marL="1371600" algn="l" defTabSz="914400" rtl="0" eaLnBrk="1" latinLnBrk="0" hangingPunct="1">
-              <a:defRPr sz="1800" kern="1200">
-                <a:solidFill>
-                  <a:schemeClr val="lt1"/>
-                </a:solidFill>
-                <a:latin typeface="+mn-lt"/>
-                <a:ea typeface="+mn-ea"/>
-                <a:cs typeface="+mn-cs"/>
-              </a:defRPr>
-            </a:lvl4pPr>
-            <a:lvl5pPr marL="1828800" algn="l" defTabSz="914400" rtl="0" eaLnBrk="1" latinLnBrk="0" hangingPunct="1">
-              <a:defRPr sz="1800" kern="1200">
-                <a:solidFill>
-                  <a:schemeClr val="lt1"/>
-                </a:solidFill>
-                <a:latin typeface="+mn-lt"/>
-                <a:ea typeface="+mn-ea"/>
-                <a:cs typeface="+mn-cs"/>
-              </a:defRPr>
-            </a:lvl5pPr>
-            <a:lvl6pPr marL="2286000" algn="l" defTabSz="914400" rtl="0" eaLnBrk="1" latinLnBrk="0" hangingPunct="1">
-              <a:defRPr sz="1800" kern="1200">
-                <a:solidFill>
-                  <a:schemeClr val="lt1"/>
-                </a:solidFill>
-                <a:latin typeface="+mn-lt"/>
-                <a:ea typeface="+mn-ea"/>
-                <a:cs typeface="+mn-cs"/>
-              </a:defRPr>
-            </a:lvl6pPr>
-            <a:lvl7pPr marL="2743200" algn="l" defTabSz="914400" rtl="0" eaLnBrk="1" latinLnBrk="0" hangingPunct="1">
-              <a:defRPr sz="1800" kern="1200">
-                <a:solidFill>
-                  <a:schemeClr val="lt1"/>
-                </a:solidFill>
-                <a:latin typeface="+mn-lt"/>
-                <a:ea typeface="+mn-ea"/>
-                <a:cs typeface="+mn-cs"/>
-              </a:defRPr>
-            </a:lvl7pPr>
-            <a:lvl8pPr marL="3200400" algn="l" defTabSz="914400" rtl="0" eaLnBrk="1" latinLnBrk="0" hangingPunct="1">
-              <a:defRPr sz="1800" kern="1200">
-                <a:solidFill>
-                  <a:schemeClr val="lt1"/>
-                </a:solidFill>
-                <a:latin typeface="+mn-lt"/>
-                <a:ea typeface="+mn-ea"/>
-                <a:cs typeface="+mn-cs"/>
-              </a:defRPr>
-            </a:lvl8pPr>
-            <a:lvl9pPr marL="3657600" algn="l" defTabSz="914400" rtl="0" eaLnBrk="1" latinLnBrk="0" hangingPunct="1">
-              <a:defRPr sz="1800" kern="1200">
-                <a:solidFill>
-                  <a:schemeClr val="lt1"/>
-                </a:solidFill>
-                <a:latin typeface="+mn-lt"/>
-                <a:ea typeface="+mn-ea"/>
-                <a:cs typeface="+mn-cs"/>
-              </a:defRPr>
-            </a:lvl9pPr>
-          </a:lstStyle>
-          <a:p>
-            <a:r>
-              <a:rPr lang="pt-BR" dirty="0">
-                <a:latin typeface="Ink Free" panose="03080402000500000000" pitchFamily="66" charset="0"/>
-              </a:rPr>
-              <a:t>Eu, </a:t>
-            </a:r>
-            <a:r>
-              <a:rPr lang="pt-BR" b="1" dirty="0">
-                <a:solidFill>
-                  <a:schemeClr val="tx1"/>
-                </a:solidFill>
-                <a:latin typeface="Ink Free" panose="03080402000500000000" pitchFamily="66" charset="0"/>
-              </a:rPr>
-              <a:t>enquanto</a:t>
-            </a:r>
-            <a:r>
-              <a:rPr lang="pt-BR" dirty="0">
-                <a:latin typeface="Ink Free" panose="03080402000500000000" pitchFamily="66" charset="0"/>
-              </a:rPr>
-              <a:t> professor, </a:t>
-            </a:r>
-            <a:r>
-              <a:rPr lang="pt-BR" b="1" dirty="0">
-                <a:solidFill>
-                  <a:schemeClr val="tx1"/>
-                </a:solidFill>
-                <a:latin typeface="Ink Free" panose="03080402000500000000" pitchFamily="66" charset="0"/>
-              </a:rPr>
-              <a:t>quero</a:t>
-            </a:r>
-            <a:r>
-              <a:rPr lang="pt-BR" dirty="0">
-                <a:latin typeface="Ink Free" panose="03080402000500000000" pitchFamily="66" charset="0"/>
-              </a:rPr>
-              <a:t> um meio de resolver o problema com o computador, o mais rápido possível. </a:t>
-            </a:r>
-            <a:r>
-              <a:rPr lang="pt-BR" b="1" dirty="0">
-                <a:solidFill>
-                  <a:schemeClr val="tx1"/>
-                </a:solidFill>
-                <a:latin typeface="Ink Free" panose="03080402000500000000" pitchFamily="66" charset="0"/>
-              </a:rPr>
-              <a:t>Para que</a:t>
-            </a:r>
-            <a:r>
-              <a:rPr lang="pt-BR" dirty="0">
-                <a:latin typeface="Ink Free" panose="03080402000500000000" pitchFamily="66" charset="0"/>
-              </a:rPr>
-              <a:t> não perca boa parte da minha aula, esperando o técnico.</a:t>
             </a:r>
             <a:endParaRPr lang="en-US" dirty="0">
               <a:latin typeface="Ink Free" panose="03080402000500000000" pitchFamily="66" charset="0"/>
@@ -10947,7 +9855,7 @@
                 <a:latin typeface="Ink Free"/>
                 <a:cs typeface="Times New Roman"/>
               </a:rPr>
-              <a:t>uma maneira de saber antecipadamente quando algum computador estiver sobrecarregado e em estado de alerta </a:t>
+              <a:t>uma maneira de diagnosticar o problema do computador de forma precisa </a:t>
             </a:r>
             <a:r>
               <a:rPr lang="pt-BR" b="1" dirty="0">
@@ -10966,7 +9874,7 @@
                 <a:latin typeface="Ink Free"/>
                 <a:cs typeface="Times New Roman"/>
               </a:rPr>
-              <a:t> quero solucioná-los previamente, e assim evitar problemas no período </a:t>
+              <a:t> quero solucioná-los rapidamente e assim evitar maiores problemas no período </a:t>
             </a:r>
             <a:r>
               <a:rPr lang="pt-BR" sz="1800" dirty="0">
@@ -11667,23 +10575,16 @@
                 <a:latin typeface="Ink Free"/>
                 <a:cs typeface="Times New Roman"/>
               </a:rPr>
-              <a:t>porque</a:t>
-            </a:r>
-            <a:r>
-              <a:rPr lang="pt-BR" b="1" dirty="0">
-                <a:latin typeface="Ink Free"/>
-                <a:cs typeface="Times New Roman"/>
-              </a:rPr>
-              <a:t> </a:t>
+              <a:t>para</a:t>
             </a:r>
             <a:r>
               <a:rPr lang="pt-BR" dirty="0">
                 <a:latin typeface="Ink Free"/>
                 <a:cs typeface="Times New Roman"/>
               </a:rPr>
-              <a:t>quero separar problemas que podem ser resolvidos remotamente e os que necessitam de suporte presencial. </a:t>
-            </a:r>
-            <a:endParaRPr lang="en-US"/>
+              <a:t> separar problemas que podem ser resolvidos à distância e os que necessitam de suporte presencial. </a:t>
+            </a:r>
+            <a:endParaRPr lang="en-US" dirty="0"/>
           </a:p>
         </p:txBody>
       </p:sp>
@@ -13941,7 +12842,7 @@
               </a:spcAft>
             </a:pPr>
             <a:r>
-              <a:rPr lang="pt-BR" dirty="0">
+              <a:rPr lang="pt-BR" b="1" dirty="0">
                 <a:solidFill>
                   <a:schemeClr val="accent4">
                     <a:lumMod val="50000"/>
@@ -14665,35 +13566,7 @@
                 <a:ea typeface="Calibri" panose="020F0502020204030204" pitchFamily="34" charset="0"/>
                 <a:cs typeface="Times New Roman" panose="02020603050405020304" pitchFamily="18" charset="0"/>
               </a:rPr>
-              <a:t>Técnico de </a:t>
-            </a:r>
-            <a:r>
-              <a:rPr lang="pt-BR" sz="1600" dirty="0" err="1">
-                <a:solidFill>
-                  <a:schemeClr val="accent2">
-                    <a:lumMod val="50000"/>
-                  </a:schemeClr>
-                </a:solidFill>
-                <a:effectLst/>
-                <a:latin typeface="Calibri" panose="020F0502020204030204" pitchFamily="34" charset="0"/>
-                <a:ea typeface="Calibri" panose="020F0502020204030204" pitchFamily="34" charset="0"/>
-                <a:cs typeface="Times New Roman" panose="02020603050405020304" pitchFamily="18" charset="0"/>
-              </a:rPr>
-              <a:t>T.Ida</a:t>
-            </a:r>
-            <a:r>
-              <a:rPr lang="pt-BR" sz="1600" dirty="0">
-                <a:solidFill>
-                  <a:schemeClr val="accent2">
-                    <a:lumMod val="50000"/>
-                  </a:schemeClr>
-                </a:solidFill>
-                <a:effectLst/>
-                <a:latin typeface="Calibri" panose="020F0502020204030204" pitchFamily="34" charset="0"/>
-                <a:ea typeface="Calibri" panose="020F0502020204030204" pitchFamily="34" charset="0"/>
-                <a:cs typeface="Times New Roman" panose="02020603050405020304" pitchFamily="18" charset="0"/>
-              </a:rPr>
-              <a:t> escola</a:t>
+              <a:t>Técnico de T.I da escola</a:t>
             </a:r>
           </a:p>
           <a:p>
@@ -14932,7 +13805,7 @@
               </a:spcAft>
             </a:pPr>
             <a:r>
-              <a:rPr lang="pt-BR" dirty="0">
+              <a:rPr lang="pt-BR" b="1" dirty="0">
                 <a:solidFill>
                   <a:schemeClr val="accent4">
                     <a:lumMod val="50000"/>
@@ -15336,167 +14209,6 @@
               <a:latin typeface="Calibri" panose="020F0502020204030204"/>
               <a:ea typeface="+mn-ea"/>
               <a:cs typeface="+mn-cs"/>
-            </a:endParaRPr>
-          </a:p>
-        </p:txBody>
-      </p:sp>
-      <p:sp>
-        <p:nvSpPr>
-          <p:cNvPr id="33" name="Retângulo 5">
-            <a:extLst>
-              <a:ext uri="{FF2B5EF4-FFF2-40B4-BE49-F238E27FC236}">
-                <a16:creationId xmlns:a16="http://schemas.microsoft.com/office/drawing/2014/main" id="{6633FC2A-10EB-49B2-B597-2C46941418A2}"/>
-              </a:ext>
-            </a:extLst>
-          </p:cNvPr>
-          <p:cNvSpPr/>
-          <p:nvPr/>
-        </p:nvSpPr>
-        <p:spPr>
-          <a:xfrm>
-            <a:off x="468591" y="2533676"/>
-            <a:ext cx="1923658" cy="340242"/>
-          </a:xfrm>
-          <a:prstGeom prst="rect">
-            <a:avLst/>
-          </a:prstGeom>
-          <a:solidFill>
-            <a:srgbClr val="70AD47">
-              <a:alpha val="50000"/>
-            </a:srgbClr>
-          </a:solidFill>
-          <a:ln>
-            <a:noFill/>
-          </a:ln>
-          <a:effectLst/>
-        </p:spPr>
-        <p:style>
-          <a:lnRef idx="0">
-            <a:scrgbClr r="0" g="0" b="0"/>
-          </a:lnRef>
-          <a:fillRef idx="0">
-            <a:scrgbClr r="0" g="0" b="0"/>
-          </a:fillRef>
-          <a:effectRef idx="0">
-            <a:scrgbClr r="0" g="0" b="0"/>
-          </a:effectRef>
-          <a:fontRef idx="major"/>
-        </p:style>
-        <p:txBody>
-          <a:bodyPr rtlCol="0" anchor="ctr"/>
-          <a:lstStyle>
-            <a:defPPr>
-              <a:defRPr lang="pt-BR"/>
-            </a:defPPr>
-            <a:lvl1pPr marL="0" algn="l" defTabSz="914400" rtl="0" eaLnBrk="1" latinLnBrk="0" hangingPunct="1">
-              <a:defRPr sz="1800" kern="1200">
-                <a:solidFill>
-                  <a:schemeClr val="tx1"/>
-                </a:solidFill>
-                <a:latin typeface="+mj-lt"/>
-                <a:ea typeface="+mj-ea"/>
-                <a:cs typeface="+mj-cs"/>
-              </a:defRPr>
-            </a:lvl1pPr>
-            <a:lvl2pPr marL="457200" algn="l" defTabSz="914400" rtl="0" eaLnBrk="1" latinLnBrk="0" hangingPunct="1">
-              <a:defRPr sz="1800" kern="1200">
-                <a:solidFill>
-                  <a:schemeClr val="tx1"/>
-                </a:solidFill>
-                <a:latin typeface="+mj-lt"/>
-                <a:ea typeface="+mj-ea"/>
-                <a:cs typeface="+mj-cs"/>
-              </a:defRPr>
-            </a:lvl2pPr>
-            <a:lvl3pPr marL="914400" algn="l" defTabSz="914400" rtl="0" eaLnBrk="1" latinLnBrk="0" hangingPunct="1">
-              <a:defRPr sz="1800" kern="1200">
-                <a:solidFill>
-                  <a:schemeClr val="tx1"/>
-                </a:solidFill>
-                <a:latin typeface="+mj-lt"/>
-                <a:ea typeface="+mj-ea"/>
-                <a:cs typeface="+mj-cs"/>
-              </a:defRPr>
-            </a:lvl3pPr>
-            <a:lvl4pPr marL="1371600" algn="l" defTabSz="914400" rtl="0" eaLnBrk="1" latinLnBrk="0" hangingPunct="1">
-              <a:defRPr sz="1800" kern="1200">
-                <a:solidFill>
-                  <a:schemeClr val="tx1"/>
-                </a:solidFill>
-                <a:latin typeface="+mj-lt"/>
-                <a:ea typeface="+mj-ea"/>
-                <a:cs typeface="+mj-cs"/>
-              </a:defRPr>
-            </a:lvl4pPr>
-            <a:lvl5pPr marL="1828800" algn="l" defTabSz="914400" rtl="0" eaLnBrk="1" latinLnBrk="0" hangingPunct="1">
-              <a:defRPr sz="1800" kern="1200">
-                <a:solidFill>
-                  <a:schemeClr val="tx1"/>
-                </a:solidFill>
-                <a:latin typeface="+mj-lt"/>
-                <a:ea typeface="+mj-ea"/>
-                <a:cs typeface="+mj-cs"/>
-              </a:defRPr>
-            </a:lvl5pPr>
-            <a:lvl6pPr marL="2286000" algn="l" defTabSz="914400" rtl="0" eaLnBrk="1" latinLnBrk="0" hangingPunct="1">
-              <a:defRPr sz="1800" kern="1200">
-                <a:solidFill>
-                  <a:schemeClr val="tx1"/>
-                </a:solidFill>
-                <a:latin typeface="+mj-lt"/>
-                <a:ea typeface="+mj-ea"/>
-                <a:cs typeface="+mj-cs"/>
-              </a:defRPr>
-            </a:lvl6pPr>
-            <a:lvl7pPr marL="2743200" algn="l" defTabSz="914400" rtl="0" eaLnBrk="1" latinLnBrk="0" hangingPunct="1">
-              <a:defRPr sz="1800" kern="1200">
-                <a:solidFill>
-                  <a:schemeClr val="tx1"/>
-                </a:solidFill>
-                <a:latin typeface="+mj-lt"/>
-                <a:ea typeface="+mj-ea"/>
-                <a:cs typeface="+mj-cs"/>
-              </a:defRPr>
-            </a:lvl7pPr>
-            <a:lvl8pPr marL="3200400" algn="l" defTabSz="914400" rtl="0" eaLnBrk="1" latinLnBrk="0" hangingPunct="1">
-              <a:defRPr sz="1800" kern="1200">
-                <a:solidFill>
-                  <a:schemeClr val="tx1"/>
-                </a:solidFill>
-                <a:latin typeface="+mj-lt"/>
-                <a:ea typeface="+mj-ea"/>
-                <a:cs typeface="+mj-cs"/>
-              </a:defRPr>
-            </a:lvl8pPr>
-            <a:lvl9pPr marL="3657600" algn="l" defTabSz="914400" rtl="0" eaLnBrk="1" latinLnBrk="0" hangingPunct="1">
-              <a:defRPr sz="1800" kern="1200">
-                <a:solidFill>
-                  <a:schemeClr val="tx1"/>
-                </a:solidFill>
-                <a:latin typeface="+mj-lt"/>
-                <a:ea typeface="+mj-ea"/>
-                <a:cs typeface="+mj-cs"/>
-              </a:defRPr>
-            </a:lvl9pPr>
-          </a:lstStyle>
-          <a:p>
-            <a:pPr algn="ctr">
-              <a:defRPr/>
-            </a:pPr>
-            <a:r>
-              <a:rPr lang="pt-BR" sz="1400" dirty="0">
-                <a:solidFill>
-                  <a:schemeClr val="tx1"/>
-                </a:solidFill>
-                <a:latin typeface="Calibre"/>
-              </a:rPr>
-              <a:t>Azure</a:t>
-            </a:r>
-            <a:endParaRPr lang="en-US" sz="1400" dirty="0">
-              <a:solidFill>
-                <a:schemeClr val="tx1"/>
-              </a:solidFill>
-              <a:latin typeface="Calibre"/>
             </a:endParaRPr>
           </a:p>
         </p:txBody>
@@ -19380,7 +18092,7 @@
               <a:rPr lang="en-US" b="1" dirty="0">
                 <a:cs typeface="Calibri" panose="020F0502020204030204"/>
               </a:rPr>
-              <a:t>CHAT BOT VIA  SLACK</a:t>
+              <a:t>CHAT BOT VIA DISCORD</a:t>
             </a:r>
           </a:p>
           <a:p>
@@ -19835,27 +18547,8 @@
                   </a:schemeClr>
                 </a:solidFill>
               </a:rPr>
-              <a:t>Karina </a:t>
-            </a:r>
-            <a:r>
-              <a:rPr lang="en-US" dirty="0" err="1">
-                <a:solidFill>
-                  <a:schemeClr val="tx1">
-                    <a:lumMod val="75000"/>
-                    <a:lumOff val="25000"/>
-                  </a:schemeClr>
-                </a:solidFill>
-              </a:rPr>
-              <a:t>Wakassuqui</a:t>
-            </a:r>
-            <a:endParaRPr lang="en-US" dirty="0">
-              <a:solidFill>
-                <a:schemeClr val="tx1">
-                  <a:lumMod val="75000"/>
-                  <a:lumOff val="25000"/>
-                </a:schemeClr>
-              </a:solidFill>
-            </a:endParaRPr>
+              <a:t>Karina Lie Wakassuqui</a:t>
+            </a:r>
           </a:p>
           <a:p>
             <a:pPr marL="285750" indent="-285750">
@@ -21494,6 +20187,475 @@
 <file path=ppt/slides/slide23.xml><?xml version="1.0" encoding="utf-8"?>
 <p:sld xmlns:a="http://schemas.openxmlformats.org/drawingml/2006/main" xmlns:r="http://schemas.openxmlformats.org/officeDocument/2006/relationships" xmlns:p="http://schemas.openxmlformats.org/presentationml/2006/main">
   <p:cSld>
+    <p:bg>
+      <p:bgPr>
+        <a:gradFill rotWithShape="1">
+          <a:gsLst>
+            <a:gs pos="0">
+              <a:schemeClr val="bg1">
+                <a:tint val="96000"/>
+                <a:shade val="99000"/>
+                <a:satMod val="140000"/>
+              </a:schemeClr>
+            </a:gs>
+            <a:gs pos="65000">
+              <a:schemeClr val="bg1">
+                <a:tint val="100000"/>
+                <a:shade val="80000"/>
+                <a:satMod val="130000"/>
+              </a:schemeClr>
+            </a:gs>
+            <a:gs pos="100000">
+              <a:schemeClr val="bg1">
+                <a:tint val="100000"/>
+                <a:shade val="48000"/>
+                <a:satMod val="120000"/>
+              </a:schemeClr>
+            </a:gs>
+          </a:gsLst>
+          <a:lin ang="16200000" scaled="0"/>
+        </a:gradFill>
+        <a:effectLst/>
+      </p:bgPr>
+    </p:bg>
+    <p:spTree>
+      <p:nvGrpSpPr>
+        <p:cNvPr id="1" name=""/>
+        <p:cNvGrpSpPr/>
+        <p:nvPr/>
+      </p:nvGrpSpPr>
+      <p:grpSpPr>
+        <a:xfrm>
+          <a:off x="0" y="0"/>
+          <a:ext cx="0" cy="0"/>
+          <a:chOff x="0" y="0"/>
+          <a:chExt cx="0" cy="0"/>
+        </a:xfrm>
+      </p:grpSpPr>
+      <p:sp>
+        <p:nvSpPr>
+          <p:cNvPr id="65" name="Rectangle 64">
+            <a:extLst>
+              <a:ext uri="{FF2B5EF4-FFF2-40B4-BE49-F238E27FC236}">
+                <a16:creationId xmlns:a16="http://schemas.microsoft.com/office/drawing/2014/main" id="{25C8D2C1-DA83-420D-9635-D52CE066B5DA}"/>
+              </a:ext>
+              <a:ext uri="{C183D7F6-B498-43B3-948B-1728B52AA6E4}">
+                <adec:decorative xmlns:adec="http://schemas.microsoft.com/office/drawing/2017/decorative" val="1"/>
+              </a:ext>
+            </a:extLst>
+          </p:cNvPr>
+          <p:cNvSpPr>
+            <a:spLocks noGrp="1" noRot="1" noChangeAspect="1" noMove="1" noResize="1" noEditPoints="1" noAdjustHandles="1" noChangeArrowheads="1" noChangeShapeType="1" noTextEdit="1"/>
+          </p:cNvSpPr>
+          <p:nvPr>
+            <p:extLst>
+              <p:ext uri="{386F3935-93C4-4BCD-93E2-E3B085C9AB24}">
+                <p16:designElem xmlns:p16="http://schemas.microsoft.com/office/powerpoint/2015/main" val="1"/>
+              </p:ext>
+            </p:extLst>
+          </p:nvPr>
+        </p:nvSpPr>
+        <p:spPr>
+          <a:xfrm>
+            <a:off x="3175" y="6400800"/>
+            <a:ext cx="12188825" cy="457200"/>
+          </a:xfrm>
+          <a:prstGeom prst="rect">
+            <a:avLst/>
+          </a:prstGeom>
+          <a:solidFill>
+            <a:schemeClr val="accent2"/>
+          </a:solidFill>
+          <a:ln>
+            <a:noFill/>
+          </a:ln>
+        </p:spPr>
+        <p:style>
+          <a:lnRef idx="2">
+            <a:schemeClr val="accent1">
+              <a:shade val="50000"/>
+            </a:schemeClr>
+          </a:lnRef>
+          <a:fillRef idx="1">
+            <a:schemeClr val="accent1"/>
+          </a:fillRef>
+          <a:effectRef idx="0">
+            <a:schemeClr val="accent1"/>
+          </a:effectRef>
+          <a:fontRef idx="minor">
+            <a:schemeClr val="lt1"/>
+          </a:fontRef>
+        </p:style>
+      </p:sp>
+      <p:sp>
+        <p:nvSpPr>
+          <p:cNvPr id="67" name="Rectangle 66">
+            <a:extLst>
+              <a:ext uri="{FF2B5EF4-FFF2-40B4-BE49-F238E27FC236}">
+                <a16:creationId xmlns:a16="http://schemas.microsoft.com/office/drawing/2014/main" id="{434F74C9-6A0B-409E-AD1C-45B58BE91BB8}"/>
+              </a:ext>
+              <a:ext uri="{C183D7F6-B498-43B3-948B-1728B52AA6E4}">
+                <adec:decorative xmlns:adec="http://schemas.microsoft.com/office/drawing/2017/decorative" val="1"/>
+              </a:ext>
+            </a:extLst>
+          </p:cNvPr>
+          <p:cNvSpPr>
+            <a:spLocks noGrp="1" noRot="1" noChangeAspect="1" noMove="1" noResize="1" noEditPoints="1" noAdjustHandles="1" noChangeArrowheads="1" noChangeShapeType="1" noTextEdit="1"/>
+          </p:cNvSpPr>
+          <p:nvPr>
+            <p:extLst>
+              <p:ext uri="{386F3935-93C4-4BCD-93E2-E3B085C9AB24}">
+                <p16:designElem xmlns:p16="http://schemas.microsoft.com/office/powerpoint/2015/main" val="1"/>
+              </p:ext>
+            </p:extLst>
+          </p:nvPr>
+        </p:nvSpPr>
+        <p:spPr>
+          <a:xfrm>
+            <a:off x="15" y="6334316"/>
+            <a:ext cx="12188825" cy="64008"/>
+          </a:xfrm>
+          <a:prstGeom prst="rect">
+            <a:avLst/>
+          </a:prstGeom>
+          <a:solidFill>
+            <a:schemeClr val="accent1"/>
+          </a:solidFill>
+          <a:ln>
+            <a:noFill/>
+          </a:ln>
+        </p:spPr>
+        <p:style>
+          <a:lnRef idx="2">
+            <a:schemeClr val="accent1">
+              <a:shade val="50000"/>
+            </a:schemeClr>
+          </a:lnRef>
+          <a:fillRef idx="1">
+            <a:schemeClr val="accent1"/>
+          </a:fillRef>
+          <a:effectRef idx="0">
+            <a:schemeClr val="accent1"/>
+          </a:effectRef>
+          <a:fontRef idx="minor">
+            <a:schemeClr val="lt1"/>
+          </a:fontRef>
+        </p:style>
+      </p:sp>
+      <p:cxnSp>
+        <p:nvCxnSpPr>
+          <p:cNvPr id="69" name="Straight Connector 68">
+            <a:extLst>
+              <a:ext uri="{FF2B5EF4-FFF2-40B4-BE49-F238E27FC236}">
+                <a16:creationId xmlns:a16="http://schemas.microsoft.com/office/drawing/2014/main" id="{F5486A9D-1265-4B57-91E6-68E666B978BC}"/>
+              </a:ext>
+              <a:ext uri="{C183D7F6-B498-43B3-948B-1728B52AA6E4}">
+                <adec:decorative xmlns:adec="http://schemas.microsoft.com/office/drawing/2017/decorative" val="1"/>
+              </a:ext>
+            </a:extLst>
+          </p:cNvPr>
+          <p:cNvCxnSpPr>
+            <a:cxnSpLocks noGrp="1" noRot="1" noChangeAspect="1" noMove="1" noResize="1" noEditPoints="1" noAdjustHandles="1" noChangeArrowheads="1" noChangeShapeType="1"/>
+          </p:cNvCxnSpPr>
+          <p:nvPr>
+            <p:extLst>
+              <p:ext uri="{386F3935-93C4-4BCD-93E2-E3B085C9AB24}">
+                <p16:designElem xmlns:p16="http://schemas.microsoft.com/office/powerpoint/2015/main" val="1"/>
+              </p:ext>
+            </p:extLst>
+          </p:nvPr>
+        </p:nvCxnSpPr>
+        <p:spPr>
+          <a:xfrm>
+            <a:off x="1207658" y="4343400"/>
+            <a:ext cx="9875520" cy="0"/>
+          </a:xfrm>
+          <a:prstGeom prst="line">
+            <a:avLst/>
+          </a:prstGeom>
+          <a:ln w="6350">
+            <a:solidFill>
+              <a:schemeClr val="tx1">
+                <a:lumMod val="50000"/>
+                <a:lumOff val="50000"/>
+              </a:schemeClr>
+            </a:solidFill>
+          </a:ln>
+        </p:spPr>
+        <p:style>
+          <a:lnRef idx="1">
+            <a:schemeClr val="accent1"/>
+          </a:lnRef>
+          <a:fillRef idx="0">
+            <a:schemeClr val="accent1"/>
+          </a:fillRef>
+          <a:effectRef idx="0">
+            <a:schemeClr val="accent1"/>
+          </a:effectRef>
+          <a:fontRef idx="minor">
+            <a:schemeClr val="tx1"/>
+          </a:fontRef>
+        </p:style>
+      </p:cxnSp>
+      <p:sp>
+        <p:nvSpPr>
+          <p:cNvPr id="2" name="Title 1">
+            <a:extLst>
+              <a:ext uri="{FF2B5EF4-FFF2-40B4-BE49-F238E27FC236}">
+                <a16:creationId xmlns:a16="http://schemas.microsoft.com/office/drawing/2014/main" id="{0159B15C-C2CC-4E8D-ACF2-A6A2A311F356}"/>
+              </a:ext>
+            </a:extLst>
+          </p:cNvPr>
+          <p:cNvSpPr>
+            <a:spLocks noGrp="1"/>
+          </p:cNvSpPr>
+          <p:nvPr>
+            <p:ph type="title"/>
+          </p:nvPr>
+        </p:nvSpPr>
+        <p:spPr>
+          <a:xfrm>
+            <a:off x="1097280" y="758952"/>
+            <a:ext cx="10058400" cy="3566160"/>
+          </a:xfrm>
+        </p:spPr>
+        <p:txBody>
+          <a:bodyPr vert="horz" lIns="91440" tIns="45720" rIns="91440" bIns="45720" rtlCol="0" anchor="b">
+            <a:normAutofit/>
+          </a:bodyPr>
+          <a:lstStyle/>
+          <a:p>
+            <a:pPr algn="ctr"/>
+            <a:r>
+              <a:rPr lang="en-US" sz="8000" b="1" dirty="0">
+                <a:solidFill>
+                  <a:srgbClr val="FFFFFF"/>
+                </a:solidFill>
+              </a:rPr>
+              <a:t>CLIENTE LINUX</a:t>
+            </a:r>
+          </a:p>
+        </p:txBody>
+      </p:sp>
+      <p:cxnSp>
+        <p:nvCxnSpPr>
+          <p:cNvPr id="71" name="Straight Connector 70">
+            <a:extLst>
+              <a:ext uri="{FF2B5EF4-FFF2-40B4-BE49-F238E27FC236}">
+                <a16:creationId xmlns:a16="http://schemas.microsoft.com/office/drawing/2014/main" id="{4071767D-5FF7-4508-B8B7-BB60FF3AB250}"/>
+              </a:ext>
+              <a:ext uri="{C183D7F6-B498-43B3-948B-1728B52AA6E4}">
+                <adec:decorative xmlns:adec="http://schemas.microsoft.com/office/drawing/2017/decorative" val="1"/>
+              </a:ext>
+            </a:extLst>
+          </p:cNvPr>
+          <p:cNvCxnSpPr>
+            <a:cxnSpLocks noGrp="1" noRot="1" noChangeAspect="1" noMove="1" noResize="1" noEditPoints="1" noAdjustHandles="1" noChangeArrowheads="1" noChangeShapeType="1"/>
+          </p:cNvCxnSpPr>
+          <p:nvPr>
+            <p:extLst>
+              <p:ext uri="{386F3935-93C4-4BCD-93E2-E3B085C9AB24}">
+                <p16:designElem xmlns:p16="http://schemas.microsoft.com/office/powerpoint/2015/main" val="1"/>
+              </p:ext>
+            </p:extLst>
+          </p:nvPr>
+        </p:nvCxnSpPr>
+        <p:spPr>
+          <a:xfrm>
+            <a:off x="1207658" y="4343400"/>
+            <a:ext cx="9875520" cy="0"/>
+          </a:xfrm>
+          <a:prstGeom prst="line">
+            <a:avLst/>
+          </a:prstGeom>
+          <a:ln w="6350">
+            <a:solidFill>
+              <a:schemeClr val="tx1">
+                <a:alpha val="80000"/>
+              </a:schemeClr>
+            </a:solidFill>
+          </a:ln>
+        </p:spPr>
+        <p:style>
+          <a:lnRef idx="1">
+            <a:schemeClr val="accent1"/>
+          </a:lnRef>
+          <a:fillRef idx="0">
+            <a:schemeClr val="accent1"/>
+          </a:fillRef>
+          <a:effectRef idx="0">
+            <a:schemeClr val="accent1"/>
+          </a:effectRef>
+          <a:fontRef idx="minor">
+            <a:schemeClr val="tx1"/>
+          </a:fontRef>
+        </p:style>
+      </p:cxnSp>
+      <p:sp>
+        <p:nvSpPr>
+          <p:cNvPr id="73" name="Rectangle 72">
+            <a:extLst>
+              <a:ext uri="{FF2B5EF4-FFF2-40B4-BE49-F238E27FC236}">
+                <a16:creationId xmlns:a16="http://schemas.microsoft.com/office/drawing/2014/main" id="{C4E89C94-E462-4566-A15A-32835FD68BCD}"/>
+              </a:ext>
+              <a:ext uri="{C183D7F6-B498-43B3-948B-1728B52AA6E4}">
+                <adec:decorative xmlns:adec="http://schemas.microsoft.com/office/drawing/2017/decorative" val="1"/>
+              </a:ext>
+            </a:extLst>
+          </p:cNvPr>
+          <p:cNvSpPr>
+            <a:spLocks noGrp="1" noRot="1" noChangeAspect="1" noMove="1" noResize="1" noEditPoints="1" noAdjustHandles="1" noChangeArrowheads="1" noChangeShapeType="1" noTextEdit="1"/>
+          </p:cNvSpPr>
+          <p:nvPr>
+            <p:extLst>
+              <p:ext uri="{386F3935-93C4-4BCD-93E2-E3B085C9AB24}">
+                <p16:designElem xmlns:p16="http://schemas.microsoft.com/office/powerpoint/2015/main" val="1"/>
+              </p:ext>
+            </p:extLst>
+          </p:nvPr>
+        </p:nvSpPr>
+        <p:spPr>
+          <a:xfrm>
+            <a:off x="15" y="6334316"/>
+            <a:ext cx="12191985" cy="66484"/>
+          </a:xfrm>
+          <a:prstGeom prst="rect">
+            <a:avLst/>
+          </a:prstGeom>
+          <a:solidFill>
+            <a:schemeClr val="accent1"/>
+          </a:solidFill>
+          <a:ln>
+            <a:noFill/>
+          </a:ln>
+        </p:spPr>
+        <p:style>
+          <a:lnRef idx="2">
+            <a:schemeClr val="accent1">
+              <a:shade val="50000"/>
+            </a:schemeClr>
+          </a:lnRef>
+          <a:fillRef idx="1">
+            <a:schemeClr val="accent1"/>
+          </a:fillRef>
+          <a:effectRef idx="0">
+            <a:schemeClr val="accent1"/>
+          </a:effectRef>
+          <a:fontRef idx="minor">
+            <a:schemeClr val="lt1"/>
+          </a:fontRef>
+        </p:style>
+      </p:sp>
+      <p:sp>
+        <p:nvSpPr>
+          <p:cNvPr id="75" name="Rectangle 74">
+            <a:extLst>
+              <a:ext uri="{FF2B5EF4-FFF2-40B4-BE49-F238E27FC236}">
+                <a16:creationId xmlns:a16="http://schemas.microsoft.com/office/drawing/2014/main" id="{E25F4A20-71FB-4A26-92E2-89DED49264CA}"/>
+              </a:ext>
+              <a:ext uri="{C183D7F6-B498-43B3-948B-1728B52AA6E4}">
+                <adec:decorative xmlns:adec="http://schemas.microsoft.com/office/drawing/2017/decorative" val="1"/>
+              </a:ext>
+            </a:extLst>
+          </p:cNvPr>
+          <p:cNvSpPr>
+            <a:spLocks noGrp="1" noRot="1" noChangeAspect="1" noMove="1" noResize="1" noEditPoints="1" noAdjustHandles="1" noChangeArrowheads="1" noChangeShapeType="1" noTextEdit="1"/>
+          </p:cNvSpPr>
+          <p:nvPr>
+            <p:extLst>
+              <p:ext uri="{386F3935-93C4-4BCD-93E2-E3B085C9AB24}">
+                <p16:designElem xmlns:p16="http://schemas.microsoft.com/office/powerpoint/2015/main" val="1"/>
+              </p:ext>
+            </p:extLst>
+          </p:nvPr>
+        </p:nvSpPr>
+        <p:spPr>
+          <a:xfrm>
+            <a:off x="1" y="6400800"/>
+            <a:ext cx="12192000" cy="457200"/>
+          </a:xfrm>
+          <a:prstGeom prst="rect">
+            <a:avLst/>
+          </a:prstGeom>
+          <a:solidFill>
+            <a:schemeClr val="accent2"/>
+          </a:solidFill>
+          <a:ln>
+            <a:noFill/>
+          </a:ln>
+        </p:spPr>
+        <p:style>
+          <a:lnRef idx="2">
+            <a:schemeClr val="accent1">
+              <a:shade val="50000"/>
+            </a:schemeClr>
+          </a:lnRef>
+          <a:fillRef idx="1">
+            <a:schemeClr val="accent1"/>
+          </a:fillRef>
+          <a:effectRef idx="0">
+            <a:schemeClr val="accent1"/>
+          </a:effectRef>
+          <a:fontRef idx="minor">
+            <a:schemeClr val="lt1"/>
+          </a:fontRef>
+        </p:style>
+      </p:sp>
+      <p:pic>
+        <p:nvPicPr>
+          <p:cNvPr id="4" name="Imagem 3">
+            <a:extLst>
+              <a:ext uri="{FF2B5EF4-FFF2-40B4-BE49-F238E27FC236}">
+                <a16:creationId xmlns:a16="http://schemas.microsoft.com/office/drawing/2014/main" id="{94220BFF-740E-4816-903E-368983637C25}"/>
+              </a:ext>
+            </a:extLst>
+          </p:cNvPr>
+          <p:cNvPicPr>
+            <a:picLocks noChangeAspect="1"/>
+          </p:cNvPicPr>
+          <p:nvPr/>
+        </p:nvPicPr>
+        <p:blipFill rotWithShape="1">
+          <a:blip r:embed="rId2">
+            <a:alphaModFix amt="55000"/>
+            <a:extLst>
+              <a:ext uri="{28A0092B-C50C-407E-A947-70E740481C1C}">
+                <a14:useLocalDpi xmlns:a14="http://schemas.microsoft.com/office/drawing/2010/main" val="0"/>
+              </a:ext>
+            </a:extLst>
+          </a:blip>
+          <a:srcRect l="28892" t="8478" r="29340" b="33066"/>
+          <a:stretch/>
+        </p:blipFill>
+        <p:spPr>
+          <a:xfrm>
+            <a:off x="2380148" y="-168208"/>
+            <a:ext cx="7428558" cy="6501286"/>
+          </a:xfrm>
+          <a:prstGeom prst="rect">
+            <a:avLst/>
+          </a:prstGeom>
+          <a:effectLst>
+            <a:reflection stA="0" endPos="65000" dist="50800" dir="5400000" sy="-100000" algn="bl" rotWithShape="0"/>
+          </a:effectLst>
+        </p:spPr>
+      </p:pic>
+    </p:spTree>
+    <p:extLst>
+      <p:ext uri="{BB962C8B-B14F-4D97-AF65-F5344CB8AC3E}">
+        <p14:creationId xmlns:p14="http://schemas.microsoft.com/office/powerpoint/2010/main" val="2303030225"/>
+      </p:ext>
+    </p:extLst>
+  </p:cSld>
+  <p:clrMapOvr>
+    <a:overrideClrMapping bg1="dk1" tx1="lt1" bg2="dk2" tx2="lt2" accent1="accent1" accent2="accent2" accent3="accent3" accent4="accent4" accent5="accent5" accent6="accent6" hlink="hlink" folHlink="folHlink"/>
+  </p:clrMapOvr>
+</p:sld>
+</file>
+
+<file path=ppt/slides/slide24.xml><?xml version="1.0" encoding="utf-8"?>
+<p:sld xmlns:a="http://schemas.openxmlformats.org/drawingml/2006/main" xmlns:r="http://schemas.openxmlformats.org/officeDocument/2006/relationships" xmlns:p="http://schemas.openxmlformats.org/presentationml/2006/main">
+  <p:cSld>
     <p:spTree>
       <p:nvGrpSpPr>
         <p:cNvPr id="1" name=""/>
@@ -22497,15 +21659,16 @@
           </a:bodyPr>
           <a:lstStyle/>
           <a:p>
+            <a:pPr algn="ctr"/>
             <a:r>
               <a:rPr lang="en-US" sz="8000" b="1" dirty="0">
                 <a:solidFill>
                   <a:srgbClr val="FFFFFF"/>
                 </a:solidFill>
               </a:rPr>
-              <a:t>CONTEXUTALIZAÇÃO</a:t>
-            </a:r>
-            <a:endParaRPr lang="en-US" sz="8000">
+              <a:t>CONTEXTUALIZAÇÃO</a:t>
+            </a:r>
+            <a:endParaRPr lang="en-US" sz="8000" dirty="0">
               <a:solidFill>
                 <a:srgbClr val="FFFFFF"/>
               </a:solidFill>
@@ -22756,8 +21919,8 @@
         </p:nvSpPr>
         <p:spPr>
           <a:xfrm>
-            <a:off x="1097280" y="1845734"/>
-            <a:ext cx="6780981" cy="2622264"/>
+            <a:off x="1097280" y="1885489"/>
+            <a:ext cx="9610477" cy="4197257"/>
           </a:xfrm>
         </p:spPr>
         <p:txBody>
@@ -22767,6 +21930,9 @@
           <a:lstStyle/>
           <a:p>
             <a:pPr>
+              <a:lnSpc>
+                <a:spcPct val="150000"/>
+              </a:lnSpc>
               <a:spcBef>
                 <a:spcPts val="1000"/>
               </a:spcBef>
@@ -22796,6 +21962,9 @@
           </a:p>
           <a:p>
             <a:pPr>
+              <a:lnSpc>
+                <a:spcPct val="150000"/>
+              </a:lnSpc>
               <a:spcBef>
                 <a:spcPts val="1000"/>
               </a:spcBef>
@@ -22825,6 +21994,9 @@
           </a:p>
           <a:p>
             <a:pPr>
+              <a:lnSpc>
+                <a:spcPct val="150000"/>
+              </a:lnSpc>
               <a:spcBef>
                 <a:spcPts val="1000"/>
               </a:spcBef>
@@ -22842,7 +22014,7 @@
                 <a:ea typeface="+mn-lt"/>
                 <a:cs typeface="+mn-lt"/>
               </a:rPr>
-              <a:t>A equipe de T.I da escola irá dar o suporte aos professores  que farão a solicitação de atendimento.</a:t>
+              <a:t>A equipe de T.I da faculdade irá dar o suporte aos professores  que farão a solicitação de atendimento.</a:t>
             </a:r>
             <a:endParaRPr lang="en-US" dirty="0">
               <a:solidFill>
@@ -22854,6 +22026,9 @@
           </a:p>
           <a:p>
             <a:pPr>
+              <a:lnSpc>
+                <a:spcPct val="150000"/>
+              </a:lnSpc>
               <a:spcBef>
                 <a:spcPts val="1000"/>
               </a:spcBef>
@@ -25671,8 +24846,9 @@
           </a:bodyPr>
           <a:lstStyle/>
           <a:p>
-            <a:r>
-              <a:rPr lang="en-US" sz="8000" b="1">
+            <a:pPr algn="ctr"/>
+            <a:r>
+              <a:rPr lang="en-US" sz="8000" b="1" dirty="0">
                 <a:solidFill>
                   <a:srgbClr val="FFFFFF"/>
                 </a:solidFill>
@@ -25961,13 +25137,13 @@
         </p:nvSpPr>
         <p:spPr>
           <a:xfrm>
-            <a:off x="904369" y="2167575"/>
-            <a:ext cx="4561583" cy="4111262"/>
+            <a:off x="904369" y="2233835"/>
+            <a:ext cx="4396501" cy="4111262"/>
           </a:xfrm>
         </p:spPr>
         <p:txBody>
           <a:bodyPr vert="horz" lIns="0" tIns="45720" rIns="0" bIns="45720" rtlCol="0" anchor="t">
-            <a:normAutofit lnSpcReduction="10000"/>
+            <a:normAutofit/>
           </a:bodyPr>
           <a:lstStyle/>
           <a:p>
@@ -26449,69 +25625,8 @@
             </a:r>
           </a:p>
           <a:p>
-            <a:pPr algn="just">
-              <a:buFont typeface="Arial" panose="020F0502020204030204" pitchFamily="34" charset="0"/>
-              <a:buChar char="•"/>
-            </a:pPr>
-            <a:r>
-              <a:rPr lang="en-US" dirty="0">
-                <a:cs typeface="Calibri" panose="020F0502020204030204"/>
-              </a:rPr>
-              <a:t>"O </a:t>
-            </a:r>
-            <a:r>
-              <a:rPr lang="en-US" dirty="0" err="1">
-                <a:cs typeface="Calibri" panose="020F0502020204030204"/>
-              </a:rPr>
-              <a:t>monitoramento</a:t>
-            </a:r>
-            <a:r>
-              <a:rPr lang="en-US" dirty="0">
-                <a:cs typeface="Calibri" panose="020F0502020204030204"/>
-              </a:rPr>
-              <a:t> </a:t>
-            </a:r>
-            <a:r>
-              <a:rPr lang="en-US" dirty="0" err="1">
-                <a:cs typeface="Calibri" panose="020F0502020204030204"/>
-              </a:rPr>
-              <a:t>ajudaria</a:t>
-            </a:r>
-            <a:r>
-              <a:rPr lang="en-US" dirty="0">
-                <a:cs typeface="Calibri" panose="020F0502020204030204"/>
-              </a:rPr>
-              <a:t> </a:t>
-            </a:r>
-            <a:r>
-              <a:rPr lang="en-US" dirty="0" err="1">
-                <a:cs typeface="Calibri" panose="020F0502020204030204"/>
-              </a:rPr>
-              <a:t>como</a:t>
-            </a:r>
-            <a:r>
-              <a:rPr lang="en-US" dirty="0">
-                <a:cs typeface="Calibri" panose="020F0502020204030204"/>
-              </a:rPr>
-              <a:t> forma de </a:t>
-            </a:r>
-            <a:r>
-              <a:rPr lang="en-US" dirty="0" err="1">
-                <a:cs typeface="Calibri" panose="020F0502020204030204"/>
-              </a:rPr>
-              <a:t>avaliação</a:t>
-            </a:r>
-            <a:r>
-              <a:rPr lang="en-US" dirty="0">
-                <a:cs typeface="Calibri" panose="020F0502020204030204"/>
-              </a:rPr>
-              <a:t>."</a:t>
-            </a:r>
-          </a:p>
-          <a:p>
-            <a:pPr algn="just">
-              <a:buFont typeface="Arial" panose="020F0502020204030204" pitchFamily="34" charset="0"/>
-              <a:buChar char="•"/>
+            <a:pPr marL="0" indent="0" algn="just">
+              <a:buNone/>
             </a:pPr>
             <a:endParaRPr lang="en-US" dirty="0">
               <a:cs typeface="Calibri" panose="020F0502020204030204"/>
@@ -26537,7 +25652,7 @@
         </p:nvSpPr>
         <p:spPr>
           <a:xfrm>
-            <a:off x="6034655" y="1739951"/>
+            <a:off x="6074411" y="1739951"/>
             <a:ext cx="4937760" cy="427624"/>
           </a:xfrm>
         </p:spPr>
@@ -26571,8 +25686,8 @@
         </p:nvSpPr>
         <p:spPr>
           <a:xfrm>
-            <a:off x="6033884" y="2175292"/>
-            <a:ext cx="4850950" cy="4111262"/>
+            <a:off x="6073640" y="2241552"/>
+            <a:ext cx="4647369" cy="4111262"/>
           </a:xfrm>
           <a:prstGeom prst="rect">
             <a:avLst/>
@@ -28211,15 +27326,16 @@
           </a:bodyPr>
           <a:lstStyle/>
           <a:p>
-            <a:r>
-              <a:rPr lang="en-US" sz="8000" b="1">
+            <a:pPr algn="ctr"/>
+            <a:r>
+              <a:rPr lang="en-US" sz="8000" b="1" dirty="0">
                 <a:solidFill>
                   <a:srgbClr val="FFFFFF"/>
                 </a:solidFill>
               </a:rPr>
               <a:t>ELICITAÇÃO DE REQUISITOS</a:t>
             </a:r>
-            <a:endParaRPr lang="en-US" sz="8000">
+            <a:endParaRPr lang="en-US" sz="8000" dirty="0">
               <a:solidFill>
                 <a:srgbClr val="FFFFFF"/>
               </a:solidFill>

--- a/Apresentação Sprint 1.pptx
+++ b/Apresentação Sprint 1.pptx
@@ -4,6 +4,9 @@
   <p:sldMasterIdLst>
     <p:sldMasterId id="2147483743" r:id="rId1"/>
   </p:sldMasterIdLst>
+  <p:notesMasterIdLst>
+    <p:notesMasterId r:id="rId26"/>
+  </p:notesMasterIdLst>
   <p:sldIdLst>
     <p:sldId id="256" r:id="rId2"/>
     <p:sldId id="257" r:id="rId3"/>
@@ -145,6 +148,439 @@
     <p1510:client id="{E40AD1DA-8469-E8E9-B359-21265F1DC05B}" v="92" dt="2020-09-12T21:19:29.764"/>
   </p1510:revLst>
 </p1510:revInfo>
+</file>
+
+<file path=ppt/notesMasters/notesMaster1.xml><?xml version="1.0" encoding="utf-8"?>
+<p:notesMaster xmlns:a="http://schemas.openxmlformats.org/drawingml/2006/main" xmlns:r="http://schemas.openxmlformats.org/officeDocument/2006/relationships" xmlns:p="http://schemas.openxmlformats.org/presentationml/2006/main">
+  <p:cSld>
+    <p:bg>
+      <p:bgRef idx="1001">
+        <a:schemeClr val="bg1"/>
+      </p:bgRef>
+    </p:bg>
+    <p:spTree>
+      <p:nvGrpSpPr>
+        <p:cNvPr id="1" name=""/>
+        <p:cNvGrpSpPr/>
+        <p:nvPr/>
+      </p:nvGrpSpPr>
+      <p:grpSpPr>
+        <a:xfrm>
+          <a:off x="0" y="0"/>
+          <a:ext cx="0" cy="0"/>
+          <a:chOff x="0" y="0"/>
+          <a:chExt cx="0" cy="0"/>
+        </a:xfrm>
+      </p:grpSpPr>
+      <p:sp>
+        <p:nvSpPr>
+          <p:cNvPr id="2" name="Espaço Reservado para Cabeçalho 1"/>
+          <p:cNvSpPr>
+            <a:spLocks noGrp="1"/>
+          </p:cNvSpPr>
+          <p:nvPr>
+            <p:ph type="hdr" sz="quarter"/>
+          </p:nvPr>
+        </p:nvSpPr>
+        <p:spPr>
+          <a:xfrm>
+            <a:off x="0" y="0"/>
+            <a:ext cx="2971800" cy="458788"/>
+          </a:xfrm>
+          <a:prstGeom prst="rect">
+            <a:avLst/>
+          </a:prstGeom>
+        </p:spPr>
+        <p:txBody>
+          <a:bodyPr vert="horz" lIns="91440" tIns="45720" rIns="91440" bIns="45720" rtlCol="0"/>
+          <a:lstStyle>
+            <a:lvl1pPr algn="l">
+              <a:defRPr sz="1200"/>
+            </a:lvl1pPr>
+          </a:lstStyle>
+          <a:p>
+            <a:endParaRPr lang="pt-BR"/>
+          </a:p>
+        </p:txBody>
+      </p:sp>
+      <p:sp>
+        <p:nvSpPr>
+          <p:cNvPr id="3" name="Espaço Reservado para Data 2"/>
+          <p:cNvSpPr>
+            <a:spLocks noGrp="1"/>
+          </p:cNvSpPr>
+          <p:nvPr>
+            <p:ph type="dt" idx="1"/>
+          </p:nvPr>
+        </p:nvSpPr>
+        <p:spPr>
+          <a:xfrm>
+            <a:off x="3884613" y="0"/>
+            <a:ext cx="2971800" cy="458788"/>
+          </a:xfrm>
+          <a:prstGeom prst="rect">
+            <a:avLst/>
+          </a:prstGeom>
+        </p:spPr>
+        <p:txBody>
+          <a:bodyPr vert="horz" lIns="91440" tIns="45720" rIns="91440" bIns="45720" rtlCol="0"/>
+          <a:lstStyle>
+            <a:lvl1pPr algn="r">
+              <a:defRPr sz="1200"/>
+            </a:lvl1pPr>
+          </a:lstStyle>
+          <a:p>
+            <a:fld id="{84D5DC73-20F8-4766-AB8B-AACA8103AA5D}" type="datetimeFigureOut">
+              <a:rPr lang="pt-BR" smtClean="0"/>
+              <a:t>16/09/2020</a:t>
+            </a:fld>
+            <a:endParaRPr lang="pt-BR"/>
+          </a:p>
+        </p:txBody>
+      </p:sp>
+      <p:sp>
+        <p:nvSpPr>
+          <p:cNvPr id="4" name="Espaço Reservado para Imagem de Slide 3"/>
+          <p:cNvSpPr>
+            <a:spLocks noGrp="1" noRot="1" noChangeAspect="1"/>
+          </p:cNvSpPr>
+          <p:nvPr>
+            <p:ph type="sldImg" idx="2"/>
+          </p:nvPr>
+        </p:nvSpPr>
+        <p:spPr>
+          <a:xfrm>
+            <a:off x="685800" y="1143000"/>
+            <a:ext cx="5486400" cy="3086100"/>
+          </a:xfrm>
+          <a:prstGeom prst="rect">
+            <a:avLst/>
+          </a:prstGeom>
+          <a:noFill/>
+          <a:ln w="12700">
+            <a:solidFill>
+              <a:prstClr val="black"/>
+            </a:solidFill>
+          </a:ln>
+        </p:spPr>
+        <p:txBody>
+          <a:bodyPr vert="horz" lIns="91440" tIns="45720" rIns="91440" bIns="45720" rtlCol="0" anchor="ctr"/>
+          <a:lstStyle/>
+          <a:p>
+            <a:endParaRPr lang="pt-BR"/>
+          </a:p>
+        </p:txBody>
+      </p:sp>
+      <p:sp>
+        <p:nvSpPr>
+          <p:cNvPr id="5" name="Espaço Reservado para Anotações 4"/>
+          <p:cNvSpPr>
+            <a:spLocks noGrp="1"/>
+          </p:cNvSpPr>
+          <p:nvPr>
+            <p:ph type="body" sz="quarter" idx="3"/>
+          </p:nvPr>
+        </p:nvSpPr>
+        <p:spPr>
+          <a:xfrm>
+            <a:off x="685800" y="4400550"/>
+            <a:ext cx="5486400" cy="3600450"/>
+          </a:xfrm>
+          <a:prstGeom prst="rect">
+            <a:avLst/>
+          </a:prstGeom>
+        </p:spPr>
+        <p:txBody>
+          <a:bodyPr vert="horz" lIns="91440" tIns="45720" rIns="91440" bIns="45720" rtlCol="0"/>
+          <a:lstStyle/>
+          <a:p>
+            <a:pPr lvl="0"/>
+            <a:r>
+              <a:rPr lang="pt-BR"/>
+              <a:t>Clique para editar os estilos de texto Mestres</a:t>
+            </a:r>
+          </a:p>
+          <a:p>
+            <a:pPr lvl="1"/>
+            <a:r>
+              <a:rPr lang="pt-BR"/>
+              <a:t>Segundo nível</a:t>
+            </a:r>
+          </a:p>
+          <a:p>
+            <a:pPr lvl="2"/>
+            <a:r>
+              <a:rPr lang="pt-BR"/>
+              <a:t>Terceiro nível</a:t>
+            </a:r>
+          </a:p>
+          <a:p>
+            <a:pPr lvl="3"/>
+            <a:r>
+              <a:rPr lang="pt-BR"/>
+              <a:t>Quarto nível</a:t>
+            </a:r>
+          </a:p>
+          <a:p>
+            <a:pPr lvl="4"/>
+            <a:r>
+              <a:rPr lang="pt-BR"/>
+              <a:t>Quinto nível</a:t>
+            </a:r>
+          </a:p>
+        </p:txBody>
+      </p:sp>
+      <p:sp>
+        <p:nvSpPr>
+          <p:cNvPr id="6" name="Espaço Reservado para Rodapé 5"/>
+          <p:cNvSpPr>
+            <a:spLocks noGrp="1"/>
+          </p:cNvSpPr>
+          <p:nvPr>
+            <p:ph type="ftr" sz="quarter" idx="4"/>
+          </p:nvPr>
+        </p:nvSpPr>
+        <p:spPr>
+          <a:xfrm>
+            <a:off x="0" y="8685213"/>
+            <a:ext cx="2971800" cy="458787"/>
+          </a:xfrm>
+          <a:prstGeom prst="rect">
+            <a:avLst/>
+          </a:prstGeom>
+        </p:spPr>
+        <p:txBody>
+          <a:bodyPr vert="horz" lIns="91440" tIns="45720" rIns="91440" bIns="45720" rtlCol="0" anchor="b"/>
+          <a:lstStyle>
+            <a:lvl1pPr algn="l">
+              <a:defRPr sz="1200"/>
+            </a:lvl1pPr>
+          </a:lstStyle>
+          <a:p>
+            <a:endParaRPr lang="pt-BR"/>
+          </a:p>
+        </p:txBody>
+      </p:sp>
+      <p:sp>
+        <p:nvSpPr>
+          <p:cNvPr id="7" name="Espaço Reservado para Número de Slide 6"/>
+          <p:cNvSpPr>
+            <a:spLocks noGrp="1"/>
+          </p:cNvSpPr>
+          <p:nvPr>
+            <p:ph type="sldNum" sz="quarter" idx="5"/>
+          </p:nvPr>
+        </p:nvSpPr>
+        <p:spPr>
+          <a:xfrm>
+            <a:off x="3884613" y="8685213"/>
+            <a:ext cx="2971800" cy="458787"/>
+          </a:xfrm>
+          <a:prstGeom prst="rect">
+            <a:avLst/>
+          </a:prstGeom>
+        </p:spPr>
+        <p:txBody>
+          <a:bodyPr vert="horz" lIns="91440" tIns="45720" rIns="91440" bIns="45720" rtlCol="0" anchor="b"/>
+          <a:lstStyle>
+            <a:lvl1pPr algn="r">
+              <a:defRPr sz="1200"/>
+            </a:lvl1pPr>
+          </a:lstStyle>
+          <a:p>
+            <a:fld id="{BDDDF092-0987-49C1-BBF9-2A08323260DE}" type="slidenum">
+              <a:rPr lang="pt-BR" smtClean="0"/>
+              <a:t>‹nº›</a:t>
+            </a:fld>
+            <a:endParaRPr lang="pt-BR"/>
+          </a:p>
+        </p:txBody>
+      </p:sp>
+    </p:spTree>
+    <p:extLst>
+      <p:ext uri="{BB962C8B-B14F-4D97-AF65-F5344CB8AC3E}">
+        <p14:creationId xmlns:p14="http://schemas.microsoft.com/office/powerpoint/2010/main" val="4186654408"/>
+      </p:ext>
+    </p:extLst>
+  </p:cSld>
+  <p:clrMap bg1="lt1" tx1="dk1" bg2="lt2" tx2="dk2" accent1="accent1" accent2="accent2" accent3="accent3" accent4="accent4" accent5="accent5" accent6="accent6" hlink="hlink" folHlink="folHlink"/>
+  <p:notesStyle>
+    <a:lvl1pPr marL="0" algn="l" defTabSz="914400" rtl="0" eaLnBrk="1" latinLnBrk="0" hangingPunct="1">
+      <a:defRPr sz="1200" kern="1200">
+        <a:solidFill>
+          <a:schemeClr val="tx1"/>
+        </a:solidFill>
+        <a:latin typeface="+mn-lt"/>
+        <a:ea typeface="+mn-ea"/>
+        <a:cs typeface="+mn-cs"/>
+      </a:defRPr>
+    </a:lvl1pPr>
+    <a:lvl2pPr marL="457200" algn="l" defTabSz="914400" rtl="0" eaLnBrk="1" latinLnBrk="0" hangingPunct="1">
+      <a:defRPr sz="1200" kern="1200">
+        <a:solidFill>
+          <a:schemeClr val="tx1"/>
+        </a:solidFill>
+        <a:latin typeface="+mn-lt"/>
+        <a:ea typeface="+mn-ea"/>
+        <a:cs typeface="+mn-cs"/>
+      </a:defRPr>
+    </a:lvl2pPr>
+    <a:lvl3pPr marL="914400" algn="l" defTabSz="914400" rtl="0" eaLnBrk="1" latinLnBrk="0" hangingPunct="1">
+      <a:defRPr sz="1200" kern="1200">
+        <a:solidFill>
+          <a:schemeClr val="tx1"/>
+        </a:solidFill>
+        <a:latin typeface="+mn-lt"/>
+        <a:ea typeface="+mn-ea"/>
+        <a:cs typeface="+mn-cs"/>
+      </a:defRPr>
+    </a:lvl3pPr>
+    <a:lvl4pPr marL="1371600" algn="l" defTabSz="914400" rtl="0" eaLnBrk="1" latinLnBrk="0" hangingPunct="1">
+      <a:defRPr sz="1200" kern="1200">
+        <a:solidFill>
+          <a:schemeClr val="tx1"/>
+        </a:solidFill>
+        <a:latin typeface="+mn-lt"/>
+        <a:ea typeface="+mn-ea"/>
+        <a:cs typeface="+mn-cs"/>
+      </a:defRPr>
+    </a:lvl4pPr>
+    <a:lvl5pPr marL="1828800" algn="l" defTabSz="914400" rtl="0" eaLnBrk="1" latinLnBrk="0" hangingPunct="1">
+      <a:defRPr sz="1200" kern="1200">
+        <a:solidFill>
+          <a:schemeClr val="tx1"/>
+        </a:solidFill>
+        <a:latin typeface="+mn-lt"/>
+        <a:ea typeface="+mn-ea"/>
+        <a:cs typeface="+mn-cs"/>
+      </a:defRPr>
+    </a:lvl5pPr>
+    <a:lvl6pPr marL="2286000" algn="l" defTabSz="914400" rtl="0" eaLnBrk="1" latinLnBrk="0" hangingPunct="1">
+      <a:defRPr sz="1200" kern="1200">
+        <a:solidFill>
+          <a:schemeClr val="tx1"/>
+        </a:solidFill>
+        <a:latin typeface="+mn-lt"/>
+        <a:ea typeface="+mn-ea"/>
+        <a:cs typeface="+mn-cs"/>
+      </a:defRPr>
+    </a:lvl6pPr>
+    <a:lvl7pPr marL="2743200" algn="l" defTabSz="914400" rtl="0" eaLnBrk="1" latinLnBrk="0" hangingPunct="1">
+      <a:defRPr sz="1200" kern="1200">
+        <a:solidFill>
+          <a:schemeClr val="tx1"/>
+        </a:solidFill>
+        <a:latin typeface="+mn-lt"/>
+        <a:ea typeface="+mn-ea"/>
+        <a:cs typeface="+mn-cs"/>
+      </a:defRPr>
+    </a:lvl7pPr>
+    <a:lvl8pPr marL="3200400" algn="l" defTabSz="914400" rtl="0" eaLnBrk="1" latinLnBrk="0" hangingPunct="1">
+      <a:defRPr sz="1200" kern="1200">
+        <a:solidFill>
+          <a:schemeClr val="tx1"/>
+        </a:solidFill>
+        <a:latin typeface="+mn-lt"/>
+        <a:ea typeface="+mn-ea"/>
+        <a:cs typeface="+mn-cs"/>
+      </a:defRPr>
+    </a:lvl8pPr>
+    <a:lvl9pPr marL="3657600" algn="l" defTabSz="914400" rtl="0" eaLnBrk="1" latinLnBrk="0" hangingPunct="1">
+      <a:defRPr sz="1200" kern="1200">
+        <a:solidFill>
+          <a:schemeClr val="tx1"/>
+        </a:solidFill>
+        <a:latin typeface="+mn-lt"/>
+        <a:ea typeface="+mn-ea"/>
+        <a:cs typeface="+mn-cs"/>
+      </a:defRPr>
+    </a:lvl9pPr>
+  </p:notesStyle>
+</p:notesMaster>
+</file>
+
+<file path=ppt/notesSlides/notesSlide1.xml><?xml version="1.0" encoding="utf-8"?>
+<p:notes xmlns:a="http://schemas.openxmlformats.org/drawingml/2006/main" xmlns:r="http://schemas.openxmlformats.org/officeDocument/2006/relationships" xmlns:p="http://schemas.openxmlformats.org/presentationml/2006/main">
+  <p:cSld>
+    <p:spTree>
+      <p:nvGrpSpPr>
+        <p:cNvPr id="1" name=""/>
+        <p:cNvGrpSpPr/>
+        <p:nvPr/>
+      </p:nvGrpSpPr>
+      <p:grpSpPr>
+        <a:xfrm>
+          <a:off x="0" y="0"/>
+          <a:ext cx="0" cy="0"/>
+          <a:chOff x="0" y="0"/>
+          <a:chExt cx="0" cy="0"/>
+        </a:xfrm>
+      </p:grpSpPr>
+      <p:sp>
+        <p:nvSpPr>
+          <p:cNvPr id="2" name="Espaço Reservado para Imagem de Slide 1"/>
+          <p:cNvSpPr>
+            <a:spLocks noGrp="1" noRot="1" noChangeAspect="1"/>
+          </p:cNvSpPr>
+          <p:nvPr>
+            <p:ph type="sldImg"/>
+          </p:nvPr>
+        </p:nvSpPr>
+        <p:spPr/>
+      </p:sp>
+      <p:sp>
+        <p:nvSpPr>
+          <p:cNvPr id="3" name="Espaço Reservado para Anotações 2"/>
+          <p:cNvSpPr>
+            <a:spLocks noGrp="1"/>
+          </p:cNvSpPr>
+          <p:nvPr>
+            <p:ph type="body" idx="1"/>
+          </p:nvPr>
+        </p:nvSpPr>
+        <p:spPr/>
+        <p:txBody>
+          <a:bodyPr/>
+          <a:lstStyle/>
+          <a:p>
+            <a:endParaRPr lang="pt-BR" dirty="0"/>
+          </a:p>
+        </p:txBody>
+      </p:sp>
+      <p:sp>
+        <p:nvSpPr>
+          <p:cNvPr id="4" name="Espaço Reservado para Número de Slide 3"/>
+          <p:cNvSpPr>
+            <a:spLocks noGrp="1"/>
+          </p:cNvSpPr>
+          <p:nvPr>
+            <p:ph type="sldNum" sz="quarter" idx="5"/>
+          </p:nvPr>
+        </p:nvSpPr>
+        <p:spPr/>
+        <p:txBody>
+          <a:bodyPr/>
+          <a:lstStyle/>
+          <a:p>
+            <a:fld id="{BDDDF092-0987-49C1-BBF9-2A08323260DE}" type="slidenum">
+              <a:rPr lang="pt-BR" smtClean="0"/>
+              <a:t>16</a:t>
+            </a:fld>
+            <a:endParaRPr lang="pt-BR"/>
+          </a:p>
+        </p:txBody>
+      </p:sp>
+    </p:spTree>
+    <p:extLst>
+      <p:ext uri="{BB962C8B-B14F-4D97-AF65-F5344CB8AC3E}">
+        <p14:creationId xmlns:p14="http://schemas.microsoft.com/office/powerpoint/2010/main" val="2411587699"/>
+      </p:ext>
+    </p:extLst>
+  </p:cSld>
+  <p:clrMapOvr>
+    <a:masterClrMapping/>
+  </p:clrMapOvr>
+</p:notes>
 </file>
 
 <file path=ppt/slideLayouts/slideLayout1.xml><?xml version="1.0" encoding="utf-8"?>
@@ -13910,7 +14346,7 @@
           <p:nvPr/>
         </p:nvPicPr>
         <p:blipFill rotWithShape="1">
-          <a:blip r:embed="rId2">
+          <a:blip r:embed="rId3">
             <a:extLst>
               <a:ext uri="{28A0092B-C50C-407E-A947-70E740481C1C}">
                 <a14:useLocalDpi xmlns:a14="http://schemas.microsoft.com/office/drawing/2010/main" val="0"/>
@@ -13944,7 +14380,7 @@
         </p:nvSpPr>
         <p:spPr>
           <a:xfrm>
-            <a:off x="468591" y="2037813"/>
+            <a:off x="413788" y="2628176"/>
             <a:ext cx="1923658" cy="340242"/>
           </a:xfrm>
           <a:prstGeom prst="rect">
@@ -14269,9 +14705,36 @@
                 </a:solidFill>
                 <a:latin typeface="Calibre"/>
               </a:rPr>
-              <a:t>Venda e sustentação de Software para monitoramento de SO e Hardware</a:t>
-            </a:r>
-            <a:endParaRPr lang="en-US" sz="1400" dirty="0">
+              <a:t>Venda e sustentação de </a:t>
+            </a:r>
+            <a:r>
+              <a:rPr lang="pt-BR" sz="1400" i="1" dirty="0">
+                <a:solidFill>
+                  <a:schemeClr val="tx1"/>
+                </a:solidFill>
+                <a:latin typeface="Calibre"/>
+              </a:rPr>
+              <a:t>Software</a:t>
+            </a:r>
+            <a:r>
+              <a:rPr lang="pt-BR" sz="1400" dirty="0">
+                <a:solidFill>
+                  <a:schemeClr val="tx1"/>
+                </a:solidFill>
+                <a:latin typeface="Calibre"/>
+              </a:rPr>
+              <a:t> para monitoramento de SO e </a:t>
+            </a:r>
+            <a:r>
+              <a:rPr lang="pt-BR" sz="1400" i="1" dirty="0">
+                <a:solidFill>
+                  <a:schemeClr val="tx1"/>
+                </a:solidFill>
+                <a:latin typeface="Calibre"/>
+              </a:rPr>
+              <a:t>Hardware</a:t>
+            </a:r>
+            <a:endParaRPr lang="en-US" sz="1400" i="1" dirty="0">
               <a:solidFill>
                 <a:schemeClr val="tx1"/>
               </a:solidFill>
@@ -14294,8 +14757,8 @@
         </p:nvSpPr>
         <p:spPr>
           <a:xfrm>
-            <a:off x="2806829" y="3599660"/>
-            <a:ext cx="1923658" cy="288965"/>
+            <a:off x="2806829" y="3648132"/>
+            <a:ext cx="1923658" cy="336750"/>
           </a:xfrm>
           <a:prstGeom prst="rect">
             <a:avLst/>
@@ -14438,7 +14901,7 @@
               <a:defRPr/>
             </a:pPr>
             <a:r>
-              <a:rPr kumimoji="0" lang="pt-BR" sz="1400" b="0" i="0" u="none" strike="noStrike" kern="0" cap="none" spc="0" normalizeH="0" baseline="0" noProof="0">
+              <a:rPr kumimoji="0" lang="pt-BR" sz="1400" b="0" i="0" u="none" strike="noStrike" kern="0" cap="none" spc="0" normalizeH="0" baseline="0" noProof="0" dirty="0">
                 <a:ln>
                   <a:noFill/>
                 </a:ln>
@@ -14454,7 +14917,7 @@
               </a:rPr>
               <a:t>Plataforma Supervisor</a:t>
             </a:r>
-            <a:endParaRPr kumimoji="0" lang="en-US" sz="1400" b="0" i="0" u="none" strike="noStrike" kern="0" cap="none" spc="0" normalizeH="0" baseline="0" noProof="0">
+            <a:endParaRPr kumimoji="0" lang="en-US" sz="1400" b="0" i="0" u="none" strike="noStrike" kern="0" cap="none" spc="0" normalizeH="0" baseline="0" noProof="0" dirty="0">
               <a:ln>
                 <a:noFill/>
               </a:ln>
@@ -14485,7 +14948,7 @@
         </p:nvSpPr>
         <p:spPr>
           <a:xfrm>
-            <a:off x="2801033" y="3955702"/>
+            <a:off x="2801033" y="4027894"/>
             <a:ext cx="1923658" cy="439608"/>
           </a:xfrm>
           <a:prstGeom prst="rect">
@@ -14613,7 +15076,7 @@
           <a:p>
             <a:pPr algn="ctr"/>
             <a:r>
-              <a:rPr lang="pt-BR" sz="1400">
+              <a:rPr lang="pt-BR" sz="1400" dirty="0">
                 <a:solidFill>
                   <a:schemeClr val="tx1"/>
                 </a:solidFill>
@@ -14621,7 +15084,7 @@
               </a:rPr>
               <a:t>Equipe de desenvolvimento</a:t>
             </a:r>
-            <a:endParaRPr lang="en-US" sz="1400">
+            <a:endParaRPr lang="en-US" sz="1400" dirty="0">
               <a:solidFill>
                 <a:schemeClr val="tx1"/>
               </a:solidFill>
@@ -15121,7 +15584,7 @@
         </p:nvSpPr>
         <p:spPr>
           <a:xfrm>
-            <a:off x="7467313" y="1549779"/>
+            <a:off x="7467313" y="1609939"/>
             <a:ext cx="1814803" cy="375533"/>
           </a:xfrm>
           <a:prstGeom prst="rect">
@@ -15249,7 +15712,7 @@
           <a:p>
             <a:pPr algn="ctr"/>
             <a:r>
-              <a:rPr lang="pt-BR" sz="1400">
+              <a:rPr lang="pt-BR" sz="1400" dirty="0">
                 <a:solidFill>
                   <a:schemeClr val="tx1"/>
                 </a:solidFill>
@@ -15257,7 +15720,7 @@
               </a:rPr>
               <a:t>Atendimento via chat</a:t>
             </a:r>
-            <a:endParaRPr lang="en-US" sz="1400">
+            <a:endParaRPr lang="en-US" sz="1400" dirty="0">
               <a:solidFill>
                 <a:schemeClr val="tx1"/>
               </a:solidFill>
@@ -15280,7 +15743,7 @@
         </p:nvSpPr>
         <p:spPr>
           <a:xfrm>
-            <a:off x="7467311" y="3482220"/>
+            <a:off x="7467311" y="3602538"/>
             <a:ext cx="1814803" cy="375533"/>
           </a:xfrm>
           <a:prstGeom prst="rect">
@@ -15424,7 +15887,7 @@
               <a:defRPr/>
             </a:pPr>
             <a:r>
-              <a:rPr kumimoji="0" lang="pt-BR" sz="1400" b="0" i="0" u="none" strike="noStrike" kern="0" cap="none" spc="0" normalizeH="0" baseline="0" noProof="0">
+              <a:rPr kumimoji="0" lang="pt-BR" sz="1400" b="0" i="0" u="none" strike="noStrike" kern="0" cap="none" spc="0" normalizeH="0" baseline="0" noProof="0" dirty="0">
                 <a:ln>
                   <a:noFill/>
                 </a:ln>
@@ -15440,7 +15903,7 @@
               </a:rPr>
               <a:t>Site institucional</a:t>
             </a:r>
-            <a:endParaRPr kumimoji="0" lang="en-US" sz="1400" b="0" i="0" u="none" strike="noStrike" kern="0" cap="none" spc="0" normalizeH="0" baseline="0" noProof="0">
+            <a:endParaRPr kumimoji="0" lang="en-US" sz="1400" b="0" i="0" u="none" strike="noStrike" kern="0" cap="none" spc="0" normalizeH="0" baseline="0" noProof="0" dirty="0">
               <a:ln>
                 <a:noFill/>
               </a:ln>
@@ -15615,7 +16078,7 @@
               <a:defRPr/>
             </a:pPr>
             <a:r>
-              <a:rPr kumimoji="0" lang="pt-BR" sz="1400" b="0" i="0" u="none" strike="noStrike" kern="0" cap="none" spc="0" normalizeH="0" baseline="0" noProof="0">
+              <a:rPr kumimoji="0" lang="pt-BR" sz="1400" b="0" i="0" u="none" strike="noStrike" kern="0" cap="none" spc="0" normalizeH="0" baseline="0" noProof="0" dirty="0">
                 <a:ln>
                   <a:noFill/>
                 </a:ln>
@@ -15629,9 +16092,9 @@
                 <a:ea typeface="+mn-ea"/>
                 <a:cs typeface="+mn-cs"/>
               </a:rPr>
-              <a:t>Faculdades</a:t>
-            </a:r>
-            <a:endParaRPr kumimoji="0" lang="en-US" sz="1400" b="0" i="0" u="none" strike="noStrike" kern="0" cap="none" spc="0" normalizeH="0" baseline="0" noProof="0">
+              <a:t>Instituição de Ensino Superior</a:t>
+            </a:r>
+            <a:endParaRPr kumimoji="0" lang="en-US" sz="1400" b="0" i="0" u="none" strike="noStrike" kern="0" cap="none" spc="0" normalizeH="0" baseline="0" noProof="0" dirty="0">
               <a:ln>
                 <a:noFill/>
               </a:ln>
@@ -15662,7 +16125,7 @@
         </p:nvSpPr>
         <p:spPr>
           <a:xfrm>
-            <a:off x="7467310" y="3940841"/>
+            <a:off x="7467310" y="4037095"/>
             <a:ext cx="1814803" cy="375534"/>
           </a:xfrm>
           <a:prstGeom prst="rect">
@@ -15853,7 +16316,7 @@
         </p:nvSpPr>
         <p:spPr>
           <a:xfrm>
-            <a:off x="3292337" y="5034517"/>
+            <a:off x="3762862" y="5010629"/>
             <a:ext cx="1923658" cy="370724"/>
           </a:xfrm>
           <a:prstGeom prst="rect">
@@ -16030,7 +16493,7 @@
         </p:nvSpPr>
         <p:spPr>
           <a:xfrm>
-            <a:off x="1032462" y="5563529"/>
+            <a:off x="1602220" y="5255659"/>
             <a:ext cx="1923658" cy="439608"/>
           </a:xfrm>
           <a:prstGeom prst="rect">
@@ -16221,7 +16684,7 @@
         </p:nvSpPr>
         <p:spPr>
           <a:xfrm>
-            <a:off x="3292337" y="5628061"/>
+            <a:off x="3762862" y="5565788"/>
             <a:ext cx="1923658" cy="370724"/>
           </a:xfrm>
           <a:prstGeom prst="rect">
@@ -16349,7 +16812,7 @@
           <a:p>
             <a:pPr algn="ctr"/>
             <a:r>
-              <a:rPr lang="pt-BR" sz="1400">
+              <a:rPr lang="pt-BR" sz="1400" dirty="0">
                 <a:solidFill>
                   <a:schemeClr val="tx1"/>
                 </a:solidFill>
@@ -16358,7 +16821,7 @@
               <a:t>Plataforma de </a:t>
             </a:r>
             <a:r>
-              <a:rPr lang="pt-BR" sz="1400" err="1">
+              <a:rPr lang="pt-BR" sz="1400" i="1" dirty="0" err="1">
                 <a:solidFill>
                   <a:schemeClr val="tx1"/>
                 </a:solidFill>
@@ -16366,7 +16829,7 @@
               </a:rPr>
               <a:t>helpdesk</a:t>
             </a:r>
-            <a:endParaRPr lang="en-US" sz="1400">
+            <a:endParaRPr lang="en-US" sz="1400" i="1" dirty="0">
               <a:solidFill>
                 <a:schemeClr val="tx1"/>
               </a:solidFill>
@@ -16389,7 +16852,7 @@
         </p:nvSpPr>
         <p:spPr>
           <a:xfrm>
-            <a:off x="7467312" y="2006354"/>
+            <a:off x="7467312" y="2030418"/>
             <a:ext cx="1814803" cy="638114"/>
           </a:xfrm>
           <a:prstGeom prst="rect">
@@ -16533,7 +16996,7 @@
               <a:defRPr/>
             </a:pPr>
             <a:r>
-              <a:rPr kumimoji="0" lang="pt-BR" sz="1400" b="0" i="0" u="none" strike="noStrike" kern="0" cap="none" spc="0" normalizeH="0" baseline="0" noProof="0">
+              <a:rPr kumimoji="0" lang="pt-BR" sz="1400" b="0" i="0" u="none" strike="noStrike" kern="0" cap="none" spc="0" normalizeH="0" baseline="0" noProof="0" dirty="0">
                 <a:ln>
                   <a:noFill/>
                 </a:ln>
@@ -16547,9 +17010,43 @@
                 <a:ea typeface="+mn-ea"/>
                 <a:cs typeface="+mn-cs"/>
               </a:rPr>
-              <a:t>Abertura de tickets por diversos dispositivos.</a:t>
-            </a:r>
-            <a:endParaRPr kumimoji="0" lang="en-US" sz="1400" b="0" i="0" u="none" strike="noStrike" kern="0" cap="none" spc="0" normalizeH="0" baseline="0" noProof="0">
+              <a:t>Abertura de </a:t>
+            </a:r>
+            <a:r>
+              <a:rPr kumimoji="0" lang="pt-BR" sz="1400" b="0" i="1" u="none" strike="noStrike" kern="0" cap="none" spc="0" normalizeH="0" baseline="0" noProof="0" dirty="0">
+                <a:ln>
+                  <a:noFill/>
+                </a:ln>
+                <a:solidFill>
+                  <a:prstClr val="black"/>
+                </a:solidFill>
+                <a:effectLst/>
+                <a:uLnTx/>
+                <a:uFillTx/>
+                <a:latin typeface="Calibri" panose="020F0502020204030204"/>
+                <a:ea typeface="+mn-ea"/>
+                <a:cs typeface="+mn-cs"/>
+              </a:rPr>
+              <a:t>tickets</a:t>
+            </a:r>
+            <a:r>
+              <a:rPr kumimoji="0" lang="pt-BR" sz="1400" b="0" i="0" u="none" strike="noStrike" kern="0" cap="none" spc="0" normalizeH="0" baseline="0" noProof="0" dirty="0">
+                <a:ln>
+                  <a:noFill/>
+                </a:ln>
+                <a:solidFill>
+                  <a:prstClr val="black"/>
+                </a:solidFill>
+                <a:effectLst/>
+                <a:uLnTx/>
+                <a:uFillTx/>
+                <a:latin typeface="Calibri" panose="020F0502020204030204"/>
+                <a:ea typeface="+mn-ea"/>
+                <a:cs typeface="+mn-cs"/>
+              </a:rPr>
+              <a:t> por diversos dispositivos.</a:t>
+            </a:r>
+            <a:endParaRPr kumimoji="0" lang="en-US" sz="1400" b="0" i="0" u="none" strike="noStrike" kern="0" cap="none" spc="0" normalizeH="0" baseline="0" noProof="0" dirty="0">
               <a:ln>
                 <a:noFill/>
               </a:ln>
@@ -16580,8 +17077,8 @@
         </p:nvSpPr>
         <p:spPr>
           <a:xfrm>
-            <a:off x="6332397" y="4843184"/>
-            <a:ext cx="2269826" cy="654350"/>
+            <a:off x="6232602" y="4644156"/>
+            <a:ext cx="2008120" cy="654350"/>
           </a:xfrm>
           <a:prstGeom prst="rect">
             <a:avLst/>
@@ -16733,8 +17230,8 @@
         </p:nvSpPr>
         <p:spPr>
           <a:xfrm>
-            <a:off x="6332397" y="5555085"/>
-            <a:ext cx="2269826" cy="712927"/>
+            <a:off x="6232602" y="5417690"/>
+            <a:ext cx="2008120" cy="712927"/>
           </a:xfrm>
           <a:prstGeom prst="rect">
             <a:avLst/>
@@ -16886,8 +17383,8 @@
         </p:nvSpPr>
         <p:spPr>
           <a:xfrm>
-            <a:off x="8675830" y="5564243"/>
-            <a:ext cx="2269826" cy="694613"/>
+            <a:off x="8374711" y="5432413"/>
+            <a:ext cx="1814803" cy="694613"/>
           </a:xfrm>
           <a:prstGeom prst="rect">
             <a:avLst/>
@@ -17060,8 +17557,8 @@
         </p:nvSpPr>
         <p:spPr>
           <a:xfrm>
-            <a:off x="8675830" y="4947686"/>
-            <a:ext cx="2269826" cy="579376"/>
+            <a:off x="10323502" y="5441569"/>
+            <a:ext cx="1502886" cy="694613"/>
           </a:xfrm>
           <a:prstGeom prst="rect">
             <a:avLst/>
@@ -17586,8 +18083,8 @@
         </p:nvSpPr>
         <p:spPr>
           <a:xfrm>
-            <a:off x="4742016" y="605896"/>
-            <a:ext cx="6857359" cy="5646208"/>
+            <a:off x="4742016" y="1207480"/>
+            <a:ext cx="6857359" cy="5000815"/>
           </a:xfrm>
         </p:spPr>
         <p:txBody>
@@ -17607,125 +18104,125 @@
               <a:buChar char="•"/>
             </a:pPr>
             <a:r>
-              <a:rPr lang="en-US">
+              <a:rPr lang="en-US" dirty="0">
                 <a:ea typeface="+mn-lt"/>
                 <a:cs typeface="+mn-lt"/>
               </a:rPr>
               <a:t>As </a:t>
             </a:r>
             <a:r>
-              <a:rPr lang="en-US" err="1">
+              <a:rPr lang="en-US" dirty="0" err="1">
                 <a:ea typeface="+mn-lt"/>
                 <a:cs typeface="+mn-lt"/>
               </a:rPr>
               <a:t>informações</a:t>
             </a:r>
             <a:r>
-              <a:rPr lang="en-US">
+              <a:rPr lang="en-US" dirty="0">
                 <a:ea typeface="+mn-lt"/>
                 <a:cs typeface="+mn-lt"/>
               </a:rPr>
               <a:t> da </a:t>
             </a:r>
             <a:r>
-              <a:rPr lang="en-US" err="1">
+              <a:rPr lang="en-US" dirty="0" err="1">
                 <a:ea typeface="+mn-lt"/>
                 <a:cs typeface="+mn-lt"/>
               </a:rPr>
               <a:t>ocorrência</a:t>
             </a:r>
             <a:r>
-              <a:rPr lang="en-US">
+              <a:rPr lang="en-US" dirty="0">
                 <a:ea typeface="+mn-lt"/>
                 <a:cs typeface="+mn-lt"/>
               </a:rPr>
               <a:t> </a:t>
             </a:r>
             <a:r>
-              <a:rPr lang="en-US" err="1">
+              <a:rPr lang="en-US" dirty="0" err="1">
                 <a:ea typeface="+mn-lt"/>
                 <a:cs typeface="+mn-lt"/>
               </a:rPr>
               <a:t>estarão</a:t>
             </a:r>
             <a:r>
-              <a:rPr lang="en-US">
+              <a:rPr lang="en-US" dirty="0">
                 <a:ea typeface="+mn-lt"/>
                 <a:cs typeface="+mn-lt"/>
               </a:rPr>
               <a:t> </a:t>
             </a:r>
             <a:r>
-              <a:rPr lang="en-US" err="1">
+              <a:rPr lang="en-US" dirty="0" err="1">
                 <a:ea typeface="+mn-lt"/>
                 <a:cs typeface="+mn-lt"/>
               </a:rPr>
               <a:t>em</a:t>
             </a:r>
             <a:r>
-              <a:rPr lang="en-US">
+              <a:rPr lang="en-US" dirty="0">
                 <a:ea typeface="+mn-lt"/>
                 <a:cs typeface="+mn-lt"/>
               </a:rPr>
               <a:t> um banco de dados que </a:t>
             </a:r>
             <a:r>
-              <a:rPr lang="en-US" err="1">
+              <a:rPr lang="en-US" dirty="0" err="1">
                 <a:ea typeface="+mn-lt"/>
                 <a:cs typeface="+mn-lt"/>
               </a:rPr>
               <a:t>ajudará</a:t>
             </a:r>
             <a:r>
-              <a:rPr lang="en-US">
+              <a:rPr lang="en-US" dirty="0">
                 <a:ea typeface="+mn-lt"/>
                 <a:cs typeface="+mn-lt"/>
               </a:rPr>
               <a:t> </a:t>
             </a:r>
             <a:r>
-              <a:rPr lang="en-US" err="1">
+              <a:rPr lang="en-US" dirty="0" err="1">
                 <a:ea typeface="+mn-lt"/>
                 <a:cs typeface="+mn-lt"/>
               </a:rPr>
               <a:t>na</a:t>
             </a:r>
             <a:r>
-              <a:rPr lang="en-US">
+              <a:rPr lang="en-US" dirty="0">
                 <a:ea typeface="+mn-lt"/>
                 <a:cs typeface="+mn-lt"/>
               </a:rPr>
               <a:t> </a:t>
             </a:r>
             <a:r>
-              <a:rPr lang="en-US" err="1">
+              <a:rPr lang="en-US" dirty="0" err="1">
                 <a:ea typeface="+mn-lt"/>
                 <a:cs typeface="+mn-lt"/>
               </a:rPr>
               <a:t>avaliação</a:t>
             </a:r>
             <a:r>
-              <a:rPr lang="en-US">
+              <a:rPr lang="en-US" dirty="0">
                 <a:ea typeface="+mn-lt"/>
                 <a:cs typeface="+mn-lt"/>
               </a:rPr>
               <a:t> de </a:t>
             </a:r>
             <a:r>
-              <a:rPr lang="en-US" err="1">
+              <a:rPr lang="en-US" dirty="0" err="1">
                 <a:ea typeface="+mn-lt"/>
                 <a:cs typeface="+mn-lt"/>
               </a:rPr>
               <a:t>incidências</a:t>
             </a:r>
             <a:r>
-              <a:rPr lang="en-US">
+              <a:rPr lang="en-US" dirty="0">
                 <a:ea typeface="+mn-lt"/>
                 <a:cs typeface="+mn-lt"/>
               </a:rPr>
               <a:t>. </a:t>
             </a:r>
-            <a:endParaRPr lang="en-US">
+            <a:endParaRPr lang="en-US" dirty="0">
               <a:cs typeface="Calibri" panose="020F0502020204030204"/>
             </a:endParaRPr>
           </a:p>
@@ -17739,7 +18236,7 @@
               </a:spcAft>
               <a:buNone/>
             </a:pPr>
-            <a:endParaRPr lang="en-US">
+            <a:endParaRPr lang="en-US" dirty="0">
               <a:ea typeface="+mn-lt"/>
               <a:cs typeface="+mn-lt"/>
             </a:endParaRPr>
@@ -17756,140 +18253,140 @@
               <a:buChar char="•"/>
             </a:pPr>
             <a:r>
-              <a:rPr lang="en-US" err="1">
+              <a:rPr lang="en-US" dirty="0" err="1">
                 <a:ea typeface="+mn-lt"/>
                 <a:cs typeface="+mn-lt"/>
               </a:rPr>
               <a:t>Haverá</a:t>
             </a:r>
             <a:r>
-              <a:rPr lang="en-US">
+              <a:rPr lang="en-US" dirty="0">
                 <a:ea typeface="+mn-lt"/>
                 <a:cs typeface="+mn-lt"/>
               </a:rPr>
               <a:t> </a:t>
             </a:r>
             <a:r>
-              <a:rPr lang="en-US" err="1">
+              <a:rPr lang="en-US" dirty="0" err="1">
                 <a:ea typeface="+mn-lt"/>
                 <a:cs typeface="+mn-lt"/>
               </a:rPr>
               <a:t>uma</a:t>
             </a:r>
             <a:r>
-              <a:rPr lang="en-US">
+              <a:rPr lang="en-US" dirty="0">
                 <a:ea typeface="+mn-lt"/>
                 <a:cs typeface="+mn-lt"/>
               </a:rPr>
               <a:t> dashboard com </a:t>
             </a:r>
             <a:r>
-              <a:rPr lang="en-US" err="1">
+              <a:rPr lang="en-US" dirty="0" err="1">
                 <a:ea typeface="+mn-lt"/>
                 <a:cs typeface="+mn-lt"/>
               </a:rPr>
               <a:t>controle</a:t>
             </a:r>
             <a:r>
-              <a:rPr lang="en-US">
+              <a:rPr lang="en-US" dirty="0">
                 <a:ea typeface="+mn-lt"/>
                 <a:cs typeface="+mn-lt"/>
               </a:rPr>
               <a:t> de </a:t>
             </a:r>
             <a:r>
-              <a:rPr lang="en-US" err="1">
+              <a:rPr lang="en-US" dirty="0" err="1">
                 <a:ea typeface="+mn-lt"/>
                 <a:cs typeface="+mn-lt"/>
               </a:rPr>
               <a:t>monitoramento</a:t>
             </a:r>
             <a:r>
-              <a:rPr lang="en-US">
+              <a:rPr lang="en-US" dirty="0">
                 <a:ea typeface="+mn-lt"/>
                 <a:cs typeface="+mn-lt"/>
               </a:rPr>
               <a:t> visual </a:t>
             </a:r>
             <a:r>
-              <a:rPr lang="en-US" err="1">
+              <a:rPr lang="en-US" dirty="0" err="1">
                 <a:ea typeface="+mn-lt"/>
                 <a:cs typeface="+mn-lt"/>
               </a:rPr>
               <a:t>onde</a:t>
             </a:r>
             <a:r>
-              <a:rPr lang="en-US">
+              <a:rPr lang="en-US" dirty="0">
                 <a:ea typeface="+mn-lt"/>
                 <a:cs typeface="+mn-lt"/>
               </a:rPr>
               <a:t> o </a:t>
             </a:r>
             <a:r>
-              <a:rPr lang="en-US" err="1">
+              <a:rPr lang="en-US" dirty="0" err="1">
                 <a:ea typeface="+mn-lt"/>
                 <a:cs typeface="+mn-lt"/>
               </a:rPr>
               <a:t>suporte</a:t>
             </a:r>
             <a:r>
-              <a:rPr lang="en-US">
+              <a:rPr lang="en-US" dirty="0">
                 <a:ea typeface="+mn-lt"/>
                 <a:cs typeface="+mn-lt"/>
               </a:rPr>
               <a:t> de T.I </a:t>
             </a:r>
             <a:r>
-              <a:rPr lang="en-US" err="1">
+              <a:rPr lang="en-US" dirty="0" err="1">
                 <a:ea typeface="+mn-lt"/>
                 <a:cs typeface="+mn-lt"/>
               </a:rPr>
               <a:t>conseguirá</a:t>
             </a:r>
             <a:r>
-              <a:rPr lang="en-US">
+              <a:rPr lang="en-US" dirty="0">
                 <a:ea typeface="+mn-lt"/>
                 <a:cs typeface="+mn-lt"/>
               </a:rPr>
               <a:t> </a:t>
             </a:r>
             <a:r>
-              <a:rPr lang="en-US" err="1">
+              <a:rPr lang="en-US" dirty="0" err="1">
                 <a:ea typeface="+mn-lt"/>
                 <a:cs typeface="+mn-lt"/>
               </a:rPr>
               <a:t>verificar</a:t>
             </a:r>
             <a:r>
-              <a:rPr lang="en-US">
+              <a:rPr lang="en-US" dirty="0">
                 <a:ea typeface="+mn-lt"/>
                 <a:cs typeface="+mn-lt"/>
               </a:rPr>
               <a:t> o </a:t>
             </a:r>
             <a:r>
-              <a:rPr lang="en-US" err="1">
+              <a:rPr lang="en-US" dirty="0" err="1">
                 <a:ea typeface="+mn-lt"/>
                 <a:cs typeface="+mn-lt"/>
               </a:rPr>
               <a:t>problema</a:t>
             </a:r>
             <a:r>
-              <a:rPr lang="en-US">
+              <a:rPr lang="en-US" dirty="0">
                 <a:ea typeface="+mn-lt"/>
                 <a:cs typeface="+mn-lt"/>
               </a:rPr>
               <a:t> do </a:t>
             </a:r>
             <a:r>
-              <a:rPr lang="en-US" err="1">
+              <a:rPr lang="en-US" dirty="0" err="1">
                 <a:ea typeface="+mn-lt"/>
                 <a:cs typeface="+mn-lt"/>
               </a:rPr>
               <a:t>computador</a:t>
             </a:r>
             <a:r>
-              <a:rPr lang="en-US">
+              <a:rPr lang="en-US" dirty="0">
                 <a:ea typeface="+mn-lt"/>
                 <a:cs typeface="+mn-lt"/>
               </a:rPr>
@@ -17907,7 +18404,7 @@
               <a:buFont typeface="Arial,Sans-Serif" panose="020F0502020204030204" pitchFamily="34" charset="0"/>
               <a:buChar char="•"/>
             </a:pPr>
-            <a:endParaRPr lang="en-US">
+            <a:endParaRPr lang="en-US" dirty="0">
               <a:cs typeface="Calibri"/>
             </a:endParaRPr>
           </a:p>
@@ -17923,113 +18420,113 @@
               <a:buChar char="•"/>
             </a:pPr>
             <a:r>
-              <a:rPr lang="en-US" err="1">
+              <a:rPr lang="en-US" dirty="0" err="1">
                 <a:cs typeface="Calibri"/>
               </a:rPr>
               <a:t>Emitiremos</a:t>
             </a:r>
             <a:r>
-              <a:rPr lang="en-US">
+              <a:rPr lang="en-US" dirty="0">
                 <a:cs typeface="Calibri"/>
               </a:rPr>
               <a:t> um </a:t>
             </a:r>
             <a:r>
-              <a:rPr lang="en-US" err="1">
+              <a:rPr lang="en-US" dirty="0" err="1">
                 <a:cs typeface="Calibri"/>
               </a:rPr>
               <a:t>alerta</a:t>
             </a:r>
             <a:r>
-              <a:rPr lang="en-US">
+              <a:rPr lang="en-US" dirty="0">
                 <a:cs typeface="Calibri"/>
               </a:rPr>
               <a:t> para que a </a:t>
             </a:r>
             <a:r>
-              <a:rPr lang="en-US" err="1">
+              <a:rPr lang="en-US" dirty="0" err="1">
                 <a:cs typeface="Calibri"/>
               </a:rPr>
               <a:t>equipe</a:t>
             </a:r>
             <a:r>
-              <a:rPr lang="en-US">
+              <a:rPr lang="en-US" dirty="0">
                 <a:cs typeface="Calibri"/>
               </a:rPr>
               <a:t> de </a:t>
             </a:r>
             <a:r>
-              <a:rPr lang="en-US">
+              <a:rPr lang="en-US" dirty="0">
                 <a:ea typeface="+mn-lt"/>
                 <a:cs typeface="+mn-lt"/>
               </a:rPr>
               <a:t>T.I.  </a:t>
             </a:r>
             <a:r>
-              <a:rPr lang="en-US" err="1">
+              <a:rPr lang="en-US" dirty="0" err="1">
                 <a:ea typeface="+mn-lt"/>
                 <a:cs typeface="+mn-lt"/>
               </a:rPr>
               <a:t>mais</a:t>
             </a:r>
             <a:r>
-              <a:rPr lang="en-US">
+              <a:rPr lang="en-US" dirty="0">
                 <a:ea typeface="+mn-lt"/>
                 <a:cs typeface="+mn-lt"/>
               </a:rPr>
               <a:t> </a:t>
             </a:r>
             <a:r>
-              <a:rPr lang="en-US" err="1">
+              <a:rPr lang="en-US" dirty="0" err="1">
                 <a:ea typeface="+mn-lt"/>
                 <a:cs typeface="+mn-lt"/>
               </a:rPr>
               <a:t>atenta</a:t>
             </a:r>
             <a:r>
-              <a:rPr lang="en-US">
+              <a:rPr lang="en-US" dirty="0">
                 <a:ea typeface="+mn-lt"/>
                 <a:cs typeface="+mn-lt"/>
               </a:rPr>
               <a:t> </a:t>
             </a:r>
             <a:r>
-              <a:rPr lang="en-US" err="1">
+              <a:rPr lang="en-US" dirty="0" err="1">
                 <a:ea typeface="+mn-lt"/>
                 <a:cs typeface="+mn-lt"/>
               </a:rPr>
               <a:t>em</a:t>
             </a:r>
             <a:r>
-              <a:rPr lang="en-US">
+              <a:rPr lang="en-US" dirty="0">
                 <a:ea typeface="+mn-lt"/>
                 <a:cs typeface="+mn-lt"/>
               </a:rPr>
               <a:t> </a:t>
             </a:r>
             <a:r>
-              <a:rPr lang="en-US" err="1">
+              <a:rPr lang="en-US" dirty="0" err="1">
                 <a:ea typeface="+mn-lt"/>
                 <a:cs typeface="+mn-lt"/>
               </a:rPr>
               <a:t>determinada</a:t>
             </a:r>
             <a:r>
-              <a:rPr lang="en-US">
+              <a:rPr lang="en-US" dirty="0">
                 <a:ea typeface="+mn-lt"/>
                 <a:cs typeface="+mn-lt"/>
               </a:rPr>
               <a:t> </a:t>
             </a:r>
             <a:r>
-              <a:rPr lang="en-US" err="1">
+              <a:rPr lang="en-US" dirty="0" err="1">
                 <a:ea typeface="+mn-lt"/>
                 <a:cs typeface="+mn-lt"/>
               </a:rPr>
               <a:t>máquina</a:t>
             </a:r>
             <a:r>
-              <a:rPr lang="en-US">
+              <a:rPr lang="en-US" dirty="0">
                 <a:ea typeface="+mn-lt"/>
                 <a:cs typeface="+mn-lt"/>
               </a:rPr>
@@ -18047,7 +18544,7 @@
               <a:buFont typeface="Arial,Sans-Serif" panose="020F0502020204030204" pitchFamily="34" charset="0"/>
               <a:buChar char="•"/>
             </a:pPr>
-            <a:endParaRPr lang="en-US">
+            <a:endParaRPr lang="en-US" dirty="0">
               <a:ea typeface="+mn-lt"/>
               <a:cs typeface="+mn-lt"/>
             </a:endParaRPr>
@@ -18064,179 +18561,173 @@
               <a:buChar char="•"/>
             </a:pPr>
             <a:r>
-              <a:rPr lang="en-US" err="1">
+              <a:rPr lang="en-US" dirty="0" err="1">
                 <a:ea typeface="+mn-lt"/>
                 <a:cs typeface="+mn-lt"/>
               </a:rPr>
               <a:t>Terá</a:t>
             </a:r>
             <a:r>
-              <a:rPr lang="en-US">
+              <a:rPr lang="en-US" dirty="0">
                 <a:ea typeface="+mn-lt"/>
                 <a:cs typeface="+mn-lt"/>
               </a:rPr>
               <a:t> </a:t>
             </a:r>
             <a:r>
-              <a:rPr lang="en-US" err="1">
+              <a:rPr lang="en-US" dirty="0" err="1">
                 <a:ea typeface="+mn-lt"/>
                 <a:cs typeface="+mn-lt"/>
               </a:rPr>
               <a:t>uma</a:t>
             </a:r>
             <a:r>
-              <a:rPr lang="en-US">
+              <a:rPr lang="en-US" dirty="0">
                 <a:ea typeface="+mn-lt"/>
                 <a:cs typeface="+mn-lt"/>
               </a:rPr>
               <a:t> </a:t>
             </a:r>
             <a:r>
-              <a:rPr lang="en-US" err="1">
+              <a:rPr lang="en-US" dirty="0" err="1">
                 <a:ea typeface="+mn-lt"/>
                 <a:cs typeface="+mn-lt"/>
               </a:rPr>
               <a:t>avaliação</a:t>
             </a:r>
             <a:r>
-              <a:rPr lang="en-US">
+              <a:rPr lang="en-US" dirty="0">
                 <a:ea typeface="+mn-lt"/>
                 <a:cs typeface="+mn-lt"/>
               </a:rPr>
               <a:t> por </a:t>
             </a:r>
             <a:r>
-              <a:rPr lang="en-US" err="1">
+              <a:rPr lang="en-US" dirty="0" err="1">
                 <a:ea typeface="+mn-lt"/>
                 <a:cs typeface="+mn-lt"/>
               </a:rPr>
               <a:t>pontuação</a:t>
             </a:r>
             <a:r>
-              <a:rPr lang="en-US">
+              <a:rPr lang="en-US" dirty="0">
                 <a:ea typeface="+mn-lt"/>
                 <a:cs typeface="+mn-lt"/>
               </a:rPr>
               <a:t> um </a:t>
             </a:r>
             <a:r>
-              <a:rPr lang="en-US" err="1">
+              <a:rPr lang="en-US" dirty="0" err="1">
                 <a:ea typeface="+mn-lt"/>
                 <a:cs typeface="+mn-lt"/>
               </a:rPr>
               <a:t>período</a:t>
             </a:r>
             <a:r>
-              <a:rPr lang="en-US">
+              <a:rPr lang="en-US" dirty="0">
                 <a:ea typeface="+mn-lt"/>
                 <a:cs typeface="+mn-lt"/>
               </a:rPr>
               <a:t> </a:t>
             </a:r>
             <a:r>
-              <a:rPr lang="en-US" err="1">
+              <a:rPr lang="en-US" dirty="0" err="1">
                 <a:ea typeface="+mn-lt"/>
                 <a:cs typeface="+mn-lt"/>
               </a:rPr>
               <a:t>após</a:t>
             </a:r>
             <a:r>
-              <a:rPr lang="en-US">
+              <a:rPr lang="en-US" dirty="0">
                 <a:ea typeface="+mn-lt"/>
                 <a:cs typeface="+mn-lt"/>
               </a:rPr>
               <a:t> o </a:t>
             </a:r>
             <a:r>
-              <a:rPr lang="en-US" err="1">
+              <a:rPr lang="en-US" dirty="0" err="1">
                 <a:ea typeface="+mn-lt"/>
                 <a:cs typeface="+mn-lt"/>
               </a:rPr>
               <a:t>atendimento</a:t>
             </a:r>
             <a:r>
-              <a:rPr lang="en-US">
+              <a:rPr lang="en-US" dirty="0">
                 <a:ea typeface="+mn-lt"/>
                 <a:cs typeface="+mn-lt"/>
               </a:rPr>
               <a:t> para </a:t>
             </a:r>
             <a:r>
-              <a:rPr lang="en-US" err="1">
+              <a:rPr lang="en-US" dirty="0" err="1">
                 <a:ea typeface="+mn-lt"/>
                 <a:cs typeface="+mn-lt"/>
               </a:rPr>
               <a:t>termos</a:t>
             </a:r>
             <a:r>
-              <a:rPr lang="en-US">
+              <a:rPr lang="en-US" dirty="0">
                 <a:ea typeface="+mn-lt"/>
                 <a:cs typeface="+mn-lt"/>
               </a:rPr>
               <a:t> </a:t>
             </a:r>
             <a:r>
-              <a:rPr lang="en-US" err="1">
+              <a:rPr lang="en-US" dirty="0" err="1">
                 <a:ea typeface="+mn-lt"/>
                 <a:cs typeface="+mn-lt"/>
               </a:rPr>
               <a:t>uma</a:t>
             </a:r>
             <a:r>
-              <a:rPr lang="en-US">
+              <a:rPr lang="en-US" dirty="0">
                 <a:ea typeface="+mn-lt"/>
                 <a:cs typeface="+mn-lt"/>
               </a:rPr>
               <a:t> </a:t>
             </a:r>
             <a:r>
-              <a:rPr lang="en-US" err="1">
+              <a:rPr lang="en-US" dirty="0" err="1">
                 <a:ea typeface="+mn-lt"/>
                 <a:cs typeface="+mn-lt"/>
               </a:rPr>
               <a:t>melhoria</a:t>
             </a:r>
             <a:r>
-              <a:rPr lang="en-US">
+              <a:rPr lang="en-US" dirty="0">
                 <a:ea typeface="+mn-lt"/>
                 <a:cs typeface="+mn-lt"/>
               </a:rPr>
               <a:t> </a:t>
             </a:r>
             <a:r>
-              <a:rPr lang="en-US" err="1">
+              <a:rPr lang="en-US" dirty="0" err="1">
                 <a:ea typeface="+mn-lt"/>
                 <a:cs typeface="+mn-lt"/>
               </a:rPr>
               <a:t>contínua</a:t>
             </a:r>
             <a:r>
-              <a:rPr lang="en-US">
+              <a:rPr lang="en-US" dirty="0">
                 <a:ea typeface="+mn-lt"/>
                 <a:cs typeface="+mn-lt"/>
               </a:rPr>
               <a:t> do </a:t>
             </a:r>
             <a:r>
-              <a:rPr lang="en-US" err="1">
+              <a:rPr lang="en-US" dirty="0" err="1">
                 <a:ea typeface="+mn-lt"/>
                 <a:cs typeface="+mn-lt"/>
               </a:rPr>
               <a:t>processo</a:t>
             </a:r>
             <a:r>
-              <a:rPr lang="en-US">
+              <a:rPr lang="en-US" dirty="0">
                 <a:ea typeface="+mn-lt"/>
                 <a:cs typeface="+mn-lt"/>
               </a:rPr>
               <a:t>. </a:t>
             </a:r>
-          </a:p>
-          <a:p>
-            <a:pPr algn="just"/>
-            <a:endParaRPr lang="en-US">
-              <a:cs typeface="Calibri"/>
-            </a:endParaRPr>
           </a:p>
         </p:txBody>
       </p:sp>
@@ -28212,4 +28703,299 @@
     </a:ext>
   </a:extLst>
 </a:theme>
+</file>
+
+<file path=ppt/theme/theme2.xml><?xml version="1.0" encoding="utf-8"?>
+<a:theme xmlns:a="http://schemas.openxmlformats.org/drawingml/2006/main" name="Tema do Office">
+  <a:themeElements>
+    <a:clrScheme name="Office">
+      <a:dk1>
+        <a:sysClr val="windowText" lastClr="000000"/>
+      </a:dk1>
+      <a:lt1>
+        <a:sysClr val="window" lastClr="FFFFFF"/>
+      </a:lt1>
+      <a:dk2>
+        <a:srgbClr val="44546A"/>
+      </a:dk2>
+      <a:lt2>
+        <a:srgbClr val="E7E6E6"/>
+      </a:lt2>
+      <a:accent1>
+        <a:srgbClr val="4472C4"/>
+      </a:accent1>
+      <a:accent2>
+        <a:srgbClr val="ED7D31"/>
+      </a:accent2>
+      <a:accent3>
+        <a:srgbClr val="A5A5A5"/>
+      </a:accent3>
+      <a:accent4>
+        <a:srgbClr val="FFC000"/>
+      </a:accent4>
+      <a:accent5>
+        <a:srgbClr val="5B9BD5"/>
+      </a:accent5>
+      <a:accent6>
+        <a:srgbClr val="70AD47"/>
+      </a:accent6>
+      <a:hlink>
+        <a:srgbClr val="0563C1"/>
+      </a:hlink>
+      <a:folHlink>
+        <a:srgbClr val="954F72"/>
+      </a:folHlink>
+    </a:clrScheme>
+    <a:fontScheme name="Office">
+      <a:majorFont>
+        <a:latin typeface="Calibri Light" panose="020F0302020204030204"/>
+        <a:ea typeface=""/>
+        <a:cs typeface=""/>
+        <a:font script="Jpan" typeface="游ゴシック Light"/>
+        <a:font script="Hang" typeface="맑은 고딕"/>
+        <a:font script="Hans" typeface="等线 Light"/>
+        <a:font script="Hant" typeface="新細明體"/>
+        <a:font script="Arab" typeface="Times New Roman"/>
+        <a:font script="Hebr" typeface="Times New Roman"/>
+        <a:font script="Thai" typeface="Angsana New"/>
+        <a:font script="Ethi" typeface="Nyala"/>
+        <a:font script="Beng" typeface="Vrinda"/>
+        <a:font script="Gujr" typeface="Shruti"/>
+        <a:font script="Khmr" typeface="MoolBoran"/>
+        <a:font script="Knda" typeface="Tunga"/>
+        <a:font script="Guru" typeface="Raavi"/>
+        <a:font script="Cans" typeface="Euphemia"/>
+        <a:font script="Cher" typeface="Plantagenet Cherokee"/>
+        <a:font script="Yiii" typeface="Microsoft Yi Baiti"/>
+        <a:font script="Tibt" typeface="Microsoft Himalaya"/>
+        <a:font script="Thaa" typeface="MV Boli"/>
+        <a:font script="Deva" typeface="Mangal"/>
+        <a:font script="Telu" typeface="Gautami"/>
+        <a:font script="Taml" typeface="Latha"/>
+        <a:font script="Syrc" typeface="Estrangelo Edessa"/>
+        <a:font script="Orya" typeface="Kalinga"/>
+        <a:font script="Mlym" typeface="Kartika"/>
+        <a:font script="Laoo" typeface="DokChampa"/>
+        <a:font script="Sinh" typeface="Iskoola Pota"/>
+        <a:font script="Mong" typeface="Mongolian Baiti"/>
+        <a:font script="Viet" typeface="Times New Roman"/>
+        <a:font script="Uigh" typeface="Microsoft Uighur"/>
+        <a:font script="Geor" typeface="Sylfaen"/>
+        <a:font script="Armn" typeface="Arial"/>
+        <a:font script="Bugi" typeface="Leelawadee UI"/>
+        <a:font script="Bopo" typeface="Microsoft JhengHei"/>
+        <a:font script="Java" typeface="Javanese Text"/>
+        <a:font script="Lisu" typeface="Segoe UI"/>
+        <a:font script="Mymr" typeface="Myanmar Text"/>
+        <a:font script="Nkoo" typeface="Ebrima"/>
+        <a:font script="Olck" typeface="Nirmala UI"/>
+        <a:font script="Osma" typeface="Ebrima"/>
+        <a:font script="Phag" typeface="Phagspa"/>
+        <a:font script="Syrn" typeface="Estrangelo Edessa"/>
+        <a:font script="Syrj" typeface="Estrangelo Edessa"/>
+        <a:font script="Syre" typeface="Estrangelo Edessa"/>
+        <a:font script="Sora" typeface="Nirmala UI"/>
+        <a:font script="Tale" typeface="Microsoft Tai Le"/>
+        <a:font script="Talu" typeface="Microsoft New Tai Lue"/>
+        <a:font script="Tfng" typeface="Ebrima"/>
+      </a:majorFont>
+      <a:minorFont>
+        <a:latin typeface="Calibri" panose="020F0502020204030204"/>
+        <a:ea typeface=""/>
+        <a:cs typeface=""/>
+        <a:font script="Jpan" typeface="游ゴシック"/>
+        <a:font script="Hang" typeface="맑은 고딕"/>
+        <a:font script="Hans" typeface="等线"/>
+        <a:font script="Hant" typeface="新細明體"/>
+        <a:font script="Arab" typeface="Arial"/>
+        <a:font script="Hebr" typeface="Arial"/>
+        <a:font script="Thai" typeface="Cordia New"/>
+        <a:font script="Ethi" typeface="Nyala"/>
+        <a:font script="Beng" typeface="Vrinda"/>
+        <a:font script="Gujr" typeface="Shruti"/>
+        <a:font script="Khmr" typeface="DaunPenh"/>
+        <a:font script="Knda" typeface="Tunga"/>
+        <a:font script="Guru" typeface="Raavi"/>
+        <a:font script="Cans" typeface="Euphemia"/>
+        <a:font script="Cher" typeface="Plantagenet Cherokee"/>
+        <a:font script="Yiii" typeface="Microsoft Yi Baiti"/>
+        <a:font script="Tibt" typeface="Microsoft Himalaya"/>
+        <a:font script="Thaa" typeface="MV Boli"/>
+        <a:font script="Deva" typeface="Mangal"/>
+        <a:font script="Telu" typeface="Gautami"/>
+        <a:font script="Taml" typeface="Latha"/>
+        <a:font script="Syrc" typeface="Estrangelo Edessa"/>
+        <a:font script="Orya" typeface="Kalinga"/>
+        <a:font script="Mlym" typeface="Kartika"/>
+        <a:font script="Laoo" typeface="DokChampa"/>
+        <a:font script="Sinh" typeface="Iskoola Pota"/>
+        <a:font script="Mong" typeface="Mongolian Baiti"/>
+        <a:font script="Viet" typeface="Arial"/>
+        <a:font script="Uigh" typeface="Microsoft Uighur"/>
+        <a:font script="Geor" typeface="Sylfaen"/>
+        <a:font script="Armn" typeface="Arial"/>
+        <a:font script="Bugi" typeface="Leelawadee UI"/>
+        <a:font script="Bopo" typeface="Microsoft JhengHei"/>
+        <a:font script="Java" typeface="Javanese Text"/>
+        <a:font script="Lisu" typeface="Segoe UI"/>
+        <a:font script="Mymr" typeface="Myanmar Text"/>
+        <a:font script="Nkoo" typeface="Ebrima"/>
+        <a:font script="Olck" typeface="Nirmala UI"/>
+        <a:font script="Osma" typeface="Ebrima"/>
+        <a:font script="Phag" typeface="Phagspa"/>
+        <a:font script="Syrn" typeface="Estrangelo Edessa"/>
+        <a:font script="Syrj" typeface="Estrangelo Edessa"/>
+        <a:font script="Syre" typeface="Estrangelo Edessa"/>
+        <a:font script="Sora" typeface="Nirmala UI"/>
+        <a:font script="Tale" typeface="Microsoft Tai Le"/>
+        <a:font script="Talu" typeface="Microsoft New Tai Lue"/>
+        <a:font script="Tfng" typeface="Ebrima"/>
+      </a:minorFont>
+    </a:fontScheme>
+    <a:fmtScheme name="Office">
+      <a:fillStyleLst>
+        <a:solidFill>
+          <a:schemeClr val="phClr"/>
+        </a:solidFill>
+        <a:gradFill rotWithShape="1">
+          <a:gsLst>
+            <a:gs pos="0">
+              <a:schemeClr val="phClr">
+                <a:lumMod val="110000"/>
+                <a:satMod val="105000"/>
+                <a:tint val="67000"/>
+              </a:schemeClr>
+            </a:gs>
+            <a:gs pos="50000">
+              <a:schemeClr val="phClr">
+                <a:lumMod val="105000"/>
+                <a:satMod val="103000"/>
+                <a:tint val="73000"/>
+              </a:schemeClr>
+            </a:gs>
+            <a:gs pos="100000">
+              <a:schemeClr val="phClr">
+                <a:lumMod val="105000"/>
+                <a:satMod val="109000"/>
+                <a:tint val="81000"/>
+              </a:schemeClr>
+            </a:gs>
+          </a:gsLst>
+          <a:lin ang="5400000" scaled="0"/>
+        </a:gradFill>
+        <a:gradFill rotWithShape="1">
+          <a:gsLst>
+            <a:gs pos="0">
+              <a:schemeClr val="phClr">
+                <a:satMod val="103000"/>
+                <a:lumMod val="102000"/>
+                <a:tint val="94000"/>
+              </a:schemeClr>
+            </a:gs>
+            <a:gs pos="50000">
+              <a:schemeClr val="phClr">
+                <a:satMod val="110000"/>
+                <a:lumMod val="100000"/>
+                <a:shade val="100000"/>
+              </a:schemeClr>
+            </a:gs>
+            <a:gs pos="100000">
+              <a:schemeClr val="phClr">
+                <a:lumMod val="99000"/>
+                <a:satMod val="120000"/>
+                <a:shade val="78000"/>
+              </a:schemeClr>
+            </a:gs>
+          </a:gsLst>
+          <a:lin ang="5400000" scaled="0"/>
+        </a:gradFill>
+      </a:fillStyleLst>
+      <a:lnStyleLst>
+        <a:ln w="6350" cap="flat" cmpd="sng" algn="ctr">
+          <a:solidFill>
+            <a:schemeClr val="phClr"/>
+          </a:solidFill>
+          <a:prstDash val="solid"/>
+          <a:miter lim="800000"/>
+        </a:ln>
+        <a:ln w="12700" cap="flat" cmpd="sng" algn="ctr">
+          <a:solidFill>
+            <a:schemeClr val="phClr"/>
+          </a:solidFill>
+          <a:prstDash val="solid"/>
+          <a:miter lim="800000"/>
+        </a:ln>
+        <a:ln w="19050" cap="flat" cmpd="sng" algn="ctr">
+          <a:solidFill>
+            <a:schemeClr val="phClr"/>
+          </a:solidFill>
+          <a:prstDash val="solid"/>
+          <a:miter lim="800000"/>
+        </a:ln>
+      </a:lnStyleLst>
+      <a:effectStyleLst>
+        <a:effectStyle>
+          <a:effectLst/>
+        </a:effectStyle>
+        <a:effectStyle>
+          <a:effectLst/>
+        </a:effectStyle>
+        <a:effectStyle>
+          <a:effectLst>
+            <a:outerShdw blurRad="57150" dist="19050" dir="5400000" algn="ctr" rotWithShape="0">
+              <a:srgbClr val="000000">
+                <a:alpha val="63000"/>
+              </a:srgbClr>
+            </a:outerShdw>
+          </a:effectLst>
+        </a:effectStyle>
+      </a:effectStyleLst>
+      <a:bgFillStyleLst>
+        <a:solidFill>
+          <a:schemeClr val="phClr"/>
+        </a:solidFill>
+        <a:solidFill>
+          <a:schemeClr val="phClr">
+            <a:tint val="95000"/>
+            <a:satMod val="170000"/>
+          </a:schemeClr>
+        </a:solidFill>
+        <a:gradFill rotWithShape="1">
+          <a:gsLst>
+            <a:gs pos="0">
+              <a:schemeClr val="phClr">
+                <a:tint val="93000"/>
+                <a:satMod val="150000"/>
+                <a:shade val="98000"/>
+                <a:lumMod val="102000"/>
+              </a:schemeClr>
+            </a:gs>
+            <a:gs pos="50000">
+              <a:schemeClr val="phClr">
+                <a:tint val="98000"/>
+                <a:satMod val="130000"/>
+                <a:shade val="90000"/>
+                <a:lumMod val="103000"/>
+              </a:schemeClr>
+            </a:gs>
+            <a:gs pos="100000">
+              <a:schemeClr val="phClr">
+                <a:shade val="63000"/>
+                <a:satMod val="120000"/>
+              </a:schemeClr>
+            </a:gs>
+          </a:gsLst>
+          <a:lin ang="5400000" scaled="0"/>
+        </a:gradFill>
+      </a:bgFillStyleLst>
+    </a:fmtScheme>
+  </a:themeElements>
+  <a:objectDefaults/>
+  <a:extraClrSchemeLst/>
+  <a:extLst>
+    <a:ext uri="{05A4C25C-085E-4340-85A3-A5531E510DB2}">
+      <thm15:themeFamily xmlns:thm15="http://schemas.microsoft.com/office/thememl/2012/main" name="Office Theme" id="{62F939B6-93AF-4DB8-9C6B-D6C7DFDC589F}" vid="{4A3C46E8-61CC-4603-A589-7422A47A8E4A}"/>
+    </a:ext>
+  </a:extLst>
+</a:theme>
 </file>
--- a/Apresentação Sprint 1.pptx
+++ b/Apresentação Sprint 1.pptx
@@ -26,8 +26,8 @@
     <p:sldId id="277" r:id="rId20"/>
     <p:sldId id="278" r:id="rId21"/>
     <p:sldId id="280" r:id="rId22"/>
-    <p:sldId id="281" r:id="rId23"/>
-    <p:sldId id="284" r:id="rId24"/>
+    <p:sldId id="284" r:id="rId23"/>
+    <p:sldId id="281" r:id="rId24"/>
     <p:sldId id="282" r:id="rId25"/>
   </p:sldIdLst>
   <p:sldSz cx="12192000" cy="6858000"/>
@@ -4393,7 +4393,7 @@
             </a:gradFill>
             <a:extLst>
               <a:ext uri="{C807C97D-BFC1-408E-A445-0C87EB9F89A2}">
-                <ask:lineSketchStyleProps xmlns:ask="http://schemas.microsoft.com/office/drawing/2018/sketchyshapes" sd="981765707">
+                <ask:lineSketchStyleProps xmlns:ask="http://schemas.microsoft.com/office/drawing/2018/sketchyshapes" xmlns="" sd="981765707">
                   <a:prstGeom prst="rect">
                     <a:avLst/>
                   </a:prstGeom>
@@ -5032,7 +5032,7 @@
             </a:gradFill>
             <a:extLst>
               <a:ext uri="{C807C97D-BFC1-408E-A445-0C87EB9F89A2}">
-                <ask:lineSketchStyleProps xmlns:ask="http://schemas.microsoft.com/office/drawing/2018/sketchyshapes" sd="981765707">
+                <ask:lineSketchStyleProps xmlns:ask="http://schemas.microsoft.com/office/drawing/2018/sketchyshapes" xmlns="" sd="981765707">
                   <a:prstGeom prst="rect">
                     <a:avLst/>
                   </a:prstGeom>
@@ -5592,7 +5592,7 @@
             </a:gradFill>
             <a:extLst>
               <a:ext uri="{C807C97D-BFC1-408E-A445-0C87EB9F89A2}">
-                <ask:lineSketchStyleProps xmlns:ask="http://schemas.microsoft.com/office/drawing/2018/sketchyshapes" sd="981765707">
+                <ask:lineSketchStyleProps xmlns:ask="http://schemas.microsoft.com/office/drawing/2018/sketchyshapes" xmlns="" sd="981765707">
                   <a:prstGeom prst="rect">
                     <a:avLst/>
                   </a:prstGeom>
@@ -6201,7 +6201,7 @@
             </a:gradFill>
             <a:extLst>
               <a:ext uri="{C807C97D-BFC1-408E-A445-0C87EB9F89A2}">
-                <ask:lineSketchStyleProps xmlns:ask="http://schemas.microsoft.com/office/drawing/2018/sketchyshapes" sd="981765707">
+                <ask:lineSketchStyleProps xmlns:ask="http://schemas.microsoft.com/office/drawing/2018/sketchyshapes" xmlns="" sd="981765707">
                   <a:prstGeom prst="rect">
                     <a:avLst/>
                   </a:prstGeom>
@@ -6763,7 +6763,7 @@
             </a:gradFill>
             <a:extLst>
               <a:ext uri="{C807C97D-BFC1-408E-A445-0C87EB9F89A2}">
-                <ask:lineSketchStyleProps xmlns:ask="http://schemas.microsoft.com/office/drawing/2018/sketchyshapes" sd="981765707">
+                <ask:lineSketchStyleProps xmlns:ask="http://schemas.microsoft.com/office/drawing/2018/sketchyshapes" xmlns="" sd="981765707">
                   <a:prstGeom prst="rect">
                     <a:avLst/>
                   </a:prstGeom>
@@ -7468,7 +7468,7 @@
             </a:gradFill>
             <a:extLst>
               <a:ext uri="{C807C97D-BFC1-408E-A445-0C87EB9F89A2}">
-                <ask:lineSketchStyleProps xmlns:ask="http://schemas.microsoft.com/office/drawing/2018/sketchyshapes" sd="981765707">
+                <ask:lineSketchStyleProps xmlns:ask="http://schemas.microsoft.com/office/drawing/2018/sketchyshapes" xmlns="" sd="981765707">
                   <a:prstGeom prst="rect">
                     <a:avLst/>
                   </a:prstGeom>
@@ -8307,7 +8307,7 @@
             </a:gradFill>
             <a:extLst>
               <a:ext uri="{C807C97D-BFC1-408E-A445-0C87EB9F89A2}">
-                <ask:lineSketchStyleProps xmlns:ask="http://schemas.microsoft.com/office/drawing/2018/sketchyshapes" sd="981765707">
+                <ask:lineSketchStyleProps xmlns:ask="http://schemas.microsoft.com/office/drawing/2018/sketchyshapes" xmlns="" sd="981765707">
                   <a:prstGeom prst="rect">
                     <a:avLst/>
                   </a:prstGeom>
@@ -8955,7 +8955,7 @@
             </a:gradFill>
             <a:extLst>
               <a:ext uri="{C807C97D-BFC1-408E-A445-0C87EB9F89A2}">
-                <ask:lineSketchStyleProps xmlns:ask="http://schemas.microsoft.com/office/drawing/2018/sketchyshapes" sd="981765707">
+                <ask:lineSketchStyleProps xmlns:ask="http://schemas.microsoft.com/office/drawing/2018/sketchyshapes" xmlns="" sd="981765707">
                   <a:prstGeom prst="rect">
                     <a:avLst/>
                   </a:prstGeom>
@@ -9664,7 +9664,7 @@
             </a:gradFill>
             <a:extLst>
               <a:ext uri="{C807C97D-BFC1-408E-A445-0C87EB9F89A2}">
-                <ask:lineSketchStyleProps xmlns:ask="http://schemas.microsoft.com/office/drawing/2018/sketchyshapes" sd="981765707">
+                <ask:lineSketchStyleProps xmlns:ask="http://schemas.microsoft.com/office/drawing/2018/sketchyshapes" xmlns="" sd="981765707">
                   <a:prstGeom prst="rect">
                     <a:avLst/>
                   </a:prstGeom>
@@ -10367,7 +10367,7 @@
             </a:gradFill>
             <a:extLst>
               <a:ext uri="{C807C97D-BFC1-408E-A445-0C87EB9F89A2}">
-                <ask:lineSketchStyleProps xmlns:ask="http://schemas.microsoft.com/office/drawing/2018/sketchyshapes" sd="981765707">
+                <ask:lineSketchStyleProps xmlns:ask="http://schemas.microsoft.com/office/drawing/2018/sketchyshapes" xmlns="" sd="981765707">
                   <a:prstGeom prst="rect">
                     <a:avLst/>
                   </a:prstGeom>
@@ -10998,7 +10998,7 @@
             </a:gradFill>
             <a:extLst>
               <a:ext uri="{C807C97D-BFC1-408E-A445-0C87EB9F89A2}">
-                <ask:lineSketchStyleProps xmlns:ask="http://schemas.microsoft.com/office/drawing/2018/sketchyshapes" sd="981765707">
+                <ask:lineSketchStyleProps xmlns:ask="http://schemas.microsoft.com/office/drawing/2018/sketchyshapes" xmlns="" sd="981765707">
                   <a:prstGeom prst="rect">
                     <a:avLst/>
                   </a:prstGeom>
@@ -11695,7 +11695,7 @@
             </a:gradFill>
             <a:extLst>
               <a:ext uri="{C807C97D-BFC1-408E-A445-0C87EB9F89A2}">
-                <ask:lineSketchStyleProps xmlns:ask="http://schemas.microsoft.com/office/drawing/2018/sketchyshapes" sd="981765707">
+                <ask:lineSketchStyleProps xmlns:ask="http://schemas.microsoft.com/office/drawing/2018/sketchyshapes" xmlns="" sd="981765707">
                   <a:prstGeom prst="rect">
                     <a:avLst/>
                   </a:prstGeom>
@@ -19936,37 +19936,6 @@
           </a:fontRef>
         </p:style>
       </p:cxnSp>
-      <p:pic>
-        <p:nvPicPr>
-          <p:cNvPr id="5" name="Picture 5" descr="A picture containing table&#10;&#10;Description automatically generated">
-            <a:extLst>
-              <a:ext uri="{FF2B5EF4-FFF2-40B4-BE49-F238E27FC236}">
-                <a16:creationId xmlns:a16="http://schemas.microsoft.com/office/drawing/2014/main" id="{FB878CE8-28F7-4FB7-9DDA-6A6A99D0BE1C}"/>
-              </a:ext>
-            </a:extLst>
-          </p:cNvPr>
-          <p:cNvPicPr>
-            <a:picLocks noChangeAspect="1"/>
-          </p:cNvPicPr>
-          <p:nvPr/>
-        </p:nvPicPr>
-        <p:blipFill rotWithShape="1">
-          <a:blip r:embed="rId2">
-            <a:alphaModFix amt="35000"/>
-          </a:blip>
-          <a:srcRect t="38833" r="-2" b="4916"/>
-          <a:stretch/>
-        </p:blipFill>
-        <p:spPr>
-          <a:xfrm>
-            <a:off x="20" y="10"/>
-            <a:ext cx="12191980" cy="6857990"/>
-          </a:xfrm>
-          <a:prstGeom prst="rect">
-            <a:avLst/>
-          </a:prstGeom>
-        </p:spPr>
-      </p:pic>
       <p:sp>
         <p:nvSpPr>
           <p:cNvPr id="2" name="Title 1">
@@ -20002,7 +19971,7 @@
                   <a:srgbClr val="FFFFFF"/>
                 </a:solidFill>
               </a:rPr>
-              <a:t>CONCLUSÃO</a:t>
+              <a:t>CLIENTE LINUX</a:t>
             </a:r>
           </a:p>
         </p:txBody>
@@ -20171,10 +20140,49 @@
           </a:fontRef>
         </p:style>
       </p:sp>
+      <p:pic>
+        <p:nvPicPr>
+          <p:cNvPr id="4" name="Imagem 3">
+            <a:extLst>
+              <a:ext uri="{FF2B5EF4-FFF2-40B4-BE49-F238E27FC236}">
+                <a16:creationId xmlns:a16="http://schemas.microsoft.com/office/drawing/2014/main" id="{94220BFF-740E-4816-903E-368983637C25}"/>
+              </a:ext>
+            </a:extLst>
+          </p:cNvPr>
+          <p:cNvPicPr>
+            <a:picLocks noChangeAspect="1"/>
+          </p:cNvPicPr>
+          <p:nvPr/>
+        </p:nvPicPr>
+        <p:blipFill rotWithShape="1">
+          <a:blip r:embed="rId2">
+            <a:alphaModFix amt="55000"/>
+            <a:extLst>
+              <a:ext uri="{28A0092B-C50C-407E-A947-70E740481C1C}">
+                <a14:useLocalDpi xmlns:a14="http://schemas.microsoft.com/office/drawing/2010/main" val="0"/>
+              </a:ext>
+            </a:extLst>
+          </a:blip>
+          <a:srcRect l="28892" t="8478" r="29340" b="33066"/>
+          <a:stretch/>
+        </p:blipFill>
+        <p:spPr>
+          <a:xfrm>
+            <a:off x="2380148" y="-168208"/>
+            <a:ext cx="7428558" cy="6501286"/>
+          </a:xfrm>
+          <a:prstGeom prst="rect">
+            <a:avLst/>
+          </a:prstGeom>
+          <a:effectLst>
+            <a:reflection stA="0" endPos="65000" dist="50800" dir="5400000" sy="-100000" algn="bl" rotWithShape="0"/>
+          </a:effectLst>
+        </p:spPr>
+      </p:pic>
     </p:spTree>
     <p:extLst>
       <p:ext uri="{BB962C8B-B14F-4D97-AF65-F5344CB8AC3E}">
-        <p14:creationId xmlns:p14="http://schemas.microsoft.com/office/powerpoint/2010/main" val="3195545345"/>
+        <p14:creationId xmlns:p14="http://schemas.microsoft.com/office/powerpoint/2010/main" val="2303030225"/>
       </p:ext>
     </p:extLst>
   </p:cSld>
@@ -20397,6 +20405,37 @@
           </a:fontRef>
         </p:style>
       </p:cxnSp>
+      <p:pic>
+        <p:nvPicPr>
+          <p:cNvPr id="5" name="Picture 5" descr="A picture containing table&#10;&#10;Description automatically generated">
+            <a:extLst>
+              <a:ext uri="{FF2B5EF4-FFF2-40B4-BE49-F238E27FC236}">
+                <a16:creationId xmlns:a16="http://schemas.microsoft.com/office/drawing/2014/main" id="{FB878CE8-28F7-4FB7-9DDA-6A6A99D0BE1C}"/>
+              </a:ext>
+            </a:extLst>
+          </p:cNvPr>
+          <p:cNvPicPr>
+            <a:picLocks noChangeAspect="1"/>
+          </p:cNvPicPr>
+          <p:nvPr/>
+        </p:nvPicPr>
+        <p:blipFill rotWithShape="1">
+          <a:blip r:embed="rId2">
+            <a:alphaModFix amt="35000"/>
+          </a:blip>
+          <a:srcRect t="38833" r="-2" b="4916"/>
+          <a:stretch/>
+        </p:blipFill>
+        <p:spPr>
+          <a:xfrm>
+            <a:off x="20" y="10"/>
+            <a:ext cx="12191980" cy="6857990"/>
+          </a:xfrm>
+          <a:prstGeom prst="rect">
+            <a:avLst/>
+          </a:prstGeom>
+        </p:spPr>
+      </p:pic>
       <p:sp>
         <p:nvSpPr>
           <p:cNvPr id="2" name="Title 1">
@@ -20432,7 +20471,7 @@
                   <a:srgbClr val="FFFFFF"/>
                 </a:solidFill>
               </a:rPr>
-              <a:t>CLIENTE LINUX</a:t>
+              <a:t>CONCLUSÃO</a:t>
             </a:r>
           </a:p>
         </p:txBody>
@@ -20601,49 +20640,10 @@
           </a:fontRef>
         </p:style>
       </p:sp>
-      <p:pic>
-        <p:nvPicPr>
-          <p:cNvPr id="4" name="Imagem 3">
-            <a:extLst>
-              <a:ext uri="{FF2B5EF4-FFF2-40B4-BE49-F238E27FC236}">
-                <a16:creationId xmlns:a16="http://schemas.microsoft.com/office/drawing/2014/main" id="{94220BFF-740E-4816-903E-368983637C25}"/>
-              </a:ext>
-            </a:extLst>
-          </p:cNvPr>
-          <p:cNvPicPr>
-            <a:picLocks noChangeAspect="1"/>
-          </p:cNvPicPr>
-          <p:nvPr/>
-        </p:nvPicPr>
-        <p:blipFill rotWithShape="1">
-          <a:blip r:embed="rId2">
-            <a:alphaModFix amt="55000"/>
-            <a:extLst>
-              <a:ext uri="{28A0092B-C50C-407E-A947-70E740481C1C}">
-                <a14:useLocalDpi xmlns:a14="http://schemas.microsoft.com/office/drawing/2010/main" val="0"/>
-              </a:ext>
-            </a:extLst>
-          </a:blip>
-          <a:srcRect l="28892" t="8478" r="29340" b="33066"/>
-          <a:stretch/>
-        </p:blipFill>
-        <p:spPr>
-          <a:xfrm>
-            <a:off x="2380148" y="-168208"/>
-            <a:ext cx="7428558" cy="6501286"/>
-          </a:xfrm>
-          <a:prstGeom prst="rect">
-            <a:avLst/>
-          </a:prstGeom>
-          <a:effectLst>
-            <a:reflection stA="0" endPos="65000" dist="50800" dir="5400000" sy="-100000" algn="bl" rotWithShape="0"/>
-          </a:effectLst>
-        </p:spPr>
-      </p:pic>
     </p:spTree>
     <p:extLst>
       <p:ext uri="{BB962C8B-B14F-4D97-AF65-F5344CB8AC3E}">
-        <p14:creationId xmlns:p14="http://schemas.microsoft.com/office/powerpoint/2010/main" val="2303030225"/>
+        <p14:creationId xmlns:p14="http://schemas.microsoft.com/office/powerpoint/2010/main" val="3195545345"/>
       </p:ext>
     </p:extLst>
   </p:cSld>

--- a/Apresentação Sprint 1.pptx
+++ b/Apresentação Sprint 1.pptx
@@ -233,7 +233,7 @@
           <a:p>
             <a:fld id="{84D5DC73-20F8-4766-AB8B-AACA8103AA5D}" type="datetimeFigureOut">
               <a:rPr lang="pt-BR" smtClean="0"/>
-              <a:t>16/09/2020</a:t>
+              <a:t>17/09/2020</a:t>
             </a:fld>
             <a:endParaRPr lang="pt-BR"/>
           </a:p>
@@ -892,7 +892,7 @@
           <a:p>
             <a:fld id="{4BDF68E2-58F2-4D09-BE8B-E3BD06533059}" type="datetimeFigureOut">
               <a:rPr lang="en-US" dirty="0"/>
-              <a:t>9/16/2020</a:t>
+              <a:t>9/17/2020</a:t>
             </a:fld>
             <a:endParaRPr lang="en-US"/>
           </a:p>
@@ -1098,7 +1098,7 @@
           <a:p>
             <a:fld id="{2E2D6473-DF6D-4702-B328-E0DD40540A4E}" type="datetimeFigureOut">
               <a:rPr lang="en-US" dirty="0"/>
-              <a:t>9/16/2020</a:t>
+              <a:t>9/17/2020</a:t>
             </a:fld>
             <a:endParaRPr lang="en-US"/>
           </a:p>
@@ -1352,7 +1352,7 @@
           <a:p>
             <a:fld id="{E26F7E3A-B166-407D-9866-32884E7D5B37}" type="datetimeFigureOut">
               <a:rPr lang="en-US" dirty="0"/>
-              <a:t>9/16/2020</a:t>
+              <a:t>9/17/2020</a:t>
             </a:fld>
             <a:endParaRPr lang="en-US"/>
           </a:p>
@@ -1524,7 +1524,7 @@
           <a:p>
             <a:fld id="{528FC5F6-F338-4AE4-BB23-26385BCFC423}" type="datetimeFigureOut">
               <a:rPr lang="en-US" dirty="0"/>
-              <a:t>9/16/2020</a:t>
+              <a:t>9/17/2020</a:t>
             </a:fld>
             <a:endParaRPr lang="en-US"/>
           </a:p>
@@ -1866,7 +1866,7 @@
           <a:p>
             <a:fld id="{20EBB0C4-6273-4C6E-B9BD-2EDC30F1CD52}" type="datetimeFigureOut">
               <a:rPr lang="en-US" dirty="0"/>
-              <a:t>9/16/2020</a:t>
+              <a:t>9/17/2020</a:t>
             </a:fld>
             <a:endParaRPr lang="en-US"/>
           </a:p>
@@ -2138,7 +2138,7 @@
           <a:p>
             <a:fld id="{19AB4D41-86C1-4908-B66A-0B50CEB3BF29}" type="datetimeFigureOut">
               <a:rPr lang="en-US" dirty="0"/>
-              <a:t>9/16/2020</a:t>
+              <a:t>9/17/2020</a:t>
             </a:fld>
             <a:endParaRPr lang="en-US"/>
           </a:p>
@@ -2514,7 +2514,7 @@
           <a:p>
             <a:fld id="{E6426E2C-56C1-4E0D-A793-0088A7FDD37E}" type="datetimeFigureOut">
               <a:rPr lang="en-US" dirty="0"/>
-              <a:t>9/16/2020</a:t>
+              <a:t>9/17/2020</a:t>
             </a:fld>
             <a:endParaRPr lang="en-US"/>
           </a:p>
@@ -2631,7 +2631,7 @@
           <a:p>
             <a:fld id="{C8C39B41-D8B5-4052-B551-9B5525EAA8B6}" type="datetimeFigureOut">
               <a:rPr lang="en-US" dirty="0"/>
-              <a:t>9/16/2020</a:t>
+              <a:t>9/17/2020</a:t>
             </a:fld>
             <a:endParaRPr lang="en-US"/>
           </a:p>
@@ -2802,7 +2802,7 @@
           <a:p>
             <a:fld id="{4D94136C-8742-45B2-AF27-D93DF72833A9}" type="datetimeFigureOut">
               <a:rPr lang="en-US" dirty="0"/>
-              <a:t>9/16/2020</a:t>
+              <a:t>9/17/2020</a:t>
             </a:fld>
             <a:endParaRPr lang="en-US"/>
           </a:p>
@@ -3155,7 +3155,7 @@
           <a:p>
             <a:fld id="{32ABBEA6-7C60-4B02-AE87-00D78D8422AF}" type="datetimeFigureOut">
               <a:rPr lang="en-US" dirty="0"/>
-              <a:t>9/16/2020</a:t>
+              <a:t>9/17/2020</a:t>
             </a:fld>
             <a:endParaRPr lang="en-US"/>
           </a:p>
@@ -3533,7 +3533,7 @@
           <a:p>
             <a:fld id="{C9CAD897-D46E-4AD2-BD9B-49DD3E640873}" type="datetimeFigureOut">
               <a:rPr lang="en-US" dirty="0"/>
-              <a:t>9/16/2020</a:t>
+              <a:t>9/17/2020</a:t>
             </a:fld>
             <a:endParaRPr lang="en-US"/>
           </a:p>
@@ -3818,7 +3818,7 @@
           <a:p>
             <a:fld id="{98624D31-43A5-475A-80CF-332C9F6DCF35}" type="datetimeFigureOut">
               <a:rPr lang="en-US" dirty="0"/>
-              <a:t>9/16/2020</a:t>
+              <a:t>9/17/2020</a:t>
             </a:fld>
             <a:endParaRPr lang="en-US"/>
           </a:p>
@@ -14465,7 +14465,7 @@
         </p:nvSpPr>
         <p:spPr>
           <a:xfrm>
-            <a:off x="413788" y="2628176"/>
+            <a:off x="470432" y="2291101"/>
             <a:ext cx="1923658" cy="340242"/>
           </a:xfrm>
           <a:prstGeom prst="rect">
@@ -14842,7 +14842,7 @@
         </p:nvSpPr>
         <p:spPr>
           <a:xfrm>
-            <a:off x="2806829" y="3648132"/>
+            <a:off x="2801033" y="3606751"/>
             <a:ext cx="1923658" cy="336750"/>
           </a:xfrm>
           <a:prstGeom prst="rect">
@@ -15033,7 +15033,7 @@
         </p:nvSpPr>
         <p:spPr>
           <a:xfrm>
-            <a:off x="2801033" y="4027894"/>
+            <a:off x="2801033" y="4005058"/>
             <a:ext cx="1923658" cy="439608"/>
           </a:xfrm>
           <a:prstGeom prst="rect">
@@ -17777,6 +17777,191 @@
             </a:r>
             <a:endParaRPr lang="en-US" sz="1400" dirty="0">
               <a:latin typeface="Calibre"/>
+            </a:endParaRPr>
+          </a:p>
+        </p:txBody>
+      </p:sp>
+      <p:sp>
+        <p:nvSpPr>
+          <p:cNvPr id="8" name="Retângulo 4">
+            <a:extLst>
+              <a:ext uri="{FF2B5EF4-FFF2-40B4-BE49-F238E27FC236}">
+                <a16:creationId xmlns:a16="http://schemas.microsoft.com/office/drawing/2014/main" id="{DF869DD6-D171-4ACE-8081-D30E78493EA5}"/>
+              </a:ext>
+            </a:extLst>
+          </p:cNvPr>
+          <p:cNvSpPr/>
+          <p:nvPr/>
+        </p:nvSpPr>
+        <p:spPr>
+          <a:xfrm>
+            <a:off x="470432" y="2746814"/>
+            <a:ext cx="1923658" cy="340242"/>
+          </a:xfrm>
+          <a:prstGeom prst="rect">
+            <a:avLst/>
+          </a:prstGeom>
+          <a:solidFill>
+            <a:srgbClr val="70AD47">
+              <a:alpha val="50000"/>
+            </a:srgbClr>
+          </a:solidFill>
+          <a:ln>
+            <a:noFill/>
+          </a:ln>
+          <a:effectLst/>
+        </p:spPr>
+        <p:style>
+          <a:lnRef idx="0">
+            <a:scrgbClr r="0" g="0" b="0"/>
+          </a:lnRef>
+          <a:fillRef idx="0">
+            <a:scrgbClr r="0" g="0" b="0"/>
+          </a:fillRef>
+          <a:effectRef idx="0">
+            <a:scrgbClr r="0" g="0" b="0"/>
+          </a:effectRef>
+          <a:fontRef idx="major"/>
+        </p:style>
+        <p:txBody>
+          <a:bodyPr rtlCol="0" anchor="ctr"/>
+          <a:lstStyle>
+            <a:defPPr>
+              <a:defRPr lang="pt-BR"/>
+            </a:defPPr>
+            <a:lvl1pPr marL="0" algn="l" defTabSz="914400" rtl="0" eaLnBrk="1" latinLnBrk="0" hangingPunct="1">
+              <a:defRPr sz="1800" kern="1200">
+                <a:solidFill>
+                  <a:schemeClr val="tx1"/>
+                </a:solidFill>
+                <a:latin typeface="+mj-lt"/>
+                <a:ea typeface="+mj-ea"/>
+                <a:cs typeface="+mj-cs"/>
+              </a:defRPr>
+            </a:lvl1pPr>
+            <a:lvl2pPr marL="457200" algn="l" defTabSz="914400" rtl="0" eaLnBrk="1" latinLnBrk="0" hangingPunct="1">
+              <a:defRPr sz="1800" kern="1200">
+                <a:solidFill>
+                  <a:schemeClr val="tx1"/>
+                </a:solidFill>
+                <a:latin typeface="+mj-lt"/>
+                <a:ea typeface="+mj-ea"/>
+                <a:cs typeface="+mj-cs"/>
+              </a:defRPr>
+            </a:lvl2pPr>
+            <a:lvl3pPr marL="914400" algn="l" defTabSz="914400" rtl="0" eaLnBrk="1" latinLnBrk="0" hangingPunct="1">
+              <a:defRPr sz="1800" kern="1200">
+                <a:solidFill>
+                  <a:schemeClr val="tx1"/>
+                </a:solidFill>
+                <a:latin typeface="+mj-lt"/>
+                <a:ea typeface="+mj-ea"/>
+                <a:cs typeface="+mj-cs"/>
+              </a:defRPr>
+            </a:lvl3pPr>
+            <a:lvl4pPr marL="1371600" algn="l" defTabSz="914400" rtl="0" eaLnBrk="1" latinLnBrk="0" hangingPunct="1">
+              <a:defRPr sz="1800" kern="1200">
+                <a:solidFill>
+                  <a:schemeClr val="tx1"/>
+                </a:solidFill>
+                <a:latin typeface="+mj-lt"/>
+                <a:ea typeface="+mj-ea"/>
+                <a:cs typeface="+mj-cs"/>
+              </a:defRPr>
+            </a:lvl4pPr>
+            <a:lvl5pPr marL="1828800" algn="l" defTabSz="914400" rtl="0" eaLnBrk="1" latinLnBrk="0" hangingPunct="1">
+              <a:defRPr sz="1800" kern="1200">
+                <a:solidFill>
+                  <a:schemeClr val="tx1"/>
+                </a:solidFill>
+                <a:latin typeface="+mj-lt"/>
+                <a:ea typeface="+mj-ea"/>
+                <a:cs typeface="+mj-cs"/>
+              </a:defRPr>
+            </a:lvl5pPr>
+            <a:lvl6pPr marL="2286000" algn="l" defTabSz="914400" rtl="0" eaLnBrk="1" latinLnBrk="0" hangingPunct="1">
+              <a:defRPr sz="1800" kern="1200">
+                <a:solidFill>
+                  <a:schemeClr val="tx1"/>
+                </a:solidFill>
+                <a:latin typeface="+mj-lt"/>
+                <a:ea typeface="+mj-ea"/>
+                <a:cs typeface="+mj-cs"/>
+              </a:defRPr>
+            </a:lvl6pPr>
+            <a:lvl7pPr marL="2743200" algn="l" defTabSz="914400" rtl="0" eaLnBrk="1" latinLnBrk="0" hangingPunct="1">
+              <a:defRPr sz="1800" kern="1200">
+                <a:solidFill>
+                  <a:schemeClr val="tx1"/>
+                </a:solidFill>
+                <a:latin typeface="+mj-lt"/>
+                <a:ea typeface="+mj-ea"/>
+                <a:cs typeface="+mj-cs"/>
+              </a:defRPr>
+            </a:lvl7pPr>
+            <a:lvl8pPr marL="3200400" algn="l" defTabSz="914400" rtl="0" eaLnBrk="1" latinLnBrk="0" hangingPunct="1">
+              <a:defRPr sz="1800" kern="1200">
+                <a:solidFill>
+                  <a:schemeClr val="tx1"/>
+                </a:solidFill>
+                <a:latin typeface="+mj-lt"/>
+                <a:ea typeface="+mj-ea"/>
+                <a:cs typeface="+mj-cs"/>
+              </a:defRPr>
+            </a:lvl8pPr>
+            <a:lvl9pPr marL="3657600" algn="l" defTabSz="914400" rtl="0" eaLnBrk="1" latinLnBrk="0" hangingPunct="1">
+              <a:defRPr sz="1800" kern="1200">
+                <a:solidFill>
+                  <a:schemeClr val="tx1"/>
+                </a:solidFill>
+                <a:latin typeface="+mj-lt"/>
+                <a:ea typeface="+mj-ea"/>
+                <a:cs typeface="+mj-cs"/>
+              </a:defRPr>
+            </a:lvl9pPr>
+          </a:lstStyle>
+          <a:p>
+            <a:pPr marL="0" marR="0" lvl="0" indent="0" algn="ctr" defTabSz="914400" eaLnBrk="1" fontAlgn="auto" latinLnBrk="0" hangingPunct="1">
+              <a:lnSpc>
+                <a:spcPct val="100000"/>
+              </a:lnSpc>
+              <a:spcBef>
+                <a:spcPts val="0"/>
+              </a:spcBef>
+              <a:spcAft>
+                <a:spcPts val="0"/>
+              </a:spcAft>
+              <a:buClrTx/>
+              <a:buSzTx/>
+              <a:buFontTx/>
+              <a:buNone/>
+              <a:tabLst/>
+              <a:defRPr/>
+            </a:pPr>
+            <a:r>
+              <a:rPr lang="pt-BR" sz="1400" kern="0" dirty="0">
+                <a:solidFill>
+                  <a:prstClr val="black"/>
+                </a:solidFill>
+                <a:latin typeface="Calibri" panose="020F0502020204030204"/>
+                <a:ea typeface="+mn-ea"/>
+                <a:cs typeface="+mn-cs"/>
+              </a:rPr>
+              <a:t>Técnico de T.I</a:t>
+            </a:r>
+            <a:endParaRPr kumimoji="0" lang="en-US" sz="1400" b="0" i="0" u="none" strike="noStrike" kern="0" cap="none" spc="0" normalizeH="0" baseline="0" noProof="0" dirty="0">
+              <a:ln>
+                <a:noFill/>
+              </a:ln>
+              <a:solidFill>
+                <a:prstClr val="black"/>
+              </a:solidFill>
+              <a:effectLst/>
+              <a:uLnTx/>
+              <a:uFillTx/>
+              <a:latin typeface="Calibri" panose="020F0502020204030204"/>
+              <a:ea typeface="+mn-ea"/>
+              <a:cs typeface="+mn-cs"/>
             </a:endParaRPr>
           </a:p>
         </p:txBody>
@@ -22018,616 +22203,652 @@
           <a:p>
             <a:pPr algn="just"/>
             <a:r>
-              <a:rPr lang="en-US" sz="2400" err="1">
+              <a:rPr lang="en-US" sz="2400" dirty="0" err="1">
                 <a:cs typeface="Calibri"/>
               </a:rPr>
               <a:t>Ao</a:t>
             </a:r>
             <a:r>
-              <a:rPr lang="en-US" sz="2400">
+              <a:rPr lang="en-US" sz="2400" dirty="0">
                 <a:cs typeface="Calibri"/>
               </a:rPr>
               <a:t> final </a:t>
             </a:r>
             <a:r>
-              <a:rPr lang="en-US" sz="2400" err="1">
+              <a:rPr lang="en-US" sz="2400" dirty="0" err="1">
                 <a:cs typeface="Calibri"/>
               </a:rPr>
               <a:t>desta</a:t>
             </a:r>
             <a:r>
-              <a:rPr lang="en-US" sz="2400">
+              <a:rPr lang="en-US" sz="2400" dirty="0">
                 <a:cs typeface="Calibri"/>
               </a:rPr>
               <a:t> sprint, </a:t>
             </a:r>
             <a:r>
-              <a:rPr lang="en-US" sz="2400" err="1">
+              <a:rPr lang="en-US" sz="2400" dirty="0" err="1">
                 <a:cs typeface="Calibri"/>
               </a:rPr>
               <a:t>concluímos</a:t>
             </a:r>
             <a:r>
-              <a:rPr lang="en-US" sz="2400">
+              <a:rPr lang="en-US" sz="2400" dirty="0">
                 <a:cs typeface="Calibri"/>
               </a:rPr>
               <a:t> que o </a:t>
             </a:r>
             <a:r>
-              <a:rPr lang="en-US" sz="2400" err="1">
+              <a:rPr lang="en-US" sz="2400" dirty="0" err="1">
                 <a:cs typeface="Calibri"/>
               </a:rPr>
               <a:t>meio</a:t>
             </a:r>
             <a:r>
-              <a:rPr lang="en-US" sz="2400">
+              <a:rPr lang="en-US" sz="2400" dirty="0">
                 <a:cs typeface="Calibri"/>
               </a:rPr>
               <a:t> </a:t>
             </a:r>
             <a:r>
-              <a:rPr lang="en-US" sz="2400" err="1">
+              <a:rPr lang="en-US" sz="2400" dirty="0" err="1">
                 <a:cs typeface="Calibri"/>
               </a:rPr>
               <a:t>acadêmico</a:t>
             </a:r>
             <a:r>
-              <a:rPr lang="en-US" sz="2400">
+              <a:rPr lang="en-US" sz="2400" dirty="0">
                 <a:cs typeface="Calibri"/>
               </a:rPr>
               <a:t> </a:t>
             </a:r>
             <a:r>
-              <a:rPr lang="en-US" sz="2400" err="1">
+              <a:rPr lang="en-US" sz="2400" dirty="0" err="1">
                 <a:cs typeface="Calibri"/>
               </a:rPr>
               <a:t>necessita</a:t>
             </a:r>
             <a:r>
-              <a:rPr lang="en-US" sz="2400">
+              <a:rPr lang="en-US" sz="2400" dirty="0">
                 <a:cs typeface="Calibri"/>
               </a:rPr>
               <a:t> </a:t>
             </a:r>
             <a:r>
-              <a:rPr lang="en-US" sz="2400" err="1">
+              <a:rPr lang="en-US" sz="2400" dirty="0" err="1">
                 <a:cs typeface="Calibri"/>
               </a:rPr>
               <a:t>cada</a:t>
             </a:r>
             <a:r>
-              <a:rPr lang="en-US" sz="2400">
+              <a:rPr lang="en-US" sz="2400" dirty="0">
                 <a:cs typeface="Calibri"/>
               </a:rPr>
               <a:t> </a:t>
             </a:r>
             <a:r>
-              <a:rPr lang="en-US" sz="2400" err="1">
+              <a:rPr lang="en-US" sz="2400" dirty="0" err="1">
                 <a:cs typeface="Calibri"/>
               </a:rPr>
               <a:t>vez</a:t>
             </a:r>
             <a:r>
-              <a:rPr lang="en-US" sz="2400">
+              <a:rPr lang="en-US" sz="2400" dirty="0">
                 <a:cs typeface="Calibri"/>
               </a:rPr>
               <a:t> </a:t>
             </a:r>
             <a:r>
-              <a:rPr lang="en-US" sz="2400" err="1">
+              <a:rPr lang="en-US" sz="2400" dirty="0" err="1">
                 <a:cs typeface="Calibri"/>
               </a:rPr>
               <a:t>mais</a:t>
             </a:r>
             <a:r>
-              <a:rPr lang="en-US" sz="2400">
+              <a:rPr lang="en-US" sz="2400" dirty="0">
                 <a:cs typeface="Calibri"/>
               </a:rPr>
               <a:t> da </a:t>
             </a:r>
             <a:r>
-              <a:rPr lang="en-US" sz="2400" err="1">
+              <a:rPr lang="en-US" sz="2400" dirty="0" err="1">
                 <a:cs typeface="Calibri"/>
               </a:rPr>
               <a:t>tecnologia</a:t>
             </a:r>
             <a:r>
-              <a:rPr lang="en-US" sz="2400">
+              <a:rPr lang="en-US" sz="2400" dirty="0">
                 <a:cs typeface="Calibri"/>
               </a:rPr>
               <a:t> </a:t>
             </a:r>
             <a:r>
-              <a:rPr lang="en-US" sz="2400" err="1">
+              <a:rPr lang="en-US" sz="2400" dirty="0" err="1">
                 <a:cs typeface="Calibri"/>
               </a:rPr>
               <a:t>nas</a:t>
             </a:r>
             <a:r>
-              <a:rPr lang="en-US" sz="2400">
+              <a:rPr lang="en-US" sz="2400" dirty="0">
                 <a:cs typeface="Calibri"/>
               </a:rPr>
               <a:t> </a:t>
             </a:r>
             <a:r>
-              <a:rPr lang="en-US" sz="2400" err="1">
+              <a:rPr lang="en-US" sz="2400" dirty="0" err="1">
                 <a:cs typeface="Calibri"/>
               </a:rPr>
               <a:t>salas</a:t>
             </a:r>
             <a:r>
-              <a:rPr lang="en-US" sz="2400">
+              <a:rPr lang="en-US" sz="2400" dirty="0">
                 <a:cs typeface="Calibri"/>
               </a:rPr>
               <a:t> de aula, no </a:t>
             </a:r>
             <a:r>
-              <a:rPr lang="en-US" sz="2400" err="1">
+              <a:rPr lang="en-US" sz="2400" dirty="0" err="1">
                 <a:cs typeface="Calibri"/>
               </a:rPr>
               <a:t>entanto</a:t>
             </a:r>
             <a:r>
-              <a:rPr lang="en-US" sz="2400">
+              <a:rPr lang="en-US" sz="2400" dirty="0">
                 <a:cs typeface="Calibri"/>
               </a:rPr>
               <a:t>, o </a:t>
             </a:r>
             <a:r>
-              <a:rPr lang="en-US" sz="2400" err="1">
+              <a:rPr lang="en-US" sz="2400" dirty="0" err="1">
                 <a:cs typeface="Calibri"/>
               </a:rPr>
               <a:t>suporte</a:t>
             </a:r>
             <a:r>
-              <a:rPr lang="en-US" sz="2400">
+              <a:rPr lang="en-US" sz="2400" dirty="0">
                 <a:cs typeface="Calibri"/>
               </a:rPr>
               <a:t> de T.I </a:t>
             </a:r>
             <a:r>
-              <a:rPr lang="en-US" sz="2400" err="1">
+              <a:rPr lang="en-US" sz="2400" dirty="0" err="1">
                 <a:cs typeface="Calibri"/>
               </a:rPr>
               <a:t>aos</a:t>
             </a:r>
             <a:r>
-              <a:rPr lang="en-US" sz="2400">
+              <a:rPr lang="en-US" sz="2400" dirty="0">
                 <a:cs typeface="Calibri"/>
               </a:rPr>
               <a:t> </a:t>
             </a:r>
             <a:r>
-              <a:rPr lang="en-US" sz="2400" err="1">
+              <a:rPr lang="en-US" sz="2400" dirty="0" err="1">
                 <a:cs typeface="Calibri"/>
               </a:rPr>
               <a:t>professores</a:t>
             </a:r>
             <a:r>
-              <a:rPr lang="en-US" sz="2400">
+              <a:rPr lang="en-US" sz="2400" dirty="0">
                 <a:cs typeface="Calibri"/>
               </a:rPr>
               <a:t> é </a:t>
             </a:r>
             <a:r>
-              <a:rPr lang="en-US" sz="2400" err="1">
+              <a:rPr lang="en-US" sz="2400" dirty="0" err="1">
                 <a:cs typeface="Calibri"/>
               </a:rPr>
               <a:t>tão</a:t>
             </a:r>
             <a:r>
-              <a:rPr lang="en-US" sz="2400">
+              <a:rPr lang="en-US" sz="2400" dirty="0">
                 <a:cs typeface="Calibri"/>
               </a:rPr>
               <a:t> </a:t>
             </a:r>
             <a:r>
-              <a:rPr lang="en-US" sz="2400" err="1">
+              <a:rPr lang="en-US" sz="2400" dirty="0" err="1">
                 <a:cs typeface="Calibri"/>
               </a:rPr>
               <a:t>fraco</a:t>
             </a:r>
             <a:r>
-              <a:rPr lang="en-US" sz="2400">
+              <a:rPr lang="en-US" sz="2400" dirty="0">
                 <a:cs typeface="Calibri"/>
               </a:rPr>
               <a:t> que </a:t>
             </a:r>
             <a:r>
-              <a:rPr lang="en-US" sz="2400" err="1">
+              <a:rPr lang="en-US" sz="2400" dirty="0" err="1">
                 <a:cs typeface="Calibri"/>
               </a:rPr>
               <a:t>gera</a:t>
             </a:r>
             <a:r>
-              <a:rPr lang="en-US" sz="2400">
+              <a:rPr lang="en-US" sz="2400" dirty="0">
                 <a:cs typeface="Calibri"/>
               </a:rPr>
               <a:t> </a:t>
             </a:r>
             <a:r>
-              <a:rPr lang="en-US" sz="2400" err="1">
+              <a:rPr lang="en-US" sz="2400" dirty="0" err="1">
                 <a:cs typeface="Calibri"/>
               </a:rPr>
               <a:t>insegurança</a:t>
             </a:r>
             <a:r>
-              <a:rPr lang="en-US" sz="2400">
+              <a:rPr lang="en-US" sz="2400" dirty="0">
                 <a:cs typeface="Calibri"/>
               </a:rPr>
               <a:t> </a:t>
             </a:r>
             <a:r>
-              <a:rPr lang="en-US" sz="2400" err="1">
+              <a:rPr lang="en-US" sz="2400" dirty="0" err="1">
                 <a:cs typeface="Calibri"/>
               </a:rPr>
               <a:t>nos</a:t>
             </a:r>
             <a:r>
-              <a:rPr lang="en-US" sz="2400">
+              <a:rPr lang="en-US" sz="2400" dirty="0">
                 <a:cs typeface="Calibri"/>
               </a:rPr>
               <a:t> </a:t>
             </a:r>
             <a:r>
-              <a:rPr lang="en-US" sz="2400" err="1">
+              <a:rPr lang="en-US" sz="2400" dirty="0" err="1">
                 <a:cs typeface="Calibri"/>
               </a:rPr>
               <a:t>mesmos</a:t>
             </a:r>
             <a:r>
-              <a:rPr lang="en-US" sz="2400">
+              <a:rPr lang="en-US" sz="2400" dirty="0">
                 <a:cs typeface="Calibri"/>
               </a:rPr>
               <a:t>. </a:t>
             </a:r>
-            <a:endParaRPr lang="en-US"/>
+            <a:endParaRPr lang="en-US" dirty="0"/>
           </a:p>
           <a:p>
             <a:pPr algn="just"/>
             <a:r>
-              <a:rPr lang="en-US" sz="2400">
+              <a:rPr lang="en-US" sz="2400" dirty="0">
                 <a:cs typeface="Calibri"/>
               </a:rPr>
               <a:t>A </a:t>
             </a:r>
             <a:r>
-              <a:rPr lang="en-US" sz="2400" err="1">
+              <a:rPr lang="en-US" sz="2400" dirty="0" err="1">
                 <a:cs typeface="Calibri"/>
               </a:rPr>
               <a:t>nossa</a:t>
             </a:r>
             <a:r>
-              <a:rPr lang="en-US" sz="2400">
+              <a:rPr lang="en-US" sz="2400" dirty="0">
                 <a:cs typeface="Calibri"/>
               </a:rPr>
               <a:t> </a:t>
             </a:r>
             <a:r>
-              <a:rPr lang="en-US" sz="2400" err="1">
+              <a:rPr lang="en-US" sz="2400" dirty="0" err="1">
                 <a:cs typeface="Calibri"/>
               </a:rPr>
               <a:t>solução</a:t>
             </a:r>
             <a:r>
-              <a:rPr lang="en-US" sz="2400">
+              <a:rPr lang="en-US" sz="2400" dirty="0">
                 <a:cs typeface="Calibri"/>
               </a:rPr>
               <a:t> </a:t>
             </a:r>
             <a:r>
-              <a:rPr lang="en-US" sz="2400" err="1">
+              <a:rPr lang="en-US" sz="2400" dirty="0" err="1">
                 <a:cs typeface="Calibri"/>
               </a:rPr>
               <a:t>foi</a:t>
             </a:r>
             <a:r>
-              <a:rPr lang="en-US" sz="2400">
+              <a:rPr lang="en-US" sz="2400" dirty="0">
                 <a:cs typeface="Calibri"/>
               </a:rPr>
-              <a:t> apreciada e aprovada </a:t>
-            </a:r>
-            <a:r>
-              <a:rPr lang="en-US" sz="2400" err="1">
+              <a:t> </a:t>
+            </a:r>
+            <a:r>
+              <a:rPr lang="en-US" sz="2400" dirty="0" err="1">
                 <a:cs typeface="Calibri"/>
               </a:rPr>
+              <a:t>apreciada</a:t>
+            </a:r>
+            <a:r>
+              <a:rPr lang="en-US" sz="2400" dirty="0">
+                <a:cs typeface="Calibri"/>
+              </a:rPr>
+              <a:t> e </a:t>
+            </a:r>
+            <a:r>
+              <a:rPr lang="en-US" sz="2400" dirty="0" err="1">
+                <a:cs typeface="Calibri"/>
+              </a:rPr>
+              <a:t>aprovada</a:t>
+            </a:r>
+            <a:r>
+              <a:rPr lang="en-US" sz="2400" dirty="0">
+                <a:cs typeface="Calibri"/>
+              </a:rPr>
+              <a:t> </a:t>
+            </a:r>
+            <a:r>
+              <a:rPr lang="en-US" sz="2400" dirty="0" err="1">
+                <a:cs typeface="Calibri"/>
+              </a:rPr>
               <a:t>pelos</a:t>
             </a:r>
             <a:r>
-              <a:rPr lang="en-US" sz="2400">
+              <a:rPr lang="en-US" sz="2400" dirty="0">
                 <a:cs typeface="Calibri"/>
               </a:rPr>
               <a:t> </a:t>
             </a:r>
             <a:r>
-              <a:rPr lang="en-US" sz="2400" err="1">
+              <a:rPr lang="en-US" sz="2400" dirty="0" err="1">
                 <a:cs typeface="Calibri"/>
               </a:rPr>
               <a:t>envolvidos</a:t>
             </a:r>
             <a:r>
-              <a:rPr lang="en-US" sz="2400">
+              <a:rPr lang="en-US" sz="2400" dirty="0">
                 <a:cs typeface="Calibri"/>
               </a:rPr>
               <a:t>, que </a:t>
             </a:r>
             <a:r>
-              <a:rPr lang="en-US" sz="2400" err="1">
+              <a:rPr lang="en-US" sz="2400" dirty="0" err="1">
                 <a:cs typeface="Calibri"/>
               </a:rPr>
               <a:t>ficaram</a:t>
             </a:r>
             <a:r>
-              <a:rPr lang="en-US" sz="2400">
+              <a:rPr lang="en-US" sz="2400" dirty="0">
                 <a:cs typeface="Calibri"/>
               </a:rPr>
               <a:t> </a:t>
             </a:r>
             <a:r>
-              <a:rPr lang="en-US" sz="2400" err="1">
+              <a:rPr lang="en-US" sz="2400" dirty="0" err="1">
                 <a:cs typeface="Calibri"/>
               </a:rPr>
               <a:t>entusiasmados</a:t>
             </a:r>
             <a:r>
-              <a:rPr lang="en-US" sz="2400">
+              <a:rPr lang="en-US" sz="2400" dirty="0">
                 <a:cs typeface="Calibri"/>
               </a:rPr>
               <a:t> </a:t>
             </a:r>
             <a:r>
-              <a:rPr lang="en-US" sz="2400" err="1">
+              <a:rPr lang="en-US" sz="2400" dirty="0" err="1">
                 <a:cs typeface="Calibri"/>
               </a:rPr>
               <a:t>sobre</a:t>
             </a:r>
             <a:r>
-              <a:rPr lang="en-US" sz="2400">
+              <a:rPr lang="en-US" sz="2400" dirty="0">
                 <a:cs typeface="Calibri"/>
               </a:rPr>
               <a:t> </a:t>
             </a:r>
             <a:r>
-              <a:rPr lang="en-US" sz="2400" err="1">
+              <a:rPr lang="en-US" sz="2400" dirty="0" err="1">
                 <a:cs typeface="Calibri"/>
               </a:rPr>
               <a:t>como</a:t>
             </a:r>
             <a:r>
-              <a:rPr lang="en-US" sz="2400">
+              <a:rPr lang="en-US" sz="2400" dirty="0">
                 <a:cs typeface="Calibri"/>
               </a:rPr>
               <a:t> o </a:t>
             </a:r>
             <a:r>
-              <a:rPr lang="en-US" sz="2400" err="1">
+              <a:rPr lang="en-US" sz="2400" dirty="0" err="1">
                 <a:cs typeface="Calibri"/>
               </a:rPr>
               <a:t>sistema</a:t>
             </a:r>
             <a:r>
-              <a:rPr lang="en-US" sz="2400">
+              <a:rPr lang="en-US" sz="2400" dirty="0">
                 <a:cs typeface="Calibri"/>
               </a:rPr>
               <a:t> de </a:t>
             </a:r>
             <a:r>
-              <a:rPr lang="en-US" sz="2400" err="1">
+              <a:rPr lang="en-US" sz="2400" dirty="0" err="1">
                 <a:cs typeface="Calibri"/>
               </a:rPr>
               <a:t>monitoramento</a:t>
             </a:r>
             <a:r>
-              <a:rPr lang="en-US" sz="2400">
+              <a:rPr lang="en-US" sz="2400" dirty="0">
                 <a:cs typeface="Calibri"/>
               </a:rPr>
               <a:t> e </a:t>
             </a:r>
             <a:r>
-              <a:rPr lang="en-US" sz="2400" err="1">
+              <a:rPr lang="en-US" sz="2400" dirty="0" err="1">
                 <a:cs typeface="Calibri"/>
               </a:rPr>
               <a:t>atendimento</a:t>
             </a:r>
             <a:r>
-              <a:rPr lang="en-US" sz="2400">
+              <a:rPr lang="en-US" sz="2400" dirty="0">
                 <a:cs typeface="Calibri"/>
               </a:rPr>
               <a:t> </a:t>
             </a:r>
             <a:r>
-              <a:rPr lang="en-US" sz="2400" err="1">
+              <a:rPr lang="en-US" sz="2400" dirty="0" err="1">
                 <a:cs typeface="Calibri"/>
               </a:rPr>
               <a:t>remoto</a:t>
             </a:r>
             <a:r>
-              <a:rPr lang="en-US" sz="2400">
+              <a:rPr lang="en-US" sz="2400" dirty="0">
                 <a:cs typeface="Calibri"/>
               </a:rPr>
               <a:t> </a:t>
             </a:r>
             <a:r>
-              <a:rPr lang="en-US" sz="2400" err="1">
+              <a:rPr lang="en-US" sz="2400" dirty="0" err="1">
                 <a:cs typeface="Calibri"/>
               </a:rPr>
               <a:t>pode</a:t>
             </a:r>
             <a:r>
-              <a:rPr lang="en-US" sz="2400">
+              <a:rPr lang="en-US" sz="2400" dirty="0">
                 <a:cs typeface="Calibri"/>
               </a:rPr>
               <a:t> </a:t>
             </a:r>
             <a:r>
-              <a:rPr lang="en-US" sz="2400" err="1">
+              <a:rPr lang="en-US" sz="2400" dirty="0" err="1">
                 <a:cs typeface="Calibri"/>
               </a:rPr>
               <a:t>facilitar</a:t>
             </a:r>
             <a:r>
-              <a:rPr lang="en-US" sz="2400">
+              <a:rPr lang="en-US" sz="2400" dirty="0">
                 <a:cs typeface="Calibri"/>
               </a:rPr>
               <a:t>, </a:t>
             </a:r>
             <a:r>
-              <a:rPr lang="en-US" sz="2400" err="1">
+              <a:rPr lang="en-US" sz="2400" dirty="0" err="1">
                 <a:cs typeface="Calibri"/>
               </a:rPr>
               <a:t>agilizar</a:t>
             </a:r>
             <a:r>
-              <a:rPr lang="en-US" sz="2400">
+              <a:rPr lang="en-US" sz="2400" dirty="0">
                 <a:cs typeface="Calibri"/>
               </a:rPr>
-              <a:t> e minimizar </a:t>
-            </a:r>
-            <a:r>
-              <a:rPr lang="en-US" sz="2400" err="1">
+              <a:t> e </a:t>
+            </a:r>
+            <a:r>
+              <a:rPr lang="en-US" sz="2400" dirty="0" err="1">
                 <a:cs typeface="Calibri"/>
               </a:rPr>
+              <a:t>minimizar</a:t>
+            </a:r>
+            <a:r>
+              <a:rPr lang="en-US" sz="2400" dirty="0">
+                <a:cs typeface="Calibri"/>
+              </a:rPr>
+              <a:t> </a:t>
+            </a:r>
+            <a:r>
+              <a:rPr lang="en-US" sz="2400" dirty="0" err="1">
+                <a:cs typeface="Calibri"/>
+              </a:rPr>
               <a:t>os</a:t>
             </a:r>
             <a:r>
-              <a:rPr lang="en-US" sz="2400">
+              <a:rPr lang="en-US" sz="2400" dirty="0">
                 <a:cs typeface="Calibri"/>
               </a:rPr>
               <a:t> </a:t>
             </a:r>
             <a:r>
-              <a:rPr lang="en-US" sz="2400" err="1">
+              <a:rPr lang="en-US" sz="2400" dirty="0" err="1">
                 <a:cs typeface="Calibri"/>
               </a:rPr>
               <a:t>problemas</a:t>
             </a:r>
             <a:r>
-              <a:rPr lang="en-US" sz="2400">
+              <a:rPr lang="en-US" sz="2400" dirty="0">
                 <a:cs typeface="Calibri"/>
               </a:rPr>
               <a:t> que as </a:t>
             </a:r>
             <a:r>
-              <a:rPr lang="en-US" sz="2400" err="1">
+              <a:rPr lang="en-US" sz="2400" dirty="0" err="1">
                 <a:cs typeface="Calibri"/>
               </a:rPr>
               <a:t>falhas</a:t>
             </a:r>
             <a:r>
-              <a:rPr lang="en-US" sz="2400">
+              <a:rPr lang="en-US" sz="2400" dirty="0">
                 <a:cs typeface="Calibri"/>
               </a:rPr>
               <a:t> da </a:t>
             </a:r>
             <a:r>
-              <a:rPr lang="en-US" sz="2400" err="1">
+              <a:rPr lang="en-US" sz="2400" dirty="0" err="1">
                 <a:cs typeface="Calibri"/>
               </a:rPr>
               <a:t>tecnologia</a:t>
             </a:r>
             <a:r>
-              <a:rPr lang="en-US" sz="2400">
+              <a:rPr lang="en-US" sz="2400" dirty="0">
                 <a:cs typeface="Calibri"/>
               </a:rPr>
               <a:t> </a:t>
             </a:r>
             <a:r>
-              <a:rPr lang="en-US" sz="2400" err="1">
+              <a:rPr lang="en-US" sz="2400" dirty="0" err="1">
                 <a:cs typeface="Calibri"/>
               </a:rPr>
               <a:t>causam</a:t>
             </a:r>
             <a:r>
-              <a:rPr lang="en-US" sz="2400">
+              <a:rPr lang="en-US" sz="2400" dirty="0">
                 <a:cs typeface="Calibri"/>
               </a:rPr>
               <a:t> </a:t>
             </a:r>
             <a:r>
-              <a:rPr lang="en-US" sz="2400" err="1">
+              <a:rPr lang="en-US" sz="2400" dirty="0" err="1">
                 <a:cs typeface="Calibri"/>
               </a:rPr>
               <a:t>ao</a:t>
             </a:r>
             <a:r>
-              <a:rPr lang="en-US" sz="2400">
+              <a:rPr lang="en-US" sz="2400" dirty="0">
                 <a:cs typeface="Calibri"/>
               </a:rPr>
               <a:t> </a:t>
             </a:r>
             <a:r>
-              <a:rPr lang="en-US" sz="2400" err="1">
+              <a:rPr lang="en-US" sz="2400" dirty="0" err="1">
                 <a:cs typeface="Calibri"/>
               </a:rPr>
               <a:t>rendimento</a:t>
             </a:r>
             <a:r>
-              <a:rPr lang="en-US" sz="2400">
+              <a:rPr lang="en-US" sz="2400" dirty="0">
                 <a:cs typeface="Calibri"/>
               </a:rPr>
               <a:t> das aulas e dos </a:t>
             </a:r>
             <a:r>
-              <a:rPr lang="en-US" sz="2400" err="1">
+              <a:rPr lang="en-US" sz="2400" dirty="0" err="1">
                 <a:cs typeface="Calibri"/>
               </a:rPr>
               <a:t>seus</a:t>
             </a:r>
             <a:r>
-              <a:rPr lang="en-US" sz="2400">
+              <a:rPr lang="en-US" sz="2400" dirty="0">
                 <a:cs typeface="Calibri"/>
               </a:rPr>
               <a:t> </a:t>
             </a:r>
             <a:r>
-              <a:rPr lang="en-US" sz="2400" err="1">
+              <a:rPr lang="en-US" sz="2400" dirty="0" err="1">
                 <a:cs typeface="Calibri"/>
               </a:rPr>
               <a:t>principais</a:t>
             </a:r>
             <a:r>
-              <a:rPr lang="en-US" sz="2400">
+              <a:rPr lang="en-US" sz="2400" dirty="0">
                 <a:cs typeface="Calibri"/>
               </a:rPr>
               <a:t> </a:t>
             </a:r>
             <a:r>
-              <a:rPr lang="en-US" sz="2400" err="1">
+              <a:rPr lang="en-US" sz="2400" dirty="0" err="1">
                 <a:cs typeface="Calibri"/>
               </a:rPr>
               <a:t>integrantes</a:t>
             </a:r>
             <a:r>
-              <a:rPr lang="en-US" sz="2400">
+              <a:rPr lang="en-US" sz="2400" dirty="0">
                 <a:cs typeface="Calibri"/>
               </a:rPr>
               <a:t>, </a:t>
             </a:r>
             <a:r>
-              <a:rPr lang="en-US" sz="2400" err="1">
+              <a:rPr lang="en-US" sz="2400" dirty="0" err="1">
                 <a:cs typeface="Calibri"/>
               </a:rPr>
               <a:t>os</a:t>
             </a:r>
             <a:r>
-              <a:rPr lang="en-US" sz="2400">
+              <a:rPr lang="en-US" sz="2400" dirty="0">
                 <a:cs typeface="Calibri"/>
               </a:rPr>
               <a:t> </a:t>
             </a:r>
             <a:r>
-              <a:rPr lang="en-US" sz="2400" err="1">
+              <a:rPr lang="en-US" sz="2400" dirty="0" err="1">
                 <a:cs typeface="Calibri"/>
               </a:rPr>
               <a:t>alunos</a:t>
             </a:r>
             <a:r>
-              <a:rPr lang="en-US" sz="2400">
+              <a:rPr lang="en-US" sz="2400" dirty="0">
                 <a:cs typeface="Calibri"/>
               </a:rPr>
               <a:t>.</a:t>
             </a:r>
-            <a:endParaRPr lang="en-US"/>
+            <a:endParaRPr lang="en-US" dirty="0"/>
           </a:p>
         </p:txBody>
       </p:sp>
@@ -23200,7 +23421,7 @@
               <a:buChar char="•"/>
             </a:pPr>
             <a:r>
-              <a:rPr lang="pt-BR">
+              <a:rPr lang="pt-BR" dirty="0">
                 <a:solidFill>
                   <a:srgbClr val="222222"/>
                 </a:solidFill>
@@ -23209,7 +23430,7 @@
               </a:rPr>
               <a:t>Sistema de monitoramento de máquina para faculdades. </a:t>
             </a:r>
-            <a:endParaRPr lang="en-US">
+            <a:endParaRPr lang="en-US" dirty="0">
               <a:solidFill>
                 <a:srgbClr val="222222"/>
               </a:solidFill>
@@ -23232,7 +23453,7 @@
               <a:buChar char="•"/>
             </a:pPr>
             <a:r>
-              <a:rPr lang="pt-BR">
+              <a:rPr lang="pt-BR" dirty="0">
                 <a:solidFill>
                   <a:srgbClr val="222222"/>
                 </a:solidFill>
@@ -23241,7 +23462,7 @@
               </a:rPr>
               <a:t>A equipe que utilizará o sistema é principalmente o setor de suporte de T.I. da faculdade</a:t>
             </a:r>
-            <a:endParaRPr lang="en-US">
+            <a:endParaRPr lang="en-US" dirty="0">
               <a:solidFill>
                 <a:srgbClr val="222222"/>
               </a:solidFill>
@@ -23264,7 +23485,7 @@
               <a:buChar char="•"/>
             </a:pPr>
             <a:r>
-              <a:rPr lang="pt-BR">
+              <a:rPr lang="pt-BR" dirty="0">
                 <a:solidFill>
                   <a:srgbClr val="222222"/>
                 </a:solidFill>
@@ -23273,7 +23494,7 @@
               </a:rPr>
               <a:t>A equipe de T.I da faculdade irá dar o suporte aos professores  que farão a solicitação de atendimento.</a:t>
             </a:r>
-            <a:endParaRPr lang="en-US">
+            <a:endParaRPr lang="en-US" dirty="0">
               <a:solidFill>
                 <a:srgbClr val="222222"/>
               </a:solidFill>
@@ -23296,7 +23517,7 @@
               <a:buChar char="•"/>
             </a:pPr>
             <a:r>
-              <a:rPr lang="pt-BR">
+              <a:rPr lang="pt-BR" dirty="0">
                 <a:solidFill>
                   <a:srgbClr val="222222"/>
                 </a:solidFill>
@@ -23305,7 +23526,7 @@
               </a:rPr>
               <a:t> As informações da ocorrência estarão em um banco de dados que ajudará na avaliação de incidências. </a:t>
             </a:r>
-            <a:endParaRPr lang="en-US">
+            <a:endParaRPr lang="en-US" dirty="0">
               <a:solidFill>
                 <a:srgbClr val="222222"/>
               </a:solidFill>
@@ -23318,7 +23539,7 @@
               <a:buFont typeface="Arial" panose="020F0502020204030204" pitchFamily="34" charset="0"/>
               <a:buChar char="•"/>
             </a:pPr>
-            <a:endParaRPr lang="en-US">
+            <a:endParaRPr lang="en-US" dirty="0">
               <a:solidFill>
                 <a:srgbClr val="222222"/>
               </a:solidFill>
@@ -27908,13 +28129,13 @@
         </p:nvSpPr>
         <p:spPr>
           <a:xfrm>
-            <a:off x="904369" y="2167575"/>
-            <a:ext cx="4561583" cy="4111262"/>
+            <a:off x="904370" y="2167575"/>
+            <a:ext cx="4913803" cy="4111262"/>
           </a:xfrm>
         </p:spPr>
         <p:txBody>
           <a:bodyPr vert="horz" lIns="0" tIns="45720" rIns="0" bIns="45720" rtlCol="0" anchor="t">
-            <a:normAutofit/>
+            <a:normAutofit lnSpcReduction="10000"/>
           </a:bodyPr>
           <a:lstStyle/>
           <a:p>
@@ -28046,7 +28267,451 @@
               <a:rPr lang="en-US" dirty="0">
                 <a:cs typeface="Calibri" panose="020F0502020204030204"/>
               </a:rPr>
-              <a:t>“ ”</a:t>
+              <a:t>“Eu sempre </a:t>
+            </a:r>
+            <a:r>
+              <a:rPr lang="en-US" dirty="0" err="1">
+                <a:cs typeface="Calibri" panose="020F0502020204030204"/>
+              </a:rPr>
+              <a:t>estou</a:t>
+            </a:r>
+            <a:r>
+              <a:rPr lang="en-US" dirty="0">
+                <a:cs typeface="Calibri" panose="020F0502020204030204"/>
+              </a:rPr>
+              <a:t> </a:t>
+            </a:r>
+            <a:r>
+              <a:rPr lang="en-US" dirty="0" err="1">
+                <a:cs typeface="Calibri" panose="020F0502020204030204"/>
+              </a:rPr>
+              <a:t>ocupado</a:t>
+            </a:r>
+            <a:r>
+              <a:rPr lang="en-US" dirty="0">
+                <a:cs typeface="Calibri" panose="020F0502020204030204"/>
+              </a:rPr>
+              <a:t>, se </a:t>
+            </a:r>
+            <a:r>
+              <a:rPr lang="en-US" dirty="0" err="1">
+                <a:cs typeface="Calibri" panose="020F0502020204030204"/>
+              </a:rPr>
+              <a:t>eu</a:t>
+            </a:r>
+            <a:r>
+              <a:rPr lang="en-US" dirty="0">
+                <a:cs typeface="Calibri" panose="020F0502020204030204"/>
+              </a:rPr>
+              <a:t> </a:t>
+            </a:r>
+            <a:r>
+              <a:rPr lang="en-US" dirty="0" err="1">
+                <a:cs typeface="Calibri" panose="020F0502020204030204"/>
+              </a:rPr>
+              <a:t>pudesse</a:t>
+            </a:r>
+            <a:r>
+              <a:rPr lang="en-US" dirty="0">
+                <a:cs typeface="Calibri" panose="020F0502020204030204"/>
+              </a:rPr>
+              <a:t> </a:t>
+            </a:r>
+            <a:r>
+              <a:rPr lang="en-US" dirty="0" err="1">
+                <a:cs typeface="Calibri" panose="020F0502020204030204"/>
+              </a:rPr>
+              <a:t>falar</a:t>
+            </a:r>
+            <a:r>
+              <a:rPr lang="en-US" dirty="0">
+                <a:cs typeface="Calibri" panose="020F0502020204030204"/>
+              </a:rPr>
+              <a:t> com </a:t>
+            </a:r>
+            <a:r>
+              <a:rPr lang="en-US" dirty="0" err="1">
+                <a:cs typeface="Calibri" panose="020F0502020204030204"/>
+              </a:rPr>
+              <a:t>os</a:t>
+            </a:r>
+            <a:r>
+              <a:rPr lang="en-US" dirty="0">
+                <a:cs typeface="Calibri" panose="020F0502020204030204"/>
+              </a:rPr>
+              <a:t> professors por </a:t>
+            </a:r>
+            <a:r>
+              <a:rPr lang="en-US" dirty="0" err="1">
+                <a:cs typeface="Calibri" panose="020F0502020204030204"/>
+              </a:rPr>
+              <a:t>meio</a:t>
+            </a:r>
+            <a:r>
+              <a:rPr lang="en-US" dirty="0">
+                <a:cs typeface="Calibri" panose="020F0502020204030204"/>
+              </a:rPr>
+              <a:t> de chat </a:t>
+            </a:r>
+            <a:r>
+              <a:rPr lang="en-US" dirty="0" err="1">
+                <a:cs typeface="Calibri" panose="020F0502020204030204"/>
+              </a:rPr>
+              <a:t>iria</a:t>
+            </a:r>
+            <a:r>
+              <a:rPr lang="en-US" dirty="0">
+                <a:cs typeface="Calibri" panose="020F0502020204030204"/>
+              </a:rPr>
+              <a:t> </a:t>
+            </a:r>
+            <a:r>
+              <a:rPr lang="en-US" dirty="0" err="1">
+                <a:cs typeface="Calibri" panose="020F0502020204030204"/>
+              </a:rPr>
+              <a:t>ajudar</a:t>
+            </a:r>
+            <a:r>
+              <a:rPr lang="en-US" dirty="0">
+                <a:cs typeface="Calibri" panose="020F0502020204030204"/>
+              </a:rPr>
+              <a:t> </a:t>
+            </a:r>
+            <a:r>
+              <a:rPr lang="en-US" dirty="0" err="1">
+                <a:cs typeface="Calibri" panose="020F0502020204030204"/>
+              </a:rPr>
+              <a:t>muito</a:t>
+            </a:r>
+            <a:r>
+              <a:rPr lang="en-US" dirty="0">
+                <a:cs typeface="Calibri" panose="020F0502020204030204"/>
+              </a:rPr>
+              <a:t>.”</a:t>
+            </a:r>
+          </a:p>
+          <a:p>
+            <a:pPr algn="just">
+              <a:buFont typeface="Arial" panose="020F0502020204030204" pitchFamily="34" charset="0"/>
+              <a:buChar char="•"/>
+            </a:pPr>
+            <a:r>
+              <a:rPr lang="en-US" dirty="0">
+                <a:cs typeface="Calibri" panose="020F0502020204030204"/>
+              </a:rPr>
+              <a:t>“A </a:t>
+            </a:r>
+            <a:r>
+              <a:rPr lang="en-US" dirty="0" err="1">
+                <a:cs typeface="Calibri" panose="020F0502020204030204"/>
+              </a:rPr>
+              <a:t>utilização</a:t>
+            </a:r>
+            <a:r>
+              <a:rPr lang="en-US" dirty="0">
+                <a:cs typeface="Calibri" panose="020F0502020204030204"/>
+              </a:rPr>
+              <a:t> de </a:t>
+            </a:r>
+            <a:r>
+              <a:rPr lang="en-US" dirty="0" err="1">
+                <a:cs typeface="Calibri" panose="020F0502020204030204"/>
+              </a:rPr>
+              <a:t>tecnologia</a:t>
+            </a:r>
+            <a:r>
+              <a:rPr lang="en-US" dirty="0">
+                <a:cs typeface="Calibri" panose="020F0502020204030204"/>
+              </a:rPr>
+              <a:t> (chat) </a:t>
+            </a:r>
+            <a:r>
+              <a:rPr lang="en-US" dirty="0" err="1">
+                <a:cs typeface="Calibri" panose="020F0502020204030204"/>
+              </a:rPr>
+              <a:t>seria</a:t>
+            </a:r>
+            <a:r>
+              <a:rPr lang="en-US" dirty="0">
+                <a:cs typeface="Calibri" panose="020F0502020204030204"/>
+              </a:rPr>
+              <a:t> de </a:t>
+            </a:r>
+            <a:r>
+              <a:rPr lang="en-US" dirty="0" err="1">
+                <a:cs typeface="Calibri" panose="020F0502020204030204"/>
+              </a:rPr>
+              <a:t>grande</a:t>
+            </a:r>
+            <a:r>
+              <a:rPr lang="en-US" dirty="0">
+                <a:cs typeface="Calibri" panose="020F0502020204030204"/>
+              </a:rPr>
+              <a:t> </a:t>
+            </a:r>
+            <a:r>
+              <a:rPr lang="en-US" dirty="0" err="1">
+                <a:cs typeface="Calibri" panose="020F0502020204030204"/>
+              </a:rPr>
+              <a:t>ajuda</a:t>
+            </a:r>
+            <a:r>
+              <a:rPr lang="en-US" dirty="0">
+                <a:cs typeface="Calibri" panose="020F0502020204030204"/>
+              </a:rPr>
+              <a:t> para </a:t>
+            </a:r>
+            <a:r>
+              <a:rPr lang="en-US" dirty="0" err="1">
+                <a:cs typeface="Calibri" panose="020F0502020204030204"/>
+              </a:rPr>
+              <a:t>nos</a:t>
+            </a:r>
+            <a:r>
+              <a:rPr lang="en-US" dirty="0">
+                <a:cs typeface="Calibri" panose="020F0502020204030204"/>
+              </a:rPr>
+              <a:t> de T.I, mas </a:t>
+            </a:r>
+            <a:r>
+              <a:rPr lang="en-US" dirty="0" err="1">
+                <a:cs typeface="Calibri" panose="020F0502020204030204"/>
+              </a:rPr>
+              <a:t>os</a:t>
+            </a:r>
+            <a:r>
+              <a:rPr lang="en-US" dirty="0">
+                <a:cs typeface="Calibri" panose="020F0502020204030204"/>
+              </a:rPr>
+              <a:t> professors </a:t>
+            </a:r>
+            <a:r>
+              <a:rPr lang="en-US" dirty="0" err="1">
+                <a:cs typeface="Calibri" panose="020F0502020204030204"/>
+              </a:rPr>
+              <a:t>devem</a:t>
+            </a:r>
+            <a:r>
+              <a:rPr lang="en-US" dirty="0">
+                <a:cs typeface="Calibri" panose="020F0502020204030204"/>
+              </a:rPr>
+              <a:t> ser </a:t>
+            </a:r>
+            <a:r>
+              <a:rPr lang="en-US" dirty="0" err="1">
+                <a:cs typeface="Calibri" panose="020F0502020204030204"/>
+              </a:rPr>
+              <a:t>preparados</a:t>
+            </a:r>
+            <a:r>
+              <a:rPr lang="en-US" dirty="0">
+                <a:cs typeface="Calibri" panose="020F0502020204030204"/>
+              </a:rPr>
+              <a:t> </a:t>
+            </a:r>
+            <a:r>
+              <a:rPr lang="en-US" dirty="0" err="1">
+                <a:cs typeface="Calibri" panose="020F0502020204030204"/>
+              </a:rPr>
+              <a:t>adequadamente</a:t>
+            </a:r>
+            <a:r>
+              <a:rPr lang="en-US" dirty="0">
+                <a:cs typeface="Calibri" panose="020F0502020204030204"/>
+              </a:rPr>
+              <a:t> para utilize-los.”</a:t>
+            </a:r>
+          </a:p>
+          <a:p>
+            <a:pPr algn="just">
+              <a:buFont typeface="Arial" panose="020F0502020204030204" pitchFamily="34" charset="0"/>
+              <a:buChar char="•"/>
+            </a:pPr>
+            <a:r>
+              <a:rPr lang="en-US" dirty="0">
+                <a:cs typeface="Calibri" panose="020F0502020204030204"/>
+              </a:rPr>
+              <a:t>“</a:t>
+            </a:r>
+            <a:r>
+              <a:rPr lang="en-US" dirty="0" err="1">
+                <a:cs typeface="Calibri" panose="020F0502020204030204"/>
+              </a:rPr>
+              <a:t>Muitas</a:t>
+            </a:r>
+            <a:r>
+              <a:rPr lang="en-US" dirty="0">
+                <a:cs typeface="Calibri" panose="020F0502020204030204"/>
+              </a:rPr>
+              <a:t>  </a:t>
+            </a:r>
+            <a:r>
+              <a:rPr lang="en-US" dirty="0" err="1">
+                <a:cs typeface="Calibri" panose="020F0502020204030204"/>
+              </a:rPr>
+              <a:t>vezes</a:t>
+            </a:r>
+            <a:r>
+              <a:rPr lang="en-US" dirty="0">
+                <a:cs typeface="Calibri" panose="020F0502020204030204"/>
+              </a:rPr>
+              <a:t> o </a:t>
+            </a:r>
+            <a:r>
+              <a:rPr lang="en-US" dirty="0" err="1">
+                <a:cs typeface="Calibri" panose="020F0502020204030204"/>
+              </a:rPr>
+              <a:t>computador</a:t>
+            </a:r>
+            <a:r>
+              <a:rPr lang="en-US" dirty="0">
+                <a:cs typeface="Calibri" panose="020F0502020204030204"/>
+              </a:rPr>
+              <a:t> para de </a:t>
+            </a:r>
+            <a:r>
+              <a:rPr lang="en-US" dirty="0" err="1">
+                <a:cs typeface="Calibri" panose="020F0502020204030204"/>
+              </a:rPr>
+              <a:t>funcionar</a:t>
+            </a:r>
+            <a:r>
+              <a:rPr lang="en-US" dirty="0">
+                <a:cs typeface="Calibri" panose="020F0502020204030204"/>
+              </a:rPr>
+              <a:t> no final da aula e o professor </a:t>
+            </a:r>
+            <a:r>
+              <a:rPr lang="en-US" dirty="0" err="1">
+                <a:cs typeface="Calibri" panose="020F0502020204030204"/>
+              </a:rPr>
+              <a:t>não</a:t>
+            </a:r>
+            <a:r>
+              <a:rPr lang="en-US" dirty="0">
+                <a:cs typeface="Calibri" panose="020F0502020204030204"/>
+              </a:rPr>
+              <a:t> me </a:t>
+            </a:r>
+            <a:r>
+              <a:rPr lang="en-US" dirty="0" err="1">
+                <a:cs typeface="Calibri" panose="020F0502020204030204"/>
+              </a:rPr>
+              <a:t>comunica</a:t>
+            </a:r>
+            <a:r>
+              <a:rPr lang="en-US" dirty="0">
+                <a:cs typeface="Calibri" panose="020F0502020204030204"/>
+              </a:rPr>
+              <a:t> e </a:t>
+            </a:r>
+            <a:r>
+              <a:rPr lang="en-US" dirty="0" err="1">
+                <a:cs typeface="Calibri" panose="020F0502020204030204"/>
+              </a:rPr>
+              <a:t>na</a:t>
+            </a:r>
+            <a:r>
+              <a:rPr lang="en-US" dirty="0">
+                <a:cs typeface="Calibri" panose="020F0502020204030204"/>
+              </a:rPr>
+              <a:t> </a:t>
+            </a:r>
+            <a:r>
+              <a:rPr lang="en-US" dirty="0" err="1">
+                <a:cs typeface="Calibri" panose="020F0502020204030204"/>
+              </a:rPr>
+              <a:t>próxima</a:t>
+            </a:r>
+            <a:r>
+              <a:rPr lang="en-US" dirty="0">
+                <a:cs typeface="Calibri" panose="020F0502020204030204"/>
+              </a:rPr>
+              <a:t> aula </a:t>
+            </a:r>
+            <a:r>
+              <a:rPr lang="en-US" dirty="0" err="1">
+                <a:cs typeface="Calibri" panose="020F0502020204030204"/>
+              </a:rPr>
+              <a:t>aula</a:t>
+            </a:r>
+            <a:r>
+              <a:rPr lang="en-US" dirty="0">
+                <a:cs typeface="Calibri" panose="020F0502020204030204"/>
+              </a:rPr>
+              <a:t> </a:t>
+            </a:r>
+            <a:r>
+              <a:rPr lang="en-US" dirty="0" err="1">
+                <a:cs typeface="Calibri" panose="020F0502020204030204"/>
+              </a:rPr>
+              <a:t>eu</a:t>
+            </a:r>
+            <a:r>
+              <a:rPr lang="en-US" dirty="0">
+                <a:cs typeface="Calibri" panose="020F0502020204030204"/>
+              </a:rPr>
+              <a:t> </a:t>
+            </a:r>
+            <a:r>
+              <a:rPr lang="en-US" dirty="0" err="1">
+                <a:cs typeface="Calibri" panose="020F0502020204030204"/>
+              </a:rPr>
+              <a:t>passo</a:t>
+            </a:r>
+            <a:r>
+              <a:rPr lang="en-US" dirty="0">
+                <a:cs typeface="Calibri" panose="020F0502020204030204"/>
+              </a:rPr>
+              <a:t> por </a:t>
+            </a:r>
+            <a:r>
+              <a:rPr lang="en-US" dirty="0" err="1">
+                <a:cs typeface="Calibri" panose="020F0502020204030204"/>
+              </a:rPr>
+              <a:t>muita</a:t>
+            </a:r>
+            <a:r>
+              <a:rPr lang="en-US" dirty="0">
+                <a:cs typeface="Calibri" panose="020F0502020204030204"/>
+              </a:rPr>
+              <a:t> “</a:t>
+            </a:r>
+            <a:r>
+              <a:rPr lang="en-US" dirty="0" err="1">
+                <a:cs typeface="Calibri" panose="020F0502020204030204"/>
+              </a:rPr>
+              <a:t>dor</a:t>
+            </a:r>
+            <a:r>
+              <a:rPr lang="en-US" dirty="0">
+                <a:cs typeface="Calibri" panose="020F0502020204030204"/>
+              </a:rPr>
+              <a:t> de </a:t>
+            </a:r>
+            <a:r>
+              <a:rPr lang="en-US" dirty="0" err="1">
+                <a:cs typeface="Calibri" panose="020F0502020204030204"/>
+              </a:rPr>
+              <a:t>cabeça</a:t>
+            </a:r>
+            <a:r>
+              <a:rPr lang="en-US" dirty="0">
+                <a:cs typeface="Calibri" panose="020F0502020204030204"/>
+              </a:rPr>
+              <a:t>” com </a:t>
+            </a:r>
+            <a:r>
+              <a:rPr lang="en-US" dirty="0" err="1">
+                <a:cs typeface="Calibri" panose="020F0502020204030204"/>
+              </a:rPr>
+              <a:t>isso</a:t>
+            </a:r>
+            <a:r>
+              <a:rPr lang="en-US" dirty="0">
+                <a:cs typeface="Calibri" panose="020F0502020204030204"/>
+              </a:rPr>
+              <a:t>.”</a:t>
             </a:r>
           </a:p>
           <a:p>

--- a/Apresentação Sprint 1.pptx
+++ b/Apresentação Sprint 1.pptx
@@ -13347,26 +13347,6 @@
               <a:t> “Demora do técnico para chegar na sala e verificar o problema.”</a:t>
             </a:r>
           </a:p>
-          <a:p>
-            <a:pPr>
-              <a:spcAft>
-                <a:spcPts val="800"/>
-              </a:spcAft>
-            </a:pPr>
-            <a:r>
-              <a:rPr lang="pt-BR" sz="1600" dirty="0">
-                <a:solidFill>
-                  <a:schemeClr val="accent2">
-                    <a:lumMod val="50000"/>
-                  </a:schemeClr>
-                </a:solidFill>
-                <a:latin typeface="Calibri" panose="020F0502020204030204" pitchFamily="34" charset="0"/>
-                <a:cs typeface="Times New Roman" panose="02020603050405020304" pitchFamily="18" charset="0"/>
-              </a:rPr>
-              <a:t>“Saber se a atividade está sendo realmente executada pelos alunos”</a:t>
-            </a:r>
-            <a:endParaRPr lang="pt-BR" dirty="0"/>
-          </a:p>
         </p:txBody>
       </p:sp>
       <p:pic>
@@ -14443,7 +14423,7 @@
         </p:blipFill>
         <p:spPr>
           <a:xfrm>
-            <a:off x="221426" y="797236"/>
+            <a:off x="235494" y="797236"/>
             <a:ext cx="11738951" cy="5543103"/>
           </a:xfrm>
           <a:prstGeom prst="rect">
@@ -14842,8 +14822,8 @@
         </p:nvSpPr>
         <p:spPr>
           <a:xfrm>
-            <a:off x="2801033" y="3606751"/>
-            <a:ext cx="1923658" cy="336750"/>
+            <a:off x="3770145" y="3250442"/>
+            <a:ext cx="1095226" cy="439608"/>
           </a:xfrm>
           <a:prstGeom prst="rect">
             <a:avLst/>
@@ -15033,8 +15013,8 @@
         </p:nvSpPr>
         <p:spPr>
           <a:xfrm>
-            <a:off x="2801033" y="4005058"/>
-            <a:ext cx="1923658" cy="439608"/>
+            <a:off x="2658737" y="3626545"/>
+            <a:ext cx="1489613" cy="439608"/>
           </a:xfrm>
           <a:prstGeom prst="rect">
             <a:avLst/>
@@ -15320,15 +15300,15 @@
           <a:p>
             <a:pPr algn="ctr"/>
             <a:r>
-              <a:rPr lang="pt-BR" sz="1400">
+              <a:rPr lang="pt-BR" sz="1400" dirty="0">
                 <a:solidFill>
                   <a:schemeClr val="tx1"/>
                 </a:solidFill>
                 <a:latin typeface="Calibre"/>
               </a:rPr>
-              <a:t>Atendimento ágil</a:t>
-            </a:r>
-            <a:endParaRPr lang="en-US" sz="1400">
+              <a:t>Atendimento de suporte ágil</a:t>
+            </a:r>
+            <a:endParaRPr lang="en-US" sz="1400" dirty="0">
               <a:solidFill>
                 <a:schemeClr val="tx1"/>
               </a:solidFill>
@@ -15479,15 +15459,15 @@
           <a:p>
             <a:pPr algn="ctr"/>
             <a:r>
-              <a:rPr lang="pt-BR" sz="1400">
+              <a:rPr lang="pt-BR" sz="1400" dirty="0">
                 <a:solidFill>
                   <a:schemeClr val="tx1"/>
                 </a:solidFill>
                 <a:latin typeface="Calibre"/>
               </a:rPr>
-              <a:t>Maior disponibilidade do sistema</a:t>
-            </a:r>
-            <a:endParaRPr lang="en-US" sz="1400">
+              <a:t>Menor índice de incidentes</a:t>
+            </a:r>
+            <a:endParaRPr lang="en-US" sz="1400" dirty="0">
               <a:solidFill>
                 <a:schemeClr val="tx1"/>
               </a:solidFill>
@@ -15638,15 +15618,33 @@
           <a:p>
             <a:pPr algn="ctr"/>
             <a:r>
-              <a:rPr lang="pt-BR" sz="1400">
+              <a:rPr lang="en-US" sz="1400" dirty="0" err="1">
                 <a:solidFill>
                   <a:schemeClr val="tx1"/>
                 </a:solidFill>
                 <a:latin typeface="Calibre"/>
               </a:rPr>
-              <a:t>Avaliar custo benefício da máquina</a:t>
-            </a:r>
-            <a:endParaRPr lang="en-US" sz="1400">
+              <a:t>Inovação</a:t>
+            </a:r>
+            <a:r>
+              <a:rPr lang="en-US" sz="1400" dirty="0">
+                <a:solidFill>
+                  <a:schemeClr val="tx1"/>
+                </a:solidFill>
+                <a:latin typeface="Calibre"/>
+              </a:rPr>
+              <a:t> do </a:t>
+            </a:r>
+            <a:r>
+              <a:rPr lang="en-US" sz="1400" dirty="0" err="1">
+                <a:solidFill>
+                  <a:schemeClr val="tx1"/>
+                </a:solidFill>
+                <a:latin typeface="Calibre"/>
+              </a:rPr>
+              <a:t>atendimento</a:t>
+            </a:r>
+            <a:endParaRPr lang="en-US" sz="1400" dirty="0">
               <a:solidFill>
                 <a:schemeClr val="tx1"/>
               </a:solidFill>
@@ -16545,7 +16543,7 @@
               <a:defRPr/>
             </a:pPr>
             <a:r>
-              <a:rPr kumimoji="0" lang="pt-BR" sz="1400" b="0" i="0" u="none" strike="noStrike" kern="0" cap="none" spc="0" normalizeH="0" baseline="0" noProof="0">
+              <a:rPr kumimoji="0" lang="pt-BR" sz="1400" b="0" i="1" u="none" strike="noStrike" kern="0" cap="none" spc="0" normalizeH="0" baseline="0" noProof="0" dirty="0">
                 <a:ln>
                   <a:noFill/>
                 </a:ln>
@@ -17162,7 +17160,7 @@
         </p:nvSpPr>
         <p:spPr>
           <a:xfrm>
-            <a:off x="6232602" y="4644156"/>
+            <a:off x="6266947" y="5445555"/>
             <a:ext cx="2008120" cy="654350"/>
           </a:xfrm>
           <a:prstGeom prst="rect">
@@ -17294,159 +17292,6 @@
                 <a:latin typeface="Calibre"/>
               </a:rPr>
               <a:t>Venda de soluções de monitoramento de computadores</a:t>
-            </a:r>
-            <a:endParaRPr lang="en-US" sz="1400" dirty="0">
-              <a:latin typeface="Calibre"/>
-            </a:endParaRPr>
-          </a:p>
-        </p:txBody>
-      </p:sp>
-      <p:sp>
-        <p:nvSpPr>
-          <p:cNvPr id="4" name="Retângulo 20">
-            <a:extLst>
-              <a:ext uri="{FF2B5EF4-FFF2-40B4-BE49-F238E27FC236}">
-                <a16:creationId xmlns:a16="http://schemas.microsoft.com/office/drawing/2014/main" id="{D479B23D-E2AA-4F3B-9393-3CAC55671478}"/>
-              </a:ext>
-            </a:extLst>
-          </p:cNvPr>
-          <p:cNvSpPr/>
-          <p:nvPr/>
-        </p:nvSpPr>
-        <p:spPr>
-          <a:xfrm>
-            <a:off x="6232602" y="5417690"/>
-            <a:ext cx="2008120" cy="712927"/>
-          </a:xfrm>
-          <a:prstGeom prst="rect">
-            <a:avLst/>
-          </a:prstGeom>
-          <a:solidFill>
-            <a:srgbClr val="A5A5A5">
-              <a:alpha val="50000"/>
-            </a:srgbClr>
-          </a:solidFill>
-          <a:ln>
-            <a:noFill/>
-          </a:ln>
-          <a:effectLst/>
-        </p:spPr>
-        <p:style>
-          <a:lnRef idx="0">
-            <a:scrgbClr r="0" g="0" b="0"/>
-          </a:lnRef>
-          <a:fillRef idx="0">
-            <a:scrgbClr r="0" g="0" b="0"/>
-          </a:fillRef>
-          <a:effectRef idx="0">
-            <a:scrgbClr r="0" g="0" b="0"/>
-          </a:effectRef>
-          <a:fontRef idx="major"/>
-        </p:style>
-        <p:txBody>
-          <a:bodyPr rtlCol="0" anchor="ctr"/>
-          <a:lstStyle>
-            <a:defPPr>
-              <a:defRPr lang="pt-BR"/>
-            </a:defPPr>
-            <a:lvl1pPr marL="0" algn="l" defTabSz="914400" rtl="0" eaLnBrk="1" latinLnBrk="0" hangingPunct="1">
-              <a:defRPr sz="1800" kern="1200">
-                <a:solidFill>
-                  <a:schemeClr val="tx1"/>
-                </a:solidFill>
-                <a:latin typeface="+mj-lt"/>
-                <a:ea typeface="+mj-ea"/>
-                <a:cs typeface="+mj-cs"/>
-              </a:defRPr>
-            </a:lvl1pPr>
-            <a:lvl2pPr marL="457200" algn="l" defTabSz="914400" rtl="0" eaLnBrk="1" latinLnBrk="0" hangingPunct="1">
-              <a:defRPr sz="1800" kern="1200">
-                <a:solidFill>
-                  <a:schemeClr val="tx1"/>
-                </a:solidFill>
-                <a:latin typeface="+mj-lt"/>
-                <a:ea typeface="+mj-ea"/>
-                <a:cs typeface="+mj-cs"/>
-              </a:defRPr>
-            </a:lvl2pPr>
-            <a:lvl3pPr marL="914400" algn="l" defTabSz="914400" rtl="0" eaLnBrk="1" latinLnBrk="0" hangingPunct="1">
-              <a:defRPr sz="1800" kern="1200">
-                <a:solidFill>
-                  <a:schemeClr val="tx1"/>
-                </a:solidFill>
-                <a:latin typeface="+mj-lt"/>
-                <a:ea typeface="+mj-ea"/>
-                <a:cs typeface="+mj-cs"/>
-              </a:defRPr>
-            </a:lvl3pPr>
-            <a:lvl4pPr marL="1371600" algn="l" defTabSz="914400" rtl="0" eaLnBrk="1" latinLnBrk="0" hangingPunct="1">
-              <a:defRPr sz="1800" kern="1200">
-                <a:solidFill>
-                  <a:schemeClr val="tx1"/>
-                </a:solidFill>
-                <a:latin typeface="+mj-lt"/>
-                <a:ea typeface="+mj-ea"/>
-                <a:cs typeface="+mj-cs"/>
-              </a:defRPr>
-            </a:lvl4pPr>
-            <a:lvl5pPr marL="1828800" algn="l" defTabSz="914400" rtl="0" eaLnBrk="1" latinLnBrk="0" hangingPunct="1">
-              <a:defRPr sz="1800" kern="1200">
-                <a:solidFill>
-                  <a:schemeClr val="tx1"/>
-                </a:solidFill>
-                <a:latin typeface="+mj-lt"/>
-                <a:ea typeface="+mj-ea"/>
-                <a:cs typeface="+mj-cs"/>
-              </a:defRPr>
-            </a:lvl5pPr>
-            <a:lvl6pPr marL="2286000" algn="l" defTabSz="914400" rtl="0" eaLnBrk="1" latinLnBrk="0" hangingPunct="1">
-              <a:defRPr sz="1800" kern="1200">
-                <a:solidFill>
-                  <a:schemeClr val="tx1"/>
-                </a:solidFill>
-                <a:latin typeface="+mj-lt"/>
-                <a:ea typeface="+mj-ea"/>
-                <a:cs typeface="+mj-cs"/>
-              </a:defRPr>
-            </a:lvl6pPr>
-            <a:lvl7pPr marL="2743200" algn="l" defTabSz="914400" rtl="0" eaLnBrk="1" latinLnBrk="0" hangingPunct="1">
-              <a:defRPr sz="1800" kern="1200">
-                <a:solidFill>
-                  <a:schemeClr val="tx1"/>
-                </a:solidFill>
-                <a:latin typeface="+mj-lt"/>
-                <a:ea typeface="+mj-ea"/>
-                <a:cs typeface="+mj-cs"/>
-              </a:defRPr>
-            </a:lvl7pPr>
-            <a:lvl8pPr marL="3200400" algn="l" defTabSz="914400" rtl="0" eaLnBrk="1" latinLnBrk="0" hangingPunct="1">
-              <a:defRPr sz="1800" kern="1200">
-                <a:solidFill>
-                  <a:schemeClr val="tx1"/>
-                </a:solidFill>
-                <a:latin typeface="+mj-lt"/>
-                <a:ea typeface="+mj-ea"/>
-                <a:cs typeface="+mj-cs"/>
-              </a:defRPr>
-            </a:lvl8pPr>
-            <a:lvl9pPr marL="3657600" algn="l" defTabSz="914400" rtl="0" eaLnBrk="1" latinLnBrk="0" hangingPunct="1">
-              <a:defRPr sz="1800" kern="1200">
-                <a:solidFill>
-                  <a:schemeClr val="tx1"/>
-                </a:solidFill>
-                <a:latin typeface="+mj-lt"/>
-                <a:ea typeface="+mj-ea"/>
-                <a:cs typeface="+mj-cs"/>
-              </a:defRPr>
-            </a:lvl9pPr>
-          </a:lstStyle>
-          <a:p>
-            <a:pPr algn="ctr"/>
-            <a:r>
-              <a:rPr lang="pt-BR" sz="1400" dirty="0">
-                <a:latin typeface="Calibre"/>
-              </a:rPr>
-              <a:t>Pacotes promocionais dependendo da quantidade de máquinas</a:t>
             </a:r>
             <a:endParaRPr lang="en-US" sz="1400" dirty="0">
               <a:latin typeface="Calibre"/>
@@ -17607,22 +17452,7 @@
               </a:rPr>
               <a:t>ensalidade</a:t>
             </a:r>
-            <a:r>
-              <a:rPr lang="pt-BR" sz="1400" dirty="0">
-                <a:latin typeface="Calibre"/>
-              </a:rPr>
-              <a:t>. </a:t>
-            </a:r>
-          </a:p>
-          <a:p>
-            <a:pPr algn="ctr"/>
-            <a:r>
-              <a:rPr lang="pt-BR" sz="1400" dirty="0">
-                <a:latin typeface="Calibre"/>
-              </a:rPr>
-              <a:t>Desconto para mais de 5 ano de contrato</a:t>
-            </a:r>
-            <a:endParaRPr lang="en-US" sz="1400" dirty="0">
+            <a:endParaRPr lang="pt-BR" sz="1400" dirty="0">
               <a:latin typeface="Calibre"/>
             </a:endParaRPr>
           </a:p>
@@ -17962,6 +17792,165 @@
               <a:latin typeface="Calibri" panose="020F0502020204030204"/>
               <a:ea typeface="+mn-ea"/>
               <a:cs typeface="+mn-cs"/>
+            </a:endParaRPr>
+          </a:p>
+        </p:txBody>
+      </p:sp>
+      <p:sp>
+        <p:nvSpPr>
+          <p:cNvPr id="9" name="Retângulo 8">
+            <a:extLst>
+              <a:ext uri="{FF2B5EF4-FFF2-40B4-BE49-F238E27FC236}">
+                <a16:creationId xmlns:a16="http://schemas.microsoft.com/office/drawing/2014/main" id="{FF22AF5B-8B5C-489E-83F4-3FD07A6E6450}"/>
+              </a:ext>
+            </a:extLst>
+          </p:cNvPr>
+          <p:cNvSpPr/>
+          <p:nvPr/>
+        </p:nvSpPr>
+        <p:spPr>
+          <a:xfrm>
+            <a:off x="3629465" y="4033355"/>
+            <a:ext cx="1263691" cy="439608"/>
+          </a:xfrm>
+          <a:prstGeom prst="rect">
+            <a:avLst/>
+          </a:prstGeom>
+          <a:solidFill>
+            <a:srgbClr val="70AD47">
+              <a:alpha val="50000"/>
+            </a:srgbClr>
+          </a:solidFill>
+          <a:ln>
+            <a:noFill/>
+          </a:ln>
+          <a:effectLst/>
+        </p:spPr>
+        <p:style>
+          <a:lnRef idx="0">
+            <a:scrgbClr r="0" g="0" b="0"/>
+          </a:lnRef>
+          <a:fillRef idx="0">
+            <a:scrgbClr r="0" g="0" b="0"/>
+          </a:fillRef>
+          <a:effectRef idx="0">
+            <a:scrgbClr r="0" g="0" b="0"/>
+          </a:effectRef>
+          <a:fontRef idx="major"/>
+        </p:style>
+        <p:txBody>
+          <a:bodyPr rtlCol="0" anchor="ctr"/>
+          <a:lstStyle>
+            <a:defPPr>
+              <a:defRPr lang="pt-BR"/>
+            </a:defPPr>
+            <a:lvl1pPr marL="0" algn="l" defTabSz="914400" rtl="0" eaLnBrk="1" latinLnBrk="0" hangingPunct="1">
+              <a:defRPr sz="1800" kern="1200">
+                <a:solidFill>
+                  <a:schemeClr val="tx1"/>
+                </a:solidFill>
+                <a:latin typeface="+mj-lt"/>
+                <a:ea typeface="+mj-ea"/>
+                <a:cs typeface="+mj-cs"/>
+              </a:defRPr>
+            </a:lvl1pPr>
+            <a:lvl2pPr marL="457200" algn="l" defTabSz="914400" rtl="0" eaLnBrk="1" latinLnBrk="0" hangingPunct="1">
+              <a:defRPr sz="1800" kern="1200">
+                <a:solidFill>
+                  <a:schemeClr val="tx1"/>
+                </a:solidFill>
+                <a:latin typeface="+mj-lt"/>
+                <a:ea typeface="+mj-ea"/>
+                <a:cs typeface="+mj-cs"/>
+              </a:defRPr>
+            </a:lvl2pPr>
+            <a:lvl3pPr marL="914400" algn="l" defTabSz="914400" rtl="0" eaLnBrk="1" latinLnBrk="0" hangingPunct="1">
+              <a:defRPr sz="1800" kern="1200">
+                <a:solidFill>
+                  <a:schemeClr val="tx1"/>
+                </a:solidFill>
+                <a:latin typeface="+mj-lt"/>
+                <a:ea typeface="+mj-ea"/>
+                <a:cs typeface="+mj-cs"/>
+              </a:defRPr>
+            </a:lvl3pPr>
+            <a:lvl4pPr marL="1371600" algn="l" defTabSz="914400" rtl="0" eaLnBrk="1" latinLnBrk="0" hangingPunct="1">
+              <a:defRPr sz="1800" kern="1200">
+                <a:solidFill>
+                  <a:schemeClr val="tx1"/>
+                </a:solidFill>
+                <a:latin typeface="+mj-lt"/>
+                <a:ea typeface="+mj-ea"/>
+                <a:cs typeface="+mj-cs"/>
+              </a:defRPr>
+            </a:lvl4pPr>
+            <a:lvl5pPr marL="1828800" algn="l" defTabSz="914400" rtl="0" eaLnBrk="1" latinLnBrk="0" hangingPunct="1">
+              <a:defRPr sz="1800" kern="1200">
+                <a:solidFill>
+                  <a:schemeClr val="tx1"/>
+                </a:solidFill>
+                <a:latin typeface="+mj-lt"/>
+                <a:ea typeface="+mj-ea"/>
+                <a:cs typeface="+mj-cs"/>
+              </a:defRPr>
+            </a:lvl5pPr>
+            <a:lvl6pPr marL="2286000" algn="l" defTabSz="914400" rtl="0" eaLnBrk="1" latinLnBrk="0" hangingPunct="1">
+              <a:defRPr sz="1800" kern="1200">
+                <a:solidFill>
+                  <a:schemeClr val="tx1"/>
+                </a:solidFill>
+                <a:latin typeface="+mj-lt"/>
+                <a:ea typeface="+mj-ea"/>
+                <a:cs typeface="+mj-cs"/>
+              </a:defRPr>
+            </a:lvl6pPr>
+            <a:lvl7pPr marL="2743200" algn="l" defTabSz="914400" rtl="0" eaLnBrk="1" latinLnBrk="0" hangingPunct="1">
+              <a:defRPr sz="1800" kern="1200">
+                <a:solidFill>
+                  <a:schemeClr val="tx1"/>
+                </a:solidFill>
+                <a:latin typeface="+mj-lt"/>
+                <a:ea typeface="+mj-ea"/>
+                <a:cs typeface="+mj-cs"/>
+              </a:defRPr>
+            </a:lvl7pPr>
+            <a:lvl8pPr marL="3200400" algn="l" defTabSz="914400" rtl="0" eaLnBrk="1" latinLnBrk="0" hangingPunct="1">
+              <a:defRPr sz="1800" kern="1200">
+                <a:solidFill>
+                  <a:schemeClr val="tx1"/>
+                </a:solidFill>
+                <a:latin typeface="+mj-lt"/>
+                <a:ea typeface="+mj-ea"/>
+                <a:cs typeface="+mj-cs"/>
+              </a:defRPr>
+            </a:lvl8pPr>
+            <a:lvl9pPr marL="3657600" algn="l" defTabSz="914400" rtl="0" eaLnBrk="1" latinLnBrk="0" hangingPunct="1">
+              <a:defRPr sz="1800" kern="1200">
+                <a:solidFill>
+                  <a:schemeClr val="tx1"/>
+                </a:solidFill>
+                <a:latin typeface="+mj-lt"/>
+                <a:ea typeface="+mj-ea"/>
+                <a:cs typeface="+mj-cs"/>
+              </a:defRPr>
+            </a:lvl9pPr>
+          </a:lstStyle>
+          <a:p>
+            <a:pPr algn="ctr"/>
+            <a:r>
+              <a:rPr lang="pt-BR" sz="1400" dirty="0">
+                <a:solidFill>
+                  <a:schemeClr val="tx1"/>
+                </a:solidFill>
+                <a:latin typeface="Calibre"/>
+              </a:rPr>
+              <a:t>Pacotes promocionais</a:t>
+            </a:r>
+            <a:endParaRPr lang="en-US" sz="1400" dirty="0">
+              <a:solidFill>
+                <a:schemeClr val="tx1"/>
+              </a:solidFill>
+              <a:latin typeface="Calibre"/>
             </a:endParaRPr>
           </a:p>
         </p:txBody>
@@ -19314,6 +19303,23 @@
               </a:rPr>
               <a:t>   </a:t>
             </a:r>
+          </a:p>
+          <a:p>
+            <a:pPr marL="0" indent="0" algn="just">
+              <a:spcBef>
+                <a:spcPts val="0"/>
+              </a:spcBef>
+              <a:spcAft>
+                <a:spcPts val="600"/>
+              </a:spcAft>
+              <a:buNone/>
+            </a:pPr>
+            <a:r>
+              <a:rPr lang="en-US" dirty="0">
+                <a:cs typeface="Calibri" panose="020F0502020204030204"/>
+              </a:rPr>
+              <a:t>       </a:t>
+            </a:r>
             <a:r>
               <a:rPr lang="en-US" dirty="0" err="1">
                 <a:cs typeface="Calibri" panose="020F0502020204030204"/>
@@ -19422,6 +19428,20 @@
               </a:rPr>
               <a:t>.</a:t>
             </a:r>
+          </a:p>
+          <a:p>
+            <a:pPr marL="0" indent="0" algn="just">
+              <a:spcBef>
+                <a:spcPts val="0"/>
+              </a:spcBef>
+              <a:spcAft>
+                <a:spcPts val="600"/>
+              </a:spcAft>
+              <a:buNone/>
+            </a:pPr>
+            <a:endParaRPr lang="en-US" dirty="0">
+              <a:cs typeface="Calibri" panose="020F0502020204030204"/>
+            </a:endParaRPr>
           </a:p>
           <a:p>
             <a:pPr marL="0" indent="0" algn="just">
@@ -21157,10 +21177,10 @@
       </p:sp>
       <p:pic>
         <p:nvPicPr>
-          <p:cNvPr id="5" name="Imagem 4">
+          <p:cNvPr id="6" name="Imagem 5">
             <a:extLst>
               <a:ext uri="{FF2B5EF4-FFF2-40B4-BE49-F238E27FC236}">
-                <a16:creationId xmlns:a16="http://schemas.microsoft.com/office/drawing/2014/main" id="{DF0DE6ED-70C5-46EB-8C0B-FA09AB80C0D5}"/>
+                <a16:creationId xmlns:a16="http://schemas.microsoft.com/office/drawing/2014/main" id="{677F5FC2-34BB-4553-B479-D6AC54DA2C67}"/>
               </a:ext>
             </a:extLst>
           </p:cNvPr>
@@ -21177,8 +21197,8 @@
         </p:blipFill>
         <p:spPr>
           <a:xfrm>
-            <a:off x="1209926" y="286603"/>
-            <a:ext cx="9945754" cy="5933199"/>
+            <a:off x="769168" y="286603"/>
+            <a:ext cx="10714623" cy="5954010"/>
           </a:xfrm>
           <a:prstGeom prst="rect">
             <a:avLst/>
@@ -28096,7 +28116,7 @@
         </p:nvSpPr>
         <p:spPr>
           <a:xfrm>
-            <a:off x="904369" y="1730305"/>
+            <a:off x="1097280" y="1885790"/>
             <a:ext cx="4578293" cy="427624"/>
           </a:xfrm>
         </p:spPr>
@@ -28129,13 +28149,13 @@
         </p:nvSpPr>
         <p:spPr>
           <a:xfrm>
-            <a:off x="904370" y="2167575"/>
-            <a:ext cx="4913803" cy="4111262"/>
+            <a:off x="1097280" y="2461845"/>
+            <a:ext cx="9787554" cy="3816991"/>
           </a:xfrm>
         </p:spPr>
         <p:txBody>
           <a:bodyPr vert="horz" lIns="0" tIns="45720" rIns="0" bIns="45720" rtlCol="0" anchor="t">
-            <a:normAutofit lnSpcReduction="10000"/>
+            <a:normAutofit/>
           </a:bodyPr>
           <a:lstStyle/>
           <a:p>
